--- a/CFObjective_ORMZen/preso/orm_zen.ppt.pptx
+++ b/CFObjective_ORMZen/preso/orm_zen.ppt.pptx
@@ -17,6 +17,7 @@
     <p:sldId id="263" r:id="rId11"/>
     <p:sldId id="266" r:id="rId12"/>
     <p:sldId id="267" r:id="rId13"/>
+    <p:sldId id="268" r:id="rId14"/>
   </p:sldIdLst>
   <p:sldSz cx="9144000" cy="6858000" type="screen4x3"/>
   <p:notesSz cx="6858000" cy="9144000"/>
@@ -1930,7 +1931,7 @@
           <a:p>
             <a:fld id="{8D079CED-E0C8-4B3D-AB1E-914A2D354D81}" type="datetimeFigureOut">
               <a:rPr lang="en-US" smtClean="0"/>
-              <a:t>3/6/2011</a:t>
+              <a:t>3/13/2011</a:t>
             </a:fld>
             <a:endParaRPr lang="en-US"/>
           </a:p>
@@ -2111,7 +2112,7 @@
           <a:p>
             <a:fld id="{8D079CED-E0C8-4B3D-AB1E-914A2D354D81}" type="datetimeFigureOut">
               <a:rPr lang="en-US" smtClean="0"/>
-              <a:t>3/6/2011</a:t>
+              <a:t>3/13/2011</a:t>
             </a:fld>
             <a:endParaRPr lang="en-US"/>
           </a:p>
@@ -2262,7 +2263,7 @@
           <a:p>
             <a:fld id="{8D079CED-E0C8-4B3D-AB1E-914A2D354D81}" type="datetimeFigureOut">
               <a:rPr lang="en-US" smtClean="0"/>
-              <a:t>3/6/2011</a:t>
+              <a:t>3/13/2011</a:t>
             </a:fld>
             <a:endParaRPr lang="en-US"/>
           </a:p>
@@ -4088,7 +4089,7 @@
           <a:p>
             <a:fld id="{8D079CED-E0C8-4B3D-AB1E-914A2D354D81}" type="datetimeFigureOut">
               <a:rPr lang="en-US" smtClean="0"/>
-              <a:t>3/6/2011</a:t>
+              <a:t>3/13/2011</a:t>
             </a:fld>
             <a:endParaRPr lang="en-US"/>
           </a:p>
@@ -5958,7 +5959,7 @@
           <a:p>
             <a:fld id="{8D079CED-E0C8-4B3D-AB1E-914A2D354D81}" type="datetimeFigureOut">
               <a:rPr lang="en-US" smtClean="0"/>
-              <a:t>3/6/2011</a:t>
+              <a:t>3/13/2011</a:t>
             </a:fld>
             <a:endParaRPr lang="en-US"/>
           </a:p>
@@ -6071,7 +6072,7 @@
           <a:p>
             <a:fld id="{8D079CED-E0C8-4B3D-AB1E-914A2D354D81}" type="datetimeFigureOut">
               <a:rPr lang="en-US" smtClean="0"/>
-              <a:t>3/6/2011</a:t>
+              <a:t>3/13/2011</a:t>
             </a:fld>
             <a:endParaRPr lang="en-US"/>
           </a:p>
@@ -6612,7 +6613,7 @@
           <a:p>
             <a:fld id="{8D079CED-E0C8-4B3D-AB1E-914A2D354D81}" type="datetimeFigureOut">
               <a:rPr lang="en-US" smtClean="0"/>
-              <a:t>3/6/2011</a:t>
+              <a:t>3/13/2011</a:t>
             </a:fld>
             <a:endParaRPr lang="en-US"/>
           </a:p>
@@ -6725,7 +6726,7 @@
           <a:p>
             <a:fld id="{8D079CED-E0C8-4B3D-AB1E-914A2D354D81}" type="datetimeFigureOut">
               <a:rPr lang="en-US" smtClean="0"/>
-              <a:t>3/6/2011</a:t>
+              <a:t>3/13/2011</a:t>
             </a:fld>
             <a:endParaRPr lang="en-US"/>
           </a:p>
@@ -8436,7 +8437,7 @@
           <a:p>
             <a:fld id="{8D079CED-E0C8-4B3D-AB1E-914A2D354D81}" type="datetimeFigureOut">
               <a:rPr lang="en-US" smtClean="0"/>
-              <a:t>3/6/2011</a:t>
+              <a:t>3/13/2011</a:t>
             </a:fld>
             <a:endParaRPr lang="en-US"/>
           </a:p>
@@ -8587,7 +8588,7 @@
           <a:p>
             <a:fld id="{8D079CED-E0C8-4B3D-AB1E-914A2D354D81}" type="datetimeFigureOut">
               <a:rPr lang="en-US" smtClean="0"/>
-              <a:t>3/6/2011</a:t>
+              <a:t>3/13/2011</a:t>
             </a:fld>
             <a:endParaRPr lang="en-US"/>
           </a:p>
@@ -12202,7 +12203,7 @@
           <a:p>
             <a:fld id="{8D079CED-E0C8-4B3D-AB1E-914A2D354D81}" type="datetimeFigureOut">
               <a:rPr lang="en-US" smtClean="0"/>
-              <a:t>3/6/2011</a:t>
+              <a:t>3/13/2011</a:t>
             </a:fld>
             <a:endParaRPr lang="en-US"/>
           </a:p>
@@ -14061,7 +14062,7 @@
           <a:p>
             <a:fld id="{8D079CED-E0C8-4B3D-AB1E-914A2D354D81}" type="datetimeFigureOut">
               <a:rPr lang="en-US" smtClean="0"/>
-              <a:t>3/6/2011</a:t>
+              <a:t>3/13/2011</a:t>
             </a:fld>
             <a:endParaRPr lang="en-US"/>
           </a:p>
@@ -15182,6 +15183,165 @@
 </p:sld>
 </file>
 
+<file path=ppt/slides/slide13.xml><?xml version="1.0" encoding="utf-8"?>
+<p:sld xmlns:a="http://schemas.openxmlformats.org/drawingml/2006/main" xmlns:r="http://schemas.openxmlformats.org/officeDocument/2006/relationships" xmlns:p="http://schemas.openxmlformats.org/presentationml/2006/main">
+  <p:cSld>
+    <p:spTree>
+      <p:nvGrpSpPr>
+        <p:cNvPr id="1" name=""/>
+        <p:cNvGrpSpPr/>
+        <p:nvPr/>
+      </p:nvGrpSpPr>
+      <p:grpSpPr>
+        <a:xfrm>
+          <a:off x="0" y="0"/>
+          <a:ext cx="0" cy="0"/>
+          <a:chOff x="0" y="0"/>
+          <a:chExt cx="0" cy="0"/>
+        </a:xfrm>
+      </p:grpSpPr>
+      <p:sp>
+        <p:nvSpPr>
+          <p:cNvPr id="2" name="Content Placeholder 1"/>
+          <p:cNvSpPr>
+            <a:spLocks noGrp="1"/>
+          </p:cNvSpPr>
+          <p:nvPr>
+            <p:ph idx="1"/>
+          </p:nvPr>
+        </p:nvSpPr>
+        <p:spPr/>
+        <p:txBody>
+          <a:bodyPr/>
+          <a:lstStyle/>
+          <a:p>
+            <a:pPr marL="457200" indent="-457200">
+              <a:buFont typeface="+mj-lt"/>
+              <a:buAutoNum type="arabicPeriod"/>
+            </a:pPr>
+            <a:r>
+              <a:rPr lang="en-US" dirty="0" smtClean="0"/>
+              <a:t>Essential ORM Settings</a:t>
+            </a:r>
+          </a:p>
+          <a:p>
+            <a:pPr marL="457200" indent="-457200">
+              <a:buFont typeface="+mj-lt"/>
+              <a:buAutoNum type="arabicPeriod"/>
+            </a:pPr>
+            <a:r>
+              <a:rPr lang="en-US" dirty="0" smtClean="0"/>
+              <a:t>Many-to-One Relationships</a:t>
+            </a:r>
+          </a:p>
+          <a:p>
+            <a:pPr marL="457200" indent="-457200">
+              <a:buFont typeface="+mj-lt"/>
+              <a:buAutoNum type="arabicPeriod"/>
+            </a:pPr>
+            <a:r>
+              <a:rPr lang="en-US" dirty="0" smtClean="0"/>
+              <a:t>One-to-Many Intro: Bidirectional relationships</a:t>
+            </a:r>
+          </a:p>
+          <a:p>
+            <a:pPr marL="457200" indent="-457200">
+              <a:buFont typeface="+mj-lt"/>
+              <a:buAutoNum type="arabicPeriod"/>
+            </a:pPr>
+            <a:r>
+              <a:rPr lang="en-US" dirty="0" smtClean="0"/>
+              <a:t>One-to-Many: </a:t>
+            </a:r>
+            <a:r>
+              <a:rPr lang="en-US" dirty="0" err="1" smtClean="0"/>
+              <a:t>linktables</a:t>
+            </a:r>
+            <a:r>
+              <a:rPr lang="en-US" dirty="0" smtClean="0"/>
+              <a:t> and cascades</a:t>
+            </a:r>
+          </a:p>
+          <a:p>
+            <a:pPr marL="457200" indent="-457200">
+              <a:buFont typeface="+mj-lt"/>
+              <a:buAutoNum type="arabicPeriod"/>
+            </a:pPr>
+            <a:r>
+              <a:rPr lang="en-US" dirty="0" smtClean="0"/>
+              <a:t>One-to-Many: inverse and “relationship owner”</a:t>
+            </a:r>
+          </a:p>
+          <a:p>
+            <a:pPr marL="457200" indent="-457200">
+              <a:buFont typeface="+mj-lt"/>
+              <a:buAutoNum type="arabicPeriod"/>
+            </a:pPr>
+            <a:r>
+              <a:rPr lang="en-US" dirty="0" smtClean="0"/>
+              <a:t>One-to-Many: deleting things</a:t>
+            </a:r>
+          </a:p>
+          <a:p>
+            <a:pPr marL="457200" indent="-457200">
+              <a:buFont typeface="+mj-lt"/>
+              <a:buAutoNum type="arabicPeriod"/>
+            </a:pPr>
+            <a:r>
+              <a:rPr lang="en-US" dirty="0" smtClean="0"/>
+              <a:t>Hibernate Session and the ColdFusion </a:t>
+            </a:r>
+            <a:r>
+              <a:rPr lang="en-US" smtClean="0"/>
+              <a:t>Session scope</a:t>
+            </a:r>
+            <a:endParaRPr lang="en-US" dirty="0"/>
+          </a:p>
+        </p:txBody>
+      </p:sp>
+      <p:sp>
+        <p:nvSpPr>
+          <p:cNvPr id="3" name="Title 2"/>
+          <p:cNvSpPr>
+            <a:spLocks noGrp="1"/>
+          </p:cNvSpPr>
+          <p:nvPr>
+            <p:ph type="title"/>
+          </p:nvPr>
+        </p:nvSpPr>
+        <p:spPr/>
+        <p:txBody>
+          <a:bodyPr/>
+          <a:lstStyle/>
+          <a:p>
+            <a:r>
+              <a:rPr lang="en-US" dirty="0" smtClean="0"/>
+              <a:t>Agenda</a:t>
+            </a:r>
+            <a:endParaRPr lang="en-US" dirty="0"/>
+          </a:p>
+        </p:txBody>
+      </p:sp>
+    </p:spTree>
+    <p:extLst>
+      <p:ext uri="{BB962C8B-B14F-4D97-AF65-F5344CB8AC3E}">
+        <p14:creationId xmlns:p14="http://schemas.microsoft.com/office/powerpoint/2010/main" val="1217571830"/>
+      </p:ext>
+    </p:extLst>
+  </p:cSld>
+  <p:clrMapOvr>
+    <a:masterClrMapping/>
+  </p:clrMapOvr>
+  <p:timing>
+    <p:tnLst>
+      <p:par>
+        <p:cTn id="1" dur="indefinite" restart="never" nodeType="tmRoot"/>
+      </p:par>
+    </p:tnLst>
+  </p:timing>
+</p:sld>
+</file>
+
 <file path=ppt/slides/slide2.xml><?xml version="1.0" encoding="utf-8"?>
 <p:sld xmlns:a="http://schemas.openxmlformats.org/drawingml/2006/main" xmlns:r="http://schemas.openxmlformats.org/officeDocument/2006/relationships" xmlns:p="http://schemas.openxmlformats.org/presentationml/2006/main">
   <p:cSld>
@@ -15765,8 +15925,8 @@
         </p:nvSpPr>
         <p:spPr>
           <a:xfrm>
-            <a:off x="304800" y="1371600"/>
-            <a:ext cx="2057400" cy="369332"/>
+            <a:off x="304088" y="1371600"/>
+            <a:ext cx="2057400" cy="707886"/>
           </a:xfrm>
           <a:prstGeom prst="rect">
             <a:avLst/>
@@ -15780,40 +15940,32 @@
           <a:lstStyle/>
           <a:p>
             <a:r>
-              <a:rPr lang="en-US" dirty="0" smtClean="0"/>
+              <a:rPr lang="en-US" sz="4000" dirty="0">
+                <a:solidFill>
+                  <a:srgbClr val="FF0000"/>
+                </a:solidFill>
+                <a:effectLst>
+                  <a:outerShdw blurRad="50800" dist="50800" dir="3000000" algn="ctr" rotWithShape="0">
+                    <a:schemeClr val="bg1">
+                      <a:lumMod val="50000"/>
+                    </a:schemeClr>
+                  </a:outerShdw>
+                </a:effectLst>
+              </a:rPr>
               <a:t>ORM</a:t>
             </a:r>
-            <a:endParaRPr lang="en-US" dirty="0"/>
-          </a:p>
-        </p:txBody>
-      </p:sp>
-      <p:sp>
-        <p:nvSpPr>
-          <p:cNvPr id="5" name="TextBox 4"/>
-          <p:cNvSpPr txBox="1"/>
-          <p:nvPr/>
-        </p:nvSpPr>
-        <p:spPr>
-          <a:xfrm>
-            <a:off x="7964154" y="337457"/>
-            <a:ext cx="494046" cy="369332"/>
-          </a:xfrm>
-          <a:prstGeom prst="rect">
-            <a:avLst/>
-          </a:prstGeom>
-          <a:noFill/>
-        </p:spPr>
-        <p:txBody>
-          <a:bodyPr wrap="none" rtlCol="0">
-            <a:spAutoFit/>
-          </a:bodyPr>
-          <a:lstStyle/>
-          <a:p>
-            <a:r>
-              <a:rPr lang="en-US" dirty="0" smtClean="0"/>
-              <a:t>ME</a:t>
-            </a:r>
-            <a:endParaRPr lang="en-US" dirty="0"/>
+            <a:endParaRPr lang="en-US" sz="4000" dirty="0">
+              <a:solidFill>
+                <a:srgbClr val="FF0000"/>
+              </a:solidFill>
+              <a:effectLst>
+                <a:outerShdw blurRad="50800" dist="50800" dir="3000000" algn="ctr" rotWithShape="0">
+                  <a:schemeClr val="bg1">
+                    <a:lumMod val="50000"/>
+                  </a:schemeClr>
+                </a:outerShdw>
+              </a:effectLst>
+            </a:endParaRPr>
           </a:p>
         </p:txBody>
       </p:sp>
@@ -15858,6 +16010,58 @@
           <a:p>
             <a:pPr algn="ctr"/>
             <a:endParaRPr lang="en-US"/>
+          </a:p>
+        </p:txBody>
+      </p:sp>
+      <p:sp>
+        <p:nvSpPr>
+          <p:cNvPr id="5" name="TextBox 4"/>
+          <p:cNvSpPr txBox="1"/>
+          <p:nvPr/>
+        </p:nvSpPr>
+        <p:spPr>
+          <a:xfrm>
+            <a:off x="7620000" y="511314"/>
+            <a:ext cx="914400" cy="707886"/>
+          </a:xfrm>
+          <a:prstGeom prst="rect">
+            <a:avLst/>
+          </a:prstGeom>
+          <a:noFill/>
+        </p:spPr>
+        <p:txBody>
+          <a:bodyPr wrap="square" rtlCol="0">
+            <a:spAutoFit/>
+          </a:bodyPr>
+          <a:lstStyle/>
+          <a:p>
+            <a:r>
+              <a:rPr lang="en-US" sz="4000" dirty="0" smtClean="0">
+                <a:solidFill>
+                  <a:srgbClr val="FF0000"/>
+                </a:solidFill>
+                <a:effectLst>
+                  <a:outerShdw blurRad="50800" dist="50800" dir="3000000" algn="ctr" rotWithShape="0">
+                    <a:schemeClr val="bg1">
+                      <a:lumMod val="50000"/>
+                    </a:schemeClr>
+                  </a:outerShdw>
+                </a:effectLst>
+              </a:rPr>
+              <a:t>ME</a:t>
+            </a:r>
+            <a:endParaRPr lang="en-US" sz="4000" dirty="0">
+              <a:solidFill>
+                <a:srgbClr val="FF0000"/>
+              </a:solidFill>
+              <a:effectLst>
+                <a:outerShdw blurRad="50800" dist="50800" dir="3000000" algn="ctr" rotWithShape="0">
+                  <a:schemeClr val="bg1">
+                    <a:lumMod val="50000"/>
+                  </a:schemeClr>
+                </a:outerShdw>
+              </a:effectLst>
+            </a:endParaRPr>
           </a:p>
         </p:txBody>
       </p:sp>
@@ -16000,7 +16204,22 @@
           <a:p>
             <a:r>
               <a:rPr lang="en-US" dirty="0" smtClean="0"/>
-              <a:t>“Why did you delete 800 records and then insert 801?”</a:t>
+              <a:t>“Why did you delete 800 </a:t>
+            </a:r>
+            <a:r>
+              <a:rPr lang="en-US" dirty="0" smtClean="0"/>
+              <a:t>records…</a:t>
+            </a:r>
+            <a:br>
+              <a:rPr lang="en-US" dirty="0" smtClean="0"/>
+            </a:br>
+            <a:r>
+              <a:rPr lang="en-US" dirty="0" smtClean="0"/>
+              <a:t>              … and </a:t>
+            </a:r>
+            <a:r>
+              <a:rPr lang="en-US" dirty="0" smtClean="0"/>
+              <a:t>then insert 801?”</a:t>
             </a:r>
           </a:p>
           <a:p>
@@ -16381,10 +16600,9 @@
               <a:t>SomePrimaryKey</a:t>
             </a:r>
             <a:r>
-              <a:rPr lang="en-US" smtClean="0"/>
+              <a:rPr lang="en-US" dirty="0" smtClean="0"/>
               <a:t>&gt;…”</a:t>
             </a:r>
-            <a:endParaRPr lang="en-US" dirty="0" smtClean="0"/>
           </a:p>
           <a:p>
             <a:r>
@@ -16429,12 +16647,17 @@
             </a:r>
             <a:r>
               <a:rPr lang="en-US" i="1" dirty="0"/>
-              <a:t>a different object with the same identifier value was already associated with the session:</a:t>
+              <a:t>a different object with the same identifier value was already associated with the </a:t>
+            </a:r>
+            <a:r>
+              <a:rPr lang="en-US" i="1" dirty="0" smtClean="0"/>
+              <a:t>session</a:t>
             </a:r>
             <a:r>
               <a:rPr lang="en-US" dirty="0" smtClean="0"/>
               <a:t>”</a:t>
             </a:r>
+            <a:endParaRPr lang="en-US" dirty="0" smtClean="0"/>
           </a:p>
         </p:txBody>
       </p:sp>
@@ -16926,6 +17149,14 @@
                   <a:solidFill>
                     <a:schemeClr val="bg1"/>
                   </a:solidFill>
+                  <a:effectLst>
+                    <a:outerShdw blurRad="50800" dist="50800" dir="5400000" algn="ctr" rotWithShape="0">
+                      <a:schemeClr val="tx1">
+                        <a:lumMod val="50000"/>
+                        <a:lumOff val="50000"/>
+                      </a:schemeClr>
+                    </a:outerShdw>
+                  </a:effectLst>
                 </a:rPr>
                 <a:t>ORM</a:t>
               </a:r>

--- a/CFObjective_ORMZen/preso/orm_zen.ppt.pptx
+++ b/CFObjective_ORMZen/preso/orm_zen.ppt.pptx
@@ -6,18 +6,56 @@
   </p:sldMasterIdLst>
   <p:sldIdLst>
     <p:sldId id="256" r:id="rId2"/>
-    <p:sldId id="257" r:id="rId3"/>
-    <p:sldId id="258" r:id="rId4"/>
-    <p:sldId id="260" r:id="rId5"/>
-    <p:sldId id="259" r:id="rId6"/>
-    <p:sldId id="261" r:id="rId7"/>
-    <p:sldId id="265" r:id="rId8"/>
-    <p:sldId id="264" r:id="rId9"/>
-    <p:sldId id="262" r:id="rId10"/>
-    <p:sldId id="263" r:id="rId11"/>
-    <p:sldId id="266" r:id="rId12"/>
-    <p:sldId id="267" r:id="rId13"/>
-    <p:sldId id="268" r:id="rId14"/>
+    <p:sldId id="313" r:id="rId3"/>
+    <p:sldId id="257" r:id="rId4"/>
+    <p:sldId id="258" r:id="rId5"/>
+    <p:sldId id="260" r:id="rId6"/>
+    <p:sldId id="259" r:id="rId7"/>
+    <p:sldId id="261" r:id="rId8"/>
+    <p:sldId id="265" r:id="rId9"/>
+    <p:sldId id="264" r:id="rId10"/>
+    <p:sldId id="262" r:id="rId11"/>
+    <p:sldId id="263" r:id="rId12"/>
+    <p:sldId id="266" r:id="rId13"/>
+    <p:sldId id="267" r:id="rId14"/>
+    <p:sldId id="296" r:id="rId15"/>
+    <p:sldId id="268" r:id="rId16"/>
+    <p:sldId id="280" r:id="rId17"/>
+    <p:sldId id="285" r:id="rId18"/>
+    <p:sldId id="281" r:id="rId19"/>
+    <p:sldId id="286" r:id="rId20"/>
+    <p:sldId id="314" r:id="rId21"/>
+    <p:sldId id="294" r:id="rId22"/>
+    <p:sldId id="269" r:id="rId23"/>
+    <p:sldId id="273" r:id="rId24"/>
+    <p:sldId id="274" r:id="rId25"/>
+    <p:sldId id="297" r:id="rId26"/>
+    <p:sldId id="279" r:id="rId27"/>
+    <p:sldId id="298" r:id="rId28"/>
+    <p:sldId id="282" r:id="rId29"/>
+    <p:sldId id="283" r:id="rId30"/>
+    <p:sldId id="293" r:id="rId31"/>
+    <p:sldId id="299" r:id="rId32"/>
+    <p:sldId id="284" r:id="rId33"/>
+    <p:sldId id="300" r:id="rId34"/>
+    <p:sldId id="287" r:id="rId35"/>
+    <p:sldId id="290" r:id="rId36"/>
+    <p:sldId id="289" r:id="rId37"/>
+    <p:sldId id="291" r:id="rId38"/>
+    <p:sldId id="292" r:id="rId39"/>
+    <p:sldId id="301" r:id="rId40"/>
+    <p:sldId id="302" r:id="rId41"/>
+    <p:sldId id="303" r:id="rId42"/>
+    <p:sldId id="315" r:id="rId43"/>
+    <p:sldId id="312" r:id="rId44"/>
+    <p:sldId id="304" r:id="rId45"/>
+    <p:sldId id="305" r:id="rId46"/>
+    <p:sldId id="306" r:id="rId47"/>
+    <p:sldId id="307" r:id="rId48"/>
+    <p:sldId id="308" r:id="rId49"/>
+    <p:sldId id="309" r:id="rId50"/>
+    <p:sldId id="310" r:id="rId51"/>
+    <p:sldId id="311" r:id="rId52"/>
   </p:sldIdLst>
   <p:sldSz cx="9144000" cy="6858000" type="screen4x3"/>
   <p:notesSz cx="6858000" cy="9144000"/>
@@ -14616,31 +14654,51 @@
             <p:ph type="subTitle" idx="1"/>
           </p:nvPr>
         </p:nvSpPr>
-        <p:spPr/>
+        <p:spPr>
+          <a:xfrm>
+            <a:off x="1371600" y="3352800"/>
+            <a:ext cx="6400800" cy="1676401"/>
+          </a:xfrm>
+        </p:spPr>
         <p:txBody>
-          <a:bodyPr/>
+          <a:bodyPr>
+            <a:normAutofit fontScale="70000" lnSpcReduction="20000"/>
+          </a:bodyPr>
           <a:lstStyle/>
           <a:p>
             <a:r>
-              <a:rPr lang="en-US" dirty="0" smtClean="0"/>
+              <a:rPr lang="en-US" sz="4600" dirty="0" smtClean="0"/>
               <a:t>Marc </a:t>
             </a:r>
             <a:r>
-              <a:rPr lang="en-US" dirty="0" err="1" smtClean="0"/>
+              <a:rPr lang="en-US" sz="4600" dirty="0" err="1" smtClean="0"/>
               <a:t>Esher</a:t>
             </a:r>
-            <a:endParaRPr lang="en-US" dirty="0" smtClean="0"/>
-          </a:p>
-          <a:p>
-            <a:r>
-              <a:rPr lang="en-US" dirty="0" err="1" smtClean="0"/>
+            <a:endParaRPr lang="en-US" sz="4600" dirty="0" smtClean="0"/>
+          </a:p>
+          <a:p>
+            <a:r>
+              <a:rPr lang="en-US" sz="4600" dirty="0" err="1" smtClean="0"/>
               <a:t>cf.Objective</a:t>
             </a:r>
             <a:r>
-              <a:rPr lang="en-US" dirty="0" smtClean="0"/>
-              <a:t>() 2011</a:t>
-            </a:r>
+              <a:rPr lang="en-US" sz="4600" dirty="0" smtClean="0"/>
+              <a:t>() </a:t>
+            </a:r>
+            <a:r>
+              <a:rPr lang="en-US" sz="4600" dirty="0" smtClean="0"/>
+              <a:t>2011</a:t>
+            </a:r>
+          </a:p>
+          <a:p>
             <a:endParaRPr lang="en-US" dirty="0"/>
+          </a:p>
+          <a:p>
+            <a:r>
+              <a:rPr lang="en-US" sz="3500" b="1" dirty="0"/>
+              <a:t>http://bit.ly/cformzen</a:t>
+            </a:r>
+            <a:endParaRPr lang="en-US" sz="3500" b="1" dirty="0"/>
           </a:p>
         </p:txBody>
       </p:sp>
@@ -14665,6 +14723,308 @@
 </file>
 
 <file path=ppt/slides/slide10.xml><?xml version="1.0" encoding="utf-8"?>
+<p:sld xmlns:a="http://schemas.openxmlformats.org/drawingml/2006/main" xmlns:r="http://schemas.openxmlformats.org/officeDocument/2006/relationships" xmlns:p="http://schemas.openxmlformats.org/presentationml/2006/main">
+  <p:cSld>
+    <p:spTree>
+      <p:nvGrpSpPr>
+        <p:cNvPr id="1" name=""/>
+        <p:cNvGrpSpPr/>
+        <p:nvPr/>
+      </p:nvGrpSpPr>
+      <p:grpSpPr>
+        <a:xfrm>
+          <a:off x="0" y="0"/>
+          <a:ext cx="0" cy="0"/>
+          <a:chOff x="0" y="0"/>
+          <a:chExt cx="0" cy="0"/>
+        </a:xfrm>
+      </p:grpSpPr>
+      <p:pic>
+        <p:nvPicPr>
+          <p:cNvPr id="6146" name="Picture 2" descr="http://www.akomic.net/cockpit22.jpg"/>
+          <p:cNvPicPr>
+            <a:picLocks noChangeAspect="1" noChangeArrowheads="1"/>
+          </p:cNvPicPr>
+          <p:nvPr/>
+        </p:nvPicPr>
+        <p:blipFill>
+          <a:blip r:embed="rId2">
+            <a:extLst>
+              <a:ext uri="{28A0092B-C50C-407E-A947-70E740481C1C}">
+                <a14:useLocalDpi xmlns:a14="http://schemas.microsoft.com/office/drawing/2010/main" val="0"/>
+              </a:ext>
+            </a:extLst>
+          </a:blip>
+          <a:srcRect/>
+          <a:stretch>
+            <a:fillRect/>
+          </a:stretch>
+        </p:blipFill>
+        <p:spPr bwMode="auto">
+          <a:xfrm>
+            <a:off x="-25400" y="0"/>
+            <a:ext cx="9169400" cy="6877050"/>
+          </a:xfrm>
+          <a:prstGeom prst="rect">
+            <a:avLst/>
+          </a:prstGeom>
+          <a:noFill/>
+          <a:extLst>
+            <a:ext uri="{909E8E84-426E-40DD-AFC4-6F175D3DCCD1}">
+              <a14:hiddenFill xmlns:a14="http://schemas.microsoft.com/office/drawing/2010/main">
+                <a:solidFill>
+                  <a:srgbClr val="FFFFFF"/>
+                </a:solidFill>
+              </a14:hiddenFill>
+            </a:ext>
+          </a:extLst>
+        </p:spPr>
+      </p:pic>
+      <p:sp>
+        <p:nvSpPr>
+          <p:cNvPr id="4" name="Rectangle 3"/>
+          <p:cNvSpPr/>
+          <p:nvPr/>
+        </p:nvSpPr>
+        <p:spPr>
+          <a:xfrm>
+            <a:off x="5105009" y="6564868"/>
+            <a:ext cx="4038991" cy="369332"/>
+          </a:xfrm>
+          <a:prstGeom prst="rect">
+            <a:avLst/>
+          </a:prstGeom>
+          <a:solidFill>
+            <a:schemeClr val="bg1"/>
+          </a:solidFill>
+        </p:spPr>
+        <p:txBody>
+          <a:bodyPr wrap="none">
+            <a:spAutoFit/>
+          </a:bodyPr>
+          <a:lstStyle/>
+          <a:p>
+            <a:r>
+              <a:rPr lang="en-US" dirty="0" smtClean="0"/>
+              <a:t>http://www.akomic.net/mechanical.html</a:t>
+            </a:r>
+            <a:endParaRPr lang="en-US" dirty="0"/>
+          </a:p>
+        </p:txBody>
+      </p:sp>
+      <p:grpSp>
+        <p:nvGrpSpPr>
+          <p:cNvPr id="8" name="Group 7"/>
+          <p:cNvGrpSpPr/>
+          <p:nvPr/>
+        </p:nvGrpSpPr>
+        <p:grpSpPr>
+          <a:xfrm>
+            <a:off x="1066800" y="685800"/>
+            <a:ext cx="6705600" cy="5105400"/>
+            <a:chOff x="1066800" y="685800"/>
+            <a:chExt cx="6705600" cy="5105400"/>
+          </a:xfrm>
+        </p:grpSpPr>
+        <p:sp>
+          <p:nvSpPr>
+            <p:cNvPr id="6" name="5-Point Star 5"/>
+            <p:cNvSpPr/>
+            <p:nvPr/>
+          </p:nvSpPr>
+          <p:spPr>
+            <a:xfrm rot="10800000">
+              <a:off x="1066800" y="685800"/>
+              <a:ext cx="6705600" cy="5105400"/>
+            </a:xfrm>
+            <a:prstGeom prst="star5">
+              <a:avLst/>
+            </a:prstGeom>
+            <a:solidFill>
+              <a:srgbClr val="FF0000"/>
+            </a:solidFill>
+          </p:spPr>
+          <p:style>
+            <a:lnRef idx="2">
+              <a:schemeClr val="accent1">
+                <a:shade val="50000"/>
+              </a:schemeClr>
+            </a:lnRef>
+            <a:fillRef idx="1">
+              <a:schemeClr val="accent1"/>
+            </a:fillRef>
+            <a:effectRef idx="0">
+              <a:schemeClr val="accent1"/>
+            </a:effectRef>
+            <a:fontRef idx="minor">
+              <a:schemeClr val="lt1"/>
+            </a:fontRef>
+          </p:style>
+          <p:txBody>
+            <a:bodyPr rtlCol="0" anchor="ctr"/>
+            <a:lstStyle/>
+            <a:p>
+              <a:pPr algn="ctr"/>
+              <a:endParaRPr lang="en-US" dirty="0"/>
+            </a:p>
+          </p:txBody>
+        </p:sp>
+        <p:sp>
+          <p:nvSpPr>
+            <p:cNvPr id="7" name="TextBox 6"/>
+            <p:cNvSpPr txBox="1"/>
+            <p:nvPr/>
+          </p:nvSpPr>
+          <p:spPr>
+            <a:xfrm>
+              <a:off x="2857498" y="2286000"/>
+              <a:ext cx="3162302" cy="1415772"/>
+            </a:xfrm>
+            <a:prstGeom prst="rect">
+              <a:avLst/>
+            </a:prstGeom>
+            <a:noFill/>
+          </p:spPr>
+          <p:txBody>
+            <a:bodyPr wrap="square" rtlCol="0">
+              <a:spAutoFit/>
+            </a:bodyPr>
+            <a:lstStyle/>
+            <a:p>
+              <a:pPr algn="ctr"/>
+              <a:r>
+                <a:rPr lang="en-US" sz="7200" dirty="0" smtClean="0">
+                  <a:solidFill>
+                    <a:schemeClr val="bg1"/>
+                  </a:solidFill>
+                  <a:effectLst>
+                    <a:outerShdw blurRad="50800" dist="50800" dir="5400000" algn="ctr" rotWithShape="0">
+                      <a:schemeClr val="tx1">
+                        <a:lumMod val="50000"/>
+                        <a:lumOff val="50000"/>
+                      </a:schemeClr>
+                    </a:outerShdw>
+                  </a:effectLst>
+                </a:rPr>
+                <a:t>ORM</a:t>
+              </a:r>
+            </a:p>
+            <a:p>
+              <a:pPr algn="ctr"/>
+              <a:r>
+                <a:rPr lang="en-US" sz="1400" dirty="0" smtClean="0">
+                  <a:solidFill>
+                    <a:schemeClr val="bg1"/>
+                  </a:solidFill>
+                </a:rPr>
+                <a:t>(In Marc’s “ORM is the Devil” mindset)</a:t>
+              </a:r>
+              <a:endParaRPr lang="en-US" sz="1400" dirty="0">
+                <a:solidFill>
+                  <a:schemeClr val="bg1"/>
+                </a:solidFill>
+              </a:endParaRPr>
+            </a:p>
+          </p:txBody>
+        </p:sp>
+      </p:grpSp>
+    </p:spTree>
+    <p:extLst>
+      <p:ext uri="{BB962C8B-B14F-4D97-AF65-F5344CB8AC3E}">
+        <p14:creationId xmlns:p14="http://schemas.microsoft.com/office/powerpoint/2010/main" val="3954901659"/>
+      </p:ext>
+    </p:extLst>
+  </p:cSld>
+  <p:clrMapOvr>
+    <a:masterClrMapping/>
+  </p:clrMapOvr>
+  <p:timing>
+    <p:tnLst>
+      <p:par>
+        <p:cTn id="1" dur="indefinite" restart="never" nodeType="tmRoot">
+          <p:childTnLst>
+            <p:seq concurrent="1" nextAc="seek">
+              <p:cTn id="2" dur="indefinite" nodeType="mainSeq">
+                <p:childTnLst>
+                  <p:par>
+                    <p:cTn id="3" fill="hold">
+                      <p:stCondLst>
+                        <p:cond delay="indefinite"/>
+                      </p:stCondLst>
+                      <p:childTnLst>
+                        <p:par>
+                          <p:cTn id="4" fill="hold">
+                            <p:stCondLst>
+                              <p:cond delay="0"/>
+                            </p:stCondLst>
+                            <p:childTnLst>
+                              <p:par>
+                                <p:cTn id="5" presetID="6" presetClass="entr" presetSubtype="16" fill="hold" nodeType="clickEffect">
+                                  <p:stCondLst>
+                                    <p:cond delay="0"/>
+                                  </p:stCondLst>
+                                  <p:childTnLst>
+                                    <p:set>
+                                      <p:cBhvr>
+                                        <p:cTn id="6" dur="1" fill="hold">
+                                          <p:stCondLst>
+                                            <p:cond delay="0"/>
+                                          </p:stCondLst>
+                                        </p:cTn>
+                                        <p:tgtEl>
+                                          <p:spTgt spid="8"/>
+                                        </p:tgtEl>
+                                        <p:attrNameLst>
+                                          <p:attrName>style.visibility</p:attrName>
+                                        </p:attrNameLst>
+                                      </p:cBhvr>
+                                      <p:to>
+                                        <p:strVal val="visible"/>
+                                      </p:to>
+                                    </p:set>
+                                    <p:animEffect transition="in" filter="circle(in)">
+                                      <p:cBhvr>
+                                        <p:cTn id="7" dur="1000"/>
+                                        <p:tgtEl>
+                                          <p:spTgt spid="8"/>
+                                        </p:tgtEl>
+                                      </p:cBhvr>
+                                    </p:animEffect>
+                                  </p:childTnLst>
+                                </p:cTn>
+                              </p:par>
+                            </p:childTnLst>
+                          </p:cTn>
+                        </p:par>
+                      </p:childTnLst>
+                    </p:cTn>
+                  </p:par>
+                </p:childTnLst>
+              </p:cTn>
+              <p:prevCondLst>
+                <p:cond evt="onPrev" delay="0">
+                  <p:tgtEl>
+                    <p:sldTgt/>
+                  </p:tgtEl>
+                </p:cond>
+              </p:prevCondLst>
+              <p:nextCondLst>
+                <p:cond evt="onNext" delay="0">
+                  <p:tgtEl>
+                    <p:sldTgt/>
+                  </p:tgtEl>
+                </p:cond>
+              </p:nextCondLst>
+            </p:seq>
+          </p:childTnLst>
+        </p:cTn>
+      </p:par>
+    </p:tnLst>
+  </p:timing>
+</p:sld>
+</file>
+
+<file path=ppt/slides/slide11.xml><?xml version="1.0" encoding="utf-8"?>
 <p:sld xmlns:a="http://schemas.openxmlformats.org/drawingml/2006/main" xmlns:r="http://schemas.openxmlformats.org/officeDocument/2006/relationships" xmlns:p="http://schemas.openxmlformats.org/presentationml/2006/main" showMasterSp="0">
   <p:cSld>
     <p:spTree>
@@ -14873,7 +15233,7 @@
 </p:sld>
 </file>
 
-<file path=ppt/slides/slide11.xml><?xml version="1.0" encoding="utf-8"?>
+<file path=ppt/slides/slide12.xml><?xml version="1.0" encoding="utf-8"?>
 <p:sld xmlns:a="http://schemas.openxmlformats.org/drawingml/2006/main" xmlns:r="http://schemas.openxmlformats.org/officeDocument/2006/relationships" xmlns:p="http://schemas.openxmlformats.org/presentationml/2006/main">
   <p:cSld>
     <p:spTree>
@@ -14967,7 +15327,7 @@
 </p:sld>
 </file>
 
-<file path=ppt/slides/slide12.xml><?xml version="1.0" encoding="utf-8"?>
+<file path=ppt/slides/slide13.xml><?xml version="1.0" encoding="utf-8"?>
 <p:sld xmlns:a="http://schemas.openxmlformats.org/drawingml/2006/main" xmlns:r="http://schemas.openxmlformats.org/officeDocument/2006/relationships" xmlns:p="http://schemas.openxmlformats.org/presentationml/2006/main">
   <p:cSld>
     <p:spTree>
@@ -15183,7 +15543,148 @@
 </p:sld>
 </file>
 
-<file path=ppt/slides/slide13.xml><?xml version="1.0" encoding="utf-8"?>
+<file path=ppt/slides/slide14.xml><?xml version="1.0" encoding="utf-8"?>
+<p:sld xmlns:a="http://schemas.openxmlformats.org/drawingml/2006/main" xmlns:r="http://schemas.openxmlformats.org/officeDocument/2006/relationships" xmlns:p="http://schemas.openxmlformats.org/presentationml/2006/main">
+  <p:cSld>
+    <p:spTree>
+      <p:nvGrpSpPr>
+        <p:cNvPr id="1" name=""/>
+        <p:cNvGrpSpPr/>
+        <p:nvPr/>
+      </p:nvGrpSpPr>
+      <p:grpSpPr>
+        <a:xfrm>
+          <a:off x="0" y="0"/>
+          <a:ext cx="0" cy="0"/>
+          <a:chOff x="0" y="0"/>
+          <a:chExt cx="0" cy="0"/>
+        </a:xfrm>
+      </p:grpSpPr>
+      <p:sp>
+        <p:nvSpPr>
+          <p:cNvPr id="2" name="Content Placeholder 1"/>
+          <p:cNvSpPr>
+            <a:spLocks noGrp="1"/>
+          </p:cNvSpPr>
+          <p:nvPr>
+            <p:ph idx="1"/>
+          </p:nvPr>
+        </p:nvSpPr>
+        <p:spPr>
+          <a:xfrm>
+            <a:off x="872067" y="2438400"/>
+            <a:ext cx="7408333" cy="4114800"/>
+          </a:xfrm>
+        </p:spPr>
+        <p:txBody>
+          <a:bodyPr>
+            <a:normAutofit fontScale="92500"/>
+          </a:bodyPr>
+          <a:lstStyle/>
+          <a:p>
+            <a:r>
+              <a:rPr lang="en-US" dirty="0" smtClean="0"/>
+              <a:t>Don’t let CF auto-flush the Hibernate session</a:t>
+            </a:r>
+          </a:p>
+          <a:p>
+            <a:pPr lvl="1"/>
+            <a:r>
+              <a:rPr lang="en-US" dirty="0" smtClean="0"/>
+              <a:t>always use transactions</a:t>
+            </a:r>
+          </a:p>
+          <a:p>
+            <a:r>
+              <a:rPr lang="en-US" dirty="0" smtClean="0"/>
+              <a:t>Use one-to-many sparingly; I try to use them only when I need to save relationships through them</a:t>
+            </a:r>
+          </a:p>
+          <a:p>
+            <a:r>
+              <a:rPr lang="en-US" dirty="0" smtClean="0"/>
+              <a:t>Inverse=true is essential on bi-di relationships</a:t>
+            </a:r>
+          </a:p>
+          <a:p>
+            <a:r>
+              <a:rPr lang="en-US" dirty="0" smtClean="0"/>
+              <a:t>Not setting “cascade” on one-to-many relationships will cause collection members not to save or delete</a:t>
+            </a:r>
+          </a:p>
+          <a:p>
+            <a:r>
+              <a:rPr lang="en-US" dirty="0" smtClean="0"/>
+              <a:t>Deleting from one-to-many is simply not simple</a:t>
+            </a:r>
+          </a:p>
+          <a:p>
+            <a:r>
+              <a:rPr lang="en-US" dirty="0" smtClean="0"/>
+              <a:t>“</a:t>
+            </a:r>
+            <a:r>
+              <a:rPr lang="en-US" dirty="0" err="1" smtClean="0"/>
+              <a:t>linktable</a:t>
+            </a:r>
+            <a:r>
+              <a:rPr lang="en-US" dirty="0" smtClean="0"/>
+              <a:t>” is rarely useful… often you need a “join entity”</a:t>
+            </a:r>
+          </a:p>
+          <a:p>
+            <a:r>
+              <a:rPr lang="en-US" dirty="0" smtClean="0"/>
+              <a:t>Don’t store ORM objects in the session scope. Ever.</a:t>
+            </a:r>
+            <a:endParaRPr lang="en-US" dirty="0"/>
+          </a:p>
+        </p:txBody>
+      </p:sp>
+      <p:sp>
+        <p:nvSpPr>
+          <p:cNvPr id="3" name="Title 2"/>
+          <p:cNvSpPr>
+            <a:spLocks noGrp="1"/>
+          </p:cNvSpPr>
+          <p:nvPr>
+            <p:ph type="title"/>
+          </p:nvPr>
+        </p:nvSpPr>
+        <p:spPr/>
+        <p:txBody>
+          <a:bodyPr/>
+          <a:lstStyle/>
+          <a:p>
+            <a:r>
+              <a:rPr lang="en-US" dirty="0" smtClean="0"/>
+              <a:t>Enlightenment, In One Slide</a:t>
+            </a:r>
+            <a:endParaRPr lang="en-US" dirty="0"/>
+          </a:p>
+        </p:txBody>
+      </p:sp>
+    </p:spTree>
+    <p:extLst>
+      <p:ext uri="{BB962C8B-B14F-4D97-AF65-F5344CB8AC3E}">
+        <p14:creationId xmlns:p14="http://schemas.microsoft.com/office/powerpoint/2010/main" val="1324917369"/>
+      </p:ext>
+    </p:extLst>
+  </p:cSld>
+  <p:clrMapOvr>
+    <a:masterClrMapping/>
+  </p:clrMapOvr>
+  <p:timing>
+    <p:tnLst>
+      <p:par>
+        <p:cTn id="1" dur="indefinite" restart="never" nodeType="tmRoot"/>
+      </p:par>
+    </p:tnLst>
+  </p:timing>
+</p:sld>
+</file>
+
+<file path=ppt/slides/slide15.xml><?xml version="1.0" encoding="utf-8"?>
 <p:sld xmlns:a="http://schemas.openxmlformats.org/drawingml/2006/main" xmlns:r="http://schemas.openxmlformats.org/officeDocument/2006/relationships" xmlns:p="http://schemas.openxmlformats.org/presentationml/2006/main">
   <p:cSld>
     <p:spTree>
@@ -15220,9 +15721,10 @@
               <a:buAutoNum type="arabicPeriod"/>
             </a:pPr>
             <a:r>
-              <a:rPr lang="en-US" dirty="0" smtClean="0"/>
-              <a:t>Essential ORM Settings</a:t>
-            </a:r>
+              <a:rPr lang="en-US" b="1" dirty="0" smtClean="0"/>
+              <a:t> ORM Settings -- Control the Session Flush</a:t>
+            </a:r>
+            <a:endParaRPr lang="en-US" b="1" dirty="0" smtClean="0"/>
           </a:p>
           <a:p>
             <a:pPr marL="457200" indent="-457200">
@@ -15289,11 +15791,7 @@
             </a:pPr>
             <a:r>
               <a:rPr lang="en-US" dirty="0" smtClean="0"/>
-              <a:t>Hibernate Session and the ColdFusion </a:t>
-            </a:r>
-            <a:r>
-              <a:rPr lang="en-US" smtClean="0"/>
-              <a:t>Session scope</a:t>
+              <a:t>Hibernate Session and the ColdFusion Session scope</a:t>
             </a:r>
             <a:endParaRPr lang="en-US" dirty="0"/>
           </a:p>
@@ -15342,7 +15840,1952 @@
 </p:sld>
 </file>
 
+<file path=ppt/slides/slide16.xml><?xml version="1.0" encoding="utf-8"?>
+<p:sld xmlns:a="http://schemas.openxmlformats.org/drawingml/2006/main" xmlns:r="http://schemas.openxmlformats.org/officeDocument/2006/relationships" xmlns:p="http://schemas.openxmlformats.org/presentationml/2006/main">
+  <p:cSld>
+    <p:spTree>
+      <p:nvGrpSpPr>
+        <p:cNvPr id="1" name=""/>
+        <p:cNvGrpSpPr/>
+        <p:nvPr/>
+      </p:nvGrpSpPr>
+      <p:grpSpPr>
+        <a:xfrm>
+          <a:off x="0" y="0"/>
+          <a:ext cx="0" cy="0"/>
+          <a:chOff x="0" y="0"/>
+          <a:chExt cx="0" cy="0"/>
+        </a:xfrm>
+      </p:grpSpPr>
+      <p:sp>
+        <p:nvSpPr>
+          <p:cNvPr id="2" name="Content Placeholder 1"/>
+          <p:cNvSpPr>
+            <a:spLocks noGrp="1"/>
+          </p:cNvSpPr>
+          <p:nvPr>
+            <p:ph idx="1"/>
+          </p:nvPr>
+        </p:nvSpPr>
+        <p:spPr/>
+        <p:txBody>
+          <a:bodyPr/>
+          <a:lstStyle/>
+          <a:p>
+            <a:r>
+              <a:rPr lang="en-US" dirty="0" smtClean="0"/>
+              <a:t>Demo Time – Let’s meet </a:t>
+            </a:r>
+          </a:p>
+          <a:p>
+            <a:pPr lvl="1"/>
+            <a:r>
+              <a:rPr lang="en-US" dirty="0" smtClean="0"/>
+              <a:t>The Application’s Concept</a:t>
+            </a:r>
+          </a:p>
+          <a:p>
+            <a:pPr lvl="1"/>
+            <a:r>
+              <a:rPr lang="en-US" dirty="0" smtClean="0"/>
+              <a:t>Our Database Tables</a:t>
+            </a:r>
+          </a:p>
+          <a:p>
+            <a:pPr lvl="1"/>
+            <a:r>
+              <a:rPr lang="en-US" dirty="0" smtClean="0"/>
+              <a:t>Our Components</a:t>
+            </a:r>
+          </a:p>
+          <a:p>
+            <a:pPr lvl="1"/>
+            <a:r>
+              <a:rPr lang="en-US" dirty="0" smtClean="0"/>
+              <a:t>Our “workflow”</a:t>
+            </a:r>
+          </a:p>
+        </p:txBody>
+      </p:sp>
+      <p:sp>
+        <p:nvSpPr>
+          <p:cNvPr id="3" name="Title 2"/>
+          <p:cNvSpPr>
+            <a:spLocks noGrp="1"/>
+          </p:cNvSpPr>
+          <p:nvPr>
+            <p:ph type="title"/>
+          </p:nvPr>
+        </p:nvSpPr>
+        <p:spPr/>
+        <p:txBody>
+          <a:bodyPr/>
+          <a:lstStyle/>
+          <a:p>
+            <a:r>
+              <a:rPr lang="en-US" dirty="0" smtClean="0"/>
+              <a:t>Introducing, Our App</a:t>
+            </a:r>
+            <a:endParaRPr lang="en-US" dirty="0"/>
+          </a:p>
+        </p:txBody>
+      </p:sp>
+    </p:spTree>
+    <p:extLst>
+      <p:ext uri="{BB962C8B-B14F-4D97-AF65-F5344CB8AC3E}">
+        <p14:creationId xmlns:p14="http://schemas.microsoft.com/office/powerpoint/2010/main" val="285925"/>
+      </p:ext>
+    </p:extLst>
+  </p:cSld>
+  <p:clrMapOvr>
+    <a:masterClrMapping/>
+  </p:clrMapOvr>
+  <p:timing>
+    <p:tnLst>
+      <p:par>
+        <p:cTn id="1" dur="indefinite" restart="never" nodeType="tmRoot"/>
+      </p:par>
+    </p:tnLst>
+  </p:timing>
+</p:sld>
+</file>
+
+<file path=ppt/slides/slide17.xml><?xml version="1.0" encoding="utf-8"?>
+<p:sld xmlns:a="http://schemas.openxmlformats.org/drawingml/2006/main" xmlns:r="http://schemas.openxmlformats.org/officeDocument/2006/relationships" xmlns:p="http://schemas.openxmlformats.org/presentationml/2006/main">
+  <p:cSld>
+    <p:spTree>
+      <p:nvGrpSpPr>
+        <p:cNvPr id="1" name=""/>
+        <p:cNvGrpSpPr/>
+        <p:nvPr/>
+      </p:nvGrpSpPr>
+      <p:grpSpPr>
+        <a:xfrm>
+          <a:off x="0" y="0"/>
+          <a:ext cx="0" cy="0"/>
+          <a:chOff x="0" y="0"/>
+          <a:chExt cx="0" cy="0"/>
+        </a:xfrm>
+      </p:grpSpPr>
+      <p:sp>
+        <p:nvSpPr>
+          <p:cNvPr id="2" name="Content Placeholder 1"/>
+          <p:cNvSpPr>
+            <a:spLocks noGrp="1"/>
+          </p:cNvSpPr>
+          <p:nvPr>
+            <p:ph idx="1"/>
+          </p:nvPr>
+        </p:nvSpPr>
+        <p:spPr/>
+        <p:txBody>
+          <a:bodyPr/>
+          <a:lstStyle/>
+          <a:p>
+            <a:r>
+              <a:rPr lang="en-US" dirty="0"/>
+              <a:t>An </a:t>
+            </a:r>
+            <a:r>
+              <a:rPr lang="en-US" dirty="0" smtClean="0"/>
+              <a:t>‘Event </a:t>
+            </a:r>
+            <a:r>
+              <a:rPr lang="en-US" dirty="0"/>
+              <a:t>R</a:t>
+            </a:r>
+            <a:r>
+              <a:rPr lang="en-US" dirty="0" smtClean="0"/>
+              <a:t>egistration</a:t>
+            </a:r>
+            <a:r>
+              <a:rPr lang="en-US" dirty="0"/>
+              <a:t>' </a:t>
+            </a:r>
+            <a:r>
+              <a:rPr lang="en-US" dirty="0" smtClean="0"/>
+              <a:t>system</a:t>
+            </a:r>
+          </a:p>
+          <a:p>
+            <a:r>
+              <a:rPr lang="en-US" dirty="0" smtClean="0"/>
+              <a:t>‘Administrator</a:t>
+            </a:r>
+            <a:r>
+              <a:rPr lang="en-US" dirty="0"/>
+              <a:t>' Can create and modify </a:t>
+            </a:r>
+            <a:r>
+              <a:rPr lang="en-US" dirty="0" smtClean="0"/>
+              <a:t>events</a:t>
+            </a:r>
+          </a:p>
+          <a:p>
+            <a:r>
+              <a:rPr lang="en-US" dirty="0" smtClean="0"/>
+              <a:t>Create </a:t>
+            </a:r>
+            <a:r>
+              <a:rPr lang="en-US" dirty="0"/>
+              <a:t>and modify </a:t>
+            </a:r>
+            <a:r>
+              <a:rPr lang="en-US" dirty="0" smtClean="0"/>
+              <a:t>attendees</a:t>
+            </a:r>
+          </a:p>
+          <a:p>
+            <a:r>
+              <a:rPr lang="en-US" dirty="0" smtClean="0"/>
+              <a:t>Attendees </a:t>
+            </a:r>
+            <a:r>
+              <a:rPr lang="en-US" dirty="0"/>
+              <a:t>can "register" for </a:t>
+            </a:r>
+            <a:r>
+              <a:rPr lang="en-US" dirty="0" smtClean="0"/>
+              <a:t>Events</a:t>
+            </a:r>
+          </a:p>
+          <a:p>
+            <a:r>
+              <a:rPr lang="en-US" dirty="0" smtClean="0"/>
+              <a:t>Eventually </a:t>
+            </a:r>
+            <a:r>
+              <a:rPr lang="en-US" dirty="0"/>
+              <a:t>Attendees will be able to comment on </a:t>
+            </a:r>
+            <a:r>
+              <a:rPr lang="en-US" dirty="0" smtClean="0"/>
+              <a:t>Events</a:t>
+            </a:r>
+            <a:endParaRPr lang="en-US" dirty="0"/>
+          </a:p>
+        </p:txBody>
+      </p:sp>
+      <p:sp>
+        <p:nvSpPr>
+          <p:cNvPr id="3" name="Title 2"/>
+          <p:cNvSpPr>
+            <a:spLocks noGrp="1"/>
+          </p:cNvSpPr>
+          <p:nvPr>
+            <p:ph type="title"/>
+          </p:nvPr>
+        </p:nvSpPr>
+        <p:spPr/>
+        <p:txBody>
+          <a:bodyPr/>
+          <a:lstStyle/>
+          <a:p>
+            <a:r>
+              <a:rPr lang="en-US" dirty="0" smtClean="0"/>
+              <a:t>The Application’s Concept</a:t>
+            </a:r>
+            <a:endParaRPr lang="en-US" dirty="0"/>
+          </a:p>
+        </p:txBody>
+      </p:sp>
+    </p:spTree>
+    <p:extLst>
+      <p:ext uri="{BB962C8B-B14F-4D97-AF65-F5344CB8AC3E}">
+        <p14:creationId xmlns:p14="http://schemas.microsoft.com/office/powerpoint/2010/main" val="1327183521"/>
+      </p:ext>
+    </p:extLst>
+  </p:cSld>
+  <p:clrMapOvr>
+    <a:masterClrMapping/>
+  </p:clrMapOvr>
+  <p:timing>
+    <p:tnLst>
+      <p:par>
+        <p:cTn id="1" dur="indefinite" restart="never" nodeType="tmRoot"/>
+      </p:par>
+    </p:tnLst>
+  </p:timing>
+</p:sld>
+</file>
+
+<file path=ppt/slides/slide18.xml><?xml version="1.0" encoding="utf-8"?>
+<p:sld xmlns:a="http://schemas.openxmlformats.org/drawingml/2006/main" xmlns:r="http://schemas.openxmlformats.org/officeDocument/2006/relationships" xmlns:p="http://schemas.openxmlformats.org/presentationml/2006/main" showMasterSp="0">
+  <p:cSld>
+    <p:spTree>
+      <p:nvGrpSpPr>
+        <p:cNvPr id="1" name=""/>
+        <p:cNvGrpSpPr/>
+        <p:nvPr/>
+      </p:nvGrpSpPr>
+      <p:grpSpPr>
+        <a:xfrm>
+          <a:off x="0" y="0"/>
+          <a:ext cx="0" cy="0"/>
+          <a:chOff x="0" y="0"/>
+          <a:chExt cx="0" cy="0"/>
+        </a:xfrm>
+      </p:grpSpPr>
+      <p:pic>
+        <p:nvPicPr>
+          <p:cNvPr id="7170" name="Picture 2" descr="C:\dev\projects\wwwroot\mxunit-cfmeetups\CFObjective_ORMZen\preso\dbtables.PNG"/>
+          <p:cNvPicPr>
+            <a:picLocks noChangeAspect="1" noChangeArrowheads="1"/>
+          </p:cNvPicPr>
+          <p:nvPr/>
+        </p:nvPicPr>
+        <p:blipFill>
+          <a:blip r:embed="rId2">
+            <a:extLst>
+              <a:ext uri="{28A0092B-C50C-407E-A947-70E740481C1C}">
+                <a14:useLocalDpi xmlns:a14="http://schemas.microsoft.com/office/drawing/2010/main" val="0"/>
+              </a:ext>
+            </a:extLst>
+          </a:blip>
+          <a:srcRect/>
+          <a:stretch>
+            <a:fillRect/>
+          </a:stretch>
+        </p:blipFill>
+        <p:spPr bwMode="auto">
+          <a:xfrm>
+            <a:off x="2514600" y="228600"/>
+            <a:ext cx="4114800" cy="6364375"/>
+          </a:xfrm>
+          <a:prstGeom prst="rect">
+            <a:avLst/>
+          </a:prstGeom>
+          <a:noFill/>
+          <a:extLst>
+            <a:ext uri="{909E8E84-426E-40DD-AFC4-6F175D3DCCD1}">
+              <a14:hiddenFill xmlns:a14="http://schemas.microsoft.com/office/drawing/2010/main">
+                <a:solidFill>
+                  <a:srgbClr val="FFFFFF"/>
+                </a:solidFill>
+              </a14:hiddenFill>
+            </a:ext>
+          </a:extLst>
+        </p:spPr>
+      </p:pic>
+    </p:spTree>
+    <p:extLst>
+      <p:ext uri="{BB962C8B-B14F-4D97-AF65-F5344CB8AC3E}">
+        <p14:creationId xmlns:p14="http://schemas.microsoft.com/office/powerpoint/2010/main" val="3055121736"/>
+      </p:ext>
+    </p:extLst>
+  </p:cSld>
+  <p:clrMapOvr>
+    <a:masterClrMapping/>
+  </p:clrMapOvr>
+  <p:timing>
+    <p:tnLst>
+      <p:par>
+        <p:cTn id="1" dur="indefinite" restart="never" nodeType="tmRoot"/>
+      </p:par>
+    </p:tnLst>
+  </p:timing>
+</p:sld>
+</file>
+
+<file path=ppt/slides/slide19.xml><?xml version="1.0" encoding="utf-8"?>
+<p:sld xmlns:a="http://schemas.openxmlformats.org/drawingml/2006/main" xmlns:r="http://schemas.openxmlformats.org/officeDocument/2006/relationships" xmlns:p="http://schemas.openxmlformats.org/presentationml/2006/main">
+  <p:cSld>
+    <p:spTree>
+      <p:nvGrpSpPr>
+        <p:cNvPr id="1" name=""/>
+        <p:cNvGrpSpPr/>
+        <p:nvPr/>
+      </p:nvGrpSpPr>
+      <p:grpSpPr>
+        <a:xfrm>
+          <a:off x="0" y="0"/>
+          <a:ext cx="0" cy="0"/>
+          <a:chOff x="0" y="0"/>
+          <a:chExt cx="0" cy="0"/>
+        </a:xfrm>
+      </p:grpSpPr>
+      <p:sp>
+        <p:nvSpPr>
+          <p:cNvPr id="2" name="Content Placeholder 1"/>
+          <p:cNvSpPr>
+            <a:spLocks noGrp="1"/>
+          </p:cNvSpPr>
+          <p:nvPr>
+            <p:ph idx="1"/>
+          </p:nvPr>
+        </p:nvSpPr>
+        <p:spPr/>
+        <p:txBody>
+          <a:bodyPr/>
+          <a:lstStyle/>
+          <a:p>
+            <a:pPr algn="ctr"/>
+            <a:r>
+              <a:rPr lang="en-US" dirty="0" smtClean="0"/>
+              <a:t>Show The Intro Code</a:t>
+            </a:r>
+            <a:endParaRPr lang="en-US" dirty="0"/>
+          </a:p>
+        </p:txBody>
+      </p:sp>
+      <p:sp>
+        <p:nvSpPr>
+          <p:cNvPr id="3" name="Title 2"/>
+          <p:cNvSpPr>
+            <a:spLocks noGrp="1"/>
+          </p:cNvSpPr>
+          <p:nvPr>
+            <p:ph type="title"/>
+          </p:nvPr>
+        </p:nvSpPr>
+        <p:spPr/>
+        <p:txBody>
+          <a:bodyPr/>
+          <a:lstStyle/>
+          <a:p>
+            <a:r>
+              <a:rPr lang="en-US" dirty="0" smtClean="0"/>
+              <a:t>Intro Demo</a:t>
+            </a:r>
+            <a:endParaRPr lang="en-US" dirty="0"/>
+          </a:p>
+        </p:txBody>
+      </p:sp>
+    </p:spTree>
+    <p:extLst>
+      <p:ext uri="{BB962C8B-B14F-4D97-AF65-F5344CB8AC3E}">
+        <p14:creationId xmlns:p14="http://schemas.microsoft.com/office/powerpoint/2010/main" val="3663466367"/>
+      </p:ext>
+    </p:extLst>
+  </p:cSld>
+  <p:clrMapOvr>
+    <a:masterClrMapping/>
+  </p:clrMapOvr>
+  <p:timing>
+    <p:tnLst>
+      <p:par>
+        <p:cTn id="1" dur="indefinite" restart="never" nodeType="tmRoot"/>
+      </p:par>
+    </p:tnLst>
+  </p:timing>
+</p:sld>
+</file>
+
 <file path=ppt/slides/slide2.xml><?xml version="1.0" encoding="utf-8"?>
+<p:sld xmlns:a="http://schemas.openxmlformats.org/drawingml/2006/main" xmlns:r="http://schemas.openxmlformats.org/officeDocument/2006/relationships" xmlns:p="http://schemas.openxmlformats.org/presentationml/2006/main">
+  <p:cSld>
+    <p:spTree>
+      <p:nvGrpSpPr>
+        <p:cNvPr id="1" name=""/>
+        <p:cNvGrpSpPr/>
+        <p:nvPr/>
+      </p:nvGrpSpPr>
+      <p:grpSpPr>
+        <a:xfrm>
+          <a:off x="0" y="0"/>
+          <a:ext cx="0" cy="0"/>
+          <a:chOff x="0" y="0"/>
+          <a:chExt cx="0" cy="0"/>
+        </a:xfrm>
+      </p:grpSpPr>
+      <p:sp>
+        <p:nvSpPr>
+          <p:cNvPr id="2" name="Content Placeholder 1"/>
+          <p:cNvSpPr>
+            <a:spLocks noGrp="1"/>
+          </p:cNvSpPr>
+          <p:nvPr>
+            <p:ph idx="1"/>
+          </p:nvPr>
+        </p:nvSpPr>
+        <p:spPr/>
+        <p:txBody>
+          <a:bodyPr/>
+          <a:lstStyle/>
+          <a:p>
+            <a:r>
+              <a:rPr lang="en-US" dirty="0" smtClean="0"/>
+              <a:t>Get this presentation </a:t>
+            </a:r>
+            <a:r>
+              <a:rPr lang="en-US" dirty="0"/>
+              <a:t>at </a:t>
+            </a:r>
+            <a:r>
+              <a:rPr lang="en-US" b="1" dirty="0"/>
+              <a:t>http://bit.ly/cformzen</a:t>
+            </a:r>
+            <a:endParaRPr lang="en-US" b="1" dirty="0" smtClean="0"/>
+          </a:p>
+          <a:p>
+            <a:r>
+              <a:rPr lang="en-US" dirty="0" smtClean="0"/>
+              <a:t>There’s a short Appendix at the end</a:t>
+            </a:r>
+          </a:p>
+          <a:p>
+            <a:pPr lvl="1"/>
+            <a:r>
+              <a:rPr lang="en-US" dirty="0" smtClean="0"/>
+              <a:t>SQL Logging</a:t>
+            </a:r>
+          </a:p>
+          <a:p>
+            <a:pPr lvl="1"/>
+            <a:r>
+              <a:rPr lang="en-US" dirty="0" err="1" smtClean="0"/>
+              <a:t>ORMReload</a:t>
+            </a:r>
+            <a:endParaRPr lang="en-US" dirty="0" smtClean="0"/>
+          </a:p>
+          <a:p>
+            <a:r>
+              <a:rPr lang="en-US" dirty="0" smtClean="0"/>
+              <a:t>Lots of links at the end, too</a:t>
+            </a:r>
+          </a:p>
+          <a:p>
+            <a:r>
+              <a:rPr lang="en-US" b="1" dirty="0" smtClean="0">
+                <a:solidFill>
+                  <a:srgbClr val="C00000"/>
+                </a:solidFill>
+              </a:rPr>
+              <a:t>This is NOT an Intro to ORM presentation</a:t>
+            </a:r>
+            <a:endParaRPr lang="en-US" b="1" dirty="0">
+              <a:solidFill>
+                <a:srgbClr val="C00000"/>
+              </a:solidFill>
+            </a:endParaRPr>
+          </a:p>
+        </p:txBody>
+      </p:sp>
+      <p:sp>
+        <p:nvSpPr>
+          <p:cNvPr id="3" name="Title 2"/>
+          <p:cNvSpPr>
+            <a:spLocks noGrp="1"/>
+          </p:cNvSpPr>
+          <p:nvPr>
+            <p:ph type="title"/>
+          </p:nvPr>
+        </p:nvSpPr>
+        <p:spPr/>
+        <p:txBody>
+          <a:bodyPr/>
+          <a:lstStyle/>
+          <a:p>
+            <a:r>
+              <a:rPr lang="en-US" dirty="0" smtClean="0"/>
+              <a:t>Announcements</a:t>
+            </a:r>
+            <a:endParaRPr lang="en-US" dirty="0"/>
+          </a:p>
+        </p:txBody>
+      </p:sp>
+    </p:spTree>
+    <p:extLst>
+      <p:ext uri="{BB962C8B-B14F-4D97-AF65-F5344CB8AC3E}">
+        <p14:creationId xmlns:p14="http://schemas.microsoft.com/office/powerpoint/2010/main" val="68218289"/>
+      </p:ext>
+    </p:extLst>
+  </p:cSld>
+  <p:clrMapOvr>
+    <a:masterClrMapping/>
+  </p:clrMapOvr>
+  <p:timing>
+    <p:tnLst>
+      <p:par>
+        <p:cTn id="1" dur="indefinite" restart="never" nodeType="tmRoot"/>
+      </p:par>
+    </p:tnLst>
+  </p:timing>
+</p:sld>
+</file>
+
+<file path=ppt/slides/slide20.xml><?xml version="1.0" encoding="utf-8"?>
+<p:sld xmlns:a="http://schemas.openxmlformats.org/drawingml/2006/main" xmlns:r="http://schemas.openxmlformats.org/officeDocument/2006/relationships" xmlns:p="http://schemas.openxmlformats.org/presentationml/2006/main">
+  <p:cSld>
+    <p:spTree>
+      <p:nvGrpSpPr>
+        <p:cNvPr id="1" name=""/>
+        <p:cNvGrpSpPr/>
+        <p:nvPr/>
+      </p:nvGrpSpPr>
+      <p:grpSpPr>
+        <a:xfrm>
+          <a:off x="0" y="0"/>
+          <a:ext cx="0" cy="0"/>
+          <a:chOff x="0" y="0"/>
+          <a:chExt cx="0" cy="0"/>
+        </a:xfrm>
+      </p:grpSpPr>
+      <p:sp>
+        <p:nvSpPr>
+          <p:cNvPr id="2" name="Content Placeholder 1"/>
+          <p:cNvSpPr>
+            <a:spLocks noGrp="1"/>
+          </p:cNvSpPr>
+          <p:nvPr>
+            <p:ph idx="1"/>
+          </p:nvPr>
+        </p:nvSpPr>
+        <p:spPr/>
+        <p:txBody>
+          <a:bodyPr/>
+          <a:lstStyle/>
+          <a:p>
+            <a:pPr marL="457200" indent="-457200">
+              <a:buFont typeface="+mj-lt"/>
+              <a:buAutoNum type="arabicPeriod"/>
+            </a:pPr>
+            <a:r>
+              <a:rPr lang="en-US" b="1" dirty="0" smtClean="0"/>
+              <a:t> ORM Settings -- Control the Session Flush</a:t>
+            </a:r>
+            <a:endParaRPr lang="en-US" b="1" dirty="0" smtClean="0"/>
+          </a:p>
+          <a:p>
+            <a:pPr marL="457200" indent="-457200">
+              <a:buFont typeface="+mj-lt"/>
+              <a:buAutoNum type="arabicPeriod"/>
+            </a:pPr>
+            <a:r>
+              <a:rPr lang="en-US" dirty="0" smtClean="0"/>
+              <a:t>Many-to-One Relationships</a:t>
+            </a:r>
+          </a:p>
+          <a:p>
+            <a:pPr marL="457200" indent="-457200">
+              <a:buFont typeface="+mj-lt"/>
+              <a:buAutoNum type="arabicPeriod"/>
+            </a:pPr>
+            <a:r>
+              <a:rPr lang="en-US" dirty="0" smtClean="0"/>
+              <a:t>One-to-Many Intro: Bidirectional relationships</a:t>
+            </a:r>
+          </a:p>
+          <a:p>
+            <a:pPr marL="457200" indent="-457200">
+              <a:buFont typeface="+mj-lt"/>
+              <a:buAutoNum type="arabicPeriod"/>
+            </a:pPr>
+            <a:r>
+              <a:rPr lang="en-US" dirty="0" smtClean="0"/>
+              <a:t>One-to-Many: </a:t>
+            </a:r>
+            <a:r>
+              <a:rPr lang="en-US" dirty="0" err="1" smtClean="0"/>
+              <a:t>linktables</a:t>
+            </a:r>
+            <a:r>
+              <a:rPr lang="en-US" dirty="0" smtClean="0"/>
+              <a:t> and cascades</a:t>
+            </a:r>
+          </a:p>
+          <a:p>
+            <a:pPr marL="457200" indent="-457200">
+              <a:buFont typeface="+mj-lt"/>
+              <a:buAutoNum type="arabicPeriod"/>
+            </a:pPr>
+            <a:r>
+              <a:rPr lang="en-US" dirty="0" smtClean="0"/>
+              <a:t>One-to-Many: inverse and “relationship owner”</a:t>
+            </a:r>
+          </a:p>
+          <a:p>
+            <a:pPr marL="457200" indent="-457200">
+              <a:buFont typeface="+mj-lt"/>
+              <a:buAutoNum type="arabicPeriod"/>
+            </a:pPr>
+            <a:r>
+              <a:rPr lang="en-US" dirty="0" smtClean="0"/>
+              <a:t>One-to-Many: deleting things</a:t>
+            </a:r>
+          </a:p>
+          <a:p>
+            <a:pPr marL="457200" indent="-457200">
+              <a:buFont typeface="+mj-lt"/>
+              <a:buAutoNum type="arabicPeriod"/>
+            </a:pPr>
+            <a:r>
+              <a:rPr lang="en-US" dirty="0" smtClean="0"/>
+              <a:t>Hibernate Session and the ColdFusion Session scope</a:t>
+            </a:r>
+            <a:endParaRPr lang="en-US" dirty="0"/>
+          </a:p>
+        </p:txBody>
+      </p:sp>
+      <p:sp>
+        <p:nvSpPr>
+          <p:cNvPr id="3" name="Title 2"/>
+          <p:cNvSpPr>
+            <a:spLocks noGrp="1"/>
+          </p:cNvSpPr>
+          <p:nvPr>
+            <p:ph type="title"/>
+          </p:nvPr>
+        </p:nvSpPr>
+        <p:spPr/>
+        <p:txBody>
+          <a:bodyPr/>
+          <a:lstStyle/>
+          <a:p>
+            <a:r>
+              <a:rPr lang="en-US" dirty="0" smtClean="0"/>
+              <a:t>Agenda</a:t>
+            </a:r>
+            <a:endParaRPr lang="en-US" dirty="0"/>
+          </a:p>
+        </p:txBody>
+      </p:sp>
+    </p:spTree>
+    <p:extLst>
+      <p:ext uri="{BB962C8B-B14F-4D97-AF65-F5344CB8AC3E}">
+        <p14:creationId xmlns:p14="http://schemas.microsoft.com/office/powerpoint/2010/main" val="2786764546"/>
+      </p:ext>
+    </p:extLst>
+  </p:cSld>
+  <p:clrMapOvr>
+    <a:masterClrMapping/>
+  </p:clrMapOvr>
+  <p:timing>
+    <p:tnLst>
+      <p:par>
+        <p:cTn id="1" dur="indefinite" restart="never" nodeType="tmRoot"/>
+      </p:par>
+    </p:tnLst>
+  </p:timing>
+</p:sld>
+</file>
+
+<file path=ppt/slides/slide21.xml><?xml version="1.0" encoding="utf-8"?>
+<p:sld xmlns:a="http://schemas.openxmlformats.org/drawingml/2006/main" xmlns:r="http://schemas.openxmlformats.org/officeDocument/2006/relationships" xmlns:p="http://schemas.openxmlformats.org/presentationml/2006/main">
+  <p:cSld>
+    <p:spTree>
+      <p:nvGrpSpPr>
+        <p:cNvPr id="1" name=""/>
+        <p:cNvGrpSpPr/>
+        <p:nvPr/>
+      </p:nvGrpSpPr>
+      <p:grpSpPr>
+        <a:xfrm>
+          <a:off x="0" y="0"/>
+          <a:ext cx="0" cy="0"/>
+          <a:chOff x="0" y="0"/>
+          <a:chExt cx="0" cy="0"/>
+        </a:xfrm>
+      </p:grpSpPr>
+      <p:sp>
+        <p:nvSpPr>
+          <p:cNvPr id="2" name="Content Placeholder 1"/>
+          <p:cNvSpPr>
+            <a:spLocks noGrp="1"/>
+          </p:cNvSpPr>
+          <p:nvPr>
+            <p:ph idx="1"/>
+          </p:nvPr>
+        </p:nvSpPr>
+        <p:spPr/>
+        <p:txBody>
+          <a:bodyPr/>
+          <a:lstStyle/>
+          <a:p>
+            <a:r>
+              <a:rPr lang="en-US" dirty="0" smtClean="0"/>
+              <a:t>Why </a:t>
+            </a:r>
+            <a:r>
+              <a:rPr lang="en-US" dirty="0"/>
+              <a:t>are objects updating even when I don’t call </a:t>
+            </a:r>
+            <a:r>
+              <a:rPr lang="en-US" dirty="0" err="1"/>
+              <a:t>entitySave</a:t>
+            </a:r>
+            <a:r>
+              <a:rPr lang="en-US" dirty="0" smtClean="0"/>
+              <a:t>()?</a:t>
+            </a:r>
+            <a:endParaRPr lang="en-US" dirty="0"/>
+          </a:p>
+        </p:txBody>
+      </p:sp>
+      <p:sp>
+        <p:nvSpPr>
+          <p:cNvPr id="3" name="Title 2"/>
+          <p:cNvSpPr>
+            <a:spLocks noGrp="1"/>
+          </p:cNvSpPr>
+          <p:nvPr>
+            <p:ph type="title"/>
+          </p:nvPr>
+        </p:nvSpPr>
+        <p:spPr/>
+        <p:txBody>
+          <a:bodyPr/>
+          <a:lstStyle/>
+          <a:p>
+            <a:r>
+              <a:rPr lang="en-US" dirty="0" smtClean="0"/>
+              <a:t>Suffering – The Early Days</a:t>
+            </a:r>
+            <a:endParaRPr lang="en-US" dirty="0"/>
+          </a:p>
+        </p:txBody>
+      </p:sp>
+    </p:spTree>
+    <p:extLst>
+      <p:ext uri="{BB962C8B-B14F-4D97-AF65-F5344CB8AC3E}">
+        <p14:creationId xmlns:p14="http://schemas.microsoft.com/office/powerpoint/2010/main" val="1335257762"/>
+      </p:ext>
+    </p:extLst>
+  </p:cSld>
+  <p:clrMapOvr>
+    <a:masterClrMapping/>
+  </p:clrMapOvr>
+  <p:timing>
+    <p:tnLst>
+      <p:par>
+        <p:cTn id="1" dur="indefinite" restart="never" nodeType="tmRoot"/>
+      </p:par>
+    </p:tnLst>
+  </p:timing>
+</p:sld>
+</file>
+
+<file path=ppt/slides/slide22.xml><?xml version="1.0" encoding="utf-8"?>
+<p:sld xmlns:a="http://schemas.openxmlformats.org/drawingml/2006/main" xmlns:r="http://schemas.openxmlformats.org/officeDocument/2006/relationships" xmlns:p="http://schemas.openxmlformats.org/presentationml/2006/main">
+  <p:cSld>
+    <p:spTree>
+      <p:nvGrpSpPr>
+        <p:cNvPr id="1" name=""/>
+        <p:cNvGrpSpPr/>
+        <p:nvPr/>
+      </p:nvGrpSpPr>
+      <p:grpSpPr>
+        <a:xfrm>
+          <a:off x="0" y="0"/>
+          <a:ext cx="0" cy="0"/>
+          <a:chOff x="0" y="0"/>
+          <a:chExt cx="0" cy="0"/>
+        </a:xfrm>
+      </p:grpSpPr>
+      <p:sp>
+        <p:nvSpPr>
+          <p:cNvPr id="3" name="Title 2"/>
+          <p:cNvSpPr>
+            <a:spLocks noGrp="1"/>
+          </p:cNvSpPr>
+          <p:nvPr>
+            <p:ph type="title"/>
+          </p:nvPr>
+        </p:nvSpPr>
+        <p:spPr/>
+        <p:txBody>
+          <a:bodyPr/>
+          <a:lstStyle/>
+          <a:p>
+            <a:r>
+              <a:rPr lang="en-US" dirty="0" smtClean="0"/>
+              <a:t>Essential ORM Settings</a:t>
+            </a:r>
+            <a:endParaRPr lang="en-US" dirty="0"/>
+          </a:p>
+        </p:txBody>
+      </p:sp>
+      <p:pic>
+        <p:nvPicPr>
+          <p:cNvPr id="1026" name="Picture 2" descr="C:\dev\projects\wwwroot\mxunit-cfmeetups\CFObjective_ORMZen\preso\ormsettings.PNG"/>
+          <p:cNvPicPr>
+            <a:picLocks noChangeAspect="1" noChangeArrowheads="1"/>
+          </p:cNvPicPr>
+          <p:nvPr/>
+        </p:nvPicPr>
+        <p:blipFill>
+          <a:blip r:embed="rId2">
+            <a:extLst>
+              <a:ext uri="{28A0092B-C50C-407E-A947-70E740481C1C}">
+                <a14:useLocalDpi xmlns:a14="http://schemas.microsoft.com/office/drawing/2010/main" val="0"/>
+              </a:ext>
+            </a:extLst>
+          </a:blip>
+          <a:srcRect/>
+          <a:stretch>
+            <a:fillRect/>
+          </a:stretch>
+        </p:blipFill>
+        <p:spPr bwMode="auto">
+          <a:xfrm>
+            <a:off x="228600" y="1371600"/>
+            <a:ext cx="8686800" cy="4738254"/>
+          </a:xfrm>
+          <a:prstGeom prst="rect">
+            <a:avLst/>
+          </a:prstGeom>
+          <a:noFill/>
+          <a:extLst>
+            <a:ext uri="{909E8E84-426E-40DD-AFC4-6F175D3DCCD1}">
+              <a14:hiddenFill xmlns:a14="http://schemas.microsoft.com/office/drawing/2010/main">
+                <a:solidFill>
+                  <a:srgbClr val="FFFFFF"/>
+                </a:solidFill>
+              </a14:hiddenFill>
+            </a:ext>
+          </a:extLst>
+        </p:spPr>
+      </p:pic>
+      <p:sp>
+        <p:nvSpPr>
+          <p:cNvPr id="4" name="TextBox 3"/>
+          <p:cNvSpPr txBox="1"/>
+          <p:nvPr/>
+        </p:nvSpPr>
+        <p:spPr>
+          <a:xfrm>
+            <a:off x="2133600" y="6324600"/>
+            <a:ext cx="6400800" cy="369332"/>
+          </a:xfrm>
+          <a:prstGeom prst="rect">
+            <a:avLst/>
+          </a:prstGeom>
+          <a:noFill/>
+        </p:spPr>
+        <p:txBody>
+          <a:bodyPr wrap="square" rtlCol="0">
+            <a:spAutoFit/>
+          </a:bodyPr>
+          <a:lstStyle/>
+          <a:p>
+            <a:r>
+              <a:rPr lang="en-US" dirty="0" smtClean="0"/>
+              <a:t>*Many props to Dan Vega for </a:t>
+            </a:r>
+            <a:r>
+              <a:rPr lang="en-US" dirty="0" err="1" smtClean="0"/>
+              <a:t>useDBForMapping</a:t>
+            </a:r>
+            <a:r>
+              <a:rPr lang="en-US" dirty="0" smtClean="0"/>
+              <a:t> = false tip</a:t>
+            </a:r>
+            <a:endParaRPr lang="en-US" dirty="0"/>
+          </a:p>
+        </p:txBody>
+      </p:sp>
+      <p:sp>
+        <p:nvSpPr>
+          <p:cNvPr id="7" name="Arc 6"/>
+          <p:cNvSpPr/>
+          <p:nvPr/>
+        </p:nvSpPr>
+        <p:spPr>
+          <a:xfrm rot="9949276" flipH="1">
+            <a:off x="2930091" y="5540518"/>
+            <a:ext cx="1888534" cy="1138672"/>
+          </a:xfrm>
+          <a:prstGeom prst="arc">
+            <a:avLst>
+              <a:gd name="adj1" fmla="val 20511254"/>
+              <a:gd name="adj2" fmla="val 6055391"/>
+            </a:avLst>
+          </a:prstGeom>
+          <a:ln>
+            <a:tailEnd type="stealth" w="lg" len="lg"/>
+          </a:ln>
+        </p:spPr>
+        <p:style>
+          <a:lnRef idx="1">
+            <a:schemeClr val="accent1"/>
+          </a:lnRef>
+          <a:fillRef idx="0">
+            <a:schemeClr val="accent1"/>
+          </a:fillRef>
+          <a:effectRef idx="0">
+            <a:schemeClr val="accent1"/>
+          </a:effectRef>
+          <a:fontRef idx="minor">
+            <a:schemeClr val="tx1"/>
+          </a:fontRef>
+        </p:style>
+        <p:txBody>
+          <a:bodyPr rtlCol="0" anchor="ctr"/>
+          <a:lstStyle/>
+          <a:p>
+            <a:pPr algn="ctr"/>
+            <a:endParaRPr lang="en-US"/>
+          </a:p>
+        </p:txBody>
+      </p:sp>
+    </p:spTree>
+    <p:extLst>
+      <p:ext uri="{BB962C8B-B14F-4D97-AF65-F5344CB8AC3E}">
+        <p14:creationId xmlns:p14="http://schemas.microsoft.com/office/powerpoint/2010/main" val="4176854851"/>
+      </p:ext>
+    </p:extLst>
+  </p:cSld>
+  <p:clrMapOvr>
+    <a:masterClrMapping/>
+  </p:clrMapOvr>
+  <p:timing>
+    <p:tnLst>
+      <p:par>
+        <p:cTn id="1" dur="indefinite" restart="never" nodeType="tmRoot"/>
+      </p:par>
+    </p:tnLst>
+  </p:timing>
+</p:sld>
+</file>
+
+<file path=ppt/slides/slide23.xml><?xml version="1.0" encoding="utf-8"?>
+<p:sld xmlns:a="http://schemas.openxmlformats.org/drawingml/2006/main" xmlns:r="http://schemas.openxmlformats.org/officeDocument/2006/relationships" xmlns:p="http://schemas.openxmlformats.org/presentationml/2006/main">
+  <p:cSld>
+    <p:spTree>
+      <p:nvGrpSpPr>
+        <p:cNvPr id="1" name=""/>
+        <p:cNvGrpSpPr/>
+        <p:nvPr/>
+      </p:nvGrpSpPr>
+      <p:grpSpPr>
+        <a:xfrm>
+          <a:off x="0" y="0"/>
+          <a:ext cx="0" cy="0"/>
+          <a:chOff x="0" y="0"/>
+          <a:chExt cx="0" cy="0"/>
+        </a:xfrm>
+      </p:grpSpPr>
+      <p:sp>
+        <p:nvSpPr>
+          <p:cNvPr id="2" name="Content Placeholder 1"/>
+          <p:cNvSpPr>
+            <a:spLocks noGrp="1"/>
+          </p:cNvSpPr>
+          <p:nvPr>
+            <p:ph idx="1"/>
+          </p:nvPr>
+        </p:nvSpPr>
+        <p:spPr/>
+        <p:txBody>
+          <a:bodyPr/>
+          <a:lstStyle/>
+          <a:p>
+            <a:pPr marL="0" indent="0" algn="ctr">
+              <a:buNone/>
+            </a:pPr>
+            <a:r>
+              <a:rPr lang="en-US" b="1" dirty="0" err="1" smtClean="0"/>
+              <a:t>autoManageSession</a:t>
+            </a:r>
+            <a:r>
+              <a:rPr lang="en-US" b="1" dirty="0" smtClean="0"/>
+              <a:t> = false</a:t>
+            </a:r>
+          </a:p>
+          <a:p>
+            <a:pPr marL="0" indent="0" algn="ctr">
+              <a:buNone/>
+            </a:pPr>
+            <a:r>
+              <a:rPr lang="en-US" b="1" dirty="0" err="1" smtClean="0"/>
+              <a:t>flushAtRequestEnd</a:t>
+            </a:r>
+            <a:r>
+              <a:rPr lang="en-US" b="1" dirty="0" smtClean="0"/>
+              <a:t> = false</a:t>
+            </a:r>
+          </a:p>
+          <a:p>
+            <a:endParaRPr lang="en-US" dirty="0" smtClean="0"/>
+          </a:p>
+          <a:p>
+            <a:r>
+              <a:rPr lang="en-US" dirty="0" smtClean="0"/>
+              <a:t>This </a:t>
+            </a:r>
+            <a:r>
+              <a:rPr lang="en-US" b="1" dirty="0" smtClean="0"/>
+              <a:t>simply</a:t>
+            </a:r>
+            <a:r>
+              <a:rPr lang="en-US" dirty="0" smtClean="0"/>
+              <a:t> means that you have to wrap </a:t>
+            </a:r>
+            <a:r>
+              <a:rPr lang="en-US" dirty="0" err="1" smtClean="0"/>
+              <a:t>entitySave</a:t>
+            </a:r>
+            <a:r>
+              <a:rPr lang="en-US" dirty="0" smtClean="0"/>
+              <a:t>() and </a:t>
+            </a:r>
+            <a:r>
+              <a:rPr lang="en-US" dirty="0" err="1" smtClean="0"/>
+              <a:t>entityDelete</a:t>
+            </a:r>
+            <a:r>
+              <a:rPr lang="en-US" dirty="0" smtClean="0"/>
+              <a:t>() in transactions</a:t>
+            </a:r>
+            <a:endParaRPr lang="en-US" dirty="0"/>
+          </a:p>
+        </p:txBody>
+      </p:sp>
+      <p:sp>
+        <p:nvSpPr>
+          <p:cNvPr id="3" name="Title 2"/>
+          <p:cNvSpPr>
+            <a:spLocks noGrp="1"/>
+          </p:cNvSpPr>
+          <p:nvPr>
+            <p:ph type="title"/>
+          </p:nvPr>
+        </p:nvSpPr>
+        <p:spPr/>
+        <p:txBody>
+          <a:bodyPr>
+            <a:normAutofit fontScale="90000"/>
+          </a:bodyPr>
+          <a:lstStyle/>
+          <a:p>
+            <a:r>
+              <a:rPr lang="en-US" dirty="0" smtClean="0"/>
+              <a:t>Essential ORM Settings: </a:t>
+            </a:r>
+            <a:br>
+              <a:rPr lang="en-US" dirty="0" smtClean="0"/>
+            </a:br>
+            <a:r>
+              <a:rPr lang="en-US" dirty="0" smtClean="0"/>
+              <a:t>Session Control</a:t>
+            </a:r>
+            <a:endParaRPr lang="en-US" dirty="0"/>
+          </a:p>
+        </p:txBody>
+      </p:sp>
+    </p:spTree>
+    <p:extLst>
+      <p:ext uri="{BB962C8B-B14F-4D97-AF65-F5344CB8AC3E}">
+        <p14:creationId xmlns:p14="http://schemas.microsoft.com/office/powerpoint/2010/main" val="4005882473"/>
+      </p:ext>
+    </p:extLst>
+  </p:cSld>
+  <p:clrMapOvr>
+    <a:masterClrMapping/>
+  </p:clrMapOvr>
+  <p:timing>
+    <p:tnLst>
+      <p:par>
+        <p:cTn id="1" dur="indefinite" restart="never" nodeType="tmRoot"/>
+      </p:par>
+    </p:tnLst>
+  </p:timing>
+</p:sld>
+</file>
+
+<file path=ppt/slides/slide24.xml><?xml version="1.0" encoding="utf-8"?>
+<p:sld xmlns:a="http://schemas.openxmlformats.org/drawingml/2006/main" xmlns:r="http://schemas.openxmlformats.org/officeDocument/2006/relationships" xmlns:p="http://schemas.openxmlformats.org/presentationml/2006/main">
+  <p:cSld>
+    <p:spTree>
+      <p:nvGrpSpPr>
+        <p:cNvPr id="1" name=""/>
+        <p:cNvGrpSpPr/>
+        <p:nvPr/>
+      </p:nvGrpSpPr>
+      <p:grpSpPr>
+        <a:xfrm>
+          <a:off x="0" y="0"/>
+          <a:ext cx="0" cy="0"/>
+          <a:chOff x="0" y="0"/>
+          <a:chExt cx="0" cy="0"/>
+        </a:xfrm>
+      </p:grpSpPr>
+      <p:sp>
+        <p:nvSpPr>
+          <p:cNvPr id="3" name="Title 2"/>
+          <p:cNvSpPr>
+            <a:spLocks noGrp="1"/>
+          </p:cNvSpPr>
+          <p:nvPr>
+            <p:ph type="title"/>
+          </p:nvPr>
+        </p:nvSpPr>
+        <p:spPr/>
+        <p:txBody>
+          <a:bodyPr>
+            <a:normAutofit fontScale="90000"/>
+          </a:bodyPr>
+          <a:lstStyle/>
+          <a:p>
+            <a:r>
+              <a:rPr lang="en-US" dirty="0" smtClean="0"/>
+              <a:t>ORM Essentials: </a:t>
+            </a:r>
+            <a:br>
+              <a:rPr lang="en-US" dirty="0" smtClean="0"/>
+            </a:br>
+            <a:r>
+              <a:rPr lang="en-US" dirty="0" smtClean="0"/>
+              <a:t>Wrap in Transaction</a:t>
+            </a:r>
+            <a:endParaRPr lang="en-US" dirty="0"/>
+          </a:p>
+        </p:txBody>
+      </p:sp>
+      <p:pic>
+        <p:nvPicPr>
+          <p:cNvPr id="4098" name="Picture 2" descr="C:\dev\projects\wwwroot\mxunit-cfmeetups\CFObjective_ORMZen\preso\transaction.PNG"/>
+          <p:cNvPicPr>
+            <a:picLocks noChangeAspect="1" noChangeArrowheads="1"/>
+          </p:cNvPicPr>
+          <p:nvPr/>
+        </p:nvPicPr>
+        <p:blipFill>
+          <a:blip r:embed="rId2">
+            <a:extLst>
+              <a:ext uri="{28A0092B-C50C-407E-A947-70E740481C1C}">
+                <a14:useLocalDpi xmlns:a14="http://schemas.microsoft.com/office/drawing/2010/main" val="0"/>
+              </a:ext>
+            </a:extLst>
+          </a:blip>
+          <a:srcRect/>
+          <a:stretch>
+            <a:fillRect/>
+          </a:stretch>
+        </p:blipFill>
+        <p:spPr bwMode="auto">
+          <a:xfrm>
+            <a:off x="2438400" y="2814735"/>
+            <a:ext cx="4514850" cy="2257425"/>
+          </a:xfrm>
+          <a:prstGeom prst="rect">
+            <a:avLst/>
+          </a:prstGeom>
+          <a:noFill/>
+          <a:extLst>
+            <a:ext uri="{909E8E84-426E-40DD-AFC4-6F175D3DCCD1}">
+              <a14:hiddenFill xmlns:a14="http://schemas.microsoft.com/office/drawing/2010/main">
+                <a:solidFill>
+                  <a:srgbClr val="FFFFFF"/>
+                </a:solidFill>
+              </a14:hiddenFill>
+            </a:ext>
+          </a:extLst>
+        </p:spPr>
+      </p:pic>
+    </p:spTree>
+    <p:extLst>
+      <p:ext uri="{BB962C8B-B14F-4D97-AF65-F5344CB8AC3E}">
+        <p14:creationId xmlns:p14="http://schemas.microsoft.com/office/powerpoint/2010/main" val="1765834551"/>
+      </p:ext>
+    </p:extLst>
+  </p:cSld>
+  <p:clrMapOvr>
+    <a:masterClrMapping/>
+  </p:clrMapOvr>
+  <p:timing>
+    <p:tnLst>
+      <p:par>
+        <p:cTn id="1" dur="indefinite" restart="never" nodeType="tmRoot"/>
+      </p:par>
+    </p:tnLst>
+  </p:timing>
+</p:sld>
+</file>
+
+<file path=ppt/slides/slide25.xml><?xml version="1.0" encoding="utf-8"?>
+<p:sld xmlns:a="http://schemas.openxmlformats.org/drawingml/2006/main" xmlns:r="http://schemas.openxmlformats.org/officeDocument/2006/relationships" xmlns:p="http://schemas.openxmlformats.org/presentationml/2006/main">
+  <p:cSld>
+    <p:spTree>
+      <p:nvGrpSpPr>
+        <p:cNvPr id="1" name=""/>
+        <p:cNvGrpSpPr/>
+        <p:nvPr/>
+      </p:nvGrpSpPr>
+      <p:grpSpPr>
+        <a:xfrm>
+          <a:off x="0" y="0"/>
+          <a:ext cx="0" cy="0"/>
+          <a:chOff x="0" y="0"/>
+          <a:chExt cx="0" cy="0"/>
+        </a:xfrm>
+      </p:grpSpPr>
+      <p:sp>
+        <p:nvSpPr>
+          <p:cNvPr id="2" name="Content Placeholder 1"/>
+          <p:cNvSpPr>
+            <a:spLocks noGrp="1"/>
+          </p:cNvSpPr>
+          <p:nvPr>
+            <p:ph idx="1"/>
+          </p:nvPr>
+        </p:nvSpPr>
+        <p:spPr>
+          <a:xfrm>
+            <a:off x="381000" y="2667000"/>
+            <a:ext cx="8534399" cy="4267200"/>
+          </a:xfrm>
+        </p:spPr>
+        <p:txBody>
+          <a:bodyPr>
+            <a:normAutofit/>
+          </a:bodyPr>
+          <a:lstStyle/>
+          <a:p>
+            <a:r>
+              <a:rPr lang="en-US" dirty="0" smtClean="0"/>
+              <a:t>Why </a:t>
+            </a:r>
+            <a:r>
+              <a:rPr lang="en-US" dirty="0"/>
+              <a:t>are objects updating even when I don’t call </a:t>
+            </a:r>
+            <a:r>
+              <a:rPr lang="en-US" dirty="0" err="1"/>
+              <a:t>entitySave</a:t>
+            </a:r>
+            <a:r>
+              <a:rPr lang="en-US" dirty="0" smtClean="0"/>
+              <a:t>()?</a:t>
+            </a:r>
+          </a:p>
+          <a:p>
+            <a:pPr lvl="1"/>
+            <a:r>
+              <a:rPr lang="en-US" dirty="0" err="1"/>
+              <a:t>this.ormSettings.autoManageSession</a:t>
+            </a:r>
+            <a:r>
+              <a:rPr lang="en-US" dirty="0"/>
+              <a:t> = false</a:t>
+            </a:r>
+          </a:p>
+          <a:p>
+            <a:pPr lvl="1"/>
+            <a:r>
+              <a:rPr lang="en-US" dirty="0" err="1"/>
+              <a:t>this.ormSettings.flushAtRequestEnd</a:t>
+            </a:r>
+            <a:r>
+              <a:rPr lang="en-US" dirty="0"/>
+              <a:t> = </a:t>
+            </a:r>
+            <a:r>
+              <a:rPr lang="en-US" dirty="0" smtClean="0"/>
+              <a:t>false</a:t>
+            </a:r>
+          </a:p>
+          <a:p>
+            <a:pPr lvl="1"/>
+            <a:r>
+              <a:rPr lang="en-US" dirty="0" smtClean="0"/>
+              <a:t>Wrap </a:t>
+            </a:r>
+            <a:r>
+              <a:rPr lang="en-US" dirty="0" err="1" smtClean="0"/>
+              <a:t>entitySave</a:t>
+            </a:r>
+            <a:r>
+              <a:rPr lang="en-US" dirty="0" smtClean="0"/>
+              <a:t>() and </a:t>
+            </a:r>
+            <a:r>
+              <a:rPr lang="en-US" dirty="0" err="1" smtClean="0"/>
+              <a:t>entityDelete</a:t>
+            </a:r>
+            <a:r>
+              <a:rPr lang="en-US" dirty="0" smtClean="0"/>
+              <a:t>() in transaction{} to control the session flush</a:t>
+            </a:r>
+            <a:endParaRPr lang="en-US" dirty="0"/>
+          </a:p>
+          <a:p>
+            <a:pPr lvl="1"/>
+            <a:endParaRPr lang="en-US" dirty="0" smtClean="0"/>
+          </a:p>
+        </p:txBody>
+      </p:sp>
+      <p:sp>
+        <p:nvSpPr>
+          <p:cNvPr id="3" name="Title 2"/>
+          <p:cNvSpPr>
+            <a:spLocks noGrp="1"/>
+          </p:cNvSpPr>
+          <p:nvPr>
+            <p:ph type="title"/>
+          </p:nvPr>
+        </p:nvSpPr>
+        <p:spPr/>
+        <p:txBody>
+          <a:bodyPr/>
+          <a:lstStyle/>
+          <a:p>
+            <a:r>
+              <a:rPr lang="en-US" dirty="0"/>
+              <a:t>Early Enlightenment</a:t>
+            </a:r>
+          </a:p>
+        </p:txBody>
+      </p:sp>
+    </p:spTree>
+    <p:extLst>
+      <p:ext uri="{BB962C8B-B14F-4D97-AF65-F5344CB8AC3E}">
+        <p14:creationId xmlns:p14="http://schemas.microsoft.com/office/powerpoint/2010/main" val="2153704740"/>
+      </p:ext>
+    </p:extLst>
+  </p:cSld>
+  <p:clrMapOvr>
+    <a:masterClrMapping/>
+  </p:clrMapOvr>
+  <p:timing>
+    <p:tnLst>
+      <p:par>
+        <p:cTn id="1" dur="indefinite" restart="never" nodeType="tmRoot"/>
+      </p:par>
+    </p:tnLst>
+  </p:timing>
+</p:sld>
+</file>
+
+<file path=ppt/slides/slide26.xml><?xml version="1.0" encoding="utf-8"?>
+<p:sld xmlns:a="http://schemas.openxmlformats.org/drawingml/2006/main" xmlns:r="http://schemas.openxmlformats.org/officeDocument/2006/relationships" xmlns:p="http://schemas.openxmlformats.org/presentationml/2006/main">
+  <p:cSld>
+    <p:spTree>
+      <p:nvGrpSpPr>
+        <p:cNvPr id="1" name=""/>
+        <p:cNvGrpSpPr/>
+        <p:nvPr/>
+      </p:nvGrpSpPr>
+      <p:grpSpPr>
+        <a:xfrm>
+          <a:off x="0" y="0"/>
+          <a:ext cx="0" cy="0"/>
+          <a:chOff x="0" y="0"/>
+          <a:chExt cx="0" cy="0"/>
+        </a:xfrm>
+      </p:grpSpPr>
+      <p:sp>
+        <p:nvSpPr>
+          <p:cNvPr id="2" name="Content Placeholder 1"/>
+          <p:cNvSpPr>
+            <a:spLocks noGrp="1"/>
+          </p:cNvSpPr>
+          <p:nvPr>
+            <p:ph idx="1"/>
+          </p:nvPr>
+        </p:nvSpPr>
+        <p:spPr/>
+        <p:txBody>
+          <a:bodyPr/>
+          <a:lstStyle/>
+          <a:p>
+            <a:pPr marL="457200" indent="-457200">
+              <a:buFont typeface="+mj-lt"/>
+              <a:buAutoNum type="arabicPeriod"/>
+            </a:pPr>
+            <a:r>
+              <a:rPr lang="en-US" dirty="0" smtClean="0"/>
+              <a:t> ORM Settings -- Control the Session Flush</a:t>
+            </a:r>
+            <a:endParaRPr lang="en-US" dirty="0" smtClean="0"/>
+          </a:p>
+          <a:p>
+            <a:pPr marL="457200" indent="-457200">
+              <a:buFont typeface="+mj-lt"/>
+              <a:buAutoNum type="arabicPeriod"/>
+            </a:pPr>
+            <a:r>
+              <a:rPr lang="en-US" b="1" dirty="0" smtClean="0"/>
+              <a:t>Many-to-One Relationships</a:t>
+            </a:r>
+          </a:p>
+          <a:p>
+            <a:pPr marL="457200" indent="-457200">
+              <a:buFont typeface="+mj-lt"/>
+              <a:buAutoNum type="arabicPeriod"/>
+            </a:pPr>
+            <a:r>
+              <a:rPr lang="en-US" dirty="0" smtClean="0"/>
+              <a:t>One-to-Many Intro: Bidirectional relationships</a:t>
+            </a:r>
+          </a:p>
+          <a:p>
+            <a:pPr marL="457200" indent="-457200">
+              <a:buFont typeface="+mj-lt"/>
+              <a:buAutoNum type="arabicPeriod"/>
+            </a:pPr>
+            <a:r>
+              <a:rPr lang="en-US" dirty="0" smtClean="0"/>
+              <a:t>One-to-Many: </a:t>
+            </a:r>
+            <a:r>
+              <a:rPr lang="en-US" dirty="0" err="1" smtClean="0"/>
+              <a:t>linktables</a:t>
+            </a:r>
+            <a:r>
+              <a:rPr lang="en-US" dirty="0" smtClean="0"/>
+              <a:t> and cascades</a:t>
+            </a:r>
+          </a:p>
+          <a:p>
+            <a:pPr marL="457200" indent="-457200">
+              <a:buFont typeface="+mj-lt"/>
+              <a:buAutoNum type="arabicPeriod"/>
+            </a:pPr>
+            <a:r>
+              <a:rPr lang="en-US" dirty="0" smtClean="0"/>
+              <a:t>One-to-Many: inverse and “relationship owner”</a:t>
+            </a:r>
+          </a:p>
+          <a:p>
+            <a:pPr marL="457200" indent="-457200">
+              <a:buFont typeface="+mj-lt"/>
+              <a:buAutoNum type="arabicPeriod"/>
+            </a:pPr>
+            <a:r>
+              <a:rPr lang="en-US" dirty="0" smtClean="0"/>
+              <a:t>One-to-Many: deleting things</a:t>
+            </a:r>
+          </a:p>
+          <a:p>
+            <a:pPr marL="457200" indent="-457200">
+              <a:buFont typeface="+mj-lt"/>
+              <a:buAutoNum type="arabicPeriod"/>
+            </a:pPr>
+            <a:r>
+              <a:rPr lang="en-US" dirty="0" smtClean="0"/>
+              <a:t>Hibernate Session and the ColdFusion Session scope</a:t>
+            </a:r>
+            <a:endParaRPr lang="en-US" dirty="0"/>
+          </a:p>
+        </p:txBody>
+      </p:sp>
+      <p:sp>
+        <p:nvSpPr>
+          <p:cNvPr id="3" name="Title 2"/>
+          <p:cNvSpPr>
+            <a:spLocks noGrp="1"/>
+          </p:cNvSpPr>
+          <p:nvPr>
+            <p:ph type="title"/>
+          </p:nvPr>
+        </p:nvSpPr>
+        <p:spPr/>
+        <p:txBody>
+          <a:bodyPr/>
+          <a:lstStyle/>
+          <a:p>
+            <a:r>
+              <a:rPr lang="en-US" dirty="0" smtClean="0"/>
+              <a:t>Agenda</a:t>
+            </a:r>
+            <a:endParaRPr lang="en-US" dirty="0"/>
+          </a:p>
+        </p:txBody>
+      </p:sp>
+    </p:spTree>
+    <p:extLst>
+      <p:ext uri="{BB962C8B-B14F-4D97-AF65-F5344CB8AC3E}">
+        <p14:creationId xmlns:p14="http://schemas.microsoft.com/office/powerpoint/2010/main" val="532778290"/>
+      </p:ext>
+    </p:extLst>
+  </p:cSld>
+  <p:clrMapOvr>
+    <a:masterClrMapping/>
+  </p:clrMapOvr>
+  <p:timing>
+    <p:tnLst>
+      <p:par>
+        <p:cTn id="1" dur="indefinite" restart="never" nodeType="tmRoot"/>
+      </p:par>
+    </p:tnLst>
+  </p:timing>
+</p:sld>
+</file>
+
+<file path=ppt/slides/slide27.xml><?xml version="1.0" encoding="utf-8"?>
+<p:sld xmlns:a="http://schemas.openxmlformats.org/drawingml/2006/main" xmlns:r="http://schemas.openxmlformats.org/officeDocument/2006/relationships" xmlns:p="http://schemas.openxmlformats.org/presentationml/2006/main">
+  <p:cSld>
+    <p:spTree>
+      <p:nvGrpSpPr>
+        <p:cNvPr id="1" name=""/>
+        <p:cNvGrpSpPr/>
+        <p:nvPr/>
+      </p:nvGrpSpPr>
+      <p:grpSpPr>
+        <a:xfrm>
+          <a:off x="0" y="0"/>
+          <a:ext cx="0" cy="0"/>
+          <a:chOff x="0" y="0"/>
+          <a:chExt cx="0" cy="0"/>
+        </a:xfrm>
+      </p:grpSpPr>
+      <p:sp>
+        <p:nvSpPr>
+          <p:cNvPr id="2" name="Content Placeholder 1"/>
+          <p:cNvSpPr>
+            <a:spLocks noGrp="1"/>
+          </p:cNvSpPr>
+          <p:nvPr>
+            <p:ph idx="1"/>
+          </p:nvPr>
+        </p:nvSpPr>
+        <p:spPr>
+          <a:xfrm>
+            <a:off x="872067" y="2133600"/>
+            <a:ext cx="7408333" cy="3992563"/>
+          </a:xfrm>
+        </p:spPr>
+        <p:txBody>
+          <a:bodyPr/>
+          <a:lstStyle/>
+          <a:p>
+            <a:r>
+              <a:rPr lang="en-US" dirty="0" err="1" smtClean="0"/>
+              <a:t>CFDump</a:t>
+            </a:r>
+            <a:r>
+              <a:rPr lang="en-US" dirty="0" smtClean="0"/>
+              <a:t> just got </a:t>
+            </a:r>
+            <a:r>
+              <a:rPr lang="en-US" dirty="0" err="1" smtClean="0"/>
+              <a:t>reaaal</a:t>
+            </a:r>
+            <a:r>
+              <a:rPr lang="en-US" dirty="0" smtClean="0"/>
+              <a:t> slow. Why?</a:t>
+            </a:r>
+          </a:p>
+          <a:p>
+            <a:pPr lvl="1"/>
+            <a:r>
+              <a:rPr lang="en-US" dirty="0" smtClean="0"/>
+              <a:t>Happens when a many-to-one object has, itself, a big one-to-many relationship</a:t>
+            </a:r>
+          </a:p>
+          <a:p>
+            <a:pPr lvl="1"/>
+            <a:endParaRPr lang="en-US" dirty="0"/>
+          </a:p>
+          <a:p>
+            <a:r>
+              <a:rPr lang="en-US" dirty="0" smtClean="0"/>
+              <a:t>How do I </a:t>
+            </a:r>
+            <a:r>
+              <a:rPr lang="en-US" dirty="0" err="1" smtClean="0"/>
+              <a:t>entityLoad</a:t>
+            </a:r>
+            <a:r>
+              <a:rPr lang="en-US" dirty="0" smtClean="0"/>
+              <a:t>() and filter on a property when that property is now an object?</a:t>
+            </a:r>
+          </a:p>
+        </p:txBody>
+      </p:sp>
+      <p:sp>
+        <p:nvSpPr>
+          <p:cNvPr id="3" name="Title 2"/>
+          <p:cNvSpPr>
+            <a:spLocks noGrp="1"/>
+          </p:cNvSpPr>
+          <p:nvPr>
+            <p:ph type="title"/>
+          </p:nvPr>
+        </p:nvSpPr>
+        <p:spPr/>
+        <p:txBody>
+          <a:bodyPr/>
+          <a:lstStyle/>
+          <a:p>
+            <a:r>
+              <a:rPr lang="en-US" dirty="0" smtClean="0"/>
+              <a:t>Suffering</a:t>
+            </a:r>
+            <a:endParaRPr lang="en-US" dirty="0"/>
+          </a:p>
+        </p:txBody>
+      </p:sp>
+    </p:spTree>
+    <p:extLst>
+      <p:ext uri="{BB962C8B-B14F-4D97-AF65-F5344CB8AC3E}">
+        <p14:creationId xmlns:p14="http://schemas.microsoft.com/office/powerpoint/2010/main" val="4294375379"/>
+      </p:ext>
+    </p:extLst>
+  </p:cSld>
+  <p:clrMapOvr>
+    <a:masterClrMapping/>
+  </p:clrMapOvr>
+  <p:timing>
+    <p:tnLst>
+      <p:par>
+        <p:cTn id="1" dur="indefinite" restart="never" nodeType="tmRoot"/>
+      </p:par>
+    </p:tnLst>
+  </p:timing>
+</p:sld>
+</file>
+
+<file path=ppt/slides/slide28.xml><?xml version="1.0" encoding="utf-8"?>
+<p:sld xmlns:a="http://schemas.openxmlformats.org/drawingml/2006/main" xmlns:r="http://schemas.openxmlformats.org/officeDocument/2006/relationships" xmlns:p="http://schemas.openxmlformats.org/presentationml/2006/main">
+  <p:cSld>
+    <p:spTree>
+      <p:nvGrpSpPr>
+        <p:cNvPr id="1" name=""/>
+        <p:cNvGrpSpPr/>
+        <p:nvPr/>
+      </p:nvGrpSpPr>
+      <p:grpSpPr>
+        <a:xfrm>
+          <a:off x="0" y="0"/>
+          <a:ext cx="0" cy="0"/>
+          <a:chOff x="0" y="0"/>
+          <a:chExt cx="0" cy="0"/>
+        </a:xfrm>
+      </p:grpSpPr>
+      <p:sp>
+        <p:nvSpPr>
+          <p:cNvPr id="2" name="Content Placeholder 1"/>
+          <p:cNvSpPr>
+            <a:spLocks noGrp="1"/>
+          </p:cNvSpPr>
+          <p:nvPr>
+            <p:ph idx="1"/>
+          </p:nvPr>
+        </p:nvSpPr>
+        <p:spPr/>
+        <p:txBody>
+          <a:bodyPr>
+            <a:normAutofit fontScale="92500" lnSpcReduction="10000"/>
+          </a:bodyPr>
+          <a:lstStyle/>
+          <a:p>
+            <a:r>
+              <a:rPr lang="en-US" dirty="0" smtClean="0"/>
+              <a:t>The Simplest Relationship</a:t>
+            </a:r>
+          </a:p>
+          <a:p>
+            <a:r>
+              <a:rPr lang="en-US" dirty="0" smtClean="0"/>
+              <a:t>This is your typical Foreign Key Relationship</a:t>
+            </a:r>
+          </a:p>
+          <a:p>
+            <a:r>
+              <a:rPr lang="en-US" dirty="0" smtClean="0"/>
+              <a:t>E.g. Event has a “</a:t>
+            </a:r>
+            <a:r>
+              <a:rPr lang="en-US" dirty="0" err="1" smtClean="0"/>
+              <a:t>ModifiedBy</a:t>
+            </a:r>
+            <a:r>
+              <a:rPr lang="en-US" dirty="0" smtClean="0"/>
+              <a:t>” column, which is a relationship with the “Administrator” table’s “id”</a:t>
+            </a:r>
+          </a:p>
+          <a:p>
+            <a:r>
+              <a:rPr lang="en-US" dirty="0" smtClean="0"/>
+              <a:t>Think: “MANY events can have ONE current </a:t>
+            </a:r>
+            <a:r>
+              <a:rPr lang="en-US" dirty="0" err="1" smtClean="0"/>
+              <a:t>modifiedBy</a:t>
+            </a:r>
+            <a:r>
+              <a:rPr lang="en-US" dirty="0" smtClean="0"/>
+              <a:t>”</a:t>
+            </a:r>
+          </a:p>
+          <a:p>
+            <a:r>
+              <a:rPr lang="en-US" b="1" dirty="0" smtClean="0"/>
+              <a:t>Three Knobs</a:t>
+            </a:r>
+          </a:p>
+          <a:p>
+            <a:pPr lvl="1"/>
+            <a:r>
+              <a:rPr lang="en-US" b="1" dirty="0" err="1"/>
+              <a:t>f</a:t>
+            </a:r>
+            <a:r>
+              <a:rPr lang="en-US" b="1" dirty="0" err="1" smtClean="0"/>
+              <a:t>ieldtype</a:t>
+            </a:r>
+            <a:r>
+              <a:rPr lang="en-US" dirty="0" smtClean="0"/>
+              <a:t> = “many-to-one”</a:t>
+            </a:r>
+          </a:p>
+          <a:p>
+            <a:pPr lvl="1"/>
+            <a:r>
+              <a:rPr lang="en-US" b="1" dirty="0" err="1" smtClean="0"/>
+              <a:t>fkcolumn</a:t>
+            </a:r>
+            <a:r>
+              <a:rPr lang="en-US" dirty="0" smtClean="0"/>
+              <a:t> = Column Name in </a:t>
+            </a:r>
+            <a:r>
+              <a:rPr lang="en-US" b="1" dirty="0" smtClean="0"/>
+              <a:t>THIS</a:t>
+            </a:r>
+            <a:r>
+              <a:rPr lang="en-US" dirty="0" smtClean="0"/>
+              <a:t> Table</a:t>
+            </a:r>
+          </a:p>
+          <a:p>
+            <a:pPr lvl="1"/>
+            <a:r>
+              <a:rPr lang="en-US" b="1" dirty="0" smtClean="0"/>
+              <a:t>cfc</a:t>
+            </a:r>
+            <a:r>
+              <a:rPr lang="en-US" dirty="0" smtClean="0"/>
+              <a:t> = CFC Name Of Related Entity</a:t>
+            </a:r>
+            <a:endParaRPr lang="en-US" dirty="0"/>
+          </a:p>
+        </p:txBody>
+      </p:sp>
+      <p:sp>
+        <p:nvSpPr>
+          <p:cNvPr id="3" name="Title 2"/>
+          <p:cNvSpPr>
+            <a:spLocks noGrp="1"/>
+          </p:cNvSpPr>
+          <p:nvPr>
+            <p:ph type="title"/>
+          </p:nvPr>
+        </p:nvSpPr>
+        <p:spPr/>
+        <p:txBody>
+          <a:bodyPr/>
+          <a:lstStyle/>
+          <a:p>
+            <a:r>
+              <a:rPr lang="en-US" dirty="0" smtClean="0"/>
+              <a:t>Many-to-One</a:t>
+            </a:r>
+            <a:endParaRPr lang="en-US" dirty="0"/>
+          </a:p>
+        </p:txBody>
+      </p:sp>
+    </p:spTree>
+    <p:extLst>
+      <p:ext uri="{BB962C8B-B14F-4D97-AF65-F5344CB8AC3E}">
+        <p14:creationId xmlns:p14="http://schemas.microsoft.com/office/powerpoint/2010/main" val="2762152540"/>
+      </p:ext>
+    </p:extLst>
+  </p:cSld>
+  <p:clrMapOvr>
+    <a:masterClrMapping/>
+  </p:clrMapOvr>
+  <p:timing>
+    <p:tnLst>
+      <p:par>
+        <p:cTn id="1" dur="indefinite" restart="never" nodeType="tmRoot"/>
+      </p:par>
+    </p:tnLst>
+  </p:timing>
+</p:sld>
+</file>
+
+<file path=ppt/slides/slide29.xml><?xml version="1.0" encoding="utf-8"?>
+<p:sld xmlns:a="http://schemas.openxmlformats.org/drawingml/2006/main" xmlns:r="http://schemas.openxmlformats.org/officeDocument/2006/relationships" xmlns:p="http://schemas.openxmlformats.org/presentationml/2006/main">
+  <p:cSld>
+    <p:spTree>
+      <p:nvGrpSpPr>
+        <p:cNvPr id="1" name=""/>
+        <p:cNvGrpSpPr/>
+        <p:nvPr/>
+      </p:nvGrpSpPr>
+      <p:grpSpPr>
+        <a:xfrm>
+          <a:off x="0" y="0"/>
+          <a:ext cx="0" cy="0"/>
+          <a:chOff x="0" y="0"/>
+          <a:chExt cx="0" cy="0"/>
+        </a:xfrm>
+      </p:grpSpPr>
+      <p:sp>
+        <p:nvSpPr>
+          <p:cNvPr id="2" name="Content Placeholder 1"/>
+          <p:cNvSpPr>
+            <a:spLocks noGrp="1"/>
+          </p:cNvSpPr>
+          <p:nvPr>
+            <p:ph idx="1"/>
+          </p:nvPr>
+        </p:nvSpPr>
+        <p:spPr/>
+        <p:txBody>
+          <a:bodyPr>
+            <a:normAutofit/>
+          </a:bodyPr>
+          <a:lstStyle/>
+          <a:p>
+            <a:pPr marL="0" indent="0" algn="ctr">
+              <a:buNone/>
+            </a:pPr>
+            <a:r>
+              <a:rPr lang="en-US" sz="4000" b="1" dirty="0" smtClean="0"/>
+              <a:t>Demo</a:t>
+            </a:r>
+            <a:endParaRPr lang="en-US" sz="4000" b="1" dirty="0"/>
+          </a:p>
+        </p:txBody>
+      </p:sp>
+      <p:sp>
+        <p:nvSpPr>
+          <p:cNvPr id="3" name="Title 2"/>
+          <p:cNvSpPr>
+            <a:spLocks noGrp="1"/>
+          </p:cNvSpPr>
+          <p:nvPr>
+            <p:ph type="title"/>
+          </p:nvPr>
+        </p:nvSpPr>
+        <p:spPr/>
+        <p:txBody>
+          <a:bodyPr/>
+          <a:lstStyle/>
+          <a:p>
+            <a:r>
+              <a:rPr lang="en-US" dirty="0" smtClean="0"/>
+              <a:t>Many-to-One Demo</a:t>
+            </a:r>
+            <a:endParaRPr lang="en-US" dirty="0"/>
+          </a:p>
+        </p:txBody>
+      </p:sp>
+    </p:spTree>
+    <p:extLst>
+      <p:ext uri="{BB962C8B-B14F-4D97-AF65-F5344CB8AC3E}">
+        <p14:creationId xmlns:p14="http://schemas.microsoft.com/office/powerpoint/2010/main" val="238375057"/>
+      </p:ext>
+    </p:extLst>
+  </p:cSld>
+  <p:clrMapOvr>
+    <a:masterClrMapping/>
+  </p:clrMapOvr>
+  <p:timing>
+    <p:tnLst>
+      <p:par>
+        <p:cTn id="1" dur="indefinite" restart="never" nodeType="tmRoot"/>
+      </p:par>
+    </p:tnLst>
+  </p:timing>
+</p:sld>
+</file>
+
+<file path=ppt/slides/slide3.xml><?xml version="1.0" encoding="utf-8"?>
 <p:sld xmlns:a="http://schemas.openxmlformats.org/drawingml/2006/main" xmlns:r="http://schemas.openxmlformats.org/officeDocument/2006/relationships" xmlns:p="http://schemas.openxmlformats.org/presentationml/2006/main">
   <p:cSld>
     <p:spTree>
@@ -15458,7 +17901,1437 @@
 </p:sld>
 </file>
 
-<file path=ppt/slides/slide3.xml><?xml version="1.0" encoding="utf-8"?>
+<file path=ppt/slides/slide30.xml><?xml version="1.0" encoding="utf-8"?>
+<p:sld xmlns:a="http://schemas.openxmlformats.org/drawingml/2006/main" xmlns:r="http://schemas.openxmlformats.org/officeDocument/2006/relationships" xmlns:p="http://schemas.openxmlformats.org/presentationml/2006/main">
+  <p:cSld>
+    <p:spTree>
+      <p:nvGrpSpPr>
+        <p:cNvPr id="1" name=""/>
+        <p:cNvGrpSpPr/>
+        <p:nvPr/>
+      </p:nvGrpSpPr>
+      <p:grpSpPr>
+        <a:xfrm>
+          <a:off x="0" y="0"/>
+          <a:ext cx="0" cy="0"/>
+          <a:chOff x="0" y="0"/>
+          <a:chExt cx="0" cy="0"/>
+        </a:xfrm>
+      </p:grpSpPr>
+      <p:sp>
+        <p:nvSpPr>
+          <p:cNvPr id="2" name="Content Placeholder 1"/>
+          <p:cNvSpPr>
+            <a:spLocks noGrp="1"/>
+          </p:cNvSpPr>
+          <p:nvPr>
+            <p:ph idx="1"/>
+          </p:nvPr>
+        </p:nvSpPr>
+        <p:spPr/>
+        <p:txBody>
+          <a:bodyPr/>
+          <a:lstStyle/>
+          <a:p>
+            <a:r>
+              <a:rPr lang="en-US" dirty="0"/>
+              <a:t>many-to-one: Many </a:t>
+            </a:r>
+            <a:r>
+              <a:rPr lang="en-US" dirty="0" smtClean="0"/>
+              <a:t>Events </a:t>
+            </a:r>
+            <a:r>
+              <a:rPr lang="en-US" dirty="0"/>
+              <a:t>can have this one Administrator; </a:t>
+            </a:r>
+            <a:endParaRPr lang="en-US" dirty="0" smtClean="0"/>
+          </a:p>
+          <a:p>
+            <a:r>
+              <a:rPr lang="en-US" dirty="0"/>
+              <a:t>many-to-one properties are ALWAYS a single object, not a collection. </a:t>
+            </a:r>
+            <a:endParaRPr lang="en-US" dirty="0" smtClean="0"/>
+          </a:p>
+          <a:p>
+            <a:r>
+              <a:rPr lang="en-US" sz="1800" dirty="0" smtClean="0"/>
+              <a:t>“The </a:t>
+            </a:r>
+            <a:r>
+              <a:rPr lang="en-US" sz="1800" dirty="0"/>
+              <a:t>value for property </a:t>
+            </a:r>
+            <a:r>
+              <a:rPr lang="en-US" sz="1800" dirty="0" err="1"/>
+              <a:t>java.lang.String</a:t>
+            </a:r>
+            <a:r>
+              <a:rPr lang="en-US" sz="1800" dirty="0"/>
+              <a:t> cannot be retrieved from object of type id. Expected object type is </a:t>
+            </a:r>
+            <a:r>
+              <a:rPr lang="en-US" sz="1800" dirty="0" smtClean="0"/>
+              <a:t>XXX.” </a:t>
+            </a:r>
+          </a:p>
+          <a:p>
+            <a:pPr lvl="1"/>
+            <a:r>
+              <a:rPr lang="en-US" dirty="0" smtClean="0"/>
+              <a:t>often indicates you have a many-to-one property but are setting a simple value into that property </a:t>
+            </a:r>
+            <a:endParaRPr lang="en-US" dirty="0"/>
+          </a:p>
+        </p:txBody>
+      </p:sp>
+      <p:sp>
+        <p:nvSpPr>
+          <p:cNvPr id="3" name="Title 2"/>
+          <p:cNvSpPr>
+            <a:spLocks noGrp="1"/>
+          </p:cNvSpPr>
+          <p:nvPr>
+            <p:ph type="title"/>
+          </p:nvPr>
+        </p:nvSpPr>
+        <p:spPr/>
+        <p:txBody>
+          <a:bodyPr/>
+          <a:lstStyle/>
+          <a:p>
+            <a:r>
+              <a:rPr lang="en-US" dirty="0" smtClean="0"/>
+              <a:t>Many-to-One</a:t>
+            </a:r>
+            <a:endParaRPr lang="en-US" dirty="0"/>
+          </a:p>
+        </p:txBody>
+      </p:sp>
+    </p:spTree>
+    <p:extLst>
+      <p:ext uri="{BB962C8B-B14F-4D97-AF65-F5344CB8AC3E}">
+        <p14:creationId xmlns:p14="http://schemas.microsoft.com/office/powerpoint/2010/main" val="772637498"/>
+      </p:ext>
+    </p:extLst>
+  </p:cSld>
+  <p:clrMapOvr>
+    <a:masterClrMapping/>
+  </p:clrMapOvr>
+  <p:timing>
+    <p:tnLst>
+      <p:par>
+        <p:cTn id="1" dur="indefinite" restart="never" nodeType="tmRoot"/>
+      </p:par>
+    </p:tnLst>
+  </p:timing>
+</p:sld>
+</file>
+
+<file path=ppt/slides/slide31.xml><?xml version="1.0" encoding="utf-8"?>
+<p:sld xmlns:a="http://schemas.openxmlformats.org/drawingml/2006/main" xmlns:r="http://schemas.openxmlformats.org/officeDocument/2006/relationships" xmlns:p="http://schemas.openxmlformats.org/presentationml/2006/main">
+  <p:cSld>
+    <p:spTree>
+      <p:nvGrpSpPr>
+        <p:cNvPr id="1" name=""/>
+        <p:cNvGrpSpPr/>
+        <p:nvPr/>
+      </p:nvGrpSpPr>
+      <p:grpSpPr>
+        <a:xfrm>
+          <a:off x="0" y="0"/>
+          <a:ext cx="0" cy="0"/>
+          <a:chOff x="0" y="0"/>
+          <a:chExt cx="0" cy="0"/>
+        </a:xfrm>
+      </p:grpSpPr>
+      <p:sp>
+        <p:nvSpPr>
+          <p:cNvPr id="2" name="Content Placeholder 1"/>
+          <p:cNvSpPr>
+            <a:spLocks noGrp="1"/>
+          </p:cNvSpPr>
+          <p:nvPr>
+            <p:ph idx="1"/>
+          </p:nvPr>
+        </p:nvSpPr>
+        <p:spPr>
+          <a:xfrm>
+            <a:off x="304800" y="2133600"/>
+            <a:ext cx="8610599" cy="4343400"/>
+          </a:xfrm>
+        </p:spPr>
+        <p:txBody>
+          <a:bodyPr>
+            <a:normAutofit/>
+          </a:bodyPr>
+          <a:lstStyle/>
+          <a:p>
+            <a:r>
+              <a:rPr lang="en-US" dirty="0" err="1" smtClean="0"/>
+              <a:t>CFDump</a:t>
+            </a:r>
+            <a:r>
+              <a:rPr lang="en-US" dirty="0" smtClean="0"/>
+              <a:t> just got </a:t>
+            </a:r>
+            <a:r>
+              <a:rPr lang="en-US" dirty="0" err="1" smtClean="0"/>
+              <a:t>reaaal</a:t>
+            </a:r>
+            <a:r>
+              <a:rPr lang="en-US" dirty="0" smtClean="0"/>
+              <a:t> slow. Why?</a:t>
+            </a:r>
+          </a:p>
+          <a:p>
+            <a:endParaRPr lang="en-US" dirty="0"/>
+          </a:p>
+          <a:p>
+            <a:pPr lvl="1"/>
+            <a:r>
+              <a:rPr lang="en-US" dirty="0" smtClean="0"/>
+              <a:t>ALWAYS use “top” when </a:t>
+            </a:r>
+            <a:r>
+              <a:rPr lang="en-US" dirty="0" err="1" smtClean="0"/>
+              <a:t>cfdumping</a:t>
+            </a:r>
+            <a:r>
+              <a:rPr lang="en-US" dirty="0" smtClean="0"/>
+              <a:t> an ORM object</a:t>
+            </a:r>
+          </a:p>
+          <a:p>
+            <a:pPr lvl="2"/>
+            <a:r>
+              <a:rPr lang="en-US" dirty="0" err="1" smtClean="0"/>
+              <a:t>writeDump</a:t>
+            </a:r>
+            <a:r>
+              <a:rPr lang="en-US" dirty="0" smtClean="0"/>
+              <a:t>(</a:t>
+            </a:r>
+            <a:r>
+              <a:rPr lang="en-US" dirty="0" err="1" smtClean="0"/>
+              <a:t>var</a:t>
+            </a:r>
+            <a:r>
+              <a:rPr lang="en-US" dirty="0" smtClean="0"/>
+              <a:t>=object, top=“3”);</a:t>
+            </a:r>
+            <a:endParaRPr lang="en-US" dirty="0"/>
+          </a:p>
+          <a:p>
+            <a:pPr lvl="1"/>
+            <a:r>
+              <a:rPr lang="en-US" dirty="0" smtClean="0"/>
+              <a:t>In </a:t>
+            </a:r>
+            <a:r>
+              <a:rPr lang="en-US" dirty="0" err="1" smtClean="0"/>
+              <a:t>MXUnit</a:t>
+            </a:r>
+            <a:r>
+              <a:rPr lang="en-US" dirty="0" smtClean="0"/>
+              <a:t> tests:</a:t>
+            </a:r>
+          </a:p>
+          <a:p>
+            <a:pPr lvl="2"/>
+            <a:r>
+              <a:rPr lang="en-US" dirty="0" smtClean="0"/>
+              <a:t>debug(</a:t>
+            </a:r>
+            <a:r>
+              <a:rPr lang="en-US" dirty="0" err="1" smtClean="0"/>
+              <a:t>var</a:t>
+            </a:r>
+            <a:r>
+              <a:rPr lang="en-US" dirty="0" smtClean="0"/>
+              <a:t>=object, top=“3”);</a:t>
+            </a:r>
+          </a:p>
+          <a:p>
+            <a:pPr lvl="2"/>
+            <a:endParaRPr lang="en-US" dirty="0" smtClean="0"/>
+          </a:p>
+          <a:p>
+            <a:pPr lvl="1"/>
+            <a:r>
+              <a:rPr lang="en-US" dirty="0" smtClean="0"/>
+              <a:t>How </a:t>
+            </a:r>
+            <a:r>
+              <a:rPr lang="en-US" dirty="0"/>
+              <a:t>do I </a:t>
+            </a:r>
+            <a:r>
+              <a:rPr lang="en-US" dirty="0" err="1"/>
+              <a:t>entityLoad</a:t>
+            </a:r>
+            <a:r>
+              <a:rPr lang="en-US" dirty="0"/>
+              <a:t>() and filter on a property when that property is now an object</a:t>
+            </a:r>
+            <a:r>
+              <a:rPr lang="en-US" dirty="0" smtClean="0"/>
+              <a:t>?</a:t>
+            </a:r>
+          </a:p>
+          <a:p>
+            <a:pPr lvl="2"/>
+            <a:r>
+              <a:rPr lang="en-US" dirty="0" smtClean="0"/>
+              <a:t>You must pass that </a:t>
+            </a:r>
+            <a:r>
+              <a:rPr lang="en-US" b="1" dirty="0" smtClean="0"/>
+              <a:t>object </a:t>
+            </a:r>
+            <a:r>
+              <a:rPr lang="en-US" dirty="0" smtClean="0"/>
+              <a:t> as the filter criteria</a:t>
+            </a:r>
+            <a:endParaRPr lang="en-US" dirty="0"/>
+          </a:p>
+          <a:p>
+            <a:pPr marL="627063" lvl="2" indent="0">
+              <a:buNone/>
+            </a:pPr>
+            <a:endParaRPr lang="en-US" dirty="0"/>
+          </a:p>
+        </p:txBody>
+      </p:sp>
+      <p:sp>
+        <p:nvSpPr>
+          <p:cNvPr id="3" name="Title 2"/>
+          <p:cNvSpPr>
+            <a:spLocks noGrp="1"/>
+          </p:cNvSpPr>
+          <p:nvPr>
+            <p:ph type="title"/>
+          </p:nvPr>
+        </p:nvSpPr>
+        <p:spPr/>
+        <p:txBody>
+          <a:bodyPr/>
+          <a:lstStyle/>
+          <a:p>
+            <a:r>
+              <a:rPr lang="en-US" dirty="0" smtClean="0"/>
+              <a:t>Enlightenment</a:t>
+            </a:r>
+            <a:endParaRPr lang="en-US" dirty="0"/>
+          </a:p>
+        </p:txBody>
+      </p:sp>
+    </p:spTree>
+    <p:extLst>
+      <p:ext uri="{BB962C8B-B14F-4D97-AF65-F5344CB8AC3E}">
+        <p14:creationId xmlns:p14="http://schemas.microsoft.com/office/powerpoint/2010/main" val="3302775247"/>
+      </p:ext>
+    </p:extLst>
+  </p:cSld>
+  <p:clrMapOvr>
+    <a:masterClrMapping/>
+  </p:clrMapOvr>
+  <p:timing>
+    <p:tnLst>
+      <p:par>
+        <p:cTn id="1" dur="indefinite" restart="never" nodeType="tmRoot"/>
+      </p:par>
+    </p:tnLst>
+  </p:timing>
+</p:sld>
+</file>
+
+<file path=ppt/slides/slide32.xml><?xml version="1.0" encoding="utf-8"?>
+<p:sld xmlns:a="http://schemas.openxmlformats.org/drawingml/2006/main" xmlns:r="http://schemas.openxmlformats.org/officeDocument/2006/relationships" xmlns:p="http://schemas.openxmlformats.org/presentationml/2006/main">
+  <p:cSld>
+    <p:spTree>
+      <p:nvGrpSpPr>
+        <p:cNvPr id="1" name=""/>
+        <p:cNvGrpSpPr/>
+        <p:nvPr/>
+      </p:nvGrpSpPr>
+      <p:grpSpPr>
+        <a:xfrm>
+          <a:off x="0" y="0"/>
+          <a:ext cx="0" cy="0"/>
+          <a:chOff x="0" y="0"/>
+          <a:chExt cx="0" cy="0"/>
+        </a:xfrm>
+      </p:grpSpPr>
+      <p:sp>
+        <p:nvSpPr>
+          <p:cNvPr id="2" name="Content Placeholder 1"/>
+          <p:cNvSpPr>
+            <a:spLocks noGrp="1"/>
+          </p:cNvSpPr>
+          <p:nvPr>
+            <p:ph idx="1"/>
+          </p:nvPr>
+        </p:nvSpPr>
+        <p:spPr/>
+        <p:txBody>
+          <a:bodyPr/>
+          <a:lstStyle/>
+          <a:p>
+            <a:pPr marL="457200" indent="-457200">
+              <a:buFont typeface="+mj-lt"/>
+              <a:buAutoNum type="arabicPeriod"/>
+            </a:pPr>
+            <a:r>
+              <a:rPr lang="en-US" dirty="0" smtClean="0"/>
+              <a:t> ORM Settings -- Control the Session Flush</a:t>
+            </a:r>
+            <a:endParaRPr lang="en-US" dirty="0" smtClean="0"/>
+          </a:p>
+          <a:p>
+            <a:pPr marL="457200" indent="-457200">
+              <a:buFont typeface="+mj-lt"/>
+              <a:buAutoNum type="arabicPeriod"/>
+            </a:pPr>
+            <a:r>
+              <a:rPr lang="en-US" dirty="0" smtClean="0"/>
+              <a:t>Many-to-One Relationships</a:t>
+            </a:r>
+          </a:p>
+          <a:p>
+            <a:pPr marL="457200" indent="-457200">
+              <a:buFont typeface="+mj-lt"/>
+              <a:buAutoNum type="arabicPeriod"/>
+            </a:pPr>
+            <a:r>
+              <a:rPr lang="en-US" b="1" dirty="0" smtClean="0"/>
+              <a:t>One-to-Many Intro: Bidirectional relationships</a:t>
+            </a:r>
+          </a:p>
+          <a:p>
+            <a:pPr marL="457200" indent="-457200">
+              <a:buFont typeface="+mj-lt"/>
+              <a:buAutoNum type="arabicPeriod"/>
+            </a:pPr>
+            <a:r>
+              <a:rPr lang="en-US" dirty="0" smtClean="0"/>
+              <a:t>One-to-Many: </a:t>
+            </a:r>
+            <a:r>
+              <a:rPr lang="en-US" dirty="0" err="1" smtClean="0"/>
+              <a:t>linktables</a:t>
+            </a:r>
+            <a:r>
+              <a:rPr lang="en-US" dirty="0" smtClean="0"/>
+              <a:t> and cascades</a:t>
+            </a:r>
+          </a:p>
+          <a:p>
+            <a:pPr marL="457200" indent="-457200">
+              <a:buFont typeface="+mj-lt"/>
+              <a:buAutoNum type="arabicPeriod"/>
+            </a:pPr>
+            <a:r>
+              <a:rPr lang="en-US" dirty="0" smtClean="0"/>
+              <a:t>One-to-Many: inverse and “relationship owner”</a:t>
+            </a:r>
+          </a:p>
+          <a:p>
+            <a:pPr marL="457200" indent="-457200">
+              <a:buFont typeface="+mj-lt"/>
+              <a:buAutoNum type="arabicPeriod"/>
+            </a:pPr>
+            <a:r>
+              <a:rPr lang="en-US" dirty="0" smtClean="0"/>
+              <a:t>One-to-Many: deleting things</a:t>
+            </a:r>
+          </a:p>
+          <a:p>
+            <a:pPr marL="457200" indent="-457200">
+              <a:buFont typeface="+mj-lt"/>
+              <a:buAutoNum type="arabicPeriod"/>
+            </a:pPr>
+            <a:r>
+              <a:rPr lang="en-US" dirty="0" smtClean="0"/>
+              <a:t>Hibernate Session and the ColdFusion Session scope</a:t>
+            </a:r>
+            <a:endParaRPr lang="en-US" dirty="0"/>
+          </a:p>
+        </p:txBody>
+      </p:sp>
+      <p:sp>
+        <p:nvSpPr>
+          <p:cNvPr id="3" name="Title 2"/>
+          <p:cNvSpPr>
+            <a:spLocks noGrp="1"/>
+          </p:cNvSpPr>
+          <p:nvPr>
+            <p:ph type="title"/>
+          </p:nvPr>
+        </p:nvSpPr>
+        <p:spPr/>
+        <p:txBody>
+          <a:bodyPr/>
+          <a:lstStyle/>
+          <a:p>
+            <a:r>
+              <a:rPr lang="en-US" dirty="0" smtClean="0"/>
+              <a:t>Agenda</a:t>
+            </a:r>
+            <a:endParaRPr lang="en-US" dirty="0"/>
+          </a:p>
+        </p:txBody>
+      </p:sp>
+    </p:spTree>
+    <p:extLst>
+      <p:ext uri="{BB962C8B-B14F-4D97-AF65-F5344CB8AC3E}">
+        <p14:creationId xmlns:p14="http://schemas.microsoft.com/office/powerpoint/2010/main" val="3332806906"/>
+      </p:ext>
+    </p:extLst>
+  </p:cSld>
+  <p:clrMapOvr>
+    <a:masterClrMapping/>
+  </p:clrMapOvr>
+  <p:timing>
+    <p:tnLst>
+      <p:par>
+        <p:cTn id="1" dur="indefinite" restart="never" nodeType="tmRoot"/>
+      </p:par>
+    </p:tnLst>
+  </p:timing>
+</p:sld>
+</file>
+
+<file path=ppt/slides/slide33.xml><?xml version="1.0" encoding="utf-8"?>
+<p:sld xmlns:a="http://schemas.openxmlformats.org/drawingml/2006/main" xmlns:r="http://schemas.openxmlformats.org/officeDocument/2006/relationships" xmlns:p="http://schemas.openxmlformats.org/presentationml/2006/main">
+  <p:cSld>
+    <p:spTree>
+      <p:nvGrpSpPr>
+        <p:cNvPr id="1" name=""/>
+        <p:cNvGrpSpPr/>
+        <p:nvPr/>
+      </p:nvGrpSpPr>
+      <p:grpSpPr>
+        <a:xfrm>
+          <a:off x="0" y="0"/>
+          <a:ext cx="0" cy="0"/>
+          <a:chOff x="0" y="0"/>
+          <a:chExt cx="0" cy="0"/>
+        </a:xfrm>
+      </p:grpSpPr>
+      <p:sp>
+        <p:nvSpPr>
+          <p:cNvPr id="2" name="Content Placeholder 1"/>
+          <p:cNvSpPr>
+            <a:spLocks noGrp="1"/>
+          </p:cNvSpPr>
+          <p:nvPr>
+            <p:ph idx="1"/>
+          </p:nvPr>
+        </p:nvSpPr>
+        <p:spPr/>
+        <p:txBody>
+          <a:bodyPr/>
+          <a:lstStyle/>
+          <a:p>
+            <a:r>
+              <a:rPr lang="en-US" dirty="0" smtClean="0"/>
+              <a:t>I’m </a:t>
+            </a:r>
+            <a:r>
+              <a:rPr lang="en-US" dirty="0" err="1" smtClean="0"/>
+              <a:t>gonna</a:t>
+            </a:r>
+            <a:r>
+              <a:rPr lang="en-US" dirty="0" smtClean="0"/>
+              <a:t> have properties for every relationship I can think of and never write SQL Again!</a:t>
+            </a:r>
+          </a:p>
+          <a:p>
+            <a:endParaRPr lang="en-US" dirty="0" smtClean="0"/>
+          </a:p>
+          <a:p>
+            <a:r>
+              <a:rPr lang="en-US" dirty="0" smtClean="0"/>
+              <a:t>If( </a:t>
+            </a:r>
+            <a:r>
+              <a:rPr lang="en-US" dirty="0" err="1" smtClean="0"/>
+              <a:t>arrayLen</a:t>
+            </a:r>
+            <a:r>
+              <a:rPr lang="en-US" dirty="0" smtClean="0"/>
+              <a:t>(</a:t>
+            </a:r>
+            <a:r>
+              <a:rPr lang="en-US" dirty="0" err="1" smtClean="0"/>
+              <a:t>myOneToMany</a:t>
+            </a:r>
+            <a:r>
+              <a:rPr lang="en-US" dirty="0" smtClean="0"/>
+              <a:t>) GT 0 )</a:t>
+            </a:r>
+          </a:p>
+          <a:p>
+            <a:pPr lvl="1"/>
+            <a:r>
+              <a:rPr lang="en-US" dirty="0" smtClean="0"/>
+              <a:t>Why is this so slow?</a:t>
+            </a:r>
+            <a:endParaRPr lang="en-US" dirty="0"/>
+          </a:p>
+        </p:txBody>
+      </p:sp>
+      <p:sp>
+        <p:nvSpPr>
+          <p:cNvPr id="3" name="Title 2"/>
+          <p:cNvSpPr>
+            <a:spLocks noGrp="1"/>
+          </p:cNvSpPr>
+          <p:nvPr>
+            <p:ph type="title"/>
+          </p:nvPr>
+        </p:nvSpPr>
+        <p:spPr/>
+        <p:txBody>
+          <a:bodyPr/>
+          <a:lstStyle/>
+          <a:p>
+            <a:r>
+              <a:rPr lang="en-US" dirty="0" smtClean="0"/>
+              <a:t>Suffering: one-to-many Gluttony</a:t>
+            </a:r>
+            <a:endParaRPr lang="en-US" dirty="0"/>
+          </a:p>
+        </p:txBody>
+      </p:sp>
+    </p:spTree>
+    <p:extLst>
+      <p:ext uri="{BB962C8B-B14F-4D97-AF65-F5344CB8AC3E}">
+        <p14:creationId xmlns:p14="http://schemas.microsoft.com/office/powerpoint/2010/main" val="2239913731"/>
+      </p:ext>
+    </p:extLst>
+  </p:cSld>
+  <p:clrMapOvr>
+    <a:masterClrMapping/>
+  </p:clrMapOvr>
+  <p:timing>
+    <p:tnLst>
+      <p:par>
+        <p:cTn id="1" dur="indefinite" restart="never" nodeType="tmRoot"/>
+      </p:par>
+    </p:tnLst>
+  </p:timing>
+</p:sld>
+</file>
+
+<file path=ppt/slides/slide34.xml><?xml version="1.0" encoding="utf-8"?>
+<p:sld xmlns:a="http://schemas.openxmlformats.org/drawingml/2006/main" xmlns:r="http://schemas.openxmlformats.org/officeDocument/2006/relationships" xmlns:p="http://schemas.openxmlformats.org/presentationml/2006/main">
+  <p:cSld>
+    <p:spTree>
+      <p:nvGrpSpPr>
+        <p:cNvPr id="1" name=""/>
+        <p:cNvGrpSpPr/>
+        <p:nvPr/>
+      </p:nvGrpSpPr>
+      <p:grpSpPr>
+        <a:xfrm>
+          <a:off x="0" y="0"/>
+          <a:ext cx="0" cy="0"/>
+          <a:chOff x="0" y="0"/>
+          <a:chExt cx="0" cy="0"/>
+        </a:xfrm>
+      </p:grpSpPr>
+      <p:sp>
+        <p:nvSpPr>
+          <p:cNvPr id="2" name="Content Placeholder 1"/>
+          <p:cNvSpPr>
+            <a:spLocks noGrp="1"/>
+          </p:cNvSpPr>
+          <p:nvPr>
+            <p:ph idx="1"/>
+          </p:nvPr>
+        </p:nvSpPr>
+        <p:spPr>
+          <a:xfrm>
+            <a:off x="897467" y="2416704"/>
+            <a:ext cx="7408333" cy="3450696"/>
+          </a:xfrm>
+        </p:spPr>
+        <p:txBody>
+          <a:bodyPr>
+            <a:normAutofit fontScale="85000" lnSpcReduction="20000"/>
+          </a:bodyPr>
+          <a:lstStyle/>
+          <a:p>
+            <a:r>
+              <a:rPr lang="en-US" dirty="0" smtClean="0"/>
+              <a:t>Bi-di --- “many-to-one” on one side, and “one-to-many” on the other</a:t>
+            </a:r>
+          </a:p>
+          <a:p>
+            <a:r>
+              <a:rPr lang="en-US" dirty="0" smtClean="0"/>
+              <a:t>Databases have no concept of bi-di </a:t>
+            </a:r>
+          </a:p>
+          <a:p>
+            <a:pPr lvl="1"/>
+            <a:r>
+              <a:rPr lang="en-US" dirty="0" smtClean="0"/>
+              <a:t>Thus, you express this in SQL (often with joins)</a:t>
+            </a:r>
+          </a:p>
+          <a:p>
+            <a:pPr lvl="1"/>
+            <a:r>
+              <a:rPr lang="en-US" dirty="0" smtClean="0"/>
+              <a:t>“ select * from  event where </a:t>
+            </a:r>
+            <a:r>
+              <a:rPr lang="en-US" dirty="0" err="1" smtClean="0"/>
+              <a:t>ModifiedBy</a:t>
+            </a:r>
+            <a:r>
+              <a:rPr lang="en-US" dirty="0" smtClean="0"/>
+              <a:t> </a:t>
+            </a:r>
+            <a:r>
+              <a:rPr lang="en-US" dirty="0"/>
+              <a:t>= </a:t>
+            </a:r>
+            <a:r>
+              <a:rPr lang="en-US" dirty="0" smtClean="0"/>
+              <a:t>? ”</a:t>
+            </a:r>
+          </a:p>
+          <a:p>
+            <a:r>
+              <a:rPr lang="en-US" dirty="0" smtClean="0"/>
+              <a:t>Think: “this ONE Administrator will have MANY modified events”</a:t>
+            </a:r>
+          </a:p>
+          <a:p>
+            <a:r>
+              <a:rPr lang="en-US" b="1" dirty="0" smtClean="0"/>
+              <a:t>Three Knobs:</a:t>
+            </a:r>
+          </a:p>
+          <a:p>
+            <a:pPr lvl="1"/>
+            <a:r>
+              <a:rPr lang="en-US" b="1" dirty="0" err="1" smtClean="0"/>
+              <a:t>fieldtype</a:t>
+            </a:r>
+            <a:r>
+              <a:rPr lang="en-US" dirty="0" smtClean="0"/>
+              <a:t> = “one-to-many”</a:t>
+            </a:r>
+          </a:p>
+          <a:p>
+            <a:pPr lvl="1"/>
+            <a:r>
+              <a:rPr lang="en-US" b="1" dirty="0" err="1" smtClean="0"/>
+              <a:t>fkcolumn</a:t>
+            </a:r>
+            <a:r>
+              <a:rPr lang="en-US" dirty="0" smtClean="0"/>
+              <a:t> = Foreign key column in the RELATED object’s table for this property</a:t>
+            </a:r>
+          </a:p>
+          <a:p>
+            <a:pPr lvl="1"/>
+            <a:r>
+              <a:rPr lang="en-US" b="1" dirty="0"/>
+              <a:t>c</a:t>
+            </a:r>
+            <a:r>
+              <a:rPr lang="en-US" b="1" dirty="0" smtClean="0"/>
+              <a:t>fc</a:t>
+            </a:r>
+            <a:r>
+              <a:rPr lang="en-US" dirty="0" smtClean="0"/>
+              <a:t> = CFC Name of the related entity</a:t>
+            </a:r>
+            <a:endParaRPr lang="en-US" b="1" dirty="0" smtClean="0"/>
+          </a:p>
+          <a:p>
+            <a:pPr lvl="1"/>
+            <a:endParaRPr lang="en-US" b="1" dirty="0" smtClean="0"/>
+          </a:p>
+          <a:p>
+            <a:pPr lvl="1"/>
+            <a:endParaRPr lang="en-US" b="1" dirty="0" smtClean="0"/>
+          </a:p>
+        </p:txBody>
+      </p:sp>
+      <p:sp>
+        <p:nvSpPr>
+          <p:cNvPr id="3" name="Title 2"/>
+          <p:cNvSpPr>
+            <a:spLocks noGrp="1"/>
+          </p:cNvSpPr>
+          <p:nvPr>
+            <p:ph type="title"/>
+          </p:nvPr>
+        </p:nvSpPr>
+        <p:spPr/>
+        <p:txBody>
+          <a:bodyPr/>
+          <a:lstStyle/>
+          <a:p>
+            <a:r>
+              <a:rPr lang="en-US" dirty="0" smtClean="0"/>
+              <a:t>Bidirectional Relationships</a:t>
+            </a:r>
+            <a:endParaRPr lang="en-US" dirty="0"/>
+          </a:p>
+        </p:txBody>
+      </p:sp>
+    </p:spTree>
+    <p:extLst>
+      <p:ext uri="{BB962C8B-B14F-4D97-AF65-F5344CB8AC3E}">
+        <p14:creationId xmlns:p14="http://schemas.microsoft.com/office/powerpoint/2010/main" val="2554595791"/>
+      </p:ext>
+    </p:extLst>
+  </p:cSld>
+  <p:clrMapOvr>
+    <a:masterClrMapping/>
+  </p:clrMapOvr>
+  <p:timing>
+    <p:tnLst>
+      <p:par>
+        <p:cTn id="1" dur="indefinite" restart="never" nodeType="tmRoot"/>
+      </p:par>
+    </p:tnLst>
+  </p:timing>
+</p:sld>
+</file>
+
+<file path=ppt/slides/slide35.xml><?xml version="1.0" encoding="utf-8"?>
+<p:sld xmlns:a="http://schemas.openxmlformats.org/drawingml/2006/main" xmlns:r="http://schemas.openxmlformats.org/officeDocument/2006/relationships" xmlns:p="http://schemas.openxmlformats.org/presentationml/2006/main">
+  <p:cSld>
+    <p:spTree>
+      <p:nvGrpSpPr>
+        <p:cNvPr id="1" name=""/>
+        <p:cNvGrpSpPr/>
+        <p:nvPr/>
+      </p:nvGrpSpPr>
+      <p:grpSpPr>
+        <a:xfrm>
+          <a:off x="0" y="0"/>
+          <a:ext cx="0" cy="0"/>
+          <a:chOff x="0" y="0"/>
+          <a:chExt cx="0" cy="0"/>
+        </a:xfrm>
+      </p:grpSpPr>
+      <p:sp>
+        <p:nvSpPr>
+          <p:cNvPr id="2" name="Content Placeholder 1"/>
+          <p:cNvSpPr>
+            <a:spLocks noGrp="1"/>
+          </p:cNvSpPr>
+          <p:nvPr>
+            <p:ph idx="1"/>
+          </p:nvPr>
+        </p:nvSpPr>
+        <p:spPr/>
+        <p:txBody>
+          <a:bodyPr/>
+          <a:lstStyle/>
+          <a:p>
+            <a:pPr algn="ctr"/>
+            <a:r>
+              <a:rPr lang="en-US" dirty="0" smtClean="0"/>
+              <a:t>Demo simple one-to-many property</a:t>
+            </a:r>
+            <a:endParaRPr lang="en-US" dirty="0"/>
+          </a:p>
+        </p:txBody>
+      </p:sp>
+      <p:sp>
+        <p:nvSpPr>
+          <p:cNvPr id="3" name="Title 2"/>
+          <p:cNvSpPr>
+            <a:spLocks noGrp="1"/>
+          </p:cNvSpPr>
+          <p:nvPr>
+            <p:ph type="title"/>
+          </p:nvPr>
+        </p:nvSpPr>
+        <p:spPr/>
+        <p:txBody>
+          <a:bodyPr/>
+          <a:lstStyle/>
+          <a:p>
+            <a:r>
+              <a:rPr lang="en-US" dirty="0" smtClean="0"/>
+              <a:t>One-to-Many Demo</a:t>
+            </a:r>
+            <a:endParaRPr lang="en-US" dirty="0"/>
+          </a:p>
+        </p:txBody>
+      </p:sp>
+    </p:spTree>
+    <p:extLst>
+      <p:ext uri="{BB962C8B-B14F-4D97-AF65-F5344CB8AC3E}">
+        <p14:creationId xmlns:p14="http://schemas.microsoft.com/office/powerpoint/2010/main" val="1855450989"/>
+      </p:ext>
+    </p:extLst>
+  </p:cSld>
+  <p:clrMapOvr>
+    <a:masterClrMapping/>
+  </p:clrMapOvr>
+  <p:timing>
+    <p:tnLst>
+      <p:par>
+        <p:cTn id="1" dur="indefinite" restart="never" nodeType="tmRoot"/>
+      </p:par>
+    </p:tnLst>
+  </p:timing>
+</p:sld>
+</file>
+
+<file path=ppt/slides/slide36.xml><?xml version="1.0" encoding="utf-8"?>
+<p:sld xmlns:a="http://schemas.openxmlformats.org/drawingml/2006/main" xmlns:r="http://schemas.openxmlformats.org/officeDocument/2006/relationships" xmlns:p="http://schemas.openxmlformats.org/presentationml/2006/main">
+  <p:cSld>
+    <p:spTree>
+      <p:nvGrpSpPr>
+        <p:cNvPr id="1" name=""/>
+        <p:cNvGrpSpPr/>
+        <p:nvPr/>
+      </p:nvGrpSpPr>
+      <p:grpSpPr>
+        <a:xfrm>
+          <a:off x="0" y="0"/>
+          <a:ext cx="0" cy="0"/>
+          <a:chOff x="0" y="0"/>
+          <a:chExt cx="0" cy="0"/>
+        </a:xfrm>
+      </p:grpSpPr>
+      <p:sp>
+        <p:nvSpPr>
+          <p:cNvPr id="2" name="Content Placeholder 1"/>
+          <p:cNvSpPr>
+            <a:spLocks noGrp="1"/>
+          </p:cNvSpPr>
+          <p:nvPr>
+            <p:ph idx="1"/>
+          </p:nvPr>
+        </p:nvSpPr>
+        <p:spPr/>
+        <p:txBody>
+          <a:bodyPr>
+            <a:normAutofit lnSpcReduction="10000"/>
+          </a:bodyPr>
+          <a:lstStyle/>
+          <a:p>
+            <a:r>
+              <a:rPr lang="en-US" dirty="0" smtClean="0"/>
+              <a:t>Sometimes very useful</a:t>
+            </a:r>
+          </a:p>
+          <a:p>
+            <a:pPr lvl="1"/>
+            <a:r>
+              <a:rPr lang="en-US" dirty="0" smtClean="0"/>
+              <a:t>Usually in the context of JOIN tables</a:t>
+            </a:r>
+          </a:p>
+          <a:p>
+            <a:pPr lvl="1"/>
+            <a:r>
+              <a:rPr lang="en-US" dirty="0" smtClean="0"/>
+              <a:t>E.g. linking an Attendee to Events</a:t>
+            </a:r>
+          </a:p>
+          <a:p>
+            <a:pPr lvl="1"/>
+            <a:r>
+              <a:rPr lang="en-US" dirty="0" smtClean="0"/>
+              <a:t>When you </a:t>
+            </a:r>
+            <a:r>
+              <a:rPr lang="en-US" b="1" dirty="0" smtClean="0"/>
+              <a:t>DO</a:t>
+            </a:r>
+            <a:r>
+              <a:rPr lang="en-US" dirty="0" smtClean="0"/>
+              <a:t> need them… more knobs!</a:t>
+            </a:r>
+          </a:p>
+          <a:p>
+            <a:r>
+              <a:rPr lang="en-US" dirty="0" smtClean="0"/>
+              <a:t>Sometimes not useful and a cause of performance problems on the one-to-many side</a:t>
+            </a:r>
+          </a:p>
+          <a:p>
+            <a:pPr lvl="1"/>
+            <a:r>
+              <a:rPr lang="en-US" dirty="0" smtClean="0"/>
+              <a:t>Do you really need a property of “</a:t>
+            </a:r>
+            <a:r>
+              <a:rPr lang="en-US" dirty="0" err="1" smtClean="0"/>
+              <a:t>Adminstered</a:t>
+            </a:r>
+            <a:r>
+              <a:rPr lang="en-US" dirty="0" smtClean="0"/>
+              <a:t> Events”?</a:t>
+            </a:r>
+          </a:p>
+          <a:p>
+            <a:r>
+              <a:rPr lang="en-US" b="1" dirty="0" smtClean="0">
+                <a:solidFill>
+                  <a:srgbClr val="FF0000"/>
+                </a:solidFill>
+              </a:rPr>
+              <a:t>Red Flag</a:t>
+            </a:r>
+            <a:r>
+              <a:rPr lang="en-US" dirty="0" smtClean="0"/>
+              <a:t>: properties that simply take the place of “select * from some table where id = :</a:t>
+            </a:r>
+            <a:r>
+              <a:rPr lang="en-US" dirty="0" err="1" smtClean="0"/>
+              <a:t>myid</a:t>
+            </a:r>
+            <a:r>
+              <a:rPr lang="en-US" dirty="0" smtClean="0"/>
+              <a:t>”</a:t>
+            </a:r>
+          </a:p>
+        </p:txBody>
+      </p:sp>
+      <p:sp>
+        <p:nvSpPr>
+          <p:cNvPr id="3" name="Title 2"/>
+          <p:cNvSpPr>
+            <a:spLocks noGrp="1"/>
+          </p:cNvSpPr>
+          <p:nvPr>
+            <p:ph type="title"/>
+          </p:nvPr>
+        </p:nvSpPr>
+        <p:spPr/>
+        <p:txBody>
+          <a:bodyPr/>
+          <a:lstStyle/>
+          <a:p>
+            <a:r>
+              <a:rPr lang="en-US" dirty="0" smtClean="0"/>
+              <a:t>Enlightenment: Bidirectional is…</a:t>
+            </a:r>
+            <a:endParaRPr lang="en-US" dirty="0"/>
+          </a:p>
+        </p:txBody>
+      </p:sp>
+    </p:spTree>
+    <p:extLst>
+      <p:ext uri="{BB962C8B-B14F-4D97-AF65-F5344CB8AC3E}">
+        <p14:creationId xmlns:p14="http://schemas.microsoft.com/office/powerpoint/2010/main" val="2247800207"/>
+      </p:ext>
+    </p:extLst>
+  </p:cSld>
+  <p:clrMapOvr>
+    <a:masterClrMapping/>
+  </p:clrMapOvr>
+  <p:timing>
+    <p:tnLst>
+      <p:par>
+        <p:cTn id="1" dur="indefinite" restart="never" nodeType="tmRoot"/>
+      </p:par>
+    </p:tnLst>
+  </p:timing>
+</p:sld>
+</file>
+
+<file path=ppt/slides/slide37.xml><?xml version="1.0" encoding="utf-8"?>
+<p:sld xmlns:a="http://schemas.openxmlformats.org/drawingml/2006/main" xmlns:r="http://schemas.openxmlformats.org/officeDocument/2006/relationships" xmlns:p="http://schemas.openxmlformats.org/presentationml/2006/main">
+  <p:cSld>
+    <p:spTree>
+      <p:nvGrpSpPr>
+        <p:cNvPr id="1" name=""/>
+        <p:cNvGrpSpPr/>
+        <p:nvPr/>
+      </p:nvGrpSpPr>
+      <p:grpSpPr>
+        <a:xfrm>
+          <a:off x="0" y="0"/>
+          <a:ext cx="0" cy="0"/>
+          <a:chOff x="0" y="0"/>
+          <a:chExt cx="0" cy="0"/>
+        </a:xfrm>
+      </p:grpSpPr>
+      <p:sp>
+        <p:nvSpPr>
+          <p:cNvPr id="2" name="Content Placeholder 1"/>
+          <p:cNvSpPr>
+            <a:spLocks noGrp="1"/>
+          </p:cNvSpPr>
+          <p:nvPr>
+            <p:ph idx="1"/>
+          </p:nvPr>
+        </p:nvSpPr>
+        <p:spPr/>
+        <p:txBody>
+          <a:bodyPr/>
+          <a:lstStyle/>
+          <a:p>
+            <a:pPr marL="457200" indent="-457200">
+              <a:buFont typeface="+mj-lt"/>
+              <a:buAutoNum type="arabicPeriod"/>
+            </a:pPr>
+            <a:r>
+              <a:rPr lang="en-US" dirty="0" smtClean="0"/>
+              <a:t> ORM Settings -- Control the Session Flush</a:t>
+            </a:r>
+            <a:endParaRPr lang="en-US" dirty="0" smtClean="0"/>
+          </a:p>
+          <a:p>
+            <a:pPr marL="457200" indent="-457200">
+              <a:buFont typeface="+mj-lt"/>
+              <a:buAutoNum type="arabicPeriod"/>
+            </a:pPr>
+            <a:r>
+              <a:rPr lang="en-US" dirty="0" smtClean="0"/>
+              <a:t>Many-to-One Relationships</a:t>
+            </a:r>
+          </a:p>
+          <a:p>
+            <a:pPr marL="457200" indent="-457200">
+              <a:buFont typeface="+mj-lt"/>
+              <a:buAutoNum type="arabicPeriod"/>
+            </a:pPr>
+            <a:r>
+              <a:rPr lang="en-US" dirty="0" smtClean="0"/>
+              <a:t>One-to-Many Intro: Bidirectional relationships</a:t>
+            </a:r>
+          </a:p>
+          <a:p>
+            <a:pPr marL="457200" indent="-457200">
+              <a:buFont typeface="+mj-lt"/>
+              <a:buAutoNum type="arabicPeriod"/>
+            </a:pPr>
+            <a:r>
+              <a:rPr lang="en-US" b="1" dirty="0" smtClean="0"/>
+              <a:t>One-to-Many: </a:t>
+            </a:r>
+            <a:r>
+              <a:rPr lang="en-US" b="1" dirty="0" err="1" smtClean="0"/>
+              <a:t>linktables</a:t>
+            </a:r>
+            <a:r>
+              <a:rPr lang="en-US" b="1" dirty="0" smtClean="0"/>
+              <a:t> and cascades</a:t>
+            </a:r>
+          </a:p>
+          <a:p>
+            <a:pPr marL="457200" indent="-457200">
+              <a:buFont typeface="+mj-lt"/>
+              <a:buAutoNum type="arabicPeriod"/>
+            </a:pPr>
+            <a:r>
+              <a:rPr lang="en-US" dirty="0" smtClean="0"/>
+              <a:t>One-to-Many: inverse and “relationship owner”</a:t>
+            </a:r>
+          </a:p>
+          <a:p>
+            <a:pPr marL="457200" indent="-457200">
+              <a:buFont typeface="+mj-lt"/>
+              <a:buAutoNum type="arabicPeriod"/>
+            </a:pPr>
+            <a:r>
+              <a:rPr lang="en-US" dirty="0" smtClean="0"/>
+              <a:t>One-to-Many: deleting things</a:t>
+            </a:r>
+          </a:p>
+          <a:p>
+            <a:pPr marL="457200" indent="-457200">
+              <a:buFont typeface="+mj-lt"/>
+              <a:buAutoNum type="arabicPeriod"/>
+            </a:pPr>
+            <a:r>
+              <a:rPr lang="en-US" dirty="0" smtClean="0"/>
+              <a:t>Hibernate Session and the ColdFusion Session scope</a:t>
+            </a:r>
+            <a:endParaRPr lang="en-US" dirty="0"/>
+          </a:p>
+        </p:txBody>
+      </p:sp>
+      <p:sp>
+        <p:nvSpPr>
+          <p:cNvPr id="3" name="Title 2"/>
+          <p:cNvSpPr>
+            <a:spLocks noGrp="1"/>
+          </p:cNvSpPr>
+          <p:nvPr>
+            <p:ph type="title"/>
+          </p:nvPr>
+        </p:nvSpPr>
+        <p:spPr/>
+        <p:txBody>
+          <a:bodyPr/>
+          <a:lstStyle/>
+          <a:p>
+            <a:r>
+              <a:rPr lang="en-US" dirty="0" smtClean="0"/>
+              <a:t>Agenda</a:t>
+            </a:r>
+            <a:endParaRPr lang="en-US" dirty="0"/>
+          </a:p>
+        </p:txBody>
+      </p:sp>
+    </p:spTree>
+    <p:extLst>
+      <p:ext uri="{BB962C8B-B14F-4D97-AF65-F5344CB8AC3E}">
+        <p14:creationId xmlns:p14="http://schemas.microsoft.com/office/powerpoint/2010/main" val="1332513536"/>
+      </p:ext>
+    </p:extLst>
+  </p:cSld>
+  <p:clrMapOvr>
+    <a:masterClrMapping/>
+  </p:clrMapOvr>
+  <p:timing>
+    <p:tnLst>
+      <p:par>
+        <p:cTn id="1" dur="indefinite" restart="never" nodeType="tmRoot"/>
+      </p:par>
+    </p:tnLst>
+  </p:timing>
+</p:sld>
+</file>
+
+<file path=ppt/slides/slide38.xml><?xml version="1.0" encoding="utf-8"?>
+<p:sld xmlns:a="http://schemas.openxmlformats.org/drawingml/2006/main" xmlns:r="http://schemas.openxmlformats.org/officeDocument/2006/relationships" xmlns:p="http://schemas.openxmlformats.org/presentationml/2006/main">
+  <p:cSld>
+    <p:spTree>
+      <p:nvGrpSpPr>
+        <p:cNvPr id="1" name=""/>
+        <p:cNvGrpSpPr/>
+        <p:nvPr/>
+      </p:nvGrpSpPr>
+      <p:grpSpPr>
+        <a:xfrm>
+          <a:off x="0" y="0"/>
+          <a:ext cx="0" cy="0"/>
+          <a:chOff x="0" y="0"/>
+          <a:chExt cx="0" cy="0"/>
+        </a:xfrm>
+      </p:grpSpPr>
+      <p:sp>
+        <p:nvSpPr>
+          <p:cNvPr id="2" name="Content Placeholder 1"/>
+          <p:cNvSpPr>
+            <a:spLocks noGrp="1"/>
+          </p:cNvSpPr>
+          <p:nvPr>
+            <p:ph idx="1"/>
+          </p:nvPr>
+        </p:nvSpPr>
+        <p:spPr/>
+        <p:txBody>
+          <a:bodyPr/>
+          <a:lstStyle/>
+          <a:p>
+            <a:r>
+              <a:rPr lang="en-US" dirty="0" smtClean="0"/>
+              <a:t>Much more useful bi-di relationships usually exist in the context of join tables (</a:t>
+            </a:r>
+            <a:r>
+              <a:rPr lang="en-US" dirty="0" err="1" smtClean="0"/>
+              <a:t>linktable</a:t>
+            </a:r>
+            <a:r>
+              <a:rPr lang="en-US" dirty="0" smtClean="0"/>
+              <a:t>)</a:t>
+            </a:r>
+          </a:p>
+          <a:p>
+            <a:r>
+              <a:rPr lang="en-US" dirty="0" smtClean="0"/>
+              <a:t>A bit more complex</a:t>
+            </a:r>
+            <a:endParaRPr lang="en-US" dirty="0"/>
+          </a:p>
+        </p:txBody>
+      </p:sp>
+      <p:sp>
+        <p:nvSpPr>
+          <p:cNvPr id="3" name="Title 2"/>
+          <p:cNvSpPr>
+            <a:spLocks noGrp="1"/>
+          </p:cNvSpPr>
+          <p:nvPr>
+            <p:ph type="title"/>
+          </p:nvPr>
+        </p:nvSpPr>
+        <p:spPr/>
+        <p:txBody>
+          <a:bodyPr>
+            <a:normAutofit fontScale="90000"/>
+          </a:bodyPr>
+          <a:lstStyle/>
+          <a:p>
+            <a:r>
+              <a:rPr lang="en-US" dirty="0" smtClean="0"/>
+              <a:t>One-to-Many:</a:t>
+            </a:r>
+            <a:br>
+              <a:rPr lang="en-US" dirty="0" smtClean="0"/>
+            </a:br>
+            <a:r>
+              <a:rPr lang="en-US" dirty="0" err="1" smtClean="0"/>
+              <a:t>Linktables</a:t>
+            </a:r>
+            <a:r>
+              <a:rPr lang="en-US" dirty="0" smtClean="0"/>
+              <a:t> and Cascades</a:t>
+            </a:r>
+            <a:endParaRPr lang="en-US" dirty="0"/>
+          </a:p>
+        </p:txBody>
+      </p:sp>
+    </p:spTree>
+    <p:extLst>
+      <p:ext uri="{BB962C8B-B14F-4D97-AF65-F5344CB8AC3E}">
+        <p14:creationId xmlns:p14="http://schemas.microsoft.com/office/powerpoint/2010/main" val="3008844350"/>
+      </p:ext>
+    </p:extLst>
+  </p:cSld>
+  <p:clrMapOvr>
+    <a:masterClrMapping/>
+  </p:clrMapOvr>
+  <p:timing>
+    <p:tnLst>
+      <p:par>
+        <p:cTn id="1" dur="indefinite" restart="never" nodeType="tmRoot"/>
+      </p:par>
+    </p:tnLst>
+  </p:timing>
+</p:sld>
+</file>
+
+<file path=ppt/slides/slide39.xml><?xml version="1.0" encoding="utf-8"?>
+<p:sld xmlns:a="http://schemas.openxmlformats.org/drawingml/2006/main" xmlns:r="http://schemas.openxmlformats.org/officeDocument/2006/relationships" xmlns:p="http://schemas.openxmlformats.org/presentationml/2006/main">
+  <p:cSld>
+    <p:spTree>
+      <p:nvGrpSpPr>
+        <p:cNvPr id="1" name=""/>
+        <p:cNvGrpSpPr/>
+        <p:nvPr/>
+      </p:nvGrpSpPr>
+      <p:grpSpPr>
+        <a:xfrm>
+          <a:off x="0" y="0"/>
+          <a:ext cx="0" cy="0"/>
+          <a:chOff x="0" y="0"/>
+          <a:chExt cx="0" cy="0"/>
+        </a:xfrm>
+      </p:grpSpPr>
+      <p:sp>
+        <p:nvSpPr>
+          <p:cNvPr id="2" name="Content Placeholder 1"/>
+          <p:cNvSpPr>
+            <a:spLocks noGrp="1"/>
+          </p:cNvSpPr>
+          <p:nvPr>
+            <p:ph idx="1"/>
+          </p:nvPr>
+        </p:nvSpPr>
+        <p:spPr>
+          <a:xfrm>
+            <a:off x="380999" y="2362200"/>
+            <a:ext cx="8534401" cy="3763963"/>
+          </a:xfrm>
+        </p:spPr>
+        <p:txBody>
+          <a:bodyPr/>
+          <a:lstStyle/>
+          <a:p>
+            <a:r>
+              <a:rPr lang="en-US" dirty="0" smtClean="0"/>
+              <a:t>When I add an object to a one-to-many collection, it won’t save</a:t>
+            </a:r>
+          </a:p>
+          <a:p>
+            <a:r>
+              <a:rPr lang="en-US" dirty="0" smtClean="0"/>
+              <a:t>When I delete an object from a one-to-many collection, I get “null” errors</a:t>
+            </a:r>
+          </a:p>
+          <a:p>
+            <a:r>
+              <a:rPr lang="en-US" dirty="0" smtClean="0"/>
+              <a:t>My join table (</a:t>
+            </a:r>
+            <a:r>
+              <a:rPr lang="en-US" dirty="0" err="1" smtClean="0"/>
+              <a:t>linktable</a:t>
+            </a:r>
+            <a:r>
+              <a:rPr lang="en-US" dirty="0" smtClean="0"/>
+              <a:t>) has more data than just two Foreign Keys… can I still use “</a:t>
+            </a:r>
+            <a:r>
+              <a:rPr lang="en-US" dirty="0" err="1" smtClean="0"/>
+              <a:t>linktable</a:t>
+            </a:r>
+            <a:r>
+              <a:rPr lang="en-US" dirty="0" smtClean="0"/>
+              <a:t>”?</a:t>
+            </a:r>
+            <a:endParaRPr lang="en-US" dirty="0"/>
+          </a:p>
+        </p:txBody>
+      </p:sp>
+      <p:sp>
+        <p:nvSpPr>
+          <p:cNvPr id="3" name="Title 2"/>
+          <p:cNvSpPr>
+            <a:spLocks noGrp="1"/>
+          </p:cNvSpPr>
+          <p:nvPr>
+            <p:ph type="title"/>
+          </p:nvPr>
+        </p:nvSpPr>
+        <p:spPr/>
+        <p:txBody>
+          <a:bodyPr/>
+          <a:lstStyle/>
+          <a:p>
+            <a:r>
+              <a:rPr lang="en-US" dirty="0" smtClean="0"/>
+              <a:t>Suffering</a:t>
+            </a:r>
+            <a:endParaRPr lang="en-US" dirty="0"/>
+          </a:p>
+        </p:txBody>
+      </p:sp>
+    </p:spTree>
+    <p:extLst>
+      <p:ext uri="{BB962C8B-B14F-4D97-AF65-F5344CB8AC3E}">
+        <p14:creationId xmlns:p14="http://schemas.microsoft.com/office/powerpoint/2010/main" val="2232397815"/>
+      </p:ext>
+    </p:extLst>
+  </p:cSld>
+  <p:clrMapOvr>
+    <a:masterClrMapping/>
+  </p:clrMapOvr>
+  <p:timing>
+    <p:tnLst>
+      <p:par>
+        <p:cTn id="1" dur="indefinite" restart="never" nodeType="tmRoot"/>
+      </p:par>
+    </p:tnLst>
+  </p:timing>
+</p:sld>
+</file>
+
+<file path=ppt/slides/slide4.xml><?xml version="1.0" encoding="utf-8"?>
 <p:sld xmlns:a="http://schemas.openxmlformats.org/drawingml/2006/main" xmlns:r="http://schemas.openxmlformats.org/officeDocument/2006/relationships" xmlns:p="http://schemas.openxmlformats.org/presentationml/2006/main">
   <p:cSld>
     <p:spTree>
@@ -15573,7 +19446,1744 @@
 </p:sld>
 </file>
 
-<file path=ppt/slides/slide4.xml><?xml version="1.0" encoding="utf-8"?>
+<file path=ppt/slides/slide40.xml><?xml version="1.0" encoding="utf-8"?>
+<p:sld xmlns:a="http://schemas.openxmlformats.org/drawingml/2006/main" xmlns:r="http://schemas.openxmlformats.org/officeDocument/2006/relationships" xmlns:p="http://schemas.openxmlformats.org/presentationml/2006/main">
+  <p:cSld>
+    <p:spTree>
+      <p:nvGrpSpPr>
+        <p:cNvPr id="1" name=""/>
+        <p:cNvGrpSpPr/>
+        <p:nvPr/>
+      </p:nvGrpSpPr>
+      <p:grpSpPr>
+        <a:xfrm>
+          <a:off x="0" y="0"/>
+          <a:ext cx="0" cy="0"/>
+          <a:chOff x="0" y="0"/>
+          <a:chExt cx="0" cy="0"/>
+        </a:xfrm>
+      </p:grpSpPr>
+      <p:sp>
+        <p:nvSpPr>
+          <p:cNvPr id="2" name="Content Placeholder 1"/>
+          <p:cNvSpPr>
+            <a:spLocks noGrp="1"/>
+          </p:cNvSpPr>
+          <p:nvPr>
+            <p:ph idx="1"/>
+          </p:nvPr>
+        </p:nvSpPr>
+        <p:spPr/>
+        <p:txBody>
+          <a:bodyPr/>
+          <a:lstStyle/>
+          <a:p>
+            <a:r>
+              <a:rPr lang="en-US" dirty="0" smtClean="0"/>
+              <a:t>Demo using “</a:t>
+            </a:r>
+            <a:r>
+              <a:rPr lang="en-US" dirty="0" err="1" smtClean="0"/>
+              <a:t>linktable</a:t>
+            </a:r>
+            <a:r>
+              <a:rPr lang="en-US" dirty="0" smtClean="0"/>
+              <a:t>” with and without cascade</a:t>
+            </a:r>
+            <a:endParaRPr lang="en-US" dirty="0"/>
+          </a:p>
+        </p:txBody>
+      </p:sp>
+      <p:sp>
+        <p:nvSpPr>
+          <p:cNvPr id="3" name="Title 2"/>
+          <p:cNvSpPr>
+            <a:spLocks noGrp="1"/>
+          </p:cNvSpPr>
+          <p:nvPr>
+            <p:ph type="title"/>
+          </p:nvPr>
+        </p:nvSpPr>
+        <p:spPr/>
+        <p:txBody>
+          <a:bodyPr/>
+          <a:lstStyle/>
+          <a:p>
+            <a:r>
+              <a:rPr lang="en-US" dirty="0" smtClean="0"/>
+              <a:t>Demo: Whither cascade?</a:t>
+            </a:r>
+            <a:endParaRPr lang="en-US" dirty="0"/>
+          </a:p>
+        </p:txBody>
+      </p:sp>
+    </p:spTree>
+    <p:extLst>
+      <p:ext uri="{BB962C8B-B14F-4D97-AF65-F5344CB8AC3E}">
+        <p14:creationId xmlns:p14="http://schemas.microsoft.com/office/powerpoint/2010/main" val="3054947874"/>
+      </p:ext>
+    </p:extLst>
+  </p:cSld>
+  <p:clrMapOvr>
+    <a:masterClrMapping/>
+  </p:clrMapOvr>
+  <p:timing>
+    <p:tnLst>
+      <p:par>
+        <p:cTn id="1" dur="indefinite" restart="never" nodeType="tmRoot"/>
+      </p:par>
+    </p:tnLst>
+  </p:timing>
+</p:sld>
+</file>
+
+<file path=ppt/slides/slide41.xml><?xml version="1.0" encoding="utf-8"?>
+<p:sld xmlns:a="http://schemas.openxmlformats.org/drawingml/2006/main" xmlns:r="http://schemas.openxmlformats.org/officeDocument/2006/relationships" xmlns:p="http://schemas.openxmlformats.org/presentationml/2006/main">
+  <p:cSld>
+    <p:spTree>
+      <p:nvGrpSpPr>
+        <p:cNvPr id="1" name=""/>
+        <p:cNvGrpSpPr/>
+        <p:nvPr/>
+      </p:nvGrpSpPr>
+      <p:grpSpPr>
+        <a:xfrm>
+          <a:off x="0" y="0"/>
+          <a:ext cx="0" cy="0"/>
+          <a:chOff x="0" y="0"/>
+          <a:chExt cx="0" cy="0"/>
+        </a:xfrm>
+      </p:grpSpPr>
+      <p:sp>
+        <p:nvSpPr>
+          <p:cNvPr id="2" name="Content Placeholder 1"/>
+          <p:cNvSpPr>
+            <a:spLocks noGrp="1"/>
+          </p:cNvSpPr>
+          <p:nvPr>
+            <p:ph idx="1"/>
+          </p:nvPr>
+        </p:nvSpPr>
+        <p:spPr>
+          <a:xfrm>
+            <a:off x="380999" y="2362200"/>
+            <a:ext cx="8534401" cy="3763963"/>
+          </a:xfrm>
+        </p:spPr>
+        <p:txBody>
+          <a:bodyPr>
+            <a:normAutofit fontScale="92500" lnSpcReduction="20000"/>
+          </a:bodyPr>
+          <a:lstStyle/>
+          <a:p>
+            <a:r>
+              <a:rPr lang="en-US" dirty="0" smtClean="0"/>
+              <a:t>When I add an object to a one-to-many collection, it won’t save</a:t>
+            </a:r>
+          </a:p>
+          <a:p>
+            <a:pPr lvl="1"/>
+            <a:r>
+              <a:rPr lang="en-US" dirty="0" smtClean="0"/>
+              <a:t>Need cascade=“all” on the one-to-many property</a:t>
+            </a:r>
+          </a:p>
+          <a:p>
+            <a:pPr lvl="1"/>
+            <a:endParaRPr lang="en-US" dirty="0" smtClean="0"/>
+          </a:p>
+          <a:p>
+            <a:r>
+              <a:rPr lang="en-US" dirty="0" smtClean="0"/>
+              <a:t>When I delete an object from a one-to-many collection, I get “null” errors</a:t>
+            </a:r>
+          </a:p>
+          <a:p>
+            <a:pPr lvl="1"/>
+            <a:r>
+              <a:rPr lang="en-US" dirty="0"/>
+              <a:t>Need cascade=“</a:t>
+            </a:r>
+            <a:r>
+              <a:rPr lang="en-US" dirty="0" smtClean="0"/>
+              <a:t>all-delete-orphan” </a:t>
+            </a:r>
+            <a:r>
+              <a:rPr lang="en-US" dirty="0"/>
+              <a:t>on the one-to-many property</a:t>
+            </a:r>
+          </a:p>
+          <a:p>
+            <a:pPr lvl="1"/>
+            <a:endParaRPr lang="en-US" dirty="0" smtClean="0"/>
+          </a:p>
+          <a:p>
+            <a:r>
+              <a:rPr lang="en-US" dirty="0" smtClean="0"/>
+              <a:t>My join table (</a:t>
+            </a:r>
+            <a:r>
+              <a:rPr lang="en-US" dirty="0" err="1" smtClean="0"/>
+              <a:t>linktable</a:t>
+            </a:r>
+            <a:r>
+              <a:rPr lang="en-US" dirty="0" smtClean="0"/>
+              <a:t>) has more data than just two Foreign Keys… can I still use “</a:t>
+            </a:r>
+            <a:r>
+              <a:rPr lang="en-US" dirty="0" err="1" smtClean="0"/>
+              <a:t>linktable</a:t>
+            </a:r>
+            <a:r>
+              <a:rPr lang="en-US" dirty="0" smtClean="0"/>
+              <a:t>”?</a:t>
+            </a:r>
+          </a:p>
+          <a:p>
+            <a:pPr lvl="1"/>
+            <a:r>
+              <a:rPr lang="en-US" dirty="0" smtClean="0"/>
+              <a:t>Nope. Need a “Join Entity” which comprises both of the Foreign Key entities plus the additional data you wish to store</a:t>
+            </a:r>
+          </a:p>
+          <a:p>
+            <a:pPr lvl="1"/>
+            <a:r>
+              <a:rPr lang="en-US" dirty="0" smtClean="0"/>
+              <a:t>Then, you simply one-to-many on that Join Entity</a:t>
+            </a:r>
+            <a:endParaRPr lang="en-US" dirty="0"/>
+          </a:p>
+        </p:txBody>
+      </p:sp>
+      <p:sp>
+        <p:nvSpPr>
+          <p:cNvPr id="3" name="Title 2"/>
+          <p:cNvSpPr>
+            <a:spLocks noGrp="1"/>
+          </p:cNvSpPr>
+          <p:nvPr>
+            <p:ph type="title"/>
+          </p:nvPr>
+        </p:nvSpPr>
+        <p:spPr/>
+        <p:txBody>
+          <a:bodyPr>
+            <a:normAutofit fontScale="90000"/>
+          </a:bodyPr>
+          <a:lstStyle/>
+          <a:p>
+            <a:r>
+              <a:rPr lang="en-US" dirty="0" smtClean="0"/>
+              <a:t>Enlightenment: Cascade and </a:t>
+            </a:r>
+            <a:r>
+              <a:rPr lang="en-US" dirty="0" err="1" smtClean="0"/>
+              <a:t>linktable</a:t>
+            </a:r>
+            <a:endParaRPr lang="en-US" dirty="0"/>
+          </a:p>
+        </p:txBody>
+      </p:sp>
+    </p:spTree>
+    <p:extLst>
+      <p:ext uri="{BB962C8B-B14F-4D97-AF65-F5344CB8AC3E}">
+        <p14:creationId xmlns:p14="http://schemas.microsoft.com/office/powerpoint/2010/main" val="2428288870"/>
+      </p:ext>
+    </p:extLst>
+  </p:cSld>
+  <p:clrMapOvr>
+    <a:masterClrMapping/>
+  </p:clrMapOvr>
+  <p:timing>
+    <p:tnLst>
+      <p:par>
+        <p:cTn id="1" dur="indefinite" restart="never" nodeType="tmRoot"/>
+      </p:par>
+    </p:tnLst>
+  </p:timing>
+</p:sld>
+</file>
+
+<file path=ppt/slides/slide42.xml><?xml version="1.0" encoding="utf-8"?>
+<p:sld xmlns:a="http://schemas.openxmlformats.org/drawingml/2006/main" xmlns:r="http://schemas.openxmlformats.org/officeDocument/2006/relationships" xmlns:p="http://schemas.openxmlformats.org/presentationml/2006/main">
+  <p:cSld>
+    <p:spTree>
+      <p:nvGrpSpPr>
+        <p:cNvPr id="1" name=""/>
+        <p:cNvGrpSpPr/>
+        <p:nvPr/>
+      </p:nvGrpSpPr>
+      <p:grpSpPr>
+        <a:xfrm>
+          <a:off x="0" y="0"/>
+          <a:ext cx="0" cy="0"/>
+          <a:chOff x="0" y="0"/>
+          <a:chExt cx="0" cy="0"/>
+        </a:xfrm>
+      </p:grpSpPr>
+      <p:sp>
+        <p:nvSpPr>
+          <p:cNvPr id="2" name="Content Placeholder 1"/>
+          <p:cNvSpPr>
+            <a:spLocks noGrp="1"/>
+          </p:cNvSpPr>
+          <p:nvPr>
+            <p:ph idx="1"/>
+          </p:nvPr>
+        </p:nvSpPr>
+        <p:spPr/>
+        <p:txBody>
+          <a:bodyPr>
+            <a:normAutofit lnSpcReduction="10000"/>
+          </a:bodyPr>
+          <a:lstStyle/>
+          <a:p>
+            <a:r>
+              <a:rPr lang="en-US" dirty="0" smtClean="0"/>
+              <a:t>I learned most of this stuff from</a:t>
+            </a:r>
+          </a:p>
+          <a:p>
+            <a:pPr lvl="1"/>
+            <a:r>
+              <a:rPr lang="en-US" b="1" dirty="0" smtClean="0">
+                <a:solidFill>
+                  <a:srgbClr val="C00000"/>
+                </a:solidFill>
+              </a:rPr>
+              <a:t>Bob Silverberg</a:t>
+            </a:r>
+          </a:p>
+          <a:p>
+            <a:pPr lvl="1"/>
+            <a:r>
+              <a:rPr lang="en-US" b="1" dirty="0" smtClean="0">
+                <a:solidFill>
+                  <a:srgbClr val="C00000"/>
+                </a:solidFill>
+              </a:rPr>
+              <a:t>Brian </a:t>
+            </a:r>
+            <a:r>
+              <a:rPr lang="en-US" b="1" dirty="0" err="1" smtClean="0">
+                <a:solidFill>
+                  <a:srgbClr val="C00000"/>
+                </a:solidFill>
+              </a:rPr>
+              <a:t>Kotek</a:t>
+            </a:r>
+            <a:endParaRPr lang="en-US" b="1" dirty="0" smtClean="0">
+              <a:solidFill>
+                <a:srgbClr val="C00000"/>
+              </a:solidFill>
+            </a:endParaRPr>
+          </a:p>
+          <a:p>
+            <a:pPr lvl="1"/>
+            <a:r>
+              <a:rPr lang="en-US" b="1" dirty="0" smtClean="0">
+                <a:solidFill>
+                  <a:srgbClr val="C00000"/>
+                </a:solidFill>
+              </a:rPr>
+              <a:t>Joe Rinehart</a:t>
+            </a:r>
+          </a:p>
+          <a:p>
+            <a:pPr lvl="1"/>
+            <a:r>
+              <a:rPr lang="en-US" b="1" dirty="0" smtClean="0">
+                <a:solidFill>
+                  <a:srgbClr val="C00000"/>
+                </a:solidFill>
+              </a:rPr>
+              <a:t>Mark Mandel</a:t>
+            </a:r>
+          </a:p>
+          <a:p>
+            <a:pPr lvl="1"/>
+            <a:r>
+              <a:rPr lang="en-US" b="1" dirty="0" smtClean="0">
+                <a:solidFill>
+                  <a:srgbClr val="C00000"/>
+                </a:solidFill>
+              </a:rPr>
+              <a:t>Barney </a:t>
+            </a:r>
+            <a:r>
+              <a:rPr lang="en-US" b="1" dirty="0" err="1" smtClean="0">
+                <a:solidFill>
+                  <a:srgbClr val="C00000"/>
+                </a:solidFill>
+              </a:rPr>
+              <a:t>Boisvert</a:t>
+            </a:r>
+            <a:endParaRPr lang="en-US" b="1" dirty="0" smtClean="0">
+              <a:solidFill>
+                <a:srgbClr val="C00000"/>
+              </a:solidFill>
+            </a:endParaRPr>
+          </a:p>
+          <a:p>
+            <a:pPr lvl="1"/>
+            <a:r>
+              <a:rPr lang="en-US" b="1" dirty="0" smtClean="0">
+                <a:solidFill>
+                  <a:srgbClr val="C00000"/>
+                </a:solidFill>
+              </a:rPr>
+              <a:t>Dan Vega</a:t>
+            </a:r>
+          </a:p>
+          <a:p>
+            <a:pPr lvl="1"/>
+            <a:r>
+              <a:rPr lang="en-US" b="1" dirty="0" smtClean="0">
+                <a:solidFill>
+                  <a:srgbClr val="C00000"/>
+                </a:solidFill>
+              </a:rPr>
+              <a:t>32 bottles of </a:t>
+            </a:r>
+            <a:r>
+              <a:rPr lang="en-US" b="1" dirty="0" err="1" smtClean="0">
+                <a:solidFill>
+                  <a:srgbClr val="C00000"/>
+                </a:solidFill>
+              </a:rPr>
+              <a:t>Dalwhinnie</a:t>
+            </a:r>
+            <a:r>
+              <a:rPr lang="en-US" b="1" dirty="0" smtClean="0">
+                <a:solidFill>
+                  <a:srgbClr val="C00000"/>
+                </a:solidFill>
+              </a:rPr>
+              <a:t> 15 year Scotch</a:t>
+            </a:r>
+          </a:p>
+          <a:p>
+            <a:pPr lvl="1"/>
+            <a:r>
+              <a:rPr lang="en-US" b="1" dirty="0" smtClean="0">
+                <a:solidFill>
+                  <a:srgbClr val="C00000"/>
+                </a:solidFill>
+              </a:rPr>
+              <a:t>Hours upon hours of suffering</a:t>
+            </a:r>
+          </a:p>
+          <a:p>
+            <a:pPr lvl="1"/>
+            <a:endParaRPr lang="en-US" b="1" dirty="0">
+              <a:solidFill>
+                <a:srgbClr val="C00000"/>
+              </a:solidFill>
+            </a:endParaRPr>
+          </a:p>
+        </p:txBody>
+      </p:sp>
+      <p:sp>
+        <p:nvSpPr>
+          <p:cNvPr id="3" name="Title 2"/>
+          <p:cNvSpPr>
+            <a:spLocks noGrp="1"/>
+          </p:cNvSpPr>
+          <p:nvPr>
+            <p:ph type="title"/>
+          </p:nvPr>
+        </p:nvSpPr>
+        <p:spPr/>
+        <p:txBody>
+          <a:bodyPr/>
+          <a:lstStyle/>
+          <a:p>
+            <a:r>
+              <a:rPr lang="en-US" dirty="0" smtClean="0"/>
+              <a:t>Thanks to my teachers</a:t>
+            </a:r>
+            <a:endParaRPr lang="en-US" dirty="0"/>
+          </a:p>
+        </p:txBody>
+      </p:sp>
+    </p:spTree>
+    <p:extLst>
+      <p:ext uri="{BB962C8B-B14F-4D97-AF65-F5344CB8AC3E}">
+        <p14:creationId xmlns:p14="http://schemas.microsoft.com/office/powerpoint/2010/main" val="666231498"/>
+      </p:ext>
+    </p:extLst>
+  </p:cSld>
+  <p:clrMapOvr>
+    <a:masterClrMapping/>
+  </p:clrMapOvr>
+  <p:timing>
+    <p:tnLst>
+      <p:par>
+        <p:cTn id="1" dur="indefinite" restart="never" nodeType="tmRoot"/>
+      </p:par>
+    </p:tnLst>
+  </p:timing>
+</p:sld>
+</file>
+
+<file path=ppt/slides/slide43.xml><?xml version="1.0" encoding="utf-8"?>
+<p:sld xmlns:a="http://schemas.openxmlformats.org/drawingml/2006/main" xmlns:r="http://schemas.openxmlformats.org/officeDocument/2006/relationships" xmlns:p="http://schemas.openxmlformats.org/presentationml/2006/main">
+  <p:cSld>
+    <p:spTree>
+      <p:nvGrpSpPr>
+        <p:cNvPr id="1" name=""/>
+        <p:cNvGrpSpPr/>
+        <p:nvPr/>
+      </p:nvGrpSpPr>
+      <p:grpSpPr>
+        <a:xfrm>
+          <a:off x="0" y="0"/>
+          <a:ext cx="0" cy="0"/>
+          <a:chOff x="0" y="0"/>
+          <a:chExt cx="0" cy="0"/>
+        </a:xfrm>
+      </p:grpSpPr>
+      <p:sp>
+        <p:nvSpPr>
+          <p:cNvPr id="3" name="Title 2"/>
+          <p:cNvSpPr>
+            <a:spLocks noGrp="1"/>
+          </p:cNvSpPr>
+          <p:nvPr>
+            <p:ph type="title"/>
+          </p:nvPr>
+        </p:nvSpPr>
+        <p:spPr/>
+        <p:txBody>
+          <a:bodyPr/>
+          <a:lstStyle/>
+          <a:p>
+            <a:r>
+              <a:rPr lang="en-US" dirty="0" smtClean="0"/>
+              <a:t>Thanks to you!</a:t>
+            </a:r>
+            <a:endParaRPr lang="en-US" dirty="0"/>
+          </a:p>
+        </p:txBody>
+      </p:sp>
+      <p:sp>
+        <p:nvSpPr>
+          <p:cNvPr id="5" name="Text Placeholder 3"/>
+          <p:cNvSpPr>
+            <a:spLocks/>
+          </p:cNvSpPr>
+          <p:nvPr/>
+        </p:nvSpPr>
+        <p:spPr bwMode="auto">
+          <a:xfrm>
+            <a:off x="457200" y="1905000"/>
+            <a:ext cx="3581400" cy="4233863"/>
+          </a:xfrm>
+          <a:prstGeom prst="rect">
+            <a:avLst/>
+          </a:prstGeom>
+          <a:noFill/>
+          <a:ln>
+            <a:noFill/>
+          </a:ln>
+          <a:extLst>
+            <a:ext uri="{909E8E84-426E-40DD-AFC4-6F175D3DCCD1}">
+              <a14:hiddenFill xmlns:a14="http://schemas.microsoft.com/office/drawing/2010/main">
+                <a:solidFill>
+                  <a:srgbClr val="FFFFFF"/>
+                </a:solidFill>
+              </a14:hiddenFill>
+            </a:ext>
+            <a:ext uri="{91240B29-F687-4F45-9708-019B960494DF}">
+              <a14:hiddenLine xmlns:a14="http://schemas.microsoft.com/office/drawing/2010/main" w="9525">
+                <a:solidFill>
+                  <a:srgbClr val="000000"/>
+                </a:solidFill>
+                <a:miter lim="800000"/>
+                <a:headEnd/>
+                <a:tailEnd/>
+              </a14:hiddenLine>
+            </a:ext>
+          </a:extLst>
+        </p:spPr>
+        <p:txBody>
+          <a:bodyPr/>
+          <a:lstStyle/>
+          <a:p>
+            <a:pPr>
+              <a:spcBef>
+                <a:spcPct val="20000"/>
+              </a:spcBef>
+              <a:buClr>
+                <a:schemeClr val="folHlink"/>
+              </a:buClr>
+              <a:buFont typeface="Wingdings" pitchFamily="2" charset="2"/>
+              <a:buNone/>
+            </a:pPr>
+            <a:r>
+              <a:rPr lang="en-US" sz="2000" b="1">
+                <a:solidFill>
+                  <a:srgbClr val="558ED5"/>
+                </a:solidFill>
+                <a:latin typeface="Arial" charset="0"/>
+              </a:rPr>
+              <a:t>Marc Esher</a:t>
+            </a:r>
+          </a:p>
+          <a:p>
+            <a:pPr>
+              <a:spcBef>
+                <a:spcPct val="20000"/>
+              </a:spcBef>
+              <a:buClr>
+                <a:schemeClr val="folHlink"/>
+              </a:buClr>
+              <a:buFont typeface="Wingdings" pitchFamily="2" charset="2"/>
+              <a:buNone/>
+            </a:pPr>
+            <a:r>
+              <a:rPr lang="en-US" sz="2000">
+                <a:solidFill>
+                  <a:srgbClr val="558ED5"/>
+                </a:solidFill>
+                <a:latin typeface="Arial" charset="0"/>
+              </a:rPr>
+              <a:t>@marcesher on Twitter</a:t>
+            </a:r>
+          </a:p>
+        </p:txBody>
+      </p:sp>
+      <p:sp>
+        <p:nvSpPr>
+          <p:cNvPr id="7" name="Line 8"/>
+          <p:cNvSpPr>
+            <a:spLocks noChangeShapeType="1"/>
+          </p:cNvSpPr>
+          <p:nvPr/>
+        </p:nvSpPr>
+        <p:spPr bwMode="auto">
+          <a:xfrm>
+            <a:off x="3962400" y="1905000"/>
+            <a:ext cx="0" cy="4267200"/>
+          </a:xfrm>
+          <a:prstGeom prst="line">
+            <a:avLst/>
+          </a:prstGeom>
+          <a:noFill/>
+          <a:ln w="9525">
+            <a:solidFill>
+              <a:schemeClr val="tx1"/>
+            </a:solidFill>
+            <a:round/>
+            <a:headEnd/>
+            <a:tailEnd/>
+          </a:ln>
+          <a:effectLst/>
+          <a:extLst>
+            <a:ext uri="{909E8E84-426E-40DD-AFC4-6F175D3DCCD1}">
+              <a14:hiddenFill xmlns:a14="http://schemas.microsoft.com/office/drawing/2010/main">
+                <a:noFill/>
+              </a14:hiddenFill>
+            </a:ext>
+            <a:ext uri="{AF507438-7753-43E0-B8FC-AC1667EBCBE1}">
+              <a14:hiddenEffects xmlns:a14="http://schemas.microsoft.com/office/drawing/2010/main">
+                <a:effectLst>
+                  <a:outerShdw dist="35921" dir="2700000" algn="ctr" rotWithShape="0">
+                    <a:schemeClr val="bg2"/>
+                  </a:outerShdw>
+                </a:effectLst>
+              </a14:hiddenEffects>
+            </a:ext>
+          </a:extLst>
+        </p:spPr>
+        <p:txBody>
+          <a:bodyPr/>
+          <a:lstStyle/>
+          <a:p>
+            <a:endParaRPr lang="en-US"/>
+          </a:p>
+        </p:txBody>
+      </p:sp>
+      <p:pic>
+        <p:nvPicPr>
+          <p:cNvPr id="8" name="Picture 6"/>
+          <p:cNvPicPr>
+            <a:picLocks noChangeAspect="1" noChangeArrowheads="1"/>
+          </p:cNvPicPr>
+          <p:nvPr/>
+        </p:nvPicPr>
+        <p:blipFill>
+          <a:blip r:embed="rId2">
+            <a:extLst>
+              <a:ext uri="{28A0092B-C50C-407E-A947-70E740481C1C}">
+                <a14:useLocalDpi xmlns:a14="http://schemas.microsoft.com/office/drawing/2010/main" val="0"/>
+              </a:ext>
+            </a:extLst>
+          </a:blip>
+          <a:srcRect/>
+          <a:stretch>
+            <a:fillRect/>
+          </a:stretch>
+        </p:blipFill>
+        <p:spPr bwMode="auto">
+          <a:xfrm>
+            <a:off x="4967288" y="1905000"/>
+            <a:ext cx="3130550" cy="4267200"/>
+          </a:xfrm>
+          <a:prstGeom prst="rect">
+            <a:avLst/>
+          </a:prstGeom>
+          <a:noFill/>
+          <a:ln>
+            <a:noFill/>
+          </a:ln>
+          <a:extLst>
+            <a:ext uri="{909E8E84-426E-40DD-AFC4-6F175D3DCCD1}">
+              <a14:hiddenFill xmlns:a14="http://schemas.microsoft.com/office/drawing/2010/main">
+                <a:solidFill>
+                  <a:srgbClr val="FFFFFF"/>
+                </a:solidFill>
+              </a14:hiddenFill>
+            </a:ext>
+            <a:ext uri="{91240B29-F687-4F45-9708-019B960494DF}">
+              <a14:hiddenLine xmlns:a14="http://schemas.microsoft.com/office/drawing/2010/main" w="9525">
+                <a:solidFill>
+                  <a:srgbClr val="000000"/>
+                </a:solidFill>
+                <a:miter lim="800000"/>
+                <a:headEnd/>
+                <a:tailEnd/>
+              </a14:hiddenLine>
+            </a:ext>
+          </a:extLst>
+        </p:spPr>
+      </p:pic>
+      <p:sp>
+        <p:nvSpPr>
+          <p:cNvPr id="9" name="Text Box 14"/>
+          <p:cNvSpPr txBox="1">
+            <a:spLocks noChangeArrowheads="1"/>
+          </p:cNvSpPr>
+          <p:nvPr/>
+        </p:nvSpPr>
+        <p:spPr bwMode="auto">
+          <a:xfrm>
+            <a:off x="3962400" y="6126480"/>
+            <a:ext cx="1290638" cy="502920"/>
+          </a:xfrm>
+          <a:prstGeom prst="rect">
+            <a:avLst/>
+          </a:prstGeom>
+          <a:noFill/>
+          <a:ln>
+            <a:noFill/>
+          </a:ln>
+          <a:extLst>
+            <a:ext uri="{909E8E84-426E-40DD-AFC4-6F175D3DCCD1}">
+              <a14:hiddenFill xmlns:a14="http://schemas.microsoft.com/office/drawing/2010/main">
+                <a:solidFill>
+                  <a:srgbClr val="FFFFFF"/>
+                </a:solidFill>
+              </a14:hiddenFill>
+            </a:ext>
+            <a:ext uri="{91240B29-F687-4F45-9708-019B960494DF}">
+              <a14:hiddenLine xmlns:a14="http://schemas.microsoft.com/office/drawing/2010/main" w="9525">
+                <a:solidFill>
+                  <a:srgbClr val="000000"/>
+                </a:solidFill>
+                <a:miter lim="800000"/>
+                <a:headEnd/>
+                <a:tailEnd/>
+              </a14:hiddenLine>
+            </a:ext>
+          </a:extLst>
+        </p:spPr>
+        <p:txBody>
+          <a:bodyPr>
+            <a:spAutoFit/>
+          </a:bodyPr>
+          <a:lstStyle>
+            <a:lvl1pPr defTabSz="457200">
+              <a:defRPr sz="2400">
+                <a:solidFill>
+                  <a:schemeClr val="tx1"/>
+                </a:solidFill>
+                <a:latin typeface="Times New Roman" pitchFamily="18" charset="0"/>
+              </a:defRPr>
+            </a:lvl1pPr>
+            <a:lvl2pPr marL="742950" indent="-285750" defTabSz="457200">
+              <a:defRPr sz="2400">
+                <a:solidFill>
+                  <a:schemeClr val="tx1"/>
+                </a:solidFill>
+                <a:latin typeface="Times New Roman" pitchFamily="18" charset="0"/>
+              </a:defRPr>
+            </a:lvl2pPr>
+            <a:lvl3pPr marL="1143000" indent="-228600" defTabSz="457200">
+              <a:defRPr sz="2400">
+                <a:solidFill>
+                  <a:schemeClr val="tx1"/>
+                </a:solidFill>
+                <a:latin typeface="Times New Roman" pitchFamily="18" charset="0"/>
+              </a:defRPr>
+            </a:lvl3pPr>
+            <a:lvl4pPr marL="1600200" indent="-228600" defTabSz="457200">
+              <a:defRPr sz="2400">
+                <a:solidFill>
+                  <a:schemeClr val="tx1"/>
+                </a:solidFill>
+                <a:latin typeface="Times New Roman" pitchFamily="18" charset="0"/>
+              </a:defRPr>
+            </a:lvl4pPr>
+            <a:lvl5pPr marL="2057400" indent="-228600" defTabSz="457200">
+              <a:defRPr sz="2400">
+                <a:solidFill>
+                  <a:schemeClr val="tx1"/>
+                </a:solidFill>
+                <a:latin typeface="Times New Roman" pitchFamily="18" charset="0"/>
+              </a:defRPr>
+            </a:lvl5pPr>
+            <a:lvl6pPr marL="2514600" indent="-228600" defTabSz="457200" fontAlgn="base">
+              <a:spcBef>
+                <a:spcPct val="0"/>
+              </a:spcBef>
+              <a:spcAft>
+                <a:spcPct val="0"/>
+              </a:spcAft>
+              <a:defRPr sz="2400">
+                <a:solidFill>
+                  <a:schemeClr val="tx1"/>
+                </a:solidFill>
+                <a:latin typeface="Times New Roman" pitchFamily="18" charset="0"/>
+              </a:defRPr>
+            </a:lvl6pPr>
+            <a:lvl7pPr marL="2971800" indent="-228600" defTabSz="457200" fontAlgn="base">
+              <a:spcBef>
+                <a:spcPct val="0"/>
+              </a:spcBef>
+              <a:spcAft>
+                <a:spcPct val="0"/>
+              </a:spcAft>
+              <a:defRPr sz="2400">
+                <a:solidFill>
+                  <a:schemeClr val="tx1"/>
+                </a:solidFill>
+                <a:latin typeface="Times New Roman" pitchFamily="18" charset="0"/>
+              </a:defRPr>
+            </a:lvl7pPr>
+            <a:lvl8pPr marL="3429000" indent="-228600" defTabSz="457200" fontAlgn="base">
+              <a:spcBef>
+                <a:spcPct val="0"/>
+              </a:spcBef>
+              <a:spcAft>
+                <a:spcPct val="0"/>
+              </a:spcAft>
+              <a:defRPr sz="2400">
+                <a:solidFill>
+                  <a:schemeClr val="tx1"/>
+                </a:solidFill>
+                <a:latin typeface="Times New Roman" pitchFamily="18" charset="0"/>
+              </a:defRPr>
+            </a:lvl8pPr>
+            <a:lvl9pPr marL="3886200" indent="-228600" defTabSz="457200" fontAlgn="base">
+              <a:spcBef>
+                <a:spcPct val="0"/>
+              </a:spcBef>
+              <a:spcAft>
+                <a:spcPct val="0"/>
+              </a:spcAft>
+              <a:defRPr sz="2400">
+                <a:solidFill>
+                  <a:schemeClr val="tx1"/>
+                </a:solidFill>
+                <a:latin typeface="Times New Roman" pitchFamily="18" charset="0"/>
+              </a:defRPr>
+            </a:lvl9pPr>
+          </a:lstStyle>
+          <a:p>
+            <a:pPr algn="ctr">
+              <a:buClr>
+                <a:srgbClr val="000000"/>
+              </a:buClr>
+              <a:buSzPct val="100000"/>
+              <a:buFont typeface="Arial" charset="0"/>
+              <a:buNone/>
+            </a:pPr>
+            <a:r>
+              <a:rPr lang="en-US" dirty="0">
+                <a:latin typeface="Arial" charset="0"/>
+              </a:rPr>
+              <a:t>Test</a:t>
+            </a:r>
+          </a:p>
+        </p:txBody>
+      </p:sp>
+      <p:sp>
+        <p:nvSpPr>
+          <p:cNvPr id="10" name="Text Box 15"/>
+          <p:cNvSpPr txBox="1">
+            <a:spLocks noChangeArrowheads="1"/>
+          </p:cNvSpPr>
+          <p:nvPr/>
+        </p:nvSpPr>
+        <p:spPr bwMode="auto">
+          <a:xfrm>
+            <a:off x="7399338" y="6126480"/>
+            <a:ext cx="1744662" cy="502920"/>
+          </a:xfrm>
+          <a:prstGeom prst="rect">
+            <a:avLst/>
+          </a:prstGeom>
+          <a:noFill/>
+          <a:ln>
+            <a:noFill/>
+          </a:ln>
+          <a:extLst>
+            <a:ext uri="{909E8E84-426E-40DD-AFC4-6F175D3DCCD1}">
+              <a14:hiddenFill xmlns:a14="http://schemas.microsoft.com/office/drawing/2010/main">
+                <a:solidFill>
+                  <a:srgbClr val="FFFFFF"/>
+                </a:solidFill>
+              </a14:hiddenFill>
+            </a:ext>
+            <a:ext uri="{91240B29-F687-4F45-9708-019B960494DF}">
+              <a14:hiddenLine xmlns:a14="http://schemas.microsoft.com/office/drawing/2010/main" w="9525">
+                <a:solidFill>
+                  <a:srgbClr val="000000"/>
+                </a:solidFill>
+                <a:miter lim="800000"/>
+                <a:headEnd/>
+                <a:tailEnd/>
+              </a14:hiddenLine>
+            </a:ext>
+          </a:extLst>
+        </p:spPr>
+        <p:txBody>
+          <a:bodyPr>
+            <a:spAutoFit/>
+          </a:bodyPr>
+          <a:lstStyle>
+            <a:lvl1pPr defTabSz="457200">
+              <a:defRPr sz="2400">
+                <a:solidFill>
+                  <a:schemeClr val="tx1"/>
+                </a:solidFill>
+                <a:latin typeface="Times New Roman" pitchFamily="18" charset="0"/>
+              </a:defRPr>
+            </a:lvl1pPr>
+            <a:lvl2pPr marL="742950" indent="-285750" defTabSz="457200">
+              <a:defRPr sz="2400">
+                <a:solidFill>
+                  <a:schemeClr val="tx1"/>
+                </a:solidFill>
+                <a:latin typeface="Times New Roman" pitchFamily="18" charset="0"/>
+              </a:defRPr>
+            </a:lvl2pPr>
+            <a:lvl3pPr marL="1143000" indent="-228600" defTabSz="457200">
+              <a:defRPr sz="2400">
+                <a:solidFill>
+                  <a:schemeClr val="tx1"/>
+                </a:solidFill>
+                <a:latin typeface="Times New Roman" pitchFamily="18" charset="0"/>
+              </a:defRPr>
+            </a:lvl3pPr>
+            <a:lvl4pPr marL="1600200" indent="-228600" defTabSz="457200">
+              <a:defRPr sz="2400">
+                <a:solidFill>
+                  <a:schemeClr val="tx1"/>
+                </a:solidFill>
+                <a:latin typeface="Times New Roman" pitchFamily="18" charset="0"/>
+              </a:defRPr>
+            </a:lvl4pPr>
+            <a:lvl5pPr marL="2057400" indent="-228600" defTabSz="457200">
+              <a:defRPr sz="2400">
+                <a:solidFill>
+                  <a:schemeClr val="tx1"/>
+                </a:solidFill>
+                <a:latin typeface="Times New Roman" pitchFamily="18" charset="0"/>
+              </a:defRPr>
+            </a:lvl5pPr>
+            <a:lvl6pPr marL="2514600" indent="-228600" defTabSz="457200" fontAlgn="base">
+              <a:spcBef>
+                <a:spcPct val="0"/>
+              </a:spcBef>
+              <a:spcAft>
+                <a:spcPct val="0"/>
+              </a:spcAft>
+              <a:defRPr sz="2400">
+                <a:solidFill>
+                  <a:schemeClr val="tx1"/>
+                </a:solidFill>
+                <a:latin typeface="Times New Roman" pitchFamily="18" charset="0"/>
+              </a:defRPr>
+            </a:lvl6pPr>
+            <a:lvl7pPr marL="2971800" indent="-228600" defTabSz="457200" fontAlgn="base">
+              <a:spcBef>
+                <a:spcPct val="0"/>
+              </a:spcBef>
+              <a:spcAft>
+                <a:spcPct val="0"/>
+              </a:spcAft>
+              <a:defRPr sz="2400">
+                <a:solidFill>
+                  <a:schemeClr val="tx1"/>
+                </a:solidFill>
+                <a:latin typeface="Times New Roman" pitchFamily="18" charset="0"/>
+              </a:defRPr>
+            </a:lvl7pPr>
+            <a:lvl8pPr marL="3429000" indent="-228600" defTabSz="457200" fontAlgn="base">
+              <a:spcBef>
+                <a:spcPct val="0"/>
+              </a:spcBef>
+              <a:spcAft>
+                <a:spcPct val="0"/>
+              </a:spcAft>
+              <a:defRPr sz="2400">
+                <a:solidFill>
+                  <a:schemeClr val="tx1"/>
+                </a:solidFill>
+                <a:latin typeface="Times New Roman" pitchFamily="18" charset="0"/>
+              </a:defRPr>
+            </a:lvl8pPr>
+            <a:lvl9pPr marL="3886200" indent="-228600" defTabSz="457200" fontAlgn="base">
+              <a:spcBef>
+                <a:spcPct val="0"/>
+              </a:spcBef>
+              <a:spcAft>
+                <a:spcPct val="0"/>
+              </a:spcAft>
+              <a:defRPr sz="2400">
+                <a:solidFill>
+                  <a:schemeClr val="tx1"/>
+                </a:solidFill>
+                <a:latin typeface="Times New Roman" pitchFamily="18" charset="0"/>
+              </a:defRPr>
+            </a:lvl9pPr>
+          </a:lstStyle>
+          <a:p>
+            <a:pPr algn="ctr">
+              <a:buClr>
+                <a:srgbClr val="000000"/>
+              </a:buClr>
+              <a:buSzPct val="100000"/>
+              <a:buFont typeface="Arial" charset="0"/>
+              <a:buNone/>
+            </a:pPr>
+            <a:r>
+              <a:rPr lang="en-US" dirty="0">
+                <a:latin typeface="Arial" charset="0"/>
+              </a:rPr>
+              <a:t>Be</a:t>
+            </a:r>
+            <a:r>
+              <a:rPr lang="en-US" dirty="0">
+                <a:solidFill>
+                  <a:schemeClr val="bg1"/>
+                </a:solidFill>
+                <a:latin typeface="Arial" charset="0"/>
+              </a:rPr>
+              <a:t> </a:t>
+            </a:r>
+            <a:r>
+              <a:rPr lang="en-US" dirty="0">
+                <a:latin typeface="Arial" charset="0"/>
+              </a:rPr>
+              <a:t>Happy</a:t>
+            </a:r>
+          </a:p>
+        </p:txBody>
+      </p:sp>
+    </p:spTree>
+    <p:extLst>
+      <p:ext uri="{BB962C8B-B14F-4D97-AF65-F5344CB8AC3E}">
+        <p14:creationId xmlns:p14="http://schemas.microsoft.com/office/powerpoint/2010/main" val="3226039326"/>
+      </p:ext>
+    </p:extLst>
+  </p:cSld>
+  <p:clrMapOvr>
+    <a:masterClrMapping/>
+  </p:clrMapOvr>
+  <p:timing>
+    <p:tnLst>
+      <p:par>
+        <p:cTn id="1" dur="indefinite" restart="never" nodeType="tmRoot"/>
+      </p:par>
+    </p:tnLst>
+  </p:timing>
+</p:sld>
+</file>
+
+<file path=ppt/slides/slide44.xml><?xml version="1.0" encoding="utf-8"?>
+<p:sld xmlns:a="http://schemas.openxmlformats.org/drawingml/2006/main" xmlns:r="http://schemas.openxmlformats.org/officeDocument/2006/relationships" xmlns:p="http://schemas.openxmlformats.org/presentationml/2006/main">
+  <p:cSld>
+    <p:spTree>
+      <p:nvGrpSpPr>
+        <p:cNvPr id="1" name=""/>
+        <p:cNvGrpSpPr/>
+        <p:nvPr/>
+      </p:nvGrpSpPr>
+      <p:grpSpPr>
+        <a:xfrm>
+          <a:off x="0" y="0"/>
+          <a:ext cx="0" cy="0"/>
+          <a:chOff x="0" y="0"/>
+          <a:chExt cx="0" cy="0"/>
+        </a:xfrm>
+      </p:grpSpPr>
+      <p:sp>
+        <p:nvSpPr>
+          <p:cNvPr id="2" name="Content Placeholder 1"/>
+          <p:cNvSpPr>
+            <a:spLocks noGrp="1"/>
+          </p:cNvSpPr>
+          <p:nvPr>
+            <p:ph idx="1"/>
+          </p:nvPr>
+        </p:nvSpPr>
+        <p:spPr/>
+        <p:txBody>
+          <a:bodyPr/>
+          <a:lstStyle/>
+          <a:p>
+            <a:r>
+              <a:rPr lang="en-US" dirty="0" smtClean="0"/>
+              <a:t>SQL Logging</a:t>
+            </a:r>
+          </a:p>
+          <a:p>
+            <a:r>
+              <a:rPr lang="en-US" dirty="0" err="1" smtClean="0"/>
+              <a:t>ORMReload</a:t>
+            </a:r>
+            <a:r>
+              <a:rPr lang="en-US" dirty="0" smtClean="0"/>
+              <a:t>()</a:t>
+            </a:r>
+            <a:endParaRPr lang="en-US" dirty="0"/>
+          </a:p>
+        </p:txBody>
+      </p:sp>
+      <p:sp>
+        <p:nvSpPr>
+          <p:cNvPr id="3" name="Title 2"/>
+          <p:cNvSpPr>
+            <a:spLocks noGrp="1"/>
+          </p:cNvSpPr>
+          <p:nvPr>
+            <p:ph type="title"/>
+          </p:nvPr>
+        </p:nvSpPr>
+        <p:spPr/>
+        <p:txBody>
+          <a:bodyPr/>
+          <a:lstStyle/>
+          <a:p>
+            <a:r>
+              <a:rPr lang="en-US" dirty="0" smtClean="0"/>
+              <a:t>Appendix</a:t>
+            </a:r>
+            <a:endParaRPr lang="en-US" dirty="0"/>
+          </a:p>
+        </p:txBody>
+      </p:sp>
+    </p:spTree>
+    <p:extLst>
+      <p:ext uri="{BB962C8B-B14F-4D97-AF65-F5344CB8AC3E}">
+        <p14:creationId xmlns:p14="http://schemas.microsoft.com/office/powerpoint/2010/main" val="1815100865"/>
+      </p:ext>
+    </p:extLst>
+  </p:cSld>
+  <p:clrMapOvr>
+    <a:masterClrMapping/>
+  </p:clrMapOvr>
+  <p:timing>
+    <p:tnLst>
+      <p:par>
+        <p:cTn id="1" dur="indefinite" restart="never" nodeType="tmRoot"/>
+      </p:par>
+    </p:tnLst>
+  </p:timing>
+</p:sld>
+</file>
+
+<file path=ppt/slides/slide45.xml><?xml version="1.0" encoding="utf-8"?>
+<p:sld xmlns:a="http://schemas.openxmlformats.org/drawingml/2006/main" xmlns:r="http://schemas.openxmlformats.org/officeDocument/2006/relationships" xmlns:p="http://schemas.openxmlformats.org/presentationml/2006/main">
+  <p:cSld>
+    <p:spTree>
+      <p:nvGrpSpPr>
+        <p:cNvPr id="1" name=""/>
+        <p:cNvGrpSpPr/>
+        <p:nvPr/>
+      </p:nvGrpSpPr>
+      <p:grpSpPr>
+        <a:xfrm>
+          <a:off x="0" y="0"/>
+          <a:ext cx="0" cy="0"/>
+          <a:chOff x="0" y="0"/>
+          <a:chExt cx="0" cy="0"/>
+        </a:xfrm>
+      </p:grpSpPr>
+      <p:sp>
+        <p:nvSpPr>
+          <p:cNvPr id="2" name="Content Placeholder 1"/>
+          <p:cNvSpPr>
+            <a:spLocks noGrp="1"/>
+          </p:cNvSpPr>
+          <p:nvPr>
+            <p:ph idx="1"/>
+          </p:nvPr>
+        </p:nvSpPr>
+        <p:spPr>
+          <a:xfrm>
+            <a:off x="872067" y="1143000"/>
+            <a:ext cx="7408333" cy="685800"/>
+          </a:xfrm>
+        </p:spPr>
+        <p:txBody>
+          <a:bodyPr>
+            <a:normAutofit/>
+          </a:bodyPr>
+          <a:lstStyle/>
+          <a:p>
+            <a:pPr algn="ctr"/>
+            <a:r>
+              <a:rPr lang="en-US" sz="3600" b="1" dirty="0" err="1" smtClean="0">
+                <a:solidFill>
+                  <a:schemeClr val="bg1"/>
+                </a:solidFill>
+              </a:rPr>
+              <a:t>logSQL</a:t>
+            </a:r>
+            <a:r>
+              <a:rPr lang="en-US" sz="3600" b="1" dirty="0" smtClean="0">
+                <a:solidFill>
+                  <a:schemeClr val="bg1"/>
+                </a:solidFill>
+              </a:rPr>
+              <a:t> = true</a:t>
+            </a:r>
+            <a:endParaRPr lang="en-US" sz="3600" b="1" dirty="0">
+              <a:solidFill>
+                <a:schemeClr val="bg1"/>
+              </a:solidFill>
+            </a:endParaRPr>
+          </a:p>
+        </p:txBody>
+      </p:sp>
+      <p:sp>
+        <p:nvSpPr>
+          <p:cNvPr id="3" name="Title 2"/>
+          <p:cNvSpPr>
+            <a:spLocks noGrp="1"/>
+          </p:cNvSpPr>
+          <p:nvPr>
+            <p:ph type="title"/>
+          </p:nvPr>
+        </p:nvSpPr>
+        <p:spPr>
+          <a:xfrm>
+            <a:off x="457200" y="0"/>
+            <a:ext cx="8229600" cy="1252728"/>
+          </a:xfrm>
+        </p:spPr>
+        <p:txBody>
+          <a:bodyPr/>
+          <a:lstStyle/>
+          <a:p>
+            <a:r>
+              <a:rPr lang="en-US" dirty="0" smtClean="0"/>
+              <a:t>Essential ORM Settings: Logging</a:t>
+            </a:r>
+            <a:endParaRPr lang="en-US" dirty="0"/>
+          </a:p>
+        </p:txBody>
+      </p:sp>
+      <p:pic>
+        <p:nvPicPr>
+          <p:cNvPr id="2050" name="Picture 2" descr="C:\dev\projects\wwwroot\mxunit-cfmeetups\CFObjective_ORMZen\preso\simple_logging.PNG"/>
+          <p:cNvPicPr>
+            <a:picLocks noChangeAspect="1" noChangeArrowheads="1"/>
+          </p:cNvPicPr>
+          <p:nvPr/>
+        </p:nvPicPr>
+        <p:blipFill>
+          <a:blip r:embed="rId2">
+            <a:extLst>
+              <a:ext uri="{28A0092B-C50C-407E-A947-70E740481C1C}">
+                <a14:useLocalDpi xmlns:a14="http://schemas.microsoft.com/office/drawing/2010/main" val="0"/>
+              </a:ext>
+            </a:extLst>
+          </a:blip>
+          <a:srcRect/>
+          <a:stretch>
+            <a:fillRect/>
+          </a:stretch>
+        </p:blipFill>
+        <p:spPr bwMode="auto">
+          <a:xfrm>
+            <a:off x="1676400" y="2209800"/>
+            <a:ext cx="6192838" cy="4305300"/>
+          </a:xfrm>
+          <a:prstGeom prst="rect">
+            <a:avLst/>
+          </a:prstGeom>
+          <a:noFill/>
+          <a:extLst>
+            <a:ext uri="{909E8E84-426E-40DD-AFC4-6F175D3DCCD1}">
+              <a14:hiddenFill xmlns:a14="http://schemas.microsoft.com/office/drawing/2010/main">
+                <a:solidFill>
+                  <a:srgbClr val="FFFFFF"/>
+                </a:solidFill>
+              </a14:hiddenFill>
+            </a:ext>
+          </a:extLst>
+        </p:spPr>
+      </p:pic>
+    </p:spTree>
+    <p:extLst>
+      <p:ext uri="{BB962C8B-B14F-4D97-AF65-F5344CB8AC3E}">
+        <p14:creationId xmlns:p14="http://schemas.microsoft.com/office/powerpoint/2010/main" val="3149869589"/>
+      </p:ext>
+    </p:extLst>
+  </p:cSld>
+  <p:clrMapOvr>
+    <a:masterClrMapping/>
+  </p:clrMapOvr>
+  <p:timing>
+    <p:tnLst>
+      <p:par>
+        <p:cTn id="1" dur="indefinite" restart="never" nodeType="tmRoot"/>
+      </p:par>
+    </p:tnLst>
+  </p:timing>
+</p:sld>
+</file>
+
+<file path=ppt/slides/slide46.xml><?xml version="1.0" encoding="utf-8"?>
+<p:sld xmlns:a="http://schemas.openxmlformats.org/drawingml/2006/main" xmlns:r="http://schemas.openxmlformats.org/officeDocument/2006/relationships" xmlns:p="http://schemas.openxmlformats.org/presentationml/2006/main">
+  <p:cSld>
+    <p:spTree>
+      <p:nvGrpSpPr>
+        <p:cNvPr id="1" name=""/>
+        <p:cNvGrpSpPr/>
+        <p:nvPr/>
+      </p:nvGrpSpPr>
+      <p:grpSpPr>
+        <a:xfrm>
+          <a:off x="0" y="0"/>
+          <a:ext cx="0" cy="0"/>
+          <a:chOff x="0" y="0"/>
+          <a:chExt cx="0" cy="0"/>
+        </a:xfrm>
+      </p:grpSpPr>
+      <p:sp>
+        <p:nvSpPr>
+          <p:cNvPr id="2" name="Content Placeholder 1"/>
+          <p:cNvSpPr>
+            <a:spLocks noGrp="1"/>
+          </p:cNvSpPr>
+          <p:nvPr>
+            <p:ph idx="1"/>
+          </p:nvPr>
+        </p:nvSpPr>
+        <p:spPr/>
+        <p:txBody>
+          <a:bodyPr/>
+          <a:lstStyle/>
+          <a:p>
+            <a:r>
+              <a:rPr lang="en-US" dirty="0" smtClean="0"/>
+              <a:t>This works in ColdFusion Builder or </a:t>
+            </a:r>
+            <a:r>
+              <a:rPr lang="en-US" dirty="0" err="1" smtClean="0"/>
+              <a:t>CFEclipse</a:t>
+            </a:r>
+            <a:r>
+              <a:rPr lang="en-US" dirty="0" smtClean="0"/>
+              <a:t> with the Adobe 8.0.1 Extensions</a:t>
+            </a:r>
+          </a:p>
+          <a:p>
+            <a:r>
+              <a:rPr lang="en-US" dirty="0" smtClean="0"/>
+              <a:t>Add the xxxxx-out.log file to the tail view</a:t>
+            </a:r>
+          </a:p>
+          <a:p>
+            <a:r>
+              <a:rPr lang="en-US" dirty="0" smtClean="0"/>
+              <a:t>Rejoice</a:t>
+            </a:r>
+            <a:endParaRPr lang="en-US" dirty="0"/>
+          </a:p>
+        </p:txBody>
+      </p:sp>
+      <p:sp>
+        <p:nvSpPr>
+          <p:cNvPr id="3" name="Title 2"/>
+          <p:cNvSpPr>
+            <a:spLocks noGrp="1"/>
+          </p:cNvSpPr>
+          <p:nvPr>
+            <p:ph type="title"/>
+          </p:nvPr>
+        </p:nvSpPr>
+        <p:spPr/>
+        <p:txBody>
+          <a:bodyPr/>
+          <a:lstStyle/>
+          <a:p>
+            <a:r>
+              <a:rPr lang="en-US" dirty="0" smtClean="0"/>
+              <a:t>Viewing SQL logging in Tail View</a:t>
+            </a:r>
+            <a:endParaRPr lang="en-US" dirty="0"/>
+          </a:p>
+        </p:txBody>
+      </p:sp>
+    </p:spTree>
+    <p:extLst>
+      <p:ext uri="{BB962C8B-B14F-4D97-AF65-F5344CB8AC3E}">
+        <p14:creationId xmlns:p14="http://schemas.microsoft.com/office/powerpoint/2010/main" val="1615031332"/>
+      </p:ext>
+    </p:extLst>
+  </p:cSld>
+  <p:clrMapOvr>
+    <a:masterClrMapping/>
+  </p:clrMapOvr>
+  <p:timing>
+    <p:tnLst>
+      <p:par>
+        <p:cTn id="1" dur="indefinite" restart="never" nodeType="tmRoot"/>
+      </p:par>
+    </p:tnLst>
+  </p:timing>
+</p:sld>
+</file>
+
+<file path=ppt/slides/slide47.xml><?xml version="1.0" encoding="utf-8"?>
+<p:sld xmlns:a="http://schemas.openxmlformats.org/drawingml/2006/main" xmlns:r="http://schemas.openxmlformats.org/officeDocument/2006/relationships" xmlns:p="http://schemas.openxmlformats.org/presentationml/2006/main">
+  <p:cSld>
+    <p:spTree>
+      <p:nvGrpSpPr>
+        <p:cNvPr id="1" name=""/>
+        <p:cNvGrpSpPr/>
+        <p:nvPr/>
+      </p:nvGrpSpPr>
+      <p:grpSpPr>
+        <a:xfrm>
+          <a:off x="0" y="0"/>
+          <a:ext cx="0" cy="0"/>
+          <a:chOff x="0" y="0"/>
+          <a:chExt cx="0" cy="0"/>
+        </a:xfrm>
+      </p:grpSpPr>
+      <p:sp>
+        <p:nvSpPr>
+          <p:cNvPr id="3" name="Title 2"/>
+          <p:cNvSpPr>
+            <a:spLocks noGrp="1"/>
+          </p:cNvSpPr>
+          <p:nvPr>
+            <p:ph type="title"/>
+          </p:nvPr>
+        </p:nvSpPr>
+        <p:spPr/>
+        <p:txBody>
+          <a:bodyPr/>
+          <a:lstStyle/>
+          <a:p>
+            <a:r>
+              <a:rPr lang="en-US" dirty="0"/>
+              <a:t>Viewing SQL logging in Tail View</a:t>
+            </a:r>
+            <a:r>
+              <a:rPr lang="en-US" dirty="0" smtClean="0"/>
+              <a:t> </a:t>
+            </a:r>
+            <a:endParaRPr lang="en-US" dirty="0"/>
+          </a:p>
+        </p:txBody>
+      </p:sp>
+      <p:pic>
+        <p:nvPicPr>
+          <p:cNvPr id="3074" name="Picture 2" descr="C:\dev\projects\wwwroot\mxunit-cfmeetups\CFObjective_ORMZen\preso\logging_in_tail_view.PNG"/>
+          <p:cNvPicPr>
+            <a:picLocks noChangeAspect="1" noChangeArrowheads="1"/>
+          </p:cNvPicPr>
+          <p:nvPr/>
+        </p:nvPicPr>
+        <p:blipFill>
+          <a:blip r:embed="rId2">
+            <a:extLst>
+              <a:ext uri="{28A0092B-C50C-407E-A947-70E740481C1C}">
+                <a14:useLocalDpi xmlns:a14="http://schemas.microsoft.com/office/drawing/2010/main" val="0"/>
+              </a:ext>
+            </a:extLst>
+          </a:blip>
+          <a:srcRect/>
+          <a:stretch>
+            <a:fillRect/>
+          </a:stretch>
+        </p:blipFill>
+        <p:spPr bwMode="auto">
+          <a:xfrm>
+            <a:off x="15550" y="18661"/>
+            <a:ext cx="9128449" cy="6934645"/>
+          </a:xfrm>
+          <a:prstGeom prst="rect">
+            <a:avLst/>
+          </a:prstGeom>
+          <a:noFill/>
+          <a:extLst>
+            <a:ext uri="{909E8E84-426E-40DD-AFC4-6F175D3DCCD1}">
+              <a14:hiddenFill xmlns:a14="http://schemas.microsoft.com/office/drawing/2010/main">
+                <a:solidFill>
+                  <a:srgbClr val="FFFFFF"/>
+                </a:solidFill>
+              </a14:hiddenFill>
+            </a:ext>
+          </a:extLst>
+        </p:spPr>
+      </p:pic>
+    </p:spTree>
+    <p:extLst>
+      <p:ext uri="{BB962C8B-B14F-4D97-AF65-F5344CB8AC3E}">
+        <p14:creationId xmlns:p14="http://schemas.microsoft.com/office/powerpoint/2010/main" val="3686384346"/>
+      </p:ext>
+    </p:extLst>
+  </p:cSld>
+  <p:clrMapOvr>
+    <a:masterClrMapping/>
+  </p:clrMapOvr>
+  <p:timing>
+    <p:tnLst>
+      <p:par>
+        <p:cTn id="1" dur="indefinite" restart="never" nodeType="tmRoot"/>
+      </p:par>
+    </p:tnLst>
+  </p:timing>
+</p:sld>
+</file>
+
+<file path=ppt/slides/slide48.xml><?xml version="1.0" encoding="utf-8"?>
+<p:sld xmlns:a="http://schemas.openxmlformats.org/drawingml/2006/main" xmlns:r="http://schemas.openxmlformats.org/officeDocument/2006/relationships" xmlns:p="http://schemas.openxmlformats.org/presentationml/2006/main">
+  <p:cSld>
+    <p:spTree>
+      <p:nvGrpSpPr>
+        <p:cNvPr id="1" name=""/>
+        <p:cNvGrpSpPr/>
+        <p:nvPr/>
+      </p:nvGrpSpPr>
+      <p:grpSpPr>
+        <a:xfrm>
+          <a:off x="0" y="0"/>
+          <a:ext cx="0" cy="0"/>
+          <a:chOff x="0" y="0"/>
+          <a:chExt cx="0" cy="0"/>
+        </a:xfrm>
+      </p:grpSpPr>
+      <p:sp>
+        <p:nvSpPr>
+          <p:cNvPr id="2" name="Content Placeholder 1"/>
+          <p:cNvSpPr>
+            <a:spLocks noGrp="1"/>
+          </p:cNvSpPr>
+          <p:nvPr>
+            <p:ph idx="1"/>
+          </p:nvPr>
+        </p:nvSpPr>
+        <p:spPr>
+          <a:xfrm>
+            <a:off x="533401" y="2675467"/>
+            <a:ext cx="8153400" cy="3450696"/>
+          </a:xfrm>
+        </p:spPr>
+        <p:txBody>
+          <a:bodyPr/>
+          <a:lstStyle/>
+          <a:p>
+            <a:r>
+              <a:rPr lang="en-US" dirty="0" smtClean="0"/>
+              <a:t>If you *need* to see the parameters  for the SQL statements, turn it on</a:t>
+            </a:r>
+          </a:p>
+          <a:p>
+            <a:pPr lvl="1"/>
+            <a:r>
+              <a:rPr lang="en-US" dirty="0" smtClean="0"/>
+              <a:t>WEB-INF/</a:t>
+            </a:r>
+            <a:r>
+              <a:rPr lang="en-US" dirty="0" err="1" smtClean="0"/>
+              <a:t>cfusion</a:t>
+            </a:r>
+            <a:r>
+              <a:rPr lang="en-US" dirty="0" smtClean="0"/>
+              <a:t>/log4j.properties</a:t>
+            </a:r>
+          </a:p>
+          <a:p>
+            <a:pPr lvl="1"/>
+            <a:r>
+              <a:rPr lang="en-US" dirty="0" smtClean="0"/>
+              <a:t>Uncomment this line:</a:t>
+            </a:r>
+          </a:p>
+          <a:p>
+            <a:pPr lvl="2"/>
+            <a:r>
+              <a:rPr lang="en-US" dirty="0"/>
+              <a:t>### Also log the parameter binding to the prepared statements.</a:t>
+            </a:r>
+          </a:p>
+          <a:p>
+            <a:pPr lvl="2"/>
+            <a:r>
+              <a:rPr lang="en-US" dirty="0"/>
+              <a:t>#</a:t>
+            </a:r>
+            <a:r>
+              <a:rPr lang="en-US" dirty="0" smtClean="0"/>
+              <a:t>log4j.logger.org.hibernate.type=DEBUG</a:t>
+            </a:r>
+          </a:p>
+          <a:p>
+            <a:pPr lvl="1"/>
+            <a:r>
+              <a:rPr lang="en-US" dirty="0" smtClean="0"/>
+              <a:t>This will get extremely noisy, so use with care</a:t>
+            </a:r>
+            <a:endParaRPr lang="en-US" dirty="0"/>
+          </a:p>
+        </p:txBody>
+      </p:sp>
+      <p:sp>
+        <p:nvSpPr>
+          <p:cNvPr id="3" name="Title 2"/>
+          <p:cNvSpPr>
+            <a:spLocks noGrp="1"/>
+          </p:cNvSpPr>
+          <p:nvPr>
+            <p:ph type="title"/>
+          </p:nvPr>
+        </p:nvSpPr>
+        <p:spPr/>
+        <p:txBody>
+          <a:bodyPr>
+            <a:normAutofit fontScale="90000"/>
+          </a:bodyPr>
+          <a:lstStyle/>
+          <a:p>
+            <a:r>
+              <a:rPr lang="en-US" dirty="0" smtClean="0"/>
+              <a:t>ORM Essentials: Parameter Logging</a:t>
+            </a:r>
+            <a:endParaRPr lang="en-US" dirty="0"/>
+          </a:p>
+        </p:txBody>
+      </p:sp>
+    </p:spTree>
+    <p:extLst>
+      <p:ext uri="{BB962C8B-B14F-4D97-AF65-F5344CB8AC3E}">
+        <p14:creationId xmlns:p14="http://schemas.microsoft.com/office/powerpoint/2010/main" val="1312424132"/>
+      </p:ext>
+    </p:extLst>
+  </p:cSld>
+  <p:clrMapOvr>
+    <a:masterClrMapping/>
+  </p:clrMapOvr>
+  <p:timing>
+    <p:tnLst>
+      <p:par>
+        <p:cTn id="1" dur="indefinite" restart="never" nodeType="tmRoot"/>
+      </p:par>
+    </p:tnLst>
+  </p:timing>
+</p:sld>
+</file>
+
+<file path=ppt/slides/slide49.xml><?xml version="1.0" encoding="utf-8"?>
+<p:sld xmlns:a="http://schemas.openxmlformats.org/drawingml/2006/main" xmlns:r="http://schemas.openxmlformats.org/officeDocument/2006/relationships" xmlns:p="http://schemas.openxmlformats.org/presentationml/2006/main">
+  <p:cSld>
+    <p:spTree>
+      <p:nvGrpSpPr>
+        <p:cNvPr id="1" name=""/>
+        <p:cNvGrpSpPr/>
+        <p:nvPr/>
+      </p:nvGrpSpPr>
+      <p:grpSpPr>
+        <a:xfrm>
+          <a:off x="0" y="0"/>
+          <a:ext cx="0" cy="0"/>
+          <a:chOff x="0" y="0"/>
+          <a:chExt cx="0" cy="0"/>
+        </a:xfrm>
+      </p:grpSpPr>
+      <p:pic>
+        <p:nvPicPr>
+          <p:cNvPr id="6146" name="Picture 2" descr="C:\dev\projects\wwwroot\mxunit-cfmeetups\CFObjective_ORMZen\preso\hibernate_logging_with_parameters.PNG"/>
+          <p:cNvPicPr>
+            <a:picLocks noChangeAspect="1" noChangeArrowheads="1"/>
+          </p:cNvPicPr>
+          <p:nvPr/>
+        </p:nvPicPr>
+        <p:blipFill>
+          <a:blip r:embed="rId2">
+            <a:extLst>
+              <a:ext uri="{28A0092B-C50C-407E-A947-70E740481C1C}">
+                <a14:useLocalDpi xmlns:a14="http://schemas.microsoft.com/office/drawing/2010/main" val="0"/>
+              </a:ext>
+            </a:extLst>
+          </a:blip>
+          <a:srcRect/>
+          <a:stretch>
+            <a:fillRect/>
+          </a:stretch>
+        </p:blipFill>
+        <p:spPr bwMode="auto">
+          <a:xfrm>
+            <a:off x="1371600" y="0"/>
+            <a:ext cx="6705600" cy="6876978"/>
+          </a:xfrm>
+          <a:prstGeom prst="rect">
+            <a:avLst/>
+          </a:prstGeom>
+          <a:noFill/>
+          <a:extLst>
+            <a:ext uri="{909E8E84-426E-40DD-AFC4-6F175D3DCCD1}">
+              <a14:hiddenFill xmlns:a14="http://schemas.microsoft.com/office/drawing/2010/main">
+                <a:solidFill>
+                  <a:srgbClr val="FFFFFF"/>
+                </a:solidFill>
+              </a14:hiddenFill>
+            </a:ext>
+          </a:extLst>
+        </p:spPr>
+      </p:pic>
+    </p:spTree>
+    <p:extLst>
+      <p:ext uri="{BB962C8B-B14F-4D97-AF65-F5344CB8AC3E}">
+        <p14:creationId xmlns:p14="http://schemas.microsoft.com/office/powerpoint/2010/main" val="994099777"/>
+      </p:ext>
+    </p:extLst>
+  </p:cSld>
+  <p:clrMapOvr>
+    <a:masterClrMapping/>
+  </p:clrMapOvr>
+  <p:timing>
+    <p:tnLst>
+      <p:par>
+        <p:cTn id="1" dur="indefinite" restart="never" nodeType="tmRoot"/>
+      </p:par>
+    </p:tnLst>
+  </p:timing>
+</p:sld>
+</file>
+
+<file path=ppt/slides/slide5.xml><?xml version="1.0" encoding="utf-8"?>
 <p:sld xmlns:a="http://schemas.openxmlformats.org/drawingml/2006/main" xmlns:r="http://schemas.openxmlformats.org/officeDocument/2006/relationships" xmlns:p="http://schemas.openxmlformats.org/presentationml/2006/main" showMasterSp="0">
   <p:cSld>
     <p:spTree>
@@ -15713,7 +21323,322 @@
 </p:sld>
 </file>
 
-<file path=ppt/slides/slide5.xml><?xml version="1.0" encoding="utf-8"?>
+<file path=ppt/slides/slide50.xml><?xml version="1.0" encoding="utf-8"?>
+<p:sld xmlns:a="http://schemas.openxmlformats.org/drawingml/2006/main" xmlns:r="http://schemas.openxmlformats.org/officeDocument/2006/relationships" xmlns:p="http://schemas.openxmlformats.org/presentationml/2006/main">
+  <p:cSld>
+    <p:spTree>
+      <p:nvGrpSpPr>
+        <p:cNvPr id="1" name=""/>
+        <p:cNvGrpSpPr/>
+        <p:nvPr/>
+      </p:nvGrpSpPr>
+      <p:grpSpPr>
+        <a:xfrm>
+          <a:off x="0" y="0"/>
+          <a:ext cx="0" cy="0"/>
+          <a:chOff x="0" y="0"/>
+          <a:chExt cx="0" cy="0"/>
+        </a:xfrm>
+      </p:grpSpPr>
+      <p:sp>
+        <p:nvSpPr>
+          <p:cNvPr id="2" name="Content Placeholder 1"/>
+          <p:cNvSpPr>
+            <a:spLocks noGrp="1"/>
+          </p:cNvSpPr>
+          <p:nvPr>
+            <p:ph idx="1"/>
+          </p:nvPr>
+        </p:nvSpPr>
+        <p:spPr/>
+        <p:txBody>
+          <a:bodyPr>
+            <a:normAutofit lnSpcReduction="10000"/>
+          </a:bodyPr>
+          <a:lstStyle/>
+          <a:p>
+            <a:r>
+              <a:rPr lang="en-US" dirty="0" smtClean="0"/>
+              <a:t>ANY changes to ORM components require </a:t>
+            </a:r>
+            <a:r>
+              <a:rPr lang="en-US" dirty="0" err="1" smtClean="0"/>
+              <a:t>ormReload</a:t>
+            </a:r>
+            <a:r>
+              <a:rPr lang="en-US" dirty="0" smtClean="0"/>
+              <a:t>()</a:t>
+            </a:r>
+          </a:p>
+          <a:p>
+            <a:r>
+              <a:rPr lang="en-US" dirty="0" smtClean="0"/>
+              <a:t>Sometimes, ORM will lose its mind and you’ll need to restart CF (It’s not often, but don’t be surprised by it)</a:t>
+            </a:r>
+          </a:p>
+          <a:p>
+            <a:r>
+              <a:rPr lang="en-US" dirty="0" smtClean="0"/>
+              <a:t>Usually control with a URL flag in </a:t>
+            </a:r>
+            <a:r>
+              <a:rPr lang="en-US" dirty="0" err="1" smtClean="0"/>
+              <a:t>onRequestStart</a:t>
+            </a:r>
+            <a:r>
+              <a:rPr lang="en-US" dirty="0" smtClean="0"/>
+              <a:t>()</a:t>
+            </a:r>
+          </a:p>
+          <a:p>
+            <a:r>
+              <a:rPr lang="en-US" dirty="0" smtClean="0"/>
+              <a:t>Don’t forget them in your </a:t>
+            </a:r>
+            <a:r>
+              <a:rPr lang="en-US" dirty="0" err="1" smtClean="0"/>
+              <a:t>MXUnit</a:t>
+            </a:r>
+            <a:r>
+              <a:rPr lang="en-US" dirty="0" smtClean="0"/>
+              <a:t> tests!</a:t>
+            </a:r>
+          </a:p>
+          <a:p>
+            <a:pPr lvl="1"/>
+            <a:r>
+              <a:rPr lang="en-US" dirty="0" smtClean="0"/>
+              <a:t>Use </a:t>
+            </a:r>
+            <a:r>
+              <a:rPr lang="en-US" dirty="0" err="1" smtClean="0"/>
+              <a:t>beforeTests</a:t>
+            </a:r>
+            <a:r>
+              <a:rPr lang="en-US" dirty="0" smtClean="0"/>
+              <a:t>() for best performance</a:t>
+            </a:r>
+          </a:p>
+          <a:p>
+            <a:pPr lvl="1"/>
+            <a:endParaRPr lang="en-US" dirty="0" smtClean="0"/>
+          </a:p>
+          <a:p>
+            <a:pPr marL="627063" lvl="2" indent="0">
+              <a:buNone/>
+            </a:pPr>
+            <a:r>
+              <a:rPr lang="en-US" dirty="0" smtClean="0"/>
+              <a:t> </a:t>
+            </a:r>
+            <a:endParaRPr lang="en-US" dirty="0"/>
+          </a:p>
+        </p:txBody>
+      </p:sp>
+      <p:sp>
+        <p:nvSpPr>
+          <p:cNvPr id="3" name="Title 2"/>
+          <p:cNvSpPr>
+            <a:spLocks noGrp="1"/>
+          </p:cNvSpPr>
+          <p:nvPr>
+            <p:ph type="title"/>
+          </p:nvPr>
+        </p:nvSpPr>
+        <p:spPr/>
+        <p:txBody>
+          <a:bodyPr>
+            <a:normAutofit fontScale="90000"/>
+          </a:bodyPr>
+          <a:lstStyle/>
+          <a:p>
+            <a:r>
+              <a:rPr lang="en-US" dirty="0" smtClean="0"/>
+              <a:t>ORM Essentials: </a:t>
+            </a:r>
+            <a:br>
+              <a:rPr lang="en-US" dirty="0" smtClean="0"/>
+            </a:br>
+            <a:r>
+              <a:rPr lang="en-US" dirty="0" err="1" smtClean="0"/>
+              <a:t>ormReload</a:t>
+            </a:r>
+            <a:r>
+              <a:rPr lang="en-US" dirty="0" smtClean="0"/>
+              <a:t>()</a:t>
+            </a:r>
+            <a:endParaRPr lang="en-US" dirty="0"/>
+          </a:p>
+        </p:txBody>
+      </p:sp>
+    </p:spTree>
+    <p:extLst>
+      <p:ext uri="{BB962C8B-B14F-4D97-AF65-F5344CB8AC3E}">
+        <p14:creationId xmlns:p14="http://schemas.microsoft.com/office/powerpoint/2010/main" val="2894370498"/>
+      </p:ext>
+    </p:extLst>
+  </p:cSld>
+  <p:clrMapOvr>
+    <a:masterClrMapping/>
+  </p:clrMapOvr>
+  <p:timing>
+    <p:tnLst>
+      <p:par>
+        <p:cTn id="1" dur="indefinite" restart="never" nodeType="tmRoot"/>
+      </p:par>
+    </p:tnLst>
+  </p:timing>
+</p:sld>
+</file>
+
+<file path=ppt/slides/slide51.xml><?xml version="1.0" encoding="utf-8"?>
+<p:sld xmlns:a="http://schemas.openxmlformats.org/drawingml/2006/main" xmlns:r="http://schemas.openxmlformats.org/officeDocument/2006/relationships" xmlns:p="http://schemas.openxmlformats.org/presentationml/2006/main">
+  <p:cSld>
+    <p:spTree>
+      <p:nvGrpSpPr>
+        <p:cNvPr id="1" name=""/>
+        <p:cNvGrpSpPr/>
+        <p:nvPr/>
+      </p:nvGrpSpPr>
+      <p:grpSpPr>
+        <a:xfrm>
+          <a:off x="0" y="0"/>
+          <a:ext cx="0" cy="0"/>
+          <a:chOff x="0" y="0"/>
+          <a:chExt cx="0" cy="0"/>
+        </a:xfrm>
+      </p:grpSpPr>
+      <p:sp>
+        <p:nvSpPr>
+          <p:cNvPr id="3" name="Title 2"/>
+          <p:cNvSpPr>
+            <a:spLocks noGrp="1"/>
+          </p:cNvSpPr>
+          <p:nvPr>
+            <p:ph type="title"/>
+          </p:nvPr>
+        </p:nvSpPr>
+        <p:spPr/>
+        <p:txBody>
+          <a:bodyPr/>
+          <a:lstStyle/>
+          <a:p>
+            <a:r>
+              <a:rPr lang="en-US" dirty="0" smtClean="0"/>
+              <a:t>ORM Essentials: </a:t>
+            </a:r>
+            <a:r>
+              <a:rPr lang="en-US" dirty="0" err="1" smtClean="0"/>
+              <a:t>ormReload</a:t>
+            </a:r>
+            <a:r>
+              <a:rPr lang="en-US" dirty="0" smtClean="0"/>
+              <a:t>()</a:t>
+            </a:r>
+            <a:endParaRPr lang="en-US" dirty="0"/>
+          </a:p>
+        </p:txBody>
+      </p:sp>
+      <p:sp>
+        <p:nvSpPr>
+          <p:cNvPr id="5" name="TextBox 4"/>
+          <p:cNvSpPr txBox="1"/>
+          <p:nvPr/>
+        </p:nvSpPr>
+        <p:spPr>
+          <a:xfrm>
+            <a:off x="2266950" y="5257800"/>
+            <a:ext cx="5048250" cy="646331"/>
+          </a:xfrm>
+          <a:prstGeom prst="rect">
+            <a:avLst/>
+          </a:prstGeom>
+          <a:noFill/>
+        </p:spPr>
+        <p:txBody>
+          <a:bodyPr wrap="square" rtlCol="0">
+            <a:spAutoFit/>
+          </a:bodyPr>
+          <a:lstStyle/>
+          <a:p>
+            <a:r>
+              <a:rPr lang="en-US" dirty="0" smtClean="0"/>
+              <a:t>*For this presentation, I’ll include </a:t>
+            </a:r>
+            <a:r>
+              <a:rPr lang="en-US" dirty="0" err="1" smtClean="0"/>
+              <a:t>ormReload</a:t>
+            </a:r>
+            <a:r>
+              <a:rPr lang="en-US" dirty="0" smtClean="0"/>
+              <a:t>() at the top of each page so I don’t forget to do it</a:t>
+            </a:r>
+            <a:endParaRPr lang="en-US" dirty="0"/>
+          </a:p>
+        </p:txBody>
+      </p:sp>
+      <p:pic>
+        <p:nvPicPr>
+          <p:cNvPr id="5123" name="Picture 3" descr="C:\dev\projects\wwwroot\mxunit-cfmeetups\CFObjective_ORMZen\preso\ormreload.PNG"/>
+          <p:cNvPicPr>
+            <a:picLocks noChangeAspect="1" noChangeArrowheads="1"/>
+          </p:cNvPicPr>
+          <p:nvPr/>
+        </p:nvPicPr>
+        <p:blipFill>
+          <a:blip r:embed="rId2">
+            <a:extLst>
+              <a:ext uri="{28A0092B-C50C-407E-A947-70E740481C1C}">
+                <a14:useLocalDpi xmlns:a14="http://schemas.microsoft.com/office/drawing/2010/main" val="0"/>
+              </a:ext>
+            </a:extLst>
+          </a:blip>
+          <a:srcRect/>
+          <a:stretch>
+            <a:fillRect/>
+          </a:stretch>
+        </p:blipFill>
+        <p:spPr bwMode="auto">
+          <a:xfrm>
+            <a:off x="1627188" y="2676525"/>
+            <a:ext cx="5992812" cy="2047875"/>
+          </a:xfrm>
+          <a:prstGeom prst="rect">
+            <a:avLst/>
+          </a:prstGeom>
+          <a:noFill/>
+          <a:extLst>
+            <a:ext uri="{909E8E84-426E-40DD-AFC4-6F175D3DCCD1}">
+              <a14:hiddenFill xmlns:a14="http://schemas.microsoft.com/office/drawing/2010/main">
+                <a:solidFill>
+                  <a:srgbClr val="FFFFFF"/>
+                </a:solidFill>
+              </a14:hiddenFill>
+            </a:ext>
+          </a:extLst>
+        </p:spPr>
+      </p:pic>
+    </p:spTree>
+    <p:extLst>
+      <p:ext uri="{BB962C8B-B14F-4D97-AF65-F5344CB8AC3E}">
+        <p14:creationId xmlns:p14="http://schemas.microsoft.com/office/powerpoint/2010/main" val="1171605428"/>
+      </p:ext>
+    </p:extLst>
+  </p:cSld>
+  <p:clrMapOvr>
+    <a:masterClrMapping/>
+  </p:clrMapOvr>
+  <p:timing>
+    <p:tnLst>
+      <p:par>
+        <p:cTn id="1" dur="indefinite" restart="never" nodeType="tmRoot"/>
+      </p:par>
+    </p:tnLst>
+  </p:timing>
+</p:sld>
+</file>
+
+<file path=ppt/slides/slide6.xml><?xml version="1.0" encoding="utf-8"?>
 <p:sld xmlns:a="http://schemas.openxmlformats.org/drawingml/2006/main" xmlns:r="http://schemas.openxmlformats.org/officeDocument/2006/relationships" xmlns:p="http://schemas.openxmlformats.org/presentationml/2006/main">
   <p:cSld>
     <p:spTree>
@@ -15859,7 +21784,7 @@
 </p:sld>
 </file>
 
-<file path=ppt/slides/slide6.xml><?xml version="1.0" encoding="utf-8"?>
+<file path=ppt/slides/slide7.xml><?xml version="1.0" encoding="utf-8"?>
 <p:sld xmlns:a="http://schemas.openxmlformats.org/drawingml/2006/main" xmlns:r="http://schemas.openxmlformats.org/officeDocument/2006/relationships" xmlns:p="http://schemas.openxmlformats.org/presentationml/2006/main" showMasterSp="0">
   <p:cSld>
     <p:spTree>
@@ -15954,18 +21879,6 @@
               </a:rPr>
               <a:t>ORM</a:t>
             </a:r>
-            <a:endParaRPr lang="en-US" sz="4000" dirty="0">
-              <a:solidFill>
-                <a:srgbClr val="FF0000"/>
-              </a:solidFill>
-              <a:effectLst>
-                <a:outerShdw blurRad="50800" dist="50800" dir="3000000" algn="ctr" rotWithShape="0">
-                  <a:schemeClr val="bg1">
-                    <a:lumMod val="50000"/>
-                  </a:schemeClr>
-                </a:outerShdw>
-              </a:effectLst>
-            </a:endParaRPr>
           </a:p>
         </p:txBody>
       </p:sp>
@@ -16158,7 +22071,7 @@
 </p:sld>
 </file>
 
-<file path=ppt/slides/slide7.xml><?xml version="1.0" encoding="utf-8"?>
+<file path=ppt/slides/slide8.xml><?xml version="1.0" encoding="utf-8"?>
 <p:sld xmlns:a="http://schemas.openxmlformats.org/drawingml/2006/main" xmlns:r="http://schemas.openxmlformats.org/officeDocument/2006/relationships" xmlns:p="http://schemas.openxmlformats.org/presentationml/2006/main">
   <p:cSld>
     <p:spTree>
@@ -16198,28 +22111,31 @@
           <a:p>
             <a:r>
               <a:rPr lang="en-US" dirty="0" smtClean="0"/>
-              <a:t>“Why won’t you save?”</a:t>
-            </a:r>
-          </a:p>
-          <a:p>
-            <a:r>
-              <a:rPr lang="en-US" dirty="0" smtClean="0"/>
-              <a:t>“Why did you delete 800 </a:t>
-            </a:r>
-            <a:r>
-              <a:rPr lang="en-US" dirty="0" smtClean="0"/>
-              <a:t>records…</a:t>
+              <a:t>“Why won’t you save</a:t>
+            </a:r>
+            <a:r>
+              <a:rPr lang="en-US" dirty="0" smtClean="0"/>
+              <a:t>?”</a:t>
+            </a:r>
+          </a:p>
+          <a:p>
+            <a:r>
+              <a:rPr lang="en-US" dirty="0" smtClean="0"/>
+              <a:t>“Why DID you save?”</a:t>
+            </a:r>
+            <a:endParaRPr lang="en-US" dirty="0" smtClean="0"/>
+          </a:p>
+          <a:p>
+            <a:r>
+              <a:rPr lang="en-US" dirty="0" smtClean="0"/>
+              <a:t>“Why did you delete 800 records…</a:t>
             </a:r>
             <a:br>
               <a:rPr lang="en-US" dirty="0" smtClean="0"/>
             </a:br>
             <a:r>
               <a:rPr lang="en-US" dirty="0" smtClean="0"/>
-              <a:t>              … and </a:t>
-            </a:r>
-            <a:r>
-              <a:rPr lang="en-US" dirty="0" smtClean="0"/>
-              <a:t>then insert 801?”</a:t>
+              <a:t>              … and then insert 801?”</a:t>
             </a:r>
           </a:p>
           <a:p>
@@ -16303,393 +22219,6 @@
     <p:extLst>
       <p:ext uri="{BB962C8B-B14F-4D97-AF65-F5344CB8AC3E}">
         <p14:creationId xmlns:p14="http://schemas.microsoft.com/office/powerpoint/2010/main" val="1901950440"/>
-      </p:ext>
-    </p:extLst>
-  </p:cSld>
-  <p:clrMapOvr>
-    <a:masterClrMapping/>
-  </p:clrMapOvr>
-  <p:timing>
-    <p:tnLst>
-      <p:par>
-        <p:cTn id="1" dur="indefinite" restart="never" nodeType="tmRoot">
-          <p:childTnLst>
-            <p:seq concurrent="1" nextAc="seek">
-              <p:cTn id="2" dur="indefinite" nodeType="mainSeq">
-                <p:childTnLst>
-                  <p:par>
-                    <p:cTn id="3" fill="hold">
-                      <p:stCondLst>
-                        <p:cond delay="indefinite"/>
-                      </p:stCondLst>
-                      <p:childTnLst>
-                        <p:par>
-                          <p:cTn id="4" fill="hold">
-                            <p:stCondLst>
-                              <p:cond delay="0"/>
-                            </p:stCondLst>
-                            <p:childTnLst>
-                              <p:par>
-                                <p:cTn id="5" presetID="1" presetClass="entr" presetSubtype="0" fill="hold" nodeType="clickEffect">
-                                  <p:stCondLst>
-                                    <p:cond delay="0"/>
-                                  </p:stCondLst>
-                                  <p:childTnLst>
-                                    <p:set>
-                                      <p:cBhvr>
-                                        <p:cTn id="6" dur="1" fill="hold">
-                                          <p:stCondLst>
-                                            <p:cond delay="0"/>
-                                          </p:stCondLst>
-                                        </p:cTn>
-                                        <p:tgtEl>
-                                          <p:spTgt spid="2">
-                                            <p:txEl>
-                                              <p:pRg st="0" end="0"/>
-                                            </p:txEl>
-                                          </p:spTgt>
-                                        </p:tgtEl>
-                                        <p:attrNameLst>
-                                          <p:attrName>style.visibility</p:attrName>
-                                        </p:attrNameLst>
-                                      </p:cBhvr>
-                                      <p:to>
-                                        <p:strVal val="visible"/>
-                                      </p:to>
-                                    </p:set>
-                                  </p:childTnLst>
-                                </p:cTn>
-                              </p:par>
-                            </p:childTnLst>
-                          </p:cTn>
-                        </p:par>
-                      </p:childTnLst>
-                    </p:cTn>
-                  </p:par>
-                  <p:par>
-                    <p:cTn id="7" fill="hold">
-                      <p:stCondLst>
-                        <p:cond delay="indefinite"/>
-                      </p:stCondLst>
-                      <p:childTnLst>
-                        <p:par>
-                          <p:cTn id="8" fill="hold">
-                            <p:stCondLst>
-                              <p:cond delay="0"/>
-                            </p:stCondLst>
-                            <p:childTnLst>
-                              <p:par>
-                                <p:cTn id="9" presetID="1" presetClass="entr" presetSubtype="0" fill="hold" nodeType="clickEffect">
-                                  <p:stCondLst>
-                                    <p:cond delay="0"/>
-                                  </p:stCondLst>
-                                  <p:childTnLst>
-                                    <p:set>
-                                      <p:cBhvr>
-                                        <p:cTn id="10" dur="1" fill="hold">
-                                          <p:stCondLst>
-                                            <p:cond delay="0"/>
-                                          </p:stCondLst>
-                                        </p:cTn>
-                                        <p:tgtEl>
-                                          <p:spTgt spid="2">
-                                            <p:txEl>
-                                              <p:pRg st="1" end="1"/>
-                                            </p:txEl>
-                                          </p:spTgt>
-                                        </p:tgtEl>
-                                        <p:attrNameLst>
-                                          <p:attrName>style.visibility</p:attrName>
-                                        </p:attrNameLst>
-                                      </p:cBhvr>
-                                      <p:to>
-                                        <p:strVal val="visible"/>
-                                      </p:to>
-                                    </p:set>
-                                  </p:childTnLst>
-                                </p:cTn>
-                              </p:par>
-                            </p:childTnLst>
-                          </p:cTn>
-                        </p:par>
-                      </p:childTnLst>
-                    </p:cTn>
-                  </p:par>
-                  <p:par>
-                    <p:cTn id="11" fill="hold">
-                      <p:stCondLst>
-                        <p:cond delay="indefinite"/>
-                      </p:stCondLst>
-                      <p:childTnLst>
-                        <p:par>
-                          <p:cTn id="12" fill="hold">
-                            <p:stCondLst>
-                              <p:cond delay="0"/>
-                            </p:stCondLst>
-                            <p:childTnLst>
-                              <p:par>
-                                <p:cTn id="13" presetID="1" presetClass="entr" presetSubtype="0" fill="hold" nodeType="clickEffect">
-                                  <p:stCondLst>
-                                    <p:cond delay="0"/>
-                                  </p:stCondLst>
-                                  <p:childTnLst>
-                                    <p:set>
-                                      <p:cBhvr>
-                                        <p:cTn id="14" dur="1" fill="hold">
-                                          <p:stCondLst>
-                                            <p:cond delay="0"/>
-                                          </p:stCondLst>
-                                        </p:cTn>
-                                        <p:tgtEl>
-                                          <p:spTgt spid="2">
-                                            <p:txEl>
-                                              <p:pRg st="2" end="2"/>
-                                            </p:txEl>
-                                          </p:spTgt>
-                                        </p:tgtEl>
-                                        <p:attrNameLst>
-                                          <p:attrName>style.visibility</p:attrName>
-                                        </p:attrNameLst>
-                                      </p:cBhvr>
-                                      <p:to>
-                                        <p:strVal val="visible"/>
-                                      </p:to>
-                                    </p:set>
-                                  </p:childTnLst>
-                                </p:cTn>
-                              </p:par>
-                            </p:childTnLst>
-                          </p:cTn>
-                        </p:par>
-                      </p:childTnLst>
-                    </p:cTn>
-                  </p:par>
-                  <p:par>
-                    <p:cTn id="15" fill="hold">
-                      <p:stCondLst>
-                        <p:cond delay="indefinite"/>
-                      </p:stCondLst>
-                      <p:childTnLst>
-                        <p:par>
-                          <p:cTn id="16" fill="hold">
-                            <p:stCondLst>
-                              <p:cond delay="0"/>
-                            </p:stCondLst>
-                            <p:childTnLst>
-                              <p:par>
-                                <p:cTn id="17" presetID="1" presetClass="entr" presetSubtype="0" fill="hold" nodeType="clickEffect">
-                                  <p:stCondLst>
-                                    <p:cond delay="0"/>
-                                  </p:stCondLst>
-                                  <p:childTnLst>
-                                    <p:set>
-                                      <p:cBhvr>
-                                        <p:cTn id="18" dur="1" fill="hold">
-                                          <p:stCondLst>
-                                            <p:cond delay="0"/>
-                                          </p:stCondLst>
-                                        </p:cTn>
-                                        <p:tgtEl>
-                                          <p:spTgt spid="2">
-                                            <p:txEl>
-                                              <p:pRg st="3" end="3"/>
-                                            </p:txEl>
-                                          </p:spTgt>
-                                        </p:tgtEl>
-                                        <p:attrNameLst>
-                                          <p:attrName>style.visibility</p:attrName>
-                                        </p:attrNameLst>
-                                      </p:cBhvr>
-                                      <p:to>
-                                        <p:strVal val="visible"/>
-                                      </p:to>
-                                    </p:set>
-                                  </p:childTnLst>
-                                </p:cTn>
-                              </p:par>
-                            </p:childTnLst>
-                          </p:cTn>
-                        </p:par>
-                      </p:childTnLst>
-                    </p:cTn>
-                  </p:par>
-                </p:childTnLst>
-              </p:cTn>
-              <p:prevCondLst>
-                <p:cond evt="onPrev" delay="0">
-                  <p:tgtEl>
-                    <p:sldTgt/>
-                  </p:tgtEl>
-                </p:cond>
-              </p:prevCondLst>
-              <p:nextCondLst>
-                <p:cond evt="onNext" delay="0">
-                  <p:tgtEl>
-                    <p:sldTgt/>
-                  </p:tgtEl>
-                </p:cond>
-              </p:nextCondLst>
-            </p:seq>
-          </p:childTnLst>
-        </p:cTn>
-      </p:par>
-    </p:tnLst>
-  </p:timing>
-</p:sld>
-</file>
-
-<file path=ppt/slides/slide8.xml><?xml version="1.0" encoding="utf-8"?>
-<p:sld xmlns:a="http://schemas.openxmlformats.org/drawingml/2006/main" xmlns:r="http://schemas.openxmlformats.org/officeDocument/2006/relationships" xmlns:p="http://schemas.openxmlformats.org/presentationml/2006/main">
-  <p:cSld>
-    <p:spTree>
-      <p:nvGrpSpPr>
-        <p:cNvPr id="1" name=""/>
-        <p:cNvGrpSpPr/>
-        <p:nvPr/>
-      </p:nvGrpSpPr>
-      <p:grpSpPr>
-        <a:xfrm>
-          <a:off x="0" y="0"/>
-          <a:ext cx="0" cy="0"/>
-          <a:chOff x="0" y="0"/>
-          <a:chExt cx="0" cy="0"/>
-        </a:xfrm>
-      </p:grpSpPr>
-      <p:sp>
-        <p:nvSpPr>
-          <p:cNvPr id="2" name="Content Placeholder 1"/>
-          <p:cNvSpPr>
-            <a:spLocks noGrp="1"/>
-          </p:cNvSpPr>
-          <p:nvPr>
-            <p:ph idx="1"/>
-          </p:nvPr>
-        </p:nvSpPr>
-        <p:spPr>
-          <a:xfrm>
-            <a:off x="872067" y="2209800"/>
-            <a:ext cx="7408333" cy="3916363"/>
-          </a:xfrm>
-        </p:spPr>
-        <p:txBody>
-          <a:bodyPr>
-            <a:normAutofit/>
-          </a:bodyPr>
-          <a:lstStyle/>
-          <a:p>
-            <a:r>
-              <a:rPr lang="en-US" dirty="0" smtClean="0"/>
-              <a:t>“</a:t>
-            </a:r>
-            <a:r>
-              <a:rPr lang="en-US" dirty="0"/>
-              <a:t>object references an unsaved transient instance - save the transient instance before flushing</a:t>
-            </a:r>
-            <a:r>
-              <a:rPr lang="en-US" dirty="0" smtClean="0"/>
-              <a:t>”</a:t>
-            </a:r>
-          </a:p>
-          <a:p>
-            <a:r>
-              <a:rPr lang="en-US" dirty="0" smtClean="0"/>
-              <a:t>“Cannot insert null into &lt;</a:t>
-            </a:r>
-            <a:r>
-              <a:rPr lang="en-US" dirty="0" err="1" smtClean="0"/>
-              <a:t>SomePrimaryKey</a:t>
-            </a:r>
-            <a:r>
-              <a:rPr lang="en-US" dirty="0" smtClean="0"/>
-              <a:t>&gt;…”</a:t>
-            </a:r>
-          </a:p>
-          <a:p>
-            <a:r>
-              <a:rPr lang="en-US" dirty="0" smtClean="0"/>
-              <a:t>“</a:t>
-            </a:r>
-            <a:r>
-              <a:rPr lang="en-US" dirty="0" err="1" smtClean="0"/>
-              <a:t>java.util.ConcurrentModificationException</a:t>
-            </a:r>
-            <a:r>
-              <a:rPr lang="en-US" dirty="0" smtClean="0"/>
-              <a:t>”</a:t>
-            </a:r>
-          </a:p>
-          <a:p>
-            <a:r>
-              <a:rPr lang="en-US" dirty="0" smtClean="0"/>
-              <a:t>“</a:t>
-            </a:r>
-            <a:r>
-              <a:rPr lang="en-US" i="1" dirty="0"/>
-              <a:t>failed to lazily initialize a collection of role: </a:t>
-            </a:r>
-            <a:r>
-              <a:rPr lang="en-US" i="1" dirty="0" smtClean="0"/>
-              <a:t>xxx, </a:t>
-            </a:r>
-            <a:r>
-              <a:rPr lang="en-US" i="1" dirty="0"/>
-              <a:t>no session or session was closed </a:t>
-            </a:r>
-            <a:r>
-              <a:rPr lang="en-US" dirty="0" smtClean="0"/>
-              <a:t>”</a:t>
-            </a:r>
-          </a:p>
-          <a:p>
-            <a:r>
-              <a:rPr lang="en-US" dirty="0" smtClean="0"/>
-              <a:t>“</a:t>
-            </a:r>
-            <a:r>
-              <a:rPr lang="en-US" i="1" dirty="0"/>
-              <a:t>a different object with the same identifier value was already associated with the </a:t>
-            </a:r>
-            <a:r>
-              <a:rPr lang="en-US" i="1" dirty="0" smtClean="0"/>
-              <a:t>session</a:t>
-            </a:r>
-            <a:r>
-              <a:rPr lang="en-US" dirty="0" smtClean="0"/>
-              <a:t>”</a:t>
-            </a:r>
-            <a:endParaRPr lang="en-US" dirty="0" smtClean="0"/>
-          </a:p>
-        </p:txBody>
-      </p:sp>
-      <p:sp>
-        <p:nvSpPr>
-          <p:cNvPr id="3" name="Title 2"/>
-          <p:cNvSpPr>
-            <a:spLocks noGrp="1"/>
-          </p:cNvSpPr>
-          <p:nvPr>
-            <p:ph type="title"/>
-          </p:nvPr>
-        </p:nvSpPr>
-        <p:spPr/>
-        <p:txBody>
-          <a:bodyPr>
-            <a:normAutofit fontScale="90000"/>
-          </a:bodyPr>
-          <a:lstStyle/>
-          <a:p>
-            <a:r>
-              <a:rPr lang="en-US" dirty="0" smtClean="0"/>
-              <a:t>And their less-attractive cousins…</a:t>
-            </a:r>
-            <a:endParaRPr lang="en-US" dirty="0"/>
-          </a:p>
-        </p:txBody>
-      </p:sp>
-    </p:spTree>
-    <p:extLst>
-      <p:ext uri="{BB962C8B-B14F-4D97-AF65-F5344CB8AC3E}">
-        <p14:creationId xmlns:p14="http://schemas.microsoft.com/office/powerpoint/2010/main" val="1719366627"/>
       </p:ext>
     </p:extLst>
   </p:cSld>
@@ -16991,199 +22520,140 @@
           <a:chExt cx="0" cy="0"/>
         </a:xfrm>
       </p:grpSpPr>
-      <p:pic>
-        <p:nvPicPr>
-          <p:cNvPr id="6146" name="Picture 2" descr="http://www.akomic.net/cockpit22.jpg"/>
-          <p:cNvPicPr>
-            <a:picLocks noChangeAspect="1" noChangeArrowheads="1"/>
-          </p:cNvPicPr>
-          <p:nvPr/>
-        </p:nvPicPr>
-        <p:blipFill>
-          <a:blip r:embed="rId2">
-            <a:extLst>
-              <a:ext uri="{28A0092B-C50C-407E-A947-70E740481C1C}">
-                <a14:useLocalDpi xmlns:a14="http://schemas.microsoft.com/office/drawing/2010/main" val="0"/>
-              </a:ext>
-            </a:extLst>
-          </a:blip>
-          <a:srcRect/>
-          <a:stretch>
-            <a:fillRect/>
-          </a:stretch>
-        </p:blipFill>
-        <p:spPr bwMode="auto">
-          <a:xfrm>
-            <a:off x="-25400" y="0"/>
-            <a:ext cx="9169400" cy="6877050"/>
-          </a:xfrm>
-          <a:prstGeom prst="rect">
-            <a:avLst/>
-          </a:prstGeom>
-          <a:noFill/>
-          <a:extLst>
-            <a:ext uri="{909E8E84-426E-40DD-AFC4-6F175D3DCCD1}">
-              <a14:hiddenFill xmlns:a14="http://schemas.microsoft.com/office/drawing/2010/main">
-                <a:solidFill>
-                  <a:srgbClr val="FFFFFF"/>
-                </a:solidFill>
-              </a14:hiddenFill>
-            </a:ext>
-          </a:extLst>
-        </p:spPr>
-      </p:pic>
       <p:sp>
         <p:nvSpPr>
-          <p:cNvPr id="4" name="Rectangle 3"/>
-          <p:cNvSpPr/>
-          <p:nvPr/>
+          <p:cNvPr id="2" name="Content Placeholder 1"/>
+          <p:cNvSpPr>
+            <a:spLocks noGrp="1"/>
+          </p:cNvSpPr>
+          <p:nvPr>
+            <p:ph idx="1"/>
+          </p:nvPr>
         </p:nvSpPr>
         <p:spPr>
           <a:xfrm>
-            <a:off x="5105009" y="6564868"/>
-            <a:ext cx="4038991" cy="369332"/>
+            <a:off x="872067" y="2209800"/>
+            <a:ext cx="7408333" cy="3916363"/>
           </a:xfrm>
-          <a:prstGeom prst="rect">
-            <a:avLst/>
-          </a:prstGeom>
-          <a:solidFill>
-            <a:schemeClr val="bg1"/>
-          </a:solidFill>
         </p:spPr>
         <p:txBody>
-          <a:bodyPr wrap="none">
-            <a:spAutoFit/>
+          <a:bodyPr>
+            <a:normAutofit/>
           </a:bodyPr>
           <a:lstStyle/>
           <a:p>
             <a:r>
               <a:rPr lang="en-US" dirty="0" smtClean="0"/>
-              <a:t>http://www.akomic.net/mechanical.html</a:t>
-            </a:r>
-            <a:endParaRPr lang="en-US" dirty="0"/>
+              <a:t>“</a:t>
+            </a:r>
+            <a:r>
+              <a:rPr lang="en-US" dirty="0"/>
+              <a:t>object references an unsaved transient instance - save the transient instance before flushing</a:t>
+            </a:r>
+            <a:r>
+              <a:rPr lang="en-US" dirty="0" smtClean="0"/>
+              <a:t>”</a:t>
+            </a:r>
+          </a:p>
+          <a:p>
+            <a:r>
+              <a:rPr lang="en-US" dirty="0" smtClean="0"/>
+              <a:t>“Cannot insert null into &lt;</a:t>
+            </a:r>
+            <a:r>
+              <a:rPr lang="en-US" dirty="0" err="1" smtClean="0"/>
+              <a:t>SomePrimaryKey</a:t>
+            </a:r>
+            <a:r>
+              <a:rPr lang="en-US" dirty="0" smtClean="0"/>
+              <a:t>&gt;…”</a:t>
+            </a:r>
+          </a:p>
+          <a:p>
+            <a:r>
+              <a:rPr lang="en-US" dirty="0" smtClean="0"/>
+              <a:t>“</a:t>
+            </a:r>
+            <a:r>
+              <a:rPr lang="en-US" dirty="0" err="1" smtClean="0"/>
+              <a:t>java.util.ConcurrentModificationException</a:t>
+            </a:r>
+            <a:r>
+              <a:rPr lang="en-US" dirty="0" smtClean="0"/>
+              <a:t>”</a:t>
+            </a:r>
+          </a:p>
+          <a:p>
+            <a:r>
+              <a:rPr lang="en-US" dirty="0" smtClean="0"/>
+              <a:t>“</a:t>
+            </a:r>
+            <a:r>
+              <a:rPr lang="en-US" i="1" dirty="0"/>
+              <a:t>failed to lazily initialize a collection of role: </a:t>
+            </a:r>
+            <a:r>
+              <a:rPr lang="en-US" i="1" dirty="0" smtClean="0"/>
+              <a:t>xxx, </a:t>
+            </a:r>
+            <a:r>
+              <a:rPr lang="en-US" i="1" dirty="0"/>
+              <a:t>no session or session was closed </a:t>
+            </a:r>
+            <a:r>
+              <a:rPr lang="en-US" dirty="0" smtClean="0"/>
+              <a:t>”</a:t>
+            </a:r>
+          </a:p>
+          <a:p>
+            <a:r>
+              <a:rPr lang="en-US" dirty="0" smtClean="0"/>
+              <a:t>“</a:t>
+            </a:r>
+            <a:r>
+              <a:rPr lang="en-US" i="1" dirty="0"/>
+              <a:t>a different object with the same identifier value was already associated with the </a:t>
+            </a:r>
+            <a:r>
+              <a:rPr lang="en-US" i="1" dirty="0" smtClean="0"/>
+              <a:t>session</a:t>
+            </a:r>
+            <a:r>
+              <a:rPr lang="en-US" dirty="0" smtClean="0"/>
+              <a:t>”</a:t>
+            </a:r>
           </a:p>
         </p:txBody>
       </p:sp>
-      <p:grpSp>
-        <p:nvGrpSpPr>
-          <p:cNvPr id="8" name="Group 7"/>
-          <p:cNvGrpSpPr/>
-          <p:nvPr/>
-        </p:nvGrpSpPr>
-        <p:grpSpPr>
-          <a:xfrm>
-            <a:off x="1066800" y="685800"/>
-            <a:ext cx="6705600" cy="5105400"/>
-            <a:chOff x="1066800" y="685800"/>
-            <a:chExt cx="6705600" cy="5105400"/>
-          </a:xfrm>
-        </p:grpSpPr>
-        <p:sp>
-          <p:nvSpPr>
-            <p:cNvPr id="6" name="5-Point Star 5"/>
-            <p:cNvSpPr/>
-            <p:nvPr/>
-          </p:nvSpPr>
-          <p:spPr>
-            <a:xfrm rot="10800000">
-              <a:off x="1066800" y="685800"/>
-              <a:ext cx="6705600" cy="5105400"/>
-            </a:xfrm>
-            <a:prstGeom prst="star5">
-              <a:avLst/>
-            </a:prstGeom>
-            <a:solidFill>
-              <a:srgbClr val="FF0000"/>
-            </a:solidFill>
-          </p:spPr>
-          <p:style>
-            <a:lnRef idx="2">
-              <a:schemeClr val="accent1">
-                <a:shade val="50000"/>
-              </a:schemeClr>
-            </a:lnRef>
-            <a:fillRef idx="1">
-              <a:schemeClr val="accent1"/>
-            </a:fillRef>
-            <a:effectRef idx="0">
-              <a:schemeClr val="accent1"/>
-            </a:effectRef>
-            <a:fontRef idx="minor">
-              <a:schemeClr val="lt1"/>
-            </a:fontRef>
-          </p:style>
-          <p:txBody>
-            <a:bodyPr rtlCol="0" anchor="ctr"/>
-            <a:lstStyle/>
-            <a:p>
-              <a:pPr algn="ctr"/>
-              <a:endParaRPr lang="en-US" dirty="0"/>
-            </a:p>
-          </p:txBody>
-        </p:sp>
-        <p:sp>
-          <p:nvSpPr>
-            <p:cNvPr id="7" name="TextBox 6"/>
-            <p:cNvSpPr txBox="1"/>
-            <p:nvPr/>
-          </p:nvSpPr>
-          <p:spPr>
-            <a:xfrm>
-              <a:off x="2857498" y="2286000"/>
-              <a:ext cx="3162302" cy="1415772"/>
-            </a:xfrm>
-            <a:prstGeom prst="rect">
-              <a:avLst/>
-            </a:prstGeom>
-            <a:noFill/>
-          </p:spPr>
-          <p:txBody>
-            <a:bodyPr wrap="square" rtlCol="0">
-              <a:spAutoFit/>
-            </a:bodyPr>
-            <a:lstStyle/>
-            <a:p>
-              <a:pPr algn="ctr"/>
-              <a:r>
-                <a:rPr lang="en-US" sz="7200" dirty="0" smtClean="0">
-                  <a:solidFill>
-                    <a:schemeClr val="bg1"/>
-                  </a:solidFill>
-                  <a:effectLst>
-                    <a:outerShdw blurRad="50800" dist="50800" dir="5400000" algn="ctr" rotWithShape="0">
-                      <a:schemeClr val="tx1">
-                        <a:lumMod val="50000"/>
-                        <a:lumOff val="50000"/>
-                      </a:schemeClr>
-                    </a:outerShdw>
-                  </a:effectLst>
-                </a:rPr>
-                <a:t>ORM</a:t>
-              </a:r>
-            </a:p>
-            <a:p>
-              <a:pPr algn="ctr"/>
-              <a:r>
-                <a:rPr lang="en-US" sz="1400" dirty="0" smtClean="0">
-                  <a:solidFill>
-                    <a:schemeClr val="bg1"/>
-                  </a:solidFill>
-                </a:rPr>
-                <a:t>(In Marc’s “ORM is the Devil” mindset)</a:t>
-              </a:r>
-              <a:endParaRPr lang="en-US" sz="1400" dirty="0">
-                <a:solidFill>
-                  <a:schemeClr val="bg1"/>
-                </a:solidFill>
-              </a:endParaRPr>
-            </a:p>
-          </p:txBody>
-        </p:sp>
-      </p:grpSp>
+      <p:sp>
+        <p:nvSpPr>
+          <p:cNvPr id="3" name="Title 2"/>
+          <p:cNvSpPr>
+            <a:spLocks noGrp="1"/>
+          </p:cNvSpPr>
+          <p:nvPr>
+            <p:ph type="title"/>
+          </p:nvPr>
+        </p:nvSpPr>
+        <p:spPr/>
+        <p:txBody>
+          <a:bodyPr>
+            <a:normAutofit fontScale="90000"/>
+          </a:bodyPr>
+          <a:lstStyle/>
+          <a:p>
+            <a:r>
+              <a:rPr lang="en-US" dirty="0" smtClean="0"/>
+              <a:t>And their less-attractive cousins…</a:t>
+            </a:r>
+            <a:endParaRPr lang="en-US" dirty="0"/>
+          </a:p>
+        </p:txBody>
+      </p:sp>
     </p:spTree>
     <p:extLst>
       <p:ext uri="{BB962C8B-B14F-4D97-AF65-F5344CB8AC3E}">
-        <p14:creationId xmlns:p14="http://schemas.microsoft.com/office/powerpoint/2010/main" val="3954901659"/>
+        <p14:creationId xmlns:p14="http://schemas.microsoft.com/office/powerpoint/2010/main" val="1719366627"/>
       </p:ext>
     </p:extLst>
   </p:cSld>
@@ -17211,7 +22681,7 @@
                             </p:stCondLst>
                             <p:childTnLst>
                               <p:par>
-                                <p:cTn id="5" presetID="6" presetClass="entr" presetSubtype="16" fill="hold" nodeType="clickEffect">
+                                <p:cTn id="5" presetID="1" presetClass="entr" presetSubtype="0" fill="hold" nodeType="clickEffect">
                                   <p:stCondLst>
                                     <p:cond delay="0"/>
                                   </p:stCondLst>
@@ -17224,7 +22694,11 @@
                                           </p:stCondLst>
                                         </p:cTn>
                                         <p:tgtEl>
-                                          <p:spTgt spid="8"/>
+                                          <p:spTgt spid="2">
+                                            <p:txEl>
+                                              <p:pRg st="0" end="0"/>
+                                            </p:txEl>
+                                          </p:spTgt>
                                         </p:tgtEl>
                                         <p:attrNameLst>
                                           <p:attrName>style.visibility</p:attrName>
@@ -17234,14 +22708,202 @@
                                         <p:strVal val="visible"/>
                                       </p:to>
                                     </p:set>
-                                    <p:animEffect transition="in" filter="circle(in)">
+                                  </p:childTnLst>
+                                </p:cTn>
+                              </p:par>
+                            </p:childTnLst>
+                          </p:cTn>
+                        </p:par>
+                      </p:childTnLst>
+                    </p:cTn>
+                  </p:par>
+                  <p:par>
+                    <p:cTn id="7" fill="hold">
+                      <p:stCondLst>
+                        <p:cond delay="indefinite"/>
+                      </p:stCondLst>
+                      <p:childTnLst>
+                        <p:par>
+                          <p:cTn id="8" fill="hold">
+                            <p:stCondLst>
+                              <p:cond delay="0"/>
+                            </p:stCondLst>
+                            <p:childTnLst>
+                              <p:par>
+                                <p:cTn id="9" presetID="1" presetClass="entr" presetSubtype="0" fill="hold" nodeType="clickEffect">
+                                  <p:stCondLst>
+                                    <p:cond delay="0"/>
+                                  </p:stCondLst>
+                                  <p:childTnLst>
+                                    <p:set>
                                       <p:cBhvr>
-                                        <p:cTn id="7" dur="2000"/>
+                                        <p:cTn id="10" dur="1" fill="hold">
+                                          <p:stCondLst>
+                                            <p:cond delay="0"/>
+                                          </p:stCondLst>
+                                        </p:cTn>
                                         <p:tgtEl>
-                                          <p:spTgt spid="8"/>
+                                          <p:spTgt spid="2">
+                                            <p:txEl>
+                                              <p:pRg st="1" end="1"/>
+                                            </p:txEl>
+                                          </p:spTgt>
                                         </p:tgtEl>
+                                        <p:attrNameLst>
+                                          <p:attrName>style.visibility</p:attrName>
+                                        </p:attrNameLst>
                                       </p:cBhvr>
-                                    </p:animEffect>
+                                      <p:to>
+                                        <p:strVal val="visible"/>
+                                      </p:to>
+                                    </p:set>
+                                  </p:childTnLst>
+                                </p:cTn>
+                              </p:par>
+                            </p:childTnLst>
+                          </p:cTn>
+                        </p:par>
+                      </p:childTnLst>
+                    </p:cTn>
+                  </p:par>
+                  <p:par>
+                    <p:cTn id="11" fill="hold">
+                      <p:stCondLst>
+                        <p:cond delay="indefinite"/>
+                      </p:stCondLst>
+                      <p:childTnLst>
+                        <p:par>
+                          <p:cTn id="12" fill="hold">
+                            <p:stCondLst>
+                              <p:cond delay="0"/>
+                            </p:stCondLst>
+                            <p:childTnLst>
+                              <p:par>
+                                <p:cTn id="13" presetID="1" presetClass="entr" presetSubtype="0" fill="hold" nodeType="clickEffect">
+                                  <p:stCondLst>
+                                    <p:cond delay="0"/>
+                                  </p:stCondLst>
+                                  <p:childTnLst>
+                                    <p:set>
+                                      <p:cBhvr>
+                                        <p:cTn id="14" dur="1" fill="hold">
+                                          <p:stCondLst>
+                                            <p:cond delay="0"/>
+                                          </p:stCondLst>
+                                        </p:cTn>
+                                        <p:tgtEl>
+                                          <p:spTgt spid="2">
+                                            <p:txEl>
+                                              <p:pRg st="2" end="2"/>
+                                            </p:txEl>
+                                          </p:spTgt>
+                                        </p:tgtEl>
+                                        <p:attrNameLst>
+                                          <p:attrName>style.visibility</p:attrName>
+                                        </p:attrNameLst>
+                                      </p:cBhvr>
+                                      <p:to>
+                                        <p:strVal val="visible"/>
+                                      </p:to>
+                                    </p:set>
+                                  </p:childTnLst>
+                                </p:cTn>
+                              </p:par>
+                            </p:childTnLst>
+                          </p:cTn>
+                        </p:par>
+                      </p:childTnLst>
+                    </p:cTn>
+                  </p:par>
+                  <p:par>
+                    <p:cTn id="15" fill="hold">
+                      <p:stCondLst>
+                        <p:cond delay="indefinite"/>
+                      </p:stCondLst>
+                      <p:childTnLst>
+                        <p:par>
+                          <p:cTn id="16" fill="hold">
+                            <p:stCondLst>
+                              <p:cond delay="0"/>
+                            </p:stCondLst>
+                            <p:childTnLst>
+                              <p:par>
+                                <p:cTn id="17" presetID="1" presetClass="entr" presetSubtype="0" fill="hold" nodeType="clickEffect">
+                                  <p:stCondLst>
+                                    <p:cond delay="0"/>
+                                  </p:stCondLst>
+                                  <p:childTnLst>
+                                    <p:set>
+                                      <p:cBhvr>
+                                        <p:cTn id="18" dur="1" fill="hold">
+                                          <p:stCondLst>
+                                            <p:cond delay="0"/>
+                                          </p:stCondLst>
+                                        </p:cTn>
+                                        <p:tgtEl>
+                                          <p:spTgt spid="2">
+                                            <p:txEl>
+                                              <p:pRg st="3" end="3"/>
+                                            </p:txEl>
+                                          </p:spTgt>
+                                        </p:tgtEl>
+                                        <p:attrNameLst>
+                                          <p:attrName>style.visibility</p:attrName>
+                                        </p:attrNameLst>
+                                      </p:cBhvr>
+                                      <p:to>
+                                        <p:strVal val="visible"/>
+                                      </p:to>
+                                    </p:set>
+                                  </p:childTnLst>
+                                </p:cTn>
+                              </p:par>
+                            </p:childTnLst>
+                          </p:cTn>
+                        </p:par>
+                      </p:childTnLst>
+                    </p:cTn>
+                  </p:par>
+                  <p:par>
+                    <p:cTn id="19" fill="hold">
+                      <p:stCondLst>
+                        <p:cond delay="indefinite"/>
+                      </p:stCondLst>
+                      <p:childTnLst>
+                        <p:par>
+                          <p:cTn id="20" fill="hold">
+                            <p:stCondLst>
+                              <p:cond delay="0"/>
+                            </p:stCondLst>
+                            <p:childTnLst>
+                              <p:par>
+                                <p:cTn id="21" presetID="1" presetClass="entr" presetSubtype="0" fill="hold" nodeType="clickEffect">
+                                  <p:stCondLst>
+                                    <p:cond delay="0"/>
+                                  </p:stCondLst>
+                                  <p:childTnLst>
+                                    <p:set>
+                                      <p:cBhvr>
+                                        <p:cTn id="22" dur="1" fill="hold">
+                                          <p:stCondLst>
+                                            <p:cond delay="0"/>
+                                          </p:stCondLst>
+                                        </p:cTn>
+                                        <p:tgtEl>
+                                          <p:spTgt spid="2">
+                                            <p:txEl>
+                                              <p:pRg st="4" end="4"/>
+                                            </p:txEl>
+                                          </p:spTgt>
+                                        </p:tgtEl>
+                                        <p:attrNameLst>
+                                          <p:attrName>style.visibility</p:attrName>
+                                        </p:attrNameLst>
+                                      </p:cBhvr>
+                                      <p:to>
+                                        <p:strVal val="visible"/>
+                                      </p:to>
+                                    </p:set>
                                   </p:childTnLst>
                                 </p:cTn>
                               </p:par>

--- a/CFObjective_ORMZen/preso/orm_zen.ppt.pptx
+++ b/CFObjective_ORMZen/preso/orm_zen.ppt.pptx
@@ -19584,7 +19584,7 @@
           <a:p>
             <a:pPr lvl="1"/>
             <a:r>
-              <a:rPr lang="en-US" dirty="0" smtClean="0"/>
+              <a:rPr lang="en-US" b="1" dirty="0" smtClean="0"/>
               <a:t>Need cascade=“all” on the one-to-many property</a:t>
             </a:r>
           </a:p>
@@ -19601,15 +19601,15 @@
           <a:p>
             <a:pPr lvl="1"/>
             <a:r>
-              <a:rPr lang="en-US" dirty="0"/>
+              <a:rPr lang="en-US" b="1" dirty="0"/>
               <a:t>Need cascade=“</a:t>
             </a:r>
             <a:r>
-              <a:rPr lang="en-US" dirty="0" smtClean="0"/>
+              <a:rPr lang="en-US" b="1" dirty="0" smtClean="0"/>
               <a:t>all-delete-orphan” </a:t>
             </a:r>
             <a:r>
-              <a:rPr lang="en-US" dirty="0"/>
+              <a:rPr lang="en-US" b="1" dirty="0"/>
               <a:t>on the one-to-many property</a:t>
             </a:r>
           </a:p>
@@ -19642,17 +19642,17 @@
           <a:p>
             <a:pPr lvl="1"/>
             <a:r>
-              <a:rPr lang="en-US" dirty="0" smtClean="0"/>
+              <a:rPr lang="en-US" b="1" dirty="0" smtClean="0"/>
               <a:t>Nope. Need a “Join Entity” which comprises both of the Foreign Key entities plus the additional data you wish to store</a:t>
             </a:r>
           </a:p>
           <a:p>
             <a:pPr lvl="1"/>
             <a:r>
-              <a:rPr lang="en-US" dirty="0" smtClean="0"/>
+              <a:rPr lang="en-US" b="1" dirty="0" smtClean="0"/>
               <a:t>Then, you simply one-to-many on that Join Entity</a:t>
             </a:r>
-            <a:endParaRPr lang="en-US" dirty="0"/>
+            <a:endParaRPr lang="en-US" b="1" dirty="0"/>
           </a:p>
         </p:txBody>
       </p:sp>

--- a/CFObjective_ORMZen/preso/orm_zen.ppt.pptx
+++ b/CFObjective_ORMZen/preso/orm_zen.ppt.pptx
@@ -42,20 +42,27 @@
     <p:sldId id="290" r:id="rId36"/>
     <p:sldId id="289" r:id="rId37"/>
     <p:sldId id="291" r:id="rId38"/>
-    <p:sldId id="292" r:id="rId39"/>
-    <p:sldId id="301" r:id="rId40"/>
-    <p:sldId id="302" r:id="rId41"/>
-    <p:sldId id="303" r:id="rId42"/>
-    <p:sldId id="315" r:id="rId43"/>
-    <p:sldId id="312" r:id="rId44"/>
-    <p:sldId id="304" r:id="rId45"/>
-    <p:sldId id="305" r:id="rId46"/>
-    <p:sldId id="306" r:id="rId47"/>
-    <p:sldId id="307" r:id="rId48"/>
-    <p:sldId id="308" r:id="rId49"/>
-    <p:sldId id="309" r:id="rId50"/>
-    <p:sldId id="310" r:id="rId51"/>
-    <p:sldId id="311" r:id="rId52"/>
+    <p:sldId id="301" r:id="rId39"/>
+    <p:sldId id="302" r:id="rId40"/>
+    <p:sldId id="303" r:id="rId41"/>
+    <p:sldId id="316" r:id="rId42"/>
+    <p:sldId id="317" r:id="rId43"/>
+    <p:sldId id="318" r:id="rId44"/>
+    <p:sldId id="319" r:id="rId45"/>
+    <p:sldId id="320" r:id="rId46"/>
+    <p:sldId id="321" r:id="rId47"/>
+    <p:sldId id="322" r:id="rId48"/>
+    <p:sldId id="323" r:id="rId49"/>
+    <p:sldId id="315" r:id="rId50"/>
+    <p:sldId id="312" r:id="rId51"/>
+    <p:sldId id="304" r:id="rId52"/>
+    <p:sldId id="305" r:id="rId53"/>
+    <p:sldId id="306" r:id="rId54"/>
+    <p:sldId id="307" r:id="rId55"/>
+    <p:sldId id="308" r:id="rId56"/>
+    <p:sldId id="309" r:id="rId57"/>
+    <p:sldId id="310" r:id="rId58"/>
+    <p:sldId id="311" r:id="rId59"/>
   </p:sldIdLst>
   <p:sldSz cx="9144000" cy="6858000" type="screen4x3"/>
   <p:notesSz cx="6858000" cy="9144000"/>
@@ -1969,7 +1976,7 @@
           <a:p>
             <a:fld id="{8D079CED-E0C8-4B3D-AB1E-914A2D354D81}" type="datetimeFigureOut">
               <a:rPr lang="en-US" smtClean="0"/>
-              <a:t>3/13/2011</a:t>
+              <a:t>3/15/2011</a:t>
             </a:fld>
             <a:endParaRPr lang="en-US"/>
           </a:p>
@@ -2150,7 +2157,7 @@
           <a:p>
             <a:fld id="{8D079CED-E0C8-4B3D-AB1E-914A2D354D81}" type="datetimeFigureOut">
               <a:rPr lang="en-US" smtClean="0"/>
-              <a:t>3/13/2011</a:t>
+              <a:t>3/15/2011</a:t>
             </a:fld>
             <a:endParaRPr lang="en-US"/>
           </a:p>
@@ -2301,7 +2308,7 @@
           <a:p>
             <a:fld id="{8D079CED-E0C8-4B3D-AB1E-914A2D354D81}" type="datetimeFigureOut">
               <a:rPr lang="en-US" smtClean="0"/>
-              <a:t>3/13/2011</a:t>
+              <a:t>3/15/2011</a:t>
             </a:fld>
             <a:endParaRPr lang="en-US"/>
           </a:p>
@@ -4127,7 +4134,7 @@
           <a:p>
             <a:fld id="{8D079CED-E0C8-4B3D-AB1E-914A2D354D81}" type="datetimeFigureOut">
               <a:rPr lang="en-US" smtClean="0"/>
-              <a:t>3/13/2011</a:t>
+              <a:t>3/15/2011</a:t>
             </a:fld>
             <a:endParaRPr lang="en-US"/>
           </a:p>
@@ -5997,7 +6004,7 @@
           <a:p>
             <a:fld id="{8D079CED-E0C8-4B3D-AB1E-914A2D354D81}" type="datetimeFigureOut">
               <a:rPr lang="en-US" smtClean="0"/>
-              <a:t>3/13/2011</a:t>
+              <a:t>3/15/2011</a:t>
             </a:fld>
             <a:endParaRPr lang="en-US"/>
           </a:p>
@@ -6110,7 +6117,7 @@
           <a:p>
             <a:fld id="{8D079CED-E0C8-4B3D-AB1E-914A2D354D81}" type="datetimeFigureOut">
               <a:rPr lang="en-US" smtClean="0"/>
-              <a:t>3/13/2011</a:t>
+              <a:t>3/15/2011</a:t>
             </a:fld>
             <a:endParaRPr lang="en-US"/>
           </a:p>
@@ -6651,7 +6658,7 @@
           <a:p>
             <a:fld id="{8D079CED-E0C8-4B3D-AB1E-914A2D354D81}" type="datetimeFigureOut">
               <a:rPr lang="en-US" smtClean="0"/>
-              <a:t>3/13/2011</a:t>
+              <a:t>3/15/2011</a:t>
             </a:fld>
             <a:endParaRPr lang="en-US"/>
           </a:p>
@@ -6764,7 +6771,7 @@
           <a:p>
             <a:fld id="{8D079CED-E0C8-4B3D-AB1E-914A2D354D81}" type="datetimeFigureOut">
               <a:rPr lang="en-US" smtClean="0"/>
-              <a:t>3/13/2011</a:t>
+              <a:t>3/15/2011</a:t>
             </a:fld>
             <a:endParaRPr lang="en-US"/>
           </a:p>
@@ -8475,7 +8482,7 @@
           <a:p>
             <a:fld id="{8D079CED-E0C8-4B3D-AB1E-914A2D354D81}" type="datetimeFigureOut">
               <a:rPr lang="en-US" smtClean="0"/>
-              <a:t>3/13/2011</a:t>
+              <a:t>3/15/2011</a:t>
             </a:fld>
             <a:endParaRPr lang="en-US"/>
           </a:p>
@@ -8626,7 +8633,7 @@
           <a:p>
             <a:fld id="{8D079CED-E0C8-4B3D-AB1E-914A2D354D81}" type="datetimeFigureOut">
               <a:rPr lang="en-US" smtClean="0"/>
-              <a:t>3/13/2011</a:t>
+              <a:t>3/15/2011</a:t>
             </a:fld>
             <a:endParaRPr lang="en-US"/>
           </a:p>
@@ -12241,7 +12248,7 @@
           <a:p>
             <a:fld id="{8D079CED-E0C8-4B3D-AB1E-914A2D354D81}" type="datetimeFigureOut">
               <a:rPr lang="en-US" smtClean="0"/>
-              <a:t>3/13/2011</a:t>
+              <a:t>3/15/2011</a:t>
             </a:fld>
             <a:endParaRPr lang="en-US"/>
           </a:p>
@@ -14100,7 +14107,7 @@
           <a:p>
             <a:fld id="{8D079CED-E0C8-4B3D-AB1E-914A2D354D81}" type="datetimeFigureOut">
               <a:rPr lang="en-US" smtClean="0"/>
-              <a:t>3/13/2011</a:t>
+              <a:t>3/15/2011</a:t>
             </a:fld>
             <a:endParaRPr lang="en-US"/>
           </a:p>
@@ -14683,11 +14690,7 @@
             </a:r>
             <a:r>
               <a:rPr lang="en-US" sz="4600" dirty="0" smtClean="0"/>
-              <a:t>() </a:t>
-            </a:r>
-            <a:r>
-              <a:rPr lang="en-US" sz="4600" dirty="0" smtClean="0"/>
-              <a:t>2011</a:t>
+              <a:t>() 2011</a:t>
             </a:r>
           </a:p>
           <a:p>
@@ -14698,7 +14701,6 @@
               <a:rPr lang="en-US" sz="3500" b="1" dirty="0"/>
               <a:t>http://bit.ly/cformzen</a:t>
             </a:r>
-            <a:endParaRPr lang="en-US" sz="3500" b="1" dirty="0"/>
           </a:p>
         </p:txBody>
       </p:sp>
@@ -15724,7 +15726,6 @@
               <a:rPr lang="en-US" b="1" dirty="0" smtClean="0"/>
               <a:t> ORM Settings -- Control the Session Flush</a:t>
             </a:r>
-            <a:endParaRPr lang="en-US" b="1" dirty="0" smtClean="0"/>
           </a:p>
           <a:p>
             <a:pPr marL="457200" indent="-457200">
@@ -15753,16 +15754,9 @@
             </a:pPr>
             <a:r>
               <a:rPr lang="en-US" dirty="0" smtClean="0"/>
-              <a:t>One-to-Many: </a:t>
-            </a:r>
-            <a:r>
-              <a:rPr lang="en-US" dirty="0" err="1" smtClean="0"/>
-              <a:t>linktables</a:t>
-            </a:r>
-            <a:r>
-              <a:rPr lang="en-US" dirty="0" smtClean="0"/>
-              <a:t> and cascades</a:t>
-            </a:r>
+              <a:t>One-to-Many: Adding to Collections</a:t>
+            </a:r>
+            <a:endParaRPr lang="en-US" dirty="0" smtClean="0"/>
           </a:p>
           <a:p>
             <a:pPr marL="457200" indent="-457200">
@@ -15781,8 +15775,9 @@
             </a:pPr>
             <a:r>
               <a:rPr lang="en-US" dirty="0" smtClean="0"/>
-              <a:t>One-to-Many: deleting things</a:t>
-            </a:r>
+              <a:t>One-to-Many: Deleting from Collections</a:t>
+            </a:r>
+            <a:endParaRPr lang="en-US" dirty="0" smtClean="0"/>
           </a:p>
           <a:p>
             <a:pPr marL="457200" indent="-457200">
@@ -16444,7 +16439,6 @@
               <a:rPr lang="en-US" b="1" dirty="0" smtClean="0"/>
               <a:t> ORM Settings -- Control the Session Flush</a:t>
             </a:r>
-            <a:endParaRPr lang="en-US" b="1" dirty="0" smtClean="0"/>
           </a:p>
           <a:p>
             <a:pPr marL="457200" indent="-457200">
@@ -16473,16 +16467,9 @@
             </a:pPr>
             <a:r>
               <a:rPr lang="en-US" dirty="0" smtClean="0"/>
-              <a:t>One-to-Many: </a:t>
-            </a:r>
-            <a:r>
-              <a:rPr lang="en-US" dirty="0" err="1" smtClean="0"/>
-              <a:t>linktables</a:t>
-            </a:r>
-            <a:r>
-              <a:rPr lang="en-US" dirty="0" smtClean="0"/>
-              <a:t> and cascades</a:t>
-            </a:r>
+              <a:t>One-to-Many: Adding to Collections</a:t>
+            </a:r>
+            <a:endParaRPr lang="en-US" dirty="0" smtClean="0"/>
           </a:p>
           <a:p>
             <a:pPr marL="457200" indent="-457200">
@@ -16501,8 +16488,9 @@
             </a:pPr>
             <a:r>
               <a:rPr lang="en-US" dirty="0" smtClean="0"/>
-              <a:t>One-to-Many: deleting things</a:t>
-            </a:r>
+              <a:t>One-to-Many: Deleting from Collections</a:t>
+            </a:r>
+            <a:endParaRPr lang="en-US" dirty="0" smtClean="0"/>
           </a:p>
           <a:p>
             <a:pPr marL="457200" indent="-457200">
@@ -17287,7 +17275,6 @@
               <a:rPr lang="en-US" dirty="0" smtClean="0"/>
               <a:t> ORM Settings -- Control the Session Flush</a:t>
             </a:r>
-            <a:endParaRPr lang="en-US" dirty="0" smtClean="0"/>
           </a:p>
           <a:p>
             <a:pPr marL="457200" indent="-457200">
@@ -17316,16 +17303,9 @@
             </a:pPr>
             <a:r>
               <a:rPr lang="en-US" dirty="0" smtClean="0"/>
-              <a:t>One-to-Many: </a:t>
-            </a:r>
-            <a:r>
-              <a:rPr lang="en-US" dirty="0" err="1" smtClean="0"/>
-              <a:t>linktables</a:t>
-            </a:r>
-            <a:r>
-              <a:rPr lang="en-US" dirty="0" smtClean="0"/>
-              <a:t> and cascades</a:t>
-            </a:r>
+              <a:t>One-to-Many: Adding to Collections</a:t>
+            </a:r>
+            <a:endParaRPr lang="en-US" dirty="0" smtClean="0"/>
           </a:p>
           <a:p>
             <a:pPr marL="457200" indent="-457200">
@@ -17344,8 +17324,9 @@
             </a:pPr>
             <a:r>
               <a:rPr lang="en-US" dirty="0" smtClean="0"/>
-              <a:t>One-to-Many: deleting things</a:t>
-            </a:r>
+              <a:t>One-to-Many: Deleting from Collections</a:t>
+            </a:r>
+            <a:endParaRPr lang="en-US" dirty="0" smtClean="0"/>
           </a:p>
           <a:p>
             <a:pPr marL="457200" indent="-457200">
@@ -17441,12 +17422,33 @@
           <a:lstStyle/>
           <a:p>
             <a:r>
+              <a:rPr lang="en-US" dirty="0" smtClean="0"/>
+              <a:t>How do I </a:t>
+            </a:r>
+            <a:r>
+              <a:rPr lang="en-US" b="1" dirty="0" smtClean="0"/>
+              <a:t>unset</a:t>
+            </a:r>
+            <a:r>
+              <a:rPr lang="en-US" dirty="0" smtClean="0"/>
+              <a:t> a many-to-one relationship?</a:t>
+            </a:r>
+          </a:p>
+          <a:p>
+            <a:endParaRPr lang="en-US" dirty="0" smtClean="0"/>
+          </a:p>
+          <a:p>
+            <a:r>
               <a:rPr lang="en-US" dirty="0" err="1" smtClean="0"/>
               <a:t>CFDump</a:t>
             </a:r>
             <a:r>
               <a:rPr lang="en-US" dirty="0" smtClean="0"/>
-              <a:t> just got </a:t>
+              <a:t> </a:t>
+            </a:r>
+            <a:r>
+              <a:rPr lang="en-US" dirty="0" smtClean="0"/>
+              <a:t>just got </a:t>
             </a:r>
             <a:r>
               <a:rPr lang="en-US" dirty="0" err="1" smtClean="0"/>
@@ -18064,17 +18066,54 @@
         </p:spPr>
         <p:txBody>
           <a:bodyPr>
-            <a:normAutofit/>
+            <a:normAutofit fontScale="92500" lnSpcReduction="20000"/>
           </a:bodyPr>
           <a:lstStyle/>
           <a:p>
             <a:r>
+              <a:rPr lang="en-US" dirty="0" smtClean="0"/>
+              <a:t>How do I </a:t>
+            </a:r>
+            <a:r>
+              <a:rPr lang="en-US" b="1" dirty="0" smtClean="0"/>
+              <a:t>unset</a:t>
+            </a:r>
+            <a:r>
+              <a:rPr lang="en-US" dirty="0" smtClean="0"/>
+              <a:t> a many-to-one value?</a:t>
+            </a:r>
+          </a:p>
+          <a:p>
+            <a:pPr lvl="1"/>
+            <a:r>
+              <a:rPr lang="en-US" dirty="0" smtClean="0"/>
+              <a:t>setMyM2OProperty( </a:t>
+            </a:r>
+            <a:r>
+              <a:rPr lang="en-US" dirty="0" err="1" smtClean="0"/>
+              <a:t>javacast</a:t>
+            </a:r>
+            <a:r>
+              <a:rPr lang="en-US" dirty="0" smtClean="0"/>
+              <a:t>(“null”,”) );</a:t>
+            </a:r>
+          </a:p>
+          <a:p>
+            <a:pPr lvl="1"/>
+            <a:endParaRPr lang="en-US" dirty="0" smtClean="0"/>
+          </a:p>
+          <a:p>
+            <a:r>
               <a:rPr lang="en-US" dirty="0" err="1" smtClean="0"/>
               <a:t>CFDump</a:t>
             </a:r>
             <a:r>
               <a:rPr lang="en-US" dirty="0" smtClean="0"/>
-              <a:t> just got </a:t>
+              <a:t> </a:t>
+            </a:r>
+            <a:r>
+              <a:rPr lang="en-US" dirty="0" smtClean="0"/>
+              <a:t>just got </a:t>
             </a:r>
             <a:r>
               <a:rPr lang="en-US" dirty="0" err="1" smtClean="0"/>
@@ -18158,7 +18197,6 @@
             <a:endParaRPr lang="en-US" dirty="0" smtClean="0"/>
           </a:p>
           <a:p>
-            <a:pPr lvl="1"/>
             <a:r>
               <a:rPr lang="en-US" dirty="0" smtClean="0"/>
               <a:t>How </a:t>
@@ -18287,7 +18325,6 @@
               <a:rPr lang="en-US" dirty="0" smtClean="0"/>
               <a:t> ORM Settings -- Control the Session Flush</a:t>
             </a:r>
-            <a:endParaRPr lang="en-US" dirty="0" smtClean="0"/>
           </a:p>
           <a:p>
             <a:pPr marL="457200" indent="-457200">
@@ -18316,16 +18353,9 @@
             </a:pPr>
             <a:r>
               <a:rPr lang="en-US" dirty="0" smtClean="0"/>
-              <a:t>One-to-Many: </a:t>
-            </a:r>
-            <a:r>
-              <a:rPr lang="en-US" dirty="0" err="1" smtClean="0"/>
-              <a:t>linktables</a:t>
-            </a:r>
-            <a:r>
-              <a:rPr lang="en-US" dirty="0" smtClean="0"/>
-              <a:t> and cascades</a:t>
-            </a:r>
+              <a:t>One-to-Many: Adding to Collections</a:t>
+            </a:r>
+            <a:endParaRPr lang="en-US" dirty="0" smtClean="0"/>
           </a:p>
           <a:p>
             <a:pPr marL="457200" indent="-457200">
@@ -18344,8 +18374,9 @@
             </a:pPr>
             <a:r>
               <a:rPr lang="en-US" dirty="0" smtClean="0"/>
-              <a:t>One-to-Many: deleting things</a:t>
-            </a:r>
+              <a:t>One-to-Many: Deleting from Collections</a:t>
+            </a:r>
+            <a:endParaRPr lang="en-US" dirty="0" smtClean="0"/>
           </a:p>
           <a:p>
             <a:pPr marL="457200" indent="-457200">
@@ -18573,7 +18604,19 @@
           <a:p>
             <a:r>
               <a:rPr lang="en-US" dirty="0" smtClean="0"/>
-              <a:t>Databases have no concept of bi-di </a:t>
+              <a:t>Database </a:t>
+            </a:r>
+            <a:r>
+              <a:rPr lang="en-US" b="1" dirty="0" smtClean="0"/>
+              <a:t>schemas </a:t>
+            </a:r>
+            <a:r>
+              <a:rPr lang="en-US" dirty="0" smtClean="0"/>
+              <a:t>have </a:t>
+            </a:r>
+            <a:r>
+              <a:rPr lang="en-US" dirty="0" smtClean="0"/>
+              <a:t>no concept of bi-di </a:t>
             </a:r>
           </a:p>
           <a:p>
@@ -18989,7 +19032,6 @@
               <a:rPr lang="en-US" dirty="0" smtClean="0"/>
               <a:t> ORM Settings -- Control the Session Flush</a:t>
             </a:r>
-            <a:endParaRPr lang="en-US" dirty="0" smtClean="0"/>
           </a:p>
           <a:p>
             <a:pPr marL="457200" indent="-457200">
@@ -19018,16 +19060,9 @@
             </a:pPr>
             <a:r>
               <a:rPr lang="en-US" b="1" dirty="0" smtClean="0"/>
-              <a:t>One-to-Many: </a:t>
-            </a:r>
-            <a:r>
-              <a:rPr lang="en-US" b="1" dirty="0" err="1" smtClean="0"/>
-              <a:t>linktables</a:t>
-            </a:r>
-            <a:r>
-              <a:rPr lang="en-US" b="1" dirty="0" smtClean="0"/>
-              <a:t> and cascades</a:t>
-            </a:r>
+              <a:t>One-to-Many: Adding to Collections</a:t>
+            </a:r>
+            <a:endParaRPr lang="en-US" b="1" dirty="0" smtClean="0"/>
           </a:p>
           <a:p>
             <a:pPr marL="457200" indent="-457200">
@@ -19046,8 +19081,9 @@
             </a:pPr>
             <a:r>
               <a:rPr lang="en-US" dirty="0" smtClean="0"/>
-              <a:t>One-to-Many: deleting things</a:t>
-            </a:r>
+              <a:t>One-to-Many: Deleting from Collections</a:t>
+            </a:r>
+            <a:endParaRPr lang="en-US" dirty="0" smtClean="0"/>
           </a:p>
           <a:p>
             <a:pPr marL="457200" indent="-457200">
@@ -19132,14 +19168,31 @@
             <p:ph idx="1"/>
           </p:nvPr>
         </p:nvSpPr>
-        <p:spPr/>
+        <p:spPr>
+          <a:xfrm>
+            <a:off x="380999" y="2362200"/>
+            <a:ext cx="8534401" cy="3763963"/>
+          </a:xfrm>
+        </p:spPr>
         <p:txBody>
           <a:bodyPr/>
           <a:lstStyle/>
           <a:p>
             <a:r>
               <a:rPr lang="en-US" dirty="0" smtClean="0"/>
-              <a:t>Much more useful bi-di relationships usually exist in the context of join tables (</a:t>
+              <a:t>When I add an object to a one-to-many collection, it won’t save</a:t>
+            </a:r>
+          </a:p>
+          <a:p>
+            <a:r>
+              <a:rPr lang="en-US" dirty="0" smtClean="0"/>
+              <a:t>When I delete an object from a one-to-many collection, I get “null” errors</a:t>
+            </a:r>
+          </a:p>
+          <a:p>
+            <a:r>
+              <a:rPr lang="en-US" dirty="0" smtClean="0"/>
+              <a:t>My join table (</a:t>
             </a:r>
             <a:r>
               <a:rPr lang="en-US" dirty="0" err="1" smtClean="0"/>
@@ -19147,13 +19200,15 @@
             </a:r>
             <a:r>
               <a:rPr lang="en-US" dirty="0" smtClean="0"/>
-              <a:t>)</a:t>
-            </a:r>
-          </a:p>
-          <a:p>
-            <a:r>
-              <a:rPr lang="en-US" dirty="0" smtClean="0"/>
-              <a:t>A bit more complex</a:t>
+              <a:t>) has more data than just two Foreign Keys… can I still use “</a:t>
+            </a:r>
+            <a:r>
+              <a:rPr lang="en-US" dirty="0" err="1" smtClean="0"/>
+              <a:t>linktable</a:t>
+            </a:r>
+            <a:r>
+              <a:rPr lang="en-US" dirty="0" smtClean="0"/>
+              <a:t>”?</a:t>
             </a:r>
             <a:endParaRPr lang="en-US" dirty="0"/>
           </a:p>
@@ -19171,25 +19226,12 @@
         </p:nvSpPr>
         <p:spPr/>
         <p:txBody>
-          <a:bodyPr>
-            <a:normAutofit fontScale="90000"/>
-          </a:bodyPr>
+          <a:bodyPr/>
           <a:lstStyle/>
           <a:p>
             <a:r>
               <a:rPr lang="en-US" dirty="0" smtClean="0"/>
-              <a:t>One-to-Many:</a:t>
-            </a:r>
-            <a:br>
-              <a:rPr lang="en-US" dirty="0" smtClean="0"/>
-            </a:br>
-            <a:r>
-              <a:rPr lang="en-US" dirty="0" err="1" smtClean="0"/>
-              <a:t>Linktables</a:t>
-            </a:r>
-            <a:r>
-              <a:rPr lang="en-US" dirty="0" smtClean="0"/>
-              <a:t> and Cascades</a:t>
+              <a:t>Suffering</a:t>
             </a:r>
             <a:endParaRPr lang="en-US" dirty="0"/>
           </a:p>
@@ -19198,7 +19240,7 @@
     </p:spTree>
     <p:extLst>
       <p:ext uri="{BB962C8B-B14F-4D97-AF65-F5344CB8AC3E}">
-        <p14:creationId xmlns:p14="http://schemas.microsoft.com/office/powerpoint/2010/main" val="3008844350"/>
+        <p14:creationId xmlns:p14="http://schemas.microsoft.com/office/powerpoint/2010/main" val="2232397815"/>
       </p:ext>
     </p:extLst>
   </p:cSld>
@@ -19242,47 +19284,26 @@
             <p:ph idx="1"/>
           </p:nvPr>
         </p:nvSpPr>
-        <p:spPr>
-          <a:xfrm>
-            <a:off x="380999" y="2362200"/>
-            <a:ext cx="8534401" cy="3763963"/>
-          </a:xfrm>
-        </p:spPr>
+        <p:spPr/>
         <p:txBody>
           <a:bodyPr/>
           <a:lstStyle/>
           <a:p>
             <a:r>
               <a:rPr lang="en-US" dirty="0" smtClean="0"/>
-              <a:t>When I add an object to a one-to-many collection, it won’t save</a:t>
-            </a:r>
-          </a:p>
-          <a:p>
-            <a:r>
-              <a:rPr lang="en-US" dirty="0" smtClean="0"/>
-              <a:t>When I delete an object from a one-to-many collection, I get “null” errors</a:t>
-            </a:r>
-          </a:p>
-          <a:p>
-            <a:r>
-              <a:rPr lang="en-US" dirty="0" smtClean="0"/>
-              <a:t>My join table (</a:t>
-            </a:r>
-            <a:r>
-              <a:rPr lang="en-US" dirty="0" err="1" smtClean="0"/>
-              <a:t>linktable</a:t>
-            </a:r>
-            <a:r>
-              <a:rPr lang="en-US" dirty="0" smtClean="0"/>
-              <a:t>) has more data than just two Foreign Keys… can I still use “</a:t>
-            </a:r>
-            <a:r>
-              <a:rPr lang="en-US" dirty="0" err="1" smtClean="0"/>
-              <a:t>linktable</a:t>
-            </a:r>
-            <a:r>
-              <a:rPr lang="en-US" dirty="0" smtClean="0"/>
-              <a:t>”?</a:t>
+              <a:t>Demo </a:t>
+            </a:r>
+            <a:r>
+              <a:rPr lang="en-US" dirty="0" smtClean="0"/>
+              <a:t>one-to-many saves </a:t>
+            </a:r>
+            <a:r>
+              <a:rPr lang="en-US" dirty="0" smtClean="0"/>
+              <a:t>with </a:t>
+            </a:r>
+            <a:r>
+              <a:rPr lang="en-US" dirty="0" smtClean="0"/>
+              <a:t>and without cascade</a:t>
             </a:r>
             <a:endParaRPr lang="en-US" dirty="0"/>
           </a:p>
@@ -19305,7 +19326,7 @@
           <a:p>
             <a:r>
               <a:rPr lang="en-US" dirty="0" smtClean="0"/>
-              <a:t>Suffering</a:t>
+              <a:t>Demo: Whither cascade?</a:t>
             </a:r>
             <a:endParaRPr lang="en-US" dirty="0"/>
           </a:p>
@@ -19314,7 +19335,7 @@
     </p:spTree>
     <p:extLst>
       <p:ext uri="{BB962C8B-B14F-4D97-AF65-F5344CB8AC3E}">
-        <p14:creationId xmlns:p14="http://schemas.microsoft.com/office/powerpoint/2010/main" val="2232397815"/>
+        <p14:creationId xmlns:p14="http://schemas.microsoft.com/office/powerpoint/2010/main" val="3054947874"/>
       </p:ext>
     </p:extLst>
   </p:cSld>
@@ -19473,14 +19494,63 @@
             <p:ph idx="1"/>
           </p:nvPr>
         </p:nvSpPr>
-        <p:spPr/>
+        <p:spPr>
+          <a:xfrm>
+            <a:off x="380999" y="2362200"/>
+            <a:ext cx="8534401" cy="3763963"/>
+          </a:xfrm>
+        </p:spPr>
         <p:txBody>
-          <a:bodyPr/>
+          <a:bodyPr>
+            <a:normAutofit fontScale="92500" lnSpcReduction="20000"/>
+          </a:bodyPr>
           <a:lstStyle/>
           <a:p>
             <a:r>
               <a:rPr lang="en-US" dirty="0" smtClean="0"/>
-              <a:t>Demo using “</a:t>
+              <a:t>When I add an object to a one-to-many collection, it won’t save</a:t>
+            </a:r>
+          </a:p>
+          <a:p>
+            <a:pPr lvl="1"/>
+            <a:r>
+              <a:rPr lang="en-US" b="1" dirty="0" smtClean="0"/>
+              <a:t>Need cascade=“all” on the one-to-many property</a:t>
+            </a:r>
+          </a:p>
+          <a:p>
+            <a:pPr lvl="1"/>
+            <a:endParaRPr lang="en-US" dirty="0" smtClean="0"/>
+          </a:p>
+          <a:p>
+            <a:r>
+              <a:rPr lang="en-US" dirty="0" smtClean="0"/>
+              <a:t>When I delete an object from a one-to-many collection, I get “null” errors</a:t>
+            </a:r>
+          </a:p>
+          <a:p>
+            <a:pPr lvl="1"/>
+            <a:r>
+              <a:rPr lang="en-US" b="1" dirty="0"/>
+              <a:t>Need cascade=“</a:t>
+            </a:r>
+            <a:r>
+              <a:rPr lang="en-US" b="1" dirty="0" smtClean="0"/>
+              <a:t>all-delete-orphan” </a:t>
+            </a:r>
+            <a:r>
+              <a:rPr lang="en-US" b="1" dirty="0"/>
+              <a:t>on the one-to-many property</a:t>
+            </a:r>
+          </a:p>
+          <a:p>
+            <a:pPr lvl="1"/>
+            <a:endParaRPr lang="en-US" dirty="0" smtClean="0"/>
+          </a:p>
+          <a:p>
+            <a:r>
+              <a:rPr lang="en-US" dirty="0" smtClean="0"/>
+              <a:t>My join table (</a:t>
             </a:r>
             <a:r>
               <a:rPr lang="en-US" dirty="0" err="1" smtClean="0"/>
@@ -19488,9 +19558,31 @@
             </a:r>
             <a:r>
               <a:rPr lang="en-US" dirty="0" smtClean="0"/>
-              <a:t>” with and without cascade</a:t>
-            </a:r>
-            <a:endParaRPr lang="en-US" dirty="0"/>
+              <a:t>) has more data than just two Foreign Keys… can I still use “</a:t>
+            </a:r>
+            <a:r>
+              <a:rPr lang="en-US" dirty="0" err="1" smtClean="0"/>
+              <a:t>linktable</a:t>
+            </a:r>
+            <a:r>
+              <a:rPr lang="en-US" dirty="0" smtClean="0"/>
+              <a:t>”?</a:t>
+            </a:r>
+          </a:p>
+          <a:p>
+            <a:pPr lvl="1"/>
+            <a:r>
+              <a:rPr lang="en-US" b="1" dirty="0" smtClean="0"/>
+              <a:t>Nope. Need a “Join Entity” which comprises both of the Foreign Key entities plus the additional data you wish to store</a:t>
+            </a:r>
+          </a:p>
+          <a:p>
+            <a:pPr lvl="1"/>
+            <a:r>
+              <a:rPr lang="en-US" b="1" dirty="0" smtClean="0"/>
+              <a:t>Then, you simply one-to-many on that Join Entity</a:t>
+            </a:r>
+            <a:endParaRPr lang="en-US" b="1" dirty="0"/>
           </a:p>
         </p:txBody>
       </p:sp>
@@ -19506,12 +19598,18 @@
         </p:nvSpPr>
         <p:spPr/>
         <p:txBody>
-          <a:bodyPr/>
+          <a:bodyPr>
+            <a:normAutofit fontScale="90000"/>
+          </a:bodyPr>
           <a:lstStyle/>
           <a:p>
             <a:r>
               <a:rPr lang="en-US" dirty="0" smtClean="0"/>
-              <a:t>Demo: Whither cascade?</a:t>
+              <a:t>Enlightenment: Cascade and </a:t>
+            </a:r>
+            <a:r>
+              <a:rPr lang="en-US" dirty="0" err="1" smtClean="0"/>
+              <a:t>linktable</a:t>
             </a:r>
             <a:endParaRPr lang="en-US" dirty="0"/>
           </a:p>
@@ -19520,7 +19618,7 @@
     </p:spTree>
     <p:extLst>
       <p:ext uri="{BB962C8B-B14F-4D97-AF65-F5344CB8AC3E}">
-        <p14:creationId xmlns:p14="http://schemas.microsoft.com/office/powerpoint/2010/main" val="3054947874"/>
+        <p14:creationId xmlns:p14="http://schemas.microsoft.com/office/powerpoint/2010/main" val="2428288870"/>
       </p:ext>
     </p:extLst>
   </p:cSld>
@@ -19564,95 +19662,82 @@
             <p:ph idx="1"/>
           </p:nvPr>
         </p:nvSpPr>
-        <p:spPr>
-          <a:xfrm>
-            <a:off x="380999" y="2362200"/>
-            <a:ext cx="8534401" cy="3763963"/>
-          </a:xfrm>
-        </p:spPr>
+        <p:spPr/>
         <p:txBody>
-          <a:bodyPr>
-            <a:normAutofit fontScale="92500" lnSpcReduction="20000"/>
-          </a:bodyPr>
+          <a:bodyPr/>
           <a:lstStyle/>
           <a:p>
-            <a:r>
-              <a:rPr lang="en-US" dirty="0" smtClean="0"/>
-              <a:t>When I add an object to a one-to-many collection, it won’t save</a:t>
-            </a:r>
-          </a:p>
-          <a:p>
-            <a:pPr lvl="1"/>
+            <a:pPr marL="457200" indent="-457200">
+              <a:buFont typeface="+mj-lt"/>
+              <a:buAutoNum type="arabicPeriod"/>
+            </a:pPr>
+            <a:r>
+              <a:rPr lang="en-US" dirty="0" smtClean="0"/>
+              <a:t> ORM Settings -- Control the Session Flush</a:t>
+            </a:r>
+          </a:p>
+          <a:p>
+            <a:pPr marL="457200" indent="-457200">
+              <a:buFont typeface="+mj-lt"/>
+              <a:buAutoNum type="arabicPeriod"/>
+            </a:pPr>
+            <a:r>
+              <a:rPr lang="en-US" dirty="0" smtClean="0"/>
+              <a:t>Many-to-One Relationships</a:t>
+            </a:r>
+          </a:p>
+          <a:p>
+            <a:pPr marL="457200" indent="-457200">
+              <a:buFont typeface="+mj-lt"/>
+              <a:buAutoNum type="arabicPeriod"/>
+            </a:pPr>
+            <a:r>
+              <a:rPr lang="en-US" dirty="0" smtClean="0"/>
+              <a:t>One-to-Many Intro: Bidirectional relationships</a:t>
+            </a:r>
+          </a:p>
+          <a:p>
+            <a:pPr marL="457200" indent="-457200">
+              <a:buFont typeface="+mj-lt"/>
+              <a:buAutoNum type="arabicPeriod"/>
+            </a:pPr>
+            <a:r>
+              <a:rPr lang="en-US" dirty="0" smtClean="0"/>
+              <a:t>One-to-Many: Adding to Collections</a:t>
+            </a:r>
+            <a:endParaRPr lang="en-US" dirty="0" smtClean="0"/>
+          </a:p>
+          <a:p>
+            <a:pPr marL="457200" indent="-457200">
+              <a:buFont typeface="+mj-lt"/>
+              <a:buAutoNum type="arabicPeriod"/>
+            </a:pPr>
             <a:r>
               <a:rPr lang="en-US" b="1" dirty="0" smtClean="0"/>
-              <a:t>Need cascade=“all” on the one-to-many property</a:t>
-            </a:r>
-          </a:p>
-          <a:p>
-            <a:pPr lvl="1"/>
+              <a:t>One-to-Many: inverse and “relationship owner”</a:t>
+            </a:r>
+          </a:p>
+          <a:p>
+            <a:pPr marL="457200" indent="-457200">
+              <a:buFont typeface="+mj-lt"/>
+              <a:buAutoNum type="arabicPeriod"/>
+            </a:pPr>
+            <a:r>
+              <a:rPr lang="en-US" dirty="0" smtClean="0"/>
+              <a:t>One-to-Many: Deleting from Collections</a:t>
+            </a:r>
             <a:endParaRPr lang="en-US" dirty="0" smtClean="0"/>
           </a:p>
           <a:p>
-            <a:r>
-              <a:rPr lang="en-US" dirty="0" smtClean="0"/>
-              <a:t>When I delete an object from a one-to-many collection, I get “null” errors</a:t>
-            </a:r>
-          </a:p>
-          <a:p>
-            <a:pPr lvl="1"/>
-            <a:r>
-              <a:rPr lang="en-US" b="1" dirty="0"/>
-              <a:t>Need cascade=“</a:t>
-            </a:r>
-            <a:r>
-              <a:rPr lang="en-US" b="1" dirty="0" smtClean="0"/>
-              <a:t>all-delete-orphan” </a:t>
-            </a:r>
-            <a:r>
-              <a:rPr lang="en-US" b="1" dirty="0"/>
-              <a:t>on the one-to-many property</a:t>
-            </a:r>
-          </a:p>
-          <a:p>
-            <a:pPr lvl="1"/>
-            <a:endParaRPr lang="en-US" dirty="0" smtClean="0"/>
-          </a:p>
-          <a:p>
-            <a:r>
-              <a:rPr lang="en-US" dirty="0" smtClean="0"/>
-              <a:t>My join table (</a:t>
-            </a:r>
-            <a:r>
-              <a:rPr lang="en-US" dirty="0" err="1" smtClean="0"/>
-              <a:t>linktable</a:t>
-            </a:r>
-            <a:r>
-              <a:rPr lang="en-US" dirty="0" smtClean="0"/>
-              <a:t>) has more data than just two Foreign Keys… can I still use “</a:t>
-            </a:r>
-            <a:r>
-              <a:rPr lang="en-US" dirty="0" err="1" smtClean="0"/>
-              <a:t>linktable</a:t>
-            </a:r>
-            <a:r>
-              <a:rPr lang="en-US" dirty="0" smtClean="0"/>
-              <a:t>”?</a:t>
-            </a:r>
-          </a:p>
-          <a:p>
-            <a:pPr lvl="1"/>
-            <a:r>
-              <a:rPr lang="en-US" b="1" dirty="0" smtClean="0"/>
-              <a:t>Nope. Need a “Join Entity” which comprises both of the Foreign Key entities plus the additional data you wish to store</a:t>
-            </a:r>
-          </a:p>
-          <a:p>
-            <a:pPr lvl="1"/>
-            <a:r>
-              <a:rPr lang="en-US" b="1" dirty="0" smtClean="0"/>
-              <a:t>Then, you simply one-to-many on that Join Entity</a:t>
-            </a:r>
-            <a:endParaRPr lang="en-US" b="1" dirty="0"/>
+            <a:pPr marL="457200" indent="-457200">
+              <a:buFont typeface="+mj-lt"/>
+              <a:buAutoNum type="arabicPeriod"/>
+            </a:pPr>
+            <a:r>
+              <a:rPr lang="en-US" dirty="0" smtClean="0"/>
+              <a:t>Hibernate Session and the ColdFusion Session scope</a:t>
+            </a:r>
+            <a:endParaRPr lang="en-US" dirty="0"/>
           </a:p>
         </p:txBody>
       </p:sp>
@@ -19668,18 +19753,12 @@
         </p:nvSpPr>
         <p:spPr/>
         <p:txBody>
-          <a:bodyPr>
-            <a:normAutofit fontScale="90000"/>
-          </a:bodyPr>
+          <a:bodyPr/>
           <a:lstStyle/>
           <a:p>
             <a:r>
               <a:rPr lang="en-US" dirty="0" smtClean="0"/>
-              <a:t>Enlightenment: Cascade and </a:t>
-            </a:r>
-            <a:r>
-              <a:rPr lang="en-US" dirty="0" err="1" smtClean="0"/>
-              <a:t>linktable</a:t>
+              <a:t>Agenda</a:t>
             </a:r>
             <a:endParaRPr lang="en-US" dirty="0"/>
           </a:p>
@@ -19688,7 +19767,7 @@
     </p:spTree>
     <p:extLst>
       <p:ext uri="{BB962C8B-B14F-4D97-AF65-F5344CB8AC3E}">
-        <p14:creationId xmlns:p14="http://schemas.microsoft.com/office/powerpoint/2010/main" val="2428288870"/>
+        <p14:creationId xmlns:p14="http://schemas.microsoft.com/office/powerpoint/2010/main" val="996614316"/>
       </p:ext>
     </p:extLst>
   </p:cSld>
@@ -19732,6 +19811,753 @@
             <p:ph idx="1"/>
           </p:nvPr>
         </p:nvSpPr>
+        <p:spPr>
+          <a:xfrm>
+            <a:off x="380999" y="2362200"/>
+            <a:ext cx="8534401" cy="3763963"/>
+          </a:xfrm>
+        </p:spPr>
+        <p:txBody>
+          <a:bodyPr/>
+          <a:lstStyle/>
+          <a:p>
+            <a:r>
+              <a:rPr lang="en-US" dirty="0" smtClean="0"/>
+              <a:t>When I call object1.addObject2( object2 ), I see a SELECT, then an INSERT, then an UPDATE</a:t>
+            </a:r>
+          </a:p>
+          <a:p>
+            <a:endParaRPr lang="en-US" dirty="0"/>
+          </a:p>
+          <a:p>
+            <a:r>
+              <a:rPr lang="en-US" dirty="0" smtClean="0"/>
+              <a:t>When I call object1.removeObject2( object2 ), I get “Cannot insert NULL into XXX”</a:t>
+            </a:r>
+            <a:endParaRPr lang="en-US" dirty="0"/>
+          </a:p>
+        </p:txBody>
+      </p:sp>
+      <p:sp>
+        <p:nvSpPr>
+          <p:cNvPr id="3" name="Title 2"/>
+          <p:cNvSpPr>
+            <a:spLocks noGrp="1"/>
+          </p:cNvSpPr>
+          <p:nvPr>
+            <p:ph type="title"/>
+          </p:nvPr>
+        </p:nvSpPr>
+        <p:spPr/>
+        <p:txBody>
+          <a:bodyPr/>
+          <a:lstStyle/>
+          <a:p>
+            <a:r>
+              <a:rPr lang="en-US" dirty="0" smtClean="0"/>
+              <a:t>Suffering</a:t>
+            </a:r>
+            <a:endParaRPr lang="en-US" dirty="0"/>
+          </a:p>
+        </p:txBody>
+      </p:sp>
+    </p:spTree>
+    <p:extLst>
+      <p:ext uri="{BB962C8B-B14F-4D97-AF65-F5344CB8AC3E}">
+        <p14:creationId xmlns:p14="http://schemas.microsoft.com/office/powerpoint/2010/main" val="1812508712"/>
+      </p:ext>
+    </p:extLst>
+  </p:cSld>
+  <p:clrMapOvr>
+    <a:masterClrMapping/>
+  </p:clrMapOvr>
+  <p:timing>
+    <p:tnLst>
+      <p:par>
+        <p:cTn id="1" dur="indefinite" restart="never" nodeType="tmRoot"/>
+      </p:par>
+    </p:tnLst>
+  </p:timing>
+</p:sld>
+</file>
+
+<file path=ppt/slides/slide43.xml><?xml version="1.0" encoding="utf-8"?>
+<p:sld xmlns:a="http://schemas.openxmlformats.org/drawingml/2006/main" xmlns:r="http://schemas.openxmlformats.org/officeDocument/2006/relationships" xmlns:p="http://schemas.openxmlformats.org/presentationml/2006/main">
+  <p:cSld>
+    <p:spTree>
+      <p:nvGrpSpPr>
+        <p:cNvPr id="1" name=""/>
+        <p:cNvGrpSpPr/>
+        <p:nvPr/>
+      </p:nvGrpSpPr>
+      <p:grpSpPr>
+        <a:xfrm>
+          <a:off x="0" y="0"/>
+          <a:ext cx="0" cy="0"/>
+          <a:chOff x="0" y="0"/>
+          <a:chExt cx="0" cy="0"/>
+        </a:xfrm>
+      </p:grpSpPr>
+      <p:sp>
+        <p:nvSpPr>
+          <p:cNvPr id="2" name="Content Placeholder 1"/>
+          <p:cNvSpPr>
+            <a:spLocks noGrp="1"/>
+          </p:cNvSpPr>
+          <p:nvPr>
+            <p:ph idx="1"/>
+          </p:nvPr>
+        </p:nvSpPr>
+        <p:spPr/>
+        <p:txBody>
+          <a:bodyPr/>
+          <a:lstStyle/>
+          <a:p>
+            <a:pPr marL="0" indent="0" algn="ctr">
+              <a:buNone/>
+            </a:pPr>
+            <a:r>
+              <a:rPr lang="en-US" b="1" dirty="0" smtClean="0"/>
+              <a:t>There </a:t>
+            </a:r>
+            <a:r>
+              <a:rPr lang="en-US" b="1" dirty="0" err="1" smtClean="0"/>
+              <a:t>oughtta</a:t>
+            </a:r>
+            <a:r>
+              <a:rPr lang="en-US" b="1" dirty="0" smtClean="0"/>
+              <a:t> be a support group </a:t>
+            </a:r>
+            <a:br>
+              <a:rPr lang="en-US" b="1" dirty="0" smtClean="0"/>
+            </a:br>
+            <a:r>
+              <a:rPr lang="en-US" b="1" dirty="0" smtClean="0"/>
+              <a:t>for sufferers of this knob</a:t>
+            </a:r>
+            <a:endParaRPr lang="en-US" b="1" dirty="0"/>
+          </a:p>
+        </p:txBody>
+      </p:sp>
+      <p:sp>
+        <p:nvSpPr>
+          <p:cNvPr id="3" name="Title 2"/>
+          <p:cNvSpPr>
+            <a:spLocks noGrp="1"/>
+          </p:cNvSpPr>
+          <p:nvPr>
+            <p:ph type="title"/>
+          </p:nvPr>
+        </p:nvSpPr>
+        <p:spPr/>
+        <p:txBody>
+          <a:bodyPr/>
+          <a:lstStyle/>
+          <a:p>
+            <a:r>
+              <a:rPr lang="en-US" dirty="0" smtClean="0"/>
+              <a:t>Demo: </a:t>
+            </a:r>
+            <a:r>
+              <a:rPr lang="en-US" dirty="0" smtClean="0"/>
+              <a:t>The Devil Knob</a:t>
+            </a:r>
+            <a:endParaRPr lang="en-US" dirty="0"/>
+          </a:p>
+        </p:txBody>
+      </p:sp>
+    </p:spTree>
+    <p:extLst>
+      <p:ext uri="{BB962C8B-B14F-4D97-AF65-F5344CB8AC3E}">
+        <p14:creationId xmlns:p14="http://schemas.microsoft.com/office/powerpoint/2010/main" val="2966800279"/>
+      </p:ext>
+    </p:extLst>
+  </p:cSld>
+  <p:clrMapOvr>
+    <a:masterClrMapping/>
+  </p:clrMapOvr>
+  <p:timing>
+    <p:tnLst>
+      <p:par>
+        <p:cTn id="1" dur="indefinite" restart="never" nodeType="tmRoot"/>
+      </p:par>
+    </p:tnLst>
+  </p:timing>
+</p:sld>
+</file>
+
+<file path=ppt/slides/slide44.xml><?xml version="1.0" encoding="utf-8"?>
+<p:sld xmlns:a="http://schemas.openxmlformats.org/drawingml/2006/main" xmlns:r="http://schemas.openxmlformats.org/officeDocument/2006/relationships" xmlns:p="http://schemas.openxmlformats.org/presentationml/2006/main">
+  <p:cSld>
+    <p:spTree>
+      <p:nvGrpSpPr>
+        <p:cNvPr id="1" name=""/>
+        <p:cNvGrpSpPr/>
+        <p:nvPr/>
+      </p:nvGrpSpPr>
+      <p:grpSpPr>
+        <a:xfrm>
+          <a:off x="0" y="0"/>
+          <a:ext cx="0" cy="0"/>
+          <a:chOff x="0" y="0"/>
+          <a:chExt cx="0" cy="0"/>
+        </a:xfrm>
+      </p:grpSpPr>
+      <p:sp>
+        <p:nvSpPr>
+          <p:cNvPr id="2" name="Content Placeholder 1"/>
+          <p:cNvSpPr>
+            <a:spLocks noGrp="1"/>
+          </p:cNvSpPr>
+          <p:nvPr>
+            <p:ph idx="1"/>
+          </p:nvPr>
+        </p:nvSpPr>
+        <p:spPr/>
+        <p:txBody>
+          <a:bodyPr/>
+          <a:lstStyle/>
+          <a:p>
+            <a:r>
+              <a:rPr lang="en-US" dirty="0" smtClean="0"/>
+              <a:t>In bi-di relationships</a:t>
+            </a:r>
+          </a:p>
+          <a:p>
+            <a:pPr lvl="1"/>
+            <a:r>
+              <a:rPr lang="en-US" dirty="0" smtClean="0"/>
+              <a:t> if you plan to add or delete “Collection members”</a:t>
+            </a:r>
+          </a:p>
+          <a:p>
+            <a:pPr lvl="1"/>
+            <a:r>
+              <a:rPr lang="en-US" dirty="0" smtClean="0"/>
+              <a:t>i.e. object1.addObject2( object2 ) ;</a:t>
+            </a:r>
+          </a:p>
+          <a:p>
+            <a:pPr lvl="1"/>
+            <a:r>
+              <a:rPr lang="en-US" b="1" dirty="0" smtClean="0"/>
+              <a:t>You need inverse=true</a:t>
+            </a:r>
+          </a:p>
+          <a:p>
+            <a:r>
+              <a:rPr lang="en-US" dirty="0" smtClean="0"/>
+              <a:t>It means, “the object </a:t>
+            </a:r>
+            <a:r>
+              <a:rPr lang="en-US" b="1" dirty="0" smtClean="0"/>
+              <a:t>on the other side</a:t>
+            </a:r>
+            <a:r>
+              <a:rPr lang="en-US" dirty="0" smtClean="0"/>
+              <a:t> is the </a:t>
+            </a:r>
+            <a:r>
+              <a:rPr lang="en-US" b="1" dirty="0" smtClean="0"/>
+              <a:t>relationship owner</a:t>
+            </a:r>
+            <a:r>
+              <a:rPr lang="en-US" dirty="0" smtClean="0"/>
+              <a:t>”</a:t>
+            </a:r>
+            <a:endParaRPr lang="en-US" dirty="0"/>
+          </a:p>
+        </p:txBody>
+      </p:sp>
+      <p:sp>
+        <p:nvSpPr>
+          <p:cNvPr id="3" name="Title 2"/>
+          <p:cNvSpPr>
+            <a:spLocks noGrp="1"/>
+          </p:cNvSpPr>
+          <p:nvPr>
+            <p:ph type="title"/>
+          </p:nvPr>
+        </p:nvSpPr>
+        <p:spPr/>
+        <p:txBody>
+          <a:bodyPr/>
+          <a:lstStyle/>
+          <a:p>
+            <a:r>
+              <a:rPr lang="en-US" dirty="0" smtClean="0"/>
+              <a:t>Enlightenment: inverse=true</a:t>
+            </a:r>
+            <a:endParaRPr lang="en-US" dirty="0"/>
+          </a:p>
+        </p:txBody>
+      </p:sp>
+    </p:spTree>
+    <p:extLst>
+      <p:ext uri="{BB962C8B-B14F-4D97-AF65-F5344CB8AC3E}">
+        <p14:creationId xmlns:p14="http://schemas.microsoft.com/office/powerpoint/2010/main" val="592342895"/>
+      </p:ext>
+    </p:extLst>
+  </p:cSld>
+  <p:clrMapOvr>
+    <a:masterClrMapping/>
+  </p:clrMapOvr>
+</p:sld>
+</file>
+
+<file path=ppt/slides/slide45.xml><?xml version="1.0" encoding="utf-8"?>
+<p:sld xmlns:a="http://schemas.openxmlformats.org/drawingml/2006/main" xmlns:r="http://schemas.openxmlformats.org/officeDocument/2006/relationships" xmlns:p="http://schemas.openxmlformats.org/presentationml/2006/main">
+  <p:cSld>
+    <p:spTree>
+      <p:nvGrpSpPr>
+        <p:cNvPr id="1" name=""/>
+        <p:cNvGrpSpPr/>
+        <p:nvPr/>
+      </p:nvGrpSpPr>
+      <p:grpSpPr>
+        <a:xfrm>
+          <a:off x="0" y="0"/>
+          <a:ext cx="0" cy="0"/>
+          <a:chOff x="0" y="0"/>
+          <a:chExt cx="0" cy="0"/>
+        </a:xfrm>
+      </p:grpSpPr>
+      <p:sp>
+        <p:nvSpPr>
+          <p:cNvPr id="2" name="Content Placeholder 1"/>
+          <p:cNvSpPr>
+            <a:spLocks noGrp="1"/>
+          </p:cNvSpPr>
+          <p:nvPr>
+            <p:ph idx="1"/>
+          </p:nvPr>
+        </p:nvSpPr>
+        <p:spPr/>
+        <p:txBody>
+          <a:bodyPr/>
+          <a:lstStyle/>
+          <a:p>
+            <a:pPr marL="457200" indent="-457200">
+              <a:buFont typeface="+mj-lt"/>
+              <a:buAutoNum type="arabicPeriod"/>
+            </a:pPr>
+            <a:r>
+              <a:rPr lang="en-US" dirty="0" smtClean="0"/>
+              <a:t> ORM Settings -- Control the Session Flush</a:t>
+            </a:r>
+          </a:p>
+          <a:p>
+            <a:pPr marL="457200" indent="-457200">
+              <a:buFont typeface="+mj-lt"/>
+              <a:buAutoNum type="arabicPeriod"/>
+            </a:pPr>
+            <a:r>
+              <a:rPr lang="en-US" dirty="0" smtClean="0"/>
+              <a:t>Many-to-One Relationships</a:t>
+            </a:r>
+          </a:p>
+          <a:p>
+            <a:pPr marL="457200" indent="-457200">
+              <a:buFont typeface="+mj-lt"/>
+              <a:buAutoNum type="arabicPeriod"/>
+            </a:pPr>
+            <a:r>
+              <a:rPr lang="en-US" dirty="0" smtClean="0"/>
+              <a:t>One-to-Many Intro: Bidirectional relationships</a:t>
+            </a:r>
+          </a:p>
+          <a:p>
+            <a:pPr marL="457200" indent="-457200">
+              <a:buFont typeface="+mj-lt"/>
+              <a:buAutoNum type="arabicPeriod"/>
+            </a:pPr>
+            <a:r>
+              <a:rPr lang="en-US" dirty="0" smtClean="0"/>
+              <a:t>One-to-Many: Adding to Collections</a:t>
+            </a:r>
+            <a:endParaRPr lang="en-US" dirty="0" smtClean="0"/>
+          </a:p>
+          <a:p>
+            <a:pPr marL="457200" indent="-457200">
+              <a:buFont typeface="+mj-lt"/>
+              <a:buAutoNum type="arabicPeriod"/>
+            </a:pPr>
+            <a:r>
+              <a:rPr lang="en-US" dirty="0" smtClean="0"/>
+              <a:t>One-to-Many: inverse and “relationship owner”</a:t>
+            </a:r>
+          </a:p>
+          <a:p>
+            <a:pPr marL="457200" indent="-457200">
+              <a:buFont typeface="+mj-lt"/>
+              <a:buAutoNum type="arabicPeriod"/>
+            </a:pPr>
+            <a:r>
+              <a:rPr lang="en-US" b="1" dirty="0" smtClean="0"/>
+              <a:t>One-to-Many: Deleting from Collections</a:t>
+            </a:r>
+            <a:endParaRPr lang="en-US" b="1" dirty="0" smtClean="0"/>
+          </a:p>
+          <a:p>
+            <a:pPr marL="457200" indent="-457200">
+              <a:buFont typeface="+mj-lt"/>
+              <a:buAutoNum type="arabicPeriod"/>
+            </a:pPr>
+            <a:r>
+              <a:rPr lang="en-US" dirty="0" smtClean="0"/>
+              <a:t>Hibernate Session and the ColdFusion Session scope</a:t>
+            </a:r>
+            <a:endParaRPr lang="en-US" dirty="0"/>
+          </a:p>
+        </p:txBody>
+      </p:sp>
+      <p:sp>
+        <p:nvSpPr>
+          <p:cNvPr id="3" name="Title 2"/>
+          <p:cNvSpPr>
+            <a:spLocks noGrp="1"/>
+          </p:cNvSpPr>
+          <p:nvPr>
+            <p:ph type="title"/>
+          </p:nvPr>
+        </p:nvSpPr>
+        <p:spPr/>
+        <p:txBody>
+          <a:bodyPr/>
+          <a:lstStyle/>
+          <a:p>
+            <a:r>
+              <a:rPr lang="en-US" dirty="0" smtClean="0"/>
+              <a:t>Agenda</a:t>
+            </a:r>
+            <a:endParaRPr lang="en-US" dirty="0"/>
+          </a:p>
+        </p:txBody>
+      </p:sp>
+    </p:spTree>
+    <p:extLst>
+      <p:ext uri="{BB962C8B-B14F-4D97-AF65-F5344CB8AC3E}">
+        <p14:creationId xmlns:p14="http://schemas.microsoft.com/office/powerpoint/2010/main" val="2678648052"/>
+      </p:ext>
+    </p:extLst>
+  </p:cSld>
+  <p:clrMapOvr>
+    <a:masterClrMapping/>
+  </p:clrMapOvr>
+  <p:timing>
+    <p:tnLst>
+      <p:par>
+        <p:cTn id="1" dur="indefinite" restart="never" nodeType="tmRoot"/>
+      </p:par>
+    </p:tnLst>
+  </p:timing>
+</p:sld>
+</file>
+
+<file path=ppt/slides/slide46.xml><?xml version="1.0" encoding="utf-8"?>
+<p:sld xmlns:a="http://schemas.openxmlformats.org/drawingml/2006/main" xmlns:r="http://schemas.openxmlformats.org/officeDocument/2006/relationships" xmlns:p="http://schemas.openxmlformats.org/presentationml/2006/main">
+  <p:cSld>
+    <p:spTree>
+      <p:nvGrpSpPr>
+        <p:cNvPr id="1" name=""/>
+        <p:cNvGrpSpPr/>
+        <p:nvPr/>
+      </p:nvGrpSpPr>
+      <p:grpSpPr>
+        <a:xfrm>
+          <a:off x="0" y="0"/>
+          <a:ext cx="0" cy="0"/>
+          <a:chOff x="0" y="0"/>
+          <a:chExt cx="0" cy="0"/>
+        </a:xfrm>
+      </p:grpSpPr>
+      <p:sp>
+        <p:nvSpPr>
+          <p:cNvPr id="2" name="Content Placeholder 1"/>
+          <p:cNvSpPr>
+            <a:spLocks noGrp="1"/>
+          </p:cNvSpPr>
+          <p:nvPr>
+            <p:ph idx="1"/>
+          </p:nvPr>
+        </p:nvSpPr>
+        <p:spPr>
+          <a:xfrm>
+            <a:off x="380999" y="2362200"/>
+            <a:ext cx="8534401" cy="3763963"/>
+          </a:xfrm>
+        </p:spPr>
+        <p:txBody>
+          <a:bodyPr/>
+          <a:lstStyle/>
+          <a:p>
+            <a:r>
+              <a:rPr lang="en-US" dirty="0" smtClean="0"/>
+              <a:t>If I loop over a collection and try to remove elements from that collection, I get “</a:t>
+            </a:r>
+            <a:r>
+              <a:rPr lang="en-US" dirty="0" err="1" smtClean="0"/>
+              <a:t>ConcurrentModificationException</a:t>
+            </a:r>
+            <a:r>
+              <a:rPr lang="en-US" dirty="0" smtClean="0"/>
+              <a:t>”</a:t>
+            </a:r>
+            <a:endParaRPr lang="en-US" dirty="0"/>
+          </a:p>
+        </p:txBody>
+      </p:sp>
+      <p:sp>
+        <p:nvSpPr>
+          <p:cNvPr id="3" name="Title 2"/>
+          <p:cNvSpPr>
+            <a:spLocks noGrp="1"/>
+          </p:cNvSpPr>
+          <p:nvPr>
+            <p:ph type="title"/>
+          </p:nvPr>
+        </p:nvSpPr>
+        <p:spPr/>
+        <p:txBody>
+          <a:bodyPr/>
+          <a:lstStyle/>
+          <a:p>
+            <a:r>
+              <a:rPr lang="en-US" dirty="0" smtClean="0"/>
+              <a:t>Suffering</a:t>
+            </a:r>
+            <a:endParaRPr lang="en-US" dirty="0"/>
+          </a:p>
+        </p:txBody>
+      </p:sp>
+    </p:spTree>
+    <p:extLst>
+      <p:ext uri="{BB962C8B-B14F-4D97-AF65-F5344CB8AC3E}">
+        <p14:creationId xmlns:p14="http://schemas.microsoft.com/office/powerpoint/2010/main" val="510698777"/>
+      </p:ext>
+    </p:extLst>
+  </p:cSld>
+  <p:clrMapOvr>
+    <a:masterClrMapping/>
+  </p:clrMapOvr>
+  <p:timing>
+    <p:tnLst>
+      <p:par>
+        <p:cTn id="1" dur="indefinite" restart="never" nodeType="tmRoot"/>
+      </p:par>
+    </p:tnLst>
+  </p:timing>
+</p:sld>
+</file>
+
+<file path=ppt/slides/slide47.xml><?xml version="1.0" encoding="utf-8"?>
+<p:sld xmlns:a="http://schemas.openxmlformats.org/drawingml/2006/main" xmlns:r="http://schemas.openxmlformats.org/officeDocument/2006/relationships" xmlns:p="http://schemas.openxmlformats.org/presentationml/2006/main">
+  <p:cSld>
+    <p:spTree>
+      <p:nvGrpSpPr>
+        <p:cNvPr id="1" name=""/>
+        <p:cNvGrpSpPr/>
+        <p:nvPr/>
+      </p:nvGrpSpPr>
+      <p:grpSpPr>
+        <a:xfrm>
+          <a:off x="0" y="0"/>
+          <a:ext cx="0" cy="0"/>
+          <a:chOff x="0" y="0"/>
+          <a:chExt cx="0" cy="0"/>
+        </a:xfrm>
+      </p:grpSpPr>
+      <p:sp>
+        <p:nvSpPr>
+          <p:cNvPr id="2" name="Content Placeholder 1"/>
+          <p:cNvSpPr>
+            <a:spLocks noGrp="1"/>
+          </p:cNvSpPr>
+          <p:nvPr>
+            <p:ph idx="1"/>
+          </p:nvPr>
+        </p:nvSpPr>
+        <p:spPr/>
+        <p:txBody>
+          <a:bodyPr/>
+          <a:lstStyle/>
+          <a:p>
+            <a:pPr marL="0" indent="0" algn="ctr">
+              <a:buNone/>
+            </a:pPr>
+            <a:r>
+              <a:rPr lang="en-US" b="1" dirty="0" smtClean="0"/>
+              <a:t>This is not an ORM error… it’s just an error</a:t>
+            </a:r>
+            <a:endParaRPr lang="en-US" b="1" dirty="0"/>
+          </a:p>
+        </p:txBody>
+      </p:sp>
+      <p:sp>
+        <p:nvSpPr>
+          <p:cNvPr id="3" name="Title 2"/>
+          <p:cNvSpPr>
+            <a:spLocks noGrp="1"/>
+          </p:cNvSpPr>
+          <p:nvPr>
+            <p:ph type="title"/>
+          </p:nvPr>
+        </p:nvSpPr>
+        <p:spPr/>
+        <p:txBody>
+          <a:bodyPr/>
+          <a:lstStyle/>
+          <a:p>
+            <a:r>
+              <a:rPr lang="en-US" dirty="0" smtClean="0"/>
+              <a:t>Demo: </a:t>
+            </a:r>
+            <a:r>
+              <a:rPr lang="en-US" dirty="0" smtClean="0"/>
+              <a:t>Deleting from a Collection</a:t>
+            </a:r>
+            <a:endParaRPr lang="en-US" dirty="0"/>
+          </a:p>
+        </p:txBody>
+      </p:sp>
+    </p:spTree>
+    <p:extLst>
+      <p:ext uri="{BB962C8B-B14F-4D97-AF65-F5344CB8AC3E}">
+        <p14:creationId xmlns:p14="http://schemas.microsoft.com/office/powerpoint/2010/main" val="4229353401"/>
+      </p:ext>
+    </p:extLst>
+  </p:cSld>
+  <p:clrMapOvr>
+    <a:masterClrMapping/>
+  </p:clrMapOvr>
+  <p:timing>
+    <p:tnLst>
+      <p:par>
+        <p:cTn id="1" dur="indefinite" restart="never" nodeType="tmRoot"/>
+      </p:par>
+    </p:tnLst>
+  </p:timing>
+</p:sld>
+</file>
+
+<file path=ppt/slides/slide48.xml><?xml version="1.0" encoding="utf-8"?>
+<p:sld xmlns:a="http://schemas.openxmlformats.org/drawingml/2006/main" xmlns:r="http://schemas.openxmlformats.org/officeDocument/2006/relationships" xmlns:p="http://schemas.openxmlformats.org/presentationml/2006/main">
+  <p:cSld>
+    <p:spTree>
+      <p:nvGrpSpPr>
+        <p:cNvPr id="1" name=""/>
+        <p:cNvGrpSpPr/>
+        <p:nvPr/>
+      </p:nvGrpSpPr>
+      <p:grpSpPr>
+        <a:xfrm>
+          <a:off x="0" y="0"/>
+          <a:ext cx="0" cy="0"/>
+          <a:chOff x="0" y="0"/>
+          <a:chExt cx="0" cy="0"/>
+        </a:xfrm>
+      </p:grpSpPr>
+      <p:sp>
+        <p:nvSpPr>
+          <p:cNvPr id="2" name="Content Placeholder 1"/>
+          <p:cNvSpPr>
+            <a:spLocks noGrp="1"/>
+          </p:cNvSpPr>
+          <p:nvPr>
+            <p:ph idx="1"/>
+          </p:nvPr>
+        </p:nvSpPr>
+        <p:spPr/>
+        <p:txBody>
+          <a:bodyPr/>
+          <a:lstStyle/>
+          <a:p>
+            <a:r>
+              <a:rPr lang="en-US" dirty="0" smtClean="0"/>
+              <a:t>Don’t use for( item in Array ) syntax when deleting</a:t>
+            </a:r>
+          </a:p>
+          <a:p>
+            <a:r>
+              <a:rPr lang="en-US" dirty="0" smtClean="0"/>
+              <a:t>Use plain old index loops</a:t>
+            </a:r>
+            <a:endParaRPr lang="en-US" dirty="0"/>
+          </a:p>
+        </p:txBody>
+      </p:sp>
+      <p:sp>
+        <p:nvSpPr>
+          <p:cNvPr id="3" name="Title 2"/>
+          <p:cNvSpPr>
+            <a:spLocks noGrp="1"/>
+          </p:cNvSpPr>
+          <p:nvPr>
+            <p:ph type="title"/>
+          </p:nvPr>
+        </p:nvSpPr>
+        <p:spPr/>
+        <p:txBody>
+          <a:bodyPr>
+            <a:normAutofit fontScale="90000"/>
+          </a:bodyPr>
+          <a:lstStyle/>
+          <a:p>
+            <a:r>
+              <a:rPr lang="en-US" dirty="0" smtClean="0"/>
+              <a:t>Enlightenment: </a:t>
+            </a:r>
+            <a:br>
+              <a:rPr lang="en-US" dirty="0" smtClean="0"/>
+            </a:br>
+            <a:r>
+              <a:rPr lang="en-US" dirty="0" smtClean="0"/>
+              <a:t>Deleting from a Collection</a:t>
+            </a:r>
+            <a:endParaRPr lang="en-US" dirty="0"/>
+          </a:p>
+        </p:txBody>
+      </p:sp>
+    </p:spTree>
+    <p:extLst>
+      <p:ext uri="{BB962C8B-B14F-4D97-AF65-F5344CB8AC3E}">
+        <p14:creationId xmlns:p14="http://schemas.microsoft.com/office/powerpoint/2010/main" val="4182265279"/>
+      </p:ext>
+    </p:extLst>
+  </p:cSld>
+  <p:clrMapOvr>
+    <a:masterClrMapping/>
+  </p:clrMapOvr>
+</p:sld>
+</file>
+
+<file path=ppt/slides/slide49.xml><?xml version="1.0" encoding="utf-8"?>
+<p:sld xmlns:a="http://schemas.openxmlformats.org/drawingml/2006/main" xmlns:r="http://schemas.openxmlformats.org/officeDocument/2006/relationships" xmlns:p="http://schemas.openxmlformats.org/presentationml/2006/main">
+  <p:cSld>
+    <p:spTree>
+      <p:nvGrpSpPr>
+        <p:cNvPr id="1" name=""/>
+        <p:cNvGrpSpPr/>
+        <p:nvPr/>
+      </p:nvGrpSpPr>
+      <p:grpSpPr>
+        <a:xfrm>
+          <a:off x="0" y="0"/>
+          <a:ext cx="0" cy="0"/>
+          <a:chOff x="0" y="0"/>
+          <a:chExt cx="0" cy="0"/>
+        </a:xfrm>
+      </p:grpSpPr>
+      <p:sp>
+        <p:nvSpPr>
+          <p:cNvPr id="2" name="Content Placeholder 1"/>
+          <p:cNvSpPr>
+            <a:spLocks noGrp="1"/>
+          </p:cNvSpPr>
+          <p:nvPr>
+            <p:ph idx="1"/>
+          </p:nvPr>
+        </p:nvSpPr>
         <p:spPr/>
         <p:txBody>
           <a:bodyPr>
@@ -19927,7 +20753,147 @@
 </p:sld>
 </file>
 
-<file path=ppt/slides/slide43.xml><?xml version="1.0" encoding="utf-8"?>
+<file path=ppt/slides/slide5.xml><?xml version="1.0" encoding="utf-8"?>
+<p:sld xmlns:a="http://schemas.openxmlformats.org/drawingml/2006/main" xmlns:r="http://schemas.openxmlformats.org/officeDocument/2006/relationships" xmlns:p="http://schemas.openxmlformats.org/presentationml/2006/main" showMasterSp="0">
+  <p:cSld>
+    <p:spTree>
+      <p:nvGrpSpPr>
+        <p:cNvPr id="1" name=""/>
+        <p:cNvGrpSpPr/>
+        <p:nvPr/>
+      </p:nvGrpSpPr>
+      <p:grpSpPr>
+        <a:xfrm>
+          <a:off x="0" y="0"/>
+          <a:ext cx="0" cy="0"/>
+          <a:chOff x="0" y="0"/>
+          <a:chExt cx="0" cy="0"/>
+        </a:xfrm>
+      </p:grpSpPr>
+      <p:pic>
+        <p:nvPicPr>
+          <p:cNvPr id="4" name="Picture 4"/>
+          <p:cNvPicPr>
+            <a:picLocks noChangeAspect="1" noChangeArrowheads="1"/>
+          </p:cNvPicPr>
+          <p:nvPr/>
+        </p:nvPicPr>
+        <p:blipFill>
+          <a:blip r:embed="rId2">
+            <a:extLst>
+              <a:ext uri="{28A0092B-C50C-407E-A947-70E740481C1C}">
+                <a14:useLocalDpi xmlns:a14="http://schemas.microsoft.com/office/drawing/2010/main" val="0"/>
+              </a:ext>
+            </a:extLst>
+          </a:blip>
+          <a:srcRect/>
+          <a:stretch>
+            <a:fillRect/>
+          </a:stretch>
+        </p:blipFill>
+        <p:spPr bwMode="auto">
+          <a:xfrm>
+            <a:off x="609600" y="239827"/>
+            <a:ext cx="7772400" cy="5360366"/>
+          </a:xfrm>
+          <a:prstGeom prst="rect">
+            <a:avLst/>
+          </a:prstGeom>
+          <a:noFill/>
+          <a:ln>
+            <a:noFill/>
+          </a:ln>
+          <a:effectLst/>
+          <a:extLst>
+            <a:ext uri="{909E8E84-426E-40DD-AFC4-6F175D3DCCD1}">
+              <a14:hiddenFill xmlns:a14="http://schemas.microsoft.com/office/drawing/2010/main">
+                <a:solidFill>
+                  <a:schemeClr val="accent1"/>
+                </a:solidFill>
+              </a14:hiddenFill>
+            </a:ext>
+            <a:ext uri="{91240B29-F687-4F45-9708-019B960494DF}">
+              <a14:hiddenLine xmlns:a14="http://schemas.microsoft.com/office/drawing/2010/main" w="9525">
+                <a:solidFill>
+                  <a:schemeClr val="tx1"/>
+                </a:solidFill>
+                <a:miter lim="800000"/>
+                <a:headEnd/>
+                <a:tailEnd/>
+              </a14:hiddenLine>
+            </a:ext>
+            <a:ext uri="{AF507438-7753-43E0-B8FC-AC1667EBCBE1}">
+              <a14:hiddenEffects xmlns:a14="http://schemas.microsoft.com/office/drawing/2010/main">
+                <a:effectLst>
+                  <a:outerShdw dist="35921" dir="2700000" algn="ctr" rotWithShape="0">
+                    <a:schemeClr val="bg2"/>
+                  </a:outerShdw>
+                </a:effectLst>
+              </a14:hiddenEffects>
+            </a:ext>
+          </a:extLst>
+        </p:spPr>
+      </p:pic>
+      <p:sp>
+        <p:nvSpPr>
+          <p:cNvPr id="5" name="TextBox 4"/>
+          <p:cNvSpPr txBox="1"/>
+          <p:nvPr/>
+        </p:nvSpPr>
+        <p:spPr>
+          <a:xfrm>
+            <a:off x="609600" y="5867400"/>
+            <a:ext cx="7772400" cy="646331"/>
+          </a:xfrm>
+          <a:prstGeom prst="rect">
+            <a:avLst/>
+          </a:prstGeom>
+          <a:noFill/>
+        </p:spPr>
+        <p:txBody>
+          <a:bodyPr wrap="square" rtlCol="0">
+            <a:spAutoFit/>
+          </a:bodyPr>
+          <a:lstStyle/>
+          <a:p>
+            <a:pPr algn="ctr"/>
+            <a:r>
+              <a:rPr lang="en-US" sz="3600" b="1" dirty="0" smtClean="0"/>
+              <a:t>I’m an ORM King! </a:t>
+            </a:r>
+            <a:r>
+              <a:rPr lang="en-US" sz="3600" b="1" dirty="0" err="1" smtClean="0"/>
+              <a:t>Eaassssyyy</a:t>
+            </a:r>
+            <a:r>
+              <a:rPr lang="en-US" sz="3600" b="1" dirty="0" smtClean="0"/>
+              <a:t>!</a:t>
+            </a:r>
+            <a:endParaRPr lang="en-US" sz="3600" b="1" dirty="0"/>
+          </a:p>
+        </p:txBody>
+      </p:sp>
+    </p:spTree>
+    <p:extLst>
+      <p:ext uri="{BB962C8B-B14F-4D97-AF65-F5344CB8AC3E}">
+        <p14:creationId xmlns:p14="http://schemas.microsoft.com/office/powerpoint/2010/main" val="3147704402"/>
+      </p:ext>
+    </p:extLst>
+  </p:cSld>
+  <p:clrMapOvr>
+    <a:masterClrMapping/>
+  </p:clrMapOvr>
+  <p:timing>
+    <p:tnLst>
+      <p:par>
+        <p:cTn id="1" dur="indefinite" restart="never" nodeType="tmRoot"/>
+      </p:par>
+    </p:tnLst>
+  </p:timing>
+</p:sld>
+</file>
+
+<file path=ppt/slides/slide50.xml><?xml version="1.0" encoding="utf-8"?>
 <p:sld xmlns:a="http://schemas.openxmlformats.org/drawingml/2006/main" xmlns:r="http://schemas.openxmlformats.org/officeDocument/2006/relationships" xmlns:p="http://schemas.openxmlformats.org/presentationml/2006/main">
   <p:cSld>
     <p:spTree>
@@ -20514,7 +21480,7 @@
 </p:sld>
 </file>
 
-<file path=ppt/slides/slide44.xml><?xml version="1.0" encoding="utf-8"?>
+<file path=ppt/slides/slide51.xml><?xml version="1.0" encoding="utf-8"?>
 <p:sld xmlns:a="http://schemas.openxmlformats.org/drawingml/2006/main" xmlns:r="http://schemas.openxmlformats.org/officeDocument/2006/relationships" xmlns:p="http://schemas.openxmlformats.org/presentationml/2006/main">
   <p:cSld>
     <p:spTree>
@@ -20607,7 +21573,7 @@
 </p:sld>
 </file>
 
-<file path=ppt/slides/slide45.xml><?xml version="1.0" encoding="utf-8"?>
+<file path=ppt/slides/slide52.xml><?xml version="1.0" encoding="utf-8"?>
 <p:sld xmlns:a="http://schemas.openxmlformats.org/drawingml/2006/main" xmlns:r="http://schemas.openxmlformats.org/officeDocument/2006/relationships" xmlns:p="http://schemas.openxmlformats.org/presentationml/2006/main">
   <p:cSld>
     <p:spTree>
@@ -20760,7 +21726,7 @@
 </p:sld>
 </file>
 
-<file path=ppt/slides/slide46.xml><?xml version="1.0" encoding="utf-8"?>
+<file path=ppt/slides/slide53.xml><?xml version="1.0" encoding="utf-8"?>
 <p:sld xmlns:a="http://schemas.openxmlformats.org/drawingml/2006/main" xmlns:r="http://schemas.openxmlformats.org/officeDocument/2006/relationships" xmlns:p="http://schemas.openxmlformats.org/presentationml/2006/main">
   <p:cSld>
     <p:spTree>
@@ -20863,7 +21829,7 @@
 </p:sld>
 </file>
 
-<file path=ppt/slides/slide47.xml><?xml version="1.0" encoding="utf-8"?>
+<file path=ppt/slides/slide54.xml><?xml version="1.0" encoding="utf-8"?>
 <p:sld xmlns:a="http://schemas.openxmlformats.org/drawingml/2006/main" xmlns:r="http://schemas.openxmlformats.org/officeDocument/2006/relationships" xmlns:p="http://schemas.openxmlformats.org/presentationml/2006/main">
   <p:cSld>
     <p:spTree>
@@ -20968,7 +21934,7 @@
 </p:sld>
 </file>
 
-<file path=ppt/slides/slide48.xml><?xml version="1.0" encoding="utf-8"?>
+<file path=ppt/slides/slide55.xml><?xml version="1.0" encoding="utf-8"?>
 <p:sld xmlns:a="http://schemas.openxmlformats.org/drawingml/2006/main" xmlns:r="http://schemas.openxmlformats.org/officeDocument/2006/relationships" xmlns:p="http://schemas.openxmlformats.org/presentationml/2006/main">
   <p:cSld>
     <p:spTree>
@@ -21022,8 +21988,9 @@
             </a:r>
             <a:r>
               <a:rPr lang="en-US" dirty="0" smtClean="0"/>
-              <a:t>/log4j.properties</a:t>
-            </a:r>
+              <a:t>/lib/log4j.properties</a:t>
+            </a:r>
+            <a:endParaRPr lang="en-US" dirty="0" smtClean="0"/>
           </a:p>
           <a:p>
             <a:pPr lvl="1"/>
@@ -21105,7 +22072,7 @@
 </p:sld>
 </file>
 
-<file path=ppt/slides/slide49.xml><?xml version="1.0" encoding="utf-8"?>
+<file path=ppt/slides/slide56.xml><?xml version="1.0" encoding="utf-8"?>
 <p:sld xmlns:a="http://schemas.openxmlformats.org/drawingml/2006/main" xmlns:r="http://schemas.openxmlformats.org/officeDocument/2006/relationships" xmlns:p="http://schemas.openxmlformats.org/presentationml/2006/main">
   <p:cSld>
     <p:spTree>
@@ -21183,147 +22150,7 @@
 </p:sld>
 </file>
 
-<file path=ppt/slides/slide5.xml><?xml version="1.0" encoding="utf-8"?>
-<p:sld xmlns:a="http://schemas.openxmlformats.org/drawingml/2006/main" xmlns:r="http://schemas.openxmlformats.org/officeDocument/2006/relationships" xmlns:p="http://schemas.openxmlformats.org/presentationml/2006/main" showMasterSp="0">
-  <p:cSld>
-    <p:spTree>
-      <p:nvGrpSpPr>
-        <p:cNvPr id="1" name=""/>
-        <p:cNvGrpSpPr/>
-        <p:nvPr/>
-      </p:nvGrpSpPr>
-      <p:grpSpPr>
-        <a:xfrm>
-          <a:off x="0" y="0"/>
-          <a:ext cx="0" cy="0"/>
-          <a:chOff x="0" y="0"/>
-          <a:chExt cx="0" cy="0"/>
-        </a:xfrm>
-      </p:grpSpPr>
-      <p:pic>
-        <p:nvPicPr>
-          <p:cNvPr id="4" name="Picture 4"/>
-          <p:cNvPicPr>
-            <a:picLocks noChangeAspect="1" noChangeArrowheads="1"/>
-          </p:cNvPicPr>
-          <p:nvPr/>
-        </p:nvPicPr>
-        <p:blipFill>
-          <a:blip r:embed="rId2">
-            <a:extLst>
-              <a:ext uri="{28A0092B-C50C-407E-A947-70E740481C1C}">
-                <a14:useLocalDpi xmlns:a14="http://schemas.microsoft.com/office/drawing/2010/main" val="0"/>
-              </a:ext>
-            </a:extLst>
-          </a:blip>
-          <a:srcRect/>
-          <a:stretch>
-            <a:fillRect/>
-          </a:stretch>
-        </p:blipFill>
-        <p:spPr bwMode="auto">
-          <a:xfrm>
-            <a:off x="609600" y="239827"/>
-            <a:ext cx="7772400" cy="5360366"/>
-          </a:xfrm>
-          <a:prstGeom prst="rect">
-            <a:avLst/>
-          </a:prstGeom>
-          <a:noFill/>
-          <a:ln>
-            <a:noFill/>
-          </a:ln>
-          <a:effectLst/>
-          <a:extLst>
-            <a:ext uri="{909E8E84-426E-40DD-AFC4-6F175D3DCCD1}">
-              <a14:hiddenFill xmlns:a14="http://schemas.microsoft.com/office/drawing/2010/main">
-                <a:solidFill>
-                  <a:schemeClr val="accent1"/>
-                </a:solidFill>
-              </a14:hiddenFill>
-            </a:ext>
-            <a:ext uri="{91240B29-F687-4F45-9708-019B960494DF}">
-              <a14:hiddenLine xmlns:a14="http://schemas.microsoft.com/office/drawing/2010/main" w="9525">
-                <a:solidFill>
-                  <a:schemeClr val="tx1"/>
-                </a:solidFill>
-                <a:miter lim="800000"/>
-                <a:headEnd/>
-                <a:tailEnd/>
-              </a14:hiddenLine>
-            </a:ext>
-            <a:ext uri="{AF507438-7753-43E0-B8FC-AC1667EBCBE1}">
-              <a14:hiddenEffects xmlns:a14="http://schemas.microsoft.com/office/drawing/2010/main">
-                <a:effectLst>
-                  <a:outerShdw dist="35921" dir="2700000" algn="ctr" rotWithShape="0">
-                    <a:schemeClr val="bg2"/>
-                  </a:outerShdw>
-                </a:effectLst>
-              </a14:hiddenEffects>
-            </a:ext>
-          </a:extLst>
-        </p:spPr>
-      </p:pic>
-      <p:sp>
-        <p:nvSpPr>
-          <p:cNvPr id="5" name="TextBox 4"/>
-          <p:cNvSpPr txBox="1"/>
-          <p:nvPr/>
-        </p:nvSpPr>
-        <p:spPr>
-          <a:xfrm>
-            <a:off x="609600" y="5867400"/>
-            <a:ext cx="7772400" cy="646331"/>
-          </a:xfrm>
-          <a:prstGeom prst="rect">
-            <a:avLst/>
-          </a:prstGeom>
-          <a:noFill/>
-        </p:spPr>
-        <p:txBody>
-          <a:bodyPr wrap="square" rtlCol="0">
-            <a:spAutoFit/>
-          </a:bodyPr>
-          <a:lstStyle/>
-          <a:p>
-            <a:pPr algn="ctr"/>
-            <a:r>
-              <a:rPr lang="en-US" sz="3600" b="1" dirty="0" smtClean="0"/>
-              <a:t>I’m an ORM King! </a:t>
-            </a:r>
-            <a:r>
-              <a:rPr lang="en-US" sz="3600" b="1" dirty="0" err="1" smtClean="0"/>
-              <a:t>Eaassssyyy</a:t>
-            </a:r>
-            <a:r>
-              <a:rPr lang="en-US" sz="3600" b="1" dirty="0" smtClean="0"/>
-              <a:t>!</a:t>
-            </a:r>
-            <a:endParaRPr lang="en-US" sz="3600" b="1" dirty="0"/>
-          </a:p>
-        </p:txBody>
-      </p:sp>
-    </p:spTree>
-    <p:extLst>
-      <p:ext uri="{BB962C8B-B14F-4D97-AF65-F5344CB8AC3E}">
-        <p14:creationId xmlns:p14="http://schemas.microsoft.com/office/powerpoint/2010/main" val="3147704402"/>
-      </p:ext>
-    </p:extLst>
-  </p:cSld>
-  <p:clrMapOvr>
-    <a:masterClrMapping/>
-  </p:clrMapOvr>
-  <p:timing>
-    <p:tnLst>
-      <p:par>
-        <p:cTn id="1" dur="indefinite" restart="never" nodeType="tmRoot"/>
-      </p:par>
-    </p:tnLst>
-  </p:timing>
-</p:sld>
-</file>
-
-<file path=ppt/slides/slide50.xml><?xml version="1.0" encoding="utf-8"?>
+<file path=ppt/slides/slide57.xml><?xml version="1.0" encoding="utf-8"?>
 <p:sld xmlns:a="http://schemas.openxmlformats.org/drawingml/2006/main" xmlns:r="http://schemas.openxmlformats.org/officeDocument/2006/relationships" xmlns:p="http://schemas.openxmlformats.org/presentationml/2006/main">
   <p:cSld>
     <p:spTree>
@@ -21491,7 +22318,7 @@
 </p:sld>
 </file>
 
-<file path=ppt/slides/slide51.xml><?xml version="1.0" encoding="utf-8"?>
+<file path=ppt/slides/slide58.xml><?xml version="1.0" encoding="utf-8"?>
 <p:sld xmlns:a="http://schemas.openxmlformats.org/drawingml/2006/main" xmlns:r="http://schemas.openxmlformats.org/officeDocument/2006/relationships" xmlns:p="http://schemas.openxmlformats.org/presentationml/2006/main">
   <p:cSld>
     <p:spTree>
@@ -22111,11 +22938,7 @@
           <a:p>
             <a:r>
               <a:rPr lang="en-US" dirty="0" smtClean="0"/>
-              <a:t>“Why won’t you save</a:t>
-            </a:r>
-            <a:r>
-              <a:rPr lang="en-US" dirty="0" smtClean="0"/>
-              <a:t>?”</a:t>
+              <a:t>“Why won’t you save?”</a:t>
             </a:r>
           </a:p>
           <a:p>
@@ -22123,7 +22946,6 @@
               <a:rPr lang="en-US" dirty="0" smtClean="0"/>
               <a:t>“Why DID you save?”</a:t>
             </a:r>
-            <a:endParaRPr lang="en-US" dirty="0" smtClean="0"/>
           </a:p>
           <a:p>
             <a:r>

--- a/CFObjective_ORMZen/preso/orm_zen.ppt.pptx
+++ b/CFObjective_ORMZen/preso/orm_zen.ppt.pptx
@@ -53,16 +53,20 @@
     <p:sldId id="321" r:id="rId47"/>
     <p:sldId id="322" r:id="rId48"/>
     <p:sldId id="323" r:id="rId49"/>
-    <p:sldId id="315" r:id="rId50"/>
-    <p:sldId id="312" r:id="rId51"/>
-    <p:sldId id="304" r:id="rId52"/>
-    <p:sldId id="305" r:id="rId53"/>
-    <p:sldId id="306" r:id="rId54"/>
-    <p:sldId id="307" r:id="rId55"/>
-    <p:sldId id="308" r:id="rId56"/>
-    <p:sldId id="309" r:id="rId57"/>
-    <p:sldId id="310" r:id="rId58"/>
-    <p:sldId id="311" r:id="rId59"/>
+    <p:sldId id="325" r:id="rId50"/>
+    <p:sldId id="326" r:id="rId51"/>
+    <p:sldId id="327" r:id="rId52"/>
+    <p:sldId id="315" r:id="rId53"/>
+    <p:sldId id="312" r:id="rId54"/>
+    <p:sldId id="324" r:id="rId55"/>
+    <p:sldId id="304" r:id="rId56"/>
+    <p:sldId id="305" r:id="rId57"/>
+    <p:sldId id="306" r:id="rId58"/>
+    <p:sldId id="307" r:id="rId59"/>
+    <p:sldId id="308" r:id="rId60"/>
+    <p:sldId id="309" r:id="rId61"/>
+    <p:sldId id="310" r:id="rId62"/>
+    <p:sldId id="311" r:id="rId63"/>
   </p:sldIdLst>
   <p:sldSz cx="9144000" cy="6858000" type="screen4x3"/>
   <p:notesSz cx="6858000" cy="9144000"/>
@@ -15756,7 +15760,6 @@
               <a:rPr lang="en-US" dirty="0" smtClean="0"/>
               <a:t>One-to-Many: Adding to Collections</a:t>
             </a:r>
-            <a:endParaRPr lang="en-US" dirty="0" smtClean="0"/>
           </a:p>
           <a:p>
             <a:pPr marL="457200" indent="-457200">
@@ -15777,7 +15780,6 @@
               <a:rPr lang="en-US" dirty="0" smtClean="0"/>
               <a:t>One-to-Many: Deleting from Collections</a:t>
             </a:r>
-            <a:endParaRPr lang="en-US" dirty="0" smtClean="0"/>
           </a:p>
           <a:p>
             <a:pPr marL="457200" indent="-457200">
@@ -16469,7 +16471,6 @@
               <a:rPr lang="en-US" dirty="0" smtClean="0"/>
               <a:t>One-to-Many: Adding to Collections</a:t>
             </a:r>
-            <a:endParaRPr lang="en-US" dirty="0" smtClean="0"/>
           </a:p>
           <a:p>
             <a:pPr marL="457200" indent="-457200">
@@ -16490,7 +16491,6 @@
               <a:rPr lang="en-US" dirty="0" smtClean="0"/>
               <a:t>One-to-Many: Deleting from Collections</a:t>
             </a:r>
-            <a:endParaRPr lang="en-US" dirty="0" smtClean="0"/>
           </a:p>
           <a:p>
             <a:pPr marL="457200" indent="-457200">
@@ -17305,7 +17305,6 @@
               <a:rPr lang="en-US" dirty="0" smtClean="0"/>
               <a:t>One-to-Many: Adding to Collections</a:t>
             </a:r>
-            <a:endParaRPr lang="en-US" dirty="0" smtClean="0"/>
           </a:p>
           <a:p>
             <a:pPr marL="457200" indent="-457200">
@@ -17326,7 +17325,6 @@
               <a:rPr lang="en-US" dirty="0" smtClean="0"/>
               <a:t>One-to-Many: Deleting from Collections</a:t>
             </a:r>
-            <a:endParaRPr lang="en-US" dirty="0" smtClean="0"/>
           </a:p>
           <a:p>
             <a:pPr marL="457200" indent="-457200">
@@ -17444,11 +17442,7 @@
             </a:r>
             <a:r>
               <a:rPr lang="en-US" dirty="0" smtClean="0"/>
-              <a:t> </a:t>
-            </a:r>
-            <a:r>
-              <a:rPr lang="en-US" dirty="0" smtClean="0"/>
-              <a:t>just got </a:t>
+              <a:t> just got </a:t>
             </a:r>
             <a:r>
               <a:rPr lang="en-US" dirty="0" err="1" smtClean="0"/>
@@ -18109,11 +18103,7 @@
             </a:r>
             <a:r>
               <a:rPr lang="en-US" dirty="0" smtClean="0"/>
-              <a:t> </a:t>
-            </a:r>
-            <a:r>
-              <a:rPr lang="en-US" dirty="0" smtClean="0"/>
-              <a:t>just got </a:t>
+              <a:t> just got </a:t>
             </a:r>
             <a:r>
               <a:rPr lang="en-US" dirty="0" err="1" smtClean="0"/>
@@ -18355,7 +18345,6 @@
               <a:rPr lang="en-US" dirty="0" smtClean="0"/>
               <a:t>One-to-Many: Adding to Collections</a:t>
             </a:r>
-            <a:endParaRPr lang="en-US" dirty="0" smtClean="0"/>
           </a:p>
           <a:p>
             <a:pPr marL="457200" indent="-457200">
@@ -18376,7 +18365,6 @@
               <a:rPr lang="en-US" dirty="0" smtClean="0"/>
               <a:t>One-to-Many: Deleting from Collections</a:t>
             </a:r>
-            <a:endParaRPr lang="en-US" dirty="0" smtClean="0"/>
           </a:p>
           <a:p>
             <a:pPr marL="457200" indent="-457200">
@@ -18612,11 +18600,7 @@
             </a:r>
             <a:r>
               <a:rPr lang="en-US" dirty="0" smtClean="0"/>
-              <a:t>have </a:t>
-            </a:r>
-            <a:r>
-              <a:rPr lang="en-US" dirty="0" smtClean="0"/>
-              <a:t>no concept of bi-di </a:t>
+              <a:t>have no concept of bi-di </a:t>
             </a:r>
           </a:p>
           <a:p>
@@ -19062,7 +19046,6 @@
               <a:rPr lang="en-US" b="1" dirty="0" smtClean="0"/>
               <a:t>One-to-Many: Adding to Collections</a:t>
             </a:r>
-            <a:endParaRPr lang="en-US" b="1" dirty="0" smtClean="0"/>
           </a:p>
           <a:p>
             <a:pPr marL="457200" indent="-457200">
@@ -19083,7 +19066,6 @@
               <a:rPr lang="en-US" dirty="0" smtClean="0"/>
               <a:t>One-to-Many: Deleting from Collections</a:t>
             </a:r>
-            <a:endParaRPr lang="en-US" dirty="0" smtClean="0"/>
           </a:p>
           <a:p>
             <a:pPr marL="457200" indent="-457200">
@@ -19291,19 +19273,7 @@
           <a:p>
             <a:r>
               <a:rPr lang="en-US" dirty="0" smtClean="0"/>
-              <a:t>Demo </a:t>
-            </a:r>
-            <a:r>
-              <a:rPr lang="en-US" dirty="0" smtClean="0"/>
-              <a:t>one-to-many saves </a:t>
-            </a:r>
-            <a:r>
-              <a:rPr lang="en-US" dirty="0" smtClean="0"/>
-              <a:t>with </a:t>
-            </a:r>
-            <a:r>
-              <a:rPr lang="en-US" dirty="0" smtClean="0"/>
-              <a:t>and without cascade</a:t>
+              <a:t>Demo one-to-many saves with and without cascade</a:t>
             </a:r>
             <a:endParaRPr lang="en-US" dirty="0"/>
           </a:p>
@@ -19705,7 +19675,6 @@
               <a:rPr lang="en-US" dirty="0" smtClean="0"/>
               <a:t>One-to-Many: Adding to Collections</a:t>
             </a:r>
-            <a:endParaRPr lang="en-US" dirty="0" smtClean="0"/>
           </a:p>
           <a:p>
             <a:pPr marL="457200" indent="-457200">
@@ -19726,7 +19695,6 @@
               <a:rPr lang="en-US" dirty="0" smtClean="0"/>
               <a:t>One-to-Many: Deleting from Collections</a:t>
             </a:r>
-            <a:endParaRPr lang="en-US" dirty="0" smtClean="0"/>
           </a:p>
           <a:p>
             <a:pPr marL="457200" indent="-457200">
@@ -19956,11 +19924,7 @@
           <a:p>
             <a:r>
               <a:rPr lang="en-US" dirty="0" smtClean="0"/>
-              <a:t>Demo: </a:t>
-            </a:r>
-            <a:r>
-              <a:rPr lang="en-US" dirty="0" smtClean="0"/>
-              <a:t>The Devil Knob</a:t>
+              <a:t>Demo: The Devil Knob</a:t>
             </a:r>
             <a:endParaRPr lang="en-US" dirty="0"/>
           </a:p>
@@ -20175,7 +20139,6 @@
               <a:rPr lang="en-US" dirty="0" smtClean="0"/>
               <a:t>One-to-Many: Adding to Collections</a:t>
             </a:r>
-            <a:endParaRPr lang="en-US" dirty="0" smtClean="0"/>
           </a:p>
           <a:p>
             <a:pPr marL="457200" indent="-457200">
@@ -20196,7 +20159,6 @@
               <a:rPr lang="en-US" b="1" dirty="0" smtClean="0"/>
               <a:t>One-to-Many: Deleting from Collections</a:t>
             </a:r>
-            <a:endParaRPr lang="en-US" b="1" dirty="0" smtClean="0"/>
           </a:p>
           <a:p>
             <a:pPr marL="457200" indent="-457200">
@@ -20410,11 +20372,7 @@
           <a:p>
             <a:r>
               <a:rPr lang="en-US" dirty="0" smtClean="0"/>
-              <a:t>Demo: </a:t>
-            </a:r>
-            <a:r>
-              <a:rPr lang="en-US" dirty="0" smtClean="0"/>
-              <a:t>Deleting from a Collection</a:t>
+              <a:t>Demo: Deleting from a Collection</a:t>
             </a:r>
             <a:endParaRPr lang="en-US" dirty="0"/>
           </a:p>
@@ -20558,155 +20516,87 @@
             <p:ph idx="1"/>
           </p:nvPr>
         </p:nvSpPr>
-        <p:spPr/>
+        <p:spPr>
+          <a:xfrm>
+            <a:off x="872067" y="2675467"/>
+            <a:ext cx="7738533" cy="3450696"/>
+          </a:xfrm>
+        </p:spPr>
         <p:txBody>
           <a:bodyPr>
-            <a:normAutofit lnSpcReduction="10000"/>
+            <a:normAutofit/>
           </a:bodyPr>
           <a:lstStyle/>
           <a:p>
-            <a:r>
-              <a:rPr lang="en-US" dirty="0" smtClean="0"/>
-              <a:t>I learned most of this stuff from</a:t>
-            </a:r>
-          </a:p>
-          <a:p>
-            <a:pPr lvl="1"/>
-            <a:r>
-              <a:rPr lang="en-US" b="1" dirty="0" smtClean="0">
-                <a:solidFill>
-                  <a:srgbClr val="C00000"/>
-                </a:solidFill>
-              </a:rPr>
-              <a:t>Bob Silverberg</a:t>
-            </a:r>
-          </a:p>
-          <a:p>
-            <a:pPr lvl="1"/>
-            <a:r>
-              <a:rPr lang="en-US" b="1" dirty="0" smtClean="0">
-                <a:solidFill>
-                  <a:srgbClr val="C00000"/>
-                </a:solidFill>
-              </a:rPr>
-              <a:t>Brian </a:t>
-            </a:r>
-            <a:r>
-              <a:rPr lang="en-US" b="1" dirty="0" err="1" smtClean="0">
-                <a:solidFill>
-                  <a:srgbClr val="C00000"/>
-                </a:solidFill>
-              </a:rPr>
-              <a:t>Kotek</a:t>
-            </a:r>
-            <a:endParaRPr lang="en-US" b="1" dirty="0" smtClean="0">
-              <a:solidFill>
-                <a:srgbClr val="C00000"/>
-              </a:solidFill>
-            </a:endParaRPr>
-          </a:p>
-          <a:p>
-            <a:pPr lvl="1"/>
-            <a:r>
-              <a:rPr lang="en-US" b="1" dirty="0" smtClean="0">
-                <a:solidFill>
-                  <a:srgbClr val="C00000"/>
-                </a:solidFill>
-              </a:rPr>
-              <a:t>Joe Rinehart</a:t>
-            </a:r>
-          </a:p>
-          <a:p>
-            <a:pPr lvl="1"/>
-            <a:r>
-              <a:rPr lang="en-US" b="1" dirty="0" smtClean="0">
-                <a:solidFill>
-                  <a:srgbClr val="C00000"/>
-                </a:solidFill>
-              </a:rPr>
-              <a:t>Mark Mandel</a:t>
-            </a:r>
-          </a:p>
-          <a:p>
-            <a:pPr lvl="1"/>
-            <a:r>
-              <a:rPr lang="en-US" b="1" dirty="0" smtClean="0">
-                <a:solidFill>
-                  <a:srgbClr val="C00000"/>
-                </a:solidFill>
-              </a:rPr>
-              <a:t>Barney </a:t>
-            </a:r>
-            <a:r>
-              <a:rPr lang="en-US" b="1" dirty="0" err="1" smtClean="0">
-                <a:solidFill>
-                  <a:srgbClr val="C00000"/>
-                </a:solidFill>
-              </a:rPr>
-              <a:t>Boisvert</a:t>
-            </a:r>
-            <a:endParaRPr lang="en-US" b="1" dirty="0" smtClean="0">
-              <a:solidFill>
-                <a:srgbClr val="C00000"/>
-              </a:solidFill>
-            </a:endParaRPr>
-          </a:p>
-          <a:p>
-            <a:pPr lvl="1"/>
-            <a:r>
-              <a:rPr lang="en-US" b="1" dirty="0" smtClean="0">
-                <a:solidFill>
-                  <a:srgbClr val="C00000"/>
-                </a:solidFill>
-              </a:rPr>
-              <a:t>Dan Vega</a:t>
-            </a:r>
-          </a:p>
-          <a:p>
-            <a:pPr lvl="1"/>
-            <a:r>
-              <a:rPr lang="en-US" b="1" dirty="0" smtClean="0">
-                <a:solidFill>
-                  <a:srgbClr val="C00000"/>
-                </a:solidFill>
-              </a:rPr>
-              <a:t>32 bottles of </a:t>
-            </a:r>
-            <a:r>
-              <a:rPr lang="en-US" b="1" dirty="0" err="1" smtClean="0">
-                <a:solidFill>
-                  <a:srgbClr val="C00000"/>
-                </a:solidFill>
-              </a:rPr>
-              <a:t>Dalwhinnie</a:t>
-            </a:r>
-            <a:r>
-              <a:rPr lang="en-US" b="1" dirty="0" smtClean="0">
-                <a:solidFill>
-                  <a:srgbClr val="C00000"/>
-                </a:solidFill>
-              </a:rPr>
-              <a:t> 15 year Scotch</a:t>
-            </a:r>
-          </a:p>
-          <a:p>
-            <a:pPr lvl="1"/>
-            <a:r>
-              <a:rPr lang="en-US" b="1" dirty="0" smtClean="0">
-                <a:solidFill>
-                  <a:srgbClr val="C00000"/>
-                </a:solidFill>
-              </a:rPr>
-              <a:t>Hours upon hours of suffering</a:t>
-            </a:r>
-          </a:p>
-          <a:p>
-            <a:pPr lvl="1"/>
-            <a:endParaRPr lang="en-US" b="1" dirty="0">
-              <a:solidFill>
-                <a:srgbClr val="C00000"/>
-              </a:solidFill>
-            </a:endParaRPr>
+            <a:pPr marL="457200" indent="-457200">
+              <a:buFont typeface="+mj-lt"/>
+              <a:buAutoNum type="arabicPeriod"/>
+            </a:pPr>
+            <a:r>
+              <a:rPr lang="en-US" dirty="0" smtClean="0"/>
+              <a:t> ORM Settings -- Control the Session Flush</a:t>
+            </a:r>
+          </a:p>
+          <a:p>
+            <a:pPr marL="457200" indent="-457200">
+              <a:buFont typeface="+mj-lt"/>
+              <a:buAutoNum type="arabicPeriod"/>
+            </a:pPr>
+            <a:r>
+              <a:rPr lang="en-US" dirty="0" smtClean="0"/>
+              <a:t>Many-to-One Relationships</a:t>
+            </a:r>
+          </a:p>
+          <a:p>
+            <a:pPr marL="457200" indent="-457200">
+              <a:buFont typeface="+mj-lt"/>
+              <a:buAutoNum type="arabicPeriod"/>
+            </a:pPr>
+            <a:r>
+              <a:rPr lang="en-US" dirty="0" smtClean="0"/>
+              <a:t>One-to-Many Intro: Bidirectional relationships</a:t>
+            </a:r>
+          </a:p>
+          <a:p>
+            <a:pPr marL="457200" indent="-457200">
+              <a:buFont typeface="+mj-lt"/>
+              <a:buAutoNum type="arabicPeriod"/>
+            </a:pPr>
+            <a:r>
+              <a:rPr lang="en-US" dirty="0" smtClean="0"/>
+              <a:t>One-to-Many: Adding to Collections</a:t>
+            </a:r>
+          </a:p>
+          <a:p>
+            <a:pPr marL="457200" indent="-457200">
+              <a:buFont typeface="+mj-lt"/>
+              <a:buAutoNum type="arabicPeriod"/>
+            </a:pPr>
+            <a:r>
+              <a:rPr lang="en-US" dirty="0" smtClean="0"/>
+              <a:t>One-to-Many: inverse and “relationship owner”</a:t>
+            </a:r>
+          </a:p>
+          <a:p>
+            <a:pPr marL="457200" indent="-457200">
+              <a:buFont typeface="+mj-lt"/>
+              <a:buAutoNum type="arabicPeriod"/>
+            </a:pPr>
+            <a:r>
+              <a:rPr lang="en-US" dirty="0" smtClean="0"/>
+              <a:t>One-to-Many: Deleting from Collections</a:t>
+            </a:r>
+          </a:p>
+          <a:p>
+            <a:pPr marL="457200" indent="-457200">
+              <a:buFont typeface="+mj-lt"/>
+              <a:buAutoNum type="arabicPeriod"/>
+            </a:pPr>
+            <a:r>
+              <a:rPr lang="en-US" b="1" dirty="0" smtClean="0"/>
+              <a:t>Hibernate Session and the ColdFusion Session scope</a:t>
+            </a:r>
+            <a:endParaRPr lang="en-US" b="1" dirty="0"/>
           </a:p>
         </p:txBody>
       </p:sp>
@@ -20727,7 +20617,7 @@
           <a:p>
             <a:r>
               <a:rPr lang="en-US" dirty="0" smtClean="0"/>
-              <a:t>Thanks to my teachers</a:t>
+              <a:t>Agenda</a:t>
             </a:r>
             <a:endParaRPr lang="en-US" dirty="0"/>
           </a:p>
@@ -20736,7 +20626,7 @@
     </p:spTree>
     <p:extLst>
       <p:ext uri="{BB962C8B-B14F-4D97-AF65-F5344CB8AC3E}">
-        <p14:creationId xmlns:p14="http://schemas.microsoft.com/office/powerpoint/2010/main" val="666231498"/>
+        <p14:creationId xmlns:p14="http://schemas.microsoft.com/office/powerpoint/2010/main" val="1113937495"/>
       </p:ext>
     </p:extLst>
   </p:cSld>
@@ -20894,6 +20784,484 @@
 </file>
 
 <file path=ppt/slides/slide50.xml><?xml version="1.0" encoding="utf-8"?>
+<p:sld xmlns:a="http://schemas.openxmlformats.org/drawingml/2006/main" xmlns:r="http://schemas.openxmlformats.org/officeDocument/2006/relationships" xmlns:p="http://schemas.openxmlformats.org/presentationml/2006/main">
+  <p:cSld>
+    <p:spTree>
+      <p:nvGrpSpPr>
+        <p:cNvPr id="1" name=""/>
+        <p:cNvGrpSpPr/>
+        <p:nvPr/>
+      </p:nvGrpSpPr>
+      <p:grpSpPr>
+        <a:xfrm>
+          <a:off x="0" y="0"/>
+          <a:ext cx="0" cy="0"/>
+          <a:chOff x="0" y="0"/>
+          <a:chExt cx="0" cy="0"/>
+        </a:xfrm>
+      </p:grpSpPr>
+      <p:sp>
+        <p:nvSpPr>
+          <p:cNvPr id="2" name="Content Placeholder 1"/>
+          <p:cNvSpPr>
+            <a:spLocks noGrp="1"/>
+          </p:cNvSpPr>
+          <p:nvPr>
+            <p:ph idx="1"/>
+          </p:nvPr>
+        </p:nvSpPr>
+        <p:spPr>
+          <a:xfrm>
+            <a:off x="380999" y="2362200"/>
+            <a:ext cx="8534401" cy="3763963"/>
+          </a:xfrm>
+        </p:spPr>
+        <p:txBody>
+          <a:bodyPr/>
+          <a:lstStyle/>
+          <a:p>
+            <a:r>
+              <a:rPr lang="en-US" dirty="0" smtClean="0"/>
+              <a:t>When I store my user object in the session, and then change it and </a:t>
+            </a:r>
+            <a:r>
+              <a:rPr lang="en-US" dirty="0" err="1" smtClean="0"/>
+              <a:t>entitySave</a:t>
+            </a:r>
+            <a:r>
+              <a:rPr lang="en-US" dirty="0" smtClean="0"/>
+              <a:t>(), I get weirdo Hibernate errors</a:t>
+            </a:r>
+            <a:endParaRPr lang="en-US" dirty="0"/>
+          </a:p>
+        </p:txBody>
+      </p:sp>
+      <p:sp>
+        <p:nvSpPr>
+          <p:cNvPr id="3" name="Title 2"/>
+          <p:cNvSpPr>
+            <a:spLocks noGrp="1"/>
+          </p:cNvSpPr>
+          <p:nvPr>
+            <p:ph type="title"/>
+          </p:nvPr>
+        </p:nvSpPr>
+        <p:spPr/>
+        <p:txBody>
+          <a:bodyPr/>
+          <a:lstStyle/>
+          <a:p>
+            <a:r>
+              <a:rPr lang="en-US" dirty="0" smtClean="0"/>
+              <a:t>Suffering</a:t>
+            </a:r>
+            <a:endParaRPr lang="en-US" dirty="0"/>
+          </a:p>
+        </p:txBody>
+      </p:sp>
+    </p:spTree>
+    <p:extLst>
+      <p:ext uri="{BB962C8B-B14F-4D97-AF65-F5344CB8AC3E}">
+        <p14:creationId xmlns:p14="http://schemas.microsoft.com/office/powerpoint/2010/main" val="2932508157"/>
+      </p:ext>
+    </p:extLst>
+  </p:cSld>
+  <p:clrMapOvr>
+    <a:masterClrMapping/>
+  </p:clrMapOvr>
+  <p:timing>
+    <p:tnLst>
+      <p:par>
+        <p:cTn id="1" dur="indefinite" restart="never" nodeType="tmRoot"/>
+      </p:par>
+    </p:tnLst>
+  </p:timing>
+</p:sld>
+</file>
+
+<file path=ppt/slides/slide51.xml><?xml version="1.0" encoding="utf-8"?>
+<p:sld xmlns:a="http://schemas.openxmlformats.org/drawingml/2006/main" xmlns:r="http://schemas.openxmlformats.org/officeDocument/2006/relationships" xmlns:p="http://schemas.openxmlformats.org/presentationml/2006/main">
+  <p:cSld>
+    <p:spTree>
+      <p:nvGrpSpPr>
+        <p:cNvPr id="1" name=""/>
+        <p:cNvGrpSpPr/>
+        <p:nvPr/>
+      </p:nvGrpSpPr>
+      <p:grpSpPr>
+        <a:xfrm>
+          <a:off x="0" y="0"/>
+          <a:ext cx="0" cy="0"/>
+          <a:chOff x="0" y="0"/>
+          <a:chExt cx="0" cy="0"/>
+        </a:xfrm>
+      </p:grpSpPr>
+      <p:sp>
+        <p:nvSpPr>
+          <p:cNvPr id="2" name="Content Placeholder 1"/>
+          <p:cNvSpPr>
+            <a:spLocks noGrp="1"/>
+          </p:cNvSpPr>
+          <p:nvPr>
+            <p:ph idx="1"/>
+          </p:nvPr>
+        </p:nvSpPr>
+        <p:spPr/>
+        <p:txBody>
+          <a:bodyPr/>
+          <a:lstStyle/>
+          <a:p>
+            <a:r>
+              <a:rPr lang="en-US" dirty="0" smtClean="0"/>
+              <a:t>Just don’t do </a:t>
+            </a:r>
+            <a:r>
+              <a:rPr lang="en-US" dirty="0"/>
+              <a:t>it (How’s that for Zen</a:t>
+            </a:r>
+            <a:r>
+              <a:rPr lang="en-US" dirty="0" smtClean="0"/>
+              <a:t>!</a:t>
+            </a:r>
+            <a:r>
+              <a:rPr lang="en-US" dirty="0" smtClean="0"/>
+              <a:t>)</a:t>
+            </a:r>
+          </a:p>
+          <a:p>
+            <a:endParaRPr lang="en-US" dirty="0"/>
+          </a:p>
+          <a:p>
+            <a:r>
+              <a:rPr lang="en-US" dirty="0" smtClean="0"/>
+              <a:t>Store simple values (</a:t>
+            </a:r>
+            <a:r>
+              <a:rPr lang="en-US" dirty="0" err="1" smtClean="0"/>
+              <a:t>userID</a:t>
+            </a:r>
+            <a:r>
+              <a:rPr lang="en-US" dirty="0" smtClean="0"/>
+              <a:t>) in session scope, then </a:t>
+            </a:r>
+            <a:r>
+              <a:rPr lang="en-US" dirty="0" err="1" smtClean="0"/>
+              <a:t>entityLoadByPK</a:t>
+            </a:r>
+            <a:r>
+              <a:rPr lang="en-US" dirty="0" smtClean="0"/>
+              <a:t>(“User”,</a:t>
+            </a:r>
+            <a:r>
+              <a:rPr lang="en-US" dirty="0"/>
+              <a:t> </a:t>
+            </a:r>
+            <a:r>
+              <a:rPr lang="en-US" dirty="0" err="1" smtClean="0"/>
+              <a:t>session.userID</a:t>
+            </a:r>
+            <a:r>
+              <a:rPr lang="en-US" dirty="0" smtClean="0"/>
+              <a:t>) when you need that object</a:t>
+            </a:r>
+          </a:p>
+          <a:p>
+            <a:endParaRPr lang="en-US" dirty="0"/>
+          </a:p>
+          <a:p>
+            <a:r>
+              <a:rPr lang="en-US" dirty="0" smtClean="0"/>
+              <a:t>The second you type “</a:t>
+            </a:r>
+            <a:r>
+              <a:rPr lang="en-US" dirty="0" err="1" smtClean="0"/>
+              <a:t>EntityMerge</a:t>
+            </a:r>
+            <a:r>
+              <a:rPr lang="en-US" dirty="0" smtClean="0"/>
+              <a:t>()”, you’re travelling down the trail </a:t>
+            </a:r>
+            <a:r>
+              <a:rPr lang="en-US" smtClean="0"/>
+              <a:t>of suffering</a:t>
+            </a:r>
+            <a:endParaRPr lang="en-US" dirty="0" smtClean="0"/>
+          </a:p>
+        </p:txBody>
+      </p:sp>
+      <p:sp>
+        <p:nvSpPr>
+          <p:cNvPr id="3" name="Title 2"/>
+          <p:cNvSpPr>
+            <a:spLocks noGrp="1"/>
+          </p:cNvSpPr>
+          <p:nvPr>
+            <p:ph type="title"/>
+          </p:nvPr>
+        </p:nvSpPr>
+        <p:spPr>
+          <a:xfrm>
+            <a:off x="228600" y="262128"/>
+            <a:ext cx="8686800" cy="1642872"/>
+          </a:xfrm>
+        </p:spPr>
+        <p:txBody>
+          <a:bodyPr>
+            <a:normAutofit fontScale="90000"/>
+          </a:bodyPr>
+          <a:lstStyle/>
+          <a:p>
+            <a:r>
+              <a:rPr lang="en-US" dirty="0" smtClean="0"/>
+              <a:t>Enlightenment: </a:t>
+            </a:r>
+            <a:br>
+              <a:rPr lang="en-US" dirty="0" smtClean="0"/>
+            </a:br>
+            <a:r>
+              <a:rPr lang="en-US" sz="4000" dirty="0" smtClean="0"/>
+              <a:t>Persistent objects and CF Session  Scope</a:t>
+            </a:r>
+            <a:endParaRPr lang="en-US" sz="4000" dirty="0"/>
+          </a:p>
+        </p:txBody>
+      </p:sp>
+    </p:spTree>
+    <p:extLst>
+      <p:ext uri="{BB962C8B-B14F-4D97-AF65-F5344CB8AC3E}">
+        <p14:creationId xmlns:p14="http://schemas.microsoft.com/office/powerpoint/2010/main" val="2848442638"/>
+      </p:ext>
+    </p:extLst>
+  </p:cSld>
+  <p:clrMapOvr>
+    <a:masterClrMapping/>
+  </p:clrMapOvr>
+</p:sld>
+</file>
+
+<file path=ppt/slides/slide52.xml><?xml version="1.0" encoding="utf-8"?>
+<p:sld xmlns:a="http://schemas.openxmlformats.org/drawingml/2006/main" xmlns:r="http://schemas.openxmlformats.org/officeDocument/2006/relationships" xmlns:p="http://schemas.openxmlformats.org/presentationml/2006/main">
+  <p:cSld>
+    <p:spTree>
+      <p:nvGrpSpPr>
+        <p:cNvPr id="1" name=""/>
+        <p:cNvGrpSpPr/>
+        <p:nvPr/>
+      </p:nvGrpSpPr>
+      <p:grpSpPr>
+        <a:xfrm>
+          <a:off x="0" y="0"/>
+          <a:ext cx="0" cy="0"/>
+          <a:chOff x="0" y="0"/>
+          <a:chExt cx="0" cy="0"/>
+        </a:xfrm>
+      </p:grpSpPr>
+      <p:sp>
+        <p:nvSpPr>
+          <p:cNvPr id="2" name="Content Placeholder 1"/>
+          <p:cNvSpPr>
+            <a:spLocks noGrp="1"/>
+          </p:cNvSpPr>
+          <p:nvPr>
+            <p:ph idx="1"/>
+          </p:nvPr>
+        </p:nvSpPr>
+        <p:spPr/>
+        <p:txBody>
+          <a:bodyPr>
+            <a:normAutofit lnSpcReduction="10000"/>
+          </a:bodyPr>
+          <a:lstStyle/>
+          <a:p>
+            <a:r>
+              <a:rPr lang="en-US" dirty="0" smtClean="0"/>
+              <a:t>I learned most of this stuff from</a:t>
+            </a:r>
+          </a:p>
+          <a:p>
+            <a:pPr lvl="1"/>
+            <a:r>
+              <a:rPr lang="en-US" b="1" dirty="0" smtClean="0">
+                <a:solidFill>
+                  <a:srgbClr val="C00000"/>
+                </a:solidFill>
+              </a:rPr>
+              <a:t>Bob Silverberg</a:t>
+            </a:r>
+          </a:p>
+          <a:p>
+            <a:pPr lvl="1"/>
+            <a:r>
+              <a:rPr lang="en-US" b="1" dirty="0" smtClean="0">
+                <a:solidFill>
+                  <a:srgbClr val="C00000"/>
+                </a:solidFill>
+              </a:rPr>
+              <a:t>Brian </a:t>
+            </a:r>
+            <a:r>
+              <a:rPr lang="en-US" b="1" dirty="0" err="1" smtClean="0">
+                <a:solidFill>
+                  <a:srgbClr val="C00000"/>
+                </a:solidFill>
+              </a:rPr>
+              <a:t>Kotek</a:t>
+            </a:r>
+            <a:endParaRPr lang="en-US" b="1" dirty="0" smtClean="0">
+              <a:solidFill>
+                <a:srgbClr val="C00000"/>
+              </a:solidFill>
+            </a:endParaRPr>
+          </a:p>
+          <a:p>
+            <a:pPr lvl="1"/>
+            <a:r>
+              <a:rPr lang="en-US" b="1" dirty="0" smtClean="0">
+                <a:solidFill>
+                  <a:srgbClr val="C00000"/>
+                </a:solidFill>
+              </a:rPr>
+              <a:t>Joe Rinehart</a:t>
+            </a:r>
+          </a:p>
+          <a:p>
+            <a:pPr lvl="1"/>
+            <a:r>
+              <a:rPr lang="en-US" b="1" dirty="0" smtClean="0">
+                <a:solidFill>
+                  <a:srgbClr val="C00000"/>
+                </a:solidFill>
+              </a:rPr>
+              <a:t>Mark Mandel</a:t>
+            </a:r>
+          </a:p>
+          <a:p>
+            <a:pPr lvl="1"/>
+            <a:r>
+              <a:rPr lang="en-US" b="1" dirty="0" smtClean="0">
+                <a:solidFill>
+                  <a:srgbClr val="C00000"/>
+                </a:solidFill>
+              </a:rPr>
+              <a:t>Barney </a:t>
+            </a:r>
+            <a:r>
+              <a:rPr lang="en-US" b="1" dirty="0" err="1" smtClean="0">
+                <a:solidFill>
+                  <a:srgbClr val="C00000"/>
+                </a:solidFill>
+              </a:rPr>
+              <a:t>Boisvert</a:t>
+            </a:r>
+            <a:endParaRPr lang="en-US" b="1" dirty="0" smtClean="0">
+              <a:solidFill>
+                <a:srgbClr val="C00000"/>
+              </a:solidFill>
+            </a:endParaRPr>
+          </a:p>
+          <a:p>
+            <a:pPr lvl="1"/>
+            <a:r>
+              <a:rPr lang="en-US" b="1" dirty="0" smtClean="0">
+                <a:solidFill>
+                  <a:srgbClr val="C00000"/>
+                </a:solidFill>
+              </a:rPr>
+              <a:t>Dan Vega</a:t>
+            </a:r>
+          </a:p>
+          <a:p>
+            <a:pPr lvl="1"/>
+            <a:r>
+              <a:rPr lang="en-US" b="1" dirty="0" smtClean="0">
+                <a:solidFill>
+                  <a:srgbClr val="C00000"/>
+                </a:solidFill>
+              </a:rPr>
+              <a:t>32 bottles of </a:t>
+            </a:r>
+            <a:r>
+              <a:rPr lang="en-US" b="1" dirty="0" err="1" smtClean="0">
+                <a:solidFill>
+                  <a:srgbClr val="C00000"/>
+                </a:solidFill>
+              </a:rPr>
+              <a:t>Dalwhinnie</a:t>
+            </a:r>
+            <a:r>
+              <a:rPr lang="en-US" b="1" dirty="0" smtClean="0">
+                <a:solidFill>
+                  <a:srgbClr val="C00000"/>
+                </a:solidFill>
+              </a:rPr>
+              <a:t> 15 year Scotch</a:t>
+            </a:r>
+          </a:p>
+          <a:p>
+            <a:pPr lvl="1"/>
+            <a:r>
+              <a:rPr lang="en-US" b="1" dirty="0" smtClean="0">
+                <a:solidFill>
+                  <a:srgbClr val="C00000"/>
+                </a:solidFill>
+              </a:rPr>
+              <a:t>Hours upon hours of suffering</a:t>
+            </a:r>
+          </a:p>
+          <a:p>
+            <a:pPr lvl="1"/>
+            <a:endParaRPr lang="en-US" b="1" dirty="0">
+              <a:solidFill>
+                <a:srgbClr val="C00000"/>
+              </a:solidFill>
+            </a:endParaRPr>
+          </a:p>
+        </p:txBody>
+      </p:sp>
+      <p:sp>
+        <p:nvSpPr>
+          <p:cNvPr id="3" name="Title 2"/>
+          <p:cNvSpPr>
+            <a:spLocks noGrp="1"/>
+          </p:cNvSpPr>
+          <p:nvPr>
+            <p:ph type="title"/>
+          </p:nvPr>
+        </p:nvSpPr>
+        <p:spPr/>
+        <p:txBody>
+          <a:bodyPr/>
+          <a:lstStyle/>
+          <a:p>
+            <a:r>
+              <a:rPr lang="en-US" dirty="0" smtClean="0"/>
+              <a:t>Thanks to my teachers</a:t>
+            </a:r>
+            <a:endParaRPr lang="en-US" dirty="0"/>
+          </a:p>
+        </p:txBody>
+      </p:sp>
+    </p:spTree>
+    <p:extLst>
+      <p:ext uri="{BB962C8B-B14F-4D97-AF65-F5344CB8AC3E}">
+        <p14:creationId xmlns:p14="http://schemas.microsoft.com/office/powerpoint/2010/main" val="666231498"/>
+      </p:ext>
+    </p:extLst>
+  </p:cSld>
+  <p:clrMapOvr>
+    <a:masterClrMapping/>
+  </p:clrMapOvr>
+  <p:timing>
+    <p:tnLst>
+      <p:par>
+        <p:cTn id="1" dur="indefinite" restart="never" nodeType="tmRoot"/>
+      </p:par>
+    </p:tnLst>
+  </p:timing>
+</p:sld>
+</file>
+
+<file path=ppt/slides/slide53.xml><?xml version="1.0" encoding="utf-8"?>
 <p:sld xmlns:a="http://schemas.openxmlformats.org/drawingml/2006/main" xmlns:r="http://schemas.openxmlformats.org/officeDocument/2006/relationships" xmlns:p="http://schemas.openxmlformats.org/presentationml/2006/main">
   <p:cSld>
     <p:spTree>
@@ -21480,7 +21848,7 @@
 </p:sld>
 </file>
 
-<file path=ppt/slides/slide51.xml><?xml version="1.0" encoding="utf-8"?>
+<file path=ppt/slides/slide54.xml><?xml version="1.0" encoding="utf-8"?>
 <p:sld xmlns:a="http://schemas.openxmlformats.org/drawingml/2006/main" xmlns:r="http://schemas.openxmlformats.org/officeDocument/2006/relationships" xmlns:p="http://schemas.openxmlformats.org/presentationml/2006/main">
   <p:cSld>
     <p:spTree>
@@ -21514,6 +21882,82 @@
           <a:p>
             <a:r>
               <a:rPr lang="en-US" dirty="0" smtClean="0"/>
+              <a:t>Links for just about everything I’m showing today will go here</a:t>
+            </a:r>
+            <a:endParaRPr lang="en-US" dirty="0"/>
+          </a:p>
+        </p:txBody>
+      </p:sp>
+      <p:sp>
+        <p:nvSpPr>
+          <p:cNvPr id="3" name="Title 2"/>
+          <p:cNvSpPr>
+            <a:spLocks noGrp="1"/>
+          </p:cNvSpPr>
+          <p:nvPr>
+            <p:ph type="title"/>
+          </p:nvPr>
+        </p:nvSpPr>
+        <p:spPr/>
+        <p:txBody>
+          <a:bodyPr/>
+          <a:lstStyle/>
+          <a:p>
+            <a:r>
+              <a:rPr lang="en-US" dirty="0" smtClean="0"/>
+              <a:t>Resources</a:t>
+            </a:r>
+            <a:endParaRPr lang="en-US" dirty="0"/>
+          </a:p>
+        </p:txBody>
+      </p:sp>
+    </p:spTree>
+    <p:extLst>
+      <p:ext uri="{BB962C8B-B14F-4D97-AF65-F5344CB8AC3E}">
+        <p14:creationId xmlns:p14="http://schemas.microsoft.com/office/powerpoint/2010/main" val="2787368718"/>
+      </p:ext>
+    </p:extLst>
+  </p:cSld>
+  <p:clrMapOvr>
+    <a:masterClrMapping/>
+  </p:clrMapOvr>
+</p:sld>
+</file>
+
+<file path=ppt/slides/slide55.xml><?xml version="1.0" encoding="utf-8"?>
+<p:sld xmlns:a="http://schemas.openxmlformats.org/drawingml/2006/main" xmlns:r="http://schemas.openxmlformats.org/officeDocument/2006/relationships" xmlns:p="http://schemas.openxmlformats.org/presentationml/2006/main">
+  <p:cSld>
+    <p:spTree>
+      <p:nvGrpSpPr>
+        <p:cNvPr id="1" name=""/>
+        <p:cNvGrpSpPr/>
+        <p:nvPr/>
+      </p:nvGrpSpPr>
+      <p:grpSpPr>
+        <a:xfrm>
+          <a:off x="0" y="0"/>
+          <a:ext cx="0" cy="0"/>
+          <a:chOff x="0" y="0"/>
+          <a:chExt cx="0" cy="0"/>
+        </a:xfrm>
+      </p:grpSpPr>
+      <p:sp>
+        <p:nvSpPr>
+          <p:cNvPr id="2" name="Content Placeholder 1"/>
+          <p:cNvSpPr>
+            <a:spLocks noGrp="1"/>
+          </p:cNvSpPr>
+          <p:nvPr>
+            <p:ph idx="1"/>
+          </p:nvPr>
+        </p:nvSpPr>
+        <p:spPr/>
+        <p:txBody>
+          <a:bodyPr/>
+          <a:lstStyle/>
+          <a:p>
+            <a:r>
+              <a:rPr lang="en-US" dirty="0" smtClean="0"/>
               <a:t>SQL Logging</a:t>
             </a:r>
           </a:p>
@@ -21573,7 +22017,7 @@
 </p:sld>
 </file>
 
-<file path=ppt/slides/slide52.xml><?xml version="1.0" encoding="utf-8"?>
+<file path=ppt/slides/slide56.xml><?xml version="1.0" encoding="utf-8"?>
 <p:sld xmlns:a="http://schemas.openxmlformats.org/drawingml/2006/main" xmlns:r="http://schemas.openxmlformats.org/officeDocument/2006/relationships" xmlns:p="http://schemas.openxmlformats.org/presentationml/2006/main">
   <p:cSld>
     <p:spTree>
@@ -21726,7 +22170,7 @@
 </p:sld>
 </file>
 
-<file path=ppt/slides/slide53.xml><?xml version="1.0" encoding="utf-8"?>
+<file path=ppt/slides/slide57.xml><?xml version="1.0" encoding="utf-8"?>
 <p:sld xmlns:a="http://schemas.openxmlformats.org/drawingml/2006/main" xmlns:r="http://schemas.openxmlformats.org/officeDocument/2006/relationships" xmlns:p="http://schemas.openxmlformats.org/presentationml/2006/main">
   <p:cSld>
     <p:spTree>
@@ -21829,7 +22273,7 @@
 </p:sld>
 </file>
 
-<file path=ppt/slides/slide54.xml><?xml version="1.0" encoding="utf-8"?>
+<file path=ppt/slides/slide58.xml><?xml version="1.0" encoding="utf-8"?>
 <p:sld xmlns:a="http://schemas.openxmlformats.org/drawingml/2006/main" xmlns:r="http://schemas.openxmlformats.org/officeDocument/2006/relationships" xmlns:p="http://schemas.openxmlformats.org/presentationml/2006/main">
   <p:cSld>
     <p:spTree>
@@ -21934,7 +22378,7 @@
 </p:sld>
 </file>
 
-<file path=ppt/slides/slide55.xml><?xml version="1.0" encoding="utf-8"?>
+<file path=ppt/slides/slide59.xml><?xml version="1.0" encoding="utf-8"?>
 <p:sld xmlns:a="http://schemas.openxmlformats.org/drawingml/2006/main" xmlns:r="http://schemas.openxmlformats.org/officeDocument/2006/relationships" xmlns:p="http://schemas.openxmlformats.org/presentationml/2006/main">
   <p:cSld>
     <p:spTree>
@@ -21990,7 +22434,6 @@
               <a:rPr lang="en-US" dirty="0" smtClean="0"/>
               <a:t>/lib/log4j.properties</a:t>
             </a:r>
-            <a:endParaRPr lang="en-US" dirty="0" smtClean="0"/>
           </a:p>
           <a:p>
             <a:pPr lvl="1"/>
@@ -22056,399 +22499,6 @@
     <p:extLst>
       <p:ext uri="{BB962C8B-B14F-4D97-AF65-F5344CB8AC3E}">
         <p14:creationId xmlns:p14="http://schemas.microsoft.com/office/powerpoint/2010/main" val="1312424132"/>
-      </p:ext>
-    </p:extLst>
-  </p:cSld>
-  <p:clrMapOvr>
-    <a:masterClrMapping/>
-  </p:clrMapOvr>
-  <p:timing>
-    <p:tnLst>
-      <p:par>
-        <p:cTn id="1" dur="indefinite" restart="never" nodeType="tmRoot"/>
-      </p:par>
-    </p:tnLst>
-  </p:timing>
-</p:sld>
-</file>
-
-<file path=ppt/slides/slide56.xml><?xml version="1.0" encoding="utf-8"?>
-<p:sld xmlns:a="http://schemas.openxmlformats.org/drawingml/2006/main" xmlns:r="http://schemas.openxmlformats.org/officeDocument/2006/relationships" xmlns:p="http://schemas.openxmlformats.org/presentationml/2006/main">
-  <p:cSld>
-    <p:spTree>
-      <p:nvGrpSpPr>
-        <p:cNvPr id="1" name=""/>
-        <p:cNvGrpSpPr/>
-        <p:nvPr/>
-      </p:nvGrpSpPr>
-      <p:grpSpPr>
-        <a:xfrm>
-          <a:off x="0" y="0"/>
-          <a:ext cx="0" cy="0"/>
-          <a:chOff x="0" y="0"/>
-          <a:chExt cx="0" cy="0"/>
-        </a:xfrm>
-      </p:grpSpPr>
-      <p:pic>
-        <p:nvPicPr>
-          <p:cNvPr id="6146" name="Picture 2" descr="C:\dev\projects\wwwroot\mxunit-cfmeetups\CFObjective_ORMZen\preso\hibernate_logging_with_parameters.PNG"/>
-          <p:cNvPicPr>
-            <a:picLocks noChangeAspect="1" noChangeArrowheads="1"/>
-          </p:cNvPicPr>
-          <p:nvPr/>
-        </p:nvPicPr>
-        <p:blipFill>
-          <a:blip r:embed="rId2">
-            <a:extLst>
-              <a:ext uri="{28A0092B-C50C-407E-A947-70E740481C1C}">
-                <a14:useLocalDpi xmlns:a14="http://schemas.microsoft.com/office/drawing/2010/main" val="0"/>
-              </a:ext>
-            </a:extLst>
-          </a:blip>
-          <a:srcRect/>
-          <a:stretch>
-            <a:fillRect/>
-          </a:stretch>
-        </p:blipFill>
-        <p:spPr bwMode="auto">
-          <a:xfrm>
-            <a:off x="1371600" y="0"/>
-            <a:ext cx="6705600" cy="6876978"/>
-          </a:xfrm>
-          <a:prstGeom prst="rect">
-            <a:avLst/>
-          </a:prstGeom>
-          <a:noFill/>
-          <a:extLst>
-            <a:ext uri="{909E8E84-426E-40DD-AFC4-6F175D3DCCD1}">
-              <a14:hiddenFill xmlns:a14="http://schemas.microsoft.com/office/drawing/2010/main">
-                <a:solidFill>
-                  <a:srgbClr val="FFFFFF"/>
-                </a:solidFill>
-              </a14:hiddenFill>
-            </a:ext>
-          </a:extLst>
-        </p:spPr>
-      </p:pic>
-    </p:spTree>
-    <p:extLst>
-      <p:ext uri="{BB962C8B-B14F-4D97-AF65-F5344CB8AC3E}">
-        <p14:creationId xmlns:p14="http://schemas.microsoft.com/office/powerpoint/2010/main" val="994099777"/>
-      </p:ext>
-    </p:extLst>
-  </p:cSld>
-  <p:clrMapOvr>
-    <a:masterClrMapping/>
-  </p:clrMapOvr>
-  <p:timing>
-    <p:tnLst>
-      <p:par>
-        <p:cTn id="1" dur="indefinite" restart="never" nodeType="tmRoot"/>
-      </p:par>
-    </p:tnLst>
-  </p:timing>
-</p:sld>
-</file>
-
-<file path=ppt/slides/slide57.xml><?xml version="1.0" encoding="utf-8"?>
-<p:sld xmlns:a="http://schemas.openxmlformats.org/drawingml/2006/main" xmlns:r="http://schemas.openxmlformats.org/officeDocument/2006/relationships" xmlns:p="http://schemas.openxmlformats.org/presentationml/2006/main">
-  <p:cSld>
-    <p:spTree>
-      <p:nvGrpSpPr>
-        <p:cNvPr id="1" name=""/>
-        <p:cNvGrpSpPr/>
-        <p:nvPr/>
-      </p:nvGrpSpPr>
-      <p:grpSpPr>
-        <a:xfrm>
-          <a:off x="0" y="0"/>
-          <a:ext cx="0" cy="0"/>
-          <a:chOff x="0" y="0"/>
-          <a:chExt cx="0" cy="0"/>
-        </a:xfrm>
-      </p:grpSpPr>
-      <p:sp>
-        <p:nvSpPr>
-          <p:cNvPr id="2" name="Content Placeholder 1"/>
-          <p:cNvSpPr>
-            <a:spLocks noGrp="1"/>
-          </p:cNvSpPr>
-          <p:nvPr>
-            <p:ph idx="1"/>
-          </p:nvPr>
-        </p:nvSpPr>
-        <p:spPr/>
-        <p:txBody>
-          <a:bodyPr>
-            <a:normAutofit lnSpcReduction="10000"/>
-          </a:bodyPr>
-          <a:lstStyle/>
-          <a:p>
-            <a:r>
-              <a:rPr lang="en-US" dirty="0" smtClean="0"/>
-              <a:t>ANY changes to ORM components require </a:t>
-            </a:r>
-            <a:r>
-              <a:rPr lang="en-US" dirty="0" err="1" smtClean="0"/>
-              <a:t>ormReload</a:t>
-            </a:r>
-            <a:r>
-              <a:rPr lang="en-US" dirty="0" smtClean="0"/>
-              <a:t>()</a:t>
-            </a:r>
-          </a:p>
-          <a:p>
-            <a:r>
-              <a:rPr lang="en-US" dirty="0" smtClean="0"/>
-              <a:t>Sometimes, ORM will lose its mind and you’ll need to restart CF (It’s not often, but don’t be surprised by it)</a:t>
-            </a:r>
-          </a:p>
-          <a:p>
-            <a:r>
-              <a:rPr lang="en-US" dirty="0" smtClean="0"/>
-              <a:t>Usually control with a URL flag in </a:t>
-            </a:r>
-            <a:r>
-              <a:rPr lang="en-US" dirty="0" err="1" smtClean="0"/>
-              <a:t>onRequestStart</a:t>
-            </a:r>
-            <a:r>
-              <a:rPr lang="en-US" dirty="0" smtClean="0"/>
-              <a:t>()</a:t>
-            </a:r>
-          </a:p>
-          <a:p>
-            <a:r>
-              <a:rPr lang="en-US" dirty="0" smtClean="0"/>
-              <a:t>Don’t forget them in your </a:t>
-            </a:r>
-            <a:r>
-              <a:rPr lang="en-US" dirty="0" err="1" smtClean="0"/>
-              <a:t>MXUnit</a:t>
-            </a:r>
-            <a:r>
-              <a:rPr lang="en-US" dirty="0" smtClean="0"/>
-              <a:t> tests!</a:t>
-            </a:r>
-          </a:p>
-          <a:p>
-            <a:pPr lvl="1"/>
-            <a:r>
-              <a:rPr lang="en-US" dirty="0" smtClean="0"/>
-              <a:t>Use </a:t>
-            </a:r>
-            <a:r>
-              <a:rPr lang="en-US" dirty="0" err="1" smtClean="0"/>
-              <a:t>beforeTests</a:t>
-            </a:r>
-            <a:r>
-              <a:rPr lang="en-US" dirty="0" smtClean="0"/>
-              <a:t>() for best performance</a:t>
-            </a:r>
-          </a:p>
-          <a:p>
-            <a:pPr lvl="1"/>
-            <a:endParaRPr lang="en-US" dirty="0" smtClean="0"/>
-          </a:p>
-          <a:p>
-            <a:pPr marL="627063" lvl="2" indent="0">
-              <a:buNone/>
-            </a:pPr>
-            <a:r>
-              <a:rPr lang="en-US" dirty="0" smtClean="0"/>
-              <a:t> </a:t>
-            </a:r>
-            <a:endParaRPr lang="en-US" dirty="0"/>
-          </a:p>
-        </p:txBody>
-      </p:sp>
-      <p:sp>
-        <p:nvSpPr>
-          <p:cNvPr id="3" name="Title 2"/>
-          <p:cNvSpPr>
-            <a:spLocks noGrp="1"/>
-          </p:cNvSpPr>
-          <p:nvPr>
-            <p:ph type="title"/>
-          </p:nvPr>
-        </p:nvSpPr>
-        <p:spPr/>
-        <p:txBody>
-          <a:bodyPr>
-            <a:normAutofit fontScale="90000"/>
-          </a:bodyPr>
-          <a:lstStyle/>
-          <a:p>
-            <a:r>
-              <a:rPr lang="en-US" dirty="0" smtClean="0"/>
-              <a:t>ORM Essentials: </a:t>
-            </a:r>
-            <a:br>
-              <a:rPr lang="en-US" dirty="0" smtClean="0"/>
-            </a:br>
-            <a:r>
-              <a:rPr lang="en-US" dirty="0" err="1" smtClean="0"/>
-              <a:t>ormReload</a:t>
-            </a:r>
-            <a:r>
-              <a:rPr lang="en-US" dirty="0" smtClean="0"/>
-              <a:t>()</a:t>
-            </a:r>
-            <a:endParaRPr lang="en-US" dirty="0"/>
-          </a:p>
-        </p:txBody>
-      </p:sp>
-    </p:spTree>
-    <p:extLst>
-      <p:ext uri="{BB962C8B-B14F-4D97-AF65-F5344CB8AC3E}">
-        <p14:creationId xmlns:p14="http://schemas.microsoft.com/office/powerpoint/2010/main" val="2894370498"/>
-      </p:ext>
-    </p:extLst>
-  </p:cSld>
-  <p:clrMapOvr>
-    <a:masterClrMapping/>
-  </p:clrMapOvr>
-  <p:timing>
-    <p:tnLst>
-      <p:par>
-        <p:cTn id="1" dur="indefinite" restart="never" nodeType="tmRoot"/>
-      </p:par>
-    </p:tnLst>
-  </p:timing>
-</p:sld>
-</file>
-
-<file path=ppt/slides/slide58.xml><?xml version="1.0" encoding="utf-8"?>
-<p:sld xmlns:a="http://schemas.openxmlformats.org/drawingml/2006/main" xmlns:r="http://schemas.openxmlformats.org/officeDocument/2006/relationships" xmlns:p="http://schemas.openxmlformats.org/presentationml/2006/main">
-  <p:cSld>
-    <p:spTree>
-      <p:nvGrpSpPr>
-        <p:cNvPr id="1" name=""/>
-        <p:cNvGrpSpPr/>
-        <p:nvPr/>
-      </p:nvGrpSpPr>
-      <p:grpSpPr>
-        <a:xfrm>
-          <a:off x="0" y="0"/>
-          <a:ext cx="0" cy="0"/>
-          <a:chOff x="0" y="0"/>
-          <a:chExt cx="0" cy="0"/>
-        </a:xfrm>
-      </p:grpSpPr>
-      <p:sp>
-        <p:nvSpPr>
-          <p:cNvPr id="3" name="Title 2"/>
-          <p:cNvSpPr>
-            <a:spLocks noGrp="1"/>
-          </p:cNvSpPr>
-          <p:nvPr>
-            <p:ph type="title"/>
-          </p:nvPr>
-        </p:nvSpPr>
-        <p:spPr/>
-        <p:txBody>
-          <a:bodyPr/>
-          <a:lstStyle/>
-          <a:p>
-            <a:r>
-              <a:rPr lang="en-US" dirty="0" smtClean="0"/>
-              <a:t>ORM Essentials: </a:t>
-            </a:r>
-            <a:r>
-              <a:rPr lang="en-US" dirty="0" err="1" smtClean="0"/>
-              <a:t>ormReload</a:t>
-            </a:r>
-            <a:r>
-              <a:rPr lang="en-US" dirty="0" smtClean="0"/>
-              <a:t>()</a:t>
-            </a:r>
-            <a:endParaRPr lang="en-US" dirty="0"/>
-          </a:p>
-        </p:txBody>
-      </p:sp>
-      <p:sp>
-        <p:nvSpPr>
-          <p:cNvPr id="5" name="TextBox 4"/>
-          <p:cNvSpPr txBox="1"/>
-          <p:nvPr/>
-        </p:nvSpPr>
-        <p:spPr>
-          <a:xfrm>
-            <a:off x="2266950" y="5257800"/>
-            <a:ext cx="5048250" cy="646331"/>
-          </a:xfrm>
-          <a:prstGeom prst="rect">
-            <a:avLst/>
-          </a:prstGeom>
-          <a:noFill/>
-        </p:spPr>
-        <p:txBody>
-          <a:bodyPr wrap="square" rtlCol="0">
-            <a:spAutoFit/>
-          </a:bodyPr>
-          <a:lstStyle/>
-          <a:p>
-            <a:r>
-              <a:rPr lang="en-US" dirty="0" smtClean="0"/>
-              <a:t>*For this presentation, I’ll include </a:t>
-            </a:r>
-            <a:r>
-              <a:rPr lang="en-US" dirty="0" err="1" smtClean="0"/>
-              <a:t>ormReload</a:t>
-            </a:r>
-            <a:r>
-              <a:rPr lang="en-US" dirty="0" smtClean="0"/>
-              <a:t>() at the top of each page so I don’t forget to do it</a:t>
-            </a:r>
-            <a:endParaRPr lang="en-US" dirty="0"/>
-          </a:p>
-        </p:txBody>
-      </p:sp>
-      <p:pic>
-        <p:nvPicPr>
-          <p:cNvPr id="5123" name="Picture 3" descr="C:\dev\projects\wwwroot\mxunit-cfmeetups\CFObjective_ORMZen\preso\ormreload.PNG"/>
-          <p:cNvPicPr>
-            <a:picLocks noChangeAspect="1" noChangeArrowheads="1"/>
-          </p:cNvPicPr>
-          <p:nvPr/>
-        </p:nvPicPr>
-        <p:blipFill>
-          <a:blip r:embed="rId2">
-            <a:extLst>
-              <a:ext uri="{28A0092B-C50C-407E-A947-70E740481C1C}">
-                <a14:useLocalDpi xmlns:a14="http://schemas.microsoft.com/office/drawing/2010/main" val="0"/>
-              </a:ext>
-            </a:extLst>
-          </a:blip>
-          <a:srcRect/>
-          <a:stretch>
-            <a:fillRect/>
-          </a:stretch>
-        </p:blipFill>
-        <p:spPr bwMode="auto">
-          <a:xfrm>
-            <a:off x="1627188" y="2676525"/>
-            <a:ext cx="5992812" cy="2047875"/>
-          </a:xfrm>
-          <a:prstGeom prst="rect">
-            <a:avLst/>
-          </a:prstGeom>
-          <a:noFill/>
-          <a:extLst>
-            <a:ext uri="{909E8E84-426E-40DD-AFC4-6F175D3DCCD1}">
-              <a14:hiddenFill xmlns:a14="http://schemas.microsoft.com/office/drawing/2010/main">
-                <a:solidFill>
-                  <a:srgbClr val="FFFFFF"/>
-                </a:solidFill>
-              </a14:hiddenFill>
-            </a:ext>
-          </a:extLst>
-        </p:spPr>
-      </p:pic>
-    </p:spTree>
-    <p:extLst>
-      <p:ext uri="{BB962C8B-B14F-4D97-AF65-F5344CB8AC3E}">
-        <p14:creationId xmlns:p14="http://schemas.microsoft.com/office/powerpoint/2010/main" val="1171605428"/>
       </p:ext>
     </p:extLst>
   </p:cSld>
@@ -22595,6 +22645,399 @@
     <p:extLst>
       <p:ext uri="{BB962C8B-B14F-4D97-AF65-F5344CB8AC3E}">
         <p14:creationId xmlns:p14="http://schemas.microsoft.com/office/powerpoint/2010/main" val="3445455866"/>
+      </p:ext>
+    </p:extLst>
+  </p:cSld>
+  <p:clrMapOvr>
+    <a:masterClrMapping/>
+  </p:clrMapOvr>
+  <p:timing>
+    <p:tnLst>
+      <p:par>
+        <p:cTn id="1" dur="indefinite" restart="never" nodeType="tmRoot"/>
+      </p:par>
+    </p:tnLst>
+  </p:timing>
+</p:sld>
+</file>
+
+<file path=ppt/slides/slide60.xml><?xml version="1.0" encoding="utf-8"?>
+<p:sld xmlns:a="http://schemas.openxmlformats.org/drawingml/2006/main" xmlns:r="http://schemas.openxmlformats.org/officeDocument/2006/relationships" xmlns:p="http://schemas.openxmlformats.org/presentationml/2006/main">
+  <p:cSld>
+    <p:spTree>
+      <p:nvGrpSpPr>
+        <p:cNvPr id="1" name=""/>
+        <p:cNvGrpSpPr/>
+        <p:nvPr/>
+      </p:nvGrpSpPr>
+      <p:grpSpPr>
+        <a:xfrm>
+          <a:off x="0" y="0"/>
+          <a:ext cx="0" cy="0"/>
+          <a:chOff x="0" y="0"/>
+          <a:chExt cx="0" cy="0"/>
+        </a:xfrm>
+      </p:grpSpPr>
+      <p:pic>
+        <p:nvPicPr>
+          <p:cNvPr id="6146" name="Picture 2" descr="C:\dev\projects\wwwroot\mxunit-cfmeetups\CFObjective_ORMZen\preso\hibernate_logging_with_parameters.PNG"/>
+          <p:cNvPicPr>
+            <a:picLocks noChangeAspect="1" noChangeArrowheads="1"/>
+          </p:cNvPicPr>
+          <p:nvPr/>
+        </p:nvPicPr>
+        <p:blipFill>
+          <a:blip r:embed="rId2">
+            <a:extLst>
+              <a:ext uri="{28A0092B-C50C-407E-A947-70E740481C1C}">
+                <a14:useLocalDpi xmlns:a14="http://schemas.microsoft.com/office/drawing/2010/main" val="0"/>
+              </a:ext>
+            </a:extLst>
+          </a:blip>
+          <a:srcRect/>
+          <a:stretch>
+            <a:fillRect/>
+          </a:stretch>
+        </p:blipFill>
+        <p:spPr bwMode="auto">
+          <a:xfrm>
+            <a:off x="1371600" y="0"/>
+            <a:ext cx="6705600" cy="6876978"/>
+          </a:xfrm>
+          <a:prstGeom prst="rect">
+            <a:avLst/>
+          </a:prstGeom>
+          <a:noFill/>
+          <a:extLst>
+            <a:ext uri="{909E8E84-426E-40DD-AFC4-6F175D3DCCD1}">
+              <a14:hiddenFill xmlns:a14="http://schemas.microsoft.com/office/drawing/2010/main">
+                <a:solidFill>
+                  <a:srgbClr val="FFFFFF"/>
+                </a:solidFill>
+              </a14:hiddenFill>
+            </a:ext>
+          </a:extLst>
+        </p:spPr>
+      </p:pic>
+    </p:spTree>
+    <p:extLst>
+      <p:ext uri="{BB962C8B-B14F-4D97-AF65-F5344CB8AC3E}">
+        <p14:creationId xmlns:p14="http://schemas.microsoft.com/office/powerpoint/2010/main" val="994099777"/>
+      </p:ext>
+    </p:extLst>
+  </p:cSld>
+  <p:clrMapOvr>
+    <a:masterClrMapping/>
+  </p:clrMapOvr>
+  <p:timing>
+    <p:tnLst>
+      <p:par>
+        <p:cTn id="1" dur="indefinite" restart="never" nodeType="tmRoot"/>
+      </p:par>
+    </p:tnLst>
+  </p:timing>
+</p:sld>
+</file>
+
+<file path=ppt/slides/slide61.xml><?xml version="1.0" encoding="utf-8"?>
+<p:sld xmlns:a="http://schemas.openxmlformats.org/drawingml/2006/main" xmlns:r="http://schemas.openxmlformats.org/officeDocument/2006/relationships" xmlns:p="http://schemas.openxmlformats.org/presentationml/2006/main">
+  <p:cSld>
+    <p:spTree>
+      <p:nvGrpSpPr>
+        <p:cNvPr id="1" name=""/>
+        <p:cNvGrpSpPr/>
+        <p:nvPr/>
+      </p:nvGrpSpPr>
+      <p:grpSpPr>
+        <a:xfrm>
+          <a:off x="0" y="0"/>
+          <a:ext cx="0" cy="0"/>
+          <a:chOff x="0" y="0"/>
+          <a:chExt cx="0" cy="0"/>
+        </a:xfrm>
+      </p:grpSpPr>
+      <p:sp>
+        <p:nvSpPr>
+          <p:cNvPr id="2" name="Content Placeholder 1"/>
+          <p:cNvSpPr>
+            <a:spLocks noGrp="1"/>
+          </p:cNvSpPr>
+          <p:nvPr>
+            <p:ph idx="1"/>
+          </p:nvPr>
+        </p:nvSpPr>
+        <p:spPr/>
+        <p:txBody>
+          <a:bodyPr>
+            <a:normAutofit lnSpcReduction="10000"/>
+          </a:bodyPr>
+          <a:lstStyle/>
+          <a:p>
+            <a:r>
+              <a:rPr lang="en-US" dirty="0" smtClean="0"/>
+              <a:t>ANY changes to ORM components require </a:t>
+            </a:r>
+            <a:r>
+              <a:rPr lang="en-US" dirty="0" err="1" smtClean="0"/>
+              <a:t>ormReload</a:t>
+            </a:r>
+            <a:r>
+              <a:rPr lang="en-US" dirty="0" smtClean="0"/>
+              <a:t>()</a:t>
+            </a:r>
+          </a:p>
+          <a:p>
+            <a:r>
+              <a:rPr lang="en-US" dirty="0" smtClean="0"/>
+              <a:t>Sometimes, ORM will lose its mind and you’ll need to restart CF (It’s not often, but don’t be surprised by it)</a:t>
+            </a:r>
+          </a:p>
+          <a:p>
+            <a:r>
+              <a:rPr lang="en-US" dirty="0" smtClean="0"/>
+              <a:t>Usually control with a URL flag in </a:t>
+            </a:r>
+            <a:r>
+              <a:rPr lang="en-US" dirty="0" err="1" smtClean="0"/>
+              <a:t>onRequestStart</a:t>
+            </a:r>
+            <a:r>
+              <a:rPr lang="en-US" dirty="0" smtClean="0"/>
+              <a:t>()</a:t>
+            </a:r>
+          </a:p>
+          <a:p>
+            <a:r>
+              <a:rPr lang="en-US" dirty="0" smtClean="0"/>
+              <a:t>Don’t forget them in your </a:t>
+            </a:r>
+            <a:r>
+              <a:rPr lang="en-US" dirty="0" err="1" smtClean="0"/>
+              <a:t>MXUnit</a:t>
+            </a:r>
+            <a:r>
+              <a:rPr lang="en-US" dirty="0" smtClean="0"/>
+              <a:t> tests!</a:t>
+            </a:r>
+          </a:p>
+          <a:p>
+            <a:pPr lvl="1"/>
+            <a:r>
+              <a:rPr lang="en-US" dirty="0" smtClean="0"/>
+              <a:t>Use </a:t>
+            </a:r>
+            <a:r>
+              <a:rPr lang="en-US" dirty="0" err="1" smtClean="0"/>
+              <a:t>beforeTests</a:t>
+            </a:r>
+            <a:r>
+              <a:rPr lang="en-US" dirty="0" smtClean="0"/>
+              <a:t>() for best performance</a:t>
+            </a:r>
+          </a:p>
+          <a:p>
+            <a:pPr lvl="1"/>
+            <a:endParaRPr lang="en-US" dirty="0" smtClean="0"/>
+          </a:p>
+          <a:p>
+            <a:pPr marL="627063" lvl="2" indent="0">
+              <a:buNone/>
+            </a:pPr>
+            <a:r>
+              <a:rPr lang="en-US" dirty="0" smtClean="0"/>
+              <a:t> </a:t>
+            </a:r>
+            <a:endParaRPr lang="en-US" dirty="0"/>
+          </a:p>
+        </p:txBody>
+      </p:sp>
+      <p:sp>
+        <p:nvSpPr>
+          <p:cNvPr id="3" name="Title 2"/>
+          <p:cNvSpPr>
+            <a:spLocks noGrp="1"/>
+          </p:cNvSpPr>
+          <p:nvPr>
+            <p:ph type="title"/>
+          </p:nvPr>
+        </p:nvSpPr>
+        <p:spPr/>
+        <p:txBody>
+          <a:bodyPr>
+            <a:normAutofit fontScale="90000"/>
+          </a:bodyPr>
+          <a:lstStyle/>
+          <a:p>
+            <a:r>
+              <a:rPr lang="en-US" dirty="0" smtClean="0"/>
+              <a:t>ORM Essentials: </a:t>
+            </a:r>
+            <a:br>
+              <a:rPr lang="en-US" dirty="0" smtClean="0"/>
+            </a:br>
+            <a:r>
+              <a:rPr lang="en-US" dirty="0" err="1" smtClean="0"/>
+              <a:t>ormReload</a:t>
+            </a:r>
+            <a:r>
+              <a:rPr lang="en-US" dirty="0" smtClean="0"/>
+              <a:t>()</a:t>
+            </a:r>
+            <a:endParaRPr lang="en-US" dirty="0"/>
+          </a:p>
+        </p:txBody>
+      </p:sp>
+    </p:spTree>
+    <p:extLst>
+      <p:ext uri="{BB962C8B-B14F-4D97-AF65-F5344CB8AC3E}">
+        <p14:creationId xmlns:p14="http://schemas.microsoft.com/office/powerpoint/2010/main" val="2894370498"/>
+      </p:ext>
+    </p:extLst>
+  </p:cSld>
+  <p:clrMapOvr>
+    <a:masterClrMapping/>
+  </p:clrMapOvr>
+  <p:timing>
+    <p:tnLst>
+      <p:par>
+        <p:cTn id="1" dur="indefinite" restart="never" nodeType="tmRoot"/>
+      </p:par>
+    </p:tnLst>
+  </p:timing>
+</p:sld>
+</file>
+
+<file path=ppt/slides/slide62.xml><?xml version="1.0" encoding="utf-8"?>
+<p:sld xmlns:a="http://schemas.openxmlformats.org/drawingml/2006/main" xmlns:r="http://schemas.openxmlformats.org/officeDocument/2006/relationships" xmlns:p="http://schemas.openxmlformats.org/presentationml/2006/main">
+  <p:cSld>
+    <p:spTree>
+      <p:nvGrpSpPr>
+        <p:cNvPr id="1" name=""/>
+        <p:cNvGrpSpPr/>
+        <p:nvPr/>
+      </p:nvGrpSpPr>
+      <p:grpSpPr>
+        <a:xfrm>
+          <a:off x="0" y="0"/>
+          <a:ext cx="0" cy="0"/>
+          <a:chOff x="0" y="0"/>
+          <a:chExt cx="0" cy="0"/>
+        </a:xfrm>
+      </p:grpSpPr>
+      <p:sp>
+        <p:nvSpPr>
+          <p:cNvPr id="3" name="Title 2"/>
+          <p:cNvSpPr>
+            <a:spLocks noGrp="1"/>
+          </p:cNvSpPr>
+          <p:nvPr>
+            <p:ph type="title"/>
+          </p:nvPr>
+        </p:nvSpPr>
+        <p:spPr/>
+        <p:txBody>
+          <a:bodyPr/>
+          <a:lstStyle/>
+          <a:p>
+            <a:r>
+              <a:rPr lang="en-US" dirty="0" smtClean="0"/>
+              <a:t>ORM Essentials: </a:t>
+            </a:r>
+            <a:r>
+              <a:rPr lang="en-US" dirty="0" err="1" smtClean="0"/>
+              <a:t>ormReload</a:t>
+            </a:r>
+            <a:r>
+              <a:rPr lang="en-US" dirty="0" smtClean="0"/>
+              <a:t>()</a:t>
+            </a:r>
+            <a:endParaRPr lang="en-US" dirty="0"/>
+          </a:p>
+        </p:txBody>
+      </p:sp>
+      <p:sp>
+        <p:nvSpPr>
+          <p:cNvPr id="5" name="TextBox 4"/>
+          <p:cNvSpPr txBox="1"/>
+          <p:nvPr/>
+        </p:nvSpPr>
+        <p:spPr>
+          <a:xfrm>
+            <a:off x="2266950" y="5257800"/>
+            <a:ext cx="5048250" cy="646331"/>
+          </a:xfrm>
+          <a:prstGeom prst="rect">
+            <a:avLst/>
+          </a:prstGeom>
+          <a:noFill/>
+        </p:spPr>
+        <p:txBody>
+          <a:bodyPr wrap="square" rtlCol="0">
+            <a:spAutoFit/>
+          </a:bodyPr>
+          <a:lstStyle/>
+          <a:p>
+            <a:r>
+              <a:rPr lang="en-US" dirty="0" smtClean="0"/>
+              <a:t>*For this presentation, I’ll include </a:t>
+            </a:r>
+            <a:r>
+              <a:rPr lang="en-US" dirty="0" err="1" smtClean="0"/>
+              <a:t>ormReload</a:t>
+            </a:r>
+            <a:r>
+              <a:rPr lang="en-US" dirty="0" smtClean="0"/>
+              <a:t>() at the top of each page so I don’t forget to do it</a:t>
+            </a:r>
+            <a:endParaRPr lang="en-US" dirty="0"/>
+          </a:p>
+        </p:txBody>
+      </p:sp>
+      <p:pic>
+        <p:nvPicPr>
+          <p:cNvPr id="5123" name="Picture 3" descr="C:\dev\projects\wwwroot\mxunit-cfmeetups\CFObjective_ORMZen\preso\ormreload.PNG"/>
+          <p:cNvPicPr>
+            <a:picLocks noChangeAspect="1" noChangeArrowheads="1"/>
+          </p:cNvPicPr>
+          <p:nvPr/>
+        </p:nvPicPr>
+        <p:blipFill>
+          <a:blip r:embed="rId2">
+            <a:extLst>
+              <a:ext uri="{28A0092B-C50C-407E-A947-70E740481C1C}">
+                <a14:useLocalDpi xmlns:a14="http://schemas.microsoft.com/office/drawing/2010/main" val="0"/>
+              </a:ext>
+            </a:extLst>
+          </a:blip>
+          <a:srcRect/>
+          <a:stretch>
+            <a:fillRect/>
+          </a:stretch>
+        </p:blipFill>
+        <p:spPr bwMode="auto">
+          <a:xfrm>
+            <a:off x="1627188" y="2676525"/>
+            <a:ext cx="5992812" cy="2047875"/>
+          </a:xfrm>
+          <a:prstGeom prst="rect">
+            <a:avLst/>
+          </a:prstGeom>
+          <a:noFill/>
+          <a:extLst>
+            <a:ext uri="{909E8E84-426E-40DD-AFC4-6F175D3DCCD1}">
+              <a14:hiddenFill xmlns:a14="http://schemas.microsoft.com/office/drawing/2010/main">
+                <a:solidFill>
+                  <a:srgbClr val="FFFFFF"/>
+                </a:solidFill>
+              </a14:hiddenFill>
+            </a:ext>
+          </a:extLst>
+        </p:spPr>
+      </p:pic>
+    </p:spTree>
+    <p:extLst>
+      <p:ext uri="{BB962C8B-B14F-4D97-AF65-F5344CB8AC3E}">
+        <p14:creationId xmlns:p14="http://schemas.microsoft.com/office/powerpoint/2010/main" val="1171605428"/>
       </p:ext>
     </p:extLst>
   </p:cSld>

--- a/CFObjective_ORMZen/preso/orm_zen.ppt.pptx
+++ b/CFObjective_ORMZen/preso/orm_zen.ppt.pptx
@@ -36,37 +36,38 @@
     <p:sldId id="283" r:id="rId30"/>
     <p:sldId id="293" r:id="rId31"/>
     <p:sldId id="299" r:id="rId32"/>
-    <p:sldId id="284" r:id="rId33"/>
-    <p:sldId id="300" r:id="rId34"/>
-    <p:sldId id="287" r:id="rId35"/>
-    <p:sldId id="290" r:id="rId36"/>
-    <p:sldId id="289" r:id="rId37"/>
-    <p:sldId id="291" r:id="rId38"/>
-    <p:sldId id="301" r:id="rId39"/>
-    <p:sldId id="302" r:id="rId40"/>
-    <p:sldId id="303" r:id="rId41"/>
-    <p:sldId id="316" r:id="rId42"/>
-    <p:sldId id="317" r:id="rId43"/>
-    <p:sldId id="318" r:id="rId44"/>
-    <p:sldId id="319" r:id="rId45"/>
-    <p:sldId id="320" r:id="rId46"/>
-    <p:sldId id="321" r:id="rId47"/>
-    <p:sldId id="322" r:id="rId48"/>
-    <p:sldId id="323" r:id="rId49"/>
-    <p:sldId id="325" r:id="rId50"/>
-    <p:sldId id="326" r:id="rId51"/>
-    <p:sldId id="327" r:id="rId52"/>
-    <p:sldId id="315" r:id="rId53"/>
-    <p:sldId id="312" r:id="rId54"/>
-    <p:sldId id="324" r:id="rId55"/>
-    <p:sldId id="304" r:id="rId56"/>
-    <p:sldId id="305" r:id="rId57"/>
-    <p:sldId id="306" r:id="rId58"/>
-    <p:sldId id="307" r:id="rId59"/>
-    <p:sldId id="308" r:id="rId60"/>
-    <p:sldId id="309" r:id="rId61"/>
-    <p:sldId id="310" r:id="rId62"/>
-    <p:sldId id="311" r:id="rId63"/>
+    <p:sldId id="328" r:id="rId33"/>
+    <p:sldId id="284" r:id="rId34"/>
+    <p:sldId id="300" r:id="rId35"/>
+    <p:sldId id="287" r:id="rId36"/>
+    <p:sldId id="290" r:id="rId37"/>
+    <p:sldId id="289" r:id="rId38"/>
+    <p:sldId id="291" r:id="rId39"/>
+    <p:sldId id="301" r:id="rId40"/>
+    <p:sldId id="302" r:id="rId41"/>
+    <p:sldId id="303" r:id="rId42"/>
+    <p:sldId id="316" r:id="rId43"/>
+    <p:sldId id="317" r:id="rId44"/>
+    <p:sldId id="318" r:id="rId45"/>
+    <p:sldId id="319" r:id="rId46"/>
+    <p:sldId id="320" r:id="rId47"/>
+    <p:sldId id="321" r:id="rId48"/>
+    <p:sldId id="322" r:id="rId49"/>
+    <p:sldId id="323" r:id="rId50"/>
+    <p:sldId id="325" r:id="rId51"/>
+    <p:sldId id="326" r:id="rId52"/>
+    <p:sldId id="327" r:id="rId53"/>
+    <p:sldId id="315" r:id="rId54"/>
+    <p:sldId id="312" r:id="rId55"/>
+    <p:sldId id="324" r:id="rId56"/>
+    <p:sldId id="304" r:id="rId57"/>
+    <p:sldId id="305" r:id="rId58"/>
+    <p:sldId id="306" r:id="rId59"/>
+    <p:sldId id="307" r:id="rId60"/>
+    <p:sldId id="308" r:id="rId61"/>
+    <p:sldId id="309" r:id="rId62"/>
+    <p:sldId id="310" r:id="rId63"/>
+    <p:sldId id="311" r:id="rId64"/>
   </p:sldIdLst>
   <p:sldSz cx="9144000" cy="6858000" type="screen4x3"/>
   <p:notesSz cx="6858000" cy="9144000"/>
@@ -1980,7 +1981,7 @@
           <a:p>
             <a:fld id="{8D079CED-E0C8-4B3D-AB1E-914A2D354D81}" type="datetimeFigureOut">
               <a:rPr lang="en-US" smtClean="0"/>
-              <a:t>3/15/2011</a:t>
+              <a:t>4/17/2011</a:t>
             </a:fld>
             <a:endParaRPr lang="en-US"/>
           </a:p>
@@ -2161,7 +2162,7 @@
           <a:p>
             <a:fld id="{8D079CED-E0C8-4B3D-AB1E-914A2D354D81}" type="datetimeFigureOut">
               <a:rPr lang="en-US" smtClean="0"/>
-              <a:t>3/15/2011</a:t>
+              <a:t>4/17/2011</a:t>
             </a:fld>
             <a:endParaRPr lang="en-US"/>
           </a:p>
@@ -2312,7 +2313,7 @@
           <a:p>
             <a:fld id="{8D079CED-E0C8-4B3D-AB1E-914A2D354D81}" type="datetimeFigureOut">
               <a:rPr lang="en-US" smtClean="0"/>
-              <a:t>3/15/2011</a:t>
+              <a:t>4/17/2011</a:t>
             </a:fld>
             <a:endParaRPr lang="en-US"/>
           </a:p>
@@ -4138,7 +4139,7 @@
           <a:p>
             <a:fld id="{8D079CED-E0C8-4B3D-AB1E-914A2D354D81}" type="datetimeFigureOut">
               <a:rPr lang="en-US" smtClean="0"/>
-              <a:t>3/15/2011</a:t>
+              <a:t>4/17/2011</a:t>
             </a:fld>
             <a:endParaRPr lang="en-US"/>
           </a:p>
@@ -6008,7 +6009,7 @@
           <a:p>
             <a:fld id="{8D079CED-E0C8-4B3D-AB1E-914A2D354D81}" type="datetimeFigureOut">
               <a:rPr lang="en-US" smtClean="0"/>
-              <a:t>3/15/2011</a:t>
+              <a:t>4/17/2011</a:t>
             </a:fld>
             <a:endParaRPr lang="en-US"/>
           </a:p>
@@ -6121,7 +6122,7 @@
           <a:p>
             <a:fld id="{8D079CED-E0C8-4B3D-AB1E-914A2D354D81}" type="datetimeFigureOut">
               <a:rPr lang="en-US" smtClean="0"/>
-              <a:t>3/15/2011</a:t>
+              <a:t>4/17/2011</a:t>
             </a:fld>
             <a:endParaRPr lang="en-US"/>
           </a:p>
@@ -6662,7 +6663,7 @@
           <a:p>
             <a:fld id="{8D079CED-E0C8-4B3D-AB1E-914A2D354D81}" type="datetimeFigureOut">
               <a:rPr lang="en-US" smtClean="0"/>
-              <a:t>3/15/2011</a:t>
+              <a:t>4/17/2011</a:t>
             </a:fld>
             <a:endParaRPr lang="en-US"/>
           </a:p>
@@ -6775,7 +6776,7 @@
           <a:p>
             <a:fld id="{8D079CED-E0C8-4B3D-AB1E-914A2D354D81}" type="datetimeFigureOut">
               <a:rPr lang="en-US" smtClean="0"/>
-              <a:t>3/15/2011</a:t>
+              <a:t>4/17/2011</a:t>
             </a:fld>
             <a:endParaRPr lang="en-US"/>
           </a:p>
@@ -8486,7 +8487,7 @@
           <a:p>
             <a:fld id="{8D079CED-E0C8-4B3D-AB1E-914A2D354D81}" type="datetimeFigureOut">
               <a:rPr lang="en-US" smtClean="0"/>
-              <a:t>3/15/2011</a:t>
+              <a:t>4/17/2011</a:t>
             </a:fld>
             <a:endParaRPr lang="en-US"/>
           </a:p>
@@ -8637,7 +8638,7 @@
           <a:p>
             <a:fld id="{8D079CED-E0C8-4B3D-AB1E-914A2D354D81}" type="datetimeFigureOut">
               <a:rPr lang="en-US" smtClean="0"/>
-              <a:t>3/15/2011</a:t>
+              <a:t>4/17/2011</a:t>
             </a:fld>
             <a:endParaRPr lang="en-US"/>
           </a:p>
@@ -12252,7 +12253,7 @@
           <a:p>
             <a:fld id="{8D079CED-E0C8-4B3D-AB1E-914A2D354D81}" type="datetimeFigureOut">
               <a:rPr lang="en-US" smtClean="0"/>
-              <a:t>3/15/2011</a:t>
+              <a:t>4/17/2011</a:t>
             </a:fld>
             <a:endParaRPr lang="en-US"/>
           </a:p>
@@ -14111,7 +14112,7 @@
           <a:p>
             <a:fld id="{8D079CED-E0C8-4B3D-AB1E-914A2D354D81}" type="datetimeFigureOut">
               <a:rPr lang="en-US" smtClean="0"/>
-              <a:t>3/15/2011</a:t>
+              <a:t>4/17/2011</a:t>
             </a:fld>
             <a:endParaRPr lang="en-US"/>
           </a:p>
@@ -17416,8 +17417,27 @@
           </a:xfrm>
         </p:spPr>
         <p:txBody>
-          <a:bodyPr/>
+          <a:bodyPr>
+            <a:normAutofit fontScale="92500" lnSpcReduction="10000"/>
+          </a:bodyPr>
           <a:lstStyle/>
+          <a:p>
+            <a:r>
+              <a:rPr lang="en-US" dirty="0" smtClean="0"/>
+              <a:t>What does “The value for property </a:t>
+            </a:r>
+            <a:r>
+              <a:rPr lang="en-US" dirty="0" err="1" smtClean="0"/>
+              <a:t>java.lang.String</a:t>
+            </a:r>
+            <a:r>
+              <a:rPr lang="en-US" dirty="0" smtClean="0"/>
+              <a:t> cannot be retrieved from object of type id” mean?</a:t>
+            </a:r>
+          </a:p>
+          <a:p>
+            <a:endParaRPr lang="en-US" dirty="0" smtClean="0"/>
+          </a:p>
           <a:p>
             <a:r>
               <a:rPr lang="en-US" dirty="0" smtClean="0"/>
@@ -18060,11 +18080,51 @@
         </p:spPr>
         <p:txBody>
           <a:bodyPr>
-            <a:normAutofit fontScale="92500" lnSpcReduction="20000"/>
+            <a:normAutofit/>
           </a:bodyPr>
           <a:lstStyle/>
           <a:p>
             <a:r>
+              <a:rPr lang="en-US" dirty="0"/>
+              <a:t>What does “The value for property </a:t>
+            </a:r>
+            <a:r>
+              <a:rPr lang="en-US" dirty="0" err="1"/>
+              <a:t>java.lang.String</a:t>
+            </a:r>
+            <a:r>
+              <a:rPr lang="en-US" dirty="0"/>
+              <a:t> cannot be retrieved from object of type id” mean</a:t>
+            </a:r>
+            <a:r>
+              <a:rPr lang="en-US" dirty="0" smtClean="0"/>
+              <a:t>?</a:t>
+            </a:r>
+          </a:p>
+          <a:p>
+            <a:pPr lvl="1"/>
+            <a:r>
+              <a:rPr lang="en-US" dirty="0" smtClean="0"/>
+              <a:t>You probably changed a simple property to  a many-to-one but didn’t update the code that calls the setters</a:t>
+            </a:r>
+          </a:p>
+          <a:p>
+            <a:pPr lvl="1"/>
+            <a:r>
+              <a:rPr lang="en-US" dirty="0" smtClean="0"/>
+              <a:t>You’re setting a simple value when it expects </a:t>
+            </a:r>
+            <a:r>
+              <a:rPr lang="en-US" smtClean="0"/>
+              <a:t>an object</a:t>
+            </a:r>
+            <a:endParaRPr lang="en-US" dirty="0"/>
+          </a:p>
+          <a:p>
+            <a:endParaRPr lang="en-US" dirty="0" smtClean="0"/>
+          </a:p>
+          <a:p>
+            <a:r>
               <a:rPr lang="en-US" dirty="0" smtClean="0"/>
               <a:t>How do I </a:t>
             </a:r>
@@ -18095,134 +18155,6 @@
           <a:p>
             <a:pPr lvl="1"/>
             <a:endParaRPr lang="en-US" dirty="0" smtClean="0"/>
-          </a:p>
-          <a:p>
-            <a:r>
-              <a:rPr lang="en-US" dirty="0" err="1" smtClean="0"/>
-              <a:t>CFDump</a:t>
-            </a:r>
-            <a:r>
-              <a:rPr lang="en-US" dirty="0" smtClean="0"/>
-              <a:t> just got </a:t>
-            </a:r>
-            <a:r>
-              <a:rPr lang="en-US" dirty="0" err="1" smtClean="0"/>
-              <a:t>reaaal</a:t>
-            </a:r>
-            <a:r>
-              <a:rPr lang="en-US" dirty="0" smtClean="0"/>
-              <a:t> slow. Why?</a:t>
-            </a:r>
-          </a:p>
-          <a:p>
-            <a:endParaRPr lang="en-US" dirty="0"/>
-          </a:p>
-          <a:p>
-            <a:pPr lvl="1"/>
-            <a:r>
-              <a:rPr lang="en-US" dirty="0" smtClean="0"/>
-              <a:t>ALWAYS use “top” when </a:t>
-            </a:r>
-            <a:r>
-              <a:rPr lang="en-US" dirty="0" err="1" smtClean="0"/>
-              <a:t>cfdumping</a:t>
-            </a:r>
-            <a:r>
-              <a:rPr lang="en-US" dirty="0" smtClean="0"/>
-              <a:t> an ORM object</a:t>
-            </a:r>
-          </a:p>
-          <a:p>
-            <a:pPr lvl="2"/>
-            <a:r>
-              <a:rPr lang="en-US" dirty="0" err="1" smtClean="0"/>
-              <a:t>writeDump</a:t>
-            </a:r>
-            <a:r>
-              <a:rPr lang="en-US" dirty="0" smtClean="0"/>
-              <a:t>(</a:t>
-            </a:r>
-            <a:r>
-              <a:rPr lang="en-US" dirty="0" err="1" smtClean="0"/>
-              <a:t>var</a:t>
-            </a:r>
-            <a:r>
-              <a:rPr lang="en-US" dirty="0" smtClean="0"/>
-              <a:t>=object, top=“3”);</a:t>
-            </a:r>
-            <a:endParaRPr lang="en-US" dirty="0"/>
-          </a:p>
-          <a:p>
-            <a:pPr lvl="1"/>
-            <a:r>
-              <a:rPr lang="en-US" dirty="0" smtClean="0"/>
-              <a:t>In </a:t>
-            </a:r>
-            <a:r>
-              <a:rPr lang="en-US" dirty="0" err="1" smtClean="0"/>
-              <a:t>MXUnit</a:t>
-            </a:r>
-            <a:r>
-              <a:rPr lang="en-US" dirty="0" smtClean="0"/>
-              <a:t> tests:</a:t>
-            </a:r>
-          </a:p>
-          <a:p>
-            <a:pPr lvl="2"/>
-            <a:r>
-              <a:rPr lang="en-US" dirty="0" smtClean="0"/>
-              <a:t>debug(</a:t>
-            </a:r>
-            <a:r>
-              <a:rPr lang="en-US" dirty="0" err="1" smtClean="0"/>
-              <a:t>var</a:t>
-            </a:r>
-            <a:r>
-              <a:rPr lang="en-US" dirty="0" smtClean="0"/>
-              <a:t>=object, top=“3”);</a:t>
-            </a:r>
-          </a:p>
-          <a:p>
-            <a:pPr lvl="2"/>
-            <a:endParaRPr lang="en-US" dirty="0" smtClean="0"/>
-          </a:p>
-          <a:p>
-            <a:r>
-              <a:rPr lang="en-US" dirty="0" smtClean="0"/>
-              <a:t>How </a:t>
-            </a:r>
-            <a:r>
-              <a:rPr lang="en-US" dirty="0"/>
-              <a:t>do I </a:t>
-            </a:r>
-            <a:r>
-              <a:rPr lang="en-US" dirty="0" err="1"/>
-              <a:t>entityLoad</a:t>
-            </a:r>
-            <a:r>
-              <a:rPr lang="en-US" dirty="0"/>
-              <a:t>() and filter on a property when that property is now an object</a:t>
-            </a:r>
-            <a:r>
-              <a:rPr lang="en-US" dirty="0" smtClean="0"/>
-              <a:t>?</a:t>
-            </a:r>
-          </a:p>
-          <a:p>
-            <a:pPr lvl="2"/>
-            <a:r>
-              <a:rPr lang="en-US" dirty="0" smtClean="0"/>
-              <a:t>You must pass that </a:t>
-            </a:r>
-            <a:r>
-              <a:rPr lang="en-US" b="1" dirty="0" smtClean="0"/>
-              <a:t>object </a:t>
-            </a:r>
-            <a:r>
-              <a:rPr lang="en-US" dirty="0" smtClean="0"/>
-              <a:t> as the filter criteria</a:t>
-            </a:r>
-            <a:endParaRPr lang="en-US" dirty="0"/>
           </a:p>
           <a:p>
             <a:pPr marL="627063" lvl="2" indent="0">
@@ -18302,79 +18234,149 @@
             <p:ph idx="1"/>
           </p:nvPr>
         </p:nvSpPr>
-        <p:spPr/>
+        <p:spPr>
+          <a:xfrm>
+            <a:off x="304800" y="2133600"/>
+            <a:ext cx="8610599" cy="4343400"/>
+          </a:xfrm>
+        </p:spPr>
         <p:txBody>
-          <a:bodyPr/>
+          <a:bodyPr>
+            <a:normAutofit/>
+          </a:bodyPr>
           <a:lstStyle/>
           <a:p>
-            <a:pPr marL="457200" indent="-457200">
-              <a:buFont typeface="+mj-lt"/>
-              <a:buAutoNum type="arabicPeriod"/>
+            <a:r>
+              <a:rPr lang="en-US" dirty="0" err="1" smtClean="0"/>
+              <a:t>CFDump</a:t>
+            </a:r>
+            <a:r>
+              <a:rPr lang="en-US" dirty="0" smtClean="0"/>
+              <a:t> just got </a:t>
+            </a:r>
+            <a:r>
+              <a:rPr lang="en-US" dirty="0" err="1" smtClean="0"/>
+              <a:t>reaaal</a:t>
+            </a:r>
+            <a:r>
+              <a:rPr lang="en-US" dirty="0" smtClean="0"/>
+              <a:t> slow. Why?</a:t>
+            </a:r>
+          </a:p>
+          <a:p>
+            <a:endParaRPr lang="en-US" dirty="0"/>
+          </a:p>
+          <a:p>
+            <a:pPr lvl="1"/>
+            <a:r>
+              <a:rPr lang="en-US" dirty="0" smtClean="0"/>
+              <a:t>ALWAYS use “top” when </a:t>
+            </a:r>
+            <a:r>
+              <a:rPr lang="en-US" dirty="0" err="1" smtClean="0"/>
+              <a:t>cfdumping</a:t>
+            </a:r>
+            <a:r>
+              <a:rPr lang="en-US" dirty="0" smtClean="0"/>
+              <a:t> an ORM object</a:t>
+            </a:r>
+          </a:p>
+          <a:p>
+            <a:pPr lvl="2"/>
+            <a:r>
+              <a:rPr lang="en-US" dirty="0" err="1" smtClean="0"/>
+              <a:t>writeDump</a:t>
+            </a:r>
+            <a:r>
+              <a:rPr lang="en-US" dirty="0" smtClean="0"/>
+              <a:t>(</a:t>
+            </a:r>
+            <a:r>
+              <a:rPr lang="en-US" dirty="0" err="1" smtClean="0"/>
+              <a:t>var</a:t>
+            </a:r>
+            <a:r>
+              <a:rPr lang="en-US" dirty="0" smtClean="0"/>
+              <a:t>=object, top=“3”);</a:t>
+            </a:r>
+            <a:endParaRPr lang="en-US" dirty="0"/>
+          </a:p>
+          <a:p>
+            <a:pPr lvl="1"/>
+            <a:r>
+              <a:rPr lang="en-US" dirty="0" smtClean="0"/>
+              <a:t>In </a:t>
+            </a:r>
+            <a:r>
+              <a:rPr lang="en-US" dirty="0" err="1" smtClean="0"/>
+              <a:t>MXUnit</a:t>
+            </a:r>
+            <a:r>
+              <a:rPr lang="en-US" dirty="0" smtClean="0"/>
+              <a:t> tests:</a:t>
+            </a:r>
+          </a:p>
+          <a:p>
+            <a:pPr lvl="2"/>
+            <a:r>
+              <a:rPr lang="en-US" dirty="0" smtClean="0"/>
+              <a:t>debug(</a:t>
+            </a:r>
+            <a:r>
+              <a:rPr lang="en-US" dirty="0" err="1" smtClean="0"/>
+              <a:t>var</a:t>
+            </a:r>
+            <a:r>
+              <a:rPr lang="en-US" dirty="0" smtClean="0"/>
+              <a:t>=object, top=“3”);</a:t>
+            </a:r>
+          </a:p>
+          <a:p>
+            <a:pPr lvl="2"/>
+            <a:endParaRPr lang="en-US" dirty="0" smtClean="0"/>
+          </a:p>
+          <a:p>
+            <a:r>
+              <a:rPr lang="en-US" dirty="0" smtClean="0"/>
+              <a:t>How </a:t>
+            </a:r>
+            <a:r>
+              <a:rPr lang="en-US" dirty="0"/>
+              <a:t>do I </a:t>
+            </a:r>
+            <a:r>
+              <a:rPr lang="en-US" dirty="0" err="1"/>
+              <a:t>entityLoad</a:t>
+            </a:r>
+            <a:r>
+              <a:rPr lang="en-US" dirty="0"/>
+              <a:t>() and filter on a property when that property is now an object</a:t>
+            </a:r>
+            <a:r>
+              <a:rPr lang="en-US" dirty="0" smtClean="0"/>
+              <a:t>?</a:t>
+            </a:r>
+          </a:p>
+          <a:p>
+            <a:pPr lvl="2"/>
+            <a:r>
+              <a:rPr lang="en-US" dirty="0" smtClean="0"/>
+              <a:t>You must pass that </a:t>
+            </a:r>
+            <a:r>
+              <a:rPr lang="en-US" b="1" dirty="0" smtClean="0"/>
+              <a:t>object </a:t>
+            </a:r>
+            <a:r>
+              <a:rPr lang="en-US" dirty="0" smtClean="0"/>
+              <a:t> as the filter criteria</a:t>
+            </a:r>
+            <a:endParaRPr lang="en-US" dirty="0"/>
+          </a:p>
+          <a:p>
+            <a:pPr marL="627063" lvl="2" indent="0">
+              <a:buNone/>
             </a:pPr>
-            <a:r>
-              <a:rPr lang="en-US" dirty="0" smtClean="0"/>
-              <a:t> ORM Settings -- Control the Session Flush</a:t>
-            </a:r>
-          </a:p>
-          <a:p>
-            <a:pPr marL="457200" indent="-457200">
-              <a:buFont typeface="+mj-lt"/>
-              <a:buAutoNum type="arabicPeriod"/>
-            </a:pPr>
-            <a:r>
-              <a:rPr lang="en-US" dirty="0" smtClean="0"/>
-              <a:t>Many-to-One Relationships</a:t>
-            </a:r>
-          </a:p>
-          <a:p>
-            <a:pPr marL="457200" indent="-457200">
-              <a:buFont typeface="+mj-lt"/>
-              <a:buAutoNum type="arabicPeriod"/>
-            </a:pPr>
-            <a:r>
-              <a:rPr lang="en-US" b="1" dirty="0" smtClean="0"/>
-              <a:t>One-to-Many Intro: Bidirectional relationships</a:t>
-            </a:r>
-          </a:p>
-          <a:p>
-            <a:pPr marL="457200" indent="-457200">
-              <a:buFont typeface="+mj-lt"/>
-              <a:buAutoNum type="arabicPeriod"/>
-            </a:pPr>
-            <a:r>
-              <a:rPr lang="en-US" dirty="0" smtClean="0"/>
-              <a:t>One-to-Many: Adding to Collections</a:t>
-            </a:r>
-          </a:p>
-          <a:p>
-            <a:pPr marL="457200" indent="-457200">
-              <a:buFont typeface="+mj-lt"/>
-              <a:buAutoNum type="arabicPeriod"/>
-            </a:pPr>
-            <a:r>
-              <a:rPr lang="en-US" dirty="0" smtClean="0"/>
-              <a:t>One-to-Many: inverse and “relationship owner”</a:t>
-            </a:r>
-          </a:p>
-          <a:p>
-            <a:pPr marL="457200" indent="-457200">
-              <a:buFont typeface="+mj-lt"/>
-              <a:buAutoNum type="arabicPeriod"/>
-            </a:pPr>
-            <a:r>
-              <a:rPr lang="en-US" dirty="0" smtClean="0"/>
-              <a:t>One-to-Many: Deleting from Collections</a:t>
-            </a:r>
-          </a:p>
-          <a:p>
-            <a:pPr marL="457200" indent="-457200">
-              <a:buFont typeface="+mj-lt"/>
-              <a:buAutoNum type="arabicPeriod"/>
-            </a:pPr>
-            <a:r>
-              <a:rPr lang="en-US" dirty="0" smtClean="0"/>
-              <a:t>Hibernate Session and the ColdFusion Session scope</a:t>
-            </a:r>
             <a:endParaRPr lang="en-US" dirty="0"/>
           </a:p>
         </p:txBody>
@@ -18396,7 +18398,7 @@
           <a:p>
             <a:r>
               <a:rPr lang="en-US" dirty="0" smtClean="0"/>
-              <a:t>Agenda</a:t>
+              <a:t>Enlightenment</a:t>
             </a:r>
             <a:endParaRPr lang="en-US" dirty="0"/>
           </a:p>
@@ -18405,7 +18407,7 @@
     </p:spTree>
     <p:extLst>
       <p:ext uri="{BB962C8B-B14F-4D97-AF65-F5344CB8AC3E}">
-        <p14:creationId xmlns:p14="http://schemas.microsoft.com/office/powerpoint/2010/main" val="3332806906"/>
+        <p14:creationId xmlns:p14="http://schemas.microsoft.com/office/powerpoint/2010/main" val="689824627"/>
       </p:ext>
     </p:extLst>
   </p:cSld>
@@ -18454,49 +18456,73 @@
           <a:bodyPr/>
           <a:lstStyle/>
           <a:p>
-            <a:r>
-              <a:rPr lang="en-US" dirty="0" smtClean="0"/>
-              <a:t>I’m </a:t>
-            </a:r>
-            <a:r>
-              <a:rPr lang="en-US" dirty="0" err="1" smtClean="0"/>
-              <a:t>gonna</a:t>
-            </a:r>
-            <a:r>
-              <a:rPr lang="en-US" dirty="0" smtClean="0"/>
-              <a:t> have properties for every relationship I can think of and never write SQL Again!</a:t>
-            </a:r>
-          </a:p>
-          <a:p>
-            <a:endParaRPr lang="en-US" dirty="0" smtClean="0"/>
-          </a:p>
-          <a:p>
-            <a:r>
-              <a:rPr lang="en-US" dirty="0" smtClean="0"/>
-              <a:t>If( </a:t>
-            </a:r>
-            <a:r>
-              <a:rPr lang="en-US" dirty="0" err="1" smtClean="0"/>
-              <a:t>arrayLen</a:t>
-            </a:r>
-            <a:r>
-              <a:rPr lang="en-US" dirty="0" smtClean="0"/>
-              <a:t>(</a:t>
-            </a:r>
-            <a:r>
-              <a:rPr lang="en-US" dirty="0" err="1" smtClean="0"/>
-              <a:t>myOneToMany</a:t>
-            </a:r>
-            <a:r>
-              <a:rPr lang="en-US" dirty="0" smtClean="0"/>
-              <a:t>) GT 0 )</a:t>
-            </a:r>
-          </a:p>
-          <a:p>
-            <a:pPr lvl="1"/>
-            <a:r>
-              <a:rPr lang="en-US" dirty="0" smtClean="0"/>
-              <a:t>Why is this so slow?</a:t>
+            <a:pPr marL="457200" indent="-457200">
+              <a:buFont typeface="+mj-lt"/>
+              <a:buAutoNum type="arabicPeriod"/>
+            </a:pPr>
+            <a:r>
+              <a:rPr lang="en-US" dirty="0" smtClean="0"/>
+              <a:t> ORM Settings -- Control the Session Flush</a:t>
+            </a:r>
+          </a:p>
+          <a:p>
+            <a:pPr marL="457200" indent="-457200">
+              <a:buFont typeface="+mj-lt"/>
+              <a:buAutoNum type="arabicPeriod"/>
+            </a:pPr>
+            <a:r>
+              <a:rPr lang="en-US" dirty="0" smtClean="0"/>
+              <a:t>Many-to-One Relationships</a:t>
+            </a:r>
+          </a:p>
+          <a:p>
+            <a:pPr marL="457200" indent="-457200">
+              <a:buFont typeface="+mj-lt"/>
+              <a:buAutoNum type="arabicPeriod"/>
+            </a:pPr>
+            <a:r>
+              <a:rPr lang="en-US" b="1" dirty="0" smtClean="0"/>
+              <a:t>One-to-Many Intro: Bidirectional relationships</a:t>
+            </a:r>
+          </a:p>
+          <a:p>
+            <a:pPr marL="457200" indent="-457200">
+              <a:buFont typeface="+mj-lt"/>
+              <a:buAutoNum type="arabicPeriod"/>
+            </a:pPr>
+            <a:r>
+              <a:rPr lang="en-US" dirty="0" smtClean="0"/>
+              <a:t>One-to-Many: Adding to Collections</a:t>
+            </a:r>
+          </a:p>
+          <a:p>
+            <a:pPr marL="457200" indent="-457200">
+              <a:buFont typeface="+mj-lt"/>
+              <a:buAutoNum type="arabicPeriod"/>
+            </a:pPr>
+            <a:r>
+              <a:rPr lang="en-US" dirty="0" smtClean="0"/>
+              <a:t>One-to-Many: inverse and “relationship owner”</a:t>
+            </a:r>
+          </a:p>
+          <a:p>
+            <a:pPr marL="457200" indent="-457200">
+              <a:buFont typeface="+mj-lt"/>
+              <a:buAutoNum type="arabicPeriod"/>
+            </a:pPr>
+            <a:r>
+              <a:rPr lang="en-US" dirty="0" smtClean="0"/>
+              <a:t>One-to-Many: Deleting from Collections</a:t>
+            </a:r>
+          </a:p>
+          <a:p>
+            <a:pPr marL="457200" indent="-457200">
+              <a:buFont typeface="+mj-lt"/>
+              <a:buAutoNum type="arabicPeriod"/>
+            </a:pPr>
+            <a:r>
+              <a:rPr lang="en-US" dirty="0" smtClean="0"/>
+              <a:t>Hibernate Session and the ColdFusion Session scope</a:t>
             </a:r>
             <a:endParaRPr lang="en-US" dirty="0"/>
           </a:p>
@@ -18519,7 +18545,7 @@
           <a:p>
             <a:r>
               <a:rPr lang="en-US" dirty="0" smtClean="0"/>
-              <a:t>Suffering: one-to-many Gluttony</a:t>
+              <a:t>Agenda</a:t>
             </a:r>
             <a:endParaRPr lang="en-US" dirty="0"/>
           </a:p>
@@ -18528,7 +18554,7 @@
     </p:spTree>
     <p:extLst>
       <p:ext uri="{BB962C8B-B14F-4D97-AF65-F5344CB8AC3E}">
-        <p14:creationId xmlns:p14="http://schemas.microsoft.com/office/powerpoint/2010/main" val="2239913731"/>
+        <p14:creationId xmlns:p14="http://schemas.microsoft.com/office/powerpoint/2010/main" val="3332806906"/>
       </p:ext>
     </p:extLst>
   </p:cSld>
@@ -18572,124 +18598,56 @@
             <p:ph idx="1"/>
           </p:nvPr>
         </p:nvSpPr>
-        <p:spPr>
-          <a:xfrm>
-            <a:off x="897467" y="2416704"/>
-            <a:ext cx="7408333" cy="3450696"/>
-          </a:xfrm>
-        </p:spPr>
+        <p:spPr/>
         <p:txBody>
-          <a:bodyPr>
-            <a:normAutofit fontScale="85000" lnSpcReduction="20000"/>
-          </a:bodyPr>
+          <a:bodyPr/>
           <a:lstStyle/>
           <a:p>
             <a:r>
               <a:rPr lang="en-US" dirty="0" smtClean="0"/>
-              <a:t>Bi-di --- “many-to-one” on one side, and “one-to-many” on the other</a:t>
-            </a:r>
-          </a:p>
-          <a:p>
-            <a:r>
-              <a:rPr lang="en-US" dirty="0" smtClean="0"/>
-              <a:t>Database </a:t>
-            </a:r>
-            <a:r>
-              <a:rPr lang="en-US" b="1" dirty="0" smtClean="0"/>
-              <a:t>schemas </a:t>
-            </a:r>
-            <a:r>
-              <a:rPr lang="en-US" dirty="0" smtClean="0"/>
-              <a:t>have no concept of bi-di </a:t>
+              <a:t>I’m </a:t>
+            </a:r>
+            <a:r>
+              <a:rPr lang="en-US" dirty="0" err="1" smtClean="0"/>
+              <a:t>gonna</a:t>
+            </a:r>
+            <a:r>
+              <a:rPr lang="en-US" dirty="0" smtClean="0"/>
+              <a:t> have properties for every relationship I can think of and never write SQL Again!</a:t>
+            </a:r>
+          </a:p>
+          <a:p>
+            <a:endParaRPr lang="en-US" dirty="0" smtClean="0"/>
+          </a:p>
+          <a:p>
+            <a:r>
+              <a:rPr lang="en-US" dirty="0" smtClean="0"/>
+              <a:t>If( </a:t>
+            </a:r>
+            <a:r>
+              <a:rPr lang="en-US" dirty="0" err="1" smtClean="0"/>
+              <a:t>arrayLen</a:t>
+            </a:r>
+            <a:r>
+              <a:rPr lang="en-US" dirty="0" smtClean="0"/>
+              <a:t>(</a:t>
+            </a:r>
+            <a:r>
+              <a:rPr lang="en-US" dirty="0" err="1" smtClean="0"/>
+              <a:t>myOneToMany</a:t>
+            </a:r>
+            <a:r>
+              <a:rPr lang="en-US" dirty="0" smtClean="0"/>
+              <a:t>) GT 0 )</a:t>
             </a:r>
           </a:p>
           <a:p>
             <a:pPr lvl="1"/>
             <a:r>
               <a:rPr lang="en-US" dirty="0" smtClean="0"/>
-              <a:t>Thus, you express this in SQL (often with joins)</a:t>
-            </a:r>
-          </a:p>
-          <a:p>
-            <a:pPr lvl="1"/>
-            <a:r>
-              <a:rPr lang="en-US" dirty="0" smtClean="0"/>
-              <a:t>“ select * from  event where </a:t>
-            </a:r>
-            <a:r>
-              <a:rPr lang="en-US" dirty="0" err="1" smtClean="0"/>
-              <a:t>ModifiedBy</a:t>
-            </a:r>
-            <a:r>
-              <a:rPr lang="en-US" dirty="0" smtClean="0"/>
-              <a:t> </a:t>
-            </a:r>
-            <a:r>
-              <a:rPr lang="en-US" dirty="0"/>
-              <a:t>= </a:t>
-            </a:r>
-            <a:r>
-              <a:rPr lang="en-US" dirty="0" smtClean="0"/>
-              <a:t>? ”</a:t>
-            </a:r>
-          </a:p>
-          <a:p>
-            <a:r>
-              <a:rPr lang="en-US" dirty="0" smtClean="0"/>
-              <a:t>Think: “this ONE Administrator will have MANY modified events”</a:t>
-            </a:r>
-          </a:p>
-          <a:p>
-            <a:r>
-              <a:rPr lang="en-US" b="1" dirty="0" smtClean="0"/>
-              <a:t>Three Knobs:</a:t>
-            </a:r>
-          </a:p>
-          <a:p>
-            <a:pPr lvl="1"/>
-            <a:r>
-              <a:rPr lang="en-US" b="1" dirty="0" err="1" smtClean="0"/>
-              <a:t>fieldtype</a:t>
-            </a:r>
-            <a:r>
-              <a:rPr lang="en-US" dirty="0" smtClean="0"/>
-              <a:t> = “one-to-many”</a:t>
-            </a:r>
-          </a:p>
-          <a:p>
-            <a:pPr lvl="1"/>
-            <a:r>
-              <a:rPr lang="en-US" b="1" dirty="0" err="1" smtClean="0"/>
-              <a:t>fkcolumn</a:t>
-            </a:r>
-            <a:r>
-              <a:rPr lang="en-US" dirty="0" smtClean="0"/>
-              <a:t> = Foreign key column in the RELATED object’s table for this property</a:t>
-            </a:r>
-          </a:p>
-          <a:p>
-            <a:pPr lvl="1"/>
-            <a:r>
-              <a:rPr lang="en-US" b="1" dirty="0"/>
-              <a:t>c</a:t>
-            </a:r>
-            <a:r>
-              <a:rPr lang="en-US" b="1" dirty="0" smtClean="0"/>
-              <a:t>fc</a:t>
-            </a:r>
-            <a:r>
-              <a:rPr lang="en-US" dirty="0" smtClean="0"/>
-              <a:t> = CFC Name of the related entity</a:t>
-            </a:r>
-            <a:endParaRPr lang="en-US" b="1" dirty="0" smtClean="0"/>
-          </a:p>
-          <a:p>
-            <a:pPr lvl="1"/>
-            <a:endParaRPr lang="en-US" b="1" dirty="0" smtClean="0"/>
-          </a:p>
-          <a:p>
-            <a:pPr lvl="1"/>
-            <a:endParaRPr lang="en-US" b="1" dirty="0" smtClean="0"/>
+              <a:t>Why is this so slow?</a:t>
+            </a:r>
+            <a:endParaRPr lang="en-US" dirty="0"/>
           </a:p>
         </p:txBody>
       </p:sp>
@@ -18710,7 +18668,7 @@
           <a:p>
             <a:r>
               <a:rPr lang="en-US" dirty="0" smtClean="0"/>
-              <a:t>Bidirectional Relationships</a:t>
+              <a:t>Suffering: one-to-many Gluttony</a:t>
             </a:r>
             <a:endParaRPr lang="en-US" dirty="0"/>
           </a:p>
@@ -18719,7 +18677,7 @@
     </p:spTree>
     <p:extLst>
       <p:ext uri="{BB962C8B-B14F-4D97-AF65-F5344CB8AC3E}">
-        <p14:creationId xmlns:p14="http://schemas.microsoft.com/office/powerpoint/2010/main" val="2554595791"/>
+        <p14:creationId xmlns:p14="http://schemas.microsoft.com/office/powerpoint/2010/main" val="2239913731"/>
       </p:ext>
     </p:extLst>
   </p:cSld>
@@ -18763,17 +18721,149 @@
             <p:ph idx="1"/>
           </p:nvPr>
         </p:nvSpPr>
-        <p:spPr/>
+        <p:spPr>
+          <a:xfrm>
+            <a:off x="897467" y="2416704"/>
+            <a:ext cx="7408333" cy="3450696"/>
+          </a:xfrm>
+        </p:spPr>
         <p:txBody>
-          <a:bodyPr/>
+          <a:bodyPr>
+            <a:normAutofit fontScale="85000" lnSpcReduction="20000"/>
+          </a:bodyPr>
           <a:lstStyle/>
           <a:p>
-            <a:pPr algn="ctr"/>
-            <a:r>
-              <a:rPr lang="en-US" dirty="0" smtClean="0"/>
-              <a:t>Demo simple one-to-many property</a:t>
-            </a:r>
-            <a:endParaRPr lang="en-US" dirty="0"/>
+            <a:r>
+              <a:rPr lang="en-US" dirty="0" smtClean="0"/>
+              <a:t>Bi-di --- “many-to-one” on one side, and “one-to-many” on the other</a:t>
+            </a:r>
+          </a:p>
+          <a:p>
+            <a:r>
+              <a:rPr lang="en-US" dirty="0" smtClean="0"/>
+              <a:t>Database </a:t>
+            </a:r>
+            <a:r>
+              <a:rPr lang="en-US" b="1" dirty="0" smtClean="0"/>
+              <a:t>schemas </a:t>
+            </a:r>
+            <a:r>
+              <a:rPr lang="en-US" dirty="0" smtClean="0"/>
+              <a:t>have no concept of </a:t>
+            </a:r>
+            <a:r>
+              <a:rPr lang="en-US" dirty="0" err="1" smtClean="0"/>
+              <a:t>uni</a:t>
+            </a:r>
+            <a:r>
+              <a:rPr lang="en-US" dirty="0" smtClean="0"/>
+              <a:t>-di; bi-di only</a:t>
+            </a:r>
+            <a:endParaRPr lang="en-US" dirty="0" smtClean="0"/>
+          </a:p>
+          <a:p>
+            <a:pPr lvl="1"/>
+            <a:r>
+              <a:rPr lang="en-US" dirty="0" smtClean="0"/>
+              <a:t>Express </a:t>
+            </a:r>
+            <a:r>
+              <a:rPr lang="en-US" smtClean="0"/>
+              <a:t>bi-di </a:t>
+            </a:r>
+            <a:r>
+              <a:rPr lang="en-US" smtClean="0"/>
+              <a:t>with </a:t>
+            </a:r>
+            <a:r>
+              <a:rPr lang="en-US" smtClean="0"/>
+              <a:t>SQL </a:t>
+            </a:r>
+            <a:r>
+              <a:rPr lang="en-US" dirty="0" smtClean="0"/>
+              <a:t>(often with joins)</a:t>
+            </a:r>
+          </a:p>
+          <a:p>
+            <a:pPr lvl="1"/>
+            <a:r>
+              <a:rPr lang="en-US" dirty="0" smtClean="0"/>
+              <a:t>“ select * from  event where </a:t>
+            </a:r>
+            <a:r>
+              <a:rPr lang="en-US" dirty="0" err="1" smtClean="0"/>
+              <a:t>ModifiedBy</a:t>
+            </a:r>
+            <a:r>
+              <a:rPr lang="en-US" dirty="0" smtClean="0"/>
+              <a:t> </a:t>
+            </a:r>
+            <a:r>
+              <a:rPr lang="en-US" dirty="0"/>
+              <a:t>= </a:t>
+            </a:r>
+            <a:r>
+              <a:rPr lang="en-US" dirty="0" smtClean="0"/>
+              <a:t>? ”</a:t>
+            </a:r>
+          </a:p>
+          <a:p>
+            <a:r>
+              <a:rPr lang="en-US" dirty="0" smtClean="0"/>
+              <a:t>Think: “this ONE Administrator will have MANY modified events”</a:t>
+            </a:r>
+          </a:p>
+          <a:p>
+            <a:r>
+              <a:rPr lang="en-US" b="1" dirty="0" smtClean="0"/>
+              <a:t>Three Knobs:</a:t>
+            </a:r>
+          </a:p>
+          <a:p>
+            <a:pPr lvl="1"/>
+            <a:r>
+              <a:rPr lang="en-US" b="1" dirty="0" err="1" smtClean="0"/>
+              <a:t>fieldtype</a:t>
+            </a:r>
+            <a:r>
+              <a:rPr lang="en-US" dirty="0" smtClean="0"/>
+              <a:t> = “one-to-many”</a:t>
+            </a:r>
+          </a:p>
+          <a:p>
+            <a:pPr lvl="1"/>
+            <a:r>
+              <a:rPr lang="en-US" b="1" dirty="0" err="1" smtClean="0"/>
+              <a:t>fkcolumn</a:t>
+            </a:r>
+            <a:r>
+              <a:rPr lang="en-US" dirty="0" smtClean="0"/>
+              <a:t> = Foreign key column in the RELATED object’s table for this property</a:t>
+            </a:r>
+          </a:p>
+          <a:p>
+            <a:pPr lvl="1"/>
+            <a:r>
+              <a:rPr lang="en-US" b="1" dirty="0"/>
+              <a:t>c</a:t>
+            </a:r>
+            <a:r>
+              <a:rPr lang="en-US" b="1" dirty="0" smtClean="0"/>
+              <a:t>fc</a:t>
+            </a:r>
+            <a:r>
+              <a:rPr lang="en-US" dirty="0" smtClean="0"/>
+              <a:t> = CFC Name of the related entity</a:t>
+            </a:r>
+            <a:endParaRPr lang="en-US" b="1" dirty="0" smtClean="0"/>
+          </a:p>
+          <a:p>
+            <a:pPr lvl="1"/>
+            <a:endParaRPr lang="en-US" b="1" dirty="0" smtClean="0"/>
+          </a:p>
+          <a:p>
+            <a:pPr lvl="1"/>
+            <a:endParaRPr lang="en-US" b="1" dirty="0" smtClean="0"/>
           </a:p>
         </p:txBody>
       </p:sp>
@@ -18794,7 +18884,7 @@
           <a:p>
             <a:r>
               <a:rPr lang="en-US" dirty="0" smtClean="0"/>
-              <a:t>One-to-Many Demo</a:t>
+              <a:t>Bidirectional Relationships</a:t>
             </a:r>
             <a:endParaRPr lang="en-US" dirty="0"/>
           </a:p>
@@ -18803,7 +18893,7 @@
     </p:spTree>
     <p:extLst>
       <p:ext uri="{BB962C8B-B14F-4D97-AF65-F5344CB8AC3E}">
-        <p14:creationId xmlns:p14="http://schemas.microsoft.com/office/powerpoint/2010/main" val="1855450989"/>
+        <p14:creationId xmlns:p14="http://schemas.microsoft.com/office/powerpoint/2010/main" val="2554595791"/>
       </p:ext>
     </p:extLst>
   </p:cSld>
@@ -18849,87 +18939,15 @@
         </p:nvSpPr>
         <p:spPr/>
         <p:txBody>
-          <a:bodyPr>
-            <a:normAutofit lnSpcReduction="10000"/>
-          </a:bodyPr>
+          <a:bodyPr/>
           <a:lstStyle/>
           <a:p>
-            <a:r>
-              <a:rPr lang="en-US" dirty="0" smtClean="0"/>
-              <a:t>Sometimes very useful</a:t>
-            </a:r>
-          </a:p>
-          <a:p>
-            <a:pPr lvl="1"/>
-            <a:r>
-              <a:rPr lang="en-US" dirty="0" smtClean="0"/>
-              <a:t>Usually in the context of JOIN tables</a:t>
-            </a:r>
-          </a:p>
-          <a:p>
-            <a:pPr lvl="1"/>
-            <a:r>
-              <a:rPr lang="en-US" dirty="0" smtClean="0"/>
-              <a:t>E.g. linking an Attendee to Events</a:t>
-            </a:r>
-          </a:p>
-          <a:p>
-            <a:pPr lvl="1"/>
-            <a:r>
-              <a:rPr lang="en-US" dirty="0" smtClean="0"/>
-              <a:t>When you </a:t>
-            </a:r>
-            <a:r>
-              <a:rPr lang="en-US" b="1" dirty="0" smtClean="0"/>
-              <a:t>DO</a:t>
-            </a:r>
-            <a:r>
-              <a:rPr lang="en-US" dirty="0" smtClean="0"/>
-              <a:t> need them… more knobs!</a:t>
-            </a:r>
-          </a:p>
-          <a:p>
-            <a:r>
-              <a:rPr lang="en-US" dirty="0" smtClean="0"/>
-              <a:t>Sometimes not useful and a cause of performance problems on the one-to-many side</a:t>
-            </a:r>
-          </a:p>
-          <a:p>
-            <a:pPr lvl="1"/>
-            <a:r>
-              <a:rPr lang="en-US" dirty="0" smtClean="0"/>
-              <a:t>Do you really need a property of “</a:t>
-            </a:r>
-            <a:r>
-              <a:rPr lang="en-US" dirty="0" err="1" smtClean="0"/>
-              <a:t>Adminstered</a:t>
-            </a:r>
-            <a:r>
-              <a:rPr lang="en-US" dirty="0" smtClean="0"/>
-              <a:t> Events”?</a:t>
-            </a:r>
-          </a:p>
-          <a:p>
-            <a:r>
-              <a:rPr lang="en-US" b="1" dirty="0" smtClean="0">
-                <a:solidFill>
-                  <a:srgbClr val="FF0000"/>
-                </a:solidFill>
-              </a:rPr>
-              <a:t>Red Flag</a:t>
-            </a:r>
-            <a:r>
-              <a:rPr lang="en-US" dirty="0" smtClean="0"/>
-              <a:t>: properties that simply take the place of “select * from some table where id = :</a:t>
-            </a:r>
-            <a:r>
-              <a:rPr lang="en-US" dirty="0" err="1" smtClean="0"/>
-              <a:t>myid</a:t>
-            </a:r>
-            <a:r>
-              <a:rPr lang="en-US" dirty="0" smtClean="0"/>
-              <a:t>”</a:t>
-            </a:r>
+            <a:pPr algn="ctr"/>
+            <a:r>
+              <a:rPr lang="en-US" dirty="0" smtClean="0"/>
+              <a:t>Demo simple one-to-many property</a:t>
+            </a:r>
+            <a:endParaRPr lang="en-US" dirty="0"/>
           </a:p>
         </p:txBody>
       </p:sp>
@@ -18950,7 +18968,7 @@
           <a:p>
             <a:r>
               <a:rPr lang="en-US" dirty="0" smtClean="0"/>
-              <a:t>Enlightenment: Bidirectional is…</a:t>
+              <a:t>One-to-Many Demo</a:t>
             </a:r>
             <a:endParaRPr lang="en-US" dirty="0"/>
           </a:p>
@@ -18959,7 +18977,7 @@
     </p:spTree>
     <p:extLst>
       <p:ext uri="{BB962C8B-B14F-4D97-AF65-F5344CB8AC3E}">
-        <p14:creationId xmlns:p14="http://schemas.microsoft.com/office/powerpoint/2010/main" val="2247800207"/>
+        <p14:creationId xmlns:p14="http://schemas.microsoft.com/office/powerpoint/2010/main" val="1855450989"/>
       </p:ext>
     </p:extLst>
   </p:cSld>
@@ -19005,78 +19023,87 @@
         </p:nvSpPr>
         <p:spPr/>
         <p:txBody>
-          <a:bodyPr/>
+          <a:bodyPr>
+            <a:normAutofit lnSpcReduction="10000"/>
+          </a:bodyPr>
           <a:lstStyle/>
           <a:p>
-            <a:pPr marL="457200" indent="-457200">
-              <a:buFont typeface="+mj-lt"/>
-              <a:buAutoNum type="arabicPeriod"/>
-            </a:pPr>
-            <a:r>
-              <a:rPr lang="en-US" dirty="0" smtClean="0"/>
-              <a:t> ORM Settings -- Control the Session Flush</a:t>
-            </a:r>
-          </a:p>
-          <a:p>
-            <a:pPr marL="457200" indent="-457200">
-              <a:buFont typeface="+mj-lt"/>
-              <a:buAutoNum type="arabicPeriod"/>
-            </a:pPr>
-            <a:r>
-              <a:rPr lang="en-US" dirty="0" smtClean="0"/>
-              <a:t>Many-to-One Relationships</a:t>
-            </a:r>
-          </a:p>
-          <a:p>
-            <a:pPr marL="457200" indent="-457200">
-              <a:buFont typeface="+mj-lt"/>
-              <a:buAutoNum type="arabicPeriod"/>
-            </a:pPr>
-            <a:r>
-              <a:rPr lang="en-US" dirty="0" smtClean="0"/>
-              <a:t>One-to-Many Intro: Bidirectional relationships</a:t>
-            </a:r>
-          </a:p>
-          <a:p>
-            <a:pPr marL="457200" indent="-457200">
-              <a:buFont typeface="+mj-lt"/>
-              <a:buAutoNum type="arabicPeriod"/>
-            </a:pPr>
+            <a:r>
+              <a:rPr lang="en-US" dirty="0" smtClean="0"/>
+              <a:t>Sometimes very useful</a:t>
+            </a:r>
+          </a:p>
+          <a:p>
+            <a:pPr lvl="1"/>
+            <a:r>
+              <a:rPr lang="en-US" dirty="0" smtClean="0"/>
+              <a:t>Usually in the context of JOIN tables</a:t>
+            </a:r>
+          </a:p>
+          <a:p>
+            <a:pPr lvl="1"/>
+            <a:r>
+              <a:rPr lang="en-US" dirty="0" smtClean="0"/>
+              <a:t>E.g. linking an Attendee to Events</a:t>
+            </a:r>
+          </a:p>
+          <a:p>
+            <a:pPr lvl="1"/>
+            <a:r>
+              <a:rPr lang="en-US" dirty="0" smtClean="0"/>
+              <a:t>When you </a:t>
+            </a:r>
             <a:r>
               <a:rPr lang="en-US" b="1" dirty="0" smtClean="0"/>
-              <a:t>One-to-Many: Adding to Collections</a:t>
-            </a:r>
-          </a:p>
-          <a:p>
-            <a:pPr marL="457200" indent="-457200">
-              <a:buFont typeface="+mj-lt"/>
-              <a:buAutoNum type="arabicPeriod"/>
-            </a:pPr>
-            <a:r>
-              <a:rPr lang="en-US" dirty="0" smtClean="0"/>
-              <a:t>One-to-Many: inverse and “relationship owner”</a:t>
-            </a:r>
-          </a:p>
-          <a:p>
-            <a:pPr marL="457200" indent="-457200">
-              <a:buFont typeface="+mj-lt"/>
-              <a:buAutoNum type="arabicPeriod"/>
-            </a:pPr>
-            <a:r>
-              <a:rPr lang="en-US" dirty="0" smtClean="0"/>
-              <a:t>One-to-Many: Deleting from Collections</a:t>
-            </a:r>
-          </a:p>
-          <a:p>
-            <a:pPr marL="457200" indent="-457200">
-              <a:buFont typeface="+mj-lt"/>
-              <a:buAutoNum type="arabicPeriod"/>
-            </a:pPr>
-            <a:r>
-              <a:rPr lang="en-US" dirty="0" smtClean="0"/>
-              <a:t>Hibernate Session and the ColdFusion Session scope</a:t>
-            </a:r>
-            <a:endParaRPr lang="en-US" dirty="0"/>
+              <a:t>DO</a:t>
+            </a:r>
+            <a:r>
+              <a:rPr lang="en-US" dirty="0" smtClean="0"/>
+              <a:t> need them… more knobs!</a:t>
+            </a:r>
+          </a:p>
+          <a:p>
+            <a:r>
+              <a:rPr lang="en-US" dirty="0" smtClean="0"/>
+              <a:t>Sometimes not useful and a cause of performance problems on the one-to-many side</a:t>
+            </a:r>
+          </a:p>
+          <a:p>
+            <a:pPr lvl="1"/>
+            <a:r>
+              <a:rPr lang="en-US" dirty="0" smtClean="0"/>
+              <a:t>Do you really need a property of “</a:t>
+            </a:r>
+            <a:r>
+              <a:rPr lang="en-US" dirty="0" err="1" smtClean="0"/>
+              <a:t>Adminstered</a:t>
+            </a:r>
+            <a:r>
+              <a:rPr lang="en-US" dirty="0" smtClean="0"/>
+              <a:t> Events”?</a:t>
+            </a:r>
+          </a:p>
+          <a:p>
+            <a:r>
+              <a:rPr lang="en-US" b="1" dirty="0" smtClean="0">
+                <a:solidFill>
+                  <a:srgbClr val="FF0000"/>
+                </a:solidFill>
+              </a:rPr>
+              <a:t>Red Flag</a:t>
+            </a:r>
+            <a:r>
+              <a:rPr lang="en-US" dirty="0" smtClean="0"/>
+              <a:t>: properties that simply take the place of “select * from some table where id = :</a:t>
+            </a:r>
+            <a:r>
+              <a:rPr lang="en-US" dirty="0" err="1" smtClean="0"/>
+              <a:t>myid</a:t>
+            </a:r>
+            <a:r>
+              <a:rPr lang="en-US" dirty="0" smtClean="0"/>
+              <a:t>”</a:t>
+            </a:r>
           </a:p>
         </p:txBody>
       </p:sp>
@@ -19097,7 +19124,7 @@
           <a:p>
             <a:r>
               <a:rPr lang="en-US" dirty="0" smtClean="0"/>
-              <a:t>Agenda</a:t>
+              <a:t>Enlightenment: Bidirectional is…</a:t>
             </a:r>
             <a:endParaRPr lang="en-US" dirty="0"/>
           </a:p>
@@ -19106,7 +19133,7 @@
     </p:spTree>
     <p:extLst>
       <p:ext uri="{BB962C8B-B14F-4D97-AF65-F5344CB8AC3E}">
-        <p14:creationId xmlns:p14="http://schemas.microsoft.com/office/powerpoint/2010/main" val="1332513536"/>
+        <p14:creationId xmlns:p14="http://schemas.microsoft.com/office/powerpoint/2010/main" val="2247800207"/>
       </p:ext>
     </p:extLst>
   </p:cSld>
@@ -19150,47 +19177,78 @@
             <p:ph idx="1"/>
           </p:nvPr>
         </p:nvSpPr>
-        <p:spPr>
-          <a:xfrm>
-            <a:off x="380999" y="2362200"/>
-            <a:ext cx="8534401" cy="3763963"/>
-          </a:xfrm>
-        </p:spPr>
+        <p:spPr/>
         <p:txBody>
           <a:bodyPr/>
           <a:lstStyle/>
           <a:p>
-            <a:r>
-              <a:rPr lang="en-US" dirty="0" smtClean="0"/>
-              <a:t>When I add an object to a one-to-many collection, it won’t save</a:t>
-            </a:r>
-          </a:p>
-          <a:p>
-            <a:r>
-              <a:rPr lang="en-US" dirty="0" smtClean="0"/>
-              <a:t>When I delete an object from a one-to-many collection, I get “null” errors</a:t>
-            </a:r>
-          </a:p>
-          <a:p>
-            <a:r>
-              <a:rPr lang="en-US" dirty="0" smtClean="0"/>
-              <a:t>My join table (</a:t>
-            </a:r>
-            <a:r>
-              <a:rPr lang="en-US" dirty="0" err="1" smtClean="0"/>
-              <a:t>linktable</a:t>
-            </a:r>
-            <a:r>
-              <a:rPr lang="en-US" dirty="0" smtClean="0"/>
-              <a:t>) has more data than just two Foreign Keys… can I still use “</a:t>
-            </a:r>
-            <a:r>
-              <a:rPr lang="en-US" dirty="0" err="1" smtClean="0"/>
-              <a:t>linktable</a:t>
-            </a:r>
-            <a:r>
-              <a:rPr lang="en-US" dirty="0" smtClean="0"/>
-              <a:t>”?</a:t>
+            <a:pPr marL="457200" indent="-457200">
+              <a:buFont typeface="+mj-lt"/>
+              <a:buAutoNum type="arabicPeriod"/>
+            </a:pPr>
+            <a:r>
+              <a:rPr lang="en-US" dirty="0" smtClean="0"/>
+              <a:t> ORM Settings -- Control the Session Flush</a:t>
+            </a:r>
+          </a:p>
+          <a:p>
+            <a:pPr marL="457200" indent="-457200">
+              <a:buFont typeface="+mj-lt"/>
+              <a:buAutoNum type="arabicPeriod"/>
+            </a:pPr>
+            <a:r>
+              <a:rPr lang="en-US" dirty="0" smtClean="0"/>
+              <a:t>Many-to-One Relationships</a:t>
+            </a:r>
+          </a:p>
+          <a:p>
+            <a:pPr marL="457200" indent="-457200">
+              <a:buFont typeface="+mj-lt"/>
+              <a:buAutoNum type="arabicPeriod"/>
+            </a:pPr>
+            <a:r>
+              <a:rPr lang="en-US" dirty="0" smtClean="0"/>
+              <a:t>One-to-Many Intro: Bidirectional relationships</a:t>
+            </a:r>
+          </a:p>
+          <a:p>
+            <a:pPr marL="457200" indent="-457200">
+              <a:buFont typeface="+mj-lt"/>
+              <a:buAutoNum type="arabicPeriod"/>
+            </a:pPr>
+            <a:r>
+              <a:rPr lang="en-US" b="1" dirty="0" smtClean="0"/>
+              <a:t>One-to-Many: Adding to Collections</a:t>
+            </a:r>
+          </a:p>
+          <a:p>
+            <a:pPr marL="457200" indent="-457200">
+              <a:buFont typeface="+mj-lt"/>
+              <a:buAutoNum type="arabicPeriod"/>
+            </a:pPr>
+            <a:r>
+              <a:rPr lang="en-US" dirty="0" smtClean="0"/>
+              <a:t>One-to-Many: inverse and “relationship owner”</a:t>
+            </a:r>
+          </a:p>
+          <a:p>
+            <a:pPr marL="457200" indent="-457200">
+              <a:buFont typeface="+mj-lt"/>
+              <a:buAutoNum type="arabicPeriod"/>
+            </a:pPr>
+            <a:r>
+              <a:rPr lang="en-US" dirty="0" smtClean="0"/>
+              <a:t>One-to-Many: Deleting from Collections</a:t>
+            </a:r>
+          </a:p>
+          <a:p>
+            <a:pPr marL="457200" indent="-457200">
+              <a:buFont typeface="+mj-lt"/>
+              <a:buAutoNum type="arabicPeriod"/>
+            </a:pPr>
+            <a:r>
+              <a:rPr lang="en-US" dirty="0" smtClean="0"/>
+              <a:t>Hibernate Session and the ColdFusion Session scope</a:t>
             </a:r>
             <a:endParaRPr lang="en-US" dirty="0"/>
           </a:p>
@@ -19213,7 +19271,7 @@
           <a:p>
             <a:r>
               <a:rPr lang="en-US" dirty="0" smtClean="0"/>
-              <a:t>Suffering</a:t>
+              <a:t>Agenda</a:t>
             </a:r>
             <a:endParaRPr lang="en-US" dirty="0"/>
           </a:p>
@@ -19222,7 +19280,7 @@
     </p:spTree>
     <p:extLst>
       <p:ext uri="{BB962C8B-B14F-4D97-AF65-F5344CB8AC3E}">
-        <p14:creationId xmlns:p14="http://schemas.microsoft.com/office/powerpoint/2010/main" val="2232397815"/>
+        <p14:creationId xmlns:p14="http://schemas.microsoft.com/office/powerpoint/2010/main" val="1332513536"/>
       </p:ext>
     </p:extLst>
   </p:cSld>
@@ -19266,14 +19324,47 @@
             <p:ph idx="1"/>
           </p:nvPr>
         </p:nvSpPr>
-        <p:spPr/>
+        <p:spPr>
+          <a:xfrm>
+            <a:off x="380999" y="2362200"/>
+            <a:ext cx="8534401" cy="3763963"/>
+          </a:xfrm>
+        </p:spPr>
         <p:txBody>
           <a:bodyPr/>
           <a:lstStyle/>
           <a:p>
             <a:r>
               <a:rPr lang="en-US" dirty="0" smtClean="0"/>
-              <a:t>Demo one-to-many saves with and without cascade</a:t>
+              <a:t>When I add an object to a one-to-many collection, it won’t save</a:t>
+            </a:r>
+          </a:p>
+          <a:p>
+            <a:r>
+              <a:rPr lang="en-US" dirty="0" smtClean="0"/>
+              <a:t>When I delete an object from a one-to-many collection, I get “null” errors</a:t>
+            </a:r>
+          </a:p>
+          <a:p>
+            <a:r>
+              <a:rPr lang="en-US" dirty="0" smtClean="0"/>
+              <a:t>My join table (</a:t>
+            </a:r>
+            <a:r>
+              <a:rPr lang="en-US" dirty="0" err="1" smtClean="0"/>
+              <a:t>linktable</a:t>
+            </a:r>
+            <a:r>
+              <a:rPr lang="en-US" dirty="0" smtClean="0"/>
+              <a:t>) has more data than just two Foreign Keys… can I still use “</a:t>
+            </a:r>
+            <a:r>
+              <a:rPr lang="en-US" dirty="0" err="1" smtClean="0"/>
+              <a:t>linktable</a:t>
+            </a:r>
+            <a:r>
+              <a:rPr lang="en-US" dirty="0" smtClean="0"/>
+              <a:t>”?</a:t>
             </a:r>
             <a:endParaRPr lang="en-US" dirty="0"/>
           </a:p>
@@ -19296,7 +19387,7 @@
           <a:p>
             <a:r>
               <a:rPr lang="en-US" dirty="0" smtClean="0"/>
-              <a:t>Demo: Whither cascade?</a:t>
+              <a:t>Suffering</a:t>
             </a:r>
             <a:endParaRPr lang="en-US" dirty="0"/>
           </a:p>
@@ -19305,7 +19396,7 @@
     </p:spTree>
     <p:extLst>
       <p:ext uri="{BB962C8B-B14F-4D97-AF65-F5344CB8AC3E}">
-        <p14:creationId xmlns:p14="http://schemas.microsoft.com/office/powerpoint/2010/main" val="3054947874"/>
+        <p14:creationId xmlns:p14="http://schemas.microsoft.com/office/powerpoint/2010/main" val="2232397815"/>
       </p:ext>
     </p:extLst>
   </p:cSld>
@@ -19464,95 +19555,16 @@
             <p:ph idx="1"/>
           </p:nvPr>
         </p:nvSpPr>
-        <p:spPr>
-          <a:xfrm>
-            <a:off x="380999" y="2362200"/>
-            <a:ext cx="8534401" cy="3763963"/>
-          </a:xfrm>
-        </p:spPr>
+        <p:spPr/>
         <p:txBody>
-          <a:bodyPr>
-            <a:normAutofit fontScale="92500" lnSpcReduction="20000"/>
-          </a:bodyPr>
+          <a:bodyPr/>
           <a:lstStyle/>
           <a:p>
             <a:r>
               <a:rPr lang="en-US" dirty="0" smtClean="0"/>
-              <a:t>When I add an object to a one-to-many collection, it won’t save</a:t>
-            </a:r>
-          </a:p>
-          <a:p>
-            <a:pPr lvl="1"/>
-            <a:r>
-              <a:rPr lang="en-US" b="1" dirty="0" smtClean="0"/>
-              <a:t>Need cascade=“all” on the one-to-many property</a:t>
-            </a:r>
-          </a:p>
-          <a:p>
-            <a:pPr lvl="1"/>
-            <a:endParaRPr lang="en-US" dirty="0" smtClean="0"/>
-          </a:p>
-          <a:p>
-            <a:r>
-              <a:rPr lang="en-US" dirty="0" smtClean="0"/>
-              <a:t>When I delete an object from a one-to-many collection, I get “null” errors</a:t>
-            </a:r>
-          </a:p>
-          <a:p>
-            <a:pPr lvl="1"/>
-            <a:r>
-              <a:rPr lang="en-US" b="1" dirty="0"/>
-              <a:t>Need cascade=“</a:t>
-            </a:r>
-            <a:r>
-              <a:rPr lang="en-US" b="1" dirty="0" smtClean="0"/>
-              <a:t>all-delete-orphan” </a:t>
-            </a:r>
-            <a:r>
-              <a:rPr lang="en-US" b="1" dirty="0"/>
-              <a:t>on the one-to-many property</a:t>
-            </a:r>
-          </a:p>
-          <a:p>
-            <a:pPr lvl="1"/>
-            <a:endParaRPr lang="en-US" dirty="0" smtClean="0"/>
-          </a:p>
-          <a:p>
-            <a:r>
-              <a:rPr lang="en-US" dirty="0" smtClean="0"/>
-              <a:t>My join table (</a:t>
-            </a:r>
-            <a:r>
-              <a:rPr lang="en-US" dirty="0" err="1" smtClean="0"/>
-              <a:t>linktable</a:t>
-            </a:r>
-            <a:r>
-              <a:rPr lang="en-US" dirty="0" smtClean="0"/>
-              <a:t>) has more data than just two Foreign Keys… can I still use “</a:t>
-            </a:r>
-            <a:r>
-              <a:rPr lang="en-US" dirty="0" err="1" smtClean="0"/>
-              <a:t>linktable</a:t>
-            </a:r>
-            <a:r>
-              <a:rPr lang="en-US" dirty="0" smtClean="0"/>
-              <a:t>”?</a:t>
-            </a:r>
-          </a:p>
-          <a:p>
-            <a:pPr lvl="1"/>
-            <a:r>
-              <a:rPr lang="en-US" b="1" dirty="0" smtClean="0"/>
-              <a:t>Nope. Need a “Join Entity” which comprises both of the Foreign Key entities plus the additional data you wish to store</a:t>
-            </a:r>
-          </a:p>
-          <a:p>
-            <a:pPr lvl="1"/>
-            <a:r>
-              <a:rPr lang="en-US" b="1" dirty="0" smtClean="0"/>
-              <a:t>Then, you simply one-to-many on that Join Entity</a:t>
-            </a:r>
-            <a:endParaRPr lang="en-US" b="1" dirty="0"/>
+              <a:t>Demo one-to-many saves with and without cascade</a:t>
+            </a:r>
+            <a:endParaRPr lang="en-US" dirty="0"/>
           </a:p>
         </p:txBody>
       </p:sp>
@@ -19568,18 +19580,12 @@
         </p:nvSpPr>
         <p:spPr/>
         <p:txBody>
-          <a:bodyPr>
-            <a:normAutofit fontScale="90000"/>
-          </a:bodyPr>
+          <a:bodyPr/>
           <a:lstStyle/>
           <a:p>
             <a:r>
               <a:rPr lang="en-US" dirty="0" smtClean="0"/>
-              <a:t>Enlightenment: Cascade and </a:t>
-            </a:r>
-            <a:r>
-              <a:rPr lang="en-US" dirty="0" err="1" smtClean="0"/>
-              <a:t>linktable</a:t>
+              <a:t>Demo: Whither cascade?</a:t>
             </a:r>
             <a:endParaRPr lang="en-US" dirty="0"/>
           </a:p>
@@ -19588,7 +19594,7 @@
     </p:spTree>
     <p:extLst>
       <p:ext uri="{BB962C8B-B14F-4D97-AF65-F5344CB8AC3E}">
-        <p14:creationId xmlns:p14="http://schemas.microsoft.com/office/powerpoint/2010/main" val="2428288870"/>
+        <p14:creationId xmlns:p14="http://schemas.microsoft.com/office/powerpoint/2010/main" val="3054947874"/>
       </p:ext>
     </p:extLst>
   </p:cSld>
@@ -19632,80 +19638,95 @@
             <p:ph idx="1"/>
           </p:nvPr>
         </p:nvSpPr>
-        <p:spPr/>
+        <p:spPr>
+          <a:xfrm>
+            <a:off x="380999" y="2362200"/>
+            <a:ext cx="8534401" cy="3763963"/>
+          </a:xfrm>
+        </p:spPr>
         <p:txBody>
-          <a:bodyPr/>
+          <a:bodyPr>
+            <a:normAutofit fontScale="92500" lnSpcReduction="20000"/>
+          </a:bodyPr>
           <a:lstStyle/>
           <a:p>
-            <a:pPr marL="457200" indent="-457200">
-              <a:buFont typeface="+mj-lt"/>
-              <a:buAutoNum type="arabicPeriod"/>
-            </a:pPr>
-            <a:r>
-              <a:rPr lang="en-US" dirty="0" smtClean="0"/>
-              <a:t> ORM Settings -- Control the Session Flush</a:t>
-            </a:r>
-          </a:p>
-          <a:p>
-            <a:pPr marL="457200" indent="-457200">
-              <a:buFont typeface="+mj-lt"/>
-              <a:buAutoNum type="arabicPeriod"/>
-            </a:pPr>
-            <a:r>
-              <a:rPr lang="en-US" dirty="0" smtClean="0"/>
-              <a:t>Many-to-One Relationships</a:t>
-            </a:r>
-          </a:p>
-          <a:p>
-            <a:pPr marL="457200" indent="-457200">
-              <a:buFont typeface="+mj-lt"/>
-              <a:buAutoNum type="arabicPeriod"/>
-            </a:pPr>
-            <a:r>
-              <a:rPr lang="en-US" dirty="0" smtClean="0"/>
-              <a:t>One-to-Many Intro: Bidirectional relationships</a:t>
-            </a:r>
-          </a:p>
-          <a:p>
-            <a:pPr marL="457200" indent="-457200">
-              <a:buFont typeface="+mj-lt"/>
-              <a:buAutoNum type="arabicPeriod"/>
-            </a:pPr>
-            <a:r>
-              <a:rPr lang="en-US" dirty="0" smtClean="0"/>
-              <a:t>One-to-Many: Adding to Collections</a:t>
-            </a:r>
-          </a:p>
-          <a:p>
-            <a:pPr marL="457200" indent="-457200">
-              <a:buFont typeface="+mj-lt"/>
-              <a:buAutoNum type="arabicPeriod"/>
-            </a:pPr>
+            <a:r>
+              <a:rPr lang="en-US" dirty="0" smtClean="0"/>
+              <a:t>When I add an object to a one-to-many collection, it won’t save</a:t>
+            </a:r>
+          </a:p>
+          <a:p>
+            <a:pPr lvl="1"/>
             <a:r>
               <a:rPr lang="en-US" b="1" dirty="0" smtClean="0"/>
-              <a:t>One-to-Many: inverse and “relationship owner”</a:t>
-            </a:r>
-          </a:p>
-          <a:p>
-            <a:pPr marL="457200" indent="-457200">
-              <a:buFont typeface="+mj-lt"/>
-              <a:buAutoNum type="arabicPeriod"/>
-            </a:pPr>
-            <a:r>
-              <a:rPr lang="en-US" dirty="0" smtClean="0"/>
-              <a:t>One-to-Many: Deleting from Collections</a:t>
-            </a:r>
-          </a:p>
-          <a:p>
-            <a:pPr marL="457200" indent="-457200">
-              <a:buFont typeface="+mj-lt"/>
-              <a:buAutoNum type="arabicPeriod"/>
-            </a:pPr>
-            <a:r>
-              <a:rPr lang="en-US" dirty="0" smtClean="0"/>
-              <a:t>Hibernate Session and the ColdFusion Session scope</a:t>
-            </a:r>
-            <a:endParaRPr lang="en-US" dirty="0"/>
+              <a:t>Need cascade=“all” on the one-to-many property</a:t>
+            </a:r>
+          </a:p>
+          <a:p>
+            <a:pPr lvl="1"/>
+            <a:endParaRPr lang="en-US" dirty="0" smtClean="0"/>
+          </a:p>
+          <a:p>
+            <a:r>
+              <a:rPr lang="en-US" dirty="0" smtClean="0"/>
+              <a:t>When I delete an object from a one-to-many collection, I get “null” errors</a:t>
+            </a:r>
+          </a:p>
+          <a:p>
+            <a:pPr lvl="1"/>
+            <a:r>
+              <a:rPr lang="en-US" b="1" dirty="0"/>
+              <a:t>Need cascade=“</a:t>
+            </a:r>
+            <a:r>
+              <a:rPr lang="en-US" b="1" dirty="0" smtClean="0"/>
+              <a:t>all-delete-orphan” </a:t>
+            </a:r>
+            <a:r>
+              <a:rPr lang="en-US" b="1" dirty="0"/>
+              <a:t>on the one-to-many property</a:t>
+            </a:r>
+          </a:p>
+          <a:p>
+            <a:pPr lvl="1"/>
+            <a:endParaRPr lang="en-US" dirty="0" smtClean="0"/>
+          </a:p>
+          <a:p>
+            <a:r>
+              <a:rPr lang="en-US" dirty="0" smtClean="0"/>
+              <a:t>My join table (</a:t>
+            </a:r>
+            <a:r>
+              <a:rPr lang="en-US" dirty="0" err="1" smtClean="0"/>
+              <a:t>linktable</a:t>
+            </a:r>
+            <a:r>
+              <a:rPr lang="en-US" dirty="0" smtClean="0"/>
+              <a:t>) has more data than just two Foreign Keys… can I still use “</a:t>
+            </a:r>
+            <a:r>
+              <a:rPr lang="en-US" dirty="0" err="1" smtClean="0"/>
+              <a:t>linktable</a:t>
+            </a:r>
+            <a:r>
+              <a:rPr lang="en-US" dirty="0" smtClean="0"/>
+              <a:t>”?</a:t>
+            </a:r>
+          </a:p>
+          <a:p>
+            <a:pPr lvl="1"/>
+            <a:r>
+              <a:rPr lang="en-US" b="1" dirty="0" smtClean="0"/>
+              <a:t>Nope. Need a “Join Entity” which comprises both of the Foreign Key entities plus the additional data you wish to store</a:t>
+            </a:r>
+          </a:p>
+          <a:p>
+            <a:pPr lvl="1"/>
+            <a:r>
+              <a:rPr lang="en-US" b="1" dirty="0" smtClean="0"/>
+              <a:t>Then, you simply one-to-many on that Join Entity</a:t>
+            </a:r>
+            <a:endParaRPr lang="en-US" b="1" dirty="0"/>
           </a:p>
         </p:txBody>
       </p:sp>
@@ -19721,12 +19742,18 @@
         </p:nvSpPr>
         <p:spPr/>
         <p:txBody>
-          <a:bodyPr/>
+          <a:bodyPr>
+            <a:normAutofit fontScale="90000"/>
+          </a:bodyPr>
           <a:lstStyle/>
           <a:p>
             <a:r>
               <a:rPr lang="en-US" dirty="0" smtClean="0"/>
-              <a:t>Agenda</a:t>
+              <a:t>Enlightenment: Cascade and </a:t>
+            </a:r>
+            <a:r>
+              <a:rPr lang="en-US" dirty="0" err="1" smtClean="0"/>
+              <a:t>linktable</a:t>
             </a:r>
             <a:endParaRPr lang="en-US" dirty="0"/>
           </a:p>
@@ -19735,7 +19762,7 @@
     </p:spTree>
     <p:extLst>
       <p:ext uri="{BB962C8B-B14F-4D97-AF65-F5344CB8AC3E}">
-        <p14:creationId xmlns:p14="http://schemas.microsoft.com/office/powerpoint/2010/main" val="996614316"/>
+        <p14:creationId xmlns:p14="http://schemas.microsoft.com/office/powerpoint/2010/main" val="2428288870"/>
       </p:ext>
     </p:extLst>
   </p:cSld>
@@ -19779,28 +19806,78 @@
             <p:ph idx="1"/>
           </p:nvPr>
         </p:nvSpPr>
-        <p:spPr>
-          <a:xfrm>
-            <a:off x="380999" y="2362200"/>
-            <a:ext cx="8534401" cy="3763963"/>
-          </a:xfrm>
-        </p:spPr>
+        <p:spPr/>
         <p:txBody>
           <a:bodyPr/>
           <a:lstStyle/>
           <a:p>
-            <a:r>
-              <a:rPr lang="en-US" dirty="0" smtClean="0"/>
-              <a:t>When I call object1.addObject2( object2 ), I see a SELECT, then an INSERT, then an UPDATE</a:t>
-            </a:r>
-          </a:p>
-          <a:p>
-            <a:endParaRPr lang="en-US" dirty="0"/>
-          </a:p>
-          <a:p>
-            <a:r>
-              <a:rPr lang="en-US" dirty="0" smtClean="0"/>
-              <a:t>When I call object1.removeObject2( object2 ), I get “Cannot insert NULL into XXX”</a:t>
+            <a:pPr marL="457200" indent="-457200">
+              <a:buFont typeface="+mj-lt"/>
+              <a:buAutoNum type="arabicPeriod"/>
+            </a:pPr>
+            <a:r>
+              <a:rPr lang="en-US" dirty="0" smtClean="0"/>
+              <a:t> ORM Settings -- Control the Session Flush</a:t>
+            </a:r>
+          </a:p>
+          <a:p>
+            <a:pPr marL="457200" indent="-457200">
+              <a:buFont typeface="+mj-lt"/>
+              <a:buAutoNum type="arabicPeriod"/>
+            </a:pPr>
+            <a:r>
+              <a:rPr lang="en-US" dirty="0" smtClean="0"/>
+              <a:t>Many-to-One Relationships</a:t>
+            </a:r>
+          </a:p>
+          <a:p>
+            <a:pPr marL="457200" indent="-457200">
+              <a:buFont typeface="+mj-lt"/>
+              <a:buAutoNum type="arabicPeriod"/>
+            </a:pPr>
+            <a:r>
+              <a:rPr lang="en-US" dirty="0" smtClean="0"/>
+              <a:t>One-to-Many Intro: Bidirectional relationships</a:t>
+            </a:r>
+          </a:p>
+          <a:p>
+            <a:pPr marL="457200" indent="-457200">
+              <a:buFont typeface="+mj-lt"/>
+              <a:buAutoNum type="arabicPeriod"/>
+            </a:pPr>
+            <a:r>
+              <a:rPr lang="en-US" dirty="0" smtClean="0"/>
+              <a:t>One-to-Many: Adding to Collections</a:t>
+            </a:r>
+          </a:p>
+          <a:p>
+            <a:pPr marL="457200" indent="-457200">
+              <a:buFont typeface="+mj-lt"/>
+              <a:buAutoNum type="arabicPeriod"/>
+            </a:pPr>
+            <a:r>
+              <a:rPr lang="en-US" b="1" dirty="0" smtClean="0"/>
+              <a:t>One-to-Many: inverse and “relationship owner”</a:t>
+            </a:r>
+          </a:p>
+          <a:p>
+            <a:pPr marL="457200" indent="-457200">
+              <a:buFont typeface="+mj-lt"/>
+              <a:buAutoNum type="arabicPeriod"/>
+            </a:pPr>
+            <a:r>
+              <a:rPr lang="en-US" dirty="0" smtClean="0"/>
+              <a:t>One-to-Many: Deleting from Collections</a:t>
+            </a:r>
+          </a:p>
+          <a:p>
+            <a:pPr marL="457200" indent="-457200">
+              <a:buFont typeface="+mj-lt"/>
+              <a:buAutoNum type="arabicPeriod"/>
+            </a:pPr>
+            <a:r>
+              <a:rPr lang="en-US" dirty="0" smtClean="0"/>
+              <a:t>Hibernate Session and the ColdFusion Session scope</a:t>
             </a:r>
             <a:endParaRPr lang="en-US" dirty="0"/>
           </a:p>
@@ -19823,7 +19900,7 @@
           <a:p>
             <a:r>
               <a:rPr lang="en-US" dirty="0" smtClean="0"/>
-              <a:t>Suffering</a:t>
+              <a:t>Agenda</a:t>
             </a:r>
             <a:endParaRPr lang="en-US" dirty="0"/>
           </a:p>
@@ -19832,7 +19909,7 @@
     </p:spTree>
     <p:extLst>
       <p:ext uri="{BB962C8B-B14F-4D97-AF65-F5344CB8AC3E}">
-        <p14:creationId xmlns:p14="http://schemas.microsoft.com/office/powerpoint/2010/main" val="1812508712"/>
+        <p14:creationId xmlns:p14="http://schemas.microsoft.com/office/powerpoint/2010/main" val="996614316"/>
       </p:ext>
     </p:extLst>
   </p:cSld>
@@ -19876,34 +19953,30 @@
             <p:ph idx="1"/>
           </p:nvPr>
         </p:nvSpPr>
-        <p:spPr/>
+        <p:spPr>
+          <a:xfrm>
+            <a:off x="380999" y="2362200"/>
+            <a:ext cx="8534401" cy="3763963"/>
+          </a:xfrm>
+        </p:spPr>
         <p:txBody>
           <a:bodyPr/>
           <a:lstStyle/>
           <a:p>
-            <a:pPr marL="0" indent="0" algn="ctr">
-              <a:buNone/>
-            </a:pPr>
-            <a:r>
-              <a:rPr lang="en-US" b="1" dirty="0" smtClean="0"/>
-              <a:t>There </a:t>
-            </a:r>
-            <a:r>
-              <a:rPr lang="en-US" b="1" dirty="0" err="1" smtClean="0"/>
-              <a:t>oughtta</a:t>
-            </a:r>
-            <a:r>
-              <a:rPr lang="en-US" b="1" dirty="0" smtClean="0"/>
-              <a:t> be a support group </a:t>
-            </a:r>
-            <a:br>
-              <a:rPr lang="en-US" b="1" dirty="0" smtClean="0"/>
-            </a:br>
-            <a:r>
-              <a:rPr lang="en-US" b="1" dirty="0" smtClean="0"/>
-              <a:t>for sufferers of this knob</a:t>
-            </a:r>
-            <a:endParaRPr lang="en-US" b="1" dirty="0"/>
+            <a:r>
+              <a:rPr lang="en-US" dirty="0" smtClean="0"/>
+              <a:t>When I call object1.addObject2( object2 ), I see a SELECT, then an INSERT, then an UPDATE</a:t>
+            </a:r>
+          </a:p>
+          <a:p>
+            <a:endParaRPr lang="en-US" dirty="0"/>
+          </a:p>
+          <a:p>
+            <a:r>
+              <a:rPr lang="en-US" dirty="0" smtClean="0"/>
+              <a:t>When I call object1.removeObject2( object2 ), I get “Cannot insert NULL into XXX”</a:t>
+            </a:r>
+            <a:endParaRPr lang="en-US" dirty="0"/>
           </a:p>
         </p:txBody>
       </p:sp>
@@ -19924,7 +19997,7 @@
           <a:p>
             <a:r>
               <a:rPr lang="en-US" dirty="0" smtClean="0"/>
-              <a:t>Demo: The Devil Knob</a:t>
+              <a:t>Suffering</a:t>
             </a:r>
             <a:endParaRPr lang="en-US" dirty="0"/>
           </a:p>
@@ -19933,7 +20006,7 @@
     </p:spTree>
     <p:extLst>
       <p:ext uri="{BB962C8B-B14F-4D97-AF65-F5344CB8AC3E}">
-        <p14:creationId xmlns:p14="http://schemas.microsoft.com/office/powerpoint/2010/main" val="2966800279"/>
+        <p14:creationId xmlns:p14="http://schemas.microsoft.com/office/powerpoint/2010/main" val="1812508712"/>
       </p:ext>
     </p:extLst>
   </p:cSld>
@@ -19982,54 +20055,29 @@
           <a:bodyPr/>
           <a:lstStyle/>
           <a:p>
-            <a:r>
-              <a:rPr lang="en-US" dirty="0" smtClean="0"/>
-              <a:t>In bi-di relationships</a:t>
-            </a:r>
-          </a:p>
-          <a:p>
-            <a:pPr lvl="1"/>
-            <a:r>
-              <a:rPr lang="en-US" dirty="0" smtClean="0"/>
-              <a:t> if you plan to add or delete “Collection members”</a:t>
-            </a:r>
-          </a:p>
-          <a:p>
-            <a:pPr lvl="1"/>
-            <a:r>
-              <a:rPr lang="en-US" dirty="0" smtClean="0"/>
-              <a:t>i.e. object1.addObject2( object2 ) ;</a:t>
-            </a:r>
-          </a:p>
-          <a:p>
-            <a:pPr lvl="1"/>
+            <a:pPr marL="0" indent="0" algn="ctr">
+              <a:buNone/>
+            </a:pPr>
             <a:r>
               <a:rPr lang="en-US" b="1" dirty="0" smtClean="0"/>
-              <a:t>You need inverse=true</a:t>
-            </a:r>
-          </a:p>
-          <a:p>
-            <a:r>
-              <a:rPr lang="en-US" dirty="0" smtClean="0"/>
-              <a:t>It means, “the object </a:t>
+              <a:t>There </a:t>
+            </a:r>
+            <a:r>
+              <a:rPr lang="en-US" b="1" dirty="0" err="1" smtClean="0"/>
+              <a:t>oughtta</a:t>
             </a:r>
             <a:r>
               <a:rPr lang="en-US" b="1" dirty="0" smtClean="0"/>
-              <a:t>on the other side</a:t>
-            </a:r>
-            <a:r>
-              <a:rPr lang="en-US" dirty="0" smtClean="0"/>
-              <a:t> is the </a:t>
-            </a:r>
-            <a:r>
+              <a:t> be a support group </a:t>
+            </a:r>
+            <a:br>
               <a:rPr lang="en-US" b="1" dirty="0" smtClean="0"/>
-              <a:t>relationship owner</a:t>
-            </a:r>
-            <a:r>
-              <a:rPr lang="en-US" dirty="0" smtClean="0"/>
-              <a:t>”</a:t>
-            </a:r>
-            <a:endParaRPr lang="en-US" dirty="0"/>
+            </a:br>
+            <a:r>
+              <a:rPr lang="en-US" b="1" dirty="0" smtClean="0"/>
+              <a:t>for sufferers of this knob</a:t>
+            </a:r>
+            <a:endParaRPr lang="en-US" b="1" dirty="0"/>
           </a:p>
         </p:txBody>
       </p:sp>
@@ -20050,7 +20098,7 @@
           <a:p>
             <a:r>
               <a:rPr lang="en-US" dirty="0" smtClean="0"/>
-              <a:t>Enlightenment: inverse=true</a:t>
+              <a:t>Demo: The Devil Knob</a:t>
             </a:r>
             <a:endParaRPr lang="en-US" dirty="0"/>
           </a:p>
@@ -20059,13 +20107,20 @@
     </p:spTree>
     <p:extLst>
       <p:ext uri="{BB962C8B-B14F-4D97-AF65-F5344CB8AC3E}">
-        <p14:creationId xmlns:p14="http://schemas.microsoft.com/office/powerpoint/2010/main" val="592342895"/>
+        <p14:creationId xmlns:p14="http://schemas.microsoft.com/office/powerpoint/2010/main" val="2966800279"/>
       </p:ext>
     </p:extLst>
   </p:cSld>
   <p:clrMapOvr>
     <a:masterClrMapping/>
   </p:clrMapOvr>
+  <p:timing>
+    <p:tnLst>
+      <p:par>
+        <p:cTn id="1" dur="indefinite" restart="never" nodeType="tmRoot"/>
+      </p:par>
+    </p:tnLst>
+  </p:timing>
 </p:sld>
 </file>
 
@@ -20101,73 +20156,52 @@
           <a:bodyPr/>
           <a:lstStyle/>
           <a:p>
-            <a:pPr marL="457200" indent="-457200">
-              <a:buFont typeface="+mj-lt"/>
-              <a:buAutoNum type="arabicPeriod"/>
-            </a:pPr>
-            <a:r>
-              <a:rPr lang="en-US" dirty="0" smtClean="0"/>
-              <a:t> ORM Settings -- Control the Session Flush</a:t>
-            </a:r>
-          </a:p>
-          <a:p>
-            <a:pPr marL="457200" indent="-457200">
-              <a:buFont typeface="+mj-lt"/>
-              <a:buAutoNum type="arabicPeriod"/>
-            </a:pPr>
-            <a:r>
-              <a:rPr lang="en-US" dirty="0" smtClean="0"/>
-              <a:t>Many-to-One Relationships</a:t>
-            </a:r>
-          </a:p>
-          <a:p>
-            <a:pPr marL="457200" indent="-457200">
-              <a:buFont typeface="+mj-lt"/>
-              <a:buAutoNum type="arabicPeriod"/>
-            </a:pPr>
-            <a:r>
-              <a:rPr lang="en-US" dirty="0" smtClean="0"/>
-              <a:t>One-to-Many Intro: Bidirectional relationships</a:t>
-            </a:r>
-          </a:p>
-          <a:p>
-            <a:pPr marL="457200" indent="-457200">
-              <a:buFont typeface="+mj-lt"/>
-              <a:buAutoNum type="arabicPeriod"/>
-            </a:pPr>
-            <a:r>
-              <a:rPr lang="en-US" dirty="0" smtClean="0"/>
-              <a:t>One-to-Many: Adding to Collections</a:t>
-            </a:r>
-          </a:p>
-          <a:p>
-            <a:pPr marL="457200" indent="-457200">
-              <a:buFont typeface="+mj-lt"/>
-              <a:buAutoNum type="arabicPeriod"/>
-            </a:pPr>
-            <a:r>
-              <a:rPr lang="en-US" dirty="0" smtClean="0"/>
-              <a:t>One-to-Many: inverse and “relationship owner”</a:t>
-            </a:r>
-          </a:p>
-          <a:p>
-            <a:pPr marL="457200" indent="-457200">
-              <a:buFont typeface="+mj-lt"/>
-              <a:buAutoNum type="arabicPeriod"/>
-            </a:pPr>
+            <a:r>
+              <a:rPr lang="en-US" dirty="0" smtClean="0"/>
+              <a:t>In bi-di relationships</a:t>
+            </a:r>
+          </a:p>
+          <a:p>
+            <a:pPr lvl="1"/>
+            <a:r>
+              <a:rPr lang="en-US" dirty="0" smtClean="0"/>
+              <a:t> if you plan to add or delete “Collection members”</a:t>
+            </a:r>
+          </a:p>
+          <a:p>
+            <a:pPr lvl="1"/>
+            <a:r>
+              <a:rPr lang="en-US" dirty="0" smtClean="0"/>
+              <a:t>i.e. object1.addObject2( object2 ) ;</a:t>
+            </a:r>
+          </a:p>
+          <a:p>
+            <a:pPr lvl="1"/>
             <a:r>
               <a:rPr lang="en-US" b="1" dirty="0" smtClean="0"/>
-              <a:t>One-to-Many: Deleting from Collections</a:t>
-            </a:r>
-          </a:p>
-          <a:p>
-            <a:pPr marL="457200" indent="-457200">
-              <a:buFont typeface="+mj-lt"/>
-              <a:buAutoNum type="arabicPeriod"/>
-            </a:pPr>
-            <a:r>
-              <a:rPr lang="en-US" dirty="0" smtClean="0"/>
-              <a:t>Hibernate Session and the ColdFusion Session scope</a:t>
+              <a:t>You need inverse=true</a:t>
+            </a:r>
+          </a:p>
+          <a:p>
+            <a:r>
+              <a:rPr lang="en-US" dirty="0" smtClean="0"/>
+              <a:t>It means, “the object </a:t>
+            </a:r>
+            <a:r>
+              <a:rPr lang="en-US" b="1" dirty="0" smtClean="0"/>
+              <a:t>on the other side</a:t>
+            </a:r>
+            <a:r>
+              <a:rPr lang="en-US" dirty="0" smtClean="0"/>
+              <a:t> is the </a:t>
+            </a:r>
+            <a:r>
+              <a:rPr lang="en-US" b="1" dirty="0" smtClean="0"/>
+              <a:t>relationship owner</a:t>
+            </a:r>
+            <a:r>
+              <a:rPr lang="en-US" dirty="0" smtClean="0"/>
+              <a:t>”</a:t>
             </a:r>
             <a:endParaRPr lang="en-US" dirty="0"/>
           </a:p>
@@ -20190,7 +20224,7 @@
           <a:p>
             <a:r>
               <a:rPr lang="en-US" dirty="0" smtClean="0"/>
-              <a:t>Agenda</a:t>
+              <a:t>Enlightenment: inverse=true</a:t>
             </a:r>
             <a:endParaRPr lang="en-US" dirty="0"/>
           </a:p>
@@ -20199,20 +20233,13 @@
     </p:spTree>
     <p:extLst>
       <p:ext uri="{BB962C8B-B14F-4D97-AF65-F5344CB8AC3E}">
-        <p14:creationId xmlns:p14="http://schemas.microsoft.com/office/powerpoint/2010/main" val="2678648052"/>
+        <p14:creationId xmlns:p14="http://schemas.microsoft.com/office/powerpoint/2010/main" val="592342895"/>
       </p:ext>
     </p:extLst>
   </p:cSld>
   <p:clrMapOvr>
     <a:masterClrMapping/>
   </p:clrMapOvr>
-  <p:timing>
-    <p:tnLst>
-      <p:par>
-        <p:cTn id="1" dur="indefinite" restart="never" nodeType="tmRoot"/>
-      </p:par>
-    </p:tnLst>
-  </p:timing>
 </p:sld>
 </file>
 
@@ -20243,27 +20270,78 @@
             <p:ph idx="1"/>
           </p:nvPr>
         </p:nvSpPr>
-        <p:spPr>
-          <a:xfrm>
-            <a:off x="380999" y="2362200"/>
-            <a:ext cx="8534401" cy="3763963"/>
-          </a:xfrm>
-        </p:spPr>
+        <p:spPr/>
         <p:txBody>
           <a:bodyPr/>
           <a:lstStyle/>
           <a:p>
-            <a:r>
-              <a:rPr lang="en-US" dirty="0" smtClean="0"/>
-              <a:t>If I loop over a collection and try to remove elements from that collection, I get “</a:t>
-            </a:r>
-            <a:r>
-              <a:rPr lang="en-US" dirty="0" err="1" smtClean="0"/>
-              <a:t>ConcurrentModificationException</a:t>
-            </a:r>
-            <a:r>
-              <a:rPr lang="en-US" dirty="0" smtClean="0"/>
-              <a:t>”</a:t>
+            <a:pPr marL="457200" indent="-457200">
+              <a:buFont typeface="+mj-lt"/>
+              <a:buAutoNum type="arabicPeriod"/>
+            </a:pPr>
+            <a:r>
+              <a:rPr lang="en-US" dirty="0" smtClean="0"/>
+              <a:t> ORM Settings -- Control the Session Flush</a:t>
+            </a:r>
+          </a:p>
+          <a:p>
+            <a:pPr marL="457200" indent="-457200">
+              <a:buFont typeface="+mj-lt"/>
+              <a:buAutoNum type="arabicPeriod"/>
+            </a:pPr>
+            <a:r>
+              <a:rPr lang="en-US" dirty="0" smtClean="0"/>
+              <a:t>Many-to-One Relationships</a:t>
+            </a:r>
+          </a:p>
+          <a:p>
+            <a:pPr marL="457200" indent="-457200">
+              <a:buFont typeface="+mj-lt"/>
+              <a:buAutoNum type="arabicPeriod"/>
+            </a:pPr>
+            <a:r>
+              <a:rPr lang="en-US" dirty="0" smtClean="0"/>
+              <a:t>One-to-Many Intro: Bidirectional relationships</a:t>
+            </a:r>
+          </a:p>
+          <a:p>
+            <a:pPr marL="457200" indent="-457200">
+              <a:buFont typeface="+mj-lt"/>
+              <a:buAutoNum type="arabicPeriod"/>
+            </a:pPr>
+            <a:r>
+              <a:rPr lang="en-US" dirty="0" smtClean="0"/>
+              <a:t>One-to-Many: Adding to Collections</a:t>
+            </a:r>
+          </a:p>
+          <a:p>
+            <a:pPr marL="457200" indent="-457200">
+              <a:buFont typeface="+mj-lt"/>
+              <a:buAutoNum type="arabicPeriod"/>
+            </a:pPr>
+            <a:r>
+              <a:rPr lang="en-US" dirty="0" smtClean="0"/>
+              <a:t>One-to-Many: inverse and “relationship owner”</a:t>
+            </a:r>
+          </a:p>
+          <a:p>
+            <a:pPr marL="457200" indent="-457200">
+              <a:buFont typeface="+mj-lt"/>
+              <a:buAutoNum type="arabicPeriod"/>
+            </a:pPr>
+            <a:r>
+              <a:rPr lang="en-US" b="1" dirty="0" smtClean="0"/>
+              <a:t>One-to-Many: Deleting from Collections</a:t>
+            </a:r>
+          </a:p>
+          <a:p>
+            <a:pPr marL="457200" indent="-457200">
+              <a:buFont typeface="+mj-lt"/>
+              <a:buAutoNum type="arabicPeriod"/>
+            </a:pPr>
+            <a:r>
+              <a:rPr lang="en-US" dirty="0" smtClean="0"/>
+              <a:t>Hibernate Session and the ColdFusion Session scope</a:t>
             </a:r>
             <a:endParaRPr lang="en-US" dirty="0"/>
           </a:p>
@@ -20286,7 +20364,7 @@
           <a:p>
             <a:r>
               <a:rPr lang="en-US" dirty="0" smtClean="0"/>
-              <a:t>Suffering</a:t>
+              <a:t>Agenda</a:t>
             </a:r>
             <a:endParaRPr lang="en-US" dirty="0"/>
           </a:p>
@@ -20295,7 +20373,7 @@
     </p:spTree>
     <p:extLst>
       <p:ext uri="{BB962C8B-B14F-4D97-AF65-F5344CB8AC3E}">
-        <p14:creationId xmlns:p14="http://schemas.microsoft.com/office/powerpoint/2010/main" val="510698777"/>
+        <p14:creationId xmlns:p14="http://schemas.microsoft.com/office/powerpoint/2010/main" val="2678648052"/>
       </p:ext>
     </p:extLst>
   </p:cSld>
@@ -20339,19 +20417,29 @@
             <p:ph idx="1"/>
           </p:nvPr>
         </p:nvSpPr>
-        <p:spPr/>
+        <p:spPr>
+          <a:xfrm>
+            <a:off x="380999" y="2362200"/>
+            <a:ext cx="8534401" cy="3763963"/>
+          </a:xfrm>
+        </p:spPr>
         <p:txBody>
           <a:bodyPr/>
           <a:lstStyle/>
           <a:p>
-            <a:pPr marL="0" indent="0" algn="ctr">
-              <a:buNone/>
-            </a:pPr>
-            <a:r>
-              <a:rPr lang="en-US" b="1" dirty="0" smtClean="0"/>
-              <a:t>This is not an ORM error… it’s just an error</a:t>
-            </a:r>
-            <a:endParaRPr lang="en-US" b="1" dirty="0"/>
+            <a:r>
+              <a:rPr lang="en-US" dirty="0" smtClean="0"/>
+              <a:t>If I loop over a collection and try to remove elements from that collection, I get “</a:t>
+            </a:r>
+            <a:r>
+              <a:rPr lang="en-US" dirty="0" err="1" smtClean="0"/>
+              <a:t>ConcurrentModificationException</a:t>
+            </a:r>
+            <a:r>
+              <a:rPr lang="en-US" dirty="0" smtClean="0"/>
+              <a:t>”</a:t>
+            </a:r>
+            <a:endParaRPr lang="en-US" dirty="0"/>
           </a:p>
         </p:txBody>
       </p:sp>
@@ -20372,7 +20460,7 @@
           <a:p>
             <a:r>
               <a:rPr lang="en-US" dirty="0" smtClean="0"/>
-              <a:t>Demo: Deleting from a Collection</a:t>
+              <a:t>Suffering</a:t>
             </a:r>
             <a:endParaRPr lang="en-US" dirty="0"/>
           </a:p>
@@ -20381,7 +20469,7 @@
     </p:spTree>
     <p:extLst>
       <p:ext uri="{BB962C8B-B14F-4D97-AF65-F5344CB8AC3E}">
-        <p14:creationId xmlns:p14="http://schemas.microsoft.com/office/powerpoint/2010/main" val="4229353401"/>
+        <p14:creationId xmlns:p14="http://schemas.microsoft.com/office/powerpoint/2010/main" val="510698777"/>
       </p:ext>
     </p:extLst>
   </p:cSld>
@@ -20430,17 +20518,14 @@
           <a:bodyPr/>
           <a:lstStyle/>
           <a:p>
-            <a:r>
-              <a:rPr lang="en-US" dirty="0" smtClean="0"/>
-              <a:t>Don’t use for( item in Array ) syntax when deleting</a:t>
-            </a:r>
-          </a:p>
-          <a:p>
-            <a:r>
-              <a:rPr lang="en-US" dirty="0" smtClean="0"/>
-              <a:t>Use plain old index loops</a:t>
-            </a:r>
-            <a:endParaRPr lang="en-US" dirty="0"/>
+            <a:pPr marL="0" indent="0" algn="ctr">
+              <a:buNone/>
+            </a:pPr>
+            <a:r>
+              <a:rPr lang="en-US" b="1" dirty="0" smtClean="0"/>
+              <a:t>This is not an ORM error… it’s just an error</a:t>
+            </a:r>
+            <a:endParaRPr lang="en-US" b="1" dirty="0"/>
           </a:p>
         </p:txBody>
       </p:sp>
@@ -20456,21 +20541,12 @@
         </p:nvSpPr>
         <p:spPr/>
         <p:txBody>
-          <a:bodyPr>
-            <a:normAutofit fontScale="90000"/>
-          </a:bodyPr>
+          <a:bodyPr/>
           <a:lstStyle/>
           <a:p>
             <a:r>
               <a:rPr lang="en-US" dirty="0" smtClean="0"/>
-              <a:t>Enlightenment: </a:t>
-            </a:r>
-            <a:br>
-              <a:rPr lang="en-US" dirty="0" smtClean="0"/>
-            </a:br>
-            <a:r>
-              <a:rPr lang="en-US" dirty="0" smtClean="0"/>
-              <a:t>Deleting from a Collection</a:t>
+              <a:t>Demo: Deleting from a Collection</a:t>
             </a:r>
             <a:endParaRPr lang="en-US" dirty="0"/>
           </a:p>
@@ -20479,13 +20555,20 @@
     </p:spTree>
     <p:extLst>
       <p:ext uri="{BB962C8B-B14F-4D97-AF65-F5344CB8AC3E}">
-        <p14:creationId xmlns:p14="http://schemas.microsoft.com/office/powerpoint/2010/main" val="4182265279"/>
+        <p14:creationId xmlns:p14="http://schemas.microsoft.com/office/powerpoint/2010/main" val="4229353401"/>
       </p:ext>
     </p:extLst>
   </p:cSld>
   <p:clrMapOvr>
     <a:masterClrMapping/>
   </p:clrMapOvr>
+  <p:timing>
+    <p:tnLst>
+      <p:par>
+        <p:cTn id="1" dur="indefinite" restart="never" nodeType="tmRoot"/>
+      </p:par>
+    </p:tnLst>
+  </p:timing>
 </p:sld>
 </file>
 
@@ -20516,87 +20599,22 @@
             <p:ph idx="1"/>
           </p:nvPr>
         </p:nvSpPr>
-        <p:spPr>
-          <a:xfrm>
-            <a:off x="872067" y="2675467"/>
-            <a:ext cx="7738533" cy="3450696"/>
-          </a:xfrm>
-        </p:spPr>
+        <p:spPr/>
         <p:txBody>
-          <a:bodyPr>
-            <a:normAutofit/>
-          </a:bodyPr>
+          <a:bodyPr/>
           <a:lstStyle/>
           <a:p>
-            <a:pPr marL="457200" indent="-457200">
-              <a:buFont typeface="+mj-lt"/>
-              <a:buAutoNum type="arabicPeriod"/>
-            </a:pPr>
-            <a:r>
-              <a:rPr lang="en-US" dirty="0" smtClean="0"/>
-              <a:t> ORM Settings -- Control the Session Flush</a:t>
-            </a:r>
-          </a:p>
-          <a:p>
-            <a:pPr marL="457200" indent="-457200">
-              <a:buFont typeface="+mj-lt"/>
-              <a:buAutoNum type="arabicPeriod"/>
-            </a:pPr>
-            <a:r>
-              <a:rPr lang="en-US" dirty="0" smtClean="0"/>
-              <a:t>Many-to-One Relationships</a:t>
-            </a:r>
-          </a:p>
-          <a:p>
-            <a:pPr marL="457200" indent="-457200">
-              <a:buFont typeface="+mj-lt"/>
-              <a:buAutoNum type="arabicPeriod"/>
-            </a:pPr>
-            <a:r>
-              <a:rPr lang="en-US" dirty="0" smtClean="0"/>
-              <a:t>One-to-Many Intro: Bidirectional relationships</a:t>
-            </a:r>
-          </a:p>
-          <a:p>
-            <a:pPr marL="457200" indent="-457200">
-              <a:buFont typeface="+mj-lt"/>
-              <a:buAutoNum type="arabicPeriod"/>
-            </a:pPr>
-            <a:r>
-              <a:rPr lang="en-US" dirty="0" smtClean="0"/>
-              <a:t>One-to-Many: Adding to Collections</a:t>
-            </a:r>
-          </a:p>
-          <a:p>
-            <a:pPr marL="457200" indent="-457200">
-              <a:buFont typeface="+mj-lt"/>
-              <a:buAutoNum type="arabicPeriod"/>
-            </a:pPr>
-            <a:r>
-              <a:rPr lang="en-US" dirty="0" smtClean="0"/>
-              <a:t>One-to-Many: inverse and “relationship owner”</a:t>
-            </a:r>
-          </a:p>
-          <a:p>
-            <a:pPr marL="457200" indent="-457200">
-              <a:buFont typeface="+mj-lt"/>
-              <a:buAutoNum type="arabicPeriod"/>
-            </a:pPr>
-            <a:r>
-              <a:rPr lang="en-US" dirty="0" smtClean="0"/>
-              <a:t>One-to-Many: Deleting from Collections</a:t>
-            </a:r>
-          </a:p>
-          <a:p>
-            <a:pPr marL="457200" indent="-457200">
-              <a:buFont typeface="+mj-lt"/>
-              <a:buAutoNum type="arabicPeriod"/>
-            </a:pPr>
-            <a:r>
-              <a:rPr lang="en-US" b="1" dirty="0" smtClean="0"/>
-              <a:t>Hibernate Session and the ColdFusion Session scope</a:t>
-            </a:r>
-            <a:endParaRPr lang="en-US" b="1" dirty="0"/>
+            <a:r>
+              <a:rPr lang="en-US" dirty="0" smtClean="0"/>
+              <a:t>Don’t use for( item in Array ) syntax when deleting</a:t>
+            </a:r>
+          </a:p>
+          <a:p>
+            <a:r>
+              <a:rPr lang="en-US" dirty="0" smtClean="0"/>
+              <a:t>Use plain old index loops</a:t>
+            </a:r>
+            <a:endParaRPr lang="en-US" dirty="0"/>
           </a:p>
         </p:txBody>
       </p:sp>
@@ -20612,12 +20630,21 @@
         </p:nvSpPr>
         <p:spPr/>
         <p:txBody>
-          <a:bodyPr/>
+          <a:bodyPr>
+            <a:normAutofit fontScale="90000"/>
+          </a:bodyPr>
           <a:lstStyle/>
           <a:p>
             <a:r>
               <a:rPr lang="en-US" dirty="0" smtClean="0"/>
-              <a:t>Agenda</a:t>
+              <a:t>Enlightenment: </a:t>
+            </a:r>
+            <a:br>
+              <a:rPr lang="en-US" dirty="0" smtClean="0"/>
+            </a:br>
+            <a:r>
+              <a:rPr lang="en-US" dirty="0" smtClean="0"/>
+              <a:t>Deleting from a Collection</a:t>
             </a:r>
             <a:endParaRPr lang="en-US" dirty="0"/>
           </a:p>
@@ -20626,20 +20653,13 @@
     </p:spTree>
     <p:extLst>
       <p:ext uri="{BB962C8B-B14F-4D97-AF65-F5344CB8AC3E}">
-        <p14:creationId xmlns:p14="http://schemas.microsoft.com/office/powerpoint/2010/main" val="1113937495"/>
+        <p14:creationId xmlns:p14="http://schemas.microsoft.com/office/powerpoint/2010/main" val="4182265279"/>
       </p:ext>
     </p:extLst>
   </p:cSld>
   <p:clrMapOvr>
     <a:masterClrMapping/>
   </p:clrMapOvr>
-  <p:timing>
-    <p:tnLst>
-      <p:par>
-        <p:cTn id="1" dur="indefinite" restart="never" nodeType="tmRoot"/>
-      </p:par>
-    </p:tnLst>
-  </p:timing>
 </p:sld>
 </file>
 
@@ -20812,27 +20832,85 @@
         </p:nvSpPr>
         <p:spPr>
           <a:xfrm>
-            <a:off x="380999" y="2362200"/>
-            <a:ext cx="8534401" cy="3763963"/>
+            <a:off x="872067" y="2675467"/>
+            <a:ext cx="7738533" cy="3450696"/>
           </a:xfrm>
         </p:spPr>
         <p:txBody>
-          <a:bodyPr/>
+          <a:bodyPr>
+            <a:normAutofit/>
+          </a:bodyPr>
           <a:lstStyle/>
           <a:p>
-            <a:r>
-              <a:rPr lang="en-US" dirty="0" smtClean="0"/>
-              <a:t>When I store my user object in the session, and then change it and </a:t>
-            </a:r>
-            <a:r>
-              <a:rPr lang="en-US" dirty="0" err="1" smtClean="0"/>
-              <a:t>entitySave</a:t>
-            </a:r>
-            <a:r>
-              <a:rPr lang="en-US" dirty="0" smtClean="0"/>
-              <a:t>(), I get weirdo Hibernate errors</a:t>
-            </a:r>
-            <a:endParaRPr lang="en-US" dirty="0"/>
+            <a:pPr marL="457200" indent="-457200">
+              <a:buFont typeface="+mj-lt"/>
+              <a:buAutoNum type="arabicPeriod"/>
+            </a:pPr>
+            <a:r>
+              <a:rPr lang="en-US" dirty="0" smtClean="0"/>
+              <a:t> ORM Settings -- Control the Session Flush</a:t>
+            </a:r>
+          </a:p>
+          <a:p>
+            <a:pPr marL="457200" indent="-457200">
+              <a:buFont typeface="+mj-lt"/>
+              <a:buAutoNum type="arabicPeriod"/>
+            </a:pPr>
+            <a:r>
+              <a:rPr lang="en-US" dirty="0" smtClean="0"/>
+              <a:t>Many-to-One Relationships</a:t>
+            </a:r>
+          </a:p>
+          <a:p>
+            <a:pPr marL="457200" indent="-457200">
+              <a:buFont typeface="+mj-lt"/>
+              <a:buAutoNum type="arabicPeriod"/>
+            </a:pPr>
+            <a:r>
+              <a:rPr lang="en-US" dirty="0" smtClean="0"/>
+              <a:t>One-to-Many Intro: Bidirectional relationships</a:t>
+            </a:r>
+          </a:p>
+          <a:p>
+            <a:pPr marL="457200" indent="-457200">
+              <a:buFont typeface="+mj-lt"/>
+              <a:buAutoNum type="arabicPeriod"/>
+            </a:pPr>
+            <a:r>
+              <a:rPr lang="en-US" dirty="0" smtClean="0"/>
+              <a:t>One-to-Many: Adding to Collections</a:t>
+            </a:r>
+          </a:p>
+          <a:p>
+            <a:pPr marL="457200" indent="-457200">
+              <a:buFont typeface="+mj-lt"/>
+              <a:buAutoNum type="arabicPeriod"/>
+            </a:pPr>
+            <a:r>
+              <a:rPr lang="en-US" dirty="0" smtClean="0"/>
+              <a:t>One-to-Many: inverse and “relationship owner”</a:t>
+            </a:r>
+          </a:p>
+          <a:p>
+            <a:pPr marL="457200" indent="-457200">
+              <a:buFont typeface="+mj-lt"/>
+              <a:buAutoNum type="arabicPeriod"/>
+            </a:pPr>
+            <a:r>
+              <a:rPr lang="en-US" dirty="0" smtClean="0"/>
+              <a:t>One-to-Many: Deleting from Collections</a:t>
+            </a:r>
+          </a:p>
+          <a:p>
+            <a:pPr marL="457200" indent="-457200">
+              <a:buFont typeface="+mj-lt"/>
+              <a:buAutoNum type="arabicPeriod"/>
+            </a:pPr>
+            <a:r>
+              <a:rPr lang="en-US" b="1" dirty="0" smtClean="0"/>
+              <a:t>Hibernate Session and the ColdFusion Session scope</a:t>
+            </a:r>
+            <a:endParaRPr lang="en-US" b="1" dirty="0"/>
           </a:p>
         </p:txBody>
       </p:sp>
@@ -20853,7 +20931,7 @@
           <a:p>
             <a:r>
               <a:rPr lang="en-US" dirty="0" smtClean="0"/>
-              <a:t>Suffering</a:t>
+              <a:t>Agenda</a:t>
             </a:r>
             <a:endParaRPr lang="en-US" dirty="0"/>
           </a:p>
@@ -20862,7 +20940,7 @@
     </p:spTree>
     <p:extLst>
       <p:ext uri="{BB962C8B-B14F-4D97-AF65-F5344CB8AC3E}">
-        <p14:creationId xmlns:p14="http://schemas.microsoft.com/office/powerpoint/2010/main" val="2932508157"/>
+        <p14:creationId xmlns:p14="http://schemas.microsoft.com/office/powerpoint/2010/main" val="1113937495"/>
       </p:ext>
     </p:extLst>
   </p:cSld>
@@ -20906,86 +20984,29 @@
             <p:ph idx="1"/>
           </p:nvPr>
         </p:nvSpPr>
-        <p:spPr/>
+        <p:spPr>
+          <a:xfrm>
+            <a:off x="380999" y="2362200"/>
+            <a:ext cx="8534401" cy="3763963"/>
+          </a:xfrm>
+        </p:spPr>
         <p:txBody>
           <a:bodyPr/>
           <a:lstStyle/>
           <a:p>
             <a:r>
               <a:rPr lang="en-US" dirty="0" smtClean="0"/>
-              <a:t>Just don’t do </a:t>
-            </a:r>
-            <a:r>
-              <a:rPr lang="en-US" dirty="0"/>
-              <a:t>it (How’s that for Zen</a:t>
-            </a:r>
-            <a:r>
-              <a:rPr lang="en-US" dirty="0" smtClean="0"/>
-              <a:t>!</a:t>
-            </a:r>
-            <a:r>
-              <a:rPr lang="en-US" dirty="0" smtClean="0"/>
-              <a:t>)</a:t>
-            </a:r>
-          </a:p>
-          <a:p>
+              <a:t>When I store my user object in the session, and then change it and </a:t>
+            </a:r>
+            <a:r>
+              <a:rPr lang="en-US" dirty="0" err="1" smtClean="0"/>
+              <a:t>entitySave</a:t>
+            </a:r>
+            <a:r>
+              <a:rPr lang="en-US" dirty="0" smtClean="0"/>
+              <a:t>(), I get weirdo Hibernate errors</a:t>
+            </a:r>
             <a:endParaRPr lang="en-US" dirty="0"/>
-          </a:p>
-          <a:p>
-            <a:r>
-              <a:rPr lang="en-US" dirty="0" smtClean="0"/>
-              <a:t>Store simple values (</a:t>
-            </a:r>
-            <a:r>
-              <a:rPr lang="en-US" dirty="0" err="1" smtClean="0"/>
-              <a:t>userID</a:t>
-            </a:r>
-            <a:r>
-              <a:rPr lang="en-US" dirty="0" smtClean="0"/>
-              <a:t>) in session scope, then </a:t>
-            </a:r>
-            <a:r>
-              <a:rPr lang="en-US" dirty="0" err="1" smtClean="0"/>
-              <a:t>entityLoadByPK</a:t>
-            </a:r>
-            <a:r>
-              <a:rPr lang="en-US" dirty="0" smtClean="0"/>
-              <a:t>(“User”,</a:t>
-            </a:r>
-            <a:r>
-              <a:rPr lang="en-US" dirty="0"/>
-              <a:t> </a:t>
-            </a:r>
-            <a:r>
-              <a:rPr lang="en-US" dirty="0" err="1" smtClean="0"/>
-              <a:t>session.userID</a:t>
-            </a:r>
-            <a:r>
-              <a:rPr lang="en-US" dirty="0" smtClean="0"/>
-              <a:t>) when you need that object</a:t>
-            </a:r>
-          </a:p>
-          <a:p>
-            <a:endParaRPr lang="en-US" dirty="0"/>
-          </a:p>
-          <a:p>
-            <a:r>
-              <a:rPr lang="en-US" dirty="0" smtClean="0"/>
-              <a:t>The second you type “</a:t>
-            </a:r>
-            <a:r>
-              <a:rPr lang="en-US" dirty="0" err="1" smtClean="0"/>
-              <a:t>EntityMerge</a:t>
-            </a:r>
-            <a:r>
-              <a:rPr lang="en-US" dirty="0" smtClean="0"/>
-              <a:t>()”, you’re travelling down the trail </a:t>
-            </a:r>
-            <a:r>
-              <a:rPr lang="en-US" smtClean="0"/>
-              <a:t>of suffering</a:t>
-            </a:r>
-            <a:endParaRPr lang="en-US" dirty="0" smtClean="0"/>
           </a:p>
         </p:txBody>
       </p:sp>
@@ -20999,43 +21020,36 @@
             <p:ph type="title"/>
           </p:nvPr>
         </p:nvSpPr>
-        <p:spPr>
-          <a:xfrm>
-            <a:off x="228600" y="262128"/>
-            <a:ext cx="8686800" cy="1642872"/>
-          </a:xfrm>
-        </p:spPr>
+        <p:spPr/>
         <p:txBody>
-          <a:bodyPr>
-            <a:normAutofit fontScale="90000"/>
-          </a:bodyPr>
+          <a:bodyPr/>
           <a:lstStyle/>
           <a:p>
             <a:r>
               <a:rPr lang="en-US" dirty="0" smtClean="0"/>
-              <a:t>Enlightenment: </a:t>
-            </a:r>
-            <a:br>
-              <a:rPr lang="en-US" dirty="0" smtClean="0"/>
-            </a:br>
-            <a:r>
-              <a:rPr lang="en-US" sz="4000" dirty="0" smtClean="0"/>
-              <a:t>Persistent objects and CF Session  Scope</a:t>
-            </a:r>
-            <a:endParaRPr lang="en-US" sz="4000" dirty="0"/>
+              <a:t>Suffering</a:t>
+            </a:r>
+            <a:endParaRPr lang="en-US" dirty="0"/>
           </a:p>
         </p:txBody>
       </p:sp>
     </p:spTree>
     <p:extLst>
       <p:ext uri="{BB962C8B-B14F-4D97-AF65-F5344CB8AC3E}">
-        <p14:creationId xmlns:p14="http://schemas.microsoft.com/office/powerpoint/2010/main" val="2848442638"/>
+        <p14:creationId xmlns:p14="http://schemas.microsoft.com/office/powerpoint/2010/main" val="2932508157"/>
       </p:ext>
     </p:extLst>
   </p:cSld>
   <p:clrMapOvr>
     <a:masterClrMapping/>
   </p:clrMapOvr>
+  <p:timing>
+    <p:tnLst>
+      <p:par>
+        <p:cTn id="1" dur="indefinite" restart="never" nodeType="tmRoot"/>
+      </p:par>
+    </p:tnLst>
+  </p:timing>
 </p:sld>
 </file>
 
@@ -21068,6 +21082,162 @@
         </p:nvSpPr>
         <p:spPr/>
         <p:txBody>
+          <a:bodyPr/>
+          <a:lstStyle/>
+          <a:p>
+            <a:r>
+              <a:rPr lang="en-US" dirty="0" smtClean="0"/>
+              <a:t>Just don’t do </a:t>
+            </a:r>
+            <a:r>
+              <a:rPr lang="en-US" dirty="0"/>
+              <a:t>it (How’s that for Zen</a:t>
+            </a:r>
+            <a:r>
+              <a:rPr lang="en-US" dirty="0" smtClean="0"/>
+              <a:t>!)</a:t>
+            </a:r>
+          </a:p>
+          <a:p>
+            <a:endParaRPr lang="en-US" dirty="0"/>
+          </a:p>
+          <a:p>
+            <a:r>
+              <a:rPr lang="en-US" dirty="0" smtClean="0"/>
+              <a:t>Store simple values (</a:t>
+            </a:r>
+            <a:r>
+              <a:rPr lang="en-US" dirty="0" err="1" smtClean="0"/>
+              <a:t>userID</a:t>
+            </a:r>
+            <a:r>
+              <a:rPr lang="en-US" dirty="0" smtClean="0"/>
+              <a:t>) in session scope, then </a:t>
+            </a:r>
+            <a:r>
+              <a:rPr lang="en-US" dirty="0" err="1" smtClean="0"/>
+              <a:t>entityLoadByPK</a:t>
+            </a:r>
+            <a:r>
+              <a:rPr lang="en-US" dirty="0" smtClean="0"/>
+              <a:t>(“User”,</a:t>
+            </a:r>
+            <a:r>
+              <a:rPr lang="en-US" dirty="0"/>
+              <a:t> </a:t>
+            </a:r>
+            <a:r>
+              <a:rPr lang="en-US" dirty="0" err="1" smtClean="0"/>
+              <a:t>session.userID</a:t>
+            </a:r>
+            <a:r>
+              <a:rPr lang="en-US" dirty="0" smtClean="0"/>
+              <a:t>) when you need that object</a:t>
+            </a:r>
+          </a:p>
+          <a:p>
+            <a:endParaRPr lang="en-US" dirty="0"/>
+          </a:p>
+          <a:p>
+            <a:r>
+              <a:rPr lang="en-US" dirty="0" smtClean="0"/>
+              <a:t>The second you type “</a:t>
+            </a:r>
+            <a:r>
+              <a:rPr lang="en-US" dirty="0" err="1" smtClean="0"/>
+              <a:t>EntityMerge</a:t>
+            </a:r>
+            <a:r>
+              <a:rPr lang="en-US" dirty="0" smtClean="0"/>
+              <a:t>()”, you’re travelling down the trail </a:t>
+            </a:r>
+            <a:r>
+              <a:rPr lang="en-US" smtClean="0"/>
+              <a:t>of suffering</a:t>
+            </a:r>
+            <a:endParaRPr lang="en-US" dirty="0" smtClean="0"/>
+          </a:p>
+        </p:txBody>
+      </p:sp>
+      <p:sp>
+        <p:nvSpPr>
+          <p:cNvPr id="3" name="Title 2"/>
+          <p:cNvSpPr>
+            <a:spLocks noGrp="1"/>
+          </p:cNvSpPr>
+          <p:nvPr>
+            <p:ph type="title"/>
+          </p:nvPr>
+        </p:nvSpPr>
+        <p:spPr>
+          <a:xfrm>
+            <a:off x="228600" y="262128"/>
+            <a:ext cx="8686800" cy="1642872"/>
+          </a:xfrm>
+        </p:spPr>
+        <p:txBody>
+          <a:bodyPr>
+            <a:normAutofit fontScale="90000"/>
+          </a:bodyPr>
+          <a:lstStyle/>
+          <a:p>
+            <a:r>
+              <a:rPr lang="en-US" dirty="0" smtClean="0"/>
+              <a:t>Enlightenment: </a:t>
+            </a:r>
+            <a:br>
+              <a:rPr lang="en-US" dirty="0" smtClean="0"/>
+            </a:br>
+            <a:r>
+              <a:rPr lang="en-US" sz="4000" dirty="0" smtClean="0"/>
+              <a:t>Persistent objects and CF Session  Scope</a:t>
+            </a:r>
+            <a:endParaRPr lang="en-US" sz="4000" dirty="0"/>
+          </a:p>
+        </p:txBody>
+      </p:sp>
+    </p:spTree>
+    <p:extLst>
+      <p:ext uri="{BB962C8B-B14F-4D97-AF65-F5344CB8AC3E}">
+        <p14:creationId xmlns:p14="http://schemas.microsoft.com/office/powerpoint/2010/main" val="2848442638"/>
+      </p:ext>
+    </p:extLst>
+  </p:cSld>
+  <p:clrMapOvr>
+    <a:masterClrMapping/>
+  </p:clrMapOvr>
+</p:sld>
+</file>
+
+<file path=ppt/slides/slide53.xml><?xml version="1.0" encoding="utf-8"?>
+<p:sld xmlns:a="http://schemas.openxmlformats.org/drawingml/2006/main" xmlns:r="http://schemas.openxmlformats.org/officeDocument/2006/relationships" xmlns:p="http://schemas.openxmlformats.org/presentationml/2006/main">
+  <p:cSld>
+    <p:spTree>
+      <p:nvGrpSpPr>
+        <p:cNvPr id="1" name=""/>
+        <p:cNvGrpSpPr/>
+        <p:nvPr/>
+      </p:nvGrpSpPr>
+      <p:grpSpPr>
+        <a:xfrm>
+          <a:off x="0" y="0"/>
+          <a:ext cx="0" cy="0"/>
+          <a:chOff x="0" y="0"/>
+          <a:chExt cx="0" cy="0"/>
+        </a:xfrm>
+      </p:grpSpPr>
+      <p:sp>
+        <p:nvSpPr>
+          <p:cNvPr id="2" name="Content Placeholder 1"/>
+          <p:cNvSpPr>
+            <a:spLocks noGrp="1"/>
+          </p:cNvSpPr>
+          <p:nvPr>
+            <p:ph idx="1"/>
+          </p:nvPr>
+        </p:nvSpPr>
+        <p:spPr/>
+        <p:txBody>
           <a:bodyPr>
             <a:normAutofit lnSpcReduction="10000"/>
           </a:bodyPr>
@@ -21261,7 +21431,7 @@
 </p:sld>
 </file>
 
-<file path=ppt/slides/slide53.xml><?xml version="1.0" encoding="utf-8"?>
+<file path=ppt/slides/slide54.xml><?xml version="1.0" encoding="utf-8"?>
 <p:sld xmlns:a="http://schemas.openxmlformats.org/drawingml/2006/main" xmlns:r="http://schemas.openxmlformats.org/officeDocument/2006/relationships" xmlns:p="http://schemas.openxmlformats.org/presentationml/2006/main">
   <p:cSld>
     <p:spTree>
@@ -21848,82 +22018,6 @@
 </p:sld>
 </file>
 
-<file path=ppt/slides/slide54.xml><?xml version="1.0" encoding="utf-8"?>
-<p:sld xmlns:a="http://schemas.openxmlformats.org/drawingml/2006/main" xmlns:r="http://schemas.openxmlformats.org/officeDocument/2006/relationships" xmlns:p="http://schemas.openxmlformats.org/presentationml/2006/main">
-  <p:cSld>
-    <p:spTree>
-      <p:nvGrpSpPr>
-        <p:cNvPr id="1" name=""/>
-        <p:cNvGrpSpPr/>
-        <p:nvPr/>
-      </p:nvGrpSpPr>
-      <p:grpSpPr>
-        <a:xfrm>
-          <a:off x="0" y="0"/>
-          <a:ext cx="0" cy="0"/>
-          <a:chOff x="0" y="0"/>
-          <a:chExt cx="0" cy="0"/>
-        </a:xfrm>
-      </p:grpSpPr>
-      <p:sp>
-        <p:nvSpPr>
-          <p:cNvPr id="2" name="Content Placeholder 1"/>
-          <p:cNvSpPr>
-            <a:spLocks noGrp="1"/>
-          </p:cNvSpPr>
-          <p:nvPr>
-            <p:ph idx="1"/>
-          </p:nvPr>
-        </p:nvSpPr>
-        <p:spPr/>
-        <p:txBody>
-          <a:bodyPr/>
-          <a:lstStyle/>
-          <a:p>
-            <a:r>
-              <a:rPr lang="en-US" dirty="0" smtClean="0"/>
-              <a:t>Links for just about everything I’m showing today will go here</a:t>
-            </a:r>
-            <a:endParaRPr lang="en-US" dirty="0"/>
-          </a:p>
-        </p:txBody>
-      </p:sp>
-      <p:sp>
-        <p:nvSpPr>
-          <p:cNvPr id="3" name="Title 2"/>
-          <p:cNvSpPr>
-            <a:spLocks noGrp="1"/>
-          </p:cNvSpPr>
-          <p:nvPr>
-            <p:ph type="title"/>
-          </p:nvPr>
-        </p:nvSpPr>
-        <p:spPr/>
-        <p:txBody>
-          <a:bodyPr/>
-          <a:lstStyle/>
-          <a:p>
-            <a:r>
-              <a:rPr lang="en-US" dirty="0" smtClean="0"/>
-              <a:t>Resources</a:t>
-            </a:r>
-            <a:endParaRPr lang="en-US" dirty="0"/>
-          </a:p>
-        </p:txBody>
-      </p:sp>
-    </p:spTree>
-    <p:extLst>
-      <p:ext uri="{BB962C8B-B14F-4D97-AF65-F5344CB8AC3E}">
-        <p14:creationId xmlns:p14="http://schemas.microsoft.com/office/powerpoint/2010/main" val="2787368718"/>
-      </p:ext>
-    </p:extLst>
-  </p:cSld>
-  <p:clrMapOvr>
-    <a:masterClrMapping/>
-  </p:clrMapOvr>
-</p:sld>
-</file>
-
 <file path=ppt/slides/slide55.xml><?xml version="1.0" encoding="utf-8"?>
 <p:sld xmlns:a="http://schemas.openxmlformats.org/drawingml/2006/main" xmlns:r="http://schemas.openxmlformats.org/officeDocument/2006/relationships" xmlns:p="http://schemas.openxmlformats.org/presentationml/2006/main">
   <p:cSld>
@@ -21958,6 +22052,82 @@
           <a:p>
             <a:r>
               <a:rPr lang="en-US" dirty="0" smtClean="0"/>
+              <a:t>Links for just about everything I’m showing today will go here</a:t>
+            </a:r>
+            <a:endParaRPr lang="en-US" dirty="0"/>
+          </a:p>
+        </p:txBody>
+      </p:sp>
+      <p:sp>
+        <p:nvSpPr>
+          <p:cNvPr id="3" name="Title 2"/>
+          <p:cNvSpPr>
+            <a:spLocks noGrp="1"/>
+          </p:cNvSpPr>
+          <p:nvPr>
+            <p:ph type="title"/>
+          </p:nvPr>
+        </p:nvSpPr>
+        <p:spPr/>
+        <p:txBody>
+          <a:bodyPr/>
+          <a:lstStyle/>
+          <a:p>
+            <a:r>
+              <a:rPr lang="en-US" dirty="0" smtClean="0"/>
+              <a:t>Resources</a:t>
+            </a:r>
+            <a:endParaRPr lang="en-US" dirty="0"/>
+          </a:p>
+        </p:txBody>
+      </p:sp>
+    </p:spTree>
+    <p:extLst>
+      <p:ext uri="{BB962C8B-B14F-4D97-AF65-F5344CB8AC3E}">
+        <p14:creationId xmlns:p14="http://schemas.microsoft.com/office/powerpoint/2010/main" val="2787368718"/>
+      </p:ext>
+    </p:extLst>
+  </p:cSld>
+  <p:clrMapOvr>
+    <a:masterClrMapping/>
+  </p:clrMapOvr>
+</p:sld>
+</file>
+
+<file path=ppt/slides/slide56.xml><?xml version="1.0" encoding="utf-8"?>
+<p:sld xmlns:a="http://schemas.openxmlformats.org/drawingml/2006/main" xmlns:r="http://schemas.openxmlformats.org/officeDocument/2006/relationships" xmlns:p="http://schemas.openxmlformats.org/presentationml/2006/main">
+  <p:cSld>
+    <p:spTree>
+      <p:nvGrpSpPr>
+        <p:cNvPr id="1" name=""/>
+        <p:cNvGrpSpPr/>
+        <p:nvPr/>
+      </p:nvGrpSpPr>
+      <p:grpSpPr>
+        <a:xfrm>
+          <a:off x="0" y="0"/>
+          <a:ext cx="0" cy="0"/>
+          <a:chOff x="0" y="0"/>
+          <a:chExt cx="0" cy="0"/>
+        </a:xfrm>
+      </p:grpSpPr>
+      <p:sp>
+        <p:nvSpPr>
+          <p:cNvPr id="2" name="Content Placeholder 1"/>
+          <p:cNvSpPr>
+            <a:spLocks noGrp="1"/>
+          </p:cNvSpPr>
+          <p:nvPr>
+            <p:ph idx="1"/>
+          </p:nvPr>
+        </p:nvSpPr>
+        <p:spPr/>
+        <p:txBody>
+          <a:bodyPr/>
+          <a:lstStyle/>
+          <a:p>
+            <a:r>
+              <a:rPr lang="en-US" dirty="0" smtClean="0"/>
               <a:t>SQL Logging</a:t>
             </a:r>
           </a:p>
@@ -22017,7 +22187,7 @@
 </p:sld>
 </file>
 
-<file path=ppt/slides/slide56.xml><?xml version="1.0" encoding="utf-8"?>
+<file path=ppt/slides/slide57.xml><?xml version="1.0" encoding="utf-8"?>
 <p:sld xmlns:a="http://schemas.openxmlformats.org/drawingml/2006/main" xmlns:r="http://schemas.openxmlformats.org/officeDocument/2006/relationships" xmlns:p="http://schemas.openxmlformats.org/presentationml/2006/main">
   <p:cSld>
     <p:spTree>
@@ -22170,7 +22340,7 @@
 </p:sld>
 </file>
 
-<file path=ppt/slides/slide57.xml><?xml version="1.0" encoding="utf-8"?>
+<file path=ppt/slides/slide58.xml><?xml version="1.0" encoding="utf-8"?>
 <p:sld xmlns:a="http://schemas.openxmlformats.org/drawingml/2006/main" xmlns:r="http://schemas.openxmlformats.org/officeDocument/2006/relationships" xmlns:p="http://schemas.openxmlformats.org/presentationml/2006/main">
   <p:cSld>
     <p:spTree>
@@ -22273,7 +22443,7 @@
 </p:sld>
 </file>
 
-<file path=ppt/slides/slide58.xml><?xml version="1.0" encoding="utf-8"?>
+<file path=ppt/slides/slide59.xml><?xml version="1.0" encoding="utf-8"?>
 <p:sld xmlns:a="http://schemas.openxmlformats.org/drawingml/2006/main" xmlns:r="http://schemas.openxmlformats.org/officeDocument/2006/relationships" xmlns:p="http://schemas.openxmlformats.org/presentationml/2006/main">
   <p:cSld>
     <p:spTree>
@@ -22362,143 +22532,6 @@
     <p:extLst>
       <p:ext uri="{BB962C8B-B14F-4D97-AF65-F5344CB8AC3E}">
         <p14:creationId xmlns:p14="http://schemas.microsoft.com/office/powerpoint/2010/main" val="3686384346"/>
-      </p:ext>
-    </p:extLst>
-  </p:cSld>
-  <p:clrMapOvr>
-    <a:masterClrMapping/>
-  </p:clrMapOvr>
-  <p:timing>
-    <p:tnLst>
-      <p:par>
-        <p:cTn id="1" dur="indefinite" restart="never" nodeType="tmRoot"/>
-      </p:par>
-    </p:tnLst>
-  </p:timing>
-</p:sld>
-</file>
-
-<file path=ppt/slides/slide59.xml><?xml version="1.0" encoding="utf-8"?>
-<p:sld xmlns:a="http://schemas.openxmlformats.org/drawingml/2006/main" xmlns:r="http://schemas.openxmlformats.org/officeDocument/2006/relationships" xmlns:p="http://schemas.openxmlformats.org/presentationml/2006/main">
-  <p:cSld>
-    <p:spTree>
-      <p:nvGrpSpPr>
-        <p:cNvPr id="1" name=""/>
-        <p:cNvGrpSpPr/>
-        <p:nvPr/>
-      </p:nvGrpSpPr>
-      <p:grpSpPr>
-        <a:xfrm>
-          <a:off x="0" y="0"/>
-          <a:ext cx="0" cy="0"/>
-          <a:chOff x="0" y="0"/>
-          <a:chExt cx="0" cy="0"/>
-        </a:xfrm>
-      </p:grpSpPr>
-      <p:sp>
-        <p:nvSpPr>
-          <p:cNvPr id="2" name="Content Placeholder 1"/>
-          <p:cNvSpPr>
-            <a:spLocks noGrp="1"/>
-          </p:cNvSpPr>
-          <p:nvPr>
-            <p:ph idx="1"/>
-          </p:nvPr>
-        </p:nvSpPr>
-        <p:spPr>
-          <a:xfrm>
-            <a:off x="533401" y="2675467"/>
-            <a:ext cx="8153400" cy="3450696"/>
-          </a:xfrm>
-        </p:spPr>
-        <p:txBody>
-          <a:bodyPr/>
-          <a:lstStyle/>
-          <a:p>
-            <a:r>
-              <a:rPr lang="en-US" dirty="0" smtClean="0"/>
-              <a:t>If you *need* to see the parameters  for the SQL statements, turn it on</a:t>
-            </a:r>
-          </a:p>
-          <a:p>
-            <a:pPr lvl="1"/>
-            <a:r>
-              <a:rPr lang="en-US" dirty="0" smtClean="0"/>
-              <a:t>WEB-INF/</a:t>
-            </a:r>
-            <a:r>
-              <a:rPr lang="en-US" dirty="0" err="1" smtClean="0"/>
-              <a:t>cfusion</a:t>
-            </a:r>
-            <a:r>
-              <a:rPr lang="en-US" dirty="0" smtClean="0"/>
-              <a:t>/lib/log4j.properties</a:t>
-            </a:r>
-          </a:p>
-          <a:p>
-            <a:pPr lvl="1"/>
-            <a:r>
-              <a:rPr lang="en-US" dirty="0" smtClean="0"/>
-              <a:t>Uncomment this line:</a:t>
-            </a:r>
-          </a:p>
-          <a:p>
-            <a:pPr lvl="2"/>
-            <a:r>
-              <a:rPr lang="en-US" dirty="0"/>
-              <a:t>### Also log the parameter binding to the prepared statements.</a:t>
-            </a:r>
-          </a:p>
-          <a:p>
-            <a:pPr lvl="2"/>
-            <a:r>
-              <a:rPr lang="en-US" dirty="0"/>
-              <a:t>#</a:t>
-            </a:r>
-            <a:r>
-              <a:rPr lang="en-US" dirty="0" smtClean="0"/>
-              <a:t>log4j.logger.org.hibernate.type=DEBUG</a:t>
-            </a:r>
-          </a:p>
-          <a:p>
-            <a:pPr lvl="1"/>
-            <a:r>
-              <a:rPr lang="en-US" dirty="0" smtClean="0"/>
-              <a:t>This will get extremely noisy, so use with care</a:t>
-            </a:r>
-            <a:endParaRPr lang="en-US" dirty="0"/>
-          </a:p>
-        </p:txBody>
-      </p:sp>
-      <p:sp>
-        <p:nvSpPr>
-          <p:cNvPr id="3" name="Title 2"/>
-          <p:cNvSpPr>
-            <a:spLocks noGrp="1"/>
-          </p:cNvSpPr>
-          <p:nvPr>
-            <p:ph type="title"/>
-          </p:nvPr>
-        </p:nvSpPr>
-        <p:spPr/>
-        <p:txBody>
-          <a:bodyPr>
-            <a:normAutofit fontScale="90000"/>
-          </a:bodyPr>
-          <a:lstStyle/>
-          <a:p>
-            <a:r>
-              <a:rPr lang="en-US" dirty="0" smtClean="0"/>
-              <a:t>ORM Essentials: Parameter Logging</a:t>
-            </a:r>
-            <a:endParaRPr lang="en-US" dirty="0"/>
-          </a:p>
-        </p:txBody>
-      </p:sp>
-    </p:spTree>
-    <p:extLst>
-      <p:ext uri="{BB962C8B-B14F-4D97-AF65-F5344CB8AC3E}">
-        <p14:creationId xmlns:p14="http://schemas.microsoft.com/office/powerpoint/2010/main" val="1312424132"/>
       </p:ext>
     </p:extLst>
   </p:cSld>
@@ -22678,6 +22711,143 @@
           <a:chExt cx="0" cy="0"/>
         </a:xfrm>
       </p:grpSpPr>
+      <p:sp>
+        <p:nvSpPr>
+          <p:cNvPr id="2" name="Content Placeholder 1"/>
+          <p:cNvSpPr>
+            <a:spLocks noGrp="1"/>
+          </p:cNvSpPr>
+          <p:nvPr>
+            <p:ph idx="1"/>
+          </p:nvPr>
+        </p:nvSpPr>
+        <p:spPr>
+          <a:xfrm>
+            <a:off x="533401" y="2675467"/>
+            <a:ext cx="8153400" cy="3450696"/>
+          </a:xfrm>
+        </p:spPr>
+        <p:txBody>
+          <a:bodyPr/>
+          <a:lstStyle/>
+          <a:p>
+            <a:r>
+              <a:rPr lang="en-US" dirty="0" smtClean="0"/>
+              <a:t>If you *need* to see the parameters  for the SQL statements, turn it on</a:t>
+            </a:r>
+          </a:p>
+          <a:p>
+            <a:pPr lvl="1"/>
+            <a:r>
+              <a:rPr lang="en-US" dirty="0" smtClean="0"/>
+              <a:t>WEB-INF/</a:t>
+            </a:r>
+            <a:r>
+              <a:rPr lang="en-US" dirty="0" err="1" smtClean="0"/>
+              <a:t>cfusion</a:t>
+            </a:r>
+            <a:r>
+              <a:rPr lang="en-US" dirty="0" smtClean="0"/>
+              <a:t>/lib/log4j.properties</a:t>
+            </a:r>
+          </a:p>
+          <a:p>
+            <a:pPr lvl="1"/>
+            <a:r>
+              <a:rPr lang="en-US" dirty="0" smtClean="0"/>
+              <a:t>Uncomment this line:</a:t>
+            </a:r>
+          </a:p>
+          <a:p>
+            <a:pPr lvl="2"/>
+            <a:r>
+              <a:rPr lang="en-US" dirty="0"/>
+              <a:t>### Also log the parameter binding to the prepared statements.</a:t>
+            </a:r>
+          </a:p>
+          <a:p>
+            <a:pPr lvl="2"/>
+            <a:r>
+              <a:rPr lang="en-US" dirty="0"/>
+              <a:t>#</a:t>
+            </a:r>
+            <a:r>
+              <a:rPr lang="en-US" dirty="0" smtClean="0"/>
+              <a:t>log4j.logger.org.hibernate.type=DEBUG</a:t>
+            </a:r>
+          </a:p>
+          <a:p>
+            <a:pPr lvl="1"/>
+            <a:r>
+              <a:rPr lang="en-US" dirty="0" smtClean="0"/>
+              <a:t>This will get extremely noisy, so use with care</a:t>
+            </a:r>
+            <a:endParaRPr lang="en-US" dirty="0"/>
+          </a:p>
+        </p:txBody>
+      </p:sp>
+      <p:sp>
+        <p:nvSpPr>
+          <p:cNvPr id="3" name="Title 2"/>
+          <p:cNvSpPr>
+            <a:spLocks noGrp="1"/>
+          </p:cNvSpPr>
+          <p:nvPr>
+            <p:ph type="title"/>
+          </p:nvPr>
+        </p:nvSpPr>
+        <p:spPr/>
+        <p:txBody>
+          <a:bodyPr>
+            <a:normAutofit fontScale="90000"/>
+          </a:bodyPr>
+          <a:lstStyle/>
+          <a:p>
+            <a:r>
+              <a:rPr lang="en-US" dirty="0" smtClean="0"/>
+              <a:t>ORM Essentials: Parameter Logging</a:t>
+            </a:r>
+            <a:endParaRPr lang="en-US" dirty="0"/>
+          </a:p>
+        </p:txBody>
+      </p:sp>
+    </p:spTree>
+    <p:extLst>
+      <p:ext uri="{BB962C8B-B14F-4D97-AF65-F5344CB8AC3E}">
+        <p14:creationId xmlns:p14="http://schemas.microsoft.com/office/powerpoint/2010/main" val="1312424132"/>
+      </p:ext>
+    </p:extLst>
+  </p:cSld>
+  <p:clrMapOvr>
+    <a:masterClrMapping/>
+  </p:clrMapOvr>
+  <p:timing>
+    <p:tnLst>
+      <p:par>
+        <p:cTn id="1" dur="indefinite" restart="never" nodeType="tmRoot"/>
+      </p:par>
+    </p:tnLst>
+  </p:timing>
+</p:sld>
+</file>
+
+<file path=ppt/slides/slide61.xml><?xml version="1.0" encoding="utf-8"?>
+<p:sld xmlns:a="http://schemas.openxmlformats.org/drawingml/2006/main" xmlns:r="http://schemas.openxmlformats.org/officeDocument/2006/relationships" xmlns:p="http://schemas.openxmlformats.org/presentationml/2006/main">
+  <p:cSld>
+    <p:spTree>
+      <p:nvGrpSpPr>
+        <p:cNvPr id="1" name=""/>
+        <p:cNvGrpSpPr/>
+        <p:nvPr/>
+      </p:nvGrpSpPr>
+      <p:grpSpPr>
+        <a:xfrm>
+          <a:off x="0" y="0"/>
+          <a:ext cx="0" cy="0"/>
+          <a:chOff x="0" y="0"/>
+          <a:chExt cx="0" cy="0"/>
+        </a:xfrm>
+      </p:grpSpPr>
       <p:pic>
         <p:nvPicPr>
           <p:cNvPr id="6146" name="Picture 2" descr="C:\dev\projects\wwwroot\mxunit-cfmeetups\CFObjective_ORMZen\preso\hibernate_logging_with_parameters.PNG"/>
@@ -22739,7 +22909,7 @@
 </p:sld>
 </file>
 
-<file path=ppt/slides/slide61.xml><?xml version="1.0" encoding="utf-8"?>
+<file path=ppt/slides/slide62.xml><?xml version="1.0" encoding="utf-8"?>
 <p:sld xmlns:a="http://schemas.openxmlformats.org/drawingml/2006/main" xmlns:r="http://schemas.openxmlformats.org/officeDocument/2006/relationships" xmlns:p="http://schemas.openxmlformats.org/presentationml/2006/main">
   <p:cSld>
     <p:spTree>
@@ -22907,7 +23077,7 @@
 </p:sld>
 </file>
 
-<file path=ppt/slides/slide62.xml><?xml version="1.0" encoding="utf-8"?>
+<file path=ppt/slides/slide63.xml><?xml version="1.0" encoding="utf-8"?>
 <p:sld xmlns:a="http://schemas.openxmlformats.org/drawingml/2006/main" xmlns:r="http://schemas.openxmlformats.org/officeDocument/2006/relationships" xmlns:p="http://schemas.openxmlformats.org/presentationml/2006/main">
   <p:cSld>
     <p:spTree>

--- a/CFObjective_ORMZen/preso/orm_zen.ppt.pptx
+++ b/CFObjective_ORMZen/preso/orm_zen.ppt.pptx
@@ -1981,7 +1981,7 @@
           <a:p>
             <a:fld id="{8D079CED-E0C8-4B3D-AB1E-914A2D354D81}" type="datetimeFigureOut">
               <a:rPr lang="en-US" smtClean="0"/>
-              <a:t>4/17/2011</a:t>
+              <a:t>5/5/2011</a:t>
             </a:fld>
             <a:endParaRPr lang="en-US"/>
           </a:p>
@@ -2162,7 +2162,7 @@
           <a:p>
             <a:fld id="{8D079CED-E0C8-4B3D-AB1E-914A2D354D81}" type="datetimeFigureOut">
               <a:rPr lang="en-US" smtClean="0"/>
-              <a:t>4/17/2011</a:t>
+              <a:t>5/5/2011</a:t>
             </a:fld>
             <a:endParaRPr lang="en-US"/>
           </a:p>
@@ -2313,7 +2313,7 @@
           <a:p>
             <a:fld id="{8D079CED-E0C8-4B3D-AB1E-914A2D354D81}" type="datetimeFigureOut">
               <a:rPr lang="en-US" smtClean="0"/>
-              <a:t>4/17/2011</a:t>
+              <a:t>5/5/2011</a:t>
             </a:fld>
             <a:endParaRPr lang="en-US"/>
           </a:p>
@@ -4139,7 +4139,7 @@
           <a:p>
             <a:fld id="{8D079CED-E0C8-4B3D-AB1E-914A2D354D81}" type="datetimeFigureOut">
               <a:rPr lang="en-US" smtClean="0"/>
-              <a:t>4/17/2011</a:t>
+              <a:t>5/5/2011</a:t>
             </a:fld>
             <a:endParaRPr lang="en-US"/>
           </a:p>
@@ -6009,7 +6009,7 @@
           <a:p>
             <a:fld id="{8D079CED-E0C8-4B3D-AB1E-914A2D354D81}" type="datetimeFigureOut">
               <a:rPr lang="en-US" smtClean="0"/>
-              <a:t>4/17/2011</a:t>
+              <a:t>5/5/2011</a:t>
             </a:fld>
             <a:endParaRPr lang="en-US"/>
           </a:p>
@@ -6122,7 +6122,7 @@
           <a:p>
             <a:fld id="{8D079CED-E0C8-4B3D-AB1E-914A2D354D81}" type="datetimeFigureOut">
               <a:rPr lang="en-US" smtClean="0"/>
-              <a:t>4/17/2011</a:t>
+              <a:t>5/5/2011</a:t>
             </a:fld>
             <a:endParaRPr lang="en-US"/>
           </a:p>
@@ -6663,7 +6663,7 @@
           <a:p>
             <a:fld id="{8D079CED-E0C8-4B3D-AB1E-914A2D354D81}" type="datetimeFigureOut">
               <a:rPr lang="en-US" smtClean="0"/>
-              <a:t>4/17/2011</a:t>
+              <a:t>5/5/2011</a:t>
             </a:fld>
             <a:endParaRPr lang="en-US"/>
           </a:p>
@@ -6776,7 +6776,7 @@
           <a:p>
             <a:fld id="{8D079CED-E0C8-4B3D-AB1E-914A2D354D81}" type="datetimeFigureOut">
               <a:rPr lang="en-US" smtClean="0"/>
-              <a:t>4/17/2011</a:t>
+              <a:t>5/5/2011</a:t>
             </a:fld>
             <a:endParaRPr lang="en-US"/>
           </a:p>
@@ -8487,7 +8487,7 @@
           <a:p>
             <a:fld id="{8D079CED-E0C8-4B3D-AB1E-914A2D354D81}" type="datetimeFigureOut">
               <a:rPr lang="en-US" smtClean="0"/>
-              <a:t>4/17/2011</a:t>
+              <a:t>5/5/2011</a:t>
             </a:fld>
             <a:endParaRPr lang="en-US"/>
           </a:p>
@@ -8638,7 +8638,7 @@
           <a:p>
             <a:fld id="{8D079CED-E0C8-4B3D-AB1E-914A2D354D81}" type="datetimeFigureOut">
               <a:rPr lang="en-US" smtClean="0"/>
-              <a:t>4/17/2011</a:t>
+              <a:t>5/5/2011</a:t>
             </a:fld>
             <a:endParaRPr lang="en-US"/>
           </a:p>
@@ -12253,7 +12253,7 @@
           <a:p>
             <a:fld id="{8D079CED-E0C8-4B3D-AB1E-914A2D354D81}" type="datetimeFigureOut">
               <a:rPr lang="en-US" smtClean="0"/>
-              <a:t>4/17/2011</a:t>
+              <a:t>5/5/2011</a:t>
             </a:fld>
             <a:endParaRPr lang="en-US"/>
           </a:p>
@@ -14112,7 +14112,7 @@
           <a:p>
             <a:fld id="{8D079CED-E0C8-4B3D-AB1E-914A2D354D81}" type="datetimeFigureOut">
               <a:rPr lang="en-US" smtClean="0"/>
-              <a:t>4/17/2011</a:t>
+              <a:t>5/5/2011</a:t>
             </a:fld>
             <a:endParaRPr lang="en-US"/>
           </a:p>
@@ -16890,15 +16890,7 @@
           <a:p>
             <a:r>
               <a:rPr lang="en-US" dirty="0" smtClean="0"/>
-              <a:t>This </a:t>
-            </a:r>
-            <a:r>
-              <a:rPr lang="en-US" b="1" dirty="0" smtClean="0"/>
-              <a:t>simply</a:t>
-            </a:r>
-            <a:r>
-              <a:rPr lang="en-US" dirty="0" smtClean="0"/>
-              <a:t> means that you have to wrap </a:t>
+              <a:t>This means that you have to wrap </a:t>
             </a:r>
             <a:r>
               <a:rPr lang="en-US" dirty="0" err="1" smtClean="0"/>
@@ -16916,7 +16908,39 @@
               <a:rPr lang="en-US" dirty="0" smtClean="0"/>
               <a:t>() in transactions</a:t>
             </a:r>
+          </a:p>
+          <a:p>
+            <a:pPr lvl="1"/>
+            <a:r>
+              <a:rPr lang="en-US" dirty="0" smtClean="0"/>
+              <a:t>or use </a:t>
+            </a:r>
+            <a:r>
+              <a:rPr lang="en-US" dirty="0" err="1" smtClean="0"/>
+              <a:t>ormFlush</a:t>
+            </a:r>
+            <a:r>
+              <a:rPr lang="en-US" dirty="0" smtClean="0"/>
+              <a:t>()</a:t>
+            </a:r>
+          </a:p>
+          <a:p>
             <a:endParaRPr lang="en-US" dirty="0"/>
+          </a:p>
+          <a:p>
+            <a:r>
+              <a:rPr lang="en-US" sz="1800" dirty="0" smtClean="0"/>
+              <a:t>(Some would say you should wrap </a:t>
+            </a:r>
+            <a:r>
+              <a:rPr lang="en-US" sz="1800" b="1" dirty="0" smtClean="0"/>
+              <a:t>ALL</a:t>
+            </a:r>
+            <a:r>
+              <a:rPr lang="en-US" sz="1800" dirty="0" smtClean="0"/>
+              <a:t> state mutation in a transaction)</a:t>
+            </a:r>
+            <a:endParaRPr lang="en-US" sz="1800" dirty="0"/>
           </a:p>
         </p:txBody>
       </p:sp>
@@ -18112,11 +18136,7 @@
             <a:pPr lvl="1"/>
             <a:r>
               <a:rPr lang="en-US" dirty="0" smtClean="0"/>
-              <a:t>You’re setting a simple value when it expects </a:t>
-            </a:r>
-            <a:r>
-              <a:rPr lang="en-US" smtClean="0"/>
-              <a:t>an object</a:t>
+              <a:t>You’re setting a simple value when it expects an object</a:t>
             </a:r>
             <a:endParaRPr lang="en-US" dirty="0"/>
           </a:p>
@@ -18149,7 +18169,15 @@
             </a:r>
             <a:r>
               <a:rPr lang="en-US" dirty="0" smtClean="0"/>
-              <a:t>(“null”,”) );</a:t>
+              <a:t>(“null</a:t>
+            </a:r>
+            <a:r>
+              <a:rPr lang="en-US" dirty="0"/>
+              <a:t>”, “”) </a:t>
+            </a:r>
+            <a:r>
+              <a:rPr lang="en-US" dirty="0" smtClean="0"/>
+              <a:t>);</a:t>
             </a:r>
           </a:p>
           <a:p>
@@ -18729,7 +18757,7 @@
         </p:spPr>
         <p:txBody>
           <a:bodyPr>
-            <a:normAutofit fontScale="85000" lnSpcReduction="20000"/>
+            <a:normAutofit fontScale="77500" lnSpcReduction="20000"/>
           </a:bodyPr>
           <a:lstStyle/>
           <a:p>
@@ -18759,29 +18787,12 @@
               <a:rPr lang="en-US" dirty="0" smtClean="0"/>
               <a:t>-di; bi-di only</a:t>
             </a:r>
-            <a:endParaRPr lang="en-US" dirty="0" smtClean="0"/>
           </a:p>
           <a:p>
             <a:pPr lvl="1"/>
             <a:r>
               <a:rPr lang="en-US" dirty="0" smtClean="0"/>
-              <a:t>Express </a:t>
-            </a:r>
-            <a:r>
-              <a:rPr lang="en-US" smtClean="0"/>
-              <a:t>bi-di </a:t>
-            </a:r>
-            <a:r>
-              <a:rPr lang="en-US" smtClean="0"/>
-              <a:t>with </a:t>
-            </a:r>
-            <a:r>
-              <a:rPr lang="en-US" smtClean="0"/>
-              <a:t>SQL </a:t>
-            </a:r>
-            <a:r>
-              <a:rPr lang="en-US" dirty="0" smtClean="0"/>
-              <a:t>(often with joins)</a:t>
+              <a:t>Express bi-di with SQL (often with joins)</a:t>
             </a:r>
           </a:p>
           <a:p>
@@ -18796,15 +18807,7 @@
             </a:r>
             <a:r>
               <a:rPr lang="en-US" dirty="0" smtClean="0"/>
-              <a:t> </a:t>
-            </a:r>
-            <a:r>
-              <a:rPr lang="en-US" dirty="0"/>
-              <a:t>= </a:t>
-            </a:r>
-            <a:r>
-              <a:rPr lang="en-US" dirty="0" smtClean="0"/>
-              <a:t>? ”</a:t>
+              <a:t> = ? ”</a:t>
             </a:r>
           </a:p>
           <a:p>
@@ -18816,7 +18819,7 @@
           <a:p>
             <a:r>
               <a:rPr lang="en-US" b="1" dirty="0" smtClean="0"/>
-              <a:t>Three Knobs:</a:t>
+              <a:t>Four Knobs:</a:t>
             </a:r>
           </a:p>
           <a:p>
@@ -18855,6 +18858,42 @@
               <a:rPr lang="en-US" dirty="0" smtClean="0"/>
               <a:t> = CFC Name of the related entity</a:t>
             </a:r>
+          </a:p>
+          <a:p>
+            <a:pPr lvl="1"/>
+            <a:r>
+              <a:rPr lang="en-US" b="1" dirty="0" err="1" smtClean="0"/>
+              <a:t>singularName</a:t>
+            </a:r>
+            <a:r>
+              <a:rPr lang="en-US" dirty="0" smtClean="0"/>
+              <a:t> = how to refer to single members of this collection</a:t>
+            </a:r>
+            <a:endParaRPr lang="en-US" b="1" dirty="0" smtClean="0"/>
+          </a:p>
+          <a:p>
+            <a:r>
+              <a:rPr lang="en-US" dirty="0" smtClean="0"/>
+              <a:t>And one </a:t>
+            </a:r>
+            <a:r>
+              <a:rPr lang="en-US" b="1" dirty="0" smtClean="0"/>
+              <a:t>devil knob named ‘inverse’ </a:t>
+            </a:r>
+            <a:r>
+              <a:rPr lang="en-US" dirty="0" smtClean="0"/>
+              <a:t>to be discussed later</a:t>
+            </a:r>
+            <a:r>
+              <a:rPr lang="en-US" b="1" dirty="0" smtClean="0"/>
+              <a:t>	</a:t>
+            </a:r>
+            <a:endParaRPr lang="en-US" dirty="0" smtClean="0"/>
+          </a:p>
+          <a:p>
+            <a:endParaRPr lang="en-US" b="1" dirty="0"/>
+          </a:p>
+          <a:p>
             <a:endParaRPr lang="en-US" b="1" dirty="0" smtClean="0"/>
           </a:p>
           <a:p>
@@ -19646,7 +19685,7 @@
         </p:spPr>
         <p:txBody>
           <a:bodyPr>
-            <a:normAutofit fontScale="92500" lnSpcReduction="20000"/>
+            <a:normAutofit fontScale="85000" lnSpcReduction="20000"/>
           </a:bodyPr>
           <a:lstStyle/>
           <a:p>
@@ -19724,7 +19763,27 @@
             <a:pPr lvl="1"/>
             <a:r>
               <a:rPr lang="en-US" b="1" dirty="0" smtClean="0"/>
-              <a:t>Then, you simply one-to-many on that Join Entity</a:t>
+              <a:t>Then, you simply one-to-many on that Join </a:t>
+            </a:r>
+            <a:r>
+              <a:rPr lang="en-US" b="1" dirty="0" smtClean="0"/>
+              <a:t>Entity</a:t>
+            </a:r>
+            <a:endParaRPr lang="en-US" b="1" dirty="0" smtClean="0"/>
+          </a:p>
+          <a:p>
+            <a:pPr lvl="1"/>
+            <a:r>
+              <a:rPr lang="en-US" b="1" dirty="0" smtClean="0"/>
+              <a:t>Your “Join Entity” will comprise TWO </a:t>
+            </a:r>
+            <a:r>
+              <a:rPr lang="en-US" b="1" dirty="0" smtClean="0"/>
+              <a:t>many-to-one </a:t>
+            </a:r>
+            <a:r>
+              <a:rPr lang="en-US" b="1" dirty="0" smtClean="0"/>
+              <a:t>relationships</a:t>
             </a:r>
             <a:endParaRPr lang="en-US" b="1" dirty="0"/>
           </a:p>
@@ -20164,22 +20223,22 @@
           <a:p>
             <a:pPr lvl="1"/>
             <a:r>
-              <a:rPr lang="en-US" dirty="0" smtClean="0"/>
-              <a:t> if you plan to add or delete “Collection members”</a:t>
-            </a:r>
-          </a:p>
-          <a:p>
-            <a:pPr lvl="1"/>
-            <a:r>
-              <a:rPr lang="en-US" dirty="0" smtClean="0"/>
-              <a:t>i.e. object1.addObject2( object2 ) ;</a:t>
-            </a:r>
-          </a:p>
-          <a:p>
-            <a:pPr lvl="1"/>
-            <a:r>
               <a:rPr lang="en-US" b="1" dirty="0" smtClean="0"/>
               <a:t>You need inverse=true</a:t>
+            </a:r>
+          </a:p>
+          <a:p>
+            <a:pPr lvl="1"/>
+            <a:r>
+              <a:rPr lang="en-US" b="1" dirty="0" smtClean="0"/>
+              <a:t>Always</a:t>
+            </a:r>
+          </a:p>
+          <a:p>
+            <a:pPr lvl="1"/>
+            <a:r>
+              <a:rPr lang="en-US" b="1" dirty="0" smtClean="0"/>
+              <a:t>No Exceptions</a:t>
             </a:r>
           </a:p>
           <a:p>
@@ -20240,6 +20299,13 @@
   <p:clrMapOvr>
     <a:masterClrMapping/>
   </p:clrMapOvr>
+  <p:timing>
+    <p:tnLst>
+      <p:par>
+        <p:cTn id="1" dur="indefinite" restart="never" nodeType="tmRoot"/>
+      </p:par>
+    </p:tnLst>
+  </p:timing>
 </p:sld>
 </file>
 
@@ -20612,7 +20678,52 @@
           <a:p>
             <a:r>
               <a:rPr lang="en-US" dirty="0" smtClean="0"/>
-              <a:t>Use plain old index loops</a:t>
+              <a:t>Use plain old index </a:t>
+            </a:r>
+            <a:r>
+              <a:rPr lang="en-US" dirty="0" smtClean="0"/>
+              <a:t>loops</a:t>
+            </a:r>
+          </a:p>
+          <a:p>
+            <a:endParaRPr lang="en-US" dirty="0"/>
+          </a:p>
+          <a:p>
+            <a:r>
+              <a:rPr lang="en-US" dirty="0" smtClean="0"/>
+              <a:t>If you use </a:t>
+            </a:r>
+            <a:r>
+              <a:rPr lang="en-US" dirty="0" err="1" smtClean="0"/>
+              <a:t>entityDelete</a:t>
+            </a:r>
+            <a:r>
+              <a:rPr lang="en-US" dirty="0" smtClean="0"/>
+              <a:t>() on a collection item and get “entity would </a:t>
+            </a:r>
+            <a:r>
+              <a:rPr lang="en-US" smtClean="0"/>
+              <a:t>be resaved…”, </a:t>
+            </a:r>
+            <a:r>
+              <a:rPr lang="en-US" dirty="0" smtClean="0"/>
+              <a:t>you must also remove that item from the collection via </a:t>
+            </a:r>
+            <a:r>
+              <a:rPr lang="en-US" dirty="0" err="1" smtClean="0"/>
+              <a:t>removeXXX</a:t>
+            </a:r>
+            <a:r>
+              <a:rPr lang="en-US" dirty="0" smtClean="0"/>
+              <a:t>(XXX) or </a:t>
+            </a:r>
+            <a:r>
+              <a:rPr lang="en-US" dirty="0" err="1" smtClean="0"/>
+              <a:t>arrayDeleteAt</a:t>
+            </a:r>
+            <a:r>
+              <a:rPr lang="en-US" dirty="0" smtClean="0"/>
+              <a:t>(…)</a:t>
             </a:r>
             <a:endParaRPr lang="en-US" dirty="0"/>
           </a:p>
@@ -20660,6 +20771,13 @@
   <p:clrMapOvr>
     <a:masterClrMapping/>
   </p:clrMapOvr>
+  <p:timing>
+    <p:tnLst>
+      <p:par>
+        <p:cTn id="1" dur="indefinite" restart="never" nodeType="tmRoot"/>
+      </p:par>
+    </p:tnLst>
+  </p:timing>
 </p:sld>
 </file>
 
@@ -21206,6 +21324,13 @@
   <p:clrMapOvr>
     <a:masterClrMapping/>
   </p:clrMapOvr>
+  <p:timing>
+    <p:tnLst>
+      <p:par>
+        <p:cTn id="1" dur="indefinite" restart="never" nodeType="tmRoot"/>
+      </p:par>
+    </p:tnLst>
+  </p:timing>
 </p:sld>
 </file>
 
@@ -22047,14 +22172,135 @@
         </p:nvSpPr>
         <p:spPr/>
         <p:txBody>
-          <a:bodyPr/>
+          <a:bodyPr>
+            <a:normAutofit/>
+          </a:bodyPr>
           <a:lstStyle/>
           <a:p>
             <a:r>
-              <a:rPr lang="en-US" dirty="0" smtClean="0"/>
-              <a:t>Links for just about everything I’m showing today will go here</a:t>
-            </a:r>
-            <a:endParaRPr lang="en-US" dirty="0"/>
+              <a:rPr lang="en-US" sz="1400" dirty="0">
+                <a:hlinkClick r:id="rId2"/>
+              </a:rPr>
+              <a:t>http://www.barneyb.com/barneyblog/category/orm</a:t>
+            </a:r>
+            <a:r>
+              <a:rPr lang="en-US" sz="1400" dirty="0" smtClean="0">
+                <a:hlinkClick r:id="rId2"/>
+              </a:rPr>
+              <a:t>/</a:t>
+            </a:r>
+            <a:r>
+              <a:rPr lang="en-US" sz="1400" dirty="0" smtClean="0"/>
+              <a:t> -- transactions, inverse, one-to-many, domain model integrity, </a:t>
+            </a:r>
+            <a:r>
+              <a:rPr lang="en-US" sz="1400" dirty="0" err="1" smtClean="0"/>
+              <a:t>etc</a:t>
+            </a:r>
+            <a:endParaRPr lang="en-US" sz="1400" dirty="0" smtClean="0"/>
+          </a:p>
+          <a:p>
+            <a:r>
+              <a:rPr lang="en-US" sz="1400" dirty="0">
+                <a:hlinkClick r:id="rId3"/>
+              </a:rPr>
+              <a:t>http://</a:t>
+            </a:r>
+            <a:r>
+              <a:rPr lang="en-US" sz="1400" dirty="0" smtClean="0">
+                <a:hlinkClick r:id="rId3"/>
+              </a:rPr>
+              <a:t>www.silverwareconsulting.com/index.cfm/CF-ORM-Integration</a:t>
+            </a:r>
+            <a:r>
+              <a:rPr lang="en-US" sz="1400" dirty="0" smtClean="0"/>
+              <a:t> -- every darn thing</a:t>
+            </a:r>
+          </a:p>
+          <a:p>
+            <a:r>
+              <a:rPr lang="en-US" sz="1400" dirty="0">
+                <a:hlinkClick r:id="rId4"/>
+              </a:rPr>
+              <a:t>http://www.compoundtheory.com/?</a:t>
+            </a:r>
+            <a:r>
+              <a:rPr lang="en-US" sz="1400" dirty="0" smtClean="0">
+                <a:hlinkClick r:id="rId4"/>
+              </a:rPr>
+              <a:t>action=displayPost&amp;ID=419</a:t>
+            </a:r>
+            <a:r>
+              <a:rPr lang="en-US" sz="1400" dirty="0" smtClean="0"/>
+              <a:t> – Hibernate Sessions and Object State</a:t>
+            </a:r>
+          </a:p>
+          <a:p>
+            <a:r>
+              <a:rPr lang="en-US" sz="1400" dirty="0">
+                <a:hlinkClick r:id="rId5"/>
+              </a:rPr>
+              <a:t>http://</a:t>
+            </a:r>
+            <a:r>
+              <a:rPr lang="en-US" sz="1400" dirty="0" smtClean="0">
+                <a:hlinkClick r:id="rId5"/>
+              </a:rPr>
+              <a:t>www.briankotek.com/blog/index.cfm/ObjectRelational-Mapping</a:t>
+            </a:r>
+            <a:r>
+              <a:rPr lang="en-US" sz="1400" dirty="0" smtClean="0"/>
+              <a:t> -- </a:t>
+            </a:r>
+            <a:r>
+              <a:rPr lang="en-US" sz="1400" dirty="0" err="1" smtClean="0"/>
+              <a:t>Bidi</a:t>
+            </a:r>
+            <a:r>
+              <a:rPr lang="en-US" sz="1400" dirty="0" smtClean="0"/>
+              <a:t> relationships, HQL</a:t>
+            </a:r>
+          </a:p>
+          <a:p>
+            <a:r>
+              <a:rPr lang="en-US" sz="1400" dirty="0">
+                <a:hlinkClick r:id="rId6"/>
+              </a:rPr>
+              <a:t>http://www.mkyong.com/hibernate/inverse-true-example-and-explanation</a:t>
+            </a:r>
+            <a:r>
+              <a:rPr lang="en-US" sz="1400" dirty="0" smtClean="0">
+                <a:hlinkClick r:id="rId6"/>
+              </a:rPr>
+              <a:t>/</a:t>
+            </a:r>
+            <a:r>
+              <a:rPr lang="en-US" sz="1400" dirty="0" smtClean="0"/>
+              <a:t> -- inverse=“true” and “relationship owner”</a:t>
+            </a:r>
+          </a:p>
+          <a:p>
+            <a:r>
+              <a:rPr lang="en-US" sz="1400" dirty="0">
+                <a:hlinkClick r:id="rId7"/>
+              </a:rPr>
+              <a:t>http://</a:t>
+            </a:r>
+            <a:r>
+              <a:rPr lang="en-US" sz="1400" dirty="0" smtClean="0">
+                <a:hlinkClick r:id="rId7"/>
+              </a:rPr>
+              <a:t>www.aliaspooryorik.com/blog/index.cfm/category/hibernate-25</a:t>
+            </a:r>
+            <a:r>
+              <a:rPr lang="en-US" sz="1400" dirty="0" smtClean="0"/>
+              <a:t> -- lots of useful tips on HQL, collections, logging</a:t>
+            </a:r>
+            <a:r>
+              <a:rPr lang="en-US" sz="1400" smtClean="0"/>
+              <a:t>, nested-set model, etc.</a:t>
+            </a:r>
+            <a:endParaRPr lang="en-US" sz="1400" dirty="0"/>
           </a:p>
         </p:txBody>
       </p:sp>
@@ -22091,6 +22337,13 @@
   <p:clrMapOvr>
     <a:masterClrMapping/>
   </p:clrMapOvr>
+  <p:timing>
+    <p:tnLst>
+      <p:par>
+        <p:cTn id="1" dur="indefinite" restart="never" nodeType="tmRoot"/>
+      </p:par>
+    </p:tnLst>
+  </p:timing>
 </p:sld>
 </file>
 

--- a/CFObjective_ORMZen/preso/orm_zen.ppt.pptx
+++ b/CFObjective_ORMZen/preso/orm_zen.ppt.pptx
@@ -18,56 +18,54 @@
     <p:sldId id="263" r:id="rId12"/>
     <p:sldId id="266" r:id="rId13"/>
     <p:sldId id="267" r:id="rId14"/>
-    <p:sldId id="296" r:id="rId15"/>
-    <p:sldId id="268" r:id="rId16"/>
-    <p:sldId id="280" r:id="rId17"/>
-    <p:sldId id="285" r:id="rId18"/>
-    <p:sldId id="281" r:id="rId19"/>
-    <p:sldId id="286" r:id="rId20"/>
-    <p:sldId id="314" r:id="rId21"/>
-    <p:sldId id="294" r:id="rId22"/>
-    <p:sldId id="269" r:id="rId23"/>
-    <p:sldId id="273" r:id="rId24"/>
-    <p:sldId id="274" r:id="rId25"/>
-    <p:sldId id="297" r:id="rId26"/>
-    <p:sldId id="279" r:id="rId27"/>
-    <p:sldId id="298" r:id="rId28"/>
-    <p:sldId id="282" r:id="rId29"/>
-    <p:sldId id="283" r:id="rId30"/>
-    <p:sldId id="293" r:id="rId31"/>
-    <p:sldId id="299" r:id="rId32"/>
-    <p:sldId id="328" r:id="rId33"/>
-    <p:sldId id="284" r:id="rId34"/>
-    <p:sldId id="300" r:id="rId35"/>
-    <p:sldId id="287" r:id="rId36"/>
-    <p:sldId id="290" r:id="rId37"/>
-    <p:sldId id="289" r:id="rId38"/>
-    <p:sldId id="291" r:id="rId39"/>
-    <p:sldId id="301" r:id="rId40"/>
-    <p:sldId id="302" r:id="rId41"/>
-    <p:sldId id="303" r:id="rId42"/>
-    <p:sldId id="316" r:id="rId43"/>
-    <p:sldId id="317" r:id="rId44"/>
-    <p:sldId id="318" r:id="rId45"/>
-    <p:sldId id="319" r:id="rId46"/>
-    <p:sldId id="320" r:id="rId47"/>
-    <p:sldId id="321" r:id="rId48"/>
-    <p:sldId id="322" r:id="rId49"/>
-    <p:sldId id="323" r:id="rId50"/>
-    <p:sldId id="325" r:id="rId51"/>
-    <p:sldId id="326" r:id="rId52"/>
-    <p:sldId id="327" r:id="rId53"/>
-    <p:sldId id="315" r:id="rId54"/>
-    <p:sldId id="312" r:id="rId55"/>
-    <p:sldId id="324" r:id="rId56"/>
-    <p:sldId id="304" r:id="rId57"/>
-    <p:sldId id="305" r:id="rId58"/>
-    <p:sldId id="306" r:id="rId59"/>
-    <p:sldId id="307" r:id="rId60"/>
-    <p:sldId id="308" r:id="rId61"/>
-    <p:sldId id="309" r:id="rId62"/>
-    <p:sldId id="310" r:id="rId63"/>
-    <p:sldId id="311" r:id="rId64"/>
+    <p:sldId id="268" r:id="rId15"/>
+    <p:sldId id="285" r:id="rId16"/>
+    <p:sldId id="281" r:id="rId17"/>
+    <p:sldId id="314" r:id="rId18"/>
+    <p:sldId id="294" r:id="rId19"/>
+    <p:sldId id="269" r:id="rId20"/>
+    <p:sldId id="273" r:id="rId21"/>
+    <p:sldId id="274" r:id="rId22"/>
+    <p:sldId id="279" r:id="rId23"/>
+    <p:sldId id="298" r:id="rId24"/>
+    <p:sldId id="282" r:id="rId25"/>
+    <p:sldId id="283" r:id="rId26"/>
+    <p:sldId id="299" r:id="rId27"/>
+    <p:sldId id="328" r:id="rId28"/>
+    <p:sldId id="284" r:id="rId29"/>
+    <p:sldId id="300" r:id="rId30"/>
+    <p:sldId id="287" r:id="rId31"/>
+    <p:sldId id="290" r:id="rId32"/>
+    <p:sldId id="289" r:id="rId33"/>
+    <p:sldId id="291" r:id="rId34"/>
+    <p:sldId id="301" r:id="rId35"/>
+    <p:sldId id="302" r:id="rId36"/>
+    <p:sldId id="303" r:id="rId37"/>
+    <p:sldId id="316" r:id="rId38"/>
+    <p:sldId id="317" r:id="rId39"/>
+    <p:sldId id="318" r:id="rId40"/>
+    <p:sldId id="319" r:id="rId41"/>
+    <p:sldId id="330" r:id="rId42"/>
+    <p:sldId id="331" r:id="rId43"/>
+    <p:sldId id="320" r:id="rId44"/>
+    <p:sldId id="321" r:id="rId45"/>
+    <p:sldId id="322" r:id="rId46"/>
+    <p:sldId id="323" r:id="rId47"/>
+    <p:sldId id="325" r:id="rId48"/>
+    <p:sldId id="326" r:id="rId49"/>
+    <p:sldId id="327" r:id="rId50"/>
+    <p:sldId id="329" r:id="rId51"/>
+    <p:sldId id="315" r:id="rId52"/>
+    <p:sldId id="312" r:id="rId53"/>
+    <p:sldId id="324" r:id="rId54"/>
+    <p:sldId id="304" r:id="rId55"/>
+    <p:sldId id="305" r:id="rId56"/>
+    <p:sldId id="306" r:id="rId57"/>
+    <p:sldId id="307" r:id="rId58"/>
+    <p:sldId id="308" r:id="rId59"/>
+    <p:sldId id="309" r:id="rId60"/>
+    <p:sldId id="310" r:id="rId61"/>
+    <p:sldId id="311" r:id="rId62"/>
   </p:sldIdLst>
   <p:sldSz cx="9144000" cy="6858000" type="screen4x3"/>
   <p:notesSz cx="6858000" cy="9144000"/>
@@ -1981,7 +1979,7 @@
           <a:p>
             <a:fld id="{8D079CED-E0C8-4B3D-AB1E-914A2D354D81}" type="datetimeFigureOut">
               <a:rPr lang="en-US" smtClean="0"/>
-              <a:t>5/5/2011</a:t>
+              <a:t>5/8/2011</a:t>
             </a:fld>
             <a:endParaRPr lang="en-US"/>
           </a:p>
@@ -2162,7 +2160,7 @@
           <a:p>
             <a:fld id="{8D079CED-E0C8-4B3D-AB1E-914A2D354D81}" type="datetimeFigureOut">
               <a:rPr lang="en-US" smtClean="0"/>
-              <a:t>5/5/2011</a:t>
+              <a:t>5/8/2011</a:t>
             </a:fld>
             <a:endParaRPr lang="en-US"/>
           </a:p>
@@ -2313,7 +2311,7 @@
           <a:p>
             <a:fld id="{8D079CED-E0C8-4B3D-AB1E-914A2D354D81}" type="datetimeFigureOut">
               <a:rPr lang="en-US" smtClean="0"/>
-              <a:t>5/5/2011</a:t>
+              <a:t>5/8/2011</a:t>
             </a:fld>
             <a:endParaRPr lang="en-US"/>
           </a:p>
@@ -4139,7 +4137,7 @@
           <a:p>
             <a:fld id="{8D079CED-E0C8-4B3D-AB1E-914A2D354D81}" type="datetimeFigureOut">
               <a:rPr lang="en-US" smtClean="0"/>
-              <a:t>5/5/2011</a:t>
+              <a:t>5/8/2011</a:t>
             </a:fld>
             <a:endParaRPr lang="en-US"/>
           </a:p>
@@ -6009,7 +6007,7 @@
           <a:p>
             <a:fld id="{8D079CED-E0C8-4B3D-AB1E-914A2D354D81}" type="datetimeFigureOut">
               <a:rPr lang="en-US" smtClean="0"/>
-              <a:t>5/5/2011</a:t>
+              <a:t>5/8/2011</a:t>
             </a:fld>
             <a:endParaRPr lang="en-US"/>
           </a:p>
@@ -6122,7 +6120,7 @@
           <a:p>
             <a:fld id="{8D079CED-E0C8-4B3D-AB1E-914A2D354D81}" type="datetimeFigureOut">
               <a:rPr lang="en-US" smtClean="0"/>
-              <a:t>5/5/2011</a:t>
+              <a:t>5/8/2011</a:t>
             </a:fld>
             <a:endParaRPr lang="en-US"/>
           </a:p>
@@ -6663,7 +6661,7 @@
           <a:p>
             <a:fld id="{8D079CED-E0C8-4B3D-AB1E-914A2D354D81}" type="datetimeFigureOut">
               <a:rPr lang="en-US" smtClean="0"/>
-              <a:t>5/5/2011</a:t>
+              <a:t>5/8/2011</a:t>
             </a:fld>
             <a:endParaRPr lang="en-US"/>
           </a:p>
@@ -6776,7 +6774,7 @@
           <a:p>
             <a:fld id="{8D079CED-E0C8-4B3D-AB1E-914A2D354D81}" type="datetimeFigureOut">
               <a:rPr lang="en-US" smtClean="0"/>
-              <a:t>5/5/2011</a:t>
+              <a:t>5/8/2011</a:t>
             </a:fld>
             <a:endParaRPr lang="en-US"/>
           </a:p>
@@ -8487,7 +8485,7 @@
           <a:p>
             <a:fld id="{8D079CED-E0C8-4B3D-AB1E-914A2D354D81}" type="datetimeFigureOut">
               <a:rPr lang="en-US" smtClean="0"/>
-              <a:t>5/5/2011</a:t>
+              <a:t>5/8/2011</a:t>
             </a:fld>
             <a:endParaRPr lang="en-US"/>
           </a:p>
@@ -8638,7 +8636,7 @@
           <a:p>
             <a:fld id="{8D079CED-E0C8-4B3D-AB1E-914A2D354D81}" type="datetimeFigureOut">
               <a:rPr lang="en-US" smtClean="0"/>
-              <a:t>5/5/2011</a:t>
+              <a:t>5/8/2011</a:t>
             </a:fld>
             <a:endParaRPr lang="en-US"/>
           </a:p>
@@ -12253,7 +12251,7 @@
           <a:p>
             <a:fld id="{8D079CED-E0C8-4B3D-AB1E-914A2D354D81}" type="datetimeFigureOut">
               <a:rPr lang="en-US" smtClean="0"/>
-              <a:t>5/5/2011</a:t>
+              <a:t>5/8/2011</a:t>
             </a:fld>
             <a:endParaRPr lang="en-US"/>
           </a:p>
@@ -14112,7 +14110,7 @@
           <a:p>
             <a:fld id="{8D079CED-E0C8-4B3D-AB1E-914A2D354D81}" type="datetimeFigureOut">
               <a:rPr lang="en-US" smtClean="0"/>
-              <a:t>5/5/2011</a:t>
+              <a:t>5/8/2011</a:t>
             </a:fld>
             <a:endParaRPr lang="en-US"/>
           </a:p>
@@ -15577,72 +15575,78 @@
             <p:ph idx="1"/>
           </p:nvPr>
         </p:nvSpPr>
-        <p:spPr>
-          <a:xfrm>
-            <a:off x="872067" y="2438400"/>
-            <a:ext cx="7408333" cy="4114800"/>
-          </a:xfrm>
-        </p:spPr>
+        <p:spPr/>
         <p:txBody>
-          <a:bodyPr>
-            <a:normAutofit fontScale="92500"/>
-          </a:bodyPr>
+          <a:bodyPr/>
           <a:lstStyle/>
           <a:p>
-            <a:r>
-              <a:rPr lang="en-US" dirty="0" smtClean="0"/>
-              <a:t>Don’t let CF auto-flush the Hibernate session</a:t>
-            </a:r>
-          </a:p>
-          <a:p>
-            <a:pPr lvl="1"/>
-            <a:r>
-              <a:rPr lang="en-US" dirty="0" smtClean="0"/>
-              <a:t>always use transactions</a:t>
-            </a:r>
-          </a:p>
-          <a:p>
-            <a:r>
-              <a:rPr lang="en-US" dirty="0" smtClean="0"/>
-              <a:t>Use one-to-many sparingly; I try to use them only when I need to save relationships through them</a:t>
-            </a:r>
-          </a:p>
-          <a:p>
-            <a:r>
-              <a:rPr lang="en-US" dirty="0" smtClean="0"/>
-              <a:t>Inverse=true is essential on bi-di relationships</a:t>
-            </a:r>
-          </a:p>
-          <a:p>
-            <a:r>
-              <a:rPr lang="en-US" dirty="0" smtClean="0"/>
-              <a:t>Not setting “cascade” on one-to-many relationships will cause collection members not to save or delete</a:t>
-            </a:r>
-          </a:p>
-          <a:p>
-            <a:r>
-              <a:rPr lang="en-US" dirty="0" smtClean="0"/>
-              <a:t>Deleting from one-to-many is simply not simple</a:t>
-            </a:r>
-          </a:p>
-          <a:p>
-            <a:r>
-              <a:rPr lang="en-US" dirty="0" smtClean="0"/>
-              <a:t>“</a:t>
-            </a:r>
-            <a:r>
-              <a:rPr lang="en-US" dirty="0" err="1" smtClean="0"/>
-              <a:t>linktable</a:t>
-            </a:r>
-            <a:r>
-              <a:rPr lang="en-US" dirty="0" smtClean="0"/>
-              <a:t>” is rarely useful… often you need a “join entity”</a:t>
-            </a:r>
-          </a:p>
-          <a:p>
-            <a:r>
-              <a:rPr lang="en-US" dirty="0" smtClean="0"/>
-              <a:t>Don’t store ORM objects in the session scope. Ever.</a:t>
+            <a:pPr marL="457200" indent="-457200">
+              <a:buFont typeface="+mj-lt"/>
+              <a:buAutoNum type="arabicPeriod"/>
+            </a:pPr>
+            <a:r>
+              <a:rPr lang="en-US" b="1" dirty="0" smtClean="0"/>
+              <a:t> ORM Settings -- Control the Session Flush</a:t>
+            </a:r>
+          </a:p>
+          <a:p>
+            <a:pPr marL="457200" indent="-457200">
+              <a:buFont typeface="+mj-lt"/>
+              <a:buAutoNum type="arabicPeriod"/>
+            </a:pPr>
+            <a:r>
+              <a:rPr lang="en-US" dirty="0" smtClean="0"/>
+              <a:t>Many-to-One Relationships</a:t>
+            </a:r>
+          </a:p>
+          <a:p>
+            <a:pPr marL="457200" indent="-457200">
+              <a:buFont typeface="+mj-lt"/>
+              <a:buAutoNum type="arabicPeriod"/>
+            </a:pPr>
+            <a:r>
+              <a:rPr lang="en-US" dirty="0" smtClean="0"/>
+              <a:t>One-to-Many Relationships</a:t>
+            </a:r>
+          </a:p>
+          <a:p>
+            <a:pPr marL="457200" indent="-457200">
+              <a:buFont typeface="+mj-lt"/>
+              <a:buAutoNum type="arabicPeriod"/>
+            </a:pPr>
+            <a:r>
+              <a:rPr lang="en-US" dirty="0" smtClean="0"/>
+              <a:t>One-to-Many: Adding to Collections</a:t>
+            </a:r>
+          </a:p>
+          <a:p>
+            <a:pPr marL="457200" indent="-457200">
+              <a:buFont typeface="+mj-lt"/>
+              <a:buAutoNum type="arabicPeriod"/>
+            </a:pPr>
+            <a:r>
+              <a:rPr lang="en-US" dirty="0" smtClean="0"/>
+              <a:t>One-to-Many: inverse and “relationship owner”</a:t>
+            </a:r>
+          </a:p>
+          <a:p>
+            <a:pPr marL="457200" indent="-457200">
+              <a:buFont typeface="+mj-lt"/>
+              <a:buAutoNum type="arabicPeriod"/>
+            </a:pPr>
+            <a:r>
+              <a:rPr lang="en-US" dirty="0" smtClean="0"/>
+              <a:t>One-to-Many: Deleting from Collections</a:t>
+            </a:r>
+          </a:p>
+          <a:p>
+            <a:pPr marL="457200" indent="-457200">
+              <a:buFont typeface="+mj-lt"/>
+              <a:buAutoNum type="arabicPeriod"/>
+            </a:pPr>
+            <a:r>
+              <a:rPr lang="en-US" dirty="0" smtClean="0"/>
+              <a:t>Hibernate Session and the ColdFusion Session scope</a:t>
             </a:r>
             <a:endParaRPr lang="en-US" dirty="0"/>
           </a:p>
@@ -15665,7 +15669,7 @@
           <a:p>
             <a:r>
               <a:rPr lang="en-US" dirty="0" smtClean="0"/>
-              <a:t>Enlightenment, In One Slide</a:t>
+              <a:t>Agenda</a:t>
             </a:r>
             <a:endParaRPr lang="en-US" dirty="0"/>
           </a:p>
@@ -15674,7 +15678,7 @@
     </p:spTree>
     <p:extLst>
       <p:ext uri="{BB962C8B-B14F-4D97-AF65-F5344CB8AC3E}">
-        <p14:creationId xmlns:p14="http://schemas.microsoft.com/office/powerpoint/2010/main" val="1324917369"/>
+        <p14:creationId xmlns:p14="http://schemas.microsoft.com/office/powerpoint/2010/main" val="1217571830"/>
       </p:ext>
     </p:extLst>
   </p:cSld>
@@ -15718,301 +15722,63 @@
             <p:ph idx="1"/>
           </p:nvPr>
         </p:nvSpPr>
-        <p:spPr/>
+        <p:spPr>
+          <a:xfrm>
+            <a:off x="872067" y="2438400"/>
+            <a:ext cx="7408333" cy="3450696"/>
+          </a:xfrm>
+        </p:spPr>
         <p:txBody>
           <a:bodyPr/>
           <a:lstStyle/>
           <a:p>
-            <a:pPr marL="457200" indent="-457200">
-              <a:buFont typeface="+mj-lt"/>
-              <a:buAutoNum type="arabicPeriod"/>
+            <a:pPr marL="0" indent="0" algn="ctr">
+              <a:buNone/>
             </a:pPr>
             <a:r>
-              <a:rPr lang="en-US" b="1" dirty="0" smtClean="0"/>
-              <a:t> ORM Settings -- Control the Session Flush</a:t>
-            </a:r>
-          </a:p>
-          <a:p>
-            <a:pPr marL="457200" indent="-457200">
-              <a:buFont typeface="+mj-lt"/>
-              <a:buAutoNum type="arabicPeriod"/>
-            </a:pPr>
-            <a:r>
-              <a:rPr lang="en-US" dirty="0" smtClean="0"/>
-              <a:t>Many-to-One Relationships</a:t>
-            </a:r>
-          </a:p>
-          <a:p>
-            <a:pPr marL="457200" indent="-457200">
-              <a:buFont typeface="+mj-lt"/>
-              <a:buAutoNum type="arabicPeriod"/>
-            </a:pPr>
-            <a:r>
-              <a:rPr lang="en-US" dirty="0" smtClean="0"/>
-              <a:t>One-to-Many Intro: Bidirectional relationships</a:t>
-            </a:r>
-          </a:p>
-          <a:p>
-            <a:pPr marL="457200" indent="-457200">
-              <a:buFont typeface="+mj-lt"/>
-              <a:buAutoNum type="arabicPeriod"/>
-            </a:pPr>
-            <a:r>
-              <a:rPr lang="en-US" dirty="0" smtClean="0"/>
-              <a:t>One-to-Many: Adding to Collections</a:t>
-            </a:r>
-          </a:p>
-          <a:p>
-            <a:pPr marL="457200" indent="-457200">
-              <a:buFont typeface="+mj-lt"/>
-              <a:buAutoNum type="arabicPeriod"/>
-            </a:pPr>
-            <a:r>
-              <a:rPr lang="en-US" dirty="0" smtClean="0"/>
-              <a:t>One-to-Many: inverse and “relationship owner”</a:t>
-            </a:r>
-          </a:p>
-          <a:p>
-            <a:pPr marL="457200" indent="-457200">
-              <a:buFont typeface="+mj-lt"/>
-              <a:buAutoNum type="arabicPeriod"/>
-            </a:pPr>
-            <a:r>
-              <a:rPr lang="en-US" dirty="0" smtClean="0"/>
-              <a:t>One-to-Many: Deleting from Collections</a:t>
-            </a:r>
-          </a:p>
-          <a:p>
-            <a:pPr marL="457200" indent="-457200">
-              <a:buFont typeface="+mj-lt"/>
-              <a:buAutoNum type="arabicPeriod"/>
-            </a:pPr>
-            <a:r>
-              <a:rPr lang="en-US" dirty="0" smtClean="0"/>
-              <a:t>Hibernate Session and the ColdFusion Session scope</a:t>
-            </a:r>
-            <a:endParaRPr lang="en-US" dirty="0"/>
-          </a:p>
-        </p:txBody>
-      </p:sp>
-      <p:sp>
-        <p:nvSpPr>
-          <p:cNvPr id="3" name="Title 2"/>
-          <p:cNvSpPr>
-            <a:spLocks noGrp="1"/>
-          </p:cNvSpPr>
-          <p:nvPr>
-            <p:ph type="title"/>
-          </p:nvPr>
-        </p:nvSpPr>
-        <p:spPr/>
-        <p:txBody>
-          <a:bodyPr/>
-          <a:lstStyle/>
-          <a:p>
-            <a:r>
-              <a:rPr lang="en-US" dirty="0" smtClean="0"/>
-              <a:t>Agenda</a:t>
-            </a:r>
-            <a:endParaRPr lang="en-US" dirty="0"/>
-          </a:p>
-        </p:txBody>
-      </p:sp>
-    </p:spTree>
-    <p:extLst>
-      <p:ext uri="{BB962C8B-B14F-4D97-AF65-F5344CB8AC3E}">
-        <p14:creationId xmlns:p14="http://schemas.microsoft.com/office/powerpoint/2010/main" val="1217571830"/>
-      </p:ext>
-    </p:extLst>
-  </p:cSld>
-  <p:clrMapOvr>
-    <a:masterClrMapping/>
-  </p:clrMapOvr>
-  <p:timing>
-    <p:tnLst>
-      <p:par>
-        <p:cTn id="1" dur="indefinite" restart="never" nodeType="tmRoot"/>
-      </p:par>
-    </p:tnLst>
-  </p:timing>
-</p:sld>
-</file>
-
-<file path=ppt/slides/slide16.xml><?xml version="1.0" encoding="utf-8"?>
-<p:sld xmlns:a="http://schemas.openxmlformats.org/drawingml/2006/main" xmlns:r="http://schemas.openxmlformats.org/officeDocument/2006/relationships" xmlns:p="http://schemas.openxmlformats.org/presentationml/2006/main">
-  <p:cSld>
-    <p:spTree>
-      <p:nvGrpSpPr>
-        <p:cNvPr id="1" name=""/>
-        <p:cNvGrpSpPr/>
-        <p:nvPr/>
-      </p:nvGrpSpPr>
-      <p:grpSpPr>
-        <a:xfrm>
-          <a:off x="0" y="0"/>
-          <a:ext cx="0" cy="0"/>
-          <a:chOff x="0" y="0"/>
-          <a:chExt cx="0" cy="0"/>
-        </a:xfrm>
-      </p:grpSpPr>
-      <p:sp>
-        <p:nvSpPr>
-          <p:cNvPr id="2" name="Content Placeholder 1"/>
-          <p:cNvSpPr>
-            <a:spLocks noGrp="1"/>
-          </p:cNvSpPr>
-          <p:nvPr>
-            <p:ph idx="1"/>
-          </p:nvPr>
-        </p:nvSpPr>
-        <p:spPr/>
-        <p:txBody>
-          <a:bodyPr/>
-          <a:lstStyle/>
-          <a:p>
-            <a:r>
-              <a:rPr lang="en-US" dirty="0" smtClean="0"/>
-              <a:t>Demo Time – Let’s meet </a:t>
-            </a:r>
-          </a:p>
-          <a:p>
-            <a:pPr lvl="1"/>
-            <a:r>
-              <a:rPr lang="en-US" dirty="0" smtClean="0"/>
-              <a:t>The Application’s Concept</a:t>
-            </a:r>
-          </a:p>
-          <a:p>
-            <a:pPr lvl="1"/>
-            <a:r>
-              <a:rPr lang="en-US" dirty="0" smtClean="0"/>
-              <a:t>Our Database Tables</a:t>
-            </a:r>
-          </a:p>
-          <a:p>
-            <a:pPr lvl="1"/>
-            <a:r>
-              <a:rPr lang="en-US" dirty="0" smtClean="0"/>
-              <a:t>Our Components</a:t>
-            </a:r>
-          </a:p>
-          <a:p>
-            <a:pPr lvl="1"/>
-            <a:r>
-              <a:rPr lang="en-US" dirty="0" smtClean="0"/>
-              <a:t>Our “workflow”</a:t>
-            </a:r>
-          </a:p>
-        </p:txBody>
-      </p:sp>
-      <p:sp>
-        <p:nvSpPr>
-          <p:cNvPr id="3" name="Title 2"/>
-          <p:cNvSpPr>
-            <a:spLocks noGrp="1"/>
-          </p:cNvSpPr>
-          <p:nvPr>
-            <p:ph type="title"/>
-          </p:nvPr>
-        </p:nvSpPr>
-        <p:spPr/>
-        <p:txBody>
-          <a:bodyPr/>
-          <a:lstStyle/>
-          <a:p>
-            <a:r>
-              <a:rPr lang="en-US" dirty="0" smtClean="0"/>
-              <a:t>Introducing, Our App</a:t>
-            </a:r>
-            <a:endParaRPr lang="en-US" dirty="0"/>
-          </a:p>
-        </p:txBody>
-      </p:sp>
-    </p:spTree>
-    <p:extLst>
-      <p:ext uri="{BB962C8B-B14F-4D97-AF65-F5344CB8AC3E}">
-        <p14:creationId xmlns:p14="http://schemas.microsoft.com/office/powerpoint/2010/main" val="285925"/>
-      </p:ext>
-    </p:extLst>
-  </p:cSld>
-  <p:clrMapOvr>
-    <a:masterClrMapping/>
-  </p:clrMapOvr>
-  <p:timing>
-    <p:tnLst>
-      <p:par>
-        <p:cTn id="1" dur="indefinite" restart="never" nodeType="tmRoot"/>
-      </p:par>
-    </p:tnLst>
-  </p:timing>
-</p:sld>
-</file>
-
-<file path=ppt/slides/slide17.xml><?xml version="1.0" encoding="utf-8"?>
-<p:sld xmlns:a="http://schemas.openxmlformats.org/drawingml/2006/main" xmlns:r="http://schemas.openxmlformats.org/officeDocument/2006/relationships" xmlns:p="http://schemas.openxmlformats.org/presentationml/2006/main">
-  <p:cSld>
-    <p:spTree>
-      <p:nvGrpSpPr>
-        <p:cNvPr id="1" name=""/>
-        <p:cNvGrpSpPr/>
-        <p:nvPr/>
-      </p:nvGrpSpPr>
-      <p:grpSpPr>
-        <a:xfrm>
-          <a:off x="0" y="0"/>
-          <a:ext cx="0" cy="0"/>
-          <a:chOff x="0" y="0"/>
-          <a:chExt cx="0" cy="0"/>
-        </a:xfrm>
-      </p:grpSpPr>
-      <p:sp>
-        <p:nvSpPr>
-          <p:cNvPr id="2" name="Content Placeholder 1"/>
-          <p:cNvSpPr>
-            <a:spLocks noGrp="1"/>
-          </p:cNvSpPr>
-          <p:nvPr>
-            <p:ph idx="1"/>
-          </p:nvPr>
-        </p:nvSpPr>
-        <p:spPr/>
-        <p:txBody>
-          <a:bodyPr/>
-          <a:lstStyle/>
-          <a:p>
+              <a:rPr lang="en-US" sz="3200" dirty="0"/>
+              <a:t>An </a:t>
+            </a:r>
+            <a:r>
+              <a:rPr lang="en-US" sz="3200" dirty="0" smtClean="0"/>
+              <a:t>‘Event </a:t>
+            </a:r>
+            <a:r>
+              <a:rPr lang="en-US" sz="3200" dirty="0"/>
+              <a:t>R</a:t>
+            </a:r>
+            <a:r>
+              <a:rPr lang="en-US" sz="3200" dirty="0" smtClean="0"/>
+              <a:t>egistration</a:t>
+            </a:r>
+            <a:r>
+              <a:rPr lang="en-US" sz="3200" dirty="0"/>
+              <a:t>' </a:t>
+            </a:r>
+            <a:r>
+              <a:rPr lang="en-US" sz="3200" dirty="0" smtClean="0"/>
+              <a:t>system</a:t>
+            </a:r>
+          </a:p>
+          <a:p>
+            <a:endParaRPr lang="en-US" dirty="0" smtClean="0"/>
+          </a:p>
+          <a:p>
+            <a:r>
+              <a:rPr lang="en-US" dirty="0" smtClean="0"/>
+              <a:t>Administrator </a:t>
+            </a:r>
             <a:r>
               <a:rPr lang="en-US" dirty="0"/>
-              <a:t>An </a:t>
-            </a:r>
-            <a:r>
-              <a:rPr lang="en-US" dirty="0" smtClean="0"/>
-              <a:t>‘Event </a:t>
+              <a:t>c</a:t>
+            </a:r>
+            <a:r>
+              <a:rPr lang="en-US" dirty="0" smtClean="0"/>
+              <a:t>an </a:t>
             </a:r>
             <a:r>
               <a:rPr lang="en-US" dirty="0"/>
-              <a:t>R</a:t>
-            </a:r>
-            <a:r>
-              <a:rPr lang="en-US" dirty="0" smtClean="0"/>
-              <a:t>egistration</a:t>
-            </a:r>
-            <a:r>
-              <a:rPr lang="en-US" dirty="0"/>
-              <a:t>' </a:t>
-            </a:r>
-            <a:r>
-              <a:rPr lang="en-US" dirty="0" smtClean="0"/>
-              <a:t>system</a:t>
-            </a:r>
-          </a:p>
-          <a:p>
-            <a:r>
-              <a:rPr lang="en-US" dirty="0" smtClean="0"/>
-              <a:t>‘Administrator</a:t>
-            </a:r>
-            <a:r>
-              <a:rPr lang="en-US" dirty="0"/>
-              <a:t>' Can create and modify </a:t>
+              <a:t>create and modify </a:t>
             </a:r>
             <a:r>
               <a:rPr lang="en-US" dirty="0" smtClean="0"/>
@@ -16020,18 +15786,7 @@
             </a:r>
           </a:p>
           <a:p>
-            <a:r>
-              <a:rPr lang="en-US" dirty="0" smtClean="0"/>
-              <a:t>Create </a:t>
-            </a:r>
-            <a:r>
-              <a:rPr lang="en-US" dirty="0"/>
-              <a:t>and modify </a:t>
-            </a:r>
-            <a:r>
-              <a:rPr lang="en-US" dirty="0" smtClean="0"/>
-              <a:t>attendees</a:t>
-            </a:r>
+            <a:endParaRPr lang="en-US" dirty="0" smtClean="0"/>
           </a:p>
           <a:p>
             <a:r>
@@ -16048,13 +15803,16 @@
             </a:r>
           </a:p>
           <a:p>
-            <a:r>
-              <a:rPr lang="en-US" dirty="0" smtClean="0"/>
-              <a:t>Eventually </a:t>
+            <a:endParaRPr lang="en-US" dirty="0" smtClean="0"/>
+          </a:p>
+          <a:p>
+            <a:r>
+              <a:rPr lang="en-US" dirty="0" smtClean="0"/>
+              <a:t>Attendees can comment </a:t>
             </a:r>
             <a:r>
               <a:rPr lang="en-US" dirty="0"/>
-              <a:t>Attendees will be able to comment on </a:t>
+              <a:t>on </a:t>
             </a:r>
             <a:r>
               <a:rPr lang="en-US" dirty="0" smtClean="0"/>
@@ -16107,7 +15865,7 @@
 </p:sld>
 </file>
 
-<file path=ppt/slides/slide18.xml><?xml version="1.0" encoding="utf-8"?>
+<file path=ppt/slides/slide16.xml><?xml version="1.0" encoding="utf-8"?>
 <p:sld xmlns:a="http://schemas.openxmlformats.org/drawingml/2006/main" xmlns:r="http://schemas.openxmlformats.org/officeDocument/2006/relationships" xmlns:p="http://schemas.openxmlformats.org/presentationml/2006/main" showMasterSp="0">
   <p:cSld>
     <p:spTree>
@@ -16185,7 +15943,7 @@
 </p:sld>
 </file>
 
-<file path=ppt/slides/slide19.xml><?xml version="1.0" encoding="utf-8"?>
+<file path=ppt/slides/slide17.xml><?xml version="1.0" encoding="utf-8"?>
 <p:sld xmlns:a="http://schemas.openxmlformats.org/drawingml/2006/main" xmlns:r="http://schemas.openxmlformats.org/officeDocument/2006/relationships" xmlns:p="http://schemas.openxmlformats.org/presentationml/2006/main">
   <p:cSld>
     <p:spTree>
@@ -16217,10 +15975,73 @@
           <a:bodyPr/>
           <a:lstStyle/>
           <a:p>
-            <a:pPr algn="ctr"/>
-            <a:r>
-              <a:rPr lang="en-US" dirty="0" smtClean="0"/>
-              <a:t>Show The Intro Code</a:t>
+            <a:pPr marL="457200" indent="-457200">
+              <a:buFont typeface="+mj-lt"/>
+              <a:buAutoNum type="arabicPeriod"/>
+            </a:pPr>
+            <a:r>
+              <a:rPr lang="en-US" b="1" dirty="0" smtClean="0"/>
+              <a:t> ORM Settings -- Control the Session Flush</a:t>
+            </a:r>
+          </a:p>
+          <a:p>
+            <a:pPr marL="457200" indent="-457200">
+              <a:buFont typeface="+mj-lt"/>
+              <a:buAutoNum type="arabicPeriod"/>
+            </a:pPr>
+            <a:r>
+              <a:rPr lang="en-US" dirty="0" smtClean="0"/>
+              <a:t>Many-to-One Relationships</a:t>
+            </a:r>
+          </a:p>
+          <a:p>
+            <a:pPr marL="457200" indent="-457200">
+              <a:buFont typeface="+mj-lt"/>
+              <a:buAutoNum type="arabicPeriod"/>
+            </a:pPr>
+            <a:r>
+              <a:rPr lang="en-US" dirty="0" smtClean="0"/>
+              <a:t>One-to-Many Relationships</a:t>
+            </a:r>
+          </a:p>
+          <a:p>
+            <a:pPr marL="457200" indent="-457200">
+              <a:buFont typeface="+mj-lt"/>
+              <a:buAutoNum type="arabicPeriod"/>
+            </a:pPr>
+            <a:r>
+              <a:rPr lang="en-US" dirty="0" smtClean="0"/>
+              <a:t>One-to-Many: Adding to Collections</a:t>
+            </a:r>
+          </a:p>
+          <a:p>
+            <a:pPr marL="457200" indent="-457200">
+              <a:buFont typeface="+mj-lt"/>
+              <a:buAutoNum type="arabicPeriod"/>
+            </a:pPr>
+            <a:r>
+              <a:rPr lang="en-US" dirty="0" smtClean="0"/>
+              <a:t>One-to-Many: inverse and “relationship owner”</a:t>
+            </a:r>
+          </a:p>
+          <a:p>
+            <a:pPr marL="457200" indent="-457200">
+              <a:buFont typeface="+mj-lt"/>
+              <a:buAutoNum type="arabicPeriod"/>
+            </a:pPr>
+            <a:r>
+              <a:rPr lang="en-US" dirty="0" smtClean="0"/>
+              <a:t>One-to-Many: Deleting from Collections</a:t>
+            </a:r>
+          </a:p>
+          <a:p>
+            <a:pPr marL="457200" indent="-457200">
+              <a:buFont typeface="+mj-lt"/>
+              <a:buAutoNum type="arabicPeriod"/>
+            </a:pPr>
+            <a:r>
+              <a:rPr lang="en-US" dirty="0" smtClean="0"/>
+              <a:t>Hibernate Session and the ColdFusion Session scope</a:t>
             </a:r>
             <a:endParaRPr lang="en-US" dirty="0"/>
           </a:p>
@@ -16243,7 +16064,7 @@
           <a:p>
             <a:r>
               <a:rPr lang="en-US" dirty="0" smtClean="0"/>
-              <a:t>Intro Demo</a:t>
+              <a:t>Agenda</a:t>
             </a:r>
             <a:endParaRPr lang="en-US" dirty="0"/>
           </a:p>
@@ -16252,7 +16073,7 @@
     </p:spTree>
     <p:extLst>
       <p:ext uri="{BB962C8B-B14F-4D97-AF65-F5344CB8AC3E}">
-        <p14:creationId xmlns:p14="http://schemas.microsoft.com/office/powerpoint/2010/main" val="3663466367"/>
+        <p14:creationId xmlns:p14="http://schemas.microsoft.com/office/powerpoint/2010/main" val="2786764546"/>
       </p:ext>
     </p:extLst>
   </p:cSld>
@@ -16269,7 +16090,7 @@
 </p:sld>
 </file>
 
-<file path=ppt/slides/slide2.xml><?xml version="1.0" encoding="utf-8"?>
+<file path=ppt/slides/slide18.xml><?xml version="1.0" encoding="utf-8"?>
 <p:sld xmlns:a="http://schemas.openxmlformats.org/drawingml/2006/main" xmlns:r="http://schemas.openxmlformats.org/officeDocument/2006/relationships" xmlns:p="http://schemas.openxmlformats.org/presentationml/2006/main">
   <p:cSld>
     <p:spTree>
@@ -16303,286 +16124,6 @@
           <a:p>
             <a:r>
               <a:rPr lang="en-US" dirty="0" smtClean="0"/>
-              <a:t>Get this presentation </a:t>
-            </a:r>
-            <a:r>
-              <a:rPr lang="en-US" dirty="0"/>
-              <a:t>at </a:t>
-            </a:r>
-            <a:r>
-              <a:rPr lang="en-US" b="1" dirty="0"/>
-              <a:t>http://bit.ly/cformzen</a:t>
-            </a:r>
-            <a:endParaRPr lang="en-US" b="1" dirty="0" smtClean="0"/>
-          </a:p>
-          <a:p>
-            <a:r>
-              <a:rPr lang="en-US" dirty="0" smtClean="0"/>
-              <a:t>There’s a short Appendix at the end</a:t>
-            </a:r>
-          </a:p>
-          <a:p>
-            <a:pPr lvl="1"/>
-            <a:r>
-              <a:rPr lang="en-US" dirty="0" smtClean="0"/>
-              <a:t>SQL Logging</a:t>
-            </a:r>
-          </a:p>
-          <a:p>
-            <a:pPr lvl="1"/>
-            <a:r>
-              <a:rPr lang="en-US" dirty="0" err="1" smtClean="0"/>
-              <a:t>ORMReload</a:t>
-            </a:r>
-            <a:endParaRPr lang="en-US" dirty="0" smtClean="0"/>
-          </a:p>
-          <a:p>
-            <a:r>
-              <a:rPr lang="en-US" dirty="0" smtClean="0"/>
-              <a:t>Lots of links at the end, too</a:t>
-            </a:r>
-          </a:p>
-          <a:p>
-            <a:r>
-              <a:rPr lang="en-US" b="1" dirty="0" smtClean="0">
-                <a:solidFill>
-                  <a:srgbClr val="C00000"/>
-                </a:solidFill>
-              </a:rPr>
-              <a:t>This is NOT an Intro to ORM presentation</a:t>
-            </a:r>
-            <a:endParaRPr lang="en-US" b="1" dirty="0">
-              <a:solidFill>
-                <a:srgbClr val="C00000"/>
-              </a:solidFill>
-            </a:endParaRPr>
-          </a:p>
-        </p:txBody>
-      </p:sp>
-      <p:sp>
-        <p:nvSpPr>
-          <p:cNvPr id="3" name="Title 2"/>
-          <p:cNvSpPr>
-            <a:spLocks noGrp="1"/>
-          </p:cNvSpPr>
-          <p:nvPr>
-            <p:ph type="title"/>
-          </p:nvPr>
-        </p:nvSpPr>
-        <p:spPr/>
-        <p:txBody>
-          <a:bodyPr/>
-          <a:lstStyle/>
-          <a:p>
-            <a:r>
-              <a:rPr lang="en-US" dirty="0" smtClean="0"/>
-              <a:t>Announcements</a:t>
-            </a:r>
-            <a:endParaRPr lang="en-US" dirty="0"/>
-          </a:p>
-        </p:txBody>
-      </p:sp>
-    </p:spTree>
-    <p:extLst>
-      <p:ext uri="{BB962C8B-B14F-4D97-AF65-F5344CB8AC3E}">
-        <p14:creationId xmlns:p14="http://schemas.microsoft.com/office/powerpoint/2010/main" val="68218289"/>
-      </p:ext>
-    </p:extLst>
-  </p:cSld>
-  <p:clrMapOvr>
-    <a:masterClrMapping/>
-  </p:clrMapOvr>
-  <p:timing>
-    <p:tnLst>
-      <p:par>
-        <p:cTn id="1" dur="indefinite" restart="never" nodeType="tmRoot"/>
-      </p:par>
-    </p:tnLst>
-  </p:timing>
-</p:sld>
-</file>
-
-<file path=ppt/slides/slide20.xml><?xml version="1.0" encoding="utf-8"?>
-<p:sld xmlns:a="http://schemas.openxmlformats.org/drawingml/2006/main" xmlns:r="http://schemas.openxmlformats.org/officeDocument/2006/relationships" xmlns:p="http://schemas.openxmlformats.org/presentationml/2006/main">
-  <p:cSld>
-    <p:spTree>
-      <p:nvGrpSpPr>
-        <p:cNvPr id="1" name=""/>
-        <p:cNvGrpSpPr/>
-        <p:nvPr/>
-      </p:nvGrpSpPr>
-      <p:grpSpPr>
-        <a:xfrm>
-          <a:off x="0" y="0"/>
-          <a:ext cx="0" cy="0"/>
-          <a:chOff x="0" y="0"/>
-          <a:chExt cx="0" cy="0"/>
-        </a:xfrm>
-      </p:grpSpPr>
-      <p:sp>
-        <p:nvSpPr>
-          <p:cNvPr id="2" name="Content Placeholder 1"/>
-          <p:cNvSpPr>
-            <a:spLocks noGrp="1"/>
-          </p:cNvSpPr>
-          <p:nvPr>
-            <p:ph idx="1"/>
-          </p:nvPr>
-        </p:nvSpPr>
-        <p:spPr/>
-        <p:txBody>
-          <a:bodyPr/>
-          <a:lstStyle/>
-          <a:p>
-            <a:pPr marL="457200" indent="-457200">
-              <a:buFont typeface="+mj-lt"/>
-              <a:buAutoNum type="arabicPeriod"/>
-            </a:pPr>
-            <a:r>
-              <a:rPr lang="en-US" b="1" dirty="0" smtClean="0"/>
-              <a:t> ORM Settings -- Control the Session Flush</a:t>
-            </a:r>
-          </a:p>
-          <a:p>
-            <a:pPr marL="457200" indent="-457200">
-              <a:buFont typeface="+mj-lt"/>
-              <a:buAutoNum type="arabicPeriod"/>
-            </a:pPr>
-            <a:r>
-              <a:rPr lang="en-US" dirty="0" smtClean="0"/>
-              <a:t>Many-to-One Relationships</a:t>
-            </a:r>
-          </a:p>
-          <a:p>
-            <a:pPr marL="457200" indent="-457200">
-              <a:buFont typeface="+mj-lt"/>
-              <a:buAutoNum type="arabicPeriod"/>
-            </a:pPr>
-            <a:r>
-              <a:rPr lang="en-US" dirty="0" smtClean="0"/>
-              <a:t>One-to-Many Intro: Bidirectional relationships</a:t>
-            </a:r>
-          </a:p>
-          <a:p>
-            <a:pPr marL="457200" indent="-457200">
-              <a:buFont typeface="+mj-lt"/>
-              <a:buAutoNum type="arabicPeriod"/>
-            </a:pPr>
-            <a:r>
-              <a:rPr lang="en-US" dirty="0" smtClean="0"/>
-              <a:t>One-to-Many: Adding to Collections</a:t>
-            </a:r>
-          </a:p>
-          <a:p>
-            <a:pPr marL="457200" indent="-457200">
-              <a:buFont typeface="+mj-lt"/>
-              <a:buAutoNum type="arabicPeriod"/>
-            </a:pPr>
-            <a:r>
-              <a:rPr lang="en-US" dirty="0" smtClean="0"/>
-              <a:t>One-to-Many: inverse and “relationship owner”</a:t>
-            </a:r>
-          </a:p>
-          <a:p>
-            <a:pPr marL="457200" indent="-457200">
-              <a:buFont typeface="+mj-lt"/>
-              <a:buAutoNum type="arabicPeriod"/>
-            </a:pPr>
-            <a:r>
-              <a:rPr lang="en-US" dirty="0" smtClean="0"/>
-              <a:t>One-to-Many: Deleting from Collections</a:t>
-            </a:r>
-          </a:p>
-          <a:p>
-            <a:pPr marL="457200" indent="-457200">
-              <a:buFont typeface="+mj-lt"/>
-              <a:buAutoNum type="arabicPeriod"/>
-            </a:pPr>
-            <a:r>
-              <a:rPr lang="en-US" dirty="0" smtClean="0"/>
-              <a:t>Hibernate Session and the ColdFusion Session scope</a:t>
-            </a:r>
-            <a:endParaRPr lang="en-US" dirty="0"/>
-          </a:p>
-        </p:txBody>
-      </p:sp>
-      <p:sp>
-        <p:nvSpPr>
-          <p:cNvPr id="3" name="Title 2"/>
-          <p:cNvSpPr>
-            <a:spLocks noGrp="1"/>
-          </p:cNvSpPr>
-          <p:nvPr>
-            <p:ph type="title"/>
-          </p:nvPr>
-        </p:nvSpPr>
-        <p:spPr/>
-        <p:txBody>
-          <a:bodyPr/>
-          <a:lstStyle/>
-          <a:p>
-            <a:r>
-              <a:rPr lang="en-US" dirty="0" smtClean="0"/>
-              <a:t>Agenda</a:t>
-            </a:r>
-            <a:endParaRPr lang="en-US" dirty="0"/>
-          </a:p>
-        </p:txBody>
-      </p:sp>
-    </p:spTree>
-    <p:extLst>
-      <p:ext uri="{BB962C8B-B14F-4D97-AF65-F5344CB8AC3E}">
-        <p14:creationId xmlns:p14="http://schemas.microsoft.com/office/powerpoint/2010/main" val="2786764546"/>
-      </p:ext>
-    </p:extLst>
-  </p:cSld>
-  <p:clrMapOvr>
-    <a:masterClrMapping/>
-  </p:clrMapOvr>
-  <p:timing>
-    <p:tnLst>
-      <p:par>
-        <p:cTn id="1" dur="indefinite" restart="never" nodeType="tmRoot"/>
-      </p:par>
-    </p:tnLst>
-  </p:timing>
-</p:sld>
-</file>
-
-<file path=ppt/slides/slide21.xml><?xml version="1.0" encoding="utf-8"?>
-<p:sld xmlns:a="http://schemas.openxmlformats.org/drawingml/2006/main" xmlns:r="http://schemas.openxmlformats.org/officeDocument/2006/relationships" xmlns:p="http://schemas.openxmlformats.org/presentationml/2006/main">
-  <p:cSld>
-    <p:spTree>
-      <p:nvGrpSpPr>
-        <p:cNvPr id="1" name=""/>
-        <p:cNvGrpSpPr/>
-        <p:nvPr/>
-      </p:nvGrpSpPr>
-      <p:grpSpPr>
-        <a:xfrm>
-          <a:off x="0" y="0"/>
-          <a:ext cx="0" cy="0"/>
-          <a:chOff x="0" y="0"/>
-          <a:chExt cx="0" cy="0"/>
-        </a:xfrm>
-      </p:grpSpPr>
-      <p:sp>
-        <p:nvSpPr>
-          <p:cNvPr id="2" name="Content Placeholder 1"/>
-          <p:cNvSpPr>
-            <a:spLocks noGrp="1"/>
-          </p:cNvSpPr>
-          <p:nvPr>
-            <p:ph idx="1"/>
-          </p:nvPr>
-        </p:nvSpPr>
-        <p:spPr/>
-        <p:txBody>
-          <a:bodyPr/>
-          <a:lstStyle/>
-          <a:p>
-            <a:r>
-              <a:rPr lang="en-US" dirty="0" smtClean="0"/>
               <a:t>Why </a:t>
             </a:r>
             <a:r>
@@ -16644,7 +16185,7 @@
 </p:sld>
 </file>
 
-<file path=ppt/slides/slide22.xml><?xml version="1.0" encoding="utf-8"?>
+<file path=ppt/slides/slide19.xml><?xml version="1.0" encoding="utf-8"?>
 <p:sld xmlns:a="http://schemas.openxmlformats.org/drawingml/2006/main" xmlns:r="http://schemas.openxmlformats.org/officeDocument/2006/relationships" xmlns:p="http://schemas.openxmlformats.org/presentationml/2006/main">
   <p:cSld>
     <p:spTree>
@@ -16827,7 +16368,7 @@
 </p:sld>
 </file>
 
-<file path=ppt/slides/slide23.xml><?xml version="1.0" encoding="utf-8"?>
+<file path=ppt/slides/slide2.xml><?xml version="1.0" encoding="utf-8"?>
 <p:sld xmlns:a="http://schemas.openxmlformats.org/drawingml/2006/main" xmlns:r="http://schemas.openxmlformats.org/officeDocument/2006/relationships" xmlns:p="http://schemas.openxmlformats.org/presentationml/2006/main">
   <p:cSld>
     <p:spTree>
@@ -16859,6 +16400,133 @@
           <a:bodyPr/>
           <a:lstStyle/>
           <a:p>
+            <a:r>
+              <a:rPr lang="en-US" dirty="0" smtClean="0"/>
+              <a:t>Get this </a:t>
+            </a:r>
+            <a:r>
+              <a:rPr lang="en-US" dirty="0" smtClean="0"/>
+              <a:t>presentation and all code </a:t>
+            </a:r>
+            <a:r>
+              <a:rPr lang="en-US" dirty="0"/>
+              <a:t>at </a:t>
+            </a:r>
+            <a:r>
+              <a:rPr lang="en-US" b="1" dirty="0"/>
+              <a:t>http://bit.ly/cformzen</a:t>
+            </a:r>
+            <a:endParaRPr lang="en-US" b="1" dirty="0" smtClean="0"/>
+          </a:p>
+          <a:p>
+            <a:r>
+              <a:rPr lang="en-US" dirty="0" smtClean="0"/>
+              <a:t>There’s a short Appendix at the end</a:t>
+            </a:r>
+          </a:p>
+          <a:p>
+            <a:pPr lvl="1"/>
+            <a:r>
+              <a:rPr lang="en-US" dirty="0" smtClean="0"/>
+              <a:t>SQL Logging</a:t>
+            </a:r>
+          </a:p>
+          <a:p>
+            <a:pPr lvl="1"/>
+            <a:r>
+              <a:rPr lang="en-US" dirty="0" err="1" smtClean="0"/>
+              <a:t>ORMReload</a:t>
+            </a:r>
+            <a:endParaRPr lang="en-US" dirty="0" smtClean="0"/>
+          </a:p>
+          <a:p>
+            <a:r>
+              <a:rPr lang="en-US" dirty="0" smtClean="0"/>
+              <a:t>Lots of links at the end, </a:t>
+            </a:r>
+            <a:r>
+              <a:rPr lang="en-US" dirty="0" smtClean="0"/>
+              <a:t>too</a:t>
+            </a:r>
+            <a:endParaRPr lang="en-US" dirty="0" smtClean="0"/>
+          </a:p>
+        </p:txBody>
+      </p:sp>
+      <p:sp>
+        <p:nvSpPr>
+          <p:cNvPr id="3" name="Title 2"/>
+          <p:cNvSpPr>
+            <a:spLocks noGrp="1"/>
+          </p:cNvSpPr>
+          <p:nvPr>
+            <p:ph type="title"/>
+          </p:nvPr>
+        </p:nvSpPr>
+        <p:spPr/>
+        <p:txBody>
+          <a:bodyPr/>
+          <a:lstStyle/>
+          <a:p>
+            <a:r>
+              <a:rPr lang="en-US" dirty="0" smtClean="0"/>
+              <a:t>Announcements</a:t>
+            </a:r>
+            <a:endParaRPr lang="en-US" dirty="0"/>
+          </a:p>
+        </p:txBody>
+      </p:sp>
+    </p:spTree>
+    <p:extLst>
+      <p:ext uri="{BB962C8B-B14F-4D97-AF65-F5344CB8AC3E}">
+        <p14:creationId xmlns:p14="http://schemas.microsoft.com/office/powerpoint/2010/main" val="68218289"/>
+      </p:ext>
+    </p:extLst>
+  </p:cSld>
+  <p:clrMapOvr>
+    <a:masterClrMapping/>
+  </p:clrMapOvr>
+  <p:timing>
+    <p:tnLst>
+      <p:par>
+        <p:cTn id="1" dur="indefinite" restart="never" nodeType="tmRoot"/>
+      </p:par>
+    </p:tnLst>
+  </p:timing>
+</p:sld>
+</file>
+
+<file path=ppt/slides/slide20.xml><?xml version="1.0" encoding="utf-8"?>
+<p:sld xmlns:a="http://schemas.openxmlformats.org/drawingml/2006/main" xmlns:r="http://schemas.openxmlformats.org/officeDocument/2006/relationships" xmlns:p="http://schemas.openxmlformats.org/presentationml/2006/main">
+  <p:cSld>
+    <p:spTree>
+      <p:nvGrpSpPr>
+        <p:cNvPr id="1" name=""/>
+        <p:cNvGrpSpPr/>
+        <p:nvPr/>
+      </p:nvGrpSpPr>
+      <p:grpSpPr>
+        <a:xfrm>
+          <a:off x="0" y="0"/>
+          <a:ext cx="0" cy="0"/>
+          <a:chOff x="0" y="0"/>
+          <a:chExt cx="0" cy="0"/>
+        </a:xfrm>
+      </p:grpSpPr>
+      <p:sp>
+        <p:nvSpPr>
+          <p:cNvPr id="2" name="Content Placeholder 1"/>
+          <p:cNvSpPr>
+            <a:spLocks noGrp="1"/>
+          </p:cNvSpPr>
+          <p:nvPr>
+            <p:ph idx="1"/>
+          </p:nvPr>
+        </p:nvSpPr>
+        <p:spPr/>
+        <p:txBody>
+          <a:bodyPr/>
+          <a:lstStyle/>
+          <a:p>
             <a:pPr marL="0" indent="0" algn="ctr">
               <a:buNone/>
             </a:pPr>
@@ -16890,23 +16558,11 @@
           <a:p>
             <a:r>
               <a:rPr lang="en-US" dirty="0" smtClean="0"/>
-              <a:t>This means that you have to wrap </a:t>
-            </a:r>
-            <a:r>
-              <a:rPr lang="en-US" dirty="0" err="1" smtClean="0"/>
-              <a:t>entitySave</a:t>
-            </a:r>
-            <a:r>
-              <a:rPr lang="en-US" dirty="0" smtClean="0"/>
-              <a:t>() and </a:t>
-            </a:r>
-            <a:r>
-              <a:rPr lang="en-US" dirty="0" err="1" smtClean="0"/>
-              <a:t>entityDelete</a:t>
-            </a:r>
-            <a:r>
-              <a:rPr lang="en-US" dirty="0" smtClean="0"/>
-              <a:t>() in transactions</a:t>
+              <a:t>Consequence:         use     </a:t>
+            </a:r>
+            <a:r>
+              <a:rPr lang="en-US" b="1" dirty="0" smtClean="0"/>
+              <a:t>transaction{}</a:t>
             </a:r>
           </a:p>
           <a:p>
@@ -16996,7 +16652,7 @@
 </p:sld>
 </file>
 
-<file path=ppt/slides/slide24.xml><?xml version="1.0" encoding="utf-8"?>
+<file path=ppt/slides/slide21.xml><?xml version="1.0" encoding="utf-8"?>
 <p:sld xmlns:a="http://schemas.openxmlformats.org/drawingml/2006/main" xmlns:r="http://schemas.openxmlformats.org/officeDocument/2006/relationships" xmlns:p="http://schemas.openxmlformats.org/presentationml/2006/main">
   <p:cSld>
     <p:spTree>
@@ -17039,7 +16695,7 @@
             </a:br>
             <a:r>
               <a:rPr lang="en-US" dirty="0" smtClean="0"/>
-              <a:t>Wrap in Transaction</a:t>
+              <a:t>Use Transactions to flush</a:t>
             </a:r>
             <a:endParaRPr lang="en-US" dirty="0"/>
           </a:p>
@@ -17047,7 +16703,7 @@
       </p:sp>
       <p:pic>
         <p:nvPicPr>
-          <p:cNvPr id="4098" name="Picture 2" descr="C:\dev\projects\wwwroot\mxunit-cfmeetups\CFObjective_ORMZen\preso\transaction.PNG"/>
+          <p:cNvPr id="1027" name="Picture 3" descr="C:\Users\marc\Desktop\Capture.PNG"/>
           <p:cNvPicPr>
             <a:picLocks noChangeAspect="1" noChangeArrowheads="1"/>
           </p:cNvPicPr>
@@ -17068,8 +16724,8 @@
         </p:blipFill>
         <p:spPr bwMode="auto">
           <a:xfrm>
-            <a:off x="2438400" y="2814735"/>
-            <a:ext cx="4514850" cy="2257425"/>
+            <a:off x="2302373" y="2590800"/>
+            <a:ext cx="5317627" cy="2682875"/>
           </a:xfrm>
           <a:prstGeom prst="rect">
             <a:avLst/>
@@ -17106,7 +16762,154 @@
 </p:sld>
 </file>
 
-<file path=ppt/slides/slide25.xml><?xml version="1.0" encoding="utf-8"?>
+<file path=ppt/slides/slide22.xml><?xml version="1.0" encoding="utf-8"?>
+<p:sld xmlns:a="http://schemas.openxmlformats.org/drawingml/2006/main" xmlns:r="http://schemas.openxmlformats.org/officeDocument/2006/relationships" xmlns:p="http://schemas.openxmlformats.org/presentationml/2006/main">
+  <p:cSld>
+    <p:spTree>
+      <p:nvGrpSpPr>
+        <p:cNvPr id="1" name=""/>
+        <p:cNvGrpSpPr/>
+        <p:nvPr/>
+      </p:nvGrpSpPr>
+      <p:grpSpPr>
+        <a:xfrm>
+          <a:off x="0" y="0"/>
+          <a:ext cx="0" cy="0"/>
+          <a:chOff x="0" y="0"/>
+          <a:chExt cx="0" cy="0"/>
+        </a:xfrm>
+      </p:grpSpPr>
+      <p:sp>
+        <p:nvSpPr>
+          <p:cNvPr id="2" name="Content Placeholder 1"/>
+          <p:cNvSpPr>
+            <a:spLocks noGrp="1"/>
+          </p:cNvSpPr>
+          <p:nvPr>
+            <p:ph idx="1"/>
+          </p:nvPr>
+        </p:nvSpPr>
+        <p:spPr/>
+        <p:txBody>
+          <a:bodyPr/>
+          <a:lstStyle/>
+          <a:p>
+            <a:pPr marL="457200" indent="-457200">
+              <a:buFont typeface="+mj-lt"/>
+              <a:buAutoNum type="arabicPeriod"/>
+            </a:pPr>
+            <a:r>
+              <a:rPr lang="en-US" dirty="0" smtClean="0"/>
+              <a:t> ORM Settings -- Control the Session Flush</a:t>
+            </a:r>
+          </a:p>
+          <a:p>
+            <a:pPr marL="457200" indent="-457200">
+              <a:buFont typeface="+mj-lt"/>
+              <a:buAutoNum type="arabicPeriod"/>
+            </a:pPr>
+            <a:r>
+              <a:rPr lang="en-US" b="1" dirty="0" smtClean="0"/>
+              <a:t>Many-to-One Relationships</a:t>
+            </a:r>
+          </a:p>
+          <a:p>
+            <a:pPr marL="457200" indent="-457200">
+              <a:buFont typeface="+mj-lt"/>
+              <a:buAutoNum type="arabicPeriod"/>
+            </a:pPr>
+            <a:r>
+              <a:rPr lang="en-US" dirty="0" smtClean="0"/>
+              <a:t>One-to-Many Relationships</a:t>
+            </a:r>
+          </a:p>
+          <a:p>
+            <a:pPr marL="457200" indent="-457200">
+              <a:buFont typeface="+mj-lt"/>
+              <a:buAutoNum type="arabicPeriod"/>
+            </a:pPr>
+            <a:r>
+              <a:rPr lang="en-US" dirty="0" smtClean="0"/>
+              <a:t>One-to-Many: Adding to Collections</a:t>
+            </a:r>
+          </a:p>
+          <a:p>
+            <a:pPr marL="457200" indent="-457200">
+              <a:buFont typeface="+mj-lt"/>
+              <a:buAutoNum type="arabicPeriod"/>
+            </a:pPr>
+            <a:r>
+              <a:rPr lang="en-US" dirty="0" smtClean="0"/>
+              <a:t>One-to-Many: inverse and “relationship owner”</a:t>
+            </a:r>
+          </a:p>
+          <a:p>
+            <a:pPr marL="457200" indent="-457200">
+              <a:buFont typeface="+mj-lt"/>
+              <a:buAutoNum type="arabicPeriod"/>
+            </a:pPr>
+            <a:r>
+              <a:rPr lang="en-US" dirty="0" smtClean="0"/>
+              <a:t>One-to-Many: Deleting from Collections</a:t>
+            </a:r>
+          </a:p>
+          <a:p>
+            <a:pPr marL="457200" indent="-457200">
+              <a:buFont typeface="+mj-lt"/>
+              <a:buAutoNum type="arabicPeriod"/>
+            </a:pPr>
+            <a:r>
+              <a:rPr lang="en-US" dirty="0" smtClean="0"/>
+              <a:t>Hibernate Session and the ColdFusion Session scope</a:t>
+            </a:r>
+            <a:endParaRPr lang="en-US" dirty="0"/>
+          </a:p>
+        </p:txBody>
+      </p:sp>
+      <p:sp>
+        <p:nvSpPr>
+          <p:cNvPr id="3" name="Title 2"/>
+          <p:cNvSpPr>
+            <a:spLocks noGrp="1"/>
+          </p:cNvSpPr>
+          <p:nvPr>
+            <p:ph type="title"/>
+          </p:nvPr>
+        </p:nvSpPr>
+        <p:spPr/>
+        <p:txBody>
+          <a:bodyPr/>
+          <a:lstStyle/>
+          <a:p>
+            <a:r>
+              <a:rPr lang="en-US" dirty="0" smtClean="0"/>
+              <a:t>Agenda</a:t>
+            </a:r>
+            <a:endParaRPr lang="en-US" dirty="0"/>
+          </a:p>
+        </p:txBody>
+      </p:sp>
+    </p:spTree>
+    <p:extLst>
+      <p:ext uri="{BB962C8B-B14F-4D97-AF65-F5344CB8AC3E}">
+        <p14:creationId xmlns:p14="http://schemas.microsoft.com/office/powerpoint/2010/main" val="532778290"/>
+      </p:ext>
+    </p:extLst>
+  </p:cSld>
+  <p:clrMapOvr>
+    <a:masterClrMapping/>
+  </p:clrMapOvr>
+  <p:timing>
+    <p:tnLst>
+      <p:par>
+        <p:cTn id="1" dur="indefinite" restart="never" nodeType="tmRoot"/>
+      </p:par>
+    </p:tnLst>
+  </p:timing>
+</p:sld>
+</file>
+
+<file path=ppt/slides/slide23.xml><?xml version="1.0" encoding="utf-8"?>
 <p:sld xmlns:a="http://schemas.openxmlformats.org/drawingml/2006/main" xmlns:r="http://schemas.openxmlformats.org/officeDocument/2006/relationships" xmlns:p="http://schemas.openxmlformats.org/presentationml/2006/main">
   <p:cSld>
     <p:spTree>
@@ -17135,86 +16938,91 @@
         </p:nvSpPr>
         <p:spPr>
           <a:xfrm>
-            <a:off x="381000" y="2667000"/>
-            <a:ext cx="8534399" cy="4267200"/>
+            <a:off x="872067" y="2133600"/>
+            <a:ext cx="7408333" cy="3992563"/>
           </a:xfrm>
         </p:spPr>
         <p:txBody>
           <a:bodyPr>
-            <a:normAutofit/>
+            <a:normAutofit fontScale="92500" lnSpcReduction="10000"/>
           </a:bodyPr>
           <a:lstStyle/>
           <a:p>
             <a:r>
               <a:rPr lang="en-US" dirty="0" smtClean="0"/>
-              <a:t>Why </a:t>
-            </a:r>
-            <a:r>
-              <a:rPr lang="en-US" dirty="0"/>
-              <a:t>are objects updating even when I don’t call </a:t>
-            </a:r>
-            <a:r>
-              <a:rPr lang="en-US" dirty="0" err="1"/>
-              <a:t>entitySave</a:t>
-            </a:r>
-            <a:r>
-              <a:rPr lang="en-US" dirty="0" smtClean="0"/>
-              <a:t>()?</a:t>
+              <a:t>What does “The value for property </a:t>
+            </a:r>
+            <a:r>
+              <a:rPr lang="en-US" dirty="0" err="1" smtClean="0"/>
+              <a:t>java.lang.String</a:t>
+            </a:r>
+            <a:r>
+              <a:rPr lang="en-US" dirty="0" smtClean="0"/>
+              <a:t> cannot be retrieved from object of type id” mean?</a:t>
+            </a:r>
+          </a:p>
+          <a:p>
+            <a:endParaRPr lang="en-US" dirty="0" smtClean="0"/>
+          </a:p>
+          <a:p>
+            <a:r>
+              <a:rPr lang="en-US" dirty="0" smtClean="0"/>
+              <a:t>How do I </a:t>
+            </a:r>
+            <a:r>
+              <a:rPr lang="en-US" b="1" dirty="0" smtClean="0"/>
+              <a:t>unset</a:t>
+            </a:r>
+            <a:r>
+              <a:rPr lang="en-US" dirty="0" smtClean="0"/>
+              <a:t> a many-to-one relationship?</a:t>
+            </a:r>
+          </a:p>
+          <a:p>
+            <a:endParaRPr lang="en-US" dirty="0" smtClean="0"/>
+          </a:p>
+          <a:p>
+            <a:r>
+              <a:rPr lang="en-US" dirty="0" err="1" smtClean="0"/>
+              <a:t>CFDump</a:t>
+            </a:r>
+            <a:r>
+              <a:rPr lang="en-US" dirty="0" smtClean="0"/>
+              <a:t> just got </a:t>
+            </a:r>
+            <a:r>
+              <a:rPr lang="en-US" dirty="0" err="1" smtClean="0"/>
+              <a:t>reaaal</a:t>
+            </a:r>
+            <a:r>
+              <a:rPr lang="en-US" dirty="0" smtClean="0"/>
+              <a:t> slow. Why?</a:t>
             </a:r>
           </a:p>
           <a:p>
             <a:pPr lvl="1"/>
             <a:r>
-              <a:rPr lang="en-US" dirty="0" err="1"/>
-              <a:t>this.ormSettings.autoManageSession</a:t>
-            </a:r>
-            <a:r>
-              <a:rPr lang="en-US" dirty="0"/>
-              <a:t> = false</a:t>
+              <a:rPr lang="en-US" dirty="0" smtClean="0"/>
+              <a:t>Happens when a many-to-one object has, itself, a big one-to-many relationship</a:t>
             </a:r>
           </a:p>
           <a:p>
             <a:pPr lvl="1"/>
-            <a:r>
-              <a:rPr lang="en-US" dirty="0" err="1"/>
-              <a:t>this.ormSettings.flushAtRequestEnd</a:t>
-            </a:r>
-            <a:r>
-              <a:rPr lang="en-US" dirty="0"/>
-              <a:t> = </a:t>
-            </a:r>
-            <a:r>
-              <a:rPr lang="en-US" dirty="0" smtClean="0"/>
-              <a:t>false</a:t>
-            </a:r>
-          </a:p>
-          <a:p>
-            <a:pPr lvl="1"/>
-            <a:r>
-              <a:rPr lang="en-US" dirty="0" smtClean="0"/>
-              <a:t>Wrap </a:t>
+            <a:endParaRPr lang="en-US" dirty="0"/>
+          </a:p>
+          <a:p>
+            <a:r>
+              <a:rPr lang="en-US" dirty="0" smtClean="0"/>
+              <a:t>How do I </a:t>
             </a:r>
             <a:r>
               <a:rPr lang="en-US" dirty="0" err="1" smtClean="0"/>
-              <a:t>entitySave</a:t>
-            </a:r>
-            <a:r>
-              <a:rPr lang="en-US" dirty="0" smtClean="0"/>
-              <a:t>() and </a:t>
-            </a:r>
-            <a:r>
-              <a:rPr lang="en-US" dirty="0" err="1" smtClean="0"/>
-              <a:t>entityDelete</a:t>
-            </a:r>
-            <a:r>
-              <a:rPr lang="en-US" dirty="0" smtClean="0"/>
-              <a:t>() in transaction{} to control the session flush</a:t>
-            </a:r>
-            <a:endParaRPr lang="en-US" dirty="0"/>
-          </a:p>
-          <a:p>
-            <a:pPr lvl="1"/>
-            <a:endParaRPr lang="en-US" dirty="0" smtClean="0"/>
+              <a:t>entityLoad</a:t>
+            </a:r>
+            <a:r>
+              <a:rPr lang="en-US" dirty="0" smtClean="0"/>
+              <a:t>() and filter on a property when that property is now an object?</a:t>
+            </a:r>
           </a:p>
         </p:txBody>
       </p:sp>
@@ -17234,16 +17042,600 @@
           <a:lstStyle/>
           <a:p>
             <a:r>
-              <a:rPr lang="en-US" dirty="0"/>
-              <a:t>Early Enlightenment</a:t>
-            </a:r>
+              <a:rPr lang="en-US" dirty="0" smtClean="0"/>
+              <a:t>Suffering</a:t>
+            </a:r>
+            <a:endParaRPr lang="en-US" dirty="0"/>
           </a:p>
         </p:txBody>
       </p:sp>
     </p:spTree>
     <p:extLst>
       <p:ext uri="{BB962C8B-B14F-4D97-AF65-F5344CB8AC3E}">
-        <p14:creationId xmlns:p14="http://schemas.microsoft.com/office/powerpoint/2010/main" val="2153704740"/>
+        <p14:creationId xmlns:p14="http://schemas.microsoft.com/office/powerpoint/2010/main" val="4294375379"/>
+      </p:ext>
+    </p:extLst>
+  </p:cSld>
+  <p:clrMapOvr>
+    <a:masterClrMapping/>
+  </p:clrMapOvr>
+  <p:timing>
+    <p:tnLst>
+      <p:par>
+        <p:cTn id="1" dur="indefinite" restart="never" nodeType="tmRoot"/>
+      </p:par>
+    </p:tnLst>
+  </p:timing>
+</p:sld>
+</file>
+
+<file path=ppt/slides/slide24.xml><?xml version="1.0" encoding="utf-8"?>
+<p:sld xmlns:a="http://schemas.openxmlformats.org/drawingml/2006/main" xmlns:r="http://schemas.openxmlformats.org/officeDocument/2006/relationships" xmlns:p="http://schemas.openxmlformats.org/presentationml/2006/main">
+  <p:cSld>
+    <p:spTree>
+      <p:nvGrpSpPr>
+        <p:cNvPr id="1" name=""/>
+        <p:cNvGrpSpPr/>
+        <p:nvPr/>
+      </p:nvGrpSpPr>
+      <p:grpSpPr>
+        <a:xfrm>
+          <a:off x="0" y="0"/>
+          <a:ext cx="0" cy="0"/>
+          <a:chOff x="0" y="0"/>
+          <a:chExt cx="0" cy="0"/>
+        </a:xfrm>
+      </p:grpSpPr>
+      <p:sp>
+        <p:nvSpPr>
+          <p:cNvPr id="2" name="Content Placeholder 1"/>
+          <p:cNvSpPr>
+            <a:spLocks noGrp="1"/>
+          </p:cNvSpPr>
+          <p:nvPr>
+            <p:ph idx="1"/>
+          </p:nvPr>
+        </p:nvSpPr>
+        <p:spPr/>
+        <p:txBody>
+          <a:bodyPr>
+            <a:normAutofit fontScale="92500" lnSpcReduction="10000"/>
+          </a:bodyPr>
+          <a:lstStyle/>
+          <a:p>
+            <a:r>
+              <a:rPr lang="en-US" dirty="0" smtClean="0"/>
+              <a:t>The Simplest Relationship</a:t>
+            </a:r>
+          </a:p>
+          <a:p>
+            <a:r>
+              <a:rPr lang="en-US" dirty="0" smtClean="0"/>
+              <a:t>This is your typical Foreign Key Relationship</a:t>
+            </a:r>
+          </a:p>
+          <a:p>
+            <a:r>
+              <a:rPr lang="en-US" dirty="0" smtClean="0"/>
+              <a:t>E.g. Event has a “</a:t>
+            </a:r>
+            <a:r>
+              <a:rPr lang="en-US" dirty="0" err="1" smtClean="0"/>
+              <a:t>ModifiedBy</a:t>
+            </a:r>
+            <a:r>
+              <a:rPr lang="en-US" dirty="0" smtClean="0"/>
+              <a:t>” column, which is a relationship with the “Administrator” table’s “id”</a:t>
+            </a:r>
+          </a:p>
+          <a:p>
+            <a:r>
+              <a:rPr lang="en-US" dirty="0" smtClean="0"/>
+              <a:t>Think: “MANY events can have ONE current </a:t>
+            </a:r>
+            <a:r>
+              <a:rPr lang="en-US" dirty="0" err="1" smtClean="0"/>
+              <a:t>modifiedBy</a:t>
+            </a:r>
+            <a:r>
+              <a:rPr lang="en-US" dirty="0" smtClean="0"/>
+              <a:t>”</a:t>
+            </a:r>
+          </a:p>
+          <a:p>
+            <a:r>
+              <a:rPr lang="en-US" b="1" dirty="0" smtClean="0"/>
+              <a:t>Three Knobs</a:t>
+            </a:r>
+          </a:p>
+          <a:p>
+            <a:pPr lvl="1"/>
+            <a:r>
+              <a:rPr lang="en-US" b="1" dirty="0" err="1"/>
+              <a:t>f</a:t>
+            </a:r>
+            <a:r>
+              <a:rPr lang="en-US" b="1" dirty="0" err="1" smtClean="0"/>
+              <a:t>ieldtype</a:t>
+            </a:r>
+            <a:r>
+              <a:rPr lang="en-US" dirty="0" smtClean="0"/>
+              <a:t> = “many-to-one”</a:t>
+            </a:r>
+          </a:p>
+          <a:p>
+            <a:pPr lvl="1"/>
+            <a:r>
+              <a:rPr lang="en-US" b="1" dirty="0" err="1" smtClean="0"/>
+              <a:t>fkcolumn</a:t>
+            </a:r>
+            <a:r>
+              <a:rPr lang="en-US" dirty="0" smtClean="0"/>
+              <a:t> = Column Name in </a:t>
+            </a:r>
+            <a:r>
+              <a:rPr lang="en-US" b="1" dirty="0" smtClean="0"/>
+              <a:t>THIS</a:t>
+            </a:r>
+            <a:r>
+              <a:rPr lang="en-US" dirty="0" smtClean="0"/>
+              <a:t> Table</a:t>
+            </a:r>
+          </a:p>
+          <a:p>
+            <a:pPr lvl="1"/>
+            <a:r>
+              <a:rPr lang="en-US" b="1" dirty="0" smtClean="0"/>
+              <a:t>cfc</a:t>
+            </a:r>
+            <a:r>
+              <a:rPr lang="en-US" dirty="0" smtClean="0"/>
+              <a:t> = CFC Name Of Related Entity</a:t>
+            </a:r>
+            <a:endParaRPr lang="en-US" dirty="0"/>
+          </a:p>
+        </p:txBody>
+      </p:sp>
+      <p:sp>
+        <p:nvSpPr>
+          <p:cNvPr id="3" name="Title 2"/>
+          <p:cNvSpPr>
+            <a:spLocks noGrp="1"/>
+          </p:cNvSpPr>
+          <p:nvPr>
+            <p:ph type="title"/>
+          </p:nvPr>
+        </p:nvSpPr>
+        <p:spPr/>
+        <p:txBody>
+          <a:bodyPr/>
+          <a:lstStyle/>
+          <a:p>
+            <a:r>
+              <a:rPr lang="en-US" dirty="0" smtClean="0"/>
+              <a:t>Many-to-One</a:t>
+            </a:r>
+            <a:endParaRPr lang="en-US" dirty="0"/>
+          </a:p>
+        </p:txBody>
+      </p:sp>
+    </p:spTree>
+    <p:extLst>
+      <p:ext uri="{BB962C8B-B14F-4D97-AF65-F5344CB8AC3E}">
+        <p14:creationId xmlns:p14="http://schemas.microsoft.com/office/powerpoint/2010/main" val="2762152540"/>
+      </p:ext>
+    </p:extLst>
+  </p:cSld>
+  <p:clrMapOvr>
+    <a:masterClrMapping/>
+  </p:clrMapOvr>
+  <p:timing>
+    <p:tnLst>
+      <p:par>
+        <p:cTn id="1" dur="indefinite" restart="never" nodeType="tmRoot">
+          <p:childTnLst>
+            <p:seq concurrent="1" nextAc="seek">
+              <p:cTn id="2" dur="indefinite" nodeType="mainSeq">
+                <p:childTnLst>
+                  <p:par>
+                    <p:cTn id="3" fill="hold">
+                      <p:stCondLst>
+                        <p:cond delay="indefinite"/>
+                      </p:stCondLst>
+                      <p:childTnLst>
+                        <p:par>
+                          <p:cTn id="4" fill="hold">
+                            <p:stCondLst>
+                              <p:cond delay="0"/>
+                            </p:stCondLst>
+                            <p:childTnLst>
+                              <p:par>
+                                <p:cTn id="5" presetID="1" presetClass="entr" presetSubtype="0" fill="hold" nodeType="clickEffect">
+                                  <p:stCondLst>
+                                    <p:cond delay="0"/>
+                                  </p:stCondLst>
+                                  <p:childTnLst>
+                                    <p:set>
+                                      <p:cBhvr>
+                                        <p:cTn id="6" dur="1" fill="hold">
+                                          <p:stCondLst>
+                                            <p:cond delay="0"/>
+                                          </p:stCondLst>
+                                        </p:cTn>
+                                        <p:tgtEl>
+                                          <p:spTgt spid="2">
+                                            <p:txEl>
+                                              <p:pRg st="0" end="0"/>
+                                            </p:txEl>
+                                          </p:spTgt>
+                                        </p:tgtEl>
+                                        <p:attrNameLst>
+                                          <p:attrName>style.visibility</p:attrName>
+                                        </p:attrNameLst>
+                                      </p:cBhvr>
+                                      <p:to>
+                                        <p:strVal val="visible"/>
+                                      </p:to>
+                                    </p:set>
+                                  </p:childTnLst>
+                                </p:cTn>
+                              </p:par>
+                            </p:childTnLst>
+                          </p:cTn>
+                        </p:par>
+                      </p:childTnLst>
+                    </p:cTn>
+                  </p:par>
+                  <p:par>
+                    <p:cTn id="7" fill="hold">
+                      <p:stCondLst>
+                        <p:cond delay="indefinite"/>
+                      </p:stCondLst>
+                      <p:childTnLst>
+                        <p:par>
+                          <p:cTn id="8" fill="hold">
+                            <p:stCondLst>
+                              <p:cond delay="0"/>
+                            </p:stCondLst>
+                            <p:childTnLst>
+                              <p:par>
+                                <p:cTn id="9" presetID="1" presetClass="entr" presetSubtype="0" fill="hold" nodeType="clickEffect">
+                                  <p:stCondLst>
+                                    <p:cond delay="0"/>
+                                  </p:stCondLst>
+                                  <p:childTnLst>
+                                    <p:set>
+                                      <p:cBhvr>
+                                        <p:cTn id="10" dur="1" fill="hold">
+                                          <p:stCondLst>
+                                            <p:cond delay="0"/>
+                                          </p:stCondLst>
+                                        </p:cTn>
+                                        <p:tgtEl>
+                                          <p:spTgt spid="2">
+                                            <p:txEl>
+                                              <p:pRg st="1" end="1"/>
+                                            </p:txEl>
+                                          </p:spTgt>
+                                        </p:tgtEl>
+                                        <p:attrNameLst>
+                                          <p:attrName>style.visibility</p:attrName>
+                                        </p:attrNameLst>
+                                      </p:cBhvr>
+                                      <p:to>
+                                        <p:strVal val="visible"/>
+                                      </p:to>
+                                    </p:set>
+                                  </p:childTnLst>
+                                </p:cTn>
+                              </p:par>
+                              <p:par>
+                                <p:cTn id="11" presetID="1" presetClass="entr" presetSubtype="0" fill="hold" nodeType="withEffect">
+                                  <p:stCondLst>
+                                    <p:cond delay="0"/>
+                                  </p:stCondLst>
+                                  <p:childTnLst>
+                                    <p:set>
+                                      <p:cBhvr>
+                                        <p:cTn id="12" dur="1" fill="hold">
+                                          <p:stCondLst>
+                                            <p:cond delay="0"/>
+                                          </p:stCondLst>
+                                        </p:cTn>
+                                        <p:tgtEl>
+                                          <p:spTgt spid="2">
+                                            <p:txEl>
+                                              <p:pRg st="2" end="2"/>
+                                            </p:txEl>
+                                          </p:spTgt>
+                                        </p:tgtEl>
+                                        <p:attrNameLst>
+                                          <p:attrName>style.visibility</p:attrName>
+                                        </p:attrNameLst>
+                                      </p:cBhvr>
+                                      <p:to>
+                                        <p:strVal val="visible"/>
+                                      </p:to>
+                                    </p:set>
+                                  </p:childTnLst>
+                                </p:cTn>
+                              </p:par>
+                              <p:par>
+                                <p:cTn id="13" presetID="1" presetClass="entr" presetSubtype="0" fill="hold" nodeType="withEffect">
+                                  <p:stCondLst>
+                                    <p:cond delay="0"/>
+                                  </p:stCondLst>
+                                  <p:childTnLst>
+                                    <p:set>
+                                      <p:cBhvr>
+                                        <p:cTn id="14" dur="1" fill="hold">
+                                          <p:stCondLst>
+                                            <p:cond delay="0"/>
+                                          </p:stCondLst>
+                                        </p:cTn>
+                                        <p:tgtEl>
+                                          <p:spTgt spid="2">
+                                            <p:txEl>
+                                              <p:pRg st="3" end="3"/>
+                                            </p:txEl>
+                                          </p:spTgt>
+                                        </p:tgtEl>
+                                        <p:attrNameLst>
+                                          <p:attrName>style.visibility</p:attrName>
+                                        </p:attrNameLst>
+                                      </p:cBhvr>
+                                      <p:to>
+                                        <p:strVal val="visible"/>
+                                      </p:to>
+                                    </p:set>
+                                  </p:childTnLst>
+                                </p:cTn>
+                              </p:par>
+                            </p:childTnLst>
+                          </p:cTn>
+                        </p:par>
+                      </p:childTnLst>
+                    </p:cTn>
+                  </p:par>
+                  <p:par>
+                    <p:cTn id="15" fill="hold">
+                      <p:stCondLst>
+                        <p:cond delay="indefinite"/>
+                      </p:stCondLst>
+                      <p:childTnLst>
+                        <p:par>
+                          <p:cTn id="16" fill="hold">
+                            <p:stCondLst>
+                              <p:cond delay="0"/>
+                            </p:stCondLst>
+                            <p:childTnLst>
+                              <p:par>
+                                <p:cTn id="17" presetID="1" presetClass="entr" presetSubtype="0" fill="hold" nodeType="clickEffect">
+                                  <p:stCondLst>
+                                    <p:cond delay="0"/>
+                                  </p:stCondLst>
+                                  <p:childTnLst>
+                                    <p:set>
+                                      <p:cBhvr>
+                                        <p:cTn id="18" dur="1" fill="hold">
+                                          <p:stCondLst>
+                                            <p:cond delay="0"/>
+                                          </p:stCondLst>
+                                        </p:cTn>
+                                        <p:tgtEl>
+                                          <p:spTgt spid="2">
+                                            <p:txEl>
+                                              <p:pRg st="4" end="4"/>
+                                            </p:txEl>
+                                          </p:spTgt>
+                                        </p:tgtEl>
+                                        <p:attrNameLst>
+                                          <p:attrName>style.visibility</p:attrName>
+                                        </p:attrNameLst>
+                                      </p:cBhvr>
+                                      <p:to>
+                                        <p:strVal val="visible"/>
+                                      </p:to>
+                                    </p:set>
+                                  </p:childTnLst>
+                                </p:cTn>
+                              </p:par>
+                              <p:par>
+                                <p:cTn id="19" presetID="1" presetClass="entr" presetSubtype="0" fill="hold" nodeType="withEffect">
+                                  <p:stCondLst>
+                                    <p:cond delay="0"/>
+                                  </p:stCondLst>
+                                  <p:childTnLst>
+                                    <p:set>
+                                      <p:cBhvr>
+                                        <p:cTn id="20" dur="1" fill="hold">
+                                          <p:stCondLst>
+                                            <p:cond delay="0"/>
+                                          </p:stCondLst>
+                                        </p:cTn>
+                                        <p:tgtEl>
+                                          <p:spTgt spid="2">
+                                            <p:txEl>
+                                              <p:pRg st="5" end="5"/>
+                                            </p:txEl>
+                                          </p:spTgt>
+                                        </p:tgtEl>
+                                        <p:attrNameLst>
+                                          <p:attrName>style.visibility</p:attrName>
+                                        </p:attrNameLst>
+                                      </p:cBhvr>
+                                      <p:to>
+                                        <p:strVal val="visible"/>
+                                      </p:to>
+                                    </p:set>
+                                  </p:childTnLst>
+                                </p:cTn>
+                              </p:par>
+                              <p:par>
+                                <p:cTn id="21" presetID="1" presetClass="entr" presetSubtype="0" fill="hold" nodeType="withEffect">
+                                  <p:stCondLst>
+                                    <p:cond delay="0"/>
+                                  </p:stCondLst>
+                                  <p:childTnLst>
+                                    <p:set>
+                                      <p:cBhvr>
+                                        <p:cTn id="22" dur="1" fill="hold">
+                                          <p:stCondLst>
+                                            <p:cond delay="0"/>
+                                          </p:stCondLst>
+                                        </p:cTn>
+                                        <p:tgtEl>
+                                          <p:spTgt spid="2">
+                                            <p:txEl>
+                                              <p:pRg st="6" end="6"/>
+                                            </p:txEl>
+                                          </p:spTgt>
+                                        </p:tgtEl>
+                                        <p:attrNameLst>
+                                          <p:attrName>style.visibility</p:attrName>
+                                        </p:attrNameLst>
+                                      </p:cBhvr>
+                                      <p:to>
+                                        <p:strVal val="visible"/>
+                                      </p:to>
+                                    </p:set>
+                                  </p:childTnLst>
+                                </p:cTn>
+                              </p:par>
+                              <p:par>
+                                <p:cTn id="23" presetID="1" presetClass="entr" presetSubtype="0" fill="hold" nodeType="withEffect">
+                                  <p:stCondLst>
+                                    <p:cond delay="0"/>
+                                  </p:stCondLst>
+                                  <p:childTnLst>
+                                    <p:set>
+                                      <p:cBhvr>
+                                        <p:cTn id="24" dur="1" fill="hold">
+                                          <p:stCondLst>
+                                            <p:cond delay="0"/>
+                                          </p:stCondLst>
+                                        </p:cTn>
+                                        <p:tgtEl>
+                                          <p:spTgt spid="2">
+                                            <p:txEl>
+                                              <p:pRg st="7" end="7"/>
+                                            </p:txEl>
+                                          </p:spTgt>
+                                        </p:tgtEl>
+                                        <p:attrNameLst>
+                                          <p:attrName>style.visibility</p:attrName>
+                                        </p:attrNameLst>
+                                      </p:cBhvr>
+                                      <p:to>
+                                        <p:strVal val="visible"/>
+                                      </p:to>
+                                    </p:set>
+                                  </p:childTnLst>
+                                </p:cTn>
+                              </p:par>
+                            </p:childTnLst>
+                          </p:cTn>
+                        </p:par>
+                      </p:childTnLst>
+                    </p:cTn>
+                  </p:par>
+                </p:childTnLst>
+              </p:cTn>
+              <p:prevCondLst>
+                <p:cond evt="onPrev" delay="0">
+                  <p:tgtEl>
+                    <p:sldTgt/>
+                  </p:tgtEl>
+                </p:cond>
+              </p:prevCondLst>
+              <p:nextCondLst>
+                <p:cond evt="onNext" delay="0">
+                  <p:tgtEl>
+                    <p:sldTgt/>
+                  </p:tgtEl>
+                </p:cond>
+              </p:nextCondLst>
+            </p:seq>
+          </p:childTnLst>
+        </p:cTn>
+      </p:par>
+    </p:tnLst>
+  </p:timing>
+</p:sld>
+</file>
+
+<file path=ppt/slides/slide25.xml><?xml version="1.0" encoding="utf-8"?>
+<p:sld xmlns:a="http://schemas.openxmlformats.org/drawingml/2006/main" xmlns:r="http://schemas.openxmlformats.org/officeDocument/2006/relationships" xmlns:p="http://schemas.openxmlformats.org/presentationml/2006/main">
+  <p:cSld>
+    <p:spTree>
+      <p:nvGrpSpPr>
+        <p:cNvPr id="1" name=""/>
+        <p:cNvGrpSpPr/>
+        <p:nvPr/>
+      </p:nvGrpSpPr>
+      <p:grpSpPr>
+        <a:xfrm>
+          <a:off x="0" y="0"/>
+          <a:ext cx="0" cy="0"/>
+          <a:chOff x="0" y="0"/>
+          <a:chExt cx="0" cy="0"/>
+        </a:xfrm>
+      </p:grpSpPr>
+      <p:sp>
+        <p:nvSpPr>
+          <p:cNvPr id="2" name="Content Placeholder 1"/>
+          <p:cNvSpPr>
+            <a:spLocks noGrp="1"/>
+          </p:cNvSpPr>
+          <p:nvPr>
+            <p:ph idx="1"/>
+          </p:nvPr>
+        </p:nvSpPr>
+        <p:spPr/>
+        <p:txBody>
+          <a:bodyPr>
+            <a:normAutofit/>
+          </a:bodyPr>
+          <a:lstStyle/>
+          <a:p>
+            <a:pPr marL="0" indent="0" algn="ctr">
+              <a:buNone/>
+            </a:pPr>
+            <a:r>
+              <a:rPr lang="en-US" sz="4000" b="1" dirty="0" smtClean="0"/>
+              <a:t>Demo</a:t>
+            </a:r>
+            <a:endParaRPr lang="en-US" sz="4000" b="1" dirty="0"/>
+          </a:p>
+        </p:txBody>
+      </p:sp>
+      <p:sp>
+        <p:nvSpPr>
+          <p:cNvPr id="3" name="Title 2"/>
+          <p:cNvSpPr>
+            <a:spLocks noGrp="1"/>
+          </p:cNvSpPr>
+          <p:nvPr>
+            <p:ph type="title"/>
+          </p:nvPr>
+        </p:nvSpPr>
+        <p:spPr/>
+        <p:txBody>
+          <a:bodyPr/>
+          <a:lstStyle/>
+          <a:p>
+            <a:r>
+              <a:rPr lang="en-US" dirty="0" smtClean="0"/>
+              <a:t>Many-to-One Demo</a:t>
+            </a:r>
+            <a:endParaRPr lang="en-US" dirty="0"/>
+          </a:p>
+        </p:txBody>
+      </p:sp>
+    </p:spTree>
+    <p:extLst>
+      <p:ext uri="{BB962C8B-B14F-4D97-AF65-F5344CB8AC3E}">
+        <p14:creationId xmlns:p14="http://schemas.microsoft.com/office/powerpoint/2010/main" val="238375057"/>
       </p:ext>
     </p:extLst>
   </p:cSld>
@@ -17287,79 +17679,98 @@
             <p:ph idx="1"/>
           </p:nvPr>
         </p:nvSpPr>
-        <p:spPr/>
+        <p:spPr>
+          <a:xfrm>
+            <a:off x="304800" y="2133600"/>
+            <a:ext cx="8610599" cy="4343400"/>
+          </a:xfrm>
+        </p:spPr>
         <p:txBody>
-          <a:bodyPr/>
+          <a:bodyPr>
+            <a:normAutofit/>
+          </a:bodyPr>
           <a:lstStyle/>
           <a:p>
-            <a:pPr marL="457200" indent="-457200">
-              <a:buFont typeface="+mj-lt"/>
-              <a:buAutoNum type="arabicPeriod"/>
+            <a:r>
+              <a:rPr lang="en-US" dirty="0"/>
+              <a:t>What does “The value for property </a:t>
+            </a:r>
+            <a:r>
+              <a:rPr lang="en-US" dirty="0" err="1"/>
+              <a:t>java.lang.String</a:t>
+            </a:r>
+            <a:r>
+              <a:rPr lang="en-US" dirty="0"/>
+              <a:t> cannot be retrieved from object of type id” mean</a:t>
+            </a:r>
+            <a:r>
+              <a:rPr lang="en-US" dirty="0" smtClean="0"/>
+              <a:t>?</a:t>
+            </a:r>
+          </a:p>
+          <a:p>
+            <a:pPr lvl="1"/>
+            <a:r>
+              <a:rPr lang="en-US" dirty="0" smtClean="0"/>
+              <a:t>You probably changed a simple property to  a many-to-one but didn’t update the code that calls the setters</a:t>
+            </a:r>
+          </a:p>
+          <a:p>
+            <a:pPr lvl="1"/>
+            <a:r>
+              <a:rPr lang="en-US" dirty="0" smtClean="0"/>
+              <a:t>You’re setting a simple value when it expects an object</a:t>
+            </a:r>
+            <a:endParaRPr lang="en-US" dirty="0"/>
+          </a:p>
+          <a:p>
+            <a:endParaRPr lang="en-US" dirty="0" smtClean="0"/>
+          </a:p>
+          <a:p>
+            <a:r>
+              <a:rPr lang="en-US" dirty="0" smtClean="0"/>
+              <a:t>How do I </a:t>
+            </a:r>
+            <a:r>
+              <a:rPr lang="en-US" b="1" dirty="0" smtClean="0"/>
+              <a:t>unset</a:t>
+            </a:r>
+            <a:r>
+              <a:rPr lang="en-US" dirty="0" smtClean="0"/>
+              <a:t> a many-to-one value?</a:t>
+            </a:r>
+          </a:p>
+          <a:p>
+            <a:pPr lvl="1"/>
+            <a:r>
+              <a:rPr lang="en-US" dirty="0" smtClean="0"/>
+              <a:t>setMyM2OProperty( </a:t>
+            </a:r>
+            <a:r>
+              <a:rPr lang="en-US" dirty="0" err="1" smtClean="0"/>
+              <a:t>javacast</a:t>
+            </a:r>
+            <a:r>
+              <a:rPr lang="en-US" dirty="0" smtClean="0"/>
+              <a:t>(“null</a:t>
+            </a:r>
+            <a:r>
+              <a:rPr lang="en-US" dirty="0"/>
+              <a:t>”, “”) </a:t>
+            </a:r>
+            <a:r>
+              <a:rPr lang="en-US" dirty="0" smtClean="0"/>
+              <a:t>);</a:t>
+            </a:r>
+          </a:p>
+          <a:p>
+            <a:pPr lvl="1"/>
+            <a:endParaRPr lang="en-US" dirty="0" smtClean="0"/>
+          </a:p>
+          <a:p>
+            <a:pPr marL="627063" lvl="2" indent="0">
+              <a:buNone/>
             </a:pPr>
-            <a:r>
-              <a:rPr lang="en-US" dirty="0" smtClean="0"/>
-              <a:t> ORM Settings -- Control the Session Flush</a:t>
-            </a:r>
-          </a:p>
-          <a:p>
-            <a:pPr marL="457200" indent="-457200">
-              <a:buFont typeface="+mj-lt"/>
-              <a:buAutoNum type="arabicPeriod"/>
-            </a:pPr>
-            <a:r>
-              <a:rPr lang="en-US" b="1" dirty="0" smtClean="0"/>
-              <a:t>Many-to-One Relationships</a:t>
-            </a:r>
-          </a:p>
-          <a:p>
-            <a:pPr marL="457200" indent="-457200">
-              <a:buFont typeface="+mj-lt"/>
-              <a:buAutoNum type="arabicPeriod"/>
-            </a:pPr>
-            <a:r>
-              <a:rPr lang="en-US" dirty="0" smtClean="0"/>
-              <a:t>One-to-Many Intro: Bidirectional relationships</a:t>
-            </a:r>
-          </a:p>
-          <a:p>
-            <a:pPr marL="457200" indent="-457200">
-              <a:buFont typeface="+mj-lt"/>
-              <a:buAutoNum type="arabicPeriod"/>
-            </a:pPr>
-            <a:r>
-              <a:rPr lang="en-US" dirty="0" smtClean="0"/>
-              <a:t>One-to-Many: Adding to Collections</a:t>
-            </a:r>
-          </a:p>
-          <a:p>
-            <a:pPr marL="457200" indent="-457200">
-              <a:buFont typeface="+mj-lt"/>
-              <a:buAutoNum type="arabicPeriod"/>
-            </a:pPr>
-            <a:r>
-              <a:rPr lang="en-US" dirty="0" smtClean="0"/>
-              <a:t>One-to-Many: inverse and “relationship owner”</a:t>
-            </a:r>
-          </a:p>
-          <a:p>
-            <a:pPr marL="457200" indent="-457200">
-              <a:buFont typeface="+mj-lt"/>
-              <a:buAutoNum type="arabicPeriod"/>
-            </a:pPr>
-            <a:r>
-              <a:rPr lang="en-US" dirty="0" smtClean="0"/>
-              <a:t>One-to-Many: Deleting from Collections</a:t>
-            </a:r>
-          </a:p>
-          <a:p>
-            <a:pPr marL="457200" indent="-457200">
-              <a:buFont typeface="+mj-lt"/>
-              <a:buAutoNum type="arabicPeriod"/>
-            </a:pPr>
-            <a:r>
-              <a:rPr lang="en-US" dirty="0" smtClean="0"/>
-              <a:t>Hibernate Session and the ColdFusion Session scope</a:t>
-            </a:r>
             <a:endParaRPr lang="en-US" dirty="0"/>
           </a:p>
         </p:txBody>
@@ -17381,7 +17792,7 @@
           <a:p>
             <a:r>
               <a:rPr lang="en-US" dirty="0" smtClean="0"/>
-              <a:t>Agenda</a:t>
+              <a:t>Enlightenment</a:t>
             </a:r>
             <a:endParaRPr lang="en-US" dirty="0"/>
           </a:p>
@@ -17390,7 +17801,7 @@
     </p:spTree>
     <p:extLst>
       <p:ext uri="{BB962C8B-B14F-4D97-AF65-F5344CB8AC3E}">
-        <p14:creationId xmlns:p14="http://schemas.microsoft.com/office/powerpoint/2010/main" val="532778290"/>
+        <p14:creationId xmlns:p14="http://schemas.microsoft.com/office/powerpoint/2010/main" val="3302775247"/>
       </p:ext>
     </p:extLst>
   </p:cSld>
@@ -17436,51 +17847,17 @@
         </p:nvSpPr>
         <p:spPr>
           <a:xfrm>
-            <a:off x="872067" y="2133600"/>
-            <a:ext cx="7408333" cy="3992563"/>
+            <a:off x="304800" y="2133600"/>
+            <a:ext cx="8610599" cy="4343400"/>
           </a:xfrm>
         </p:spPr>
         <p:txBody>
           <a:bodyPr>
-            <a:normAutofit fontScale="92500" lnSpcReduction="10000"/>
+            <a:normAutofit/>
           </a:bodyPr>
           <a:lstStyle/>
           <a:p>
             <a:r>
-              <a:rPr lang="en-US" dirty="0" smtClean="0"/>
-              <a:t>What does “The value for property </a:t>
-            </a:r>
-            <a:r>
-              <a:rPr lang="en-US" dirty="0" err="1" smtClean="0"/>
-              <a:t>java.lang.String</a:t>
-            </a:r>
-            <a:r>
-              <a:rPr lang="en-US" dirty="0" smtClean="0"/>
-              <a:t> cannot be retrieved from object of type id” mean?</a:t>
-            </a:r>
-          </a:p>
-          <a:p>
-            <a:endParaRPr lang="en-US" dirty="0" smtClean="0"/>
-          </a:p>
-          <a:p>
-            <a:r>
-              <a:rPr lang="en-US" dirty="0" smtClean="0"/>
-              <a:t>How do I </a:t>
-            </a:r>
-            <a:r>
-              <a:rPr lang="en-US" b="1" dirty="0" smtClean="0"/>
-              <a:t>unset</a:t>
-            </a:r>
-            <a:r>
-              <a:rPr lang="en-US" dirty="0" smtClean="0"/>
-              <a:t> a many-to-one relationship?</a:t>
-            </a:r>
-          </a:p>
-          <a:p>
-            <a:endParaRPr lang="en-US" dirty="0" smtClean="0"/>
-          </a:p>
-          <a:p>
-            <a:r>
               <a:rPr lang="en-US" dirty="0" err="1" smtClean="0"/>
               <a:t>CFDump</a:t>
             </a:r>
@@ -17498,29 +17875,120 @@
             </a:r>
           </a:p>
           <a:p>
+            <a:endParaRPr lang="en-US" dirty="0"/>
+          </a:p>
+          <a:p>
             <a:pPr lvl="1"/>
             <a:r>
               <a:rPr lang="en-US" dirty="0" smtClean="0"/>
-              <a:t>Happens when a many-to-one object has, itself, a big one-to-many relationship</a:t>
-            </a:r>
+              <a:t>ALWAYS use “top” when </a:t>
+            </a:r>
+            <a:r>
+              <a:rPr lang="en-US" dirty="0" err="1" smtClean="0"/>
+              <a:t>cfdumping</a:t>
+            </a:r>
+            <a:r>
+              <a:rPr lang="en-US" dirty="0" smtClean="0"/>
+              <a:t> an ORM object</a:t>
+            </a:r>
+          </a:p>
+          <a:p>
+            <a:pPr lvl="2"/>
+            <a:r>
+              <a:rPr lang="en-US" dirty="0" err="1" smtClean="0"/>
+              <a:t>writeDump</a:t>
+            </a:r>
+            <a:r>
+              <a:rPr lang="en-US" dirty="0" smtClean="0"/>
+              <a:t>(</a:t>
+            </a:r>
+            <a:r>
+              <a:rPr lang="en-US" dirty="0" err="1" smtClean="0"/>
+              <a:t>var</a:t>
+            </a:r>
+            <a:r>
+              <a:rPr lang="en-US" dirty="0" smtClean="0"/>
+              <a:t>=object, top=“3”);</a:t>
+            </a:r>
+            <a:endParaRPr lang="en-US" dirty="0"/>
           </a:p>
           <a:p>
             <a:pPr lvl="1"/>
+            <a:r>
+              <a:rPr lang="en-US" dirty="0" smtClean="0"/>
+              <a:t>In </a:t>
+            </a:r>
+            <a:r>
+              <a:rPr lang="en-US" dirty="0" err="1" smtClean="0"/>
+              <a:t>MXUnit</a:t>
+            </a:r>
+            <a:r>
+              <a:rPr lang="en-US" dirty="0" smtClean="0"/>
+              <a:t> tests:</a:t>
+            </a:r>
+          </a:p>
+          <a:p>
+            <a:pPr lvl="2"/>
+            <a:r>
+              <a:rPr lang="en-US" dirty="0" smtClean="0"/>
+              <a:t>debug(</a:t>
+            </a:r>
+            <a:r>
+              <a:rPr lang="en-US" dirty="0" err="1" smtClean="0"/>
+              <a:t>var</a:t>
+            </a:r>
+            <a:r>
+              <a:rPr lang="en-US" dirty="0" smtClean="0"/>
+              <a:t>=object, top=“3”);</a:t>
+            </a:r>
+          </a:p>
+          <a:p>
+            <a:pPr lvl="2"/>
+            <a:endParaRPr lang="en-US" dirty="0" smtClean="0"/>
+          </a:p>
+          <a:p>
+            <a:r>
+              <a:rPr lang="en-US" dirty="0" smtClean="0"/>
+              <a:t>How </a:t>
+            </a:r>
+            <a:r>
+              <a:rPr lang="en-US" dirty="0"/>
+              <a:t>do I </a:t>
+            </a:r>
+            <a:r>
+              <a:rPr lang="en-US" dirty="0" err="1"/>
+              <a:t>entityLoad</a:t>
+            </a:r>
+            <a:r>
+              <a:rPr lang="en-US" dirty="0"/>
+              <a:t>() and filter on a property when that property is now an object</a:t>
+            </a:r>
+            <a:r>
+              <a:rPr lang="en-US" dirty="0" smtClean="0"/>
+              <a:t>?</a:t>
+            </a:r>
+          </a:p>
+          <a:p>
+            <a:pPr lvl="2"/>
+            <a:r>
+              <a:rPr lang="en-US" dirty="0" smtClean="0"/>
+              <a:t>You must pass that </a:t>
+            </a:r>
+            <a:r>
+              <a:rPr lang="en-US" b="1" dirty="0" smtClean="0"/>
+              <a:t>object </a:t>
+            </a:r>
+            <a:r>
+              <a:rPr lang="en-US" dirty="0" smtClean="0"/>
+              <a:t> as the filter criteria</a:t>
+            </a:r>
             <a:endParaRPr lang="en-US" dirty="0"/>
           </a:p>
           <a:p>
-            <a:r>
-              <a:rPr lang="en-US" dirty="0" smtClean="0"/>
-              <a:t>How do I </a:t>
-            </a:r>
-            <a:r>
-              <a:rPr lang="en-US" dirty="0" err="1" smtClean="0"/>
-              <a:t>entityLoad</a:t>
-            </a:r>
-            <a:r>
-              <a:rPr lang="en-US" dirty="0" smtClean="0"/>
-              <a:t>() and filter on a property when that property is now an object?</a:t>
-            </a:r>
+            <a:pPr marL="627063" lvl="2" indent="0">
+              <a:buNone/>
+            </a:pPr>
+            <a:endParaRPr lang="en-US" dirty="0"/>
           </a:p>
         </p:txBody>
       </p:sp>
@@ -17541,7 +18009,7 @@
           <a:p>
             <a:r>
               <a:rPr lang="en-US" dirty="0" smtClean="0"/>
-              <a:t>Suffering</a:t>
+              <a:t>Enlightenment</a:t>
             </a:r>
             <a:endParaRPr lang="en-US" dirty="0"/>
           </a:p>
@@ -17550,7 +18018,7 @@
     </p:spTree>
     <p:extLst>
       <p:ext uri="{BB962C8B-B14F-4D97-AF65-F5344CB8AC3E}">
-        <p14:creationId xmlns:p14="http://schemas.microsoft.com/office/powerpoint/2010/main" val="4294375379"/>
+        <p14:creationId xmlns:p14="http://schemas.microsoft.com/office/powerpoint/2010/main" val="689824627"/>
       </p:ext>
     </p:extLst>
   </p:cSld>
@@ -17596,99 +18064,76 @@
         </p:nvSpPr>
         <p:spPr/>
         <p:txBody>
-          <a:bodyPr>
-            <a:normAutofit fontScale="92500" lnSpcReduction="10000"/>
-          </a:bodyPr>
+          <a:bodyPr/>
           <a:lstStyle/>
           <a:p>
-            <a:r>
-              <a:rPr lang="en-US" dirty="0" smtClean="0"/>
-              <a:t>The Simplest Relationship</a:t>
-            </a:r>
-          </a:p>
-          <a:p>
-            <a:r>
-              <a:rPr lang="en-US" dirty="0" smtClean="0"/>
-              <a:t>This is your typical Foreign Key Relationship</a:t>
-            </a:r>
-          </a:p>
-          <a:p>
-            <a:r>
-              <a:rPr lang="en-US" dirty="0" smtClean="0"/>
-              <a:t>E.g. Event has a “</a:t>
-            </a:r>
-            <a:r>
-              <a:rPr lang="en-US" dirty="0" err="1" smtClean="0"/>
-              <a:t>ModifiedBy</a:t>
-            </a:r>
-            <a:r>
-              <a:rPr lang="en-US" dirty="0" smtClean="0"/>
-              <a:t>” column, which is a relationship with the “Administrator” table’s “id”</a:t>
-            </a:r>
-          </a:p>
-          <a:p>
-            <a:r>
-              <a:rPr lang="en-US" dirty="0" smtClean="0"/>
-              <a:t>Think: “MANY events can have ONE current </a:t>
-            </a:r>
-            <a:r>
-              <a:rPr lang="en-US" dirty="0" err="1" smtClean="0"/>
-              <a:t>modifiedBy</a:t>
-            </a:r>
-            <a:r>
-              <a:rPr lang="en-US" dirty="0" smtClean="0"/>
-              <a:t>”</a:t>
-            </a:r>
-          </a:p>
-          <a:p>
+            <a:pPr marL="457200" indent="-457200">
+              <a:buFont typeface="+mj-lt"/>
+              <a:buAutoNum type="arabicPeriod"/>
+            </a:pPr>
+            <a:r>
+              <a:rPr lang="en-US" dirty="0" smtClean="0"/>
+              <a:t> ORM Settings -- Control the Session Flush</a:t>
+            </a:r>
+          </a:p>
+          <a:p>
+            <a:pPr marL="457200" indent="-457200">
+              <a:buFont typeface="+mj-lt"/>
+              <a:buAutoNum type="arabicPeriod"/>
+            </a:pPr>
+            <a:r>
+              <a:rPr lang="en-US" dirty="0" smtClean="0"/>
+              <a:t>Many-to-One Relationships</a:t>
+            </a:r>
+          </a:p>
+          <a:p>
+            <a:pPr marL="457200" indent="-457200">
+              <a:buFont typeface="+mj-lt"/>
+              <a:buAutoNum type="arabicPeriod"/>
+            </a:pPr>
             <a:r>
               <a:rPr lang="en-US" b="1" dirty="0" smtClean="0"/>
-              <a:t>Three Knobs</a:t>
-            </a:r>
-          </a:p>
-          <a:p>
-            <a:pPr lvl="1"/>
-            <a:r>
-              <a:rPr lang="en-US" b="1" dirty="0" err="1"/>
-              <a:t>f</a:t>
-            </a:r>
-            <a:r>
-              <a:rPr lang="en-US" b="1" dirty="0" err="1" smtClean="0"/>
-              <a:t>ieldtype</a:t>
-            </a:r>
-            <a:r>
-              <a:rPr lang="en-US" dirty="0" smtClean="0"/>
-              <a:t> = “many-to-one”</a:t>
-            </a:r>
-          </a:p>
-          <a:p>
-            <a:pPr lvl="1"/>
-            <a:r>
-              <a:rPr lang="en-US" b="1" dirty="0" err="1" smtClean="0"/>
-              <a:t>fkcolumn</a:t>
-            </a:r>
-            <a:r>
-              <a:rPr lang="en-US" dirty="0" smtClean="0"/>
-              <a:t> = Column Name in </a:t>
-            </a:r>
-            <a:r>
-              <a:rPr lang="en-US" b="1" dirty="0" smtClean="0"/>
-              <a:t>THIS</a:t>
-            </a:r>
-            <a:r>
-              <a:rPr lang="en-US" dirty="0" smtClean="0"/>
-              <a:t> Table</a:t>
-            </a:r>
-          </a:p>
-          <a:p>
-            <a:pPr lvl="1"/>
-            <a:r>
-              <a:rPr lang="en-US" b="1" dirty="0" smtClean="0"/>
-              <a:t>cfc</a:t>
-            </a:r>
-            <a:r>
-              <a:rPr lang="en-US" dirty="0" smtClean="0"/>
-              <a:t> = CFC Name Of Related Entity</a:t>
+              <a:t>One-to-Many Relationships</a:t>
+            </a:r>
+          </a:p>
+          <a:p>
+            <a:pPr marL="457200" indent="-457200">
+              <a:buFont typeface="+mj-lt"/>
+              <a:buAutoNum type="arabicPeriod"/>
+            </a:pPr>
+            <a:r>
+              <a:rPr lang="en-US" dirty="0" smtClean="0"/>
+              <a:t>One-to-Many: Adding to Collections</a:t>
+            </a:r>
+          </a:p>
+          <a:p>
+            <a:pPr marL="457200" indent="-457200">
+              <a:buFont typeface="+mj-lt"/>
+              <a:buAutoNum type="arabicPeriod"/>
+            </a:pPr>
+            <a:r>
+              <a:rPr lang="en-US" dirty="0" smtClean="0"/>
+              <a:t>One-to-Many: inverse and “relationship owner”</a:t>
+            </a:r>
+          </a:p>
+          <a:p>
+            <a:pPr marL="457200" indent="-457200">
+              <a:buFont typeface="+mj-lt"/>
+              <a:buAutoNum type="arabicPeriod"/>
+            </a:pPr>
+            <a:r>
+              <a:rPr lang="en-US" dirty="0" smtClean="0"/>
+              <a:t>One-to-Many: Deleting from Collections</a:t>
+            </a:r>
+          </a:p>
+          <a:p>
+            <a:pPr marL="457200" indent="-457200">
+              <a:buFont typeface="+mj-lt"/>
+              <a:buAutoNum type="arabicPeriod"/>
+            </a:pPr>
+            <a:r>
+              <a:rPr lang="en-US" dirty="0" smtClean="0"/>
+              <a:t>Hibernate Session and the ColdFusion Session scope</a:t>
             </a:r>
             <a:endParaRPr lang="en-US" dirty="0"/>
           </a:p>
@@ -17711,7 +18156,7 @@
           <a:p>
             <a:r>
               <a:rPr lang="en-US" dirty="0" smtClean="0"/>
-              <a:t>Many-to-One</a:t>
+              <a:t>Agenda</a:t>
             </a:r>
             <a:endParaRPr lang="en-US" dirty="0"/>
           </a:p>
@@ -17720,7 +18165,7 @@
     </p:spTree>
     <p:extLst>
       <p:ext uri="{BB962C8B-B14F-4D97-AF65-F5344CB8AC3E}">
-        <p14:creationId xmlns:p14="http://schemas.microsoft.com/office/powerpoint/2010/main" val="2762152540"/>
+        <p14:creationId xmlns:p14="http://schemas.microsoft.com/office/powerpoint/2010/main" val="3332806906"/>
       </p:ext>
     </p:extLst>
   </p:cSld>
@@ -17766,19 +18211,64 @@
         </p:nvSpPr>
         <p:spPr/>
         <p:txBody>
-          <a:bodyPr>
-            <a:normAutofit/>
-          </a:bodyPr>
+          <a:bodyPr/>
           <a:lstStyle/>
           <a:p>
-            <a:pPr marL="0" indent="0" algn="ctr">
-              <a:buNone/>
-            </a:pPr>
-            <a:r>
-              <a:rPr lang="en-US" sz="4000" b="1" dirty="0" smtClean="0"/>
-              <a:t>Demo</a:t>
-            </a:r>
-            <a:endParaRPr lang="en-US" sz="4000" b="1" dirty="0"/>
+            <a:r>
+              <a:rPr lang="en-US" dirty="0" smtClean="0"/>
+              <a:t>I’m </a:t>
+            </a:r>
+            <a:r>
+              <a:rPr lang="en-US" dirty="0" err="1" smtClean="0"/>
+              <a:t>gonna</a:t>
+            </a:r>
+            <a:r>
+              <a:rPr lang="en-US" dirty="0" smtClean="0"/>
+              <a:t> have properties for every relationship I can think of and never write SQL Again!</a:t>
+            </a:r>
+          </a:p>
+          <a:p>
+            <a:endParaRPr lang="en-US" dirty="0" smtClean="0"/>
+          </a:p>
+          <a:p>
+            <a:r>
+              <a:rPr lang="en-US" dirty="0" smtClean="0"/>
+              <a:t>If( </a:t>
+            </a:r>
+            <a:r>
+              <a:rPr lang="en-US" dirty="0" err="1" smtClean="0"/>
+              <a:t>arrayLen</a:t>
+            </a:r>
+            <a:r>
+              <a:rPr lang="en-US" dirty="0" smtClean="0"/>
+              <a:t>(</a:t>
+            </a:r>
+            <a:r>
+              <a:rPr lang="en-US" dirty="0" err="1" smtClean="0"/>
+              <a:t>myOneToMany</a:t>
+            </a:r>
+            <a:r>
+              <a:rPr lang="en-US" dirty="0" smtClean="0"/>
+              <a:t>) GT 0 )</a:t>
+            </a:r>
+          </a:p>
+          <a:p>
+            <a:pPr lvl="1"/>
+            <a:r>
+              <a:rPr lang="en-US" dirty="0" smtClean="0"/>
+              <a:t>Why is this so slow?</a:t>
+            </a:r>
+          </a:p>
+          <a:p>
+            <a:pPr lvl="1"/>
+            <a:endParaRPr lang="en-US" dirty="0"/>
+          </a:p>
+          <a:p>
+            <a:r>
+              <a:rPr lang="en-US" dirty="0" smtClean="0"/>
+              <a:t>Wait… is it really doing a separate query for EVERY row? WTF?!</a:t>
+            </a:r>
+            <a:endParaRPr lang="en-US" dirty="0"/>
           </a:p>
         </p:txBody>
       </p:sp>
@@ -17799,7 +18289,7 @@
           <a:p>
             <a:r>
               <a:rPr lang="en-US" dirty="0" smtClean="0"/>
-              <a:t>Many-to-One Demo</a:t>
+              <a:t>Suffering: one-to-many Gluttony</a:t>
             </a:r>
             <a:endParaRPr lang="en-US" dirty="0"/>
           </a:p>
@@ -17808,7 +18298,7 @@
     </p:spTree>
     <p:extLst>
       <p:ext uri="{BB962C8B-B14F-4D97-AF65-F5344CB8AC3E}">
-        <p14:creationId xmlns:p14="http://schemas.microsoft.com/office/powerpoint/2010/main" val="238375057"/>
+        <p14:creationId xmlns:p14="http://schemas.microsoft.com/office/powerpoint/2010/main" val="2239913731"/>
       </p:ext>
     </p:extLst>
   </p:cSld>
@@ -17968,61 +18458,110 @@
             <p:ph idx="1"/>
           </p:nvPr>
         </p:nvSpPr>
-        <p:spPr/>
+        <p:spPr>
+          <a:xfrm>
+            <a:off x="897467" y="2416704"/>
+            <a:ext cx="7408333" cy="3450696"/>
+          </a:xfrm>
+        </p:spPr>
         <p:txBody>
-          <a:bodyPr/>
+          <a:bodyPr>
+            <a:normAutofit fontScale="92500" lnSpcReduction="20000"/>
+          </a:bodyPr>
           <a:lstStyle/>
           <a:p>
             <a:r>
-              <a:rPr lang="en-US" dirty="0"/>
-              <a:t>many-to-one: Many </a:t>
-            </a:r>
-            <a:r>
-              <a:rPr lang="en-US" dirty="0" smtClean="0"/>
-              <a:t>Events </a:t>
-            </a:r>
-            <a:r>
-              <a:rPr lang="en-US" dirty="0"/>
-              <a:t>can have this one Administrator; </a:t>
+              <a:rPr lang="en-US" dirty="0" smtClean="0"/>
+              <a:t>Think: “this ONE Administrator will have MANY modified events”</a:t>
+            </a:r>
+          </a:p>
+          <a:p>
+            <a:r>
+              <a:rPr lang="en-US" b="1" dirty="0" smtClean="0"/>
+              <a:t>Four Knobs:</a:t>
+            </a:r>
+          </a:p>
+          <a:p>
+            <a:pPr lvl="1"/>
+            <a:r>
+              <a:rPr lang="en-US" b="1" dirty="0" err="1" smtClean="0"/>
+              <a:t>fieldtype</a:t>
+            </a:r>
+            <a:r>
+              <a:rPr lang="en-US" dirty="0" smtClean="0"/>
+              <a:t> = “one-to-many”</a:t>
+            </a:r>
+          </a:p>
+          <a:p>
+            <a:pPr lvl="1"/>
+            <a:r>
+              <a:rPr lang="en-US" b="1" dirty="0" err="1" smtClean="0"/>
+              <a:t>fkcolumn</a:t>
+            </a:r>
+            <a:r>
+              <a:rPr lang="en-US" dirty="0" smtClean="0"/>
+              <a:t> = Foreign key column in the RELATED object’s table for this property</a:t>
+            </a:r>
+          </a:p>
+          <a:p>
+            <a:pPr lvl="1"/>
+            <a:r>
+              <a:rPr lang="en-US" b="1" dirty="0"/>
+              <a:t>c</a:t>
+            </a:r>
+            <a:r>
+              <a:rPr lang="en-US" b="1" dirty="0" smtClean="0"/>
+              <a:t>fc</a:t>
+            </a:r>
+            <a:r>
+              <a:rPr lang="en-US" dirty="0" smtClean="0"/>
+              <a:t> = CFC Name of the related entity</a:t>
+            </a:r>
+          </a:p>
+          <a:p>
+            <a:pPr lvl="1"/>
+            <a:r>
+              <a:rPr lang="en-US" b="1" dirty="0" err="1" smtClean="0"/>
+              <a:t>singularName</a:t>
+            </a:r>
+            <a:r>
+              <a:rPr lang="en-US" dirty="0" smtClean="0"/>
+              <a:t> = how to refer to single members of this collection</a:t>
+            </a:r>
+            <a:endParaRPr lang="en-US" b="1" dirty="0" smtClean="0"/>
+          </a:p>
+          <a:p>
+            <a:r>
+              <a:rPr lang="en-US" dirty="0" smtClean="0"/>
+              <a:t>And one </a:t>
+            </a:r>
+            <a:r>
+              <a:rPr lang="en-US" b="1" dirty="0" smtClean="0"/>
+              <a:t>devil knob named ‘inverse’ </a:t>
+            </a:r>
+            <a:r>
+              <a:rPr lang="en-US" dirty="0" smtClean="0"/>
+              <a:t>to be discussed later</a:t>
+            </a:r>
+            <a:r>
+              <a:rPr lang="en-US" b="1" dirty="0" smtClean="0"/>
+              <a:t>	</a:t>
             </a:r>
             <a:endParaRPr lang="en-US" dirty="0" smtClean="0"/>
           </a:p>
           <a:p>
-            <a:r>
-              <a:rPr lang="en-US" dirty="0"/>
-              <a:t>many-to-one properties are ALWAYS a single object, not a collection. </a:t>
-            </a:r>
-            <a:endParaRPr lang="en-US" dirty="0" smtClean="0"/>
-          </a:p>
-          <a:p>
-            <a:r>
-              <a:rPr lang="en-US" sz="1800" dirty="0" smtClean="0"/>
-              <a:t>“The </a:t>
-            </a:r>
-            <a:r>
-              <a:rPr lang="en-US" sz="1800" dirty="0"/>
-              <a:t>value for property </a:t>
-            </a:r>
-            <a:r>
-              <a:rPr lang="en-US" sz="1800" dirty="0" err="1"/>
-              <a:t>java.lang.String</a:t>
-            </a:r>
-            <a:r>
-              <a:rPr lang="en-US" sz="1800" dirty="0"/>
-              <a:t> cannot be retrieved from object of type id. Expected object type is </a:t>
-            </a:r>
-            <a:r>
-              <a:rPr lang="en-US" sz="1800" dirty="0" smtClean="0"/>
-              <a:t>XXX.” </a:t>
-            </a:r>
+            <a:endParaRPr lang="en-US" b="1" dirty="0"/>
+          </a:p>
+          <a:p>
+            <a:endParaRPr lang="en-US" b="1" dirty="0" smtClean="0"/>
           </a:p>
           <a:p>
             <a:pPr lvl="1"/>
-            <a:r>
-              <a:rPr lang="en-US" dirty="0" smtClean="0"/>
-              <a:t>often indicates you have a many-to-one property but are setting a simple value into that property </a:t>
-            </a:r>
-            <a:endParaRPr lang="en-US" dirty="0"/>
+            <a:endParaRPr lang="en-US" b="1" dirty="0" smtClean="0"/>
+          </a:p>
+          <a:p>
+            <a:pPr lvl="1"/>
+            <a:endParaRPr lang="en-US" b="1" dirty="0" smtClean="0"/>
           </a:p>
         </p:txBody>
       </p:sp>
@@ -18043,7 +18582,7 @@
           <a:p>
             <a:r>
               <a:rPr lang="en-US" dirty="0" smtClean="0"/>
-              <a:t>Many-to-One</a:t>
+              <a:t>One-to-Many Relationships</a:t>
             </a:r>
             <a:endParaRPr lang="en-US" dirty="0"/>
           </a:p>
@@ -18052,7 +18591,7 @@
     </p:spTree>
     <p:extLst>
       <p:ext uri="{BB962C8B-B14F-4D97-AF65-F5344CB8AC3E}">
-        <p14:creationId xmlns:p14="http://schemas.microsoft.com/office/powerpoint/2010/main" val="772637498"/>
+        <p14:creationId xmlns:p14="http://schemas.microsoft.com/office/powerpoint/2010/main" val="2554595791"/>
       </p:ext>
     </p:extLst>
   </p:cSld>
@@ -18062,9 +18601,306 @@
   <p:timing>
     <p:tnLst>
       <p:par>
-        <p:cTn id="1" dur="indefinite" restart="never" nodeType="tmRoot"/>
+        <p:cTn id="1" dur="indefinite" restart="never" nodeType="tmRoot">
+          <p:childTnLst>
+            <p:seq concurrent="1" nextAc="seek">
+              <p:cTn id="2" dur="indefinite" nodeType="mainSeq">
+                <p:childTnLst>
+                  <p:par>
+                    <p:cTn id="3" fill="hold">
+                      <p:stCondLst>
+                        <p:cond delay="indefinite"/>
+                      </p:stCondLst>
+                      <p:childTnLst>
+                        <p:par>
+                          <p:cTn id="4" fill="hold">
+                            <p:stCondLst>
+                              <p:cond delay="0"/>
+                            </p:stCondLst>
+                            <p:childTnLst>
+                              <p:par>
+                                <p:cTn id="5" presetID="1" presetClass="entr" presetSubtype="0" fill="hold" grpId="0" nodeType="clickEffect">
+                                  <p:stCondLst>
+                                    <p:cond delay="0"/>
+                                  </p:stCondLst>
+                                  <p:childTnLst>
+                                    <p:set>
+                                      <p:cBhvr>
+                                        <p:cTn id="6" dur="1" fill="hold">
+                                          <p:stCondLst>
+                                            <p:cond delay="0"/>
+                                          </p:stCondLst>
+                                        </p:cTn>
+                                        <p:tgtEl>
+                                          <p:spTgt spid="2">
+                                            <p:txEl>
+                                              <p:pRg st="0" end="0"/>
+                                            </p:txEl>
+                                          </p:spTgt>
+                                        </p:tgtEl>
+                                        <p:attrNameLst>
+                                          <p:attrName>style.visibility</p:attrName>
+                                        </p:attrNameLst>
+                                      </p:cBhvr>
+                                      <p:to>
+                                        <p:strVal val="visible"/>
+                                      </p:to>
+                                    </p:set>
+                                  </p:childTnLst>
+                                </p:cTn>
+                              </p:par>
+                            </p:childTnLst>
+                          </p:cTn>
+                        </p:par>
+                      </p:childTnLst>
+                    </p:cTn>
+                  </p:par>
+                  <p:par>
+                    <p:cTn id="7" fill="hold">
+                      <p:stCondLst>
+                        <p:cond delay="indefinite"/>
+                      </p:stCondLst>
+                      <p:childTnLst>
+                        <p:par>
+                          <p:cTn id="8" fill="hold">
+                            <p:stCondLst>
+                              <p:cond delay="0"/>
+                            </p:stCondLst>
+                            <p:childTnLst>
+                              <p:par>
+                                <p:cTn id="9" presetID="1" presetClass="entr" presetSubtype="0" fill="hold" grpId="0" nodeType="clickEffect">
+                                  <p:stCondLst>
+                                    <p:cond delay="0"/>
+                                  </p:stCondLst>
+                                  <p:childTnLst>
+                                    <p:set>
+                                      <p:cBhvr>
+                                        <p:cTn id="10" dur="1" fill="hold">
+                                          <p:stCondLst>
+                                            <p:cond delay="0"/>
+                                          </p:stCondLst>
+                                        </p:cTn>
+                                        <p:tgtEl>
+                                          <p:spTgt spid="2">
+                                            <p:txEl>
+                                              <p:pRg st="1" end="1"/>
+                                            </p:txEl>
+                                          </p:spTgt>
+                                        </p:tgtEl>
+                                        <p:attrNameLst>
+                                          <p:attrName>style.visibility</p:attrName>
+                                        </p:attrNameLst>
+                                      </p:cBhvr>
+                                      <p:to>
+                                        <p:strVal val="visible"/>
+                                      </p:to>
+                                    </p:set>
+                                  </p:childTnLst>
+                                </p:cTn>
+                              </p:par>
+                              <p:par>
+                                <p:cTn id="11" presetID="1" presetClass="entr" presetSubtype="0" fill="hold" grpId="0" nodeType="withEffect">
+                                  <p:stCondLst>
+                                    <p:cond delay="0"/>
+                                  </p:stCondLst>
+                                  <p:childTnLst>
+                                    <p:set>
+                                      <p:cBhvr>
+                                        <p:cTn id="12" dur="1" fill="hold">
+                                          <p:stCondLst>
+                                            <p:cond delay="0"/>
+                                          </p:stCondLst>
+                                        </p:cTn>
+                                        <p:tgtEl>
+                                          <p:spTgt spid="2">
+                                            <p:txEl>
+                                              <p:pRg st="2" end="2"/>
+                                            </p:txEl>
+                                          </p:spTgt>
+                                        </p:tgtEl>
+                                        <p:attrNameLst>
+                                          <p:attrName>style.visibility</p:attrName>
+                                        </p:attrNameLst>
+                                      </p:cBhvr>
+                                      <p:to>
+                                        <p:strVal val="visible"/>
+                                      </p:to>
+                                    </p:set>
+                                  </p:childTnLst>
+                                </p:cTn>
+                              </p:par>
+                              <p:par>
+                                <p:cTn id="13" presetID="1" presetClass="entr" presetSubtype="0" fill="hold" grpId="0" nodeType="withEffect">
+                                  <p:stCondLst>
+                                    <p:cond delay="0"/>
+                                  </p:stCondLst>
+                                  <p:childTnLst>
+                                    <p:set>
+                                      <p:cBhvr>
+                                        <p:cTn id="14" dur="1" fill="hold">
+                                          <p:stCondLst>
+                                            <p:cond delay="0"/>
+                                          </p:stCondLst>
+                                        </p:cTn>
+                                        <p:tgtEl>
+                                          <p:spTgt spid="2">
+                                            <p:txEl>
+                                              <p:pRg st="3" end="3"/>
+                                            </p:txEl>
+                                          </p:spTgt>
+                                        </p:tgtEl>
+                                        <p:attrNameLst>
+                                          <p:attrName>style.visibility</p:attrName>
+                                        </p:attrNameLst>
+                                      </p:cBhvr>
+                                      <p:to>
+                                        <p:strVal val="visible"/>
+                                      </p:to>
+                                    </p:set>
+                                  </p:childTnLst>
+                                </p:cTn>
+                              </p:par>
+                              <p:par>
+                                <p:cTn id="15" presetID="1" presetClass="entr" presetSubtype="0" fill="hold" grpId="0" nodeType="withEffect">
+                                  <p:stCondLst>
+                                    <p:cond delay="0"/>
+                                  </p:stCondLst>
+                                  <p:childTnLst>
+                                    <p:set>
+                                      <p:cBhvr>
+                                        <p:cTn id="16" dur="1" fill="hold">
+                                          <p:stCondLst>
+                                            <p:cond delay="0"/>
+                                          </p:stCondLst>
+                                        </p:cTn>
+                                        <p:tgtEl>
+                                          <p:spTgt spid="2">
+                                            <p:txEl>
+                                              <p:pRg st="4" end="4"/>
+                                            </p:txEl>
+                                          </p:spTgt>
+                                        </p:tgtEl>
+                                        <p:attrNameLst>
+                                          <p:attrName>style.visibility</p:attrName>
+                                        </p:attrNameLst>
+                                      </p:cBhvr>
+                                      <p:to>
+                                        <p:strVal val="visible"/>
+                                      </p:to>
+                                    </p:set>
+                                  </p:childTnLst>
+                                </p:cTn>
+                              </p:par>
+                              <p:par>
+                                <p:cTn id="17" presetID="1" presetClass="entr" presetSubtype="0" fill="hold" grpId="0" nodeType="withEffect">
+                                  <p:stCondLst>
+                                    <p:cond delay="0"/>
+                                  </p:stCondLst>
+                                  <p:childTnLst>
+                                    <p:set>
+                                      <p:cBhvr>
+                                        <p:cTn id="18" dur="1" fill="hold">
+                                          <p:stCondLst>
+                                            <p:cond delay="0"/>
+                                          </p:stCondLst>
+                                        </p:cTn>
+                                        <p:tgtEl>
+                                          <p:spTgt spid="2">
+                                            <p:txEl>
+                                              <p:pRg st="5" end="5"/>
+                                            </p:txEl>
+                                          </p:spTgt>
+                                        </p:tgtEl>
+                                        <p:attrNameLst>
+                                          <p:attrName>style.visibility</p:attrName>
+                                        </p:attrNameLst>
+                                      </p:cBhvr>
+                                      <p:to>
+                                        <p:strVal val="visible"/>
+                                      </p:to>
+                                    </p:set>
+                                  </p:childTnLst>
+                                </p:cTn>
+                              </p:par>
+                            </p:childTnLst>
+                          </p:cTn>
+                        </p:par>
+                      </p:childTnLst>
+                    </p:cTn>
+                  </p:par>
+                  <p:par>
+                    <p:cTn id="19" fill="hold">
+                      <p:stCondLst>
+                        <p:cond delay="indefinite"/>
+                      </p:stCondLst>
+                      <p:childTnLst>
+                        <p:par>
+                          <p:cTn id="20" fill="hold">
+                            <p:stCondLst>
+                              <p:cond delay="0"/>
+                            </p:stCondLst>
+                            <p:childTnLst>
+                              <p:par>
+                                <p:cTn id="21" presetID="1" presetClass="entr" presetSubtype="0" fill="hold" grpId="0" nodeType="clickEffect">
+                                  <p:stCondLst>
+                                    <p:cond delay="0"/>
+                                  </p:stCondLst>
+                                  <p:childTnLst>
+                                    <p:set>
+                                      <p:cBhvr>
+                                        <p:cTn id="22" dur="1" fill="hold">
+                                          <p:stCondLst>
+                                            <p:cond delay="0"/>
+                                          </p:stCondLst>
+                                        </p:cTn>
+                                        <p:tgtEl>
+                                          <p:spTgt spid="2">
+                                            <p:txEl>
+                                              <p:pRg st="6" end="6"/>
+                                            </p:txEl>
+                                          </p:spTgt>
+                                        </p:tgtEl>
+                                        <p:attrNameLst>
+                                          <p:attrName>style.visibility</p:attrName>
+                                        </p:attrNameLst>
+                                      </p:cBhvr>
+                                      <p:to>
+                                        <p:strVal val="visible"/>
+                                      </p:to>
+                                    </p:set>
+                                  </p:childTnLst>
+                                </p:cTn>
+                              </p:par>
+                            </p:childTnLst>
+                          </p:cTn>
+                        </p:par>
+                      </p:childTnLst>
+                    </p:cTn>
+                  </p:par>
+                </p:childTnLst>
+              </p:cTn>
+              <p:prevCondLst>
+                <p:cond evt="onPrev" delay="0">
+                  <p:tgtEl>
+                    <p:sldTgt/>
+                  </p:tgtEl>
+                </p:cond>
+              </p:prevCondLst>
+              <p:nextCondLst>
+                <p:cond evt="onNext" delay="0">
+                  <p:tgtEl>
+                    <p:sldTgt/>
+                  </p:tgtEl>
+                </p:cond>
+              </p:nextCondLst>
+            </p:seq>
+          </p:childTnLst>
+        </p:cTn>
       </p:par>
     </p:tnLst>
+    <p:bldLst>
+      <p:bldP spid="2" grpId="0" build="p"/>
+    </p:bldLst>
   </p:timing>
 </p:sld>
 </file>
@@ -18096,98 +18932,16 @@
             <p:ph idx="1"/>
           </p:nvPr>
         </p:nvSpPr>
-        <p:spPr>
-          <a:xfrm>
-            <a:off x="304800" y="2133600"/>
-            <a:ext cx="8610599" cy="4343400"/>
-          </a:xfrm>
-        </p:spPr>
+        <p:spPr/>
         <p:txBody>
-          <a:bodyPr>
-            <a:normAutofit/>
-          </a:bodyPr>
+          <a:bodyPr/>
           <a:lstStyle/>
           <a:p>
-            <a:r>
-              <a:rPr lang="en-US" dirty="0"/>
-              <a:t>What does “The value for property </a:t>
-            </a:r>
-            <a:r>
-              <a:rPr lang="en-US" dirty="0" err="1"/>
-              <a:t>java.lang.String</a:t>
-            </a:r>
-            <a:r>
-              <a:rPr lang="en-US" dirty="0"/>
-              <a:t> cannot be retrieved from object of type id” mean</a:t>
-            </a:r>
-            <a:r>
-              <a:rPr lang="en-US" dirty="0" smtClean="0"/>
-              <a:t>?</a:t>
-            </a:r>
-          </a:p>
-          <a:p>
-            <a:pPr lvl="1"/>
-            <a:r>
-              <a:rPr lang="en-US" dirty="0" smtClean="0"/>
-              <a:t>You probably changed a simple property to  a many-to-one but didn’t update the code that calls the setters</a:t>
-            </a:r>
-          </a:p>
-          <a:p>
-            <a:pPr lvl="1"/>
-            <a:r>
-              <a:rPr lang="en-US" dirty="0" smtClean="0"/>
-              <a:t>You’re setting a simple value when it expects an object</a:t>
-            </a:r>
-            <a:endParaRPr lang="en-US" dirty="0"/>
-          </a:p>
-          <a:p>
-            <a:endParaRPr lang="en-US" dirty="0" smtClean="0"/>
-          </a:p>
-          <a:p>
-            <a:r>
-              <a:rPr lang="en-US" dirty="0" smtClean="0"/>
-              <a:t>How do I </a:t>
-            </a:r>
-            <a:r>
-              <a:rPr lang="en-US" b="1" dirty="0" smtClean="0"/>
-              <a:t>unset</a:t>
-            </a:r>
-            <a:r>
-              <a:rPr lang="en-US" dirty="0" smtClean="0"/>
-              <a:t> a many-to-one value?</a:t>
-            </a:r>
-          </a:p>
-          <a:p>
-            <a:pPr lvl="1"/>
-            <a:r>
-              <a:rPr lang="en-US" dirty="0" smtClean="0"/>
-              <a:t>setMyM2OProperty( </a:t>
-            </a:r>
-            <a:r>
-              <a:rPr lang="en-US" dirty="0" err="1" smtClean="0"/>
-              <a:t>javacast</a:t>
-            </a:r>
-            <a:r>
-              <a:rPr lang="en-US" dirty="0" smtClean="0"/>
-              <a:t>(“null</a:t>
-            </a:r>
-            <a:r>
-              <a:rPr lang="en-US" dirty="0"/>
-              <a:t>”, “”) </a:t>
-            </a:r>
-            <a:r>
-              <a:rPr lang="en-US" dirty="0" smtClean="0"/>
-              <a:t>);</a:t>
-            </a:r>
-          </a:p>
-          <a:p>
-            <a:pPr lvl="1"/>
-            <a:endParaRPr lang="en-US" dirty="0" smtClean="0"/>
-          </a:p>
-          <a:p>
-            <a:pPr marL="627063" lvl="2" indent="0">
-              <a:buNone/>
-            </a:pPr>
+            <a:pPr algn="ctr"/>
+            <a:r>
+              <a:rPr lang="en-US" dirty="0" smtClean="0"/>
+              <a:t>Demo simple one-to-many property</a:t>
+            </a:r>
             <a:endParaRPr lang="en-US" dirty="0"/>
           </a:p>
         </p:txBody>
@@ -18209,7 +18963,7 @@
           <a:p>
             <a:r>
               <a:rPr lang="en-US" dirty="0" smtClean="0"/>
-              <a:t>Enlightenment</a:t>
+              <a:t>One-to-Many Demo</a:t>
             </a:r>
             <a:endParaRPr lang="en-US" dirty="0"/>
           </a:p>
@@ -18218,7 +18972,7 @@
     </p:spTree>
     <p:extLst>
       <p:ext uri="{BB962C8B-B14F-4D97-AF65-F5344CB8AC3E}">
-        <p14:creationId xmlns:p14="http://schemas.microsoft.com/office/powerpoint/2010/main" val="3302775247"/>
+        <p14:creationId xmlns:p14="http://schemas.microsoft.com/office/powerpoint/2010/main" val="1855450989"/>
       </p:ext>
     </p:extLst>
   </p:cSld>
@@ -18264,148 +19018,130 @@
         </p:nvSpPr>
         <p:spPr>
           <a:xfrm>
-            <a:off x="304800" y="2133600"/>
-            <a:ext cx="8610599" cy="4343400"/>
+            <a:off x="533401" y="2438400"/>
+            <a:ext cx="7924800" cy="3687763"/>
           </a:xfrm>
         </p:spPr>
         <p:txBody>
           <a:bodyPr>
-            <a:normAutofit/>
+            <a:normAutofit fontScale="92500" lnSpcReduction="20000"/>
           </a:bodyPr>
           <a:lstStyle/>
           <a:p>
             <a:r>
+              <a:rPr lang="en-US" dirty="0" smtClean="0"/>
+              <a:t>For me, most useful when saving relationships through them</a:t>
+            </a:r>
+          </a:p>
+          <a:p>
+            <a:pPr lvl="1"/>
+            <a:r>
+              <a:rPr lang="en-US" dirty="0" smtClean="0"/>
+              <a:t>E.g. linking an Attendee to Events</a:t>
+            </a:r>
+          </a:p>
+          <a:p>
+            <a:endParaRPr lang="en-US" dirty="0" smtClean="0"/>
+          </a:p>
+          <a:p>
+            <a:r>
+              <a:rPr lang="en-US" dirty="0" smtClean="0"/>
+              <a:t>Discourage use for “listing things”</a:t>
+            </a:r>
+          </a:p>
+          <a:p>
+            <a:pPr lvl="1"/>
+            <a:r>
+              <a:rPr lang="en-US" dirty="0" smtClean="0"/>
+              <a:t>Do you really </a:t>
+            </a:r>
+            <a:r>
+              <a:rPr lang="en-US" b="1" i="1" dirty="0" smtClean="0"/>
+              <a:t>need</a:t>
+            </a:r>
+            <a:r>
+              <a:rPr lang="en-US" dirty="0" smtClean="0"/>
+              <a:t> a property of “</a:t>
+            </a:r>
+            <a:r>
               <a:rPr lang="en-US" dirty="0" err="1" smtClean="0"/>
-              <a:t>CFDump</a:t>
-            </a:r>
-            <a:r>
-              <a:rPr lang="en-US" dirty="0" smtClean="0"/>
-              <a:t> just got </a:t>
+              <a:t>Adminstered</a:t>
+            </a:r>
+            <a:r>
+              <a:rPr lang="en-US" dirty="0" smtClean="0"/>
+              <a:t> Events”?</a:t>
+            </a:r>
+          </a:p>
+          <a:p>
+            <a:pPr lvl="1"/>
+            <a:r>
+              <a:rPr lang="en-US" dirty="0" smtClean="0"/>
+              <a:t>Prefer </a:t>
+            </a:r>
+            <a:r>
+              <a:rPr lang="en-US" b="1" dirty="0" smtClean="0"/>
+              <a:t>HQL or SQL </a:t>
+            </a:r>
+            <a:r>
+              <a:rPr lang="en-US" dirty="0" smtClean="0"/>
+              <a:t>instead</a:t>
+            </a:r>
+          </a:p>
+          <a:p>
+            <a:pPr lvl="1"/>
+            <a:r>
+              <a:rPr lang="en-US" dirty="0" smtClean="0"/>
+              <a:t>Read up on </a:t>
+            </a:r>
+            <a:r>
+              <a:rPr lang="en-US" dirty="0"/>
+              <a:t>the </a:t>
+            </a:r>
+            <a:r>
+              <a:rPr lang="en-US" b="1" dirty="0"/>
+              <a:t>N+1 Selects </a:t>
+            </a:r>
+            <a:r>
+              <a:rPr lang="en-US" dirty="0"/>
+              <a:t>problem</a:t>
+            </a:r>
+          </a:p>
+          <a:p>
+            <a:pPr lvl="1"/>
+            <a:r>
+              <a:rPr lang="en-US" dirty="0" smtClean="0"/>
+              <a:t>Learn about </a:t>
+            </a:r>
+            <a:r>
+              <a:rPr lang="en-US" b="1" dirty="0" smtClean="0"/>
+              <a:t>lazy=“extra”</a:t>
+            </a:r>
+          </a:p>
+          <a:p>
+            <a:pPr lvl="1"/>
+            <a:endParaRPr lang="en-US" dirty="0" smtClean="0"/>
+          </a:p>
+          <a:p>
+            <a:r>
+              <a:rPr lang="en-US" b="1" dirty="0" smtClean="0">
+                <a:solidFill>
+                  <a:srgbClr val="FF0000"/>
+                </a:solidFill>
+              </a:rPr>
+              <a:t>Red Flag</a:t>
+            </a:r>
+            <a:r>
+              <a:rPr lang="en-US" dirty="0" smtClean="0"/>
+              <a:t>: properties that simply take the place of “select * from some table where id = :</a:t>
             </a:r>
             <a:r>
               <a:rPr lang="en-US" dirty="0" err="1" smtClean="0"/>
-              <a:t>reaaal</a:t>
-            </a:r>
-            <a:r>
-              <a:rPr lang="en-US" dirty="0" smtClean="0"/>
-              <a:t> slow. Why?</a:t>
-            </a:r>
-          </a:p>
-          <a:p>
-            <a:endParaRPr lang="en-US" dirty="0"/>
-          </a:p>
-          <a:p>
-            <a:pPr lvl="1"/>
-            <a:r>
-              <a:rPr lang="en-US" dirty="0" smtClean="0"/>
-              <a:t>ALWAYS use “top” when </a:t>
-            </a:r>
-            <a:r>
-              <a:rPr lang="en-US" dirty="0" err="1" smtClean="0"/>
-              <a:t>cfdumping</a:t>
-            </a:r>
-            <a:r>
-              <a:rPr lang="en-US" dirty="0" smtClean="0"/>
-              <a:t> an ORM object</a:t>
-            </a:r>
-          </a:p>
-          <a:p>
-            <a:pPr lvl="2"/>
-            <a:r>
-              <a:rPr lang="en-US" dirty="0" err="1" smtClean="0"/>
-              <a:t>writeDump</a:t>
-            </a:r>
-            <a:r>
-              <a:rPr lang="en-US" dirty="0" smtClean="0"/>
-              <a:t>(</a:t>
-            </a:r>
-            <a:r>
-              <a:rPr lang="en-US" dirty="0" err="1" smtClean="0"/>
-              <a:t>var</a:t>
-            </a:r>
-            <a:r>
-              <a:rPr lang="en-US" dirty="0" smtClean="0"/>
-              <a:t>=object, top=“3”);</a:t>
-            </a:r>
-            <a:endParaRPr lang="en-US" dirty="0"/>
-          </a:p>
-          <a:p>
-            <a:pPr lvl="1"/>
-            <a:r>
-              <a:rPr lang="en-US" dirty="0" smtClean="0"/>
-              <a:t>In </a:t>
-            </a:r>
-            <a:r>
-              <a:rPr lang="en-US" dirty="0" err="1" smtClean="0"/>
-              <a:t>MXUnit</a:t>
-            </a:r>
-            <a:r>
-              <a:rPr lang="en-US" dirty="0" smtClean="0"/>
-              <a:t> tests:</a:t>
-            </a:r>
-          </a:p>
-          <a:p>
-            <a:pPr lvl="2"/>
-            <a:r>
-              <a:rPr lang="en-US" dirty="0" smtClean="0"/>
-              <a:t>debug(</a:t>
-            </a:r>
-            <a:r>
-              <a:rPr lang="en-US" dirty="0" err="1" smtClean="0"/>
-              <a:t>var</a:t>
-            </a:r>
-            <a:r>
-              <a:rPr lang="en-US" dirty="0" smtClean="0"/>
-              <a:t>=object, top=“3”);</a:t>
-            </a:r>
-          </a:p>
-          <a:p>
-            <a:pPr lvl="2"/>
-            <a:endParaRPr lang="en-US" dirty="0" smtClean="0"/>
-          </a:p>
-          <a:p>
-            <a:r>
-              <a:rPr lang="en-US" dirty="0" smtClean="0"/>
-              <a:t>How </a:t>
-            </a:r>
-            <a:r>
-              <a:rPr lang="en-US" dirty="0"/>
-              <a:t>do I </a:t>
-            </a:r>
-            <a:r>
-              <a:rPr lang="en-US" dirty="0" err="1"/>
-              <a:t>entityLoad</a:t>
-            </a:r>
-            <a:r>
-              <a:rPr lang="en-US" dirty="0"/>
-              <a:t>() and filter on a property when that property is now an object</a:t>
-            </a:r>
-            <a:r>
-              <a:rPr lang="en-US" dirty="0" smtClean="0"/>
-              <a:t>?</a:t>
-            </a:r>
-          </a:p>
-          <a:p>
-            <a:pPr lvl="2"/>
-            <a:r>
-              <a:rPr lang="en-US" dirty="0" smtClean="0"/>
-              <a:t>You must pass that </a:t>
-            </a:r>
-            <a:r>
-              <a:rPr lang="en-US" b="1" dirty="0" smtClean="0"/>
-              <a:t>object </a:t>
-            </a:r>
-            <a:r>
-              <a:rPr lang="en-US" dirty="0" smtClean="0"/>
-              <a:t> as the filter criteria</a:t>
-            </a:r>
-            <a:endParaRPr lang="en-US" dirty="0"/>
-          </a:p>
-          <a:p>
-            <a:pPr marL="627063" lvl="2" indent="0">
-              <a:buNone/>
-            </a:pPr>
-            <a:endParaRPr lang="en-US" dirty="0"/>
+              <a:t>myid</a:t>
+            </a:r>
+            <a:r>
+              <a:rPr lang="en-US" dirty="0" smtClean="0"/>
+              <a:t>”</a:t>
+            </a:r>
           </a:p>
         </p:txBody>
       </p:sp>
@@ -18426,7 +19162,7 @@
           <a:p>
             <a:r>
               <a:rPr lang="en-US" dirty="0" smtClean="0"/>
-              <a:t>Enlightenment</a:t>
+              <a:t>Enlightenment: One-to-Many…</a:t>
             </a:r>
             <a:endParaRPr lang="en-US" dirty="0"/>
           </a:p>
@@ -18435,7 +19171,7 @@
     </p:spTree>
     <p:extLst>
       <p:ext uri="{BB962C8B-B14F-4D97-AF65-F5344CB8AC3E}">
-        <p14:creationId xmlns:p14="http://schemas.microsoft.com/office/powerpoint/2010/main" val="689824627"/>
+        <p14:creationId xmlns:p14="http://schemas.microsoft.com/office/powerpoint/2010/main" val="2247800207"/>
       </p:ext>
     </p:extLst>
   </p:cSld>
@@ -18445,7 +19181,332 @@
   <p:timing>
     <p:tnLst>
       <p:par>
-        <p:cTn id="1" dur="indefinite" restart="never" nodeType="tmRoot"/>
+        <p:cTn id="1" dur="indefinite" restart="never" nodeType="tmRoot">
+          <p:childTnLst>
+            <p:seq concurrent="1" nextAc="seek">
+              <p:cTn id="2" dur="indefinite" nodeType="mainSeq">
+                <p:childTnLst>
+                  <p:par>
+                    <p:cTn id="3" fill="hold">
+                      <p:stCondLst>
+                        <p:cond delay="indefinite"/>
+                      </p:stCondLst>
+                      <p:childTnLst>
+                        <p:par>
+                          <p:cTn id="4" fill="hold">
+                            <p:stCondLst>
+                              <p:cond delay="0"/>
+                            </p:stCondLst>
+                            <p:childTnLst>
+                              <p:par>
+                                <p:cTn id="5" presetID="1" presetClass="entr" presetSubtype="0" fill="hold" nodeType="clickEffect">
+                                  <p:stCondLst>
+                                    <p:cond delay="0"/>
+                                  </p:stCondLst>
+                                  <p:childTnLst>
+                                    <p:set>
+                                      <p:cBhvr>
+                                        <p:cTn id="6" dur="1" fill="hold">
+                                          <p:stCondLst>
+                                            <p:cond delay="0"/>
+                                          </p:stCondLst>
+                                        </p:cTn>
+                                        <p:tgtEl>
+                                          <p:spTgt spid="2">
+                                            <p:txEl>
+                                              <p:pRg st="0" end="0"/>
+                                            </p:txEl>
+                                          </p:spTgt>
+                                        </p:tgtEl>
+                                        <p:attrNameLst>
+                                          <p:attrName>style.visibility</p:attrName>
+                                        </p:attrNameLst>
+                                      </p:cBhvr>
+                                      <p:to>
+                                        <p:strVal val="visible"/>
+                                      </p:to>
+                                    </p:set>
+                                  </p:childTnLst>
+                                </p:cTn>
+                              </p:par>
+                              <p:par>
+                                <p:cTn id="7" presetID="1" presetClass="entr" presetSubtype="0" fill="hold" nodeType="withEffect">
+                                  <p:stCondLst>
+                                    <p:cond delay="0"/>
+                                  </p:stCondLst>
+                                  <p:childTnLst>
+                                    <p:set>
+                                      <p:cBhvr>
+                                        <p:cTn id="8" dur="1" fill="hold">
+                                          <p:stCondLst>
+                                            <p:cond delay="0"/>
+                                          </p:stCondLst>
+                                        </p:cTn>
+                                        <p:tgtEl>
+                                          <p:spTgt spid="2">
+                                            <p:txEl>
+                                              <p:pRg st="1" end="1"/>
+                                            </p:txEl>
+                                          </p:spTgt>
+                                        </p:tgtEl>
+                                        <p:attrNameLst>
+                                          <p:attrName>style.visibility</p:attrName>
+                                        </p:attrNameLst>
+                                      </p:cBhvr>
+                                      <p:to>
+                                        <p:strVal val="visible"/>
+                                      </p:to>
+                                    </p:set>
+                                  </p:childTnLst>
+                                </p:cTn>
+                              </p:par>
+                            </p:childTnLst>
+                          </p:cTn>
+                        </p:par>
+                      </p:childTnLst>
+                    </p:cTn>
+                  </p:par>
+                  <p:par>
+                    <p:cTn id="9" fill="hold">
+                      <p:stCondLst>
+                        <p:cond delay="indefinite"/>
+                      </p:stCondLst>
+                      <p:childTnLst>
+                        <p:par>
+                          <p:cTn id="10" fill="hold">
+                            <p:stCondLst>
+                              <p:cond delay="0"/>
+                            </p:stCondLst>
+                            <p:childTnLst>
+                              <p:par>
+                                <p:cTn id="11" presetID="1" presetClass="entr" presetSubtype="0" fill="hold" nodeType="clickEffect">
+                                  <p:stCondLst>
+                                    <p:cond delay="0"/>
+                                  </p:stCondLst>
+                                  <p:childTnLst>
+                                    <p:set>
+                                      <p:cBhvr>
+                                        <p:cTn id="12" dur="1" fill="hold">
+                                          <p:stCondLst>
+                                            <p:cond delay="0"/>
+                                          </p:stCondLst>
+                                        </p:cTn>
+                                        <p:tgtEl>
+                                          <p:spTgt spid="2">
+                                            <p:txEl>
+                                              <p:pRg st="3" end="3"/>
+                                            </p:txEl>
+                                          </p:spTgt>
+                                        </p:tgtEl>
+                                        <p:attrNameLst>
+                                          <p:attrName>style.visibility</p:attrName>
+                                        </p:attrNameLst>
+                                      </p:cBhvr>
+                                      <p:to>
+                                        <p:strVal val="visible"/>
+                                      </p:to>
+                                    </p:set>
+                                  </p:childTnLst>
+                                </p:cTn>
+                              </p:par>
+                              <p:par>
+                                <p:cTn id="13" presetID="1" presetClass="entr" presetSubtype="0" fill="hold" nodeType="withEffect">
+                                  <p:stCondLst>
+                                    <p:cond delay="0"/>
+                                  </p:stCondLst>
+                                  <p:childTnLst>
+                                    <p:set>
+                                      <p:cBhvr>
+                                        <p:cTn id="14" dur="1" fill="hold">
+                                          <p:stCondLst>
+                                            <p:cond delay="0"/>
+                                          </p:stCondLst>
+                                        </p:cTn>
+                                        <p:tgtEl>
+                                          <p:spTgt spid="2">
+                                            <p:txEl>
+                                              <p:pRg st="4" end="4"/>
+                                            </p:txEl>
+                                          </p:spTgt>
+                                        </p:tgtEl>
+                                        <p:attrNameLst>
+                                          <p:attrName>style.visibility</p:attrName>
+                                        </p:attrNameLst>
+                                      </p:cBhvr>
+                                      <p:to>
+                                        <p:strVal val="visible"/>
+                                      </p:to>
+                                    </p:set>
+                                  </p:childTnLst>
+                                </p:cTn>
+                              </p:par>
+                              <p:par>
+                                <p:cTn id="15" presetID="1" presetClass="entr" presetSubtype="0" fill="hold" nodeType="withEffect">
+                                  <p:stCondLst>
+                                    <p:cond delay="0"/>
+                                  </p:stCondLst>
+                                  <p:childTnLst>
+                                    <p:set>
+                                      <p:cBhvr>
+                                        <p:cTn id="16" dur="1" fill="hold">
+                                          <p:stCondLst>
+                                            <p:cond delay="0"/>
+                                          </p:stCondLst>
+                                        </p:cTn>
+                                        <p:tgtEl>
+                                          <p:spTgt spid="2">
+                                            <p:txEl>
+                                              <p:pRg st="5" end="5"/>
+                                            </p:txEl>
+                                          </p:spTgt>
+                                        </p:tgtEl>
+                                        <p:attrNameLst>
+                                          <p:attrName>style.visibility</p:attrName>
+                                        </p:attrNameLst>
+                                      </p:cBhvr>
+                                      <p:to>
+                                        <p:strVal val="visible"/>
+                                      </p:to>
+                                    </p:set>
+                                  </p:childTnLst>
+                                </p:cTn>
+                              </p:par>
+                              <p:par>
+                                <p:cTn id="17" presetID="1" presetClass="entr" presetSubtype="0" fill="hold" nodeType="withEffect">
+                                  <p:stCondLst>
+                                    <p:cond delay="0"/>
+                                  </p:stCondLst>
+                                  <p:childTnLst>
+                                    <p:set>
+                                      <p:cBhvr>
+                                        <p:cTn id="18" dur="1" fill="hold">
+                                          <p:stCondLst>
+                                            <p:cond delay="0"/>
+                                          </p:stCondLst>
+                                        </p:cTn>
+                                        <p:tgtEl>
+                                          <p:spTgt spid="2">
+                                            <p:txEl>
+                                              <p:pRg st="6" end="6"/>
+                                            </p:txEl>
+                                          </p:spTgt>
+                                        </p:tgtEl>
+                                        <p:attrNameLst>
+                                          <p:attrName>style.visibility</p:attrName>
+                                        </p:attrNameLst>
+                                      </p:cBhvr>
+                                      <p:to>
+                                        <p:strVal val="visible"/>
+                                      </p:to>
+                                    </p:set>
+                                  </p:childTnLst>
+                                </p:cTn>
+                              </p:par>
+                              <p:par>
+                                <p:cTn id="19" presetID="1" presetClass="entr" presetSubtype="0" fill="hold" nodeType="withEffect">
+                                  <p:stCondLst>
+                                    <p:cond delay="0"/>
+                                  </p:stCondLst>
+                                  <p:childTnLst>
+                                    <p:set>
+                                      <p:cBhvr>
+                                        <p:cTn id="20" dur="1" fill="hold">
+                                          <p:stCondLst>
+                                            <p:cond delay="0"/>
+                                          </p:stCondLst>
+                                        </p:cTn>
+                                        <p:tgtEl>
+                                          <p:spTgt spid="2">
+                                            <p:txEl>
+                                              <p:pRg st="7" end="7"/>
+                                            </p:txEl>
+                                          </p:spTgt>
+                                        </p:tgtEl>
+                                        <p:attrNameLst>
+                                          <p:attrName>style.visibility</p:attrName>
+                                        </p:attrNameLst>
+                                      </p:cBhvr>
+                                      <p:to>
+                                        <p:strVal val="visible"/>
+                                      </p:to>
+                                    </p:set>
+                                  </p:childTnLst>
+                                </p:cTn>
+                              </p:par>
+                            </p:childTnLst>
+                          </p:cTn>
+                        </p:par>
+                      </p:childTnLst>
+                    </p:cTn>
+                  </p:par>
+                  <p:par>
+                    <p:cTn id="21" fill="hold">
+                      <p:stCondLst>
+                        <p:cond delay="indefinite"/>
+                      </p:stCondLst>
+                      <p:childTnLst>
+                        <p:par>
+                          <p:cTn id="22" fill="hold">
+                            <p:stCondLst>
+                              <p:cond delay="0"/>
+                            </p:stCondLst>
+                            <p:childTnLst>
+                              <p:par>
+                                <p:cTn id="23" presetID="1" presetClass="entr" presetSubtype="0" fill="hold" nodeType="clickEffect">
+                                  <p:stCondLst>
+                                    <p:cond delay="0"/>
+                                  </p:stCondLst>
+                                  <p:childTnLst>
+                                    <p:set>
+                                      <p:cBhvr>
+                                        <p:cTn id="24" dur="1" fill="hold">
+                                          <p:stCondLst>
+                                            <p:cond delay="0"/>
+                                          </p:stCondLst>
+                                        </p:cTn>
+                                        <p:tgtEl>
+                                          <p:spTgt spid="2">
+                                            <p:txEl>
+                                              <p:pRg st="9" end="9"/>
+                                            </p:txEl>
+                                          </p:spTgt>
+                                        </p:tgtEl>
+                                        <p:attrNameLst>
+                                          <p:attrName>style.visibility</p:attrName>
+                                        </p:attrNameLst>
+                                      </p:cBhvr>
+                                      <p:to>
+                                        <p:strVal val="visible"/>
+                                      </p:to>
+                                    </p:set>
+                                  </p:childTnLst>
+                                </p:cTn>
+                              </p:par>
+                            </p:childTnLst>
+                          </p:cTn>
+                        </p:par>
+                      </p:childTnLst>
+                    </p:cTn>
+                  </p:par>
+                </p:childTnLst>
+              </p:cTn>
+              <p:prevCondLst>
+                <p:cond evt="onPrev" delay="0">
+                  <p:tgtEl>
+                    <p:sldTgt/>
+                  </p:tgtEl>
+                </p:cond>
+              </p:prevCondLst>
+              <p:nextCondLst>
+                <p:cond evt="onNext" delay="0">
+                  <p:tgtEl>
+                    <p:sldTgt/>
+                  </p:tgtEl>
+                </p:cond>
+              </p:nextCondLst>
+            </p:seq>
+          </p:childTnLst>
+        </p:cTn>
       </p:par>
     </p:tnLst>
   </p:timing>
@@ -18509,8 +19570,8 @@
               <a:buAutoNum type="arabicPeriod"/>
             </a:pPr>
             <a:r>
-              <a:rPr lang="en-US" b="1" dirty="0" smtClean="0"/>
-              <a:t>One-to-Many Intro: Bidirectional relationships</a:t>
+              <a:rPr lang="en-US" dirty="0" smtClean="0"/>
+              <a:t>One-to-Many Relationships</a:t>
             </a:r>
           </a:p>
           <a:p>
@@ -18519,7 +19580,7 @@
               <a:buAutoNum type="arabicPeriod"/>
             </a:pPr>
             <a:r>
-              <a:rPr lang="en-US" dirty="0" smtClean="0"/>
+              <a:rPr lang="en-US" b="1" dirty="0" smtClean="0"/>
               <a:t>One-to-Many: Adding to Collections</a:t>
             </a:r>
           </a:p>
@@ -18582,7 +19643,7 @@
     </p:spTree>
     <p:extLst>
       <p:ext uri="{BB962C8B-B14F-4D97-AF65-F5344CB8AC3E}">
-        <p14:creationId xmlns:p14="http://schemas.microsoft.com/office/powerpoint/2010/main" val="3332806906"/>
+        <p14:creationId xmlns:p14="http://schemas.microsoft.com/office/powerpoint/2010/main" val="1332513536"/>
       </p:ext>
     </p:extLst>
   </p:cSld>
@@ -18626,22 +19687,23 @@
             <p:ph idx="1"/>
           </p:nvPr>
         </p:nvSpPr>
-        <p:spPr/>
+        <p:spPr>
+          <a:xfrm>
+            <a:off x="380999" y="2789237"/>
+            <a:ext cx="8534401" cy="3763963"/>
+          </a:xfrm>
+        </p:spPr>
         <p:txBody>
           <a:bodyPr/>
           <a:lstStyle/>
           <a:p>
             <a:r>
               <a:rPr lang="en-US" dirty="0" smtClean="0"/>
-              <a:t>I’m </a:t>
-            </a:r>
-            <a:r>
-              <a:rPr lang="en-US" dirty="0" err="1" smtClean="0"/>
-              <a:t>gonna</a:t>
-            </a:r>
-            <a:r>
-              <a:rPr lang="en-US" dirty="0" smtClean="0"/>
-              <a:t> have properties for every relationship I can think of and never write SQL Again!</a:t>
+              <a:t>When I add an object to a one-to-many collection, it won’t </a:t>
+            </a:r>
+            <a:r>
+              <a:rPr lang="en-US" dirty="0" smtClean="0"/>
+              <a:t>save</a:t>
             </a:r>
           </a:p>
           <a:p>
@@ -18650,32 +19712,8 @@
           <a:p>
             <a:r>
               <a:rPr lang="en-US" dirty="0" smtClean="0"/>
-              <a:t>If( </a:t>
-            </a:r>
-            <a:r>
-              <a:rPr lang="en-US" dirty="0" err="1" smtClean="0"/>
-              <a:t>arrayLen</a:t>
-            </a:r>
-            <a:r>
-              <a:rPr lang="en-US" dirty="0" smtClean="0"/>
-              <a:t>(</a:t>
-            </a:r>
-            <a:r>
-              <a:rPr lang="en-US" dirty="0" err="1" smtClean="0"/>
-              <a:t>myOneToMany</a:t>
-            </a:r>
-            <a:r>
-              <a:rPr lang="en-US" dirty="0" smtClean="0"/>
-              <a:t>) GT 0 )</a:t>
-            </a:r>
-          </a:p>
-          <a:p>
-            <a:pPr lvl="1"/>
-            <a:r>
-              <a:rPr lang="en-US" dirty="0" smtClean="0"/>
-              <a:t>Why is this so slow?</a:t>
-            </a:r>
-            <a:endParaRPr lang="en-US" dirty="0"/>
+              <a:t>When I delete an object from a one-to-many collection, I get “null” errors</a:t>
+            </a:r>
           </a:p>
         </p:txBody>
       </p:sp>
@@ -18696,7 +19734,7 @@
           <a:p>
             <a:r>
               <a:rPr lang="en-US" dirty="0" smtClean="0"/>
-              <a:t>Suffering: one-to-many Gluttony</a:t>
+              <a:t>Suffering</a:t>
             </a:r>
             <a:endParaRPr lang="en-US" dirty="0"/>
           </a:p>
@@ -18705,7 +19743,7 @@
     </p:spTree>
     <p:extLst>
       <p:ext uri="{BB962C8B-B14F-4D97-AF65-F5344CB8AC3E}">
-        <p14:creationId xmlns:p14="http://schemas.microsoft.com/office/powerpoint/2010/main" val="2239913731"/>
+        <p14:creationId xmlns:p14="http://schemas.microsoft.com/office/powerpoint/2010/main" val="2232397815"/>
       </p:ext>
     </p:extLst>
   </p:cSld>
@@ -18749,160 +19787,16 @@
             <p:ph idx="1"/>
           </p:nvPr>
         </p:nvSpPr>
-        <p:spPr>
-          <a:xfrm>
-            <a:off x="897467" y="2416704"/>
-            <a:ext cx="7408333" cy="3450696"/>
-          </a:xfrm>
-        </p:spPr>
+        <p:spPr/>
         <p:txBody>
-          <a:bodyPr>
-            <a:normAutofit fontScale="77500" lnSpcReduction="20000"/>
-          </a:bodyPr>
+          <a:bodyPr/>
           <a:lstStyle/>
           <a:p>
             <a:r>
               <a:rPr lang="en-US" dirty="0" smtClean="0"/>
-              <a:t>Bi-di --- “many-to-one” on one side, and “one-to-many” on the other</a:t>
-            </a:r>
-          </a:p>
-          <a:p>
-            <a:r>
-              <a:rPr lang="en-US" dirty="0" smtClean="0"/>
-              <a:t>Database </a:t>
-            </a:r>
-            <a:r>
-              <a:rPr lang="en-US" b="1" dirty="0" smtClean="0"/>
-              <a:t>schemas </a:t>
-            </a:r>
-            <a:r>
-              <a:rPr lang="en-US" dirty="0" smtClean="0"/>
-              <a:t>have no concept of </a:t>
-            </a:r>
-            <a:r>
-              <a:rPr lang="en-US" dirty="0" err="1" smtClean="0"/>
-              <a:t>uni</a:t>
-            </a:r>
-            <a:r>
-              <a:rPr lang="en-US" dirty="0" smtClean="0"/>
-              <a:t>-di; bi-di only</a:t>
-            </a:r>
-          </a:p>
-          <a:p>
-            <a:pPr lvl="1"/>
-            <a:r>
-              <a:rPr lang="en-US" dirty="0" smtClean="0"/>
-              <a:t>Express bi-di with SQL (often with joins)</a:t>
-            </a:r>
-          </a:p>
-          <a:p>
-            <a:pPr lvl="1"/>
-            <a:r>
-              <a:rPr lang="en-US" dirty="0" smtClean="0"/>
-              <a:t>“ select * from  event where </a:t>
-            </a:r>
-            <a:r>
-              <a:rPr lang="en-US" dirty="0" err="1" smtClean="0"/>
-              <a:t>ModifiedBy</a:t>
-            </a:r>
-            <a:r>
-              <a:rPr lang="en-US" dirty="0" smtClean="0"/>
-              <a:t> = ? ”</a:t>
-            </a:r>
-          </a:p>
-          <a:p>
-            <a:r>
-              <a:rPr lang="en-US" dirty="0" smtClean="0"/>
-              <a:t>Think: “this ONE Administrator will have MANY modified events”</a:t>
-            </a:r>
-          </a:p>
-          <a:p>
-            <a:r>
-              <a:rPr lang="en-US" b="1" dirty="0" smtClean="0"/>
-              <a:t>Four Knobs:</a:t>
-            </a:r>
-          </a:p>
-          <a:p>
-            <a:pPr lvl="1"/>
-            <a:r>
-              <a:rPr lang="en-US" b="1" dirty="0" err="1" smtClean="0"/>
-              <a:t>fieldtype</a:t>
-            </a:r>
-            <a:r>
-              <a:rPr lang="en-US" dirty="0" smtClean="0"/>
-              <a:t> = “one-to-many”</a:t>
-            </a:r>
-          </a:p>
-          <a:p>
-            <a:pPr lvl="1"/>
-            <a:r>
-              <a:rPr lang="en-US" b="1" dirty="0" err="1" smtClean="0"/>
-              <a:t>fkcolumn</a:t>
-            </a:r>
-            <a:r>
-              <a:rPr lang="en-US" dirty="0" smtClean="0"/>
-              <a:t> = Foreign key column in the RELATED object’s table for this property</a:t>
-            </a:r>
-          </a:p>
-          <a:p>
-            <a:pPr lvl="1"/>
-            <a:r>
-              <a:rPr lang="en-US" b="1" dirty="0"/>
-              <a:t>c</a:t>
-            </a:r>
-            <a:r>
-              <a:rPr lang="en-US" b="1" dirty="0" smtClean="0"/>
-              <a:t>fc</a:t>
-            </a:r>
-            <a:r>
-              <a:rPr lang="en-US" dirty="0" smtClean="0"/>
-              <a:t> = CFC Name of the related entity</a:t>
-            </a:r>
-          </a:p>
-          <a:p>
-            <a:pPr lvl="1"/>
-            <a:r>
-              <a:rPr lang="en-US" b="1" dirty="0" err="1" smtClean="0"/>
-              <a:t>singularName</a:t>
-            </a:r>
-            <a:r>
-              <a:rPr lang="en-US" dirty="0" smtClean="0"/>
-              <a:t> = how to refer to single members of this collection</a:t>
-            </a:r>
-            <a:endParaRPr lang="en-US" b="1" dirty="0" smtClean="0"/>
-          </a:p>
-          <a:p>
-            <a:r>
-              <a:rPr lang="en-US" dirty="0" smtClean="0"/>
-              <a:t>And one </a:t>
-            </a:r>
-            <a:r>
-              <a:rPr lang="en-US" b="1" dirty="0" smtClean="0"/>
-              <a:t>devil knob named ‘inverse’ </a:t>
-            </a:r>
-            <a:r>
-              <a:rPr lang="en-US" dirty="0" smtClean="0"/>
-              <a:t>to be discussed later</a:t>
-            </a:r>
-            <a:r>
-              <a:rPr lang="en-US" b="1" dirty="0" smtClean="0"/>
-              <a:t>	</a:t>
-            </a:r>
-            <a:endParaRPr lang="en-US" dirty="0" smtClean="0"/>
-          </a:p>
-          <a:p>
-            <a:endParaRPr lang="en-US" b="1" dirty="0"/>
-          </a:p>
-          <a:p>
-            <a:endParaRPr lang="en-US" b="1" dirty="0" smtClean="0"/>
-          </a:p>
-          <a:p>
-            <a:pPr lvl="1"/>
-            <a:endParaRPr lang="en-US" b="1" dirty="0" smtClean="0"/>
-          </a:p>
-          <a:p>
-            <a:pPr lvl="1"/>
-            <a:endParaRPr lang="en-US" b="1" dirty="0" smtClean="0"/>
+              <a:t>Demo one-to-many saves with and without cascade</a:t>
+            </a:r>
+            <a:endParaRPr lang="en-US" dirty="0"/>
           </a:p>
         </p:txBody>
       </p:sp>
@@ -18923,7 +19817,7 @@
           <a:p>
             <a:r>
               <a:rPr lang="en-US" dirty="0" smtClean="0"/>
-              <a:t>Bidirectional Relationships</a:t>
+              <a:t>Demo: Whither cascade?</a:t>
             </a:r>
             <a:endParaRPr lang="en-US" dirty="0"/>
           </a:p>
@@ -18932,7 +19826,7 @@
     </p:spTree>
     <p:extLst>
       <p:ext uri="{BB962C8B-B14F-4D97-AF65-F5344CB8AC3E}">
-        <p14:creationId xmlns:p14="http://schemas.microsoft.com/office/powerpoint/2010/main" val="2554595791"/>
+        <p14:creationId xmlns:p14="http://schemas.microsoft.com/office/powerpoint/2010/main" val="3054947874"/>
       </p:ext>
     </p:extLst>
   </p:cSld>
@@ -18976,17 +19870,59 @@
             <p:ph idx="1"/>
           </p:nvPr>
         </p:nvSpPr>
-        <p:spPr/>
+        <p:spPr>
+          <a:xfrm>
+            <a:off x="380999" y="2560637"/>
+            <a:ext cx="8534401" cy="3763963"/>
+          </a:xfrm>
+        </p:spPr>
         <p:txBody>
-          <a:bodyPr/>
+          <a:bodyPr>
+            <a:normAutofit/>
+          </a:bodyPr>
           <a:lstStyle/>
           <a:p>
-            <a:pPr algn="ctr"/>
-            <a:r>
-              <a:rPr lang="en-US" dirty="0" smtClean="0"/>
-              <a:t>Demo simple one-to-many property</a:t>
-            </a:r>
-            <a:endParaRPr lang="en-US" dirty="0"/>
+            <a:r>
+              <a:rPr lang="en-US" dirty="0" smtClean="0"/>
+              <a:t>When I add an object to a one-to-many collection, it won’t save</a:t>
+            </a:r>
+          </a:p>
+          <a:p>
+            <a:pPr lvl="1"/>
+            <a:r>
+              <a:rPr lang="en-US" b="1" dirty="0" smtClean="0"/>
+              <a:t>Need cascade=“all” on the one-to-many property</a:t>
+            </a:r>
+          </a:p>
+          <a:p>
+            <a:pPr lvl="1"/>
+            <a:endParaRPr lang="en-US" dirty="0" smtClean="0"/>
+          </a:p>
+          <a:p>
+            <a:r>
+              <a:rPr lang="en-US" dirty="0" smtClean="0"/>
+              <a:t>When I delete an object from a one-to-many collection, I get “null” errors</a:t>
+            </a:r>
+          </a:p>
+          <a:p>
+            <a:pPr lvl="1"/>
+            <a:r>
+              <a:rPr lang="en-US" b="1" dirty="0"/>
+              <a:t>Need cascade=“</a:t>
+            </a:r>
+            <a:r>
+              <a:rPr lang="en-US" b="1" dirty="0" smtClean="0"/>
+              <a:t>all-delete-orphan” </a:t>
+            </a:r>
+            <a:r>
+              <a:rPr lang="en-US" b="1" dirty="0"/>
+              <a:t>on the one-to-many </a:t>
+            </a:r>
+            <a:r>
+              <a:rPr lang="en-US" b="1" dirty="0" smtClean="0"/>
+              <a:t>property</a:t>
+            </a:r>
+            <a:endParaRPr lang="en-US" b="1" dirty="0"/>
           </a:p>
         </p:txBody>
       </p:sp>
@@ -19002,12 +19938,14 @@
         </p:nvSpPr>
         <p:spPr/>
         <p:txBody>
-          <a:bodyPr/>
+          <a:bodyPr>
+            <a:normAutofit/>
+          </a:bodyPr>
           <a:lstStyle/>
           <a:p>
             <a:r>
               <a:rPr lang="en-US" dirty="0" smtClean="0"/>
-              <a:t>One-to-Many Demo</a:t>
+              <a:t>Enlightenment: Cascade</a:t>
             </a:r>
             <a:endParaRPr lang="en-US" dirty="0"/>
           </a:p>
@@ -19016,7 +19954,7 @@
     </p:spTree>
     <p:extLst>
       <p:ext uri="{BB962C8B-B14F-4D97-AF65-F5344CB8AC3E}">
-        <p14:creationId xmlns:p14="http://schemas.microsoft.com/office/powerpoint/2010/main" val="1855450989"/>
+        <p14:creationId xmlns:p14="http://schemas.microsoft.com/office/powerpoint/2010/main" val="2428288870"/>
       </p:ext>
     </p:extLst>
   </p:cSld>
@@ -19062,87 +20000,78 @@
         </p:nvSpPr>
         <p:spPr/>
         <p:txBody>
-          <a:bodyPr>
-            <a:normAutofit lnSpcReduction="10000"/>
-          </a:bodyPr>
+          <a:bodyPr/>
           <a:lstStyle/>
           <a:p>
-            <a:r>
-              <a:rPr lang="en-US" dirty="0" smtClean="0"/>
-              <a:t>Sometimes very useful</a:t>
-            </a:r>
-          </a:p>
-          <a:p>
-            <a:pPr lvl="1"/>
-            <a:r>
-              <a:rPr lang="en-US" dirty="0" smtClean="0"/>
-              <a:t>Usually in the context of JOIN tables</a:t>
-            </a:r>
-          </a:p>
-          <a:p>
-            <a:pPr lvl="1"/>
-            <a:r>
-              <a:rPr lang="en-US" dirty="0" smtClean="0"/>
-              <a:t>E.g. linking an Attendee to Events</a:t>
-            </a:r>
-          </a:p>
-          <a:p>
-            <a:pPr lvl="1"/>
-            <a:r>
-              <a:rPr lang="en-US" dirty="0" smtClean="0"/>
-              <a:t>When you </a:t>
-            </a:r>
+            <a:pPr marL="457200" indent="-457200">
+              <a:buFont typeface="+mj-lt"/>
+              <a:buAutoNum type="arabicPeriod"/>
+            </a:pPr>
+            <a:r>
+              <a:rPr lang="en-US" dirty="0" smtClean="0"/>
+              <a:t> ORM Settings -- Control the Session Flush</a:t>
+            </a:r>
+          </a:p>
+          <a:p>
+            <a:pPr marL="457200" indent="-457200">
+              <a:buFont typeface="+mj-lt"/>
+              <a:buAutoNum type="arabicPeriod"/>
+            </a:pPr>
+            <a:r>
+              <a:rPr lang="en-US" dirty="0" smtClean="0"/>
+              <a:t>Many-to-One Relationships</a:t>
+            </a:r>
+          </a:p>
+          <a:p>
+            <a:pPr marL="457200" indent="-457200">
+              <a:buFont typeface="+mj-lt"/>
+              <a:buAutoNum type="arabicPeriod"/>
+            </a:pPr>
+            <a:r>
+              <a:rPr lang="en-US" dirty="0" smtClean="0"/>
+              <a:t>One-to-Many Relationships</a:t>
+            </a:r>
+          </a:p>
+          <a:p>
+            <a:pPr marL="457200" indent="-457200">
+              <a:buFont typeface="+mj-lt"/>
+              <a:buAutoNum type="arabicPeriod"/>
+            </a:pPr>
+            <a:r>
+              <a:rPr lang="en-US" dirty="0" smtClean="0"/>
+              <a:t>One-to-Many: Adding to Collections</a:t>
+            </a:r>
+          </a:p>
+          <a:p>
+            <a:pPr marL="457200" indent="-457200">
+              <a:buFont typeface="+mj-lt"/>
+              <a:buAutoNum type="arabicPeriod"/>
+            </a:pPr>
             <a:r>
               <a:rPr lang="en-US" b="1" dirty="0" smtClean="0"/>
-              <a:t>DO</a:t>
-            </a:r>
-            <a:r>
-              <a:rPr lang="en-US" dirty="0" smtClean="0"/>
-              <a:t> need them… more knobs!</a:t>
-            </a:r>
-          </a:p>
-          <a:p>
-            <a:r>
-              <a:rPr lang="en-US" dirty="0" smtClean="0"/>
-              <a:t>Sometimes not useful and a cause of performance problems on the one-to-many side</a:t>
-            </a:r>
-          </a:p>
-          <a:p>
-            <a:pPr lvl="1"/>
-            <a:r>
-              <a:rPr lang="en-US" dirty="0" smtClean="0"/>
-              <a:t>Do you really need a property of “</a:t>
-            </a:r>
-            <a:r>
-              <a:rPr lang="en-US" dirty="0" err="1" smtClean="0"/>
-              <a:t>Adminstered</a:t>
-            </a:r>
-            <a:r>
-              <a:rPr lang="en-US" dirty="0" smtClean="0"/>
-              <a:t> Events”?</a:t>
-            </a:r>
-          </a:p>
-          <a:p>
-            <a:r>
-              <a:rPr lang="en-US" b="1" dirty="0" smtClean="0">
-                <a:solidFill>
-                  <a:srgbClr val="FF0000"/>
-                </a:solidFill>
-              </a:rPr>
-              <a:t>Red Flag</a:t>
-            </a:r>
-            <a:r>
-              <a:rPr lang="en-US" dirty="0" smtClean="0"/>
-              <a:t>: properties that simply take the place of “select * from some table where id = :</a:t>
-            </a:r>
-            <a:r>
-              <a:rPr lang="en-US" dirty="0" err="1" smtClean="0"/>
-              <a:t>myid</a:t>
-            </a:r>
-            <a:r>
-              <a:rPr lang="en-US" dirty="0" smtClean="0"/>
-              <a:t>”</a:t>
-            </a:r>
+              <a:t>One-to-Many: inverse and “relationship owner”</a:t>
+            </a:r>
+          </a:p>
+          <a:p>
+            <a:pPr marL="457200" indent="-457200">
+              <a:buFont typeface="+mj-lt"/>
+              <a:buAutoNum type="arabicPeriod"/>
+            </a:pPr>
+            <a:r>
+              <a:rPr lang="en-US" dirty="0" smtClean="0"/>
+              <a:t>One-to-Many: Deleting from Collections</a:t>
+            </a:r>
+          </a:p>
+          <a:p>
+            <a:pPr marL="457200" indent="-457200">
+              <a:buFont typeface="+mj-lt"/>
+              <a:buAutoNum type="arabicPeriod"/>
+            </a:pPr>
+            <a:r>
+              <a:rPr lang="en-US" dirty="0" smtClean="0"/>
+              <a:t>Hibernate Session and the ColdFusion Session scope</a:t>
+            </a:r>
+            <a:endParaRPr lang="en-US" dirty="0"/>
           </a:p>
         </p:txBody>
       </p:sp>
@@ -19163,7 +20092,7 @@
           <a:p>
             <a:r>
               <a:rPr lang="en-US" dirty="0" smtClean="0"/>
-              <a:t>Enlightenment: Bidirectional is…</a:t>
+              <a:t>Agenda</a:t>
             </a:r>
             <a:endParaRPr lang="en-US" dirty="0"/>
           </a:p>
@@ -19172,7 +20101,7 @@
     </p:spTree>
     <p:extLst>
       <p:ext uri="{BB962C8B-B14F-4D97-AF65-F5344CB8AC3E}">
-        <p14:creationId xmlns:p14="http://schemas.microsoft.com/office/powerpoint/2010/main" val="2247800207"/>
+        <p14:creationId xmlns:p14="http://schemas.microsoft.com/office/powerpoint/2010/main" val="996614316"/>
       </p:ext>
     </p:extLst>
   </p:cSld>
@@ -19216,78 +20145,28 @@
             <p:ph idx="1"/>
           </p:nvPr>
         </p:nvSpPr>
-        <p:spPr/>
+        <p:spPr>
+          <a:xfrm>
+            <a:off x="380999" y="2362200"/>
+            <a:ext cx="8534401" cy="3763963"/>
+          </a:xfrm>
+        </p:spPr>
         <p:txBody>
           <a:bodyPr/>
           <a:lstStyle/>
           <a:p>
-            <a:pPr marL="457200" indent="-457200">
-              <a:buFont typeface="+mj-lt"/>
-              <a:buAutoNum type="arabicPeriod"/>
-            </a:pPr>
-            <a:r>
-              <a:rPr lang="en-US" dirty="0" smtClean="0"/>
-              <a:t> ORM Settings -- Control the Session Flush</a:t>
-            </a:r>
-          </a:p>
-          <a:p>
-            <a:pPr marL="457200" indent="-457200">
-              <a:buFont typeface="+mj-lt"/>
-              <a:buAutoNum type="arabicPeriod"/>
-            </a:pPr>
-            <a:r>
-              <a:rPr lang="en-US" dirty="0" smtClean="0"/>
-              <a:t>Many-to-One Relationships</a:t>
-            </a:r>
-          </a:p>
-          <a:p>
-            <a:pPr marL="457200" indent="-457200">
-              <a:buFont typeface="+mj-lt"/>
-              <a:buAutoNum type="arabicPeriod"/>
-            </a:pPr>
-            <a:r>
-              <a:rPr lang="en-US" dirty="0" smtClean="0"/>
-              <a:t>One-to-Many Intro: Bidirectional relationships</a:t>
-            </a:r>
-          </a:p>
-          <a:p>
-            <a:pPr marL="457200" indent="-457200">
-              <a:buFont typeface="+mj-lt"/>
-              <a:buAutoNum type="arabicPeriod"/>
-            </a:pPr>
-            <a:r>
-              <a:rPr lang="en-US" b="1" dirty="0" smtClean="0"/>
-              <a:t>One-to-Many: Adding to Collections</a:t>
-            </a:r>
-          </a:p>
-          <a:p>
-            <a:pPr marL="457200" indent="-457200">
-              <a:buFont typeface="+mj-lt"/>
-              <a:buAutoNum type="arabicPeriod"/>
-            </a:pPr>
-            <a:r>
-              <a:rPr lang="en-US" dirty="0" smtClean="0"/>
-              <a:t>One-to-Many: inverse and “relationship owner”</a:t>
-            </a:r>
-          </a:p>
-          <a:p>
-            <a:pPr marL="457200" indent="-457200">
-              <a:buFont typeface="+mj-lt"/>
-              <a:buAutoNum type="arabicPeriod"/>
-            </a:pPr>
-            <a:r>
-              <a:rPr lang="en-US" dirty="0" smtClean="0"/>
-              <a:t>One-to-Many: Deleting from Collections</a:t>
-            </a:r>
-          </a:p>
-          <a:p>
-            <a:pPr marL="457200" indent="-457200">
-              <a:buFont typeface="+mj-lt"/>
-              <a:buAutoNum type="arabicPeriod"/>
-            </a:pPr>
-            <a:r>
-              <a:rPr lang="en-US" dirty="0" smtClean="0"/>
-              <a:t>Hibernate Session and the ColdFusion Session scope</a:t>
+            <a:r>
+              <a:rPr lang="en-US" dirty="0" smtClean="0"/>
+              <a:t>When I call object1.addObject2( object2 ), I see a SELECT, then an INSERT, then an UPDATE</a:t>
+            </a:r>
+          </a:p>
+          <a:p>
+            <a:endParaRPr lang="en-US" dirty="0"/>
+          </a:p>
+          <a:p>
+            <a:r>
+              <a:rPr lang="en-US" dirty="0" smtClean="0"/>
+              <a:t>When I call object1.removeObject2( object2 ), I get “Cannot insert NULL into XXX”</a:t>
             </a:r>
             <a:endParaRPr lang="en-US" dirty="0"/>
           </a:p>
@@ -19310,7 +20189,7 @@
           <a:p>
             <a:r>
               <a:rPr lang="en-US" dirty="0" smtClean="0"/>
-              <a:t>Agenda</a:t>
+              <a:t>Suffering</a:t>
             </a:r>
             <a:endParaRPr lang="en-US" dirty="0"/>
           </a:p>
@@ -19319,7 +20198,7 @@
     </p:spTree>
     <p:extLst>
       <p:ext uri="{BB962C8B-B14F-4D97-AF65-F5344CB8AC3E}">
-        <p14:creationId xmlns:p14="http://schemas.microsoft.com/office/powerpoint/2010/main" val="1332513536"/>
+        <p14:creationId xmlns:p14="http://schemas.microsoft.com/office/powerpoint/2010/main" val="1812508712"/>
       </p:ext>
     </p:extLst>
   </p:cSld>
@@ -19363,49 +20242,34 @@
             <p:ph idx="1"/>
           </p:nvPr>
         </p:nvSpPr>
-        <p:spPr>
-          <a:xfrm>
-            <a:off x="380999" y="2362200"/>
-            <a:ext cx="8534401" cy="3763963"/>
-          </a:xfrm>
-        </p:spPr>
+        <p:spPr/>
         <p:txBody>
           <a:bodyPr/>
           <a:lstStyle/>
           <a:p>
-            <a:r>
-              <a:rPr lang="en-US" dirty="0" smtClean="0"/>
-              <a:t>When I add an object to a one-to-many collection, it won’t save</a:t>
-            </a:r>
-          </a:p>
-          <a:p>
-            <a:r>
-              <a:rPr lang="en-US" dirty="0" smtClean="0"/>
-              <a:t>When I delete an object from a one-to-many collection, I get “null” errors</a:t>
-            </a:r>
-          </a:p>
-          <a:p>
-            <a:r>
-              <a:rPr lang="en-US" dirty="0" smtClean="0"/>
-              <a:t>My join table (</a:t>
-            </a:r>
-            <a:r>
-              <a:rPr lang="en-US" dirty="0" err="1" smtClean="0"/>
-              <a:t>linktable</a:t>
-            </a:r>
-            <a:r>
-              <a:rPr lang="en-US" dirty="0" smtClean="0"/>
-              <a:t>) has more data than just two Foreign Keys… can I still use “</a:t>
-            </a:r>
-            <a:r>
-              <a:rPr lang="en-US" dirty="0" err="1" smtClean="0"/>
-              <a:t>linktable</a:t>
-            </a:r>
-            <a:r>
-              <a:rPr lang="en-US" dirty="0" smtClean="0"/>
-              <a:t>”?</a:t>
-            </a:r>
-            <a:endParaRPr lang="en-US" dirty="0"/>
+            <a:pPr marL="0" indent="0" algn="ctr">
+              <a:buNone/>
+            </a:pPr>
+            <a:r>
+              <a:rPr lang="en-US" b="1" dirty="0" smtClean="0"/>
+              <a:t>There </a:t>
+            </a:r>
+            <a:r>
+              <a:rPr lang="en-US" b="1" dirty="0" err="1" smtClean="0"/>
+              <a:t>oughtta</a:t>
+            </a:r>
+            <a:r>
+              <a:rPr lang="en-US" b="1" dirty="0" smtClean="0"/>
+              <a:t> be a support group </a:t>
+            </a:r>
+            <a:br>
+              <a:rPr lang="en-US" b="1" dirty="0" smtClean="0"/>
+            </a:br>
+            <a:r>
+              <a:rPr lang="en-US" b="1" dirty="0" smtClean="0"/>
+              <a:t>for sufferers of this knob</a:t>
+            </a:r>
+            <a:endParaRPr lang="en-US" b="1" dirty="0"/>
           </a:p>
         </p:txBody>
       </p:sp>
@@ -19426,7 +20290,7 @@
           <a:p>
             <a:r>
               <a:rPr lang="en-US" dirty="0" smtClean="0"/>
-              <a:t>Suffering</a:t>
+              <a:t>Demo: The Devil Knob</a:t>
             </a:r>
             <a:endParaRPr lang="en-US" dirty="0"/>
           </a:p>
@@ -19435,7 +20299,7 @@
     </p:spTree>
     <p:extLst>
       <p:ext uri="{BB962C8B-B14F-4D97-AF65-F5344CB8AC3E}">
-        <p14:creationId xmlns:p14="http://schemas.microsoft.com/office/powerpoint/2010/main" val="2232397815"/>
+        <p14:creationId xmlns:p14="http://schemas.microsoft.com/office/powerpoint/2010/main" val="2966800279"/>
       </p:ext>
     </p:extLst>
   </p:cSld>
@@ -19601,7 +20465,56 @@
           <a:p>
             <a:r>
               <a:rPr lang="en-US" dirty="0" smtClean="0"/>
-              <a:t>Demo one-to-many saves with and without cascade</a:t>
+              <a:t>Bi-Directional: many-to-one on one side, and one-to-many on the other (they link back and forth)</a:t>
+            </a:r>
+          </a:p>
+          <a:p>
+            <a:r>
+              <a:rPr lang="en-US" dirty="0" smtClean="0"/>
+              <a:t>In bi-directional relationships</a:t>
+            </a:r>
+          </a:p>
+          <a:p>
+            <a:pPr lvl="1"/>
+            <a:r>
+              <a:rPr lang="en-US" b="1" dirty="0" smtClean="0"/>
+              <a:t>You need inverse=true</a:t>
+            </a:r>
+          </a:p>
+          <a:p>
+            <a:pPr lvl="1"/>
+            <a:r>
+              <a:rPr lang="en-US" b="1" dirty="0" smtClean="0"/>
+              <a:t>Always</a:t>
+            </a:r>
+          </a:p>
+          <a:p>
+            <a:pPr lvl="1"/>
+            <a:r>
+              <a:rPr lang="en-US" b="1" dirty="0" smtClean="0"/>
+              <a:t>No Exceptions</a:t>
+            </a:r>
+          </a:p>
+          <a:p>
+            <a:r>
+              <a:rPr lang="en-US" dirty="0" smtClean="0"/>
+              <a:t>It means, “the object </a:t>
+            </a:r>
+            <a:r>
+              <a:rPr lang="en-US" b="1" dirty="0" smtClean="0"/>
+              <a:t>on the other side</a:t>
+            </a:r>
+            <a:r>
+              <a:rPr lang="en-US" dirty="0" smtClean="0"/>
+              <a:t> is the </a:t>
+            </a:r>
+            <a:r>
+              <a:rPr lang="en-US" b="1" dirty="0" smtClean="0"/>
+              <a:t>relationship owner</a:t>
+            </a:r>
+            <a:r>
+              <a:rPr lang="en-US" dirty="0" smtClean="0"/>
+              <a:t>”</a:t>
             </a:r>
             <a:endParaRPr lang="en-US" dirty="0"/>
           </a:p>
@@ -19624,7 +20537,7 @@
           <a:p>
             <a:r>
               <a:rPr lang="en-US" dirty="0" smtClean="0"/>
-              <a:t>Demo: Whither cascade?</a:t>
+              <a:t>Enlightenment: inverse=true</a:t>
             </a:r>
             <a:endParaRPr lang="en-US" dirty="0"/>
           </a:p>
@@ -19633,7 +20546,7 @@
     </p:spTree>
     <p:extLst>
       <p:ext uri="{BB962C8B-B14F-4D97-AF65-F5344CB8AC3E}">
-        <p14:creationId xmlns:p14="http://schemas.microsoft.com/office/powerpoint/2010/main" val="3054947874"/>
+        <p14:creationId xmlns:p14="http://schemas.microsoft.com/office/powerpoint/2010/main" val="592342895"/>
       </p:ext>
     </p:extLst>
   </p:cSld>
@@ -19677,28 +20590,22 @@
             <p:ph idx="1"/>
           </p:nvPr>
         </p:nvSpPr>
-        <p:spPr>
-          <a:xfrm>
-            <a:off x="380999" y="2362200"/>
-            <a:ext cx="8534401" cy="3763963"/>
-          </a:xfrm>
-        </p:spPr>
+        <p:spPr/>
         <p:txBody>
-          <a:bodyPr>
-            <a:normAutofit fontScale="85000" lnSpcReduction="20000"/>
-          </a:bodyPr>
+          <a:bodyPr/>
           <a:lstStyle/>
           <a:p>
             <a:r>
               <a:rPr lang="en-US" dirty="0" smtClean="0"/>
-              <a:t>When I add an object to a one-to-many collection, it won’t save</a:t>
-            </a:r>
-          </a:p>
-          <a:p>
-            <a:pPr lvl="1"/>
+              <a:t>Always set </a:t>
+            </a:r>
             <a:r>
               <a:rPr lang="en-US" b="1" dirty="0" smtClean="0"/>
-              <a:t>Need cascade=“all” on the one-to-many property</a:t>
+              <a:t>both</a:t>
+            </a:r>
+            <a:r>
+              <a:rPr lang="en-US" dirty="0" smtClean="0"/>
+              <a:t> sides of the relationships</a:t>
             </a:r>
           </a:p>
           <a:p>
@@ -19706,86 +20613,31 @@
             <a:endParaRPr lang="en-US" dirty="0" smtClean="0"/>
           </a:p>
           <a:p>
-            <a:r>
-              <a:rPr lang="en-US" dirty="0" smtClean="0"/>
-              <a:t>When I delete an object from a one-to-many collection, I get “null” errors</a:t>
-            </a:r>
-          </a:p>
-          <a:p>
             <a:pPr lvl="1"/>
             <a:r>
-              <a:rPr lang="en-US" b="1" dirty="0"/>
-              <a:t>Need cascade=“</a:t>
-            </a:r>
-            <a:r>
-              <a:rPr lang="en-US" b="1" dirty="0" smtClean="0"/>
-              <a:t>all-delete-orphan” </a:t>
-            </a:r>
-            <a:r>
-              <a:rPr lang="en-US" b="1" dirty="0"/>
-              <a:t>on the one-to-many property</a:t>
+              <a:rPr lang="en-US" dirty="0" err="1" smtClean="0"/>
+              <a:t>comment.setEvent</a:t>
+            </a:r>
+            <a:r>
+              <a:rPr lang="en-US" dirty="0" smtClean="0"/>
+              <a:t>( event );</a:t>
             </a:r>
           </a:p>
           <a:p>
             <a:pPr lvl="1"/>
-            <a:endParaRPr lang="en-US" dirty="0" smtClean="0"/>
-          </a:p>
-          <a:p>
-            <a:r>
-              <a:rPr lang="en-US" dirty="0" smtClean="0"/>
-              <a:t>My join table (</a:t>
-            </a:r>
+            <a:endParaRPr lang="en-US" dirty="0"/>
+          </a:p>
+          <a:p>
+            <a:pPr lvl="1"/>
             <a:r>
               <a:rPr lang="en-US" dirty="0" err="1" smtClean="0"/>
-              <a:t>linktable</a:t>
-            </a:r>
-            <a:r>
-              <a:rPr lang="en-US" dirty="0" smtClean="0"/>
-              <a:t>) has more data than just two Foreign Keys… can I still use “</a:t>
-            </a:r>
-            <a:r>
-              <a:rPr lang="en-US" dirty="0" err="1" smtClean="0"/>
-              <a:t>linktable</a:t>
-            </a:r>
-            <a:r>
-              <a:rPr lang="en-US" dirty="0" smtClean="0"/>
-              <a:t>”?</a:t>
-            </a:r>
-          </a:p>
-          <a:p>
-            <a:pPr lvl="1"/>
-            <a:r>
-              <a:rPr lang="en-US" b="1" dirty="0" smtClean="0"/>
-              <a:t>Nope. Need a “Join Entity” which comprises both of the Foreign Key entities plus the additional data you wish to store</a:t>
-            </a:r>
-          </a:p>
-          <a:p>
-            <a:pPr lvl="1"/>
-            <a:r>
-              <a:rPr lang="en-US" b="1" dirty="0" smtClean="0"/>
-              <a:t>Then, you simply one-to-many on that Join </a:t>
-            </a:r>
-            <a:r>
-              <a:rPr lang="en-US" b="1" dirty="0" smtClean="0"/>
-              <a:t>Entity</a:t>
-            </a:r>
-            <a:endParaRPr lang="en-US" b="1" dirty="0" smtClean="0"/>
-          </a:p>
-          <a:p>
-            <a:pPr lvl="1"/>
-            <a:r>
-              <a:rPr lang="en-US" b="1" dirty="0" smtClean="0"/>
-              <a:t>Your “Join Entity” will comprise TWO </a:t>
-            </a:r>
-            <a:r>
-              <a:rPr lang="en-US" b="1" dirty="0" smtClean="0"/>
-              <a:t>many-to-one </a:t>
-            </a:r>
-            <a:r>
-              <a:rPr lang="en-US" b="1" dirty="0" smtClean="0"/>
-              <a:t>relationships</a:t>
-            </a:r>
-            <a:endParaRPr lang="en-US" b="1" dirty="0"/>
+              <a:t>event.addComment</a:t>
+            </a:r>
+            <a:r>
+              <a:rPr lang="en-US" dirty="0" smtClean="0"/>
+              <a:t>( comment );</a:t>
+            </a:r>
+            <a:endParaRPr lang="en-US" dirty="0"/>
           </a:p>
         </p:txBody>
       </p:sp>
@@ -19801,18 +20653,24 @@
         </p:nvSpPr>
         <p:spPr/>
         <p:txBody>
-          <a:bodyPr>
-            <a:normAutofit fontScale="90000"/>
-          </a:bodyPr>
+          <a:bodyPr/>
           <a:lstStyle/>
           <a:p>
             <a:r>
-              <a:rPr lang="en-US" dirty="0" smtClean="0"/>
-              <a:t>Enlightenment: Cascade and </a:t>
-            </a:r>
-            <a:r>
-              <a:rPr lang="en-US" dirty="0" err="1" smtClean="0"/>
-              <a:t>linktable</a:t>
+              <a:rPr lang="en-US" dirty="0"/>
+              <a:t>Enlightenment: </a:t>
+            </a:r>
+            <a:r>
+              <a:rPr lang="en-US" dirty="0" smtClean="0"/>
+              <a:t>set </a:t>
+            </a:r>
+            <a:r>
+              <a:rPr lang="en-US" b="1" dirty="0" smtClean="0"/>
+              <a:t>Both</a:t>
+            </a:r>
+            <a:r>
+              <a:rPr lang="en-US" dirty="0" smtClean="0"/>
+              <a:t> sides</a:t>
             </a:r>
             <a:endParaRPr lang="en-US" dirty="0"/>
           </a:p>
@@ -19821,20 +20679,13 @@
     </p:spTree>
     <p:extLst>
       <p:ext uri="{BB962C8B-B14F-4D97-AF65-F5344CB8AC3E}">
-        <p14:creationId xmlns:p14="http://schemas.microsoft.com/office/powerpoint/2010/main" val="2428288870"/>
+        <p14:creationId xmlns:p14="http://schemas.microsoft.com/office/powerpoint/2010/main" val="253480938"/>
       </p:ext>
     </p:extLst>
   </p:cSld>
   <p:clrMapOvr>
     <a:masterClrMapping/>
   </p:clrMapOvr>
-  <p:timing>
-    <p:tnLst>
-      <p:par>
-        <p:cTn id="1" dur="indefinite" restart="never" nodeType="tmRoot"/>
-      </p:par>
-    </p:tnLst>
-  </p:timing>
 </p:sld>
 </file>
 
@@ -19870,75 +20721,103 @@
           <a:bodyPr/>
           <a:lstStyle/>
           <a:p>
-            <a:pPr marL="457200" indent="-457200">
-              <a:buFont typeface="+mj-lt"/>
-              <a:buAutoNum type="arabicPeriod"/>
+            <a:pPr marL="0" indent="0">
+              <a:buNone/>
             </a:pPr>
             <a:r>
               <a:rPr lang="en-US" dirty="0" smtClean="0"/>
-              <a:t> ORM Settings -- Control the Session Flush</a:t>
-            </a:r>
-          </a:p>
-          <a:p>
-            <a:pPr marL="457200" indent="-457200">
-              <a:buFont typeface="+mj-lt"/>
-              <a:buAutoNum type="arabicPeriod"/>
+              <a:t>Preferably encapsulate this in One of the objects:</a:t>
+            </a:r>
+          </a:p>
+          <a:p>
+            <a:pPr marL="301943" lvl="1" indent="0">
+              <a:buNone/>
             </a:pPr>
-            <a:r>
-              <a:rPr lang="en-US" dirty="0" smtClean="0"/>
-              <a:t>Many-to-One Relationships</a:t>
-            </a:r>
-          </a:p>
-          <a:p>
-            <a:pPr marL="457200" indent="-457200">
-              <a:buFont typeface="+mj-lt"/>
-              <a:buAutoNum type="arabicPeriod"/>
+            <a:endParaRPr lang="en-US" dirty="0" smtClean="0"/>
+          </a:p>
+          <a:p>
+            <a:pPr marL="301943" lvl="1" indent="0">
+              <a:buNone/>
             </a:pPr>
             <a:r>
               <a:rPr lang="en-US" dirty="0" smtClean="0"/>
-              <a:t>One-to-Many Intro: Bidirectional relationships</a:t>
-            </a:r>
-          </a:p>
-          <a:p>
-            <a:pPr marL="457200" indent="-457200">
-              <a:buFont typeface="+mj-lt"/>
-              <a:buAutoNum type="arabicPeriod"/>
+              <a:t>component name=“Event” {</a:t>
+            </a:r>
+          </a:p>
+          <a:p>
+            <a:pPr marL="301943" lvl="1" indent="0">
+              <a:buNone/>
             </a:pPr>
             <a:r>
               <a:rPr lang="en-US" dirty="0" smtClean="0"/>
-              <a:t>One-to-Many: Adding to Collections</a:t>
-            </a:r>
-          </a:p>
-          <a:p>
-            <a:pPr marL="457200" indent="-457200">
-              <a:buFont typeface="+mj-lt"/>
-              <a:buAutoNum type="arabicPeriod"/>
+              <a:t>    function </a:t>
+            </a:r>
+            <a:r>
+              <a:rPr lang="en-US" dirty="0" err="1" smtClean="0"/>
+              <a:t>addComment</a:t>
+            </a:r>
+            <a:r>
+              <a:rPr lang="en-US" dirty="0" smtClean="0"/>
+              <a:t>( comment ){</a:t>
+            </a:r>
+          </a:p>
+          <a:p>
+            <a:pPr marL="301943" lvl="1" indent="0">
+              <a:buNone/>
             </a:pPr>
             <a:r>
-              <a:rPr lang="en-US" b="1" dirty="0" smtClean="0"/>
-              <a:t>One-to-Many: inverse and “relationship owner”</a:t>
-            </a:r>
-          </a:p>
-          <a:p>
-            <a:pPr marL="457200" indent="-457200">
-              <a:buFont typeface="+mj-lt"/>
-              <a:buAutoNum type="arabicPeriod"/>
+              <a:rPr lang="en-US" dirty="0" smtClean="0"/>
+              <a:t>         </a:t>
+            </a:r>
+            <a:r>
+              <a:rPr lang="en-US" dirty="0" err="1" smtClean="0"/>
+              <a:t>arrayAppend</a:t>
+            </a:r>
+            <a:r>
+              <a:rPr lang="en-US" dirty="0" smtClean="0"/>
+              <a:t>( comments, comment );</a:t>
+            </a:r>
+          </a:p>
+          <a:p>
+            <a:pPr marL="301943" lvl="1" indent="0">
+              <a:buNone/>
             </a:pPr>
             <a:r>
-              <a:rPr lang="en-US" dirty="0" smtClean="0"/>
-              <a:t>One-to-Many: Deleting from Collections</a:t>
-            </a:r>
-          </a:p>
-          <a:p>
-            <a:pPr marL="457200" indent="-457200">
-              <a:buFont typeface="+mj-lt"/>
-              <a:buAutoNum type="arabicPeriod"/>
+              <a:rPr lang="en-US" dirty="0"/>
+              <a:t> </a:t>
+            </a:r>
+            <a:r>
+              <a:rPr lang="en-US" dirty="0" smtClean="0"/>
+              <a:t>        </a:t>
+            </a:r>
+            <a:r>
+              <a:rPr lang="en-US" dirty="0" err="1" smtClean="0"/>
+              <a:t>event.addComment</a:t>
+            </a:r>
+            <a:r>
+              <a:rPr lang="en-US" dirty="0" smtClean="0"/>
+              <a:t>( this );</a:t>
+            </a:r>
+            <a:endParaRPr lang="en-US" dirty="0"/>
+          </a:p>
+          <a:p>
+            <a:pPr marL="301943" lvl="1" indent="0">
+              <a:buNone/>
             </a:pPr>
             <a:r>
               <a:rPr lang="en-US" dirty="0" smtClean="0"/>
-              <a:t>Hibernate Session and the ColdFusion Session scope</a:t>
+              <a:t>   }</a:t>
             </a:r>
             <a:endParaRPr lang="en-US" dirty="0"/>
+          </a:p>
+          <a:p>
+            <a:pPr marL="301943" lvl="1" indent="0">
+              <a:buNone/>
+            </a:pPr>
+            <a:r>
+              <a:rPr lang="en-US" dirty="0" smtClean="0"/>
+              <a:t>}</a:t>
+            </a:r>
           </a:p>
         </p:txBody>
       </p:sp>
@@ -19958,8 +20837,20 @@
           <a:lstStyle/>
           <a:p>
             <a:r>
-              <a:rPr lang="en-US" dirty="0" smtClean="0"/>
-              <a:t>Agenda</a:t>
+              <a:rPr lang="en-US" dirty="0"/>
+              <a:t>Enlightenment: </a:t>
+            </a:r>
+            <a:r>
+              <a:rPr lang="en-US" dirty="0" smtClean="0"/>
+              <a:t>set </a:t>
+            </a:r>
+            <a:r>
+              <a:rPr lang="en-US" b="1" dirty="0" smtClean="0"/>
+              <a:t>Both</a:t>
+            </a:r>
+            <a:r>
+              <a:rPr lang="en-US" dirty="0" smtClean="0"/>
+              <a:t> sides</a:t>
             </a:r>
             <a:endParaRPr lang="en-US" dirty="0"/>
           </a:p>
@@ -19968,20 +20859,13 @@
     </p:spTree>
     <p:extLst>
       <p:ext uri="{BB962C8B-B14F-4D97-AF65-F5344CB8AC3E}">
-        <p14:creationId xmlns:p14="http://schemas.microsoft.com/office/powerpoint/2010/main" val="996614316"/>
+        <p14:creationId xmlns:p14="http://schemas.microsoft.com/office/powerpoint/2010/main" val="4065597277"/>
       </p:ext>
     </p:extLst>
   </p:cSld>
   <p:clrMapOvr>
     <a:masterClrMapping/>
   </p:clrMapOvr>
-  <p:timing>
-    <p:tnLst>
-      <p:par>
-        <p:cTn id="1" dur="indefinite" restart="never" nodeType="tmRoot"/>
-      </p:par>
-    </p:tnLst>
-  </p:timing>
 </p:sld>
 </file>
 
@@ -20012,28 +20896,78 @@
             <p:ph idx="1"/>
           </p:nvPr>
         </p:nvSpPr>
-        <p:spPr>
-          <a:xfrm>
-            <a:off x="380999" y="2362200"/>
-            <a:ext cx="8534401" cy="3763963"/>
-          </a:xfrm>
-        </p:spPr>
+        <p:spPr/>
         <p:txBody>
           <a:bodyPr/>
           <a:lstStyle/>
           <a:p>
-            <a:r>
-              <a:rPr lang="en-US" dirty="0" smtClean="0"/>
-              <a:t>When I call object1.addObject2( object2 ), I see a SELECT, then an INSERT, then an UPDATE</a:t>
-            </a:r>
-          </a:p>
-          <a:p>
-            <a:endParaRPr lang="en-US" dirty="0"/>
-          </a:p>
-          <a:p>
-            <a:r>
-              <a:rPr lang="en-US" dirty="0" smtClean="0"/>
-              <a:t>When I call object1.removeObject2( object2 ), I get “Cannot insert NULL into XXX”</a:t>
+            <a:pPr marL="457200" indent="-457200">
+              <a:buFont typeface="+mj-lt"/>
+              <a:buAutoNum type="arabicPeriod"/>
+            </a:pPr>
+            <a:r>
+              <a:rPr lang="en-US" dirty="0" smtClean="0"/>
+              <a:t> ORM Settings -- Control the Session Flush</a:t>
+            </a:r>
+          </a:p>
+          <a:p>
+            <a:pPr marL="457200" indent="-457200">
+              <a:buFont typeface="+mj-lt"/>
+              <a:buAutoNum type="arabicPeriod"/>
+            </a:pPr>
+            <a:r>
+              <a:rPr lang="en-US" dirty="0" smtClean="0"/>
+              <a:t>Many-to-One Relationships</a:t>
+            </a:r>
+          </a:p>
+          <a:p>
+            <a:pPr marL="457200" indent="-457200">
+              <a:buFont typeface="+mj-lt"/>
+              <a:buAutoNum type="arabicPeriod"/>
+            </a:pPr>
+            <a:r>
+              <a:rPr lang="en-US" dirty="0" smtClean="0"/>
+              <a:t>One-to-Many Relationships</a:t>
+            </a:r>
+          </a:p>
+          <a:p>
+            <a:pPr marL="457200" indent="-457200">
+              <a:buFont typeface="+mj-lt"/>
+              <a:buAutoNum type="arabicPeriod"/>
+            </a:pPr>
+            <a:r>
+              <a:rPr lang="en-US" dirty="0" smtClean="0"/>
+              <a:t>One-to-Many: Adding to Collections</a:t>
+            </a:r>
+          </a:p>
+          <a:p>
+            <a:pPr marL="457200" indent="-457200">
+              <a:buFont typeface="+mj-lt"/>
+              <a:buAutoNum type="arabicPeriod"/>
+            </a:pPr>
+            <a:r>
+              <a:rPr lang="en-US" dirty="0" smtClean="0"/>
+              <a:t>One-to-Many: inverse and “relationship owner”</a:t>
+            </a:r>
+          </a:p>
+          <a:p>
+            <a:pPr marL="457200" indent="-457200">
+              <a:buFont typeface="+mj-lt"/>
+              <a:buAutoNum type="arabicPeriod"/>
+            </a:pPr>
+            <a:r>
+              <a:rPr lang="en-US" b="1" dirty="0" smtClean="0"/>
+              <a:t>One-to-Many: Deleting from Collections</a:t>
+            </a:r>
+          </a:p>
+          <a:p>
+            <a:pPr marL="457200" indent="-457200">
+              <a:buFont typeface="+mj-lt"/>
+              <a:buAutoNum type="arabicPeriod"/>
+            </a:pPr>
+            <a:r>
+              <a:rPr lang="en-US" dirty="0" smtClean="0"/>
+              <a:t>Hibernate Session and the ColdFusion Session scope</a:t>
             </a:r>
             <a:endParaRPr lang="en-US" dirty="0"/>
           </a:p>
@@ -20056,7 +20990,7 @@
           <a:p>
             <a:r>
               <a:rPr lang="en-US" dirty="0" smtClean="0"/>
-              <a:t>Suffering</a:t>
+              <a:t>Agenda</a:t>
             </a:r>
             <a:endParaRPr lang="en-US" dirty="0"/>
           </a:p>
@@ -20065,7 +20999,7 @@
     </p:spTree>
     <p:extLst>
       <p:ext uri="{BB962C8B-B14F-4D97-AF65-F5344CB8AC3E}">
-        <p14:creationId xmlns:p14="http://schemas.microsoft.com/office/powerpoint/2010/main" val="1812508712"/>
+        <p14:creationId xmlns:p14="http://schemas.microsoft.com/office/powerpoint/2010/main" val="2678648052"/>
       </p:ext>
     </p:extLst>
   </p:cSld>
@@ -20109,34 +21043,29 @@
             <p:ph idx="1"/>
           </p:nvPr>
         </p:nvSpPr>
-        <p:spPr/>
+        <p:spPr>
+          <a:xfrm>
+            <a:off x="380999" y="2362200"/>
+            <a:ext cx="8534401" cy="3763963"/>
+          </a:xfrm>
+        </p:spPr>
         <p:txBody>
           <a:bodyPr/>
           <a:lstStyle/>
           <a:p>
-            <a:pPr marL="0" indent="0" algn="ctr">
-              <a:buNone/>
-            </a:pPr>
-            <a:r>
-              <a:rPr lang="en-US" b="1" dirty="0" smtClean="0"/>
-              <a:t>There </a:t>
-            </a:r>
-            <a:r>
-              <a:rPr lang="en-US" b="1" dirty="0" err="1" smtClean="0"/>
-              <a:t>oughtta</a:t>
-            </a:r>
-            <a:r>
-              <a:rPr lang="en-US" b="1" dirty="0" smtClean="0"/>
-              <a:t> be a support group </a:t>
-            </a:r>
-            <a:br>
-              <a:rPr lang="en-US" b="1" dirty="0" smtClean="0"/>
-            </a:br>
-            <a:r>
-              <a:rPr lang="en-US" b="1" dirty="0" smtClean="0"/>
-              <a:t>for sufferers of this knob</a:t>
-            </a:r>
-            <a:endParaRPr lang="en-US" b="1" dirty="0"/>
+            <a:r>
+              <a:rPr lang="en-US" dirty="0" smtClean="0"/>
+              <a:t>If I loop over a collection and try to remove elements from that collection, I get “</a:t>
+            </a:r>
+            <a:r>
+              <a:rPr lang="en-US" dirty="0" err="1" smtClean="0"/>
+              <a:t>ConcurrentModificationException</a:t>
+            </a:r>
+            <a:r>
+              <a:rPr lang="en-US" dirty="0" smtClean="0"/>
+              <a:t>”</a:t>
+            </a:r>
+            <a:endParaRPr lang="en-US" dirty="0"/>
           </a:p>
         </p:txBody>
       </p:sp>
@@ -20157,7 +21086,7 @@
           <a:p>
             <a:r>
               <a:rPr lang="en-US" dirty="0" smtClean="0"/>
-              <a:t>Demo: The Devil Knob</a:t>
+              <a:t>Suffering</a:t>
             </a:r>
             <a:endParaRPr lang="en-US" dirty="0"/>
           </a:p>
@@ -20166,7 +21095,7 @@
     </p:spTree>
     <p:extLst>
       <p:ext uri="{BB962C8B-B14F-4D97-AF65-F5344CB8AC3E}">
-        <p14:creationId xmlns:p14="http://schemas.microsoft.com/office/powerpoint/2010/main" val="2966800279"/>
+        <p14:creationId xmlns:p14="http://schemas.microsoft.com/office/powerpoint/2010/main" val="510698777"/>
       </p:ext>
     </p:extLst>
   </p:cSld>
@@ -20215,54 +21144,14 @@
           <a:bodyPr/>
           <a:lstStyle/>
           <a:p>
-            <a:r>
-              <a:rPr lang="en-US" dirty="0" smtClean="0"/>
-              <a:t>In bi-di relationships</a:t>
-            </a:r>
-          </a:p>
-          <a:p>
-            <a:pPr lvl="1"/>
+            <a:pPr marL="0" indent="0" algn="ctr">
+              <a:buNone/>
+            </a:pPr>
             <a:r>
               <a:rPr lang="en-US" b="1" dirty="0" smtClean="0"/>
-              <a:t>You need inverse=true</a:t>
-            </a:r>
-          </a:p>
-          <a:p>
-            <a:pPr lvl="1"/>
-            <a:r>
-              <a:rPr lang="en-US" b="1" dirty="0" smtClean="0"/>
-              <a:t>Always</a:t>
-            </a:r>
-          </a:p>
-          <a:p>
-            <a:pPr lvl="1"/>
-            <a:r>
-              <a:rPr lang="en-US" b="1" dirty="0" smtClean="0"/>
-              <a:t>No Exceptions</a:t>
-            </a:r>
-          </a:p>
-          <a:p>
-            <a:r>
-              <a:rPr lang="en-US" dirty="0" smtClean="0"/>
-              <a:t>It means, “the object </a:t>
-            </a:r>
-            <a:r>
-              <a:rPr lang="en-US" b="1" dirty="0" smtClean="0"/>
-              <a:t>on the other side</a:t>
-            </a:r>
-            <a:r>
-              <a:rPr lang="en-US" dirty="0" smtClean="0"/>
-              <a:t> is the </a:t>
-            </a:r>
-            <a:r>
-              <a:rPr lang="en-US" b="1" dirty="0" smtClean="0"/>
-              <a:t>relationship owner</a:t>
-            </a:r>
-            <a:r>
-              <a:rPr lang="en-US" dirty="0" smtClean="0"/>
-              <a:t>”</a:t>
-            </a:r>
-            <a:endParaRPr lang="en-US" dirty="0"/>
+              <a:t>This is not an ORM error… it’s just an error</a:t>
+            </a:r>
+            <a:endParaRPr lang="en-US" b="1" dirty="0"/>
           </a:p>
         </p:txBody>
       </p:sp>
@@ -20283,7 +21172,7 @@
           <a:p>
             <a:r>
               <a:rPr lang="en-US" dirty="0" smtClean="0"/>
-              <a:t>Enlightenment: inverse=true</a:t>
+              <a:t>Demo: Deleting from a Collection</a:t>
             </a:r>
             <a:endParaRPr lang="en-US" dirty="0"/>
           </a:p>
@@ -20292,7 +21181,7 @@
     </p:spTree>
     <p:extLst>
       <p:ext uri="{BB962C8B-B14F-4D97-AF65-F5344CB8AC3E}">
-        <p14:creationId xmlns:p14="http://schemas.microsoft.com/office/powerpoint/2010/main" val="592342895"/>
+        <p14:creationId xmlns:p14="http://schemas.microsoft.com/office/powerpoint/2010/main" val="4229353401"/>
       </p:ext>
     </p:extLst>
   </p:cSld>
@@ -20341,73 +21230,56 @@
           <a:bodyPr/>
           <a:lstStyle/>
           <a:p>
-            <a:pPr marL="457200" indent="-457200">
-              <a:buFont typeface="+mj-lt"/>
-              <a:buAutoNum type="arabicPeriod"/>
-            </a:pPr>
-            <a:r>
-              <a:rPr lang="en-US" dirty="0" smtClean="0"/>
-              <a:t> ORM Settings -- Control the Session Flush</a:t>
-            </a:r>
-          </a:p>
-          <a:p>
-            <a:pPr marL="457200" indent="-457200">
-              <a:buFont typeface="+mj-lt"/>
-              <a:buAutoNum type="arabicPeriod"/>
-            </a:pPr>
-            <a:r>
-              <a:rPr lang="en-US" dirty="0" smtClean="0"/>
-              <a:t>Many-to-One Relationships</a:t>
-            </a:r>
-          </a:p>
-          <a:p>
-            <a:pPr marL="457200" indent="-457200">
-              <a:buFont typeface="+mj-lt"/>
-              <a:buAutoNum type="arabicPeriod"/>
-            </a:pPr>
-            <a:r>
-              <a:rPr lang="en-US" dirty="0" smtClean="0"/>
-              <a:t>One-to-Many Intro: Bidirectional relationships</a:t>
-            </a:r>
-          </a:p>
-          <a:p>
-            <a:pPr marL="457200" indent="-457200">
-              <a:buFont typeface="+mj-lt"/>
-              <a:buAutoNum type="arabicPeriod"/>
-            </a:pPr>
-            <a:r>
-              <a:rPr lang="en-US" dirty="0" smtClean="0"/>
-              <a:t>One-to-Many: Adding to Collections</a:t>
-            </a:r>
-          </a:p>
-          <a:p>
-            <a:pPr marL="457200" indent="-457200">
-              <a:buFont typeface="+mj-lt"/>
-              <a:buAutoNum type="arabicPeriod"/>
-            </a:pPr>
-            <a:r>
-              <a:rPr lang="en-US" dirty="0" smtClean="0"/>
-              <a:t>One-to-Many: inverse and “relationship owner”</a:t>
-            </a:r>
-          </a:p>
-          <a:p>
-            <a:pPr marL="457200" indent="-457200">
-              <a:buFont typeface="+mj-lt"/>
-              <a:buAutoNum type="arabicPeriod"/>
-            </a:pPr>
-            <a:r>
-              <a:rPr lang="en-US" b="1" dirty="0" smtClean="0"/>
-              <a:t>One-to-Many: Deleting from Collections</a:t>
-            </a:r>
-          </a:p>
-          <a:p>
-            <a:pPr marL="457200" indent="-457200">
-              <a:buFont typeface="+mj-lt"/>
-              <a:buAutoNum type="arabicPeriod"/>
-            </a:pPr>
-            <a:r>
-              <a:rPr lang="en-US" dirty="0" smtClean="0"/>
-              <a:t>Hibernate Session and the ColdFusion Session scope</a:t>
+            <a:r>
+              <a:rPr lang="en-US" dirty="0" smtClean="0"/>
+              <a:t>Don’t use for( item in Array ) syntax when deleting</a:t>
+            </a:r>
+          </a:p>
+          <a:p>
+            <a:r>
+              <a:rPr lang="en-US" dirty="0" smtClean="0"/>
+              <a:t>Use plain old index loops</a:t>
+            </a:r>
+          </a:p>
+          <a:p>
+            <a:endParaRPr lang="en-US" dirty="0"/>
+          </a:p>
+          <a:p>
+            <a:r>
+              <a:rPr lang="en-US" dirty="0" smtClean="0"/>
+              <a:t>If you use </a:t>
+            </a:r>
+            <a:r>
+              <a:rPr lang="en-US" dirty="0" err="1" smtClean="0"/>
+              <a:t>entityDelete</a:t>
+            </a:r>
+            <a:r>
+              <a:rPr lang="en-US" dirty="0" smtClean="0"/>
+              <a:t>() on a collection item and get “entity would </a:t>
+            </a:r>
+            <a:r>
+              <a:rPr lang="en-US" smtClean="0"/>
+              <a:t>be resaved…”, </a:t>
+            </a:r>
+            <a:r>
+              <a:rPr lang="en-US" dirty="0" smtClean="0"/>
+              <a:t>you must also remove that item from the collection via </a:t>
+            </a:r>
+            <a:r>
+              <a:rPr lang="en-US" dirty="0" err="1" smtClean="0"/>
+              <a:t>removeXXX</a:t>
+            </a:r>
+            <a:r>
+              <a:rPr lang="en-US" dirty="0" smtClean="0"/>
+              <a:t>(XXX) or </a:t>
+            </a:r>
+            <a:r>
+              <a:rPr lang="en-US" dirty="0" err="1" smtClean="0"/>
+              <a:t>arrayDeleteAt</a:t>
+            </a:r>
+            <a:r>
+              <a:rPr lang="en-US" dirty="0" smtClean="0"/>
+              <a:t>(…)</a:t>
             </a:r>
             <a:endParaRPr lang="en-US" dirty="0"/>
           </a:p>
@@ -20425,12 +21297,21 @@
         </p:nvSpPr>
         <p:spPr/>
         <p:txBody>
-          <a:bodyPr/>
+          <a:bodyPr>
+            <a:normAutofit fontScale="90000"/>
+          </a:bodyPr>
           <a:lstStyle/>
           <a:p>
             <a:r>
               <a:rPr lang="en-US" dirty="0" smtClean="0"/>
-              <a:t>Agenda</a:t>
+              <a:t>Enlightenment: </a:t>
+            </a:r>
+            <a:br>
+              <a:rPr lang="en-US" dirty="0" smtClean="0"/>
+            </a:br>
+            <a:r>
+              <a:rPr lang="en-US" dirty="0" smtClean="0"/>
+              <a:t>Deleting from a Collection</a:t>
             </a:r>
             <a:endParaRPr lang="en-US" dirty="0"/>
           </a:p>
@@ -20439,7 +21320,7 @@
     </p:spTree>
     <p:extLst>
       <p:ext uri="{BB962C8B-B14F-4D97-AF65-F5344CB8AC3E}">
-        <p14:creationId xmlns:p14="http://schemas.microsoft.com/office/powerpoint/2010/main" val="2678648052"/>
+        <p14:creationId xmlns:p14="http://schemas.microsoft.com/office/powerpoint/2010/main" val="4182265279"/>
       </p:ext>
     </p:extLst>
   </p:cSld>
@@ -20485,27 +21366,85 @@
         </p:nvSpPr>
         <p:spPr>
           <a:xfrm>
-            <a:off x="380999" y="2362200"/>
-            <a:ext cx="8534401" cy="3763963"/>
+            <a:off x="872067" y="2675467"/>
+            <a:ext cx="7738533" cy="3450696"/>
           </a:xfrm>
         </p:spPr>
         <p:txBody>
-          <a:bodyPr/>
+          <a:bodyPr>
+            <a:normAutofit/>
+          </a:bodyPr>
           <a:lstStyle/>
           <a:p>
-            <a:r>
-              <a:rPr lang="en-US" dirty="0" smtClean="0"/>
-              <a:t>If I loop over a collection and try to remove elements from that collection, I get “</a:t>
-            </a:r>
-            <a:r>
-              <a:rPr lang="en-US" dirty="0" err="1" smtClean="0"/>
-              <a:t>ConcurrentModificationException</a:t>
-            </a:r>
-            <a:r>
-              <a:rPr lang="en-US" dirty="0" smtClean="0"/>
-              <a:t>”</a:t>
-            </a:r>
-            <a:endParaRPr lang="en-US" dirty="0"/>
+            <a:pPr marL="457200" indent="-457200">
+              <a:buFont typeface="+mj-lt"/>
+              <a:buAutoNum type="arabicPeriod"/>
+            </a:pPr>
+            <a:r>
+              <a:rPr lang="en-US" dirty="0" smtClean="0"/>
+              <a:t> ORM Settings -- Control the Session Flush</a:t>
+            </a:r>
+          </a:p>
+          <a:p>
+            <a:pPr marL="457200" indent="-457200">
+              <a:buFont typeface="+mj-lt"/>
+              <a:buAutoNum type="arabicPeriod"/>
+            </a:pPr>
+            <a:r>
+              <a:rPr lang="en-US" dirty="0" smtClean="0"/>
+              <a:t>Many-to-One Relationships</a:t>
+            </a:r>
+          </a:p>
+          <a:p>
+            <a:pPr marL="457200" indent="-457200">
+              <a:buFont typeface="+mj-lt"/>
+              <a:buAutoNum type="arabicPeriod"/>
+            </a:pPr>
+            <a:r>
+              <a:rPr lang="en-US" dirty="0" smtClean="0"/>
+              <a:t>One-to-Many Relationships</a:t>
+            </a:r>
+          </a:p>
+          <a:p>
+            <a:pPr marL="457200" indent="-457200">
+              <a:buFont typeface="+mj-lt"/>
+              <a:buAutoNum type="arabicPeriod"/>
+            </a:pPr>
+            <a:r>
+              <a:rPr lang="en-US" dirty="0" smtClean="0"/>
+              <a:t>One-to-Many: Adding to Collections</a:t>
+            </a:r>
+          </a:p>
+          <a:p>
+            <a:pPr marL="457200" indent="-457200">
+              <a:buFont typeface="+mj-lt"/>
+              <a:buAutoNum type="arabicPeriod"/>
+            </a:pPr>
+            <a:r>
+              <a:rPr lang="en-US" dirty="0" smtClean="0"/>
+              <a:t>One-to-Many: inverse and “relationship owner”</a:t>
+            </a:r>
+          </a:p>
+          <a:p>
+            <a:pPr marL="457200" indent="-457200">
+              <a:buFont typeface="+mj-lt"/>
+              <a:buAutoNum type="arabicPeriod"/>
+            </a:pPr>
+            <a:r>
+              <a:rPr lang="en-US" dirty="0" smtClean="0"/>
+              <a:t>One-to-Many: Deleting from Collections</a:t>
+            </a:r>
+          </a:p>
+          <a:p>
+            <a:pPr marL="457200" indent="-457200">
+              <a:buFont typeface="+mj-lt"/>
+              <a:buAutoNum type="arabicPeriod"/>
+            </a:pPr>
+            <a:r>
+              <a:rPr lang="en-US" b="1" dirty="0" smtClean="0"/>
+              <a:t>Hibernate Session and the ColdFusion Session scope</a:t>
+            </a:r>
+            <a:endParaRPr lang="en-US" b="1" dirty="0"/>
           </a:p>
         </p:txBody>
       </p:sp>
@@ -20526,7 +21465,7 @@
           <a:p>
             <a:r>
               <a:rPr lang="en-US" dirty="0" smtClean="0"/>
-              <a:t>Suffering</a:t>
+              <a:t>Agenda</a:t>
             </a:r>
             <a:endParaRPr lang="en-US" dirty="0"/>
           </a:p>
@@ -20535,7 +21474,7 @@
     </p:spTree>
     <p:extLst>
       <p:ext uri="{BB962C8B-B14F-4D97-AF65-F5344CB8AC3E}">
-        <p14:creationId xmlns:p14="http://schemas.microsoft.com/office/powerpoint/2010/main" val="510698777"/>
+        <p14:creationId xmlns:p14="http://schemas.microsoft.com/office/powerpoint/2010/main" val="1113937495"/>
       </p:ext>
     </p:extLst>
   </p:cSld>
@@ -20579,7 +21518,12 @@
             <p:ph idx="1"/>
           </p:nvPr>
         </p:nvSpPr>
-        <p:spPr/>
+        <p:spPr>
+          <a:xfrm>
+            <a:off x="380999" y="2362200"/>
+            <a:ext cx="8534401" cy="3763963"/>
+          </a:xfrm>
+        </p:spPr>
         <p:txBody>
           <a:bodyPr/>
           <a:lstStyle/>
@@ -20587,11 +21531,55 @@
             <a:pPr marL="0" indent="0" algn="ctr">
               <a:buNone/>
             </a:pPr>
+            <a:endParaRPr lang="en-US" dirty="0" smtClean="0"/>
+          </a:p>
+          <a:p>
+            <a:pPr marL="0" indent="0" algn="ctr">
+              <a:buNone/>
+            </a:pPr>
+            <a:r>
+              <a:rPr lang="en-US" dirty="0" smtClean="0"/>
+              <a:t>When I store my user object in the </a:t>
+            </a:r>
             <a:r>
               <a:rPr lang="en-US" b="1" dirty="0" smtClean="0"/>
-              <a:t>This is not an ORM error… it’s just an error</a:t>
-            </a:r>
-            <a:endParaRPr lang="en-US" b="1" dirty="0"/>
+              <a:t>ColdFusion session scope</a:t>
+            </a:r>
+            <a:r>
+              <a:rPr lang="en-US" dirty="0" smtClean="0"/>
+              <a:t>,</a:t>
+            </a:r>
+          </a:p>
+          <a:p>
+            <a:pPr marL="0" indent="0" algn="ctr">
+              <a:buNone/>
+            </a:pPr>
+            <a:endParaRPr lang="en-US" dirty="0" smtClean="0"/>
+          </a:p>
+          <a:p>
+            <a:pPr marL="0" indent="0" algn="ctr">
+              <a:buNone/>
+            </a:pPr>
+            <a:r>
+              <a:rPr lang="en-US" dirty="0" smtClean="0"/>
+              <a:t> and then change it and save,</a:t>
+            </a:r>
+          </a:p>
+          <a:p>
+            <a:pPr marL="0" indent="0" algn="ctr">
+              <a:buNone/>
+            </a:pPr>
+            <a:endParaRPr lang="en-US" dirty="0" smtClean="0"/>
+          </a:p>
+          <a:p>
+            <a:pPr marL="0" indent="0" algn="ctr">
+              <a:buNone/>
+            </a:pPr>
+            <a:r>
+              <a:rPr lang="en-US" dirty="0" smtClean="0"/>
+              <a:t> I get weirdo Hibernate errors</a:t>
+            </a:r>
+            <a:endParaRPr lang="en-US" dirty="0"/>
           </a:p>
         </p:txBody>
       </p:sp>
@@ -20612,7 +21600,7 @@
           <a:p>
             <a:r>
               <a:rPr lang="en-US" dirty="0" smtClean="0"/>
-              <a:t>Demo: Deleting from a Collection</a:t>
+              <a:t>Suffering</a:t>
             </a:r>
             <a:endParaRPr lang="en-US" dirty="0"/>
           </a:p>
@@ -20621,7 +21609,7 @@
     </p:spTree>
     <p:extLst>
       <p:ext uri="{BB962C8B-B14F-4D97-AF65-F5344CB8AC3E}">
-        <p14:creationId xmlns:p14="http://schemas.microsoft.com/office/powerpoint/2010/main" val="4229353401"/>
+        <p14:creationId xmlns:p14="http://schemas.microsoft.com/office/powerpoint/2010/main" val="2932508157"/>
       </p:ext>
     </p:extLst>
   </p:cSld>
@@ -20672,17 +21660,15 @@
           <a:p>
             <a:r>
               <a:rPr lang="en-US" dirty="0" smtClean="0"/>
-              <a:t>Don’t use for( item in Array ) syntax when deleting</a:t>
-            </a:r>
-          </a:p>
-          <a:p>
-            <a:r>
-              <a:rPr lang="en-US" dirty="0" smtClean="0"/>
-              <a:t>Use plain old index </a:t>
-            </a:r>
-            <a:r>
-              <a:rPr lang="en-US" dirty="0" smtClean="0"/>
-              <a:t>loops</a:t>
+              <a:t>Just don’t do </a:t>
+            </a:r>
+            <a:r>
+              <a:rPr lang="en-US" dirty="0"/>
+              <a:t>it (How’s that for Zen</a:t>
+            </a:r>
+            <a:r>
+              <a:rPr lang="en-US" dirty="0" smtClean="0"/>
+              <a:t>!)</a:t>
             </a:r>
           </a:p>
           <a:p>
@@ -20691,41 +21677,58 @@
           <a:p>
             <a:r>
               <a:rPr lang="en-US" dirty="0" smtClean="0"/>
-              <a:t>If you use </a:t>
+              <a:t>Store simple values (</a:t>
             </a:r>
             <a:r>
               <a:rPr lang="en-US" dirty="0" err="1" smtClean="0"/>
-              <a:t>entityDelete</a:t>
-            </a:r>
-            <a:r>
-              <a:rPr lang="en-US" dirty="0" smtClean="0"/>
-              <a:t>() on a collection item and get “entity would </a:t>
+              <a:t>userID</a:t>
+            </a:r>
+            <a:r>
+              <a:rPr lang="en-US" dirty="0" smtClean="0"/>
+              <a:t>) in session scope, then </a:t>
+            </a:r>
+            <a:r>
+              <a:rPr lang="en-US" dirty="0" err="1" smtClean="0"/>
+              <a:t>entityLoadByPK</a:t>
+            </a:r>
+            <a:r>
+              <a:rPr lang="en-US" dirty="0" smtClean="0"/>
+              <a:t>(“User”,</a:t>
+            </a:r>
+            <a:r>
+              <a:rPr lang="en-US" dirty="0"/>
+              <a:t> </a:t>
+            </a:r>
+            <a:r>
+              <a:rPr lang="en-US" dirty="0" err="1" smtClean="0"/>
+              <a:t>session.userID</a:t>
+            </a:r>
+            <a:r>
+              <a:rPr lang="en-US" dirty="0" smtClean="0"/>
+              <a:t>) when you need that object</a:t>
+            </a:r>
+          </a:p>
+          <a:p>
+            <a:endParaRPr lang="en-US" dirty="0"/>
+          </a:p>
+          <a:p>
+            <a:r>
+              <a:rPr lang="en-US" dirty="0" smtClean="0"/>
+              <a:t>The second you type “</a:t>
+            </a:r>
+            <a:r>
+              <a:rPr lang="en-US" dirty="0" err="1" smtClean="0"/>
+              <a:t>EntityMerge</a:t>
+            </a:r>
+            <a:r>
+              <a:rPr lang="en-US" dirty="0" smtClean="0"/>
+              <a:t>()”, you’re travelling down the trail </a:t>
             </a:r>
             <a:r>
               <a:rPr lang="en-US" smtClean="0"/>
-              <a:t>be resaved…”, </a:t>
-            </a:r>
-            <a:r>
-              <a:rPr lang="en-US" dirty="0" smtClean="0"/>
-              <a:t>you must also remove that item from the collection via </a:t>
-            </a:r>
-            <a:r>
-              <a:rPr lang="en-US" dirty="0" err="1" smtClean="0"/>
-              <a:t>removeXXX</a:t>
-            </a:r>
-            <a:r>
-              <a:rPr lang="en-US" dirty="0" smtClean="0"/>
-              <a:t>(XXX) or </a:t>
-            </a:r>
-            <a:r>
-              <a:rPr lang="en-US" dirty="0" err="1" smtClean="0"/>
-              <a:t>arrayDeleteAt</a:t>
-            </a:r>
-            <a:r>
-              <a:rPr lang="en-US" dirty="0" smtClean="0"/>
-              <a:t>(…)</a:t>
-            </a:r>
-            <a:endParaRPr lang="en-US" dirty="0"/>
+              <a:t>of suffering</a:t>
+            </a:r>
+            <a:endParaRPr lang="en-US" dirty="0" smtClean="0"/>
           </a:p>
         </p:txBody>
       </p:sp>
@@ -20739,7 +21742,12 @@
             <p:ph type="title"/>
           </p:nvPr>
         </p:nvSpPr>
-        <p:spPr/>
+        <p:spPr>
+          <a:xfrm>
+            <a:off x="228600" y="262128"/>
+            <a:ext cx="8686800" cy="1642872"/>
+          </a:xfrm>
+        </p:spPr>
         <p:txBody>
           <a:bodyPr>
             <a:normAutofit fontScale="90000"/>
@@ -20754,17 +21762,17 @@
               <a:rPr lang="en-US" dirty="0" smtClean="0"/>
             </a:br>
             <a:r>
-              <a:rPr lang="en-US" dirty="0" smtClean="0"/>
-              <a:t>Deleting from a Collection</a:t>
-            </a:r>
-            <a:endParaRPr lang="en-US" dirty="0"/>
+              <a:rPr lang="en-US" sz="4000" dirty="0" smtClean="0"/>
+              <a:t>Persistent objects and CF Session  Scope</a:t>
+            </a:r>
+            <a:endParaRPr lang="en-US" sz="4000" dirty="0"/>
           </a:p>
         </p:txBody>
       </p:sp>
     </p:spTree>
     <p:extLst>
       <p:ext uri="{BB962C8B-B14F-4D97-AF65-F5344CB8AC3E}">
-        <p14:creationId xmlns:p14="http://schemas.microsoft.com/office/powerpoint/2010/main" val="4182265279"/>
+        <p14:creationId xmlns:p14="http://schemas.microsoft.com/office/powerpoint/2010/main" val="2848442638"/>
       </p:ext>
     </p:extLst>
   </p:cSld>
@@ -20950,85 +21958,76 @@
         </p:nvSpPr>
         <p:spPr>
           <a:xfrm>
-            <a:off x="872067" y="2675467"/>
-            <a:ext cx="7738533" cy="3450696"/>
+            <a:off x="872067" y="2438400"/>
+            <a:ext cx="7408333" cy="4114800"/>
           </a:xfrm>
         </p:spPr>
         <p:txBody>
           <a:bodyPr>
-            <a:normAutofit/>
+            <a:normAutofit fontScale="92500"/>
           </a:bodyPr>
           <a:lstStyle/>
           <a:p>
-            <a:pPr marL="457200" indent="-457200">
-              <a:buFont typeface="+mj-lt"/>
-              <a:buAutoNum type="arabicPeriod"/>
-            </a:pPr>
-            <a:r>
-              <a:rPr lang="en-US" dirty="0" smtClean="0"/>
-              <a:t> ORM Settings -- Control the Session Flush</a:t>
-            </a:r>
-          </a:p>
-          <a:p>
-            <a:pPr marL="457200" indent="-457200">
-              <a:buFont typeface="+mj-lt"/>
-              <a:buAutoNum type="arabicPeriod"/>
-            </a:pPr>
-            <a:r>
-              <a:rPr lang="en-US" dirty="0" smtClean="0"/>
-              <a:t>Many-to-One Relationships</a:t>
-            </a:r>
-          </a:p>
-          <a:p>
-            <a:pPr marL="457200" indent="-457200">
-              <a:buFont typeface="+mj-lt"/>
-              <a:buAutoNum type="arabicPeriod"/>
-            </a:pPr>
-            <a:r>
-              <a:rPr lang="en-US" dirty="0" smtClean="0"/>
-              <a:t>One-to-Many Intro: Bidirectional relationships</a:t>
-            </a:r>
-          </a:p>
-          <a:p>
-            <a:pPr marL="457200" indent="-457200">
-              <a:buFont typeface="+mj-lt"/>
-              <a:buAutoNum type="arabicPeriod"/>
-            </a:pPr>
-            <a:r>
-              <a:rPr lang="en-US" dirty="0" smtClean="0"/>
-              <a:t>One-to-Many: Adding to Collections</a:t>
-            </a:r>
-          </a:p>
-          <a:p>
-            <a:pPr marL="457200" indent="-457200">
-              <a:buFont typeface="+mj-lt"/>
-              <a:buAutoNum type="arabicPeriod"/>
-            </a:pPr>
-            <a:r>
-              <a:rPr lang="en-US" dirty="0" smtClean="0"/>
-              <a:t>One-to-Many: inverse and “relationship owner”</a:t>
-            </a:r>
-          </a:p>
-          <a:p>
-            <a:pPr marL="457200" indent="-457200">
-              <a:buFont typeface="+mj-lt"/>
-              <a:buAutoNum type="arabicPeriod"/>
-            </a:pPr>
-            <a:r>
-              <a:rPr lang="en-US" dirty="0" smtClean="0"/>
-              <a:t>One-to-Many: Deleting from Collections</a:t>
-            </a:r>
-          </a:p>
-          <a:p>
-            <a:pPr marL="457200" indent="-457200">
-              <a:buFont typeface="+mj-lt"/>
-              <a:buAutoNum type="arabicPeriod"/>
-            </a:pPr>
-            <a:r>
-              <a:rPr lang="en-US" b="1" dirty="0" smtClean="0"/>
-              <a:t>Hibernate Session and the ColdFusion Session scope</a:t>
-            </a:r>
-            <a:endParaRPr lang="en-US" b="1" dirty="0"/>
+            <a:r>
+              <a:rPr lang="en-US" dirty="0" smtClean="0"/>
+              <a:t>Don’t let CF auto-flush the Hibernate session</a:t>
+            </a:r>
+          </a:p>
+          <a:p>
+            <a:pPr lvl="1"/>
+            <a:r>
+              <a:rPr lang="en-US" dirty="0" smtClean="0"/>
+              <a:t>always use transactions</a:t>
+            </a:r>
+          </a:p>
+          <a:p>
+            <a:r>
+              <a:rPr lang="en-US" dirty="0" smtClean="0"/>
+              <a:t>Use one-to-many sparingly; I try to use them only when I need to save relationships through them</a:t>
+            </a:r>
+          </a:p>
+          <a:p>
+            <a:r>
+              <a:rPr lang="en-US" dirty="0"/>
+              <a:t>Not setting “cascade” on one-to-many relationships will cause collection members not to save or </a:t>
+            </a:r>
+            <a:r>
+              <a:rPr lang="en-US" dirty="0" smtClean="0"/>
+              <a:t>delete</a:t>
+            </a:r>
+          </a:p>
+          <a:p>
+            <a:r>
+              <a:rPr lang="en-US" dirty="0" smtClean="0"/>
+              <a:t>Inverse=true is mandatory on bi-di relationships</a:t>
+            </a:r>
+          </a:p>
+          <a:p>
+            <a:r>
+              <a:rPr lang="en-US" dirty="0" smtClean="0"/>
+              <a:t>Deleting from one-to-many is simply not simple</a:t>
+            </a:r>
+          </a:p>
+          <a:p>
+            <a:r>
+              <a:rPr lang="en-US" dirty="0" smtClean="0"/>
+              <a:t>“</a:t>
+            </a:r>
+            <a:r>
+              <a:rPr lang="en-US" dirty="0" err="1" smtClean="0"/>
+              <a:t>linktable</a:t>
+            </a:r>
+            <a:r>
+              <a:rPr lang="en-US" dirty="0" smtClean="0"/>
+              <a:t>” is rarely useful… often you need a “join entity”</a:t>
+            </a:r>
+          </a:p>
+          <a:p>
+            <a:r>
+              <a:rPr lang="en-US" dirty="0" smtClean="0"/>
+              <a:t>Don’t store ORM objects in the session scope. Ever.</a:t>
+            </a:r>
+            <a:endParaRPr lang="en-US" dirty="0"/>
           </a:p>
         </p:txBody>
       </p:sp>
@@ -21049,7 +22048,7 @@
           <a:p>
             <a:r>
               <a:rPr lang="en-US" dirty="0" smtClean="0"/>
-              <a:t>Agenda</a:t>
+              <a:t>Enlightenment, In One Slide</a:t>
             </a:r>
             <a:endParaRPr lang="en-US" dirty="0"/>
           </a:p>
@@ -21058,7 +22057,7 @@
     </p:spTree>
     <p:extLst>
       <p:ext uri="{BB962C8B-B14F-4D97-AF65-F5344CB8AC3E}">
-        <p14:creationId xmlns:p14="http://schemas.microsoft.com/office/powerpoint/2010/main" val="1113937495"/>
+        <p14:creationId xmlns:p14="http://schemas.microsoft.com/office/powerpoint/2010/main" val="133580243"/>
       </p:ext>
     </p:extLst>
   </p:cSld>
@@ -21102,265 +22101,6 @@
             <p:ph idx="1"/>
           </p:nvPr>
         </p:nvSpPr>
-        <p:spPr>
-          <a:xfrm>
-            <a:off x="380999" y="2362200"/>
-            <a:ext cx="8534401" cy="3763963"/>
-          </a:xfrm>
-        </p:spPr>
-        <p:txBody>
-          <a:bodyPr/>
-          <a:lstStyle/>
-          <a:p>
-            <a:r>
-              <a:rPr lang="en-US" dirty="0" smtClean="0"/>
-              <a:t>When I store my user object in the session, and then change it and </a:t>
-            </a:r>
-            <a:r>
-              <a:rPr lang="en-US" dirty="0" err="1" smtClean="0"/>
-              <a:t>entitySave</a:t>
-            </a:r>
-            <a:r>
-              <a:rPr lang="en-US" dirty="0" smtClean="0"/>
-              <a:t>(), I get weirdo Hibernate errors</a:t>
-            </a:r>
-            <a:endParaRPr lang="en-US" dirty="0"/>
-          </a:p>
-        </p:txBody>
-      </p:sp>
-      <p:sp>
-        <p:nvSpPr>
-          <p:cNvPr id="3" name="Title 2"/>
-          <p:cNvSpPr>
-            <a:spLocks noGrp="1"/>
-          </p:cNvSpPr>
-          <p:nvPr>
-            <p:ph type="title"/>
-          </p:nvPr>
-        </p:nvSpPr>
-        <p:spPr/>
-        <p:txBody>
-          <a:bodyPr/>
-          <a:lstStyle/>
-          <a:p>
-            <a:r>
-              <a:rPr lang="en-US" dirty="0" smtClean="0"/>
-              <a:t>Suffering</a:t>
-            </a:r>
-            <a:endParaRPr lang="en-US" dirty="0"/>
-          </a:p>
-        </p:txBody>
-      </p:sp>
-    </p:spTree>
-    <p:extLst>
-      <p:ext uri="{BB962C8B-B14F-4D97-AF65-F5344CB8AC3E}">
-        <p14:creationId xmlns:p14="http://schemas.microsoft.com/office/powerpoint/2010/main" val="2932508157"/>
-      </p:ext>
-    </p:extLst>
-  </p:cSld>
-  <p:clrMapOvr>
-    <a:masterClrMapping/>
-  </p:clrMapOvr>
-  <p:timing>
-    <p:tnLst>
-      <p:par>
-        <p:cTn id="1" dur="indefinite" restart="never" nodeType="tmRoot"/>
-      </p:par>
-    </p:tnLst>
-  </p:timing>
-</p:sld>
-</file>
-
-<file path=ppt/slides/slide52.xml><?xml version="1.0" encoding="utf-8"?>
-<p:sld xmlns:a="http://schemas.openxmlformats.org/drawingml/2006/main" xmlns:r="http://schemas.openxmlformats.org/officeDocument/2006/relationships" xmlns:p="http://schemas.openxmlformats.org/presentationml/2006/main">
-  <p:cSld>
-    <p:spTree>
-      <p:nvGrpSpPr>
-        <p:cNvPr id="1" name=""/>
-        <p:cNvGrpSpPr/>
-        <p:nvPr/>
-      </p:nvGrpSpPr>
-      <p:grpSpPr>
-        <a:xfrm>
-          <a:off x="0" y="0"/>
-          <a:ext cx="0" cy="0"/>
-          <a:chOff x="0" y="0"/>
-          <a:chExt cx="0" cy="0"/>
-        </a:xfrm>
-      </p:grpSpPr>
-      <p:sp>
-        <p:nvSpPr>
-          <p:cNvPr id="2" name="Content Placeholder 1"/>
-          <p:cNvSpPr>
-            <a:spLocks noGrp="1"/>
-          </p:cNvSpPr>
-          <p:nvPr>
-            <p:ph idx="1"/>
-          </p:nvPr>
-        </p:nvSpPr>
-        <p:spPr/>
-        <p:txBody>
-          <a:bodyPr/>
-          <a:lstStyle/>
-          <a:p>
-            <a:r>
-              <a:rPr lang="en-US" dirty="0" smtClean="0"/>
-              <a:t>Just don’t do </a:t>
-            </a:r>
-            <a:r>
-              <a:rPr lang="en-US" dirty="0"/>
-              <a:t>it (How’s that for Zen</a:t>
-            </a:r>
-            <a:r>
-              <a:rPr lang="en-US" dirty="0" smtClean="0"/>
-              <a:t>!)</a:t>
-            </a:r>
-          </a:p>
-          <a:p>
-            <a:endParaRPr lang="en-US" dirty="0"/>
-          </a:p>
-          <a:p>
-            <a:r>
-              <a:rPr lang="en-US" dirty="0" smtClean="0"/>
-              <a:t>Store simple values (</a:t>
-            </a:r>
-            <a:r>
-              <a:rPr lang="en-US" dirty="0" err="1" smtClean="0"/>
-              <a:t>userID</a:t>
-            </a:r>
-            <a:r>
-              <a:rPr lang="en-US" dirty="0" smtClean="0"/>
-              <a:t>) in session scope, then </a:t>
-            </a:r>
-            <a:r>
-              <a:rPr lang="en-US" dirty="0" err="1" smtClean="0"/>
-              <a:t>entityLoadByPK</a:t>
-            </a:r>
-            <a:r>
-              <a:rPr lang="en-US" dirty="0" smtClean="0"/>
-              <a:t>(“User”,</a:t>
-            </a:r>
-            <a:r>
-              <a:rPr lang="en-US" dirty="0"/>
-              <a:t> </a:t>
-            </a:r>
-            <a:r>
-              <a:rPr lang="en-US" dirty="0" err="1" smtClean="0"/>
-              <a:t>session.userID</a:t>
-            </a:r>
-            <a:r>
-              <a:rPr lang="en-US" dirty="0" smtClean="0"/>
-              <a:t>) when you need that object</a:t>
-            </a:r>
-          </a:p>
-          <a:p>
-            <a:endParaRPr lang="en-US" dirty="0"/>
-          </a:p>
-          <a:p>
-            <a:r>
-              <a:rPr lang="en-US" dirty="0" smtClean="0"/>
-              <a:t>The second you type “</a:t>
-            </a:r>
-            <a:r>
-              <a:rPr lang="en-US" dirty="0" err="1" smtClean="0"/>
-              <a:t>EntityMerge</a:t>
-            </a:r>
-            <a:r>
-              <a:rPr lang="en-US" dirty="0" smtClean="0"/>
-              <a:t>()”, you’re travelling down the trail </a:t>
-            </a:r>
-            <a:r>
-              <a:rPr lang="en-US" smtClean="0"/>
-              <a:t>of suffering</a:t>
-            </a:r>
-            <a:endParaRPr lang="en-US" dirty="0" smtClean="0"/>
-          </a:p>
-        </p:txBody>
-      </p:sp>
-      <p:sp>
-        <p:nvSpPr>
-          <p:cNvPr id="3" name="Title 2"/>
-          <p:cNvSpPr>
-            <a:spLocks noGrp="1"/>
-          </p:cNvSpPr>
-          <p:nvPr>
-            <p:ph type="title"/>
-          </p:nvPr>
-        </p:nvSpPr>
-        <p:spPr>
-          <a:xfrm>
-            <a:off x="228600" y="262128"/>
-            <a:ext cx="8686800" cy="1642872"/>
-          </a:xfrm>
-        </p:spPr>
-        <p:txBody>
-          <a:bodyPr>
-            <a:normAutofit fontScale="90000"/>
-          </a:bodyPr>
-          <a:lstStyle/>
-          <a:p>
-            <a:r>
-              <a:rPr lang="en-US" dirty="0" smtClean="0"/>
-              <a:t>Enlightenment: </a:t>
-            </a:r>
-            <a:br>
-              <a:rPr lang="en-US" dirty="0" smtClean="0"/>
-            </a:br>
-            <a:r>
-              <a:rPr lang="en-US" sz="4000" dirty="0" smtClean="0"/>
-              <a:t>Persistent objects and CF Session  Scope</a:t>
-            </a:r>
-            <a:endParaRPr lang="en-US" sz="4000" dirty="0"/>
-          </a:p>
-        </p:txBody>
-      </p:sp>
-    </p:spTree>
-    <p:extLst>
-      <p:ext uri="{BB962C8B-B14F-4D97-AF65-F5344CB8AC3E}">
-        <p14:creationId xmlns:p14="http://schemas.microsoft.com/office/powerpoint/2010/main" val="2848442638"/>
-      </p:ext>
-    </p:extLst>
-  </p:cSld>
-  <p:clrMapOvr>
-    <a:masterClrMapping/>
-  </p:clrMapOvr>
-  <p:timing>
-    <p:tnLst>
-      <p:par>
-        <p:cTn id="1" dur="indefinite" restart="never" nodeType="tmRoot"/>
-      </p:par>
-    </p:tnLst>
-  </p:timing>
-</p:sld>
-</file>
-
-<file path=ppt/slides/slide53.xml><?xml version="1.0" encoding="utf-8"?>
-<p:sld xmlns:a="http://schemas.openxmlformats.org/drawingml/2006/main" xmlns:r="http://schemas.openxmlformats.org/officeDocument/2006/relationships" xmlns:p="http://schemas.openxmlformats.org/presentationml/2006/main">
-  <p:cSld>
-    <p:spTree>
-      <p:nvGrpSpPr>
-        <p:cNvPr id="1" name=""/>
-        <p:cNvGrpSpPr/>
-        <p:nvPr/>
-      </p:nvGrpSpPr>
-      <p:grpSpPr>
-        <a:xfrm>
-          <a:off x="0" y="0"/>
-          <a:ext cx="0" cy="0"/>
-          <a:chOff x="0" y="0"/>
-          <a:chExt cx="0" cy="0"/>
-        </a:xfrm>
-      </p:grpSpPr>
-      <p:sp>
-        <p:nvSpPr>
-          <p:cNvPr id="2" name="Content Placeholder 1"/>
-          <p:cNvSpPr>
-            <a:spLocks noGrp="1"/>
-          </p:cNvSpPr>
-          <p:nvPr>
-            <p:ph idx="1"/>
-          </p:nvPr>
-        </p:nvSpPr>
         <p:spPr/>
         <p:txBody>
           <a:bodyPr>
@@ -21556,7 +22296,7 @@
 </p:sld>
 </file>
 
-<file path=ppt/slides/slide54.xml><?xml version="1.0" encoding="utf-8"?>
+<file path=ppt/slides/slide52.xml><?xml version="1.0" encoding="utf-8"?>
 <p:sld xmlns:a="http://schemas.openxmlformats.org/drawingml/2006/main" xmlns:r="http://schemas.openxmlformats.org/officeDocument/2006/relationships" xmlns:p="http://schemas.openxmlformats.org/presentationml/2006/main">
   <p:cSld>
     <p:spTree>
@@ -22143,7 +22883,7 @@
 </p:sld>
 </file>
 
-<file path=ppt/slides/slide55.xml><?xml version="1.0" encoding="utf-8"?>
+<file path=ppt/slides/slide53.xml><?xml version="1.0" encoding="utf-8"?>
 <p:sld xmlns:a="http://schemas.openxmlformats.org/drawingml/2006/main" xmlns:r="http://schemas.openxmlformats.org/officeDocument/2006/relationships" xmlns:p="http://schemas.openxmlformats.org/presentationml/2006/main">
   <p:cSld>
     <p:spTree>
@@ -22347,7 +23087,7 @@
 </p:sld>
 </file>
 
-<file path=ppt/slides/slide56.xml><?xml version="1.0" encoding="utf-8"?>
+<file path=ppt/slides/slide54.xml><?xml version="1.0" encoding="utf-8"?>
 <p:sld xmlns:a="http://schemas.openxmlformats.org/drawingml/2006/main" xmlns:r="http://schemas.openxmlformats.org/officeDocument/2006/relationships" xmlns:p="http://schemas.openxmlformats.org/presentationml/2006/main">
   <p:cSld>
     <p:spTree>
@@ -22440,7 +23180,7 @@
 </p:sld>
 </file>
 
-<file path=ppt/slides/slide57.xml><?xml version="1.0" encoding="utf-8"?>
+<file path=ppt/slides/slide55.xml><?xml version="1.0" encoding="utf-8"?>
 <p:sld xmlns:a="http://schemas.openxmlformats.org/drawingml/2006/main" xmlns:r="http://schemas.openxmlformats.org/officeDocument/2006/relationships" xmlns:p="http://schemas.openxmlformats.org/presentationml/2006/main">
   <p:cSld>
     <p:spTree>
@@ -22593,7 +23333,7 @@
 </p:sld>
 </file>
 
-<file path=ppt/slides/slide58.xml><?xml version="1.0" encoding="utf-8"?>
+<file path=ppt/slides/slide56.xml><?xml version="1.0" encoding="utf-8"?>
 <p:sld xmlns:a="http://schemas.openxmlformats.org/drawingml/2006/main" xmlns:r="http://schemas.openxmlformats.org/officeDocument/2006/relationships" xmlns:p="http://schemas.openxmlformats.org/presentationml/2006/main">
   <p:cSld>
     <p:spTree>
@@ -22696,7 +23436,7 @@
 </p:sld>
 </file>
 
-<file path=ppt/slides/slide59.xml><?xml version="1.0" encoding="utf-8"?>
+<file path=ppt/slides/slide57.xml><?xml version="1.0" encoding="utf-8"?>
 <p:sld xmlns:a="http://schemas.openxmlformats.org/drawingml/2006/main" xmlns:r="http://schemas.openxmlformats.org/officeDocument/2006/relationships" xmlns:p="http://schemas.openxmlformats.org/presentationml/2006/main">
   <p:cSld>
     <p:spTree>
@@ -22785,6 +23525,221 @@
     <p:extLst>
       <p:ext uri="{BB962C8B-B14F-4D97-AF65-F5344CB8AC3E}">
         <p14:creationId xmlns:p14="http://schemas.microsoft.com/office/powerpoint/2010/main" val="3686384346"/>
+      </p:ext>
+    </p:extLst>
+  </p:cSld>
+  <p:clrMapOvr>
+    <a:masterClrMapping/>
+  </p:clrMapOvr>
+  <p:timing>
+    <p:tnLst>
+      <p:par>
+        <p:cTn id="1" dur="indefinite" restart="never" nodeType="tmRoot"/>
+      </p:par>
+    </p:tnLst>
+  </p:timing>
+</p:sld>
+</file>
+
+<file path=ppt/slides/slide58.xml><?xml version="1.0" encoding="utf-8"?>
+<p:sld xmlns:a="http://schemas.openxmlformats.org/drawingml/2006/main" xmlns:r="http://schemas.openxmlformats.org/officeDocument/2006/relationships" xmlns:p="http://schemas.openxmlformats.org/presentationml/2006/main">
+  <p:cSld>
+    <p:spTree>
+      <p:nvGrpSpPr>
+        <p:cNvPr id="1" name=""/>
+        <p:cNvGrpSpPr/>
+        <p:nvPr/>
+      </p:nvGrpSpPr>
+      <p:grpSpPr>
+        <a:xfrm>
+          <a:off x="0" y="0"/>
+          <a:ext cx="0" cy="0"/>
+          <a:chOff x="0" y="0"/>
+          <a:chExt cx="0" cy="0"/>
+        </a:xfrm>
+      </p:grpSpPr>
+      <p:sp>
+        <p:nvSpPr>
+          <p:cNvPr id="2" name="Content Placeholder 1"/>
+          <p:cNvSpPr>
+            <a:spLocks noGrp="1"/>
+          </p:cNvSpPr>
+          <p:nvPr>
+            <p:ph idx="1"/>
+          </p:nvPr>
+        </p:nvSpPr>
+        <p:spPr>
+          <a:xfrm>
+            <a:off x="533401" y="2675467"/>
+            <a:ext cx="8153400" cy="3450696"/>
+          </a:xfrm>
+        </p:spPr>
+        <p:txBody>
+          <a:bodyPr/>
+          <a:lstStyle/>
+          <a:p>
+            <a:r>
+              <a:rPr lang="en-US" dirty="0" smtClean="0"/>
+              <a:t>If you *need* to see the parameters  for the SQL statements, turn it on</a:t>
+            </a:r>
+          </a:p>
+          <a:p>
+            <a:pPr lvl="1"/>
+            <a:r>
+              <a:rPr lang="en-US" dirty="0" smtClean="0"/>
+              <a:t>WEB-INF/</a:t>
+            </a:r>
+            <a:r>
+              <a:rPr lang="en-US" dirty="0" err="1" smtClean="0"/>
+              <a:t>cfusion</a:t>
+            </a:r>
+            <a:r>
+              <a:rPr lang="en-US" dirty="0" smtClean="0"/>
+              <a:t>/lib/log4j.properties</a:t>
+            </a:r>
+          </a:p>
+          <a:p>
+            <a:pPr lvl="1"/>
+            <a:r>
+              <a:rPr lang="en-US" dirty="0" smtClean="0"/>
+              <a:t>Uncomment this line:</a:t>
+            </a:r>
+          </a:p>
+          <a:p>
+            <a:pPr lvl="2"/>
+            <a:r>
+              <a:rPr lang="en-US" dirty="0"/>
+              <a:t>### Also log the parameter binding to the prepared statements.</a:t>
+            </a:r>
+          </a:p>
+          <a:p>
+            <a:pPr lvl="2"/>
+            <a:r>
+              <a:rPr lang="en-US" dirty="0"/>
+              <a:t>#</a:t>
+            </a:r>
+            <a:r>
+              <a:rPr lang="en-US" dirty="0" smtClean="0"/>
+              <a:t>log4j.logger.org.hibernate.type=DEBUG</a:t>
+            </a:r>
+          </a:p>
+          <a:p>
+            <a:pPr lvl="1"/>
+            <a:r>
+              <a:rPr lang="en-US" dirty="0" smtClean="0"/>
+              <a:t>This will get extremely noisy, so use with care</a:t>
+            </a:r>
+            <a:endParaRPr lang="en-US" dirty="0"/>
+          </a:p>
+        </p:txBody>
+      </p:sp>
+      <p:sp>
+        <p:nvSpPr>
+          <p:cNvPr id="3" name="Title 2"/>
+          <p:cNvSpPr>
+            <a:spLocks noGrp="1"/>
+          </p:cNvSpPr>
+          <p:nvPr>
+            <p:ph type="title"/>
+          </p:nvPr>
+        </p:nvSpPr>
+        <p:spPr/>
+        <p:txBody>
+          <a:bodyPr>
+            <a:normAutofit fontScale="90000"/>
+          </a:bodyPr>
+          <a:lstStyle/>
+          <a:p>
+            <a:r>
+              <a:rPr lang="en-US" dirty="0" smtClean="0"/>
+              <a:t>ORM Essentials: Parameter Logging</a:t>
+            </a:r>
+            <a:endParaRPr lang="en-US" dirty="0"/>
+          </a:p>
+        </p:txBody>
+      </p:sp>
+    </p:spTree>
+    <p:extLst>
+      <p:ext uri="{BB962C8B-B14F-4D97-AF65-F5344CB8AC3E}">
+        <p14:creationId xmlns:p14="http://schemas.microsoft.com/office/powerpoint/2010/main" val="1312424132"/>
+      </p:ext>
+    </p:extLst>
+  </p:cSld>
+  <p:clrMapOvr>
+    <a:masterClrMapping/>
+  </p:clrMapOvr>
+  <p:timing>
+    <p:tnLst>
+      <p:par>
+        <p:cTn id="1" dur="indefinite" restart="never" nodeType="tmRoot"/>
+      </p:par>
+    </p:tnLst>
+  </p:timing>
+</p:sld>
+</file>
+
+<file path=ppt/slides/slide59.xml><?xml version="1.0" encoding="utf-8"?>
+<p:sld xmlns:a="http://schemas.openxmlformats.org/drawingml/2006/main" xmlns:r="http://schemas.openxmlformats.org/officeDocument/2006/relationships" xmlns:p="http://schemas.openxmlformats.org/presentationml/2006/main">
+  <p:cSld>
+    <p:spTree>
+      <p:nvGrpSpPr>
+        <p:cNvPr id="1" name=""/>
+        <p:cNvGrpSpPr/>
+        <p:nvPr/>
+      </p:nvGrpSpPr>
+      <p:grpSpPr>
+        <a:xfrm>
+          <a:off x="0" y="0"/>
+          <a:ext cx="0" cy="0"/>
+          <a:chOff x="0" y="0"/>
+          <a:chExt cx="0" cy="0"/>
+        </a:xfrm>
+      </p:grpSpPr>
+      <p:pic>
+        <p:nvPicPr>
+          <p:cNvPr id="6146" name="Picture 2" descr="C:\dev\projects\wwwroot\mxunit-cfmeetups\CFObjective_ORMZen\preso\hibernate_logging_with_parameters.PNG"/>
+          <p:cNvPicPr>
+            <a:picLocks noChangeAspect="1" noChangeArrowheads="1"/>
+          </p:cNvPicPr>
+          <p:nvPr/>
+        </p:nvPicPr>
+        <p:blipFill>
+          <a:blip r:embed="rId2">
+            <a:extLst>
+              <a:ext uri="{28A0092B-C50C-407E-A947-70E740481C1C}">
+                <a14:useLocalDpi xmlns:a14="http://schemas.microsoft.com/office/drawing/2010/main" val="0"/>
+              </a:ext>
+            </a:extLst>
+          </a:blip>
+          <a:srcRect/>
+          <a:stretch>
+            <a:fillRect/>
+          </a:stretch>
+        </p:blipFill>
+        <p:spPr bwMode="auto">
+          <a:xfrm>
+            <a:off x="1371600" y="0"/>
+            <a:ext cx="6705600" cy="6876978"/>
+          </a:xfrm>
+          <a:prstGeom prst="rect">
+            <a:avLst/>
+          </a:prstGeom>
+          <a:noFill/>
+          <a:extLst>
+            <a:ext uri="{909E8E84-426E-40DD-AFC4-6F175D3DCCD1}">
+              <a14:hiddenFill xmlns:a14="http://schemas.microsoft.com/office/drawing/2010/main">
+                <a:solidFill>
+                  <a:srgbClr val="FFFFFF"/>
+                </a:solidFill>
+              </a14:hiddenFill>
+            </a:ext>
+          </a:extLst>
+        </p:spPr>
+      </p:pic>
+    </p:spTree>
+    <p:extLst>
+      <p:ext uri="{BB962C8B-B14F-4D97-AF65-F5344CB8AC3E}">
+        <p14:creationId xmlns:p14="http://schemas.microsoft.com/office/powerpoint/2010/main" val="994099777"/>
       </p:ext>
     </p:extLst>
   </p:cSld>
@@ -22974,221 +23929,6 @@
             <p:ph idx="1"/>
           </p:nvPr>
         </p:nvSpPr>
-        <p:spPr>
-          <a:xfrm>
-            <a:off x="533401" y="2675467"/>
-            <a:ext cx="8153400" cy="3450696"/>
-          </a:xfrm>
-        </p:spPr>
-        <p:txBody>
-          <a:bodyPr/>
-          <a:lstStyle/>
-          <a:p>
-            <a:r>
-              <a:rPr lang="en-US" dirty="0" smtClean="0"/>
-              <a:t>If you *need* to see the parameters  for the SQL statements, turn it on</a:t>
-            </a:r>
-          </a:p>
-          <a:p>
-            <a:pPr lvl="1"/>
-            <a:r>
-              <a:rPr lang="en-US" dirty="0" smtClean="0"/>
-              <a:t>WEB-INF/</a:t>
-            </a:r>
-            <a:r>
-              <a:rPr lang="en-US" dirty="0" err="1" smtClean="0"/>
-              <a:t>cfusion</a:t>
-            </a:r>
-            <a:r>
-              <a:rPr lang="en-US" dirty="0" smtClean="0"/>
-              <a:t>/lib/log4j.properties</a:t>
-            </a:r>
-          </a:p>
-          <a:p>
-            <a:pPr lvl="1"/>
-            <a:r>
-              <a:rPr lang="en-US" dirty="0" smtClean="0"/>
-              <a:t>Uncomment this line:</a:t>
-            </a:r>
-          </a:p>
-          <a:p>
-            <a:pPr lvl="2"/>
-            <a:r>
-              <a:rPr lang="en-US" dirty="0"/>
-              <a:t>### Also log the parameter binding to the prepared statements.</a:t>
-            </a:r>
-          </a:p>
-          <a:p>
-            <a:pPr lvl="2"/>
-            <a:r>
-              <a:rPr lang="en-US" dirty="0"/>
-              <a:t>#</a:t>
-            </a:r>
-            <a:r>
-              <a:rPr lang="en-US" dirty="0" smtClean="0"/>
-              <a:t>log4j.logger.org.hibernate.type=DEBUG</a:t>
-            </a:r>
-          </a:p>
-          <a:p>
-            <a:pPr lvl="1"/>
-            <a:r>
-              <a:rPr lang="en-US" dirty="0" smtClean="0"/>
-              <a:t>This will get extremely noisy, so use with care</a:t>
-            </a:r>
-            <a:endParaRPr lang="en-US" dirty="0"/>
-          </a:p>
-        </p:txBody>
-      </p:sp>
-      <p:sp>
-        <p:nvSpPr>
-          <p:cNvPr id="3" name="Title 2"/>
-          <p:cNvSpPr>
-            <a:spLocks noGrp="1"/>
-          </p:cNvSpPr>
-          <p:nvPr>
-            <p:ph type="title"/>
-          </p:nvPr>
-        </p:nvSpPr>
-        <p:spPr/>
-        <p:txBody>
-          <a:bodyPr>
-            <a:normAutofit fontScale="90000"/>
-          </a:bodyPr>
-          <a:lstStyle/>
-          <a:p>
-            <a:r>
-              <a:rPr lang="en-US" dirty="0" smtClean="0"/>
-              <a:t>ORM Essentials: Parameter Logging</a:t>
-            </a:r>
-            <a:endParaRPr lang="en-US" dirty="0"/>
-          </a:p>
-        </p:txBody>
-      </p:sp>
-    </p:spTree>
-    <p:extLst>
-      <p:ext uri="{BB962C8B-B14F-4D97-AF65-F5344CB8AC3E}">
-        <p14:creationId xmlns:p14="http://schemas.microsoft.com/office/powerpoint/2010/main" val="1312424132"/>
-      </p:ext>
-    </p:extLst>
-  </p:cSld>
-  <p:clrMapOvr>
-    <a:masterClrMapping/>
-  </p:clrMapOvr>
-  <p:timing>
-    <p:tnLst>
-      <p:par>
-        <p:cTn id="1" dur="indefinite" restart="never" nodeType="tmRoot"/>
-      </p:par>
-    </p:tnLst>
-  </p:timing>
-</p:sld>
-</file>
-
-<file path=ppt/slides/slide61.xml><?xml version="1.0" encoding="utf-8"?>
-<p:sld xmlns:a="http://schemas.openxmlformats.org/drawingml/2006/main" xmlns:r="http://schemas.openxmlformats.org/officeDocument/2006/relationships" xmlns:p="http://schemas.openxmlformats.org/presentationml/2006/main">
-  <p:cSld>
-    <p:spTree>
-      <p:nvGrpSpPr>
-        <p:cNvPr id="1" name=""/>
-        <p:cNvGrpSpPr/>
-        <p:nvPr/>
-      </p:nvGrpSpPr>
-      <p:grpSpPr>
-        <a:xfrm>
-          <a:off x="0" y="0"/>
-          <a:ext cx="0" cy="0"/>
-          <a:chOff x="0" y="0"/>
-          <a:chExt cx="0" cy="0"/>
-        </a:xfrm>
-      </p:grpSpPr>
-      <p:pic>
-        <p:nvPicPr>
-          <p:cNvPr id="6146" name="Picture 2" descr="C:\dev\projects\wwwroot\mxunit-cfmeetups\CFObjective_ORMZen\preso\hibernate_logging_with_parameters.PNG"/>
-          <p:cNvPicPr>
-            <a:picLocks noChangeAspect="1" noChangeArrowheads="1"/>
-          </p:cNvPicPr>
-          <p:nvPr/>
-        </p:nvPicPr>
-        <p:blipFill>
-          <a:blip r:embed="rId2">
-            <a:extLst>
-              <a:ext uri="{28A0092B-C50C-407E-A947-70E740481C1C}">
-                <a14:useLocalDpi xmlns:a14="http://schemas.microsoft.com/office/drawing/2010/main" val="0"/>
-              </a:ext>
-            </a:extLst>
-          </a:blip>
-          <a:srcRect/>
-          <a:stretch>
-            <a:fillRect/>
-          </a:stretch>
-        </p:blipFill>
-        <p:spPr bwMode="auto">
-          <a:xfrm>
-            <a:off x="1371600" y="0"/>
-            <a:ext cx="6705600" cy="6876978"/>
-          </a:xfrm>
-          <a:prstGeom prst="rect">
-            <a:avLst/>
-          </a:prstGeom>
-          <a:noFill/>
-          <a:extLst>
-            <a:ext uri="{909E8E84-426E-40DD-AFC4-6F175D3DCCD1}">
-              <a14:hiddenFill xmlns:a14="http://schemas.microsoft.com/office/drawing/2010/main">
-                <a:solidFill>
-                  <a:srgbClr val="FFFFFF"/>
-                </a:solidFill>
-              </a14:hiddenFill>
-            </a:ext>
-          </a:extLst>
-        </p:spPr>
-      </p:pic>
-    </p:spTree>
-    <p:extLst>
-      <p:ext uri="{BB962C8B-B14F-4D97-AF65-F5344CB8AC3E}">
-        <p14:creationId xmlns:p14="http://schemas.microsoft.com/office/powerpoint/2010/main" val="994099777"/>
-      </p:ext>
-    </p:extLst>
-  </p:cSld>
-  <p:clrMapOvr>
-    <a:masterClrMapping/>
-  </p:clrMapOvr>
-  <p:timing>
-    <p:tnLst>
-      <p:par>
-        <p:cTn id="1" dur="indefinite" restart="never" nodeType="tmRoot"/>
-      </p:par>
-    </p:tnLst>
-  </p:timing>
-</p:sld>
-</file>
-
-<file path=ppt/slides/slide62.xml><?xml version="1.0" encoding="utf-8"?>
-<p:sld xmlns:a="http://schemas.openxmlformats.org/drawingml/2006/main" xmlns:r="http://schemas.openxmlformats.org/officeDocument/2006/relationships" xmlns:p="http://schemas.openxmlformats.org/presentationml/2006/main">
-  <p:cSld>
-    <p:spTree>
-      <p:nvGrpSpPr>
-        <p:cNvPr id="1" name=""/>
-        <p:cNvGrpSpPr/>
-        <p:nvPr/>
-      </p:nvGrpSpPr>
-      <p:grpSpPr>
-        <a:xfrm>
-          <a:off x="0" y="0"/>
-          <a:ext cx="0" cy="0"/>
-          <a:chOff x="0" y="0"/>
-          <a:chExt cx="0" cy="0"/>
-        </a:xfrm>
-      </p:grpSpPr>
-      <p:sp>
-        <p:nvSpPr>
-          <p:cNvPr id="2" name="Content Placeholder 1"/>
-          <p:cNvSpPr>
-            <a:spLocks noGrp="1"/>
-          </p:cNvSpPr>
-          <p:nvPr>
-            <p:ph idx="1"/>
-          </p:nvPr>
-        </p:nvSpPr>
         <p:spPr/>
         <p:txBody>
           <a:bodyPr>
@@ -23330,7 +24070,7 @@
 </p:sld>
 </file>
 
-<file path=ppt/slides/slide63.xml><?xml version="1.0" encoding="utf-8"?>
+<file path=ppt/slides/slide61.xml><?xml version="1.0" encoding="utf-8"?>
 <p:sld xmlns:a="http://schemas.openxmlformats.org/drawingml/2006/main" xmlns:r="http://schemas.openxmlformats.org/officeDocument/2006/relationships" xmlns:p="http://schemas.openxmlformats.org/presentationml/2006/main">
   <p:cSld>
     <p:spTree>

--- a/CFObjective_ORMZen/preso/orm_zen.ppt.pptx
+++ b/CFObjective_ORMZen/preso/orm_zen.ppt.pptx
@@ -20686,6 +20686,13 @@
   <p:clrMapOvr>
     <a:masterClrMapping/>
   </p:clrMapOvr>
+  <p:timing>
+    <p:tnLst>
+      <p:par>
+        <p:cTn id="1" dur="indefinite" restart="never" nodeType="tmRoot"/>
+      </p:par>
+    </p:tnLst>
+  </p:timing>
 </p:sld>
 </file>
 
@@ -21053,9 +21060,16 @@
           <a:bodyPr/>
           <a:lstStyle/>
           <a:p>
-            <a:r>
-              <a:rPr lang="en-US" dirty="0" smtClean="0"/>
-              <a:t>If I loop over a collection and try to remove elements from that collection, I get “</a:t>
+            <a:endParaRPr lang="en-US" dirty="0" smtClean="0"/>
+          </a:p>
+          <a:p>
+            <a:r>
+              <a:rPr lang="en-US" dirty="0" smtClean="0"/>
+              <a:t>If </a:t>
+            </a:r>
+            <a:r>
+              <a:rPr lang="en-US" dirty="0" smtClean="0"/>
+              <a:t>I loop over a collection and try to remove elements from that collection, I get “</a:t>
             </a:r>
             <a:r>
               <a:rPr lang="en-US" dirty="0" err="1" smtClean="0"/>
@@ -23034,11 +23048,7 @@
             </a:r>
             <a:r>
               <a:rPr lang="en-US" sz="1400" dirty="0" smtClean="0"/>
-              <a:t> -- lots of useful tips on HQL, collections, logging</a:t>
-            </a:r>
-            <a:r>
-              <a:rPr lang="en-US" sz="1400" smtClean="0"/>
-              <a:t>, nested-set model, etc.</a:t>
+              <a:t> -- lots of useful tips on HQL, collections, logging, nested-set model, etc.</a:t>
             </a:r>
             <a:endParaRPr lang="en-US" sz="1400" dirty="0"/>
           </a:p>

--- a/CFObjective_ORMZen/preso/orm_zen.ppt.pptx
+++ b/CFObjective_ORMZen/preso/orm_zen.ppt.pptx
@@ -37,35 +37,36 @@
     <p:sldId id="287" r:id="rId31"/>
     <p:sldId id="290" r:id="rId32"/>
     <p:sldId id="289" r:id="rId33"/>
-    <p:sldId id="291" r:id="rId34"/>
-    <p:sldId id="301" r:id="rId35"/>
-    <p:sldId id="302" r:id="rId36"/>
-    <p:sldId id="303" r:id="rId37"/>
-    <p:sldId id="316" r:id="rId38"/>
-    <p:sldId id="317" r:id="rId39"/>
-    <p:sldId id="318" r:id="rId40"/>
-    <p:sldId id="319" r:id="rId41"/>
-    <p:sldId id="330" r:id="rId42"/>
-    <p:sldId id="331" r:id="rId43"/>
+    <p:sldId id="316" r:id="rId34"/>
+    <p:sldId id="317" r:id="rId35"/>
+    <p:sldId id="318" r:id="rId36"/>
+    <p:sldId id="319" r:id="rId37"/>
+    <p:sldId id="330" r:id="rId38"/>
+    <p:sldId id="331" r:id="rId39"/>
+    <p:sldId id="291" r:id="rId40"/>
+    <p:sldId id="301" r:id="rId41"/>
+    <p:sldId id="302" r:id="rId42"/>
+    <p:sldId id="303" r:id="rId43"/>
     <p:sldId id="320" r:id="rId44"/>
     <p:sldId id="321" r:id="rId45"/>
     <p:sldId id="322" r:id="rId46"/>
     <p:sldId id="323" r:id="rId47"/>
-    <p:sldId id="325" r:id="rId48"/>
-    <p:sldId id="326" r:id="rId49"/>
-    <p:sldId id="327" r:id="rId50"/>
-    <p:sldId id="329" r:id="rId51"/>
-    <p:sldId id="315" r:id="rId52"/>
-    <p:sldId id="312" r:id="rId53"/>
-    <p:sldId id="324" r:id="rId54"/>
-    <p:sldId id="304" r:id="rId55"/>
-    <p:sldId id="305" r:id="rId56"/>
-    <p:sldId id="306" r:id="rId57"/>
-    <p:sldId id="307" r:id="rId58"/>
-    <p:sldId id="308" r:id="rId59"/>
-    <p:sldId id="309" r:id="rId60"/>
-    <p:sldId id="310" r:id="rId61"/>
-    <p:sldId id="311" r:id="rId62"/>
+    <p:sldId id="332" r:id="rId48"/>
+    <p:sldId id="325" r:id="rId49"/>
+    <p:sldId id="326" r:id="rId50"/>
+    <p:sldId id="327" r:id="rId51"/>
+    <p:sldId id="329" r:id="rId52"/>
+    <p:sldId id="315" r:id="rId53"/>
+    <p:sldId id="312" r:id="rId54"/>
+    <p:sldId id="324" r:id="rId55"/>
+    <p:sldId id="304" r:id="rId56"/>
+    <p:sldId id="305" r:id="rId57"/>
+    <p:sldId id="306" r:id="rId58"/>
+    <p:sldId id="307" r:id="rId59"/>
+    <p:sldId id="308" r:id="rId60"/>
+    <p:sldId id="309" r:id="rId61"/>
+    <p:sldId id="310" r:id="rId62"/>
+    <p:sldId id="311" r:id="rId63"/>
   </p:sldIdLst>
   <p:sldSz cx="9144000" cy="6858000" type="screen4x3"/>
   <p:notesSz cx="6858000" cy="9144000"/>
@@ -1979,7 +1980,7 @@
           <a:p>
             <a:fld id="{8D079CED-E0C8-4B3D-AB1E-914A2D354D81}" type="datetimeFigureOut">
               <a:rPr lang="en-US" smtClean="0"/>
-              <a:t>5/8/2011</a:t>
+              <a:t>5/9/2011</a:t>
             </a:fld>
             <a:endParaRPr lang="en-US"/>
           </a:p>
@@ -2160,7 +2161,7 @@
           <a:p>
             <a:fld id="{8D079CED-E0C8-4B3D-AB1E-914A2D354D81}" type="datetimeFigureOut">
               <a:rPr lang="en-US" smtClean="0"/>
-              <a:t>5/8/2011</a:t>
+              <a:t>5/9/2011</a:t>
             </a:fld>
             <a:endParaRPr lang="en-US"/>
           </a:p>
@@ -2311,7 +2312,7 @@
           <a:p>
             <a:fld id="{8D079CED-E0C8-4B3D-AB1E-914A2D354D81}" type="datetimeFigureOut">
               <a:rPr lang="en-US" smtClean="0"/>
-              <a:t>5/8/2011</a:t>
+              <a:t>5/9/2011</a:t>
             </a:fld>
             <a:endParaRPr lang="en-US"/>
           </a:p>
@@ -4137,7 +4138,7 @@
           <a:p>
             <a:fld id="{8D079CED-E0C8-4B3D-AB1E-914A2D354D81}" type="datetimeFigureOut">
               <a:rPr lang="en-US" smtClean="0"/>
-              <a:t>5/8/2011</a:t>
+              <a:t>5/9/2011</a:t>
             </a:fld>
             <a:endParaRPr lang="en-US"/>
           </a:p>
@@ -6007,7 +6008,7 @@
           <a:p>
             <a:fld id="{8D079CED-E0C8-4B3D-AB1E-914A2D354D81}" type="datetimeFigureOut">
               <a:rPr lang="en-US" smtClean="0"/>
-              <a:t>5/8/2011</a:t>
+              <a:t>5/9/2011</a:t>
             </a:fld>
             <a:endParaRPr lang="en-US"/>
           </a:p>
@@ -6120,7 +6121,7 @@
           <a:p>
             <a:fld id="{8D079CED-E0C8-4B3D-AB1E-914A2D354D81}" type="datetimeFigureOut">
               <a:rPr lang="en-US" smtClean="0"/>
-              <a:t>5/8/2011</a:t>
+              <a:t>5/9/2011</a:t>
             </a:fld>
             <a:endParaRPr lang="en-US"/>
           </a:p>
@@ -6661,7 +6662,7 @@
           <a:p>
             <a:fld id="{8D079CED-E0C8-4B3D-AB1E-914A2D354D81}" type="datetimeFigureOut">
               <a:rPr lang="en-US" smtClean="0"/>
-              <a:t>5/8/2011</a:t>
+              <a:t>5/9/2011</a:t>
             </a:fld>
             <a:endParaRPr lang="en-US"/>
           </a:p>
@@ -6774,7 +6775,7 @@
           <a:p>
             <a:fld id="{8D079CED-E0C8-4B3D-AB1E-914A2D354D81}" type="datetimeFigureOut">
               <a:rPr lang="en-US" smtClean="0"/>
-              <a:t>5/8/2011</a:t>
+              <a:t>5/9/2011</a:t>
             </a:fld>
             <a:endParaRPr lang="en-US"/>
           </a:p>
@@ -8485,7 +8486,7 @@
           <a:p>
             <a:fld id="{8D079CED-E0C8-4B3D-AB1E-914A2D354D81}" type="datetimeFigureOut">
               <a:rPr lang="en-US" smtClean="0"/>
-              <a:t>5/8/2011</a:t>
+              <a:t>5/9/2011</a:t>
             </a:fld>
             <a:endParaRPr lang="en-US"/>
           </a:p>
@@ -8636,7 +8637,7 @@
           <a:p>
             <a:fld id="{8D079CED-E0C8-4B3D-AB1E-914A2D354D81}" type="datetimeFigureOut">
               <a:rPr lang="en-US" smtClean="0"/>
-              <a:t>5/8/2011</a:t>
+              <a:t>5/9/2011</a:t>
             </a:fld>
             <a:endParaRPr lang="en-US"/>
           </a:p>
@@ -12251,7 +12252,7 @@
           <a:p>
             <a:fld id="{8D079CED-E0C8-4B3D-AB1E-914A2D354D81}" type="datetimeFigureOut">
               <a:rPr lang="en-US" smtClean="0"/>
-              <a:t>5/8/2011</a:t>
+              <a:t>5/9/2011</a:t>
             </a:fld>
             <a:endParaRPr lang="en-US"/>
           </a:p>
@@ -14110,7 +14111,7 @@
           <a:p>
             <a:fld id="{8D079CED-E0C8-4B3D-AB1E-914A2D354D81}" type="datetimeFigureOut">
               <a:rPr lang="en-US" smtClean="0"/>
-              <a:t>5/8/2011</a:t>
+              <a:t>5/9/2011</a:t>
             </a:fld>
             <a:endParaRPr lang="en-US"/>
           </a:p>
@@ -15615,8 +15616,8 @@
               <a:buAutoNum type="arabicPeriod"/>
             </a:pPr>
             <a:r>
-              <a:rPr lang="en-US" dirty="0" smtClean="0"/>
-              <a:t>One-to-Many: Adding to Collections</a:t>
+              <a:rPr lang="en-US" dirty="0"/>
+              <a:t>One-to-Many: inverse and “relationship owner”</a:t>
             </a:r>
           </a:p>
           <a:p>
@@ -15626,7 +15627,11 @@
             </a:pPr>
             <a:r>
               <a:rPr lang="en-US" dirty="0" smtClean="0"/>
-              <a:t>One-to-Many: inverse and “relationship owner”</a:t>
+              <a:t>One-to-Many</a:t>
+            </a:r>
+            <a:r>
+              <a:rPr lang="en-US" dirty="0" smtClean="0"/>
+              <a:t>: Adding to Collections</a:t>
             </a:r>
           </a:p>
           <a:p>
@@ -15636,7 +15641,11 @@
             </a:pPr>
             <a:r>
               <a:rPr lang="en-US" dirty="0" smtClean="0"/>
-              <a:t>One-to-Many: Deleting from Collections</a:t>
+              <a:t>One-to-Many</a:t>
+            </a:r>
+            <a:r>
+              <a:rPr lang="en-US" dirty="0" smtClean="0"/>
+              <a:t>: Deleting from Collections</a:t>
             </a:r>
           </a:p>
           <a:p>
@@ -16010,8 +16019,8 @@
               <a:buAutoNum type="arabicPeriod"/>
             </a:pPr>
             <a:r>
-              <a:rPr lang="en-US" dirty="0" smtClean="0"/>
-              <a:t>One-to-Many: Adding to Collections</a:t>
+              <a:rPr lang="en-US" dirty="0"/>
+              <a:t>One-to-Many: inverse and “relationship owner”</a:t>
             </a:r>
           </a:p>
           <a:p>
@@ -16021,7 +16030,11 @@
             </a:pPr>
             <a:r>
               <a:rPr lang="en-US" dirty="0" smtClean="0"/>
-              <a:t>One-to-Many: inverse and “relationship owner”</a:t>
+              <a:t>One-to-Many</a:t>
+            </a:r>
+            <a:r>
+              <a:rPr lang="en-US" dirty="0" smtClean="0"/>
+              <a:t>: Adding to Collections</a:t>
             </a:r>
           </a:p>
           <a:p>
@@ -16031,7 +16044,11 @@
             </a:pPr>
             <a:r>
               <a:rPr lang="en-US" dirty="0" smtClean="0"/>
-              <a:t>One-to-Many: Deleting from Collections</a:t>
+              <a:t>One-to-Many</a:t>
+            </a:r>
+            <a:r>
+              <a:rPr lang="en-US" dirty="0" smtClean="0"/>
+              <a:t>: Deleting from Collections</a:t>
             </a:r>
           </a:p>
           <a:p>
@@ -16402,11 +16419,7 @@
           <a:p>
             <a:r>
               <a:rPr lang="en-US" dirty="0" smtClean="0"/>
-              <a:t>Get this </a:t>
-            </a:r>
-            <a:r>
-              <a:rPr lang="en-US" dirty="0" smtClean="0"/>
-              <a:t>presentation and all code </a:t>
+              <a:t>Get this presentation and all code </a:t>
             </a:r>
             <a:r>
               <a:rPr lang="en-US" dirty="0"/>
@@ -16442,13 +16455,8 @@
           <a:p>
             <a:r>
               <a:rPr lang="en-US" dirty="0" smtClean="0"/>
-              <a:t>Lots of links at the end, </a:t>
-            </a:r>
-            <a:r>
-              <a:rPr lang="en-US" dirty="0" smtClean="0"/>
-              <a:t>too</a:t>
-            </a:r>
-            <a:endParaRPr lang="en-US" dirty="0" smtClean="0"/>
+              <a:t>Lots of links at the end, too</a:t>
+            </a:r>
           </a:p>
         </p:txBody>
       </p:sp>
@@ -16829,8 +16837,8 @@
               <a:buAutoNum type="arabicPeriod"/>
             </a:pPr>
             <a:r>
-              <a:rPr lang="en-US" dirty="0" smtClean="0"/>
-              <a:t>One-to-Many: Adding to Collections</a:t>
+              <a:rPr lang="en-US" dirty="0"/>
+              <a:t>One-to-Many: inverse and “relationship owner”</a:t>
             </a:r>
           </a:p>
           <a:p>
@@ -16840,7 +16848,11 @@
             </a:pPr>
             <a:r>
               <a:rPr lang="en-US" dirty="0" smtClean="0"/>
-              <a:t>One-to-Many: inverse and “relationship owner”</a:t>
+              <a:t>One-to-Many</a:t>
+            </a:r>
+            <a:r>
+              <a:rPr lang="en-US" dirty="0" smtClean="0"/>
+              <a:t>: Adding to Collections</a:t>
             </a:r>
           </a:p>
           <a:p>
@@ -16850,7 +16862,11 @@
             </a:pPr>
             <a:r>
               <a:rPr lang="en-US" dirty="0" smtClean="0"/>
-              <a:t>One-to-Many: Deleting from Collections</a:t>
+              <a:t>One-to-Many</a:t>
+            </a:r>
+            <a:r>
+              <a:rPr lang="en-US" dirty="0" smtClean="0"/>
+              <a:t>: Deleting from Collections</a:t>
             </a:r>
           </a:p>
           <a:p>
@@ -19580,8 +19596,8 @@
               <a:buAutoNum type="arabicPeriod"/>
             </a:pPr>
             <a:r>
-              <a:rPr lang="en-US" b="1" dirty="0" smtClean="0"/>
-              <a:t>One-to-Many: Adding to Collections</a:t>
+              <a:rPr lang="en-US" b="1" dirty="0"/>
+              <a:t>One-to-Many: inverse and “relationship owner”</a:t>
             </a:r>
           </a:p>
           <a:p>
@@ -19591,7 +19607,11 @@
             </a:pPr>
             <a:r>
               <a:rPr lang="en-US" dirty="0" smtClean="0"/>
-              <a:t>One-to-Many: inverse and “relationship owner”</a:t>
+              <a:t>One-to-Many</a:t>
+            </a:r>
+            <a:r>
+              <a:rPr lang="en-US" dirty="0" smtClean="0"/>
+              <a:t>: Adding to Collections</a:t>
             </a:r>
           </a:p>
           <a:p>
@@ -19601,7 +19621,11 @@
             </a:pPr>
             <a:r>
               <a:rPr lang="en-US" dirty="0" smtClean="0"/>
-              <a:t>One-to-Many: Deleting from Collections</a:t>
+              <a:t>One-to-Many</a:t>
+            </a:r>
+            <a:r>
+              <a:rPr lang="en-US" dirty="0" smtClean="0"/>
+              <a:t>: Deleting from Collections</a:t>
             </a:r>
           </a:p>
           <a:p>
@@ -19643,7 +19667,7 @@
     </p:spTree>
     <p:extLst>
       <p:ext uri="{BB962C8B-B14F-4D97-AF65-F5344CB8AC3E}">
-        <p14:creationId xmlns:p14="http://schemas.microsoft.com/office/powerpoint/2010/main" val="1332513536"/>
+        <p14:creationId xmlns:p14="http://schemas.microsoft.com/office/powerpoint/2010/main" val="996614316"/>
       </p:ext>
     </p:extLst>
   </p:cSld>
@@ -19689,7 +19713,7 @@
         </p:nvSpPr>
         <p:spPr>
           <a:xfrm>
-            <a:off x="380999" y="2789237"/>
+            <a:off x="380999" y="2362200"/>
             <a:ext cx="8534401" cy="3763963"/>
           </a:xfrm>
         </p:spPr>
@@ -19697,23 +19721,42 @@
           <a:bodyPr/>
           <a:lstStyle/>
           <a:p>
-            <a:r>
-              <a:rPr lang="en-US" dirty="0" smtClean="0"/>
-              <a:t>When I add an object to a one-to-many collection, it won’t </a:t>
-            </a:r>
-            <a:r>
-              <a:rPr lang="en-US" dirty="0" smtClean="0"/>
-              <a:t>save</a:t>
-            </a:r>
-          </a:p>
-          <a:p>
             <a:endParaRPr lang="en-US" dirty="0" smtClean="0"/>
           </a:p>
           <a:p>
             <a:r>
-              <a:rPr lang="en-US" dirty="0" smtClean="0"/>
-              <a:t>When I delete an object from a one-to-many collection, I get “null” errors</a:t>
-            </a:r>
+              <a:rPr lang="en-US" dirty="0"/>
+              <a:t>When I call </a:t>
+            </a:r>
+            <a:r>
+              <a:rPr lang="en-US" dirty="0" smtClean="0"/>
+              <a:t>object1.addObject2</a:t>
+            </a:r>
+            <a:r>
+              <a:rPr lang="en-US" dirty="0"/>
+              <a:t>( object2 ), I get </a:t>
+            </a:r>
+            <a:r>
+              <a:rPr lang="en-US" dirty="0" smtClean="0"/>
+              <a:t>“Object references an unsaved transient instance”</a:t>
+            </a:r>
+            <a:endParaRPr lang="en-US" dirty="0"/>
+          </a:p>
+          <a:p>
+            <a:endParaRPr lang="en-US" dirty="0" smtClean="0"/>
+          </a:p>
+          <a:p>
+            <a:r>
+              <a:rPr lang="en-US" dirty="0" smtClean="0"/>
+              <a:t>When </a:t>
+            </a:r>
+            <a:r>
+              <a:rPr lang="en-US" dirty="0" smtClean="0"/>
+              <a:t>I call object1.addObject2( object2 ), I see a SELECT, then an INSERT, then an UPDATE</a:t>
+            </a:r>
+          </a:p>
+          <a:p>
+            <a:endParaRPr lang="en-US" dirty="0"/>
           </a:p>
         </p:txBody>
       </p:sp>
@@ -19743,7 +19786,7 @@
     </p:spTree>
     <p:extLst>
       <p:ext uri="{BB962C8B-B14F-4D97-AF65-F5344CB8AC3E}">
-        <p14:creationId xmlns:p14="http://schemas.microsoft.com/office/powerpoint/2010/main" val="2232397815"/>
+        <p14:creationId xmlns:p14="http://schemas.microsoft.com/office/powerpoint/2010/main" val="1812508712"/>
       </p:ext>
     </p:extLst>
   </p:cSld>
@@ -19792,11 +19835,29 @@
           <a:bodyPr/>
           <a:lstStyle/>
           <a:p>
-            <a:r>
-              <a:rPr lang="en-US" dirty="0" smtClean="0"/>
-              <a:t>Demo one-to-many saves with and without cascade</a:t>
-            </a:r>
-            <a:endParaRPr lang="en-US" dirty="0"/>
+            <a:pPr marL="0" indent="0" algn="ctr">
+              <a:buNone/>
+            </a:pPr>
+            <a:r>
+              <a:rPr lang="en-US" b="1" dirty="0" smtClean="0"/>
+              <a:t>There </a:t>
+            </a:r>
+            <a:r>
+              <a:rPr lang="en-US" b="1" dirty="0" err="1" smtClean="0"/>
+              <a:t>oughtta</a:t>
+            </a:r>
+            <a:r>
+              <a:rPr lang="en-US" b="1" dirty="0" smtClean="0"/>
+              <a:t> be a support group </a:t>
+            </a:r>
+            <a:br>
+              <a:rPr lang="en-US" b="1" dirty="0" smtClean="0"/>
+            </a:br>
+            <a:r>
+              <a:rPr lang="en-US" b="1" dirty="0" smtClean="0"/>
+              <a:t>for sufferers of this knob</a:t>
+            </a:r>
+            <a:endParaRPr lang="en-US" b="1" dirty="0"/>
           </a:p>
         </p:txBody>
       </p:sp>
@@ -19817,7 +19878,7 @@
           <a:p>
             <a:r>
               <a:rPr lang="en-US" dirty="0" smtClean="0"/>
-              <a:t>Demo: Whither cascade?</a:t>
+              <a:t>Demo: The Devil Knob</a:t>
             </a:r>
             <a:endParaRPr lang="en-US" dirty="0"/>
           </a:p>
@@ -19826,7 +19887,7 @@
     </p:spTree>
     <p:extLst>
       <p:ext uri="{BB962C8B-B14F-4D97-AF65-F5344CB8AC3E}">
-        <p14:creationId xmlns:p14="http://schemas.microsoft.com/office/powerpoint/2010/main" val="3054947874"/>
+        <p14:creationId xmlns:p14="http://schemas.microsoft.com/office/powerpoint/2010/main" val="2966800279"/>
       </p:ext>
     </p:extLst>
   </p:cSld>
@@ -19870,59 +19931,65 @@
             <p:ph idx="1"/>
           </p:nvPr>
         </p:nvSpPr>
-        <p:spPr>
-          <a:xfrm>
-            <a:off x="380999" y="2560637"/>
-            <a:ext cx="8534401" cy="3763963"/>
-          </a:xfrm>
-        </p:spPr>
+        <p:spPr/>
         <p:txBody>
-          <a:bodyPr>
-            <a:normAutofit/>
-          </a:bodyPr>
+          <a:bodyPr/>
           <a:lstStyle/>
           <a:p>
             <a:r>
               <a:rPr lang="en-US" dirty="0" smtClean="0"/>
-              <a:t>When I add an object to a one-to-many collection, it won’t save</a:t>
+              <a:t>Bi-Directional: many-to-one on one side, and one-to-many on the other (they link back and forth)</a:t>
+            </a:r>
+          </a:p>
+          <a:p>
+            <a:r>
+              <a:rPr lang="en-US" dirty="0" smtClean="0"/>
+              <a:t>In bi-directional relationships</a:t>
             </a:r>
           </a:p>
           <a:p>
             <a:pPr lvl="1"/>
             <a:r>
               <a:rPr lang="en-US" b="1" dirty="0" smtClean="0"/>
-              <a:t>Need cascade=“all” on the one-to-many property</a:t>
+              <a:t>You need inverse=true</a:t>
             </a:r>
           </a:p>
           <a:p>
             <a:pPr lvl="1"/>
-            <a:endParaRPr lang="en-US" dirty="0" smtClean="0"/>
-          </a:p>
-          <a:p>
-            <a:r>
-              <a:rPr lang="en-US" dirty="0" smtClean="0"/>
-              <a:t>When I delete an object from a one-to-many collection, I get “null” errors</a:t>
+            <a:r>
+              <a:rPr lang="en-US" b="1" dirty="0" smtClean="0"/>
+              <a:t>Always</a:t>
             </a:r>
           </a:p>
           <a:p>
             <a:pPr lvl="1"/>
             <a:r>
-              <a:rPr lang="en-US" b="1" dirty="0"/>
-              <a:t>Need cascade=“</a:t>
-            </a:r>
-            <a:r>
               <a:rPr lang="en-US" b="1" dirty="0" smtClean="0"/>
-              <a:t>all-delete-orphan” </a:t>
-            </a:r>
-            <a:r>
-              <a:rPr lang="en-US" b="1" dirty="0"/>
-              <a:t>on the one-to-many </a:t>
+              <a:t>No Exceptions</a:t>
+            </a:r>
+          </a:p>
+          <a:p>
+            <a:r>
+              <a:rPr lang="en-US" dirty="0" smtClean="0"/>
+              <a:t>It means, “the object </a:t>
             </a:r>
             <a:r>
               <a:rPr lang="en-US" b="1" dirty="0" smtClean="0"/>
-              <a:t>property</a:t>
-            </a:r>
-            <a:endParaRPr lang="en-US" b="1" dirty="0"/>
+              <a:t>on the other side</a:t>
+            </a:r>
+            <a:r>
+              <a:rPr lang="en-US" dirty="0" smtClean="0"/>
+              <a:t> is the </a:t>
+            </a:r>
+            <a:r>
+              <a:rPr lang="en-US" b="1" dirty="0" smtClean="0"/>
+              <a:t>relationship owner</a:t>
+            </a:r>
+            <a:r>
+              <a:rPr lang="en-US" dirty="0" smtClean="0"/>
+              <a:t>”</a:t>
+            </a:r>
+            <a:endParaRPr lang="en-US" dirty="0"/>
           </a:p>
         </p:txBody>
       </p:sp>
@@ -19938,14 +20005,12 @@
         </p:nvSpPr>
         <p:spPr/>
         <p:txBody>
-          <a:bodyPr>
-            <a:normAutofit/>
-          </a:bodyPr>
+          <a:bodyPr/>
           <a:lstStyle/>
           <a:p>
             <a:r>
               <a:rPr lang="en-US" dirty="0" smtClean="0"/>
-              <a:t>Enlightenment: Cascade</a:t>
+              <a:t>Enlightenment: inverse=true</a:t>
             </a:r>
             <a:endParaRPr lang="en-US" dirty="0"/>
           </a:p>
@@ -19954,7 +20019,7 @@
     </p:spTree>
     <p:extLst>
       <p:ext uri="{BB962C8B-B14F-4D97-AF65-F5344CB8AC3E}">
-        <p14:creationId xmlns:p14="http://schemas.microsoft.com/office/powerpoint/2010/main" val="2428288870"/>
+        <p14:creationId xmlns:p14="http://schemas.microsoft.com/office/powerpoint/2010/main" val="592342895"/>
       </p:ext>
     </p:extLst>
   </p:cSld>
@@ -20003,73 +20068,47 @@
           <a:bodyPr/>
           <a:lstStyle/>
           <a:p>
-            <a:pPr marL="457200" indent="-457200">
-              <a:buFont typeface="+mj-lt"/>
-              <a:buAutoNum type="arabicPeriod"/>
-            </a:pPr>
-            <a:r>
-              <a:rPr lang="en-US" dirty="0" smtClean="0"/>
-              <a:t> ORM Settings -- Control the Session Flush</a:t>
-            </a:r>
-          </a:p>
-          <a:p>
-            <a:pPr marL="457200" indent="-457200">
-              <a:buFont typeface="+mj-lt"/>
-              <a:buAutoNum type="arabicPeriod"/>
-            </a:pPr>
-            <a:r>
-              <a:rPr lang="en-US" dirty="0" smtClean="0"/>
-              <a:t>Many-to-One Relationships</a:t>
-            </a:r>
-          </a:p>
-          <a:p>
-            <a:pPr marL="457200" indent="-457200">
-              <a:buFont typeface="+mj-lt"/>
-              <a:buAutoNum type="arabicPeriod"/>
-            </a:pPr>
-            <a:r>
-              <a:rPr lang="en-US" dirty="0" smtClean="0"/>
-              <a:t>One-to-Many Relationships</a:t>
-            </a:r>
-          </a:p>
-          <a:p>
-            <a:pPr marL="457200" indent="-457200">
-              <a:buFont typeface="+mj-lt"/>
-              <a:buAutoNum type="arabicPeriod"/>
-            </a:pPr>
-            <a:r>
-              <a:rPr lang="en-US" dirty="0" smtClean="0"/>
-              <a:t>One-to-Many: Adding to Collections</a:t>
-            </a:r>
-          </a:p>
-          <a:p>
-            <a:pPr marL="457200" indent="-457200">
-              <a:buFont typeface="+mj-lt"/>
-              <a:buAutoNum type="arabicPeriod"/>
-            </a:pPr>
+            <a:r>
+              <a:rPr lang="en-US" dirty="0" smtClean="0"/>
+              <a:t>Always set </a:t>
+            </a:r>
             <a:r>
               <a:rPr lang="en-US" b="1" dirty="0" smtClean="0"/>
-              <a:t>One-to-Many: inverse and “relationship owner”</a:t>
-            </a:r>
-          </a:p>
-          <a:p>
-            <a:pPr marL="457200" indent="-457200">
-              <a:buFont typeface="+mj-lt"/>
-              <a:buAutoNum type="arabicPeriod"/>
-            </a:pPr>
-            <a:r>
-              <a:rPr lang="en-US" dirty="0" smtClean="0"/>
-              <a:t>One-to-Many: Deleting from Collections</a:t>
-            </a:r>
-          </a:p>
-          <a:p>
-            <a:pPr marL="457200" indent="-457200">
-              <a:buFont typeface="+mj-lt"/>
-              <a:buAutoNum type="arabicPeriod"/>
-            </a:pPr>
-            <a:r>
-              <a:rPr lang="en-US" dirty="0" smtClean="0"/>
-              <a:t>Hibernate Session and the ColdFusion Session scope</a:t>
+              <a:t>both</a:t>
+            </a:r>
+            <a:r>
+              <a:rPr lang="en-US" dirty="0" smtClean="0"/>
+              <a:t> sides of the relationships</a:t>
+            </a:r>
+          </a:p>
+          <a:p>
+            <a:pPr lvl="1"/>
+            <a:endParaRPr lang="en-US" dirty="0" smtClean="0"/>
+          </a:p>
+          <a:p>
+            <a:pPr lvl="1"/>
+            <a:r>
+              <a:rPr lang="en-US" dirty="0" err="1" smtClean="0"/>
+              <a:t>comment.setEvent</a:t>
+            </a:r>
+            <a:r>
+              <a:rPr lang="en-US" dirty="0" smtClean="0"/>
+              <a:t>( event );</a:t>
+            </a:r>
+          </a:p>
+          <a:p>
+            <a:pPr lvl="1"/>
+            <a:endParaRPr lang="en-US" dirty="0"/>
+          </a:p>
+          <a:p>
+            <a:pPr lvl="1"/>
+            <a:r>
+              <a:rPr lang="en-US" dirty="0" err="1" smtClean="0"/>
+              <a:t>event.addComment</a:t>
+            </a:r>
+            <a:r>
+              <a:rPr lang="en-US" dirty="0" smtClean="0"/>
+              <a:t>( comment );</a:t>
             </a:r>
             <a:endParaRPr lang="en-US" dirty="0"/>
           </a:p>
@@ -20091,8 +20130,20 @@
           <a:lstStyle/>
           <a:p>
             <a:r>
-              <a:rPr lang="en-US" dirty="0" smtClean="0"/>
-              <a:t>Agenda</a:t>
+              <a:rPr lang="en-US" dirty="0"/>
+              <a:t>Enlightenment: </a:t>
+            </a:r>
+            <a:r>
+              <a:rPr lang="en-US" dirty="0" smtClean="0"/>
+              <a:t>set </a:t>
+            </a:r>
+            <a:r>
+              <a:rPr lang="en-US" b="1" dirty="0" smtClean="0"/>
+              <a:t>Both</a:t>
+            </a:r>
+            <a:r>
+              <a:rPr lang="en-US" dirty="0" smtClean="0"/>
+              <a:t> sides</a:t>
             </a:r>
             <a:endParaRPr lang="en-US" dirty="0"/>
           </a:p>
@@ -20101,7 +20152,7 @@
     </p:spTree>
     <p:extLst>
       <p:ext uri="{BB962C8B-B14F-4D97-AF65-F5344CB8AC3E}">
-        <p14:creationId xmlns:p14="http://schemas.microsoft.com/office/powerpoint/2010/main" val="996614316"/>
+        <p14:creationId xmlns:p14="http://schemas.microsoft.com/office/powerpoint/2010/main" val="253480938"/>
       </p:ext>
     </p:extLst>
   </p:cSld>
@@ -20145,30 +20196,108 @@
             <p:ph idx="1"/>
           </p:nvPr>
         </p:nvSpPr>
-        <p:spPr>
-          <a:xfrm>
-            <a:off x="380999" y="2362200"/>
-            <a:ext cx="8534401" cy="3763963"/>
-          </a:xfrm>
-        </p:spPr>
+        <p:spPr/>
         <p:txBody>
           <a:bodyPr/>
           <a:lstStyle/>
           <a:p>
-            <a:r>
-              <a:rPr lang="en-US" dirty="0" smtClean="0"/>
-              <a:t>When I call object1.addObject2( object2 ), I see a SELECT, then an INSERT, then an UPDATE</a:t>
-            </a:r>
-          </a:p>
-          <a:p>
+            <a:pPr marL="0" indent="0">
+              <a:buNone/>
+            </a:pPr>
+            <a:r>
+              <a:rPr lang="en-US" dirty="0" smtClean="0"/>
+              <a:t>Preferably encapsulate this in One of the objects:</a:t>
+            </a:r>
+          </a:p>
+          <a:p>
+            <a:pPr marL="301943" lvl="1" indent="0">
+              <a:buNone/>
+            </a:pPr>
+            <a:endParaRPr lang="en-US" dirty="0" smtClean="0"/>
+          </a:p>
+          <a:p>
+            <a:pPr marL="301943" lvl="1" indent="0">
+              <a:buNone/>
+            </a:pPr>
+            <a:r>
+              <a:rPr lang="en-US" dirty="0" smtClean="0"/>
+              <a:t>component name=“Event” {</a:t>
+            </a:r>
+          </a:p>
+          <a:p>
+            <a:pPr marL="301943" lvl="1" indent="0">
+              <a:buNone/>
+            </a:pPr>
+            <a:r>
+              <a:rPr lang="en-US" dirty="0" smtClean="0"/>
+              <a:t>    function </a:t>
+            </a:r>
+            <a:r>
+              <a:rPr lang="en-US" dirty="0" err="1" smtClean="0"/>
+              <a:t>addComment</a:t>
+            </a:r>
+            <a:r>
+              <a:rPr lang="en-US" dirty="0" smtClean="0"/>
+              <a:t>( comment ){</a:t>
+            </a:r>
+          </a:p>
+          <a:p>
+            <a:pPr marL="301943" lvl="1" indent="0">
+              <a:buNone/>
+            </a:pPr>
+            <a:r>
+              <a:rPr lang="en-US" dirty="0" smtClean="0"/>
+              <a:t>         </a:t>
+            </a:r>
+            <a:r>
+              <a:rPr lang="en-US" dirty="0" err="1" smtClean="0"/>
+              <a:t>arrayAppend</a:t>
+            </a:r>
+            <a:r>
+              <a:rPr lang="en-US" dirty="0" smtClean="0"/>
+              <a:t>( comments, comment );</a:t>
+            </a:r>
+          </a:p>
+          <a:p>
+            <a:pPr marL="301943" lvl="1" indent="0">
+              <a:buNone/>
+            </a:pPr>
+            <a:r>
+              <a:rPr lang="en-US" dirty="0"/>
+              <a:t> </a:t>
+            </a:r>
+            <a:r>
+              <a:rPr lang="en-US" dirty="0" smtClean="0"/>
+              <a:t>        </a:t>
+            </a:r>
+            <a:r>
+              <a:rPr lang="en-US" dirty="0" err="1" smtClean="0"/>
+              <a:t>event.addComment</a:t>
+            </a:r>
+            <a:r>
+              <a:rPr lang="en-US" dirty="0" smtClean="0"/>
+              <a:t>( this );</a:t>
+            </a:r>
             <a:endParaRPr lang="en-US" dirty="0"/>
           </a:p>
           <a:p>
-            <a:r>
-              <a:rPr lang="en-US" dirty="0" smtClean="0"/>
-              <a:t>When I call object1.removeObject2( object2 ), I get “Cannot insert NULL into XXX”</a:t>
+            <a:pPr marL="301943" lvl="1" indent="0">
+              <a:buNone/>
+            </a:pPr>
+            <a:r>
+              <a:rPr lang="en-US" dirty="0" smtClean="0"/>
+              <a:t>   }</a:t>
             </a:r>
             <a:endParaRPr lang="en-US" dirty="0"/>
+          </a:p>
+          <a:p>
+            <a:pPr marL="301943" lvl="1" indent="0">
+              <a:buNone/>
+            </a:pPr>
+            <a:r>
+              <a:rPr lang="en-US" dirty="0" smtClean="0"/>
+              <a:t>}</a:t>
+            </a:r>
           </a:p>
         </p:txBody>
       </p:sp>
@@ -20188,8 +20317,20 @@
           <a:lstStyle/>
           <a:p>
             <a:r>
-              <a:rPr lang="en-US" dirty="0" smtClean="0"/>
-              <a:t>Suffering</a:t>
+              <a:rPr lang="en-US" dirty="0"/>
+              <a:t>Enlightenment: </a:t>
+            </a:r>
+            <a:r>
+              <a:rPr lang="en-US" dirty="0" smtClean="0"/>
+              <a:t>set </a:t>
+            </a:r>
+            <a:r>
+              <a:rPr lang="en-US" b="1" dirty="0" smtClean="0"/>
+              <a:t>Both</a:t>
+            </a:r>
+            <a:r>
+              <a:rPr lang="en-US" dirty="0" smtClean="0"/>
+              <a:t> sides</a:t>
             </a:r>
             <a:endParaRPr lang="en-US" dirty="0"/>
           </a:p>
@@ -20198,7 +20339,7 @@
     </p:spTree>
     <p:extLst>
       <p:ext uri="{BB962C8B-B14F-4D97-AF65-F5344CB8AC3E}">
-        <p14:creationId xmlns:p14="http://schemas.microsoft.com/office/powerpoint/2010/main" val="1812508712"/>
+        <p14:creationId xmlns:p14="http://schemas.microsoft.com/office/powerpoint/2010/main" val="4065597277"/>
       </p:ext>
     </p:extLst>
   </p:cSld>
@@ -20247,29 +20388,83 @@
           <a:bodyPr/>
           <a:lstStyle/>
           <a:p>
-            <a:pPr marL="0" indent="0" algn="ctr">
-              <a:buNone/>
+            <a:pPr marL="457200" indent="-457200">
+              <a:buFont typeface="+mj-lt"/>
+              <a:buAutoNum type="arabicPeriod"/>
             </a:pPr>
             <a:r>
+              <a:rPr lang="en-US" dirty="0" smtClean="0"/>
+              <a:t> ORM Settings -- Control the Session Flush</a:t>
+            </a:r>
+          </a:p>
+          <a:p>
+            <a:pPr marL="457200" indent="-457200">
+              <a:buFont typeface="+mj-lt"/>
+              <a:buAutoNum type="arabicPeriod"/>
+            </a:pPr>
+            <a:r>
+              <a:rPr lang="en-US" dirty="0" smtClean="0"/>
+              <a:t>Many-to-One Relationships</a:t>
+            </a:r>
+          </a:p>
+          <a:p>
+            <a:pPr marL="457200" indent="-457200">
+              <a:buFont typeface="+mj-lt"/>
+              <a:buAutoNum type="arabicPeriod"/>
+            </a:pPr>
+            <a:r>
+              <a:rPr lang="en-US" dirty="0" smtClean="0"/>
+              <a:t>One-to-Many Relationships</a:t>
+            </a:r>
+          </a:p>
+          <a:p>
+            <a:pPr marL="457200" indent="-457200">
+              <a:buFont typeface="+mj-lt"/>
+              <a:buAutoNum type="arabicPeriod"/>
+            </a:pPr>
+            <a:r>
+              <a:rPr lang="en-US" dirty="0"/>
+              <a:t>One-to-Many: inverse and “relationship owner”</a:t>
+            </a:r>
+          </a:p>
+          <a:p>
+            <a:pPr marL="457200" indent="-457200">
+              <a:buFont typeface="+mj-lt"/>
+              <a:buAutoNum type="arabicPeriod"/>
+            </a:pPr>
+            <a:r>
               <a:rPr lang="en-US" b="1" dirty="0" smtClean="0"/>
-              <a:t>There </a:t>
-            </a:r>
-            <a:r>
-              <a:rPr lang="en-US" b="1" dirty="0" err="1" smtClean="0"/>
-              <a:t>oughtta</a:t>
+              <a:t>One-to-Many</a:t>
             </a:r>
             <a:r>
               <a:rPr lang="en-US" b="1" dirty="0" smtClean="0"/>
-              <a:t> be a support group </a:t>
-            </a:r>
-            <a:br>
-              <a:rPr lang="en-US" b="1" dirty="0" smtClean="0"/>
-            </a:br>
-            <a:r>
-              <a:rPr lang="en-US" b="1" dirty="0" smtClean="0"/>
-              <a:t>for sufferers of this knob</a:t>
-            </a:r>
-            <a:endParaRPr lang="en-US" b="1" dirty="0"/>
+              <a:t>: Adding to Collections</a:t>
+            </a:r>
+          </a:p>
+          <a:p>
+            <a:pPr marL="457200" indent="-457200">
+              <a:buFont typeface="+mj-lt"/>
+              <a:buAutoNum type="arabicPeriod"/>
+            </a:pPr>
+            <a:r>
+              <a:rPr lang="en-US" dirty="0" smtClean="0"/>
+              <a:t>One-to-Many</a:t>
+            </a:r>
+            <a:r>
+              <a:rPr lang="en-US" dirty="0" smtClean="0"/>
+              <a:t>: Deleting from Collections</a:t>
+            </a:r>
+          </a:p>
+          <a:p>
+            <a:pPr marL="457200" indent="-457200">
+              <a:buFont typeface="+mj-lt"/>
+              <a:buAutoNum type="arabicPeriod"/>
+            </a:pPr>
+            <a:r>
+              <a:rPr lang="en-US" dirty="0" smtClean="0"/>
+              <a:t>Hibernate Session and the ColdFusion Session scope</a:t>
+            </a:r>
+            <a:endParaRPr lang="en-US" dirty="0"/>
           </a:p>
         </p:txBody>
       </p:sp>
@@ -20290,7 +20485,7 @@
           <a:p>
             <a:r>
               <a:rPr lang="en-US" dirty="0" smtClean="0"/>
-              <a:t>Demo: The Devil Knob</a:t>
+              <a:t>Agenda</a:t>
             </a:r>
             <a:endParaRPr lang="en-US" dirty="0"/>
           </a:p>
@@ -20299,7 +20494,7 @@
     </p:spTree>
     <p:extLst>
       <p:ext uri="{BB962C8B-B14F-4D97-AF65-F5344CB8AC3E}">
-        <p14:creationId xmlns:p14="http://schemas.microsoft.com/office/powerpoint/2010/main" val="2966800279"/>
+        <p14:creationId xmlns:p14="http://schemas.microsoft.com/office/powerpoint/2010/main" val="1332513536"/>
       </p:ext>
     </p:extLst>
   </p:cSld>
@@ -20458,65 +20653,79 @@
             <p:ph idx="1"/>
           </p:nvPr>
         </p:nvSpPr>
-        <p:spPr/>
+        <p:spPr>
+          <a:xfrm>
+            <a:off x="380999" y="2789237"/>
+            <a:ext cx="8534401" cy="3763963"/>
+          </a:xfrm>
+        </p:spPr>
         <p:txBody>
           <a:bodyPr/>
           <a:lstStyle/>
           <a:p>
-            <a:r>
-              <a:rPr lang="en-US" dirty="0" smtClean="0"/>
-              <a:t>Bi-Directional: many-to-one on one side, and one-to-many on the other (they link back and forth)</a:t>
-            </a:r>
-          </a:p>
-          <a:p>
-            <a:r>
-              <a:rPr lang="en-US" dirty="0" smtClean="0"/>
-              <a:t>In bi-directional relationships</a:t>
-            </a:r>
-          </a:p>
-          <a:p>
-            <a:pPr lvl="1"/>
+            <a:endParaRPr lang="en-US" dirty="0" smtClean="0"/>
+          </a:p>
+          <a:p>
+            <a:r>
+              <a:rPr lang="en-US" dirty="0" smtClean="0"/>
+              <a:t>When </a:t>
+            </a:r>
+            <a:r>
+              <a:rPr lang="en-US" dirty="0" smtClean="0"/>
+              <a:t>I add </a:t>
+            </a:r>
+            <a:r>
+              <a:rPr lang="en-US" dirty="0" smtClean="0"/>
+              <a:t>a </a:t>
+            </a:r>
             <a:r>
               <a:rPr lang="en-US" b="1" dirty="0" smtClean="0"/>
-              <a:t>You need inverse=true</a:t>
-            </a:r>
-          </a:p>
-          <a:p>
-            <a:pPr lvl="1"/>
-            <a:r>
-              <a:rPr lang="en-US" b="1" dirty="0" smtClean="0"/>
-              <a:t>Always</a:t>
-            </a:r>
-          </a:p>
-          <a:p>
-            <a:pPr lvl="1"/>
-            <a:r>
-              <a:rPr lang="en-US" b="1" dirty="0" smtClean="0"/>
-              <a:t>No Exceptions</a:t>
-            </a:r>
-          </a:p>
-          <a:p>
-            <a:r>
-              <a:rPr lang="en-US" dirty="0" smtClean="0"/>
-              <a:t>It means, “the object </a:t>
-            </a:r>
-            <a:r>
-              <a:rPr lang="en-US" b="1" dirty="0" smtClean="0"/>
-              <a:t>on the other side</a:t>
-            </a:r>
-            <a:r>
-              <a:rPr lang="en-US" dirty="0" smtClean="0"/>
-              <a:t> is the </a:t>
-            </a:r>
-            <a:r>
-              <a:rPr lang="en-US" b="1" dirty="0" smtClean="0"/>
-              <a:t>relationship owner</a:t>
-            </a:r>
-            <a:r>
-              <a:rPr lang="en-US" dirty="0" smtClean="0"/>
-              <a:t>”</a:t>
-            </a:r>
-            <a:endParaRPr lang="en-US" dirty="0"/>
+              <a:t>new</a:t>
+            </a:r>
+            <a:r>
+              <a:rPr lang="en-US" dirty="0" smtClean="0"/>
+              <a:t> </a:t>
+            </a:r>
+            <a:r>
+              <a:rPr lang="en-US" dirty="0" smtClean="0"/>
+              <a:t>object to a one-to-many collection, </a:t>
+            </a:r>
+            <a:endParaRPr lang="en-US" dirty="0" smtClean="0"/>
+          </a:p>
+          <a:p>
+            <a:pPr marL="301943" lvl="1" indent="0">
+              <a:buNone/>
+            </a:pPr>
+            <a:r>
+              <a:rPr lang="en-US" dirty="0"/>
+              <a:t>	</a:t>
+            </a:r>
+            <a:r>
+              <a:rPr lang="en-US" dirty="0" smtClean="0"/>
+              <a:t>		</a:t>
+            </a:r>
+          </a:p>
+          <a:p>
+            <a:pPr marL="301943" lvl="1" indent="0">
+              <a:buNone/>
+            </a:pPr>
+            <a:r>
+              <a:rPr lang="en-US" dirty="0"/>
+              <a:t>	</a:t>
+            </a:r>
+            <a:r>
+              <a:rPr lang="en-US" dirty="0" smtClean="0"/>
+              <a:t>			it </a:t>
+            </a:r>
+            <a:r>
+              <a:rPr lang="en-US" dirty="0" smtClean="0">
+                <a:solidFill>
+                  <a:srgbClr val="FF0000"/>
+                </a:solidFill>
+              </a:rPr>
+              <a:t>won’t save</a:t>
+            </a:r>
+            <a:endParaRPr lang="en-US" dirty="0" smtClean="0"/>
           </a:p>
         </p:txBody>
       </p:sp>
@@ -20537,7 +20746,7 @@
           <a:p>
             <a:r>
               <a:rPr lang="en-US" dirty="0" smtClean="0"/>
-              <a:t>Enlightenment: inverse=true</a:t>
+              <a:t>Suffering</a:t>
             </a:r>
             <a:endParaRPr lang="en-US" dirty="0"/>
           </a:p>
@@ -20546,7 +20755,7 @@
     </p:spTree>
     <p:extLst>
       <p:ext uri="{BB962C8B-B14F-4D97-AF65-F5344CB8AC3E}">
-        <p14:creationId xmlns:p14="http://schemas.microsoft.com/office/powerpoint/2010/main" val="592342895"/>
+        <p14:creationId xmlns:p14="http://schemas.microsoft.com/office/powerpoint/2010/main" val="2232397815"/>
       </p:ext>
     </p:extLst>
   </p:cSld>
@@ -20597,45 +20806,7 @@
           <a:p>
             <a:r>
               <a:rPr lang="en-US" dirty="0" smtClean="0"/>
-              <a:t>Always set </a:t>
-            </a:r>
-            <a:r>
-              <a:rPr lang="en-US" b="1" dirty="0" smtClean="0"/>
-              <a:t>both</a:t>
-            </a:r>
-            <a:r>
-              <a:rPr lang="en-US" dirty="0" smtClean="0"/>
-              <a:t> sides of the relationships</a:t>
-            </a:r>
-          </a:p>
-          <a:p>
-            <a:pPr lvl="1"/>
-            <a:endParaRPr lang="en-US" dirty="0" smtClean="0"/>
-          </a:p>
-          <a:p>
-            <a:pPr lvl="1"/>
-            <a:r>
-              <a:rPr lang="en-US" dirty="0" err="1" smtClean="0"/>
-              <a:t>comment.setEvent</a:t>
-            </a:r>
-            <a:r>
-              <a:rPr lang="en-US" dirty="0" smtClean="0"/>
-              <a:t>( event );</a:t>
-            </a:r>
-          </a:p>
-          <a:p>
-            <a:pPr lvl="1"/>
-            <a:endParaRPr lang="en-US" dirty="0"/>
-          </a:p>
-          <a:p>
-            <a:pPr lvl="1"/>
-            <a:r>
-              <a:rPr lang="en-US" dirty="0" err="1" smtClean="0"/>
-              <a:t>event.addComment</a:t>
-            </a:r>
-            <a:r>
-              <a:rPr lang="en-US" dirty="0" smtClean="0"/>
-              <a:t>( comment );</a:t>
+              <a:t>Demo one-to-many saves with and without cascade</a:t>
             </a:r>
             <a:endParaRPr lang="en-US" dirty="0"/>
           </a:p>
@@ -20657,20 +20828,8 @@
           <a:lstStyle/>
           <a:p>
             <a:r>
-              <a:rPr lang="en-US" dirty="0"/>
-              <a:t>Enlightenment: </a:t>
-            </a:r>
-            <a:r>
-              <a:rPr lang="en-US" dirty="0" smtClean="0"/>
-              <a:t>set </a:t>
-            </a:r>
-            <a:r>
-              <a:rPr lang="en-US" b="1" dirty="0" smtClean="0"/>
-              <a:t>Both</a:t>
-            </a:r>
-            <a:r>
-              <a:rPr lang="en-US" dirty="0" smtClean="0"/>
-              <a:t> sides</a:t>
+              <a:rPr lang="en-US" dirty="0" smtClean="0"/>
+              <a:t>Demo: Whither cascade?</a:t>
             </a:r>
             <a:endParaRPr lang="en-US" dirty="0"/>
           </a:p>
@@ -20679,7 +20838,7 @@
     </p:spTree>
     <p:extLst>
       <p:ext uri="{BB962C8B-B14F-4D97-AF65-F5344CB8AC3E}">
-        <p14:creationId xmlns:p14="http://schemas.microsoft.com/office/powerpoint/2010/main" val="253480938"/>
+        <p14:creationId xmlns:p14="http://schemas.microsoft.com/office/powerpoint/2010/main" val="3054947874"/>
       </p:ext>
     </p:extLst>
   </p:cSld>
@@ -20723,108 +20882,47 @@
             <p:ph idx="1"/>
           </p:nvPr>
         </p:nvSpPr>
-        <p:spPr/>
+        <p:spPr>
+          <a:xfrm>
+            <a:off x="380999" y="2560637"/>
+            <a:ext cx="8534401" cy="3763963"/>
+          </a:xfrm>
+        </p:spPr>
         <p:txBody>
-          <a:bodyPr/>
+          <a:bodyPr>
+            <a:normAutofit/>
+          </a:bodyPr>
           <a:lstStyle/>
           <a:p>
-            <a:pPr marL="0" indent="0">
-              <a:buNone/>
-            </a:pPr>
-            <a:r>
-              <a:rPr lang="en-US" dirty="0" smtClean="0"/>
-              <a:t>Preferably encapsulate this in One of the objects:</a:t>
-            </a:r>
-          </a:p>
-          <a:p>
-            <a:pPr marL="301943" lvl="1" indent="0">
-              <a:buNone/>
-            </a:pPr>
             <a:endParaRPr lang="en-US" dirty="0" smtClean="0"/>
           </a:p>
           <a:p>
-            <a:pPr marL="301943" lvl="1" indent="0">
-              <a:buNone/>
-            </a:pPr>
-            <a:r>
-              <a:rPr lang="en-US" dirty="0" smtClean="0"/>
-              <a:t>component name=“Event” {</a:t>
-            </a:r>
-          </a:p>
-          <a:p>
-            <a:pPr marL="301943" lvl="1" indent="0">
-              <a:buNone/>
-            </a:pPr>
-            <a:r>
-              <a:rPr lang="en-US" dirty="0" smtClean="0"/>
-              <a:t>    function </a:t>
-            </a:r>
-            <a:r>
-              <a:rPr lang="en-US" dirty="0" err="1" smtClean="0"/>
-              <a:t>addComment</a:t>
-            </a:r>
-            <a:r>
-              <a:rPr lang="en-US" dirty="0" smtClean="0"/>
-              <a:t>( comment ){</a:t>
-            </a:r>
-          </a:p>
-          <a:p>
-            <a:pPr marL="301943" lvl="1" indent="0">
-              <a:buNone/>
-            </a:pPr>
-            <a:r>
-              <a:rPr lang="en-US" dirty="0" smtClean="0"/>
-              <a:t>         </a:t>
-            </a:r>
-            <a:r>
-              <a:rPr lang="en-US" dirty="0" err="1" smtClean="0"/>
-              <a:t>arrayAppend</a:t>
-            </a:r>
-            <a:r>
-              <a:rPr lang="en-US" dirty="0" smtClean="0"/>
-              <a:t>( comments, comment );</a:t>
-            </a:r>
-          </a:p>
-          <a:p>
-            <a:pPr marL="301943" lvl="1" indent="0">
-              <a:buNone/>
-            </a:pPr>
-            <a:r>
-              <a:rPr lang="en-US" dirty="0"/>
-              <a:t> </a:t>
-            </a:r>
-            <a:r>
-              <a:rPr lang="en-US" dirty="0" smtClean="0"/>
-              <a:t>        </a:t>
-            </a:r>
-            <a:r>
-              <a:rPr lang="en-US" dirty="0" err="1" smtClean="0"/>
-              <a:t>event.addComment</a:t>
-            </a:r>
-            <a:r>
-              <a:rPr lang="en-US" dirty="0" smtClean="0"/>
-              <a:t>( this );</a:t>
-            </a:r>
-            <a:endParaRPr lang="en-US" dirty="0"/>
-          </a:p>
-          <a:p>
-            <a:pPr marL="301943" lvl="1" indent="0">
-              <a:buNone/>
-            </a:pPr>
-            <a:r>
-              <a:rPr lang="en-US" dirty="0" smtClean="0"/>
-              <a:t>   }</a:t>
-            </a:r>
-            <a:endParaRPr lang="en-US" dirty="0"/>
-          </a:p>
-          <a:p>
-            <a:pPr marL="301943" lvl="1" indent="0">
-              <a:buNone/>
-            </a:pPr>
-            <a:r>
-              <a:rPr lang="en-US" dirty="0" smtClean="0"/>
-              <a:t>}</a:t>
-            </a:r>
+            <a:r>
+              <a:rPr lang="en-US" dirty="0" smtClean="0"/>
+              <a:t>When </a:t>
+            </a:r>
+            <a:r>
+              <a:rPr lang="en-US" dirty="0" smtClean="0"/>
+              <a:t>I add an object to a one-to-many collection, it won’t </a:t>
+            </a:r>
+            <a:r>
+              <a:rPr lang="en-US" dirty="0" smtClean="0"/>
+              <a:t>save the relationship</a:t>
+            </a:r>
+          </a:p>
+          <a:p>
+            <a:endParaRPr lang="en-US" dirty="0" smtClean="0"/>
+          </a:p>
+          <a:p>
+            <a:pPr lvl="1"/>
+            <a:r>
+              <a:rPr lang="en-US" b="1" dirty="0" smtClean="0"/>
+              <a:t>Need cascade=“all” on the one-to-many property</a:t>
+            </a:r>
+          </a:p>
+          <a:p>
+            <a:pPr lvl="1"/>
+            <a:endParaRPr lang="en-US" dirty="0" smtClean="0"/>
           </a:p>
         </p:txBody>
       </p:sp>
@@ -20840,24 +20938,14 @@
         </p:nvSpPr>
         <p:spPr/>
         <p:txBody>
-          <a:bodyPr/>
+          <a:bodyPr>
+            <a:normAutofit/>
+          </a:bodyPr>
           <a:lstStyle/>
           <a:p>
             <a:r>
-              <a:rPr lang="en-US" dirty="0"/>
-              <a:t>Enlightenment: </a:t>
-            </a:r>
-            <a:r>
-              <a:rPr lang="en-US" dirty="0" smtClean="0"/>
-              <a:t>set </a:t>
-            </a:r>
-            <a:r>
-              <a:rPr lang="en-US" b="1" dirty="0" smtClean="0"/>
-              <a:t>Both</a:t>
-            </a:r>
-            <a:r>
-              <a:rPr lang="en-US" dirty="0" smtClean="0"/>
-              <a:t> sides</a:t>
+              <a:rPr lang="en-US" dirty="0" smtClean="0"/>
+              <a:t>Enlightenment: Cascade</a:t>
             </a:r>
             <a:endParaRPr lang="en-US" dirty="0"/>
           </a:p>
@@ -20866,13 +20954,20 @@
     </p:spTree>
     <p:extLst>
       <p:ext uri="{BB962C8B-B14F-4D97-AF65-F5344CB8AC3E}">
-        <p14:creationId xmlns:p14="http://schemas.microsoft.com/office/powerpoint/2010/main" val="4065597277"/>
+        <p14:creationId xmlns:p14="http://schemas.microsoft.com/office/powerpoint/2010/main" val="2428288870"/>
       </p:ext>
     </p:extLst>
   </p:cSld>
   <p:clrMapOvr>
     <a:masterClrMapping/>
   </p:clrMapOvr>
+  <p:timing>
+    <p:tnLst>
+      <p:par>
+        <p:cTn id="1" dur="indefinite" restart="never" nodeType="tmRoot"/>
+      </p:par>
+    </p:tnLst>
+  </p:timing>
 </p:sld>
 </file>
 
@@ -20943,8 +21038,8 @@
               <a:buAutoNum type="arabicPeriod"/>
             </a:pPr>
             <a:r>
-              <a:rPr lang="en-US" dirty="0" smtClean="0"/>
-              <a:t>One-to-Many: Adding to Collections</a:t>
+              <a:rPr lang="en-US" dirty="0"/>
+              <a:t>One-to-Many: inverse and “relationship owner”</a:t>
             </a:r>
           </a:p>
           <a:p>
@@ -20954,7 +21049,11 @@
             </a:pPr>
             <a:r>
               <a:rPr lang="en-US" dirty="0" smtClean="0"/>
-              <a:t>One-to-Many: inverse and “relationship owner”</a:t>
+              <a:t>One-to-Many</a:t>
+            </a:r>
+            <a:r>
+              <a:rPr lang="en-US" dirty="0" smtClean="0"/>
+              <a:t>: Adding to Collections</a:t>
             </a:r>
           </a:p>
           <a:p>
@@ -20964,7 +21063,11 @@
             </a:pPr>
             <a:r>
               <a:rPr lang="en-US" b="1" dirty="0" smtClean="0"/>
-              <a:t>One-to-Many: Deleting from Collections</a:t>
+              <a:t>One-to-Many</a:t>
+            </a:r>
+            <a:r>
+              <a:rPr lang="en-US" b="1" dirty="0" smtClean="0"/>
+              <a:t>: Deleting from Collections</a:t>
             </a:r>
           </a:p>
           <a:p>
@@ -21064,6 +21167,15 @@
           </a:p>
           <a:p>
             <a:r>
+              <a:rPr lang="en-US" dirty="0"/>
+              <a:t>When I delete an object from a one-to-many collection, I get “null” errors</a:t>
+            </a:r>
+          </a:p>
+          <a:p>
+            <a:endParaRPr lang="en-US" dirty="0" smtClean="0"/>
+          </a:p>
+          <a:p>
+            <a:r>
               <a:rPr lang="en-US" dirty="0" smtClean="0"/>
               <a:t>If </a:t>
             </a:r>
@@ -21163,7 +21275,22 @@
             </a:pPr>
             <a:r>
               <a:rPr lang="en-US" b="1" dirty="0" smtClean="0"/>
-              <a:t>This is not an ORM error… it’s just an error</a:t>
+              <a:t>1 is an ORM error</a:t>
+            </a:r>
+          </a:p>
+          <a:p>
+            <a:pPr marL="0" indent="0" algn="ctr">
+              <a:buNone/>
+            </a:pPr>
+            <a:endParaRPr lang="en-US" b="1" dirty="0"/>
+          </a:p>
+          <a:p>
+            <a:pPr marL="0" indent="0" algn="ctr">
+              <a:buNone/>
+            </a:pPr>
+            <a:r>
+              <a:rPr lang="en-US" b="1" dirty="0" smtClean="0"/>
+              <a:t>1 is not</a:t>
             </a:r>
             <a:endParaRPr lang="en-US" b="1" dirty="0"/>
           </a:p>
@@ -21241,61 +21368,42 @@
         </p:nvSpPr>
         <p:spPr/>
         <p:txBody>
-          <a:bodyPr/>
+          <a:bodyPr>
+            <a:normAutofit/>
+          </a:bodyPr>
           <a:lstStyle/>
           <a:p>
             <a:r>
-              <a:rPr lang="en-US" dirty="0" smtClean="0"/>
-              <a:t>Don’t use for( item in Array ) syntax when deleting</a:t>
-            </a:r>
-          </a:p>
-          <a:p>
-            <a:r>
-              <a:rPr lang="en-US" dirty="0" smtClean="0"/>
-              <a:t>Use plain old index loops</a:t>
-            </a:r>
-          </a:p>
-          <a:p>
+              <a:rPr lang="en-US" dirty="0"/>
+              <a:t>When I delete an object from a one-to-many collection, I get “null” errors</a:t>
+            </a:r>
+          </a:p>
+          <a:p>
+            <a:pPr lvl="1"/>
+            <a:r>
+              <a:rPr lang="en-US" b="1" dirty="0"/>
+              <a:t>Need cascade=“all-delete-orphan” on the one-to-many property</a:t>
+            </a:r>
+          </a:p>
+          <a:p>
+            <a:pPr marL="0" indent="0">
+              <a:buNone/>
+            </a:pPr>
             <a:endParaRPr lang="en-US" dirty="0"/>
           </a:p>
           <a:p>
             <a:r>
               <a:rPr lang="en-US" dirty="0" smtClean="0"/>
-              <a:t>If you use </a:t>
-            </a:r>
-            <a:r>
-              <a:rPr lang="en-US" dirty="0" err="1" smtClean="0"/>
-              <a:t>entityDelete</a:t>
-            </a:r>
-            <a:r>
-              <a:rPr lang="en-US" dirty="0" smtClean="0"/>
-              <a:t>() on a collection item and get “entity would </a:t>
-            </a:r>
-            <a:r>
-              <a:rPr lang="en-US" smtClean="0"/>
-              <a:t>be resaved…”, </a:t>
-            </a:r>
-            <a:r>
-              <a:rPr lang="en-US" dirty="0" smtClean="0"/>
-              <a:t>you must also remove that item from the collection via </a:t>
-            </a:r>
-            <a:r>
-              <a:rPr lang="en-US" dirty="0" err="1" smtClean="0"/>
-              <a:t>removeXXX</a:t>
-            </a:r>
-            <a:r>
-              <a:rPr lang="en-US" dirty="0" smtClean="0"/>
-              <a:t>(XXX) or </a:t>
-            </a:r>
-            <a:r>
-              <a:rPr lang="en-US" dirty="0" err="1" smtClean="0"/>
-              <a:t>arrayDeleteAt</a:t>
-            </a:r>
-            <a:r>
-              <a:rPr lang="en-US" dirty="0" smtClean="0"/>
-              <a:t>(…)</a:t>
-            </a:r>
-            <a:endParaRPr lang="en-US" dirty="0"/>
+              <a:t>If you get “entity would be resaved” Errors</a:t>
+            </a:r>
+          </a:p>
+          <a:p>
+            <a:pPr lvl="1"/>
+            <a:r>
+              <a:rPr lang="en-US" b="1" dirty="0" smtClean="0"/>
+              <a:t>You need to un-set BOTH sides of the relationship</a:t>
+            </a:r>
+            <a:endParaRPr lang="en-US" b="1" dirty="0"/>
           </a:p>
         </p:txBody>
       </p:sp>
@@ -21378,87 +21486,58 @@
             <p:ph idx="1"/>
           </p:nvPr>
         </p:nvSpPr>
-        <p:spPr>
-          <a:xfrm>
-            <a:off x="872067" y="2675467"/>
-            <a:ext cx="7738533" cy="3450696"/>
-          </a:xfrm>
-        </p:spPr>
+        <p:spPr/>
         <p:txBody>
           <a:bodyPr>
             <a:normAutofit/>
           </a:bodyPr>
           <a:lstStyle/>
           <a:p>
-            <a:pPr marL="457200" indent="-457200">
-              <a:buFont typeface="+mj-lt"/>
-              <a:buAutoNum type="arabicPeriod"/>
-            </a:pPr>
-            <a:r>
-              <a:rPr lang="en-US" dirty="0" smtClean="0"/>
-              <a:t> ORM Settings -- Control the Session Flush</a:t>
-            </a:r>
-          </a:p>
-          <a:p>
-            <a:pPr marL="457200" indent="-457200">
-              <a:buFont typeface="+mj-lt"/>
-              <a:buAutoNum type="arabicPeriod"/>
-            </a:pPr>
-            <a:r>
-              <a:rPr lang="en-US" dirty="0" smtClean="0"/>
-              <a:t>Many-to-One Relationships</a:t>
-            </a:r>
-          </a:p>
-          <a:p>
-            <a:pPr marL="457200" indent="-457200">
-              <a:buFont typeface="+mj-lt"/>
-              <a:buAutoNum type="arabicPeriod"/>
-            </a:pPr>
-            <a:r>
-              <a:rPr lang="en-US" dirty="0" smtClean="0"/>
-              <a:t>One-to-Many Relationships</a:t>
-            </a:r>
-          </a:p>
-          <a:p>
-            <a:pPr marL="457200" indent="-457200">
-              <a:buFont typeface="+mj-lt"/>
-              <a:buAutoNum type="arabicPeriod"/>
-            </a:pPr>
-            <a:r>
-              <a:rPr lang="en-US" dirty="0" smtClean="0"/>
-              <a:t>One-to-Many: Adding to Collections</a:t>
-            </a:r>
-          </a:p>
-          <a:p>
-            <a:pPr marL="457200" indent="-457200">
-              <a:buFont typeface="+mj-lt"/>
-              <a:buAutoNum type="arabicPeriod"/>
-            </a:pPr>
-            <a:r>
-              <a:rPr lang="en-US" dirty="0" smtClean="0"/>
-              <a:t>One-to-Many: inverse and “relationship owner”</a:t>
-            </a:r>
-          </a:p>
-          <a:p>
-            <a:pPr marL="457200" indent="-457200">
-              <a:buFont typeface="+mj-lt"/>
-              <a:buAutoNum type="arabicPeriod"/>
-            </a:pPr>
-            <a:r>
-              <a:rPr lang="en-US" dirty="0" smtClean="0"/>
-              <a:t>One-to-Many: Deleting from Collections</a:t>
-            </a:r>
-          </a:p>
-          <a:p>
-            <a:pPr marL="457200" indent="-457200">
-              <a:buFont typeface="+mj-lt"/>
-              <a:buAutoNum type="arabicPeriod"/>
-            </a:pPr>
-            <a:r>
-              <a:rPr lang="en-US" b="1" dirty="0" smtClean="0"/>
-              <a:t>Hibernate Session and the ColdFusion Session scope</a:t>
-            </a:r>
-            <a:endParaRPr lang="en-US" b="1" dirty="0"/>
+            <a:endParaRPr lang="en-US" dirty="0" smtClean="0"/>
+          </a:p>
+          <a:p>
+            <a:r>
+              <a:rPr lang="en-US" dirty="0" smtClean="0"/>
+              <a:t>Don’t </a:t>
+            </a:r>
+            <a:r>
+              <a:rPr lang="en-US" dirty="0" smtClean="0"/>
+              <a:t>use for( item in Array ) syntax when </a:t>
+            </a:r>
+            <a:r>
+              <a:rPr lang="en-US" dirty="0" smtClean="0"/>
+              <a:t>deleting</a:t>
+            </a:r>
+          </a:p>
+          <a:p>
+            <a:endParaRPr lang="en-US" dirty="0"/>
+          </a:p>
+          <a:p>
+            <a:r>
+              <a:rPr lang="en-US" dirty="0" smtClean="0"/>
+              <a:t>Use </a:t>
+            </a:r>
+            <a:r>
+              <a:rPr lang="en-US" dirty="0" smtClean="0"/>
+              <a:t>plain old index </a:t>
+            </a:r>
+            <a:r>
+              <a:rPr lang="en-US" dirty="0" smtClean="0"/>
+              <a:t>loops</a:t>
+            </a:r>
+          </a:p>
+          <a:p>
+            <a:endParaRPr lang="en-US" dirty="0"/>
+          </a:p>
+          <a:p>
+            <a:r>
+              <a:rPr lang="en-US" dirty="0" smtClean="0"/>
+              <a:t>I loop backwards!</a:t>
+            </a:r>
+            <a:endParaRPr lang="en-US" dirty="0" smtClean="0"/>
+          </a:p>
+          <a:p>
+            <a:endParaRPr lang="en-US" dirty="0"/>
           </a:p>
         </p:txBody>
       </p:sp>
@@ -21474,12 +21553,21 @@
         </p:nvSpPr>
         <p:spPr/>
         <p:txBody>
-          <a:bodyPr/>
+          <a:bodyPr>
+            <a:normAutofit fontScale="90000"/>
+          </a:bodyPr>
           <a:lstStyle/>
           <a:p>
             <a:r>
               <a:rPr lang="en-US" dirty="0" smtClean="0"/>
-              <a:t>Agenda</a:t>
+              <a:t>Enlightenment: </a:t>
+            </a:r>
+            <a:br>
+              <a:rPr lang="en-US" dirty="0" smtClean="0"/>
+            </a:br>
+            <a:r>
+              <a:rPr lang="en-US" dirty="0" smtClean="0"/>
+              <a:t>Deleting from a Collection</a:t>
             </a:r>
             <a:endParaRPr lang="en-US" dirty="0"/>
           </a:p>
@@ -21488,7 +21576,7 @@
     </p:spTree>
     <p:extLst>
       <p:ext uri="{BB962C8B-B14F-4D97-AF65-F5344CB8AC3E}">
-        <p14:creationId xmlns:p14="http://schemas.microsoft.com/office/powerpoint/2010/main" val="1113937495"/>
+        <p14:creationId xmlns:p14="http://schemas.microsoft.com/office/powerpoint/2010/main" val="554230324"/>
       </p:ext>
     </p:extLst>
   </p:cSld>
@@ -21534,66 +21622,93 @@
         </p:nvSpPr>
         <p:spPr>
           <a:xfrm>
-            <a:off x="380999" y="2362200"/>
-            <a:ext cx="8534401" cy="3763963"/>
+            <a:off x="872067" y="2675467"/>
+            <a:ext cx="7738533" cy="3450696"/>
           </a:xfrm>
         </p:spPr>
         <p:txBody>
-          <a:bodyPr/>
+          <a:bodyPr>
+            <a:normAutofit/>
+          </a:bodyPr>
           <a:lstStyle/>
           <a:p>
-            <a:pPr marL="0" indent="0" algn="ctr">
-              <a:buNone/>
+            <a:pPr marL="457200" indent="-457200">
+              <a:buFont typeface="+mj-lt"/>
+              <a:buAutoNum type="arabicPeriod"/>
             </a:pPr>
-            <a:endParaRPr lang="en-US" dirty="0" smtClean="0"/>
-          </a:p>
-          <a:p>
-            <a:pPr marL="0" indent="0" algn="ctr">
-              <a:buNone/>
+            <a:r>
+              <a:rPr lang="en-US" dirty="0" smtClean="0"/>
+              <a:t> ORM Settings -- Control the Session Flush</a:t>
+            </a:r>
+          </a:p>
+          <a:p>
+            <a:pPr marL="457200" indent="-457200">
+              <a:buFont typeface="+mj-lt"/>
+              <a:buAutoNum type="arabicPeriod"/>
             </a:pPr>
             <a:r>
               <a:rPr lang="en-US" dirty="0" smtClean="0"/>
-              <a:t>When I store my user object in the </a:t>
-            </a:r>
+              <a:t>Many-to-One Relationships</a:t>
+            </a:r>
+          </a:p>
+          <a:p>
+            <a:pPr marL="457200" indent="-457200">
+              <a:buFont typeface="+mj-lt"/>
+              <a:buAutoNum type="arabicPeriod"/>
+            </a:pPr>
+            <a:r>
+              <a:rPr lang="en-US" dirty="0" smtClean="0"/>
+              <a:t>One-to-Many Relationships</a:t>
+            </a:r>
+          </a:p>
+          <a:p>
+            <a:pPr marL="457200" indent="-457200">
+              <a:buFont typeface="+mj-lt"/>
+              <a:buAutoNum type="arabicPeriod"/>
+            </a:pPr>
+            <a:r>
+              <a:rPr lang="en-US" dirty="0"/>
+              <a:t>One-to-Many: inverse and “relationship owner”</a:t>
+            </a:r>
+          </a:p>
+          <a:p>
+            <a:pPr marL="457200" indent="-457200">
+              <a:buFont typeface="+mj-lt"/>
+              <a:buAutoNum type="arabicPeriod"/>
+            </a:pPr>
+            <a:r>
+              <a:rPr lang="en-US" dirty="0" smtClean="0"/>
+              <a:t>One-to-Many</a:t>
+            </a:r>
+            <a:r>
+              <a:rPr lang="en-US" dirty="0" smtClean="0"/>
+              <a:t>: Adding to Collections</a:t>
+            </a:r>
+          </a:p>
+          <a:p>
+            <a:pPr marL="457200" indent="-457200">
+              <a:buFont typeface="+mj-lt"/>
+              <a:buAutoNum type="arabicPeriod"/>
+            </a:pPr>
+            <a:r>
+              <a:rPr lang="en-US" dirty="0" smtClean="0"/>
+              <a:t>One-to-Many</a:t>
+            </a:r>
+            <a:r>
+              <a:rPr lang="en-US" dirty="0" smtClean="0"/>
+              <a:t>: Deleting from Collections</a:t>
+            </a:r>
+          </a:p>
+          <a:p>
+            <a:pPr marL="457200" indent="-457200">
+              <a:buFont typeface="+mj-lt"/>
+              <a:buAutoNum type="arabicPeriod"/>
+            </a:pPr>
             <a:r>
               <a:rPr lang="en-US" b="1" dirty="0" smtClean="0"/>
-              <a:t>ColdFusion session scope</a:t>
-            </a:r>
-            <a:r>
-              <a:rPr lang="en-US" dirty="0" smtClean="0"/>
-              <a:t>,</a:t>
-            </a:r>
-          </a:p>
-          <a:p>
-            <a:pPr marL="0" indent="0" algn="ctr">
-              <a:buNone/>
-            </a:pPr>
-            <a:endParaRPr lang="en-US" dirty="0" smtClean="0"/>
-          </a:p>
-          <a:p>
-            <a:pPr marL="0" indent="0" algn="ctr">
-              <a:buNone/>
-            </a:pPr>
-            <a:r>
-              <a:rPr lang="en-US" dirty="0" smtClean="0"/>
-              <a:t> and then change it and save,</a:t>
-            </a:r>
-          </a:p>
-          <a:p>
-            <a:pPr marL="0" indent="0" algn="ctr">
-              <a:buNone/>
-            </a:pPr>
-            <a:endParaRPr lang="en-US" dirty="0" smtClean="0"/>
-          </a:p>
-          <a:p>
-            <a:pPr marL="0" indent="0" algn="ctr">
-              <a:buNone/>
-            </a:pPr>
-            <a:r>
-              <a:rPr lang="en-US" dirty="0" smtClean="0"/>
-              <a:t> I get weirdo Hibernate errors</a:t>
-            </a:r>
-            <a:endParaRPr lang="en-US" dirty="0"/>
+              <a:t>Hibernate Session and the ColdFusion Session scope</a:t>
+            </a:r>
+            <a:endParaRPr lang="en-US" b="1" dirty="0"/>
           </a:p>
         </p:txBody>
       </p:sp>
@@ -21614,7 +21729,7 @@
           <a:p>
             <a:r>
               <a:rPr lang="en-US" dirty="0" smtClean="0"/>
-              <a:t>Suffering</a:t>
+              <a:t>Agenda</a:t>
             </a:r>
             <a:endParaRPr lang="en-US" dirty="0"/>
           </a:p>
@@ -21623,7 +21738,7 @@
     </p:spTree>
     <p:extLst>
       <p:ext uri="{BB962C8B-B14F-4D97-AF65-F5344CB8AC3E}">
-        <p14:creationId xmlns:p14="http://schemas.microsoft.com/office/powerpoint/2010/main" val="2932508157"/>
+        <p14:creationId xmlns:p14="http://schemas.microsoft.com/office/powerpoint/2010/main" val="1113937495"/>
       </p:ext>
     </p:extLst>
   </p:cSld>
@@ -21667,82 +21782,68 @@
             <p:ph idx="1"/>
           </p:nvPr>
         </p:nvSpPr>
-        <p:spPr/>
+        <p:spPr>
+          <a:xfrm>
+            <a:off x="380999" y="2362200"/>
+            <a:ext cx="8534401" cy="3763963"/>
+          </a:xfrm>
+        </p:spPr>
         <p:txBody>
           <a:bodyPr/>
           <a:lstStyle/>
           <a:p>
-            <a:r>
-              <a:rPr lang="en-US" dirty="0" smtClean="0"/>
-              <a:t>Just don’t do </a:t>
-            </a:r>
-            <a:r>
-              <a:rPr lang="en-US" dirty="0"/>
-              <a:t>it (How’s that for Zen</a:t>
-            </a:r>
-            <a:r>
-              <a:rPr lang="en-US" dirty="0" smtClean="0"/>
-              <a:t>!)</a:t>
-            </a:r>
-          </a:p>
-          <a:p>
+            <a:pPr marL="0" indent="0" algn="ctr">
+              <a:buNone/>
+            </a:pPr>
+            <a:endParaRPr lang="en-US" dirty="0" smtClean="0"/>
+          </a:p>
+          <a:p>
+            <a:pPr marL="0" indent="0" algn="ctr">
+              <a:buNone/>
+            </a:pPr>
+            <a:r>
+              <a:rPr lang="en-US" dirty="0" smtClean="0"/>
+              <a:t>When I store my user object in the </a:t>
+            </a:r>
+            <a:r>
+              <a:rPr lang="en-US" b="1" dirty="0" smtClean="0"/>
+              <a:t>ColdFusion session scope</a:t>
+            </a:r>
+            <a:r>
+              <a:rPr lang="en-US" dirty="0" smtClean="0"/>
+              <a:t>,</a:t>
+            </a:r>
+          </a:p>
+          <a:p>
+            <a:pPr marL="0" indent="0" algn="ctr">
+              <a:buNone/>
+            </a:pPr>
+            <a:endParaRPr lang="en-US" dirty="0" smtClean="0"/>
+          </a:p>
+          <a:p>
+            <a:pPr marL="0" indent="0" algn="ctr">
+              <a:buNone/>
+            </a:pPr>
+            <a:r>
+              <a:rPr lang="en-US" dirty="0" smtClean="0"/>
+              <a:t> and then change it and save,</a:t>
+            </a:r>
+          </a:p>
+          <a:p>
+            <a:pPr marL="0" indent="0" algn="ctr">
+              <a:buNone/>
+            </a:pPr>
+            <a:endParaRPr lang="en-US" dirty="0" smtClean="0"/>
+          </a:p>
+          <a:p>
+            <a:pPr marL="0" indent="0" algn="ctr">
+              <a:buNone/>
+            </a:pPr>
+            <a:r>
+              <a:rPr lang="en-US" dirty="0" smtClean="0"/>
+              <a:t> I get weirdo Hibernate errors</a:t>
+            </a:r>
             <a:endParaRPr lang="en-US" dirty="0"/>
-          </a:p>
-          <a:p>
-            <a:r>
-              <a:rPr lang="en-US" dirty="0" smtClean="0"/>
-              <a:t>Store simple values (</a:t>
-            </a:r>
-            <a:r>
-              <a:rPr lang="en-US" dirty="0" err="1" smtClean="0"/>
-              <a:t>userID</a:t>
-            </a:r>
-            <a:r>
-              <a:rPr lang="en-US" dirty="0" smtClean="0"/>
-              <a:t>) in session scope, then </a:t>
-            </a:r>
-            <a:r>
-              <a:rPr lang="en-US" dirty="0" err="1" smtClean="0"/>
-              <a:t>entityLoadByPK</a:t>
-            </a:r>
-            <a:r>
-              <a:rPr lang="en-US" dirty="0" smtClean="0"/>
-              <a:t>(“User”,</a:t>
-            </a:r>
-            <a:r>
-              <a:rPr lang="en-US" dirty="0"/>
-              <a:t> </a:t>
-            </a:r>
-            <a:r>
-              <a:rPr lang="en-US" dirty="0" err="1" smtClean="0"/>
-              <a:t>session.userID</a:t>
-            </a:r>
-            <a:r>
-              <a:rPr lang="en-US" dirty="0" smtClean="0"/>
-              <a:t>) when you need that object</a:t>
-            </a:r>
-          </a:p>
-          <a:p>
-            <a:endParaRPr lang="en-US" dirty="0"/>
-          </a:p>
-          <a:p>
-            <a:r>
-              <a:rPr lang="en-US" dirty="0" smtClean="0"/>
-              <a:t>The second you type “</a:t>
-            </a:r>
-            <a:r>
-              <a:rPr lang="en-US" dirty="0" err="1" smtClean="0"/>
-              <a:t>EntityMerge</a:t>
-            </a:r>
-            <a:r>
-              <a:rPr lang="en-US" dirty="0" smtClean="0"/>
-              <a:t>()”, you’re travelling down the trail </a:t>
-            </a:r>
-            <a:r>
-              <a:rPr lang="en-US" smtClean="0"/>
-              <a:t>of suffering</a:t>
-            </a:r>
-            <a:endParaRPr lang="en-US" dirty="0" smtClean="0"/>
           </a:p>
         </p:txBody>
       </p:sp>
@@ -21756,37 +21857,23 @@
             <p:ph type="title"/>
           </p:nvPr>
         </p:nvSpPr>
-        <p:spPr>
-          <a:xfrm>
-            <a:off x="228600" y="262128"/>
-            <a:ext cx="8686800" cy="1642872"/>
-          </a:xfrm>
-        </p:spPr>
+        <p:spPr/>
         <p:txBody>
-          <a:bodyPr>
-            <a:normAutofit fontScale="90000"/>
-          </a:bodyPr>
+          <a:bodyPr/>
           <a:lstStyle/>
           <a:p>
             <a:r>
               <a:rPr lang="en-US" dirty="0" smtClean="0"/>
-              <a:t>Enlightenment: </a:t>
-            </a:r>
-            <a:br>
-              <a:rPr lang="en-US" dirty="0" smtClean="0"/>
-            </a:br>
-            <a:r>
-              <a:rPr lang="en-US" sz="4000" dirty="0" smtClean="0"/>
-              <a:t>Persistent objects and CF Session  Scope</a:t>
-            </a:r>
-            <a:endParaRPr lang="en-US" sz="4000" dirty="0"/>
+              <a:t>Suffering</a:t>
+            </a:r>
+            <a:endParaRPr lang="en-US" dirty="0"/>
           </a:p>
         </p:txBody>
       </p:sp>
     </p:spTree>
     <p:extLst>
       <p:ext uri="{BB962C8B-B14F-4D97-AF65-F5344CB8AC3E}">
-        <p14:creationId xmlns:p14="http://schemas.microsoft.com/office/powerpoint/2010/main" val="2848442638"/>
+        <p14:creationId xmlns:p14="http://schemas.microsoft.com/office/powerpoint/2010/main" val="2932508157"/>
       </p:ext>
     </p:extLst>
   </p:cSld>
@@ -21970,78 +22057,82 @@
             <p:ph idx="1"/>
           </p:nvPr>
         </p:nvSpPr>
-        <p:spPr>
-          <a:xfrm>
-            <a:off x="872067" y="2438400"/>
-            <a:ext cx="7408333" cy="4114800"/>
-          </a:xfrm>
-        </p:spPr>
+        <p:spPr/>
         <p:txBody>
-          <a:bodyPr>
-            <a:normAutofit fontScale="92500"/>
-          </a:bodyPr>
+          <a:bodyPr/>
           <a:lstStyle/>
           <a:p>
             <a:r>
               <a:rPr lang="en-US" dirty="0" smtClean="0"/>
-              <a:t>Don’t let CF auto-flush the Hibernate session</a:t>
-            </a:r>
-          </a:p>
-          <a:p>
-            <a:pPr lvl="1"/>
-            <a:r>
-              <a:rPr lang="en-US" dirty="0" smtClean="0"/>
-              <a:t>always use transactions</a:t>
-            </a:r>
-          </a:p>
-          <a:p>
-            <a:r>
-              <a:rPr lang="en-US" dirty="0" smtClean="0"/>
-              <a:t>Use one-to-many sparingly; I try to use them only when I need to save relationships through them</a:t>
-            </a:r>
-          </a:p>
-          <a:p>
+              <a:t>Just don’t do </a:t>
+            </a:r>
             <a:r>
               <a:rPr lang="en-US" dirty="0"/>
-              <a:t>Not setting “cascade” on one-to-many relationships will cause collection members not to save or </a:t>
-            </a:r>
-            <a:r>
-              <a:rPr lang="en-US" dirty="0" smtClean="0"/>
-              <a:t>delete</a:t>
-            </a:r>
-          </a:p>
-          <a:p>
-            <a:r>
-              <a:rPr lang="en-US" dirty="0" smtClean="0"/>
-              <a:t>Inverse=true is mandatory on bi-di relationships</a:t>
-            </a:r>
-          </a:p>
-          <a:p>
-            <a:r>
-              <a:rPr lang="en-US" dirty="0" smtClean="0"/>
-              <a:t>Deleting from one-to-many is simply not simple</a:t>
-            </a:r>
-          </a:p>
-          <a:p>
-            <a:r>
-              <a:rPr lang="en-US" dirty="0" smtClean="0"/>
-              <a:t>“</a:t>
+              <a:t>it (How’s that for Zen</a:t>
+            </a:r>
+            <a:r>
+              <a:rPr lang="en-US" dirty="0" smtClean="0"/>
+              <a:t>!)</a:t>
+            </a:r>
+          </a:p>
+          <a:p>
+            <a:endParaRPr lang="en-US" dirty="0"/>
+          </a:p>
+          <a:p>
+            <a:r>
+              <a:rPr lang="en-US" dirty="0" smtClean="0"/>
+              <a:t>Store simple values (</a:t>
             </a:r>
             <a:r>
               <a:rPr lang="en-US" dirty="0" err="1" smtClean="0"/>
-              <a:t>linktable</a:t>
-            </a:r>
-            <a:r>
-              <a:rPr lang="en-US" dirty="0" smtClean="0"/>
-              <a:t>” is rarely useful… often you need a “join entity”</a:t>
-            </a:r>
-          </a:p>
-          <a:p>
-            <a:r>
-              <a:rPr lang="en-US" dirty="0" smtClean="0"/>
-              <a:t>Don’t store ORM objects in the session scope. Ever.</a:t>
-            </a:r>
+              <a:t>userID</a:t>
+            </a:r>
+            <a:r>
+              <a:rPr lang="en-US" dirty="0" smtClean="0"/>
+              <a:t>) in session scope, then </a:t>
+            </a:r>
+            <a:r>
+              <a:rPr lang="en-US" dirty="0" err="1" smtClean="0"/>
+              <a:t>entityLoadByPK</a:t>
+            </a:r>
+            <a:r>
+              <a:rPr lang="en-US" dirty="0" smtClean="0"/>
+              <a:t>(“User”,</a:t>
+            </a:r>
+            <a:r>
+              <a:rPr lang="en-US" dirty="0"/>
+              <a:t> </a:t>
+            </a:r>
+            <a:r>
+              <a:rPr lang="en-US" dirty="0" err="1" smtClean="0"/>
+              <a:t>session.userID</a:t>
+            </a:r>
+            <a:r>
+              <a:rPr lang="en-US" dirty="0" smtClean="0"/>
+              <a:t>) when you need that object</a:t>
+            </a:r>
+          </a:p>
+          <a:p>
             <a:endParaRPr lang="en-US" dirty="0"/>
+          </a:p>
+          <a:p>
+            <a:r>
+              <a:rPr lang="en-US" dirty="0" smtClean="0"/>
+              <a:t>The second you type “</a:t>
+            </a:r>
+            <a:r>
+              <a:rPr lang="en-US" dirty="0" err="1" smtClean="0"/>
+              <a:t>EntityMerge</a:t>
+            </a:r>
+            <a:r>
+              <a:rPr lang="en-US" dirty="0" smtClean="0"/>
+              <a:t>()”, you’re travelling down the trail </a:t>
+            </a:r>
+            <a:r>
+              <a:rPr lang="en-US" smtClean="0"/>
+              <a:t>of suffering</a:t>
+            </a:r>
+            <a:endParaRPr lang="en-US" dirty="0" smtClean="0"/>
           </a:p>
         </p:txBody>
       </p:sp>
@@ -22055,23 +22146,37 @@
             <p:ph type="title"/>
           </p:nvPr>
         </p:nvSpPr>
-        <p:spPr/>
+        <p:spPr>
+          <a:xfrm>
+            <a:off x="228600" y="262128"/>
+            <a:ext cx="8686800" cy="1642872"/>
+          </a:xfrm>
+        </p:spPr>
         <p:txBody>
-          <a:bodyPr/>
+          <a:bodyPr>
+            <a:normAutofit fontScale="90000"/>
+          </a:bodyPr>
           <a:lstStyle/>
           <a:p>
             <a:r>
               <a:rPr lang="en-US" dirty="0" smtClean="0"/>
-              <a:t>Enlightenment, In One Slide</a:t>
-            </a:r>
-            <a:endParaRPr lang="en-US" dirty="0"/>
+              <a:t>Enlightenment: </a:t>
+            </a:r>
+            <a:br>
+              <a:rPr lang="en-US" dirty="0" smtClean="0"/>
+            </a:br>
+            <a:r>
+              <a:rPr lang="en-US" sz="4000" dirty="0" smtClean="0"/>
+              <a:t>Persistent objects and CF Session  Scope</a:t>
+            </a:r>
+            <a:endParaRPr lang="en-US" sz="4000" dirty="0"/>
           </a:p>
         </p:txBody>
       </p:sp>
     </p:spTree>
     <p:extLst>
       <p:ext uri="{BB962C8B-B14F-4D97-AF65-F5344CB8AC3E}">
-        <p14:creationId xmlns:p14="http://schemas.microsoft.com/office/powerpoint/2010/main" val="133580243"/>
+        <p14:creationId xmlns:p14="http://schemas.microsoft.com/office/powerpoint/2010/main" val="2848442638"/>
       </p:ext>
     </p:extLst>
   </p:cSld>
@@ -22115,6 +22220,151 @@
             <p:ph idx="1"/>
           </p:nvPr>
         </p:nvSpPr>
+        <p:spPr>
+          <a:xfrm>
+            <a:off x="872067" y="2438400"/>
+            <a:ext cx="7408333" cy="4114800"/>
+          </a:xfrm>
+        </p:spPr>
+        <p:txBody>
+          <a:bodyPr>
+            <a:normAutofit fontScale="92500"/>
+          </a:bodyPr>
+          <a:lstStyle/>
+          <a:p>
+            <a:r>
+              <a:rPr lang="en-US" dirty="0" smtClean="0"/>
+              <a:t>Don’t let CF auto-flush the Hibernate session</a:t>
+            </a:r>
+          </a:p>
+          <a:p>
+            <a:pPr lvl="1"/>
+            <a:r>
+              <a:rPr lang="en-US" dirty="0" smtClean="0"/>
+              <a:t>always use transactions</a:t>
+            </a:r>
+          </a:p>
+          <a:p>
+            <a:r>
+              <a:rPr lang="en-US" dirty="0" smtClean="0"/>
+              <a:t>Use one-to-many sparingly; I try to use them only when I need to save relationships through them</a:t>
+            </a:r>
+          </a:p>
+          <a:p>
+            <a:r>
+              <a:rPr lang="en-US" dirty="0"/>
+              <a:t>Not setting “cascade” on one-to-many relationships will cause collection members not to save or </a:t>
+            </a:r>
+            <a:r>
+              <a:rPr lang="en-US" dirty="0" smtClean="0"/>
+              <a:t>delete</a:t>
+            </a:r>
+          </a:p>
+          <a:p>
+            <a:r>
+              <a:rPr lang="en-US" dirty="0" smtClean="0"/>
+              <a:t>Inverse=true is mandatory on bi-di relationships</a:t>
+            </a:r>
+          </a:p>
+          <a:p>
+            <a:r>
+              <a:rPr lang="en-US" dirty="0" smtClean="0"/>
+              <a:t>Deleting from one-to-many is simply not simple</a:t>
+            </a:r>
+          </a:p>
+          <a:p>
+            <a:r>
+              <a:rPr lang="en-US" dirty="0" smtClean="0"/>
+              <a:t>“</a:t>
+            </a:r>
+            <a:r>
+              <a:rPr lang="en-US" dirty="0" err="1" smtClean="0"/>
+              <a:t>linktable</a:t>
+            </a:r>
+            <a:r>
+              <a:rPr lang="en-US" dirty="0" smtClean="0"/>
+              <a:t>” is rarely useful… often you need a “join entity”</a:t>
+            </a:r>
+          </a:p>
+          <a:p>
+            <a:r>
+              <a:rPr lang="en-US" dirty="0" smtClean="0"/>
+              <a:t>Don’t store ORM objects in the session scope. Ever.</a:t>
+            </a:r>
+            <a:endParaRPr lang="en-US" dirty="0"/>
+          </a:p>
+        </p:txBody>
+      </p:sp>
+      <p:sp>
+        <p:nvSpPr>
+          <p:cNvPr id="3" name="Title 2"/>
+          <p:cNvSpPr>
+            <a:spLocks noGrp="1"/>
+          </p:cNvSpPr>
+          <p:nvPr>
+            <p:ph type="title"/>
+          </p:nvPr>
+        </p:nvSpPr>
+        <p:spPr/>
+        <p:txBody>
+          <a:bodyPr/>
+          <a:lstStyle/>
+          <a:p>
+            <a:r>
+              <a:rPr lang="en-US" dirty="0" smtClean="0"/>
+              <a:t>Enlightenment, In One Slide</a:t>
+            </a:r>
+            <a:endParaRPr lang="en-US" dirty="0"/>
+          </a:p>
+        </p:txBody>
+      </p:sp>
+    </p:spTree>
+    <p:extLst>
+      <p:ext uri="{BB962C8B-B14F-4D97-AF65-F5344CB8AC3E}">
+        <p14:creationId xmlns:p14="http://schemas.microsoft.com/office/powerpoint/2010/main" val="133580243"/>
+      </p:ext>
+    </p:extLst>
+  </p:cSld>
+  <p:clrMapOvr>
+    <a:masterClrMapping/>
+  </p:clrMapOvr>
+  <p:timing>
+    <p:tnLst>
+      <p:par>
+        <p:cTn id="1" dur="indefinite" restart="never" nodeType="tmRoot"/>
+      </p:par>
+    </p:tnLst>
+  </p:timing>
+</p:sld>
+</file>
+
+<file path=ppt/slides/slide52.xml><?xml version="1.0" encoding="utf-8"?>
+<p:sld xmlns:a="http://schemas.openxmlformats.org/drawingml/2006/main" xmlns:r="http://schemas.openxmlformats.org/officeDocument/2006/relationships" xmlns:p="http://schemas.openxmlformats.org/presentationml/2006/main">
+  <p:cSld>
+    <p:spTree>
+      <p:nvGrpSpPr>
+        <p:cNvPr id="1" name=""/>
+        <p:cNvGrpSpPr/>
+        <p:nvPr/>
+      </p:nvGrpSpPr>
+      <p:grpSpPr>
+        <a:xfrm>
+          <a:off x="0" y="0"/>
+          <a:ext cx="0" cy="0"/>
+          <a:chOff x="0" y="0"/>
+          <a:chExt cx="0" cy="0"/>
+        </a:xfrm>
+      </p:grpSpPr>
+      <p:sp>
+        <p:nvSpPr>
+          <p:cNvPr id="2" name="Content Placeholder 1"/>
+          <p:cNvSpPr>
+            <a:spLocks noGrp="1"/>
+          </p:cNvSpPr>
+          <p:nvPr>
+            <p:ph idx="1"/>
+          </p:nvPr>
+        </p:nvSpPr>
         <p:spPr/>
         <p:txBody>
           <a:bodyPr>
@@ -22310,7 +22560,7 @@
 </p:sld>
 </file>
 
-<file path=ppt/slides/slide52.xml><?xml version="1.0" encoding="utf-8"?>
+<file path=ppt/slides/slide53.xml><?xml version="1.0" encoding="utf-8"?>
 <p:sld xmlns:a="http://schemas.openxmlformats.org/drawingml/2006/main" xmlns:r="http://schemas.openxmlformats.org/officeDocument/2006/relationships" xmlns:p="http://schemas.openxmlformats.org/presentationml/2006/main">
   <p:cSld>
     <p:spTree>
@@ -22897,7 +23147,7 @@
 </p:sld>
 </file>
 
-<file path=ppt/slides/slide53.xml><?xml version="1.0" encoding="utf-8"?>
+<file path=ppt/slides/slide54.xml><?xml version="1.0" encoding="utf-8"?>
 <p:sld xmlns:a="http://schemas.openxmlformats.org/drawingml/2006/main" xmlns:r="http://schemas.openxmlformats.org/officeDocument/2006/relationships" xmlns:p="http://schemas.openxmlformats.org/presentationml/2006/main">
   <p:cSld>
     <p:spTree>
@@ -23097,7 +23347,7 @@
 </p:sld>
 </file>
 
-<file path=ppt/slides/slide54.xml><?xml version="1.0" encoding="utf-8"?>
+<file path=ppt/slides/slide55.xml><?xml version="1.0" encoding="utf-8"?>
 <p:sld xmlns:a="http://schemas.openxmlformats.org/drawingml/2006/main" xmlns:r="http://schemas.openxmlformats.org/officeDocument/2006/relationships" xmlns:p="http://schemas.openxmlformats.org/presentationml/2006/main">
   <p:cSld>
     <p:spTree>
@@ -23190,7 +23440,7 @@
 </p:sld>
 </file>
 
-<file path=ppt/slides/slide55.xml><?xml version="1.0" encoding="utf-8"?>
+<file path=ppt/slides/slide56.xml><?xml version="1.0" encoding="utf-8"?>
 <p:sld xmlns:a="http://schemas.openxmlformats.org/drawingml/2006/main" xmlns:r="http://schemas.openxmlformats.org/officeDocument/2006/relationships" xmlns:p="http://schemas.openxmlformats.org/presentationml/2006/main">
   <p:cSld>
     <p:spTree>
@@ -23343,7 +23593,7 @@
 </p:sld>
 </file>
 
-<file path=ppt/slides/slide56.xml><?xml version="1.0" encoding="utf-8"?>
+<file path=ppt/slides/slide57.xml><?xml version="1.0" encoding="utf-8"?>
 <p:sld xmlns:a="http://schemas.openxmlformats.org/drawingml/2006/main" xmlns:r="http://schemas.openxmlformats.org/officeDocument/2006/relationships" xmlns:p="http://schemas.openxmlformats.org/presentationml/2006/main">
   <p:cSld>
     <p:spTree>
@@ -23446,7 +23696,7 @@
 </p:sld>
 </file>
 
-<file path=ppt/slides/slide57.xml><?xml version="1.0" encoding="utf-8"?>
+<file path=ppt/slides/slide58.xml><?xml version="1.0" encoding="utf-8"?>
 <p:sld xmlns:a="http://schemas.openxmlformats.org/drawingml/2006/main" xmlns:r="http://schemas.openxmlformats.org/officeDocument/2006/relationships" xmlns:p="http://schemas.openxmlformats.org/presentationml/2006/main">
   <p:cSld>
     <p:spTree>
@@ -23551,7 +23801,7 @@
 </p:sld>
 </file>
 
-<file path=ppt/slides/slide58.xml><?xml version="1.0" encoding="utf-8"?>
+<file path=ppt/slides/slide59.xml><?xml version="1.0" encoding="utf-8"?>
 <p:sld xmlns:a="http://schemas.openxmlformats.org/drawingml/2006/main" xmlns:r="http://schemas.openxmlformats.org/officeDocument/2006/relationships" xmlns:p="http://schemas.openxmlformats.org/presentationml/2006/main">
   <p:cSld>
     <p:spTree>
@@ -23672,84 +23922,6 @@
     <p:extLst>
       <p:ext uri="{BB962C8B-B14F-4D97-AF65-F5344CB8AC3E}">
         <p14:creationId xmlns:p14="http://schemas.microsoft.com/office/powerpoint/2010/main" val="1312424132"/>
-      </p:ext>
-    </p:extLst>
-  </p:cSld>
-  <p:clrMapOvr>
-    <a:masterClrMapping/>
-  </p:clrMapOvr>
-  <p:timing>
-    <p:tnLst>
-      <p:par>
-        <p:cTn id="1" dur="indefinite" restart="never" nodeType="tmRoot"/>
-      </p:par>
-    </p:tnLst>
-  </p:timing>
-</p:sld>
-</file>
-
-<file path=ppt/slides/slide59.xml><?xml version="1.0" encoding="utf-8"?>
-<p:sld xmlns:a="http://schemas.openxmlformats.org/drawingml/2006/main" xmlns:r="http://schemas.openxmlformats.org/officeDocument/2006/relationships" xmlns:p="http://schemas.openxmlformats.org/presentationml/2006/main">
-  <p:cSld>
-    <p:spTree>
-      <p:nvGrpSpPr>
-        <p:cNvPr id="1" name=""/>
-        <p:cNvGrpSpPr/>
-        <p:nvPr/>
-      </p:nvGrpSpPr>
-      <p:grpSpPr>
-        <a:xfrm>
-          <a:off x="0" y="0"/>
-          <a:ext cx="0" cy="0"/>
-          <a:chOff x="0" y="0"/>
-          <a:chExt cx="0" cy="0"/>
-        </a:xfrm>
-      </p:grpSpPr>
-      <p:pic>
-        <p:nvPicPr>
-          <p:cNvPr id="6146" name="Picture 2" descr="C:\dev\projects\wwwroot\mxunit-cfmeetups\CFObjective_ORMZen\preso\hibernate_logging_with_parameters.PNG"/>
-          <p:cNvPicPr>
-            <a:picLocks noChangeAspect="1" noChangeArrowheads="1"/>
-          </p:cNvPicPr>
-          <p:nvPr/>
-        </p:nvPicPr>
-        <p:blipFill>
-          <a:blip r:embed="rId2">
-            <a:extLst>
-              <a:ext uri="{28A0092B-C50C-407E-A947-70E740481C1C}">
-                <a14:useLocalDpi xmlns:a14="http://schemas.microsoft.com/office/drawing/2010/main" val="0"/>
-              </a:ext>
-            </a:extLst>
-          </a:blip>
-          <a:srcRect/>
-          <a:stretch>
-            <a:fillRect/>
-          </a:stretch>
-        </p:blipFill>
-        <p:spPr bwMode="auto">
-          <a:xfrm>
-            <a:off x="1371600" y="0"/>
-            <a:ext cx="6705600" cy="6876978"/>
-          </a:xfrm>
-          <a:prstGeom prst="rect">
-            <a:avLst/>
-          </a:prstGeom>
-          <a:noFill/>
-          <a:extLst>
-            <a:ext uri="{909E8E84-426E-40DD-AFC4-6F175D3DCCD1}">
-              <a14:hiddenFill xmlns:a14="http://schemas.microsoft.com/office/drawing/2010/main">
-                <a:solidFill>
-                  <a:srgbClr val="FFFFFF"/>
-                </a:solidFill>
-              </a14:hiddenFill>
-            </a:ext>
-          </a:extLst>
-        </p:spPr>
-      </p:pic>
-    </p:spTree>
-    <p:extLst>
-      <p:ext uri="{BB962C8B-B14F-4D97-AF65-F5344CB8AC3E}">
-        <p14:creationId xmlns:p14="http://schemas.microsoft.com/office/powerpoint/2010/main" val="994099777"/>
       </p:ext>
     </p:extLst>
   </p:cSld>
@@ -23929,6 +24101,84 @@
           <a:chExt cx="0" cy="0"/>
         </a:xfrm>
       </p:grpSpPr>
+      <p:pic>
+        <p:nvPicPr>
+          <p:cNvPr id="6146" name="Picture 2" descr="C:\dev\projects\wwwroot\mxunit-cfmeetups\CFObjective_ORMZen\preso\hibernate_logging_with_parameters.PNG"/>
+          <p:cNvPicPr>
+            <a:picLocks noChangeAspect="1" noChangeArrowheads="1"/>
+          </p:cNvPicPr>
+          <p:nvPr/>
+        </p:nvPicPr>
+        <p:blipFill>
+          <a:blip r:embed="rId2">
+            <a:extLst>
+              <a:ext uri="{28A0092B-C50C-407E-A947-70E740481C1C}">
+                <a14:useLocalDpi xmlns:a14="http://schemas.microsoft.com/office/drawing/2010/main" val="0"/>
+              </a:ext>
+            </a:extLst>
+          </a:blip>
+          <a:srcRect/>
+          <a:stretch>
+            <a:fillRect/>
+          </a:stretch>
+        </p:blipFill>
+        <p:spPr bwMode="auto">
+          <a:xfrm>
+            <a:off x="1371600" y="0"/>
+            <a:ext cx="6705600" cy="6876978"/>
+          </a:xfrm>
+          <a:prstGeom prst="rect">
+            <a:avLst/>
+          </a:prstGeom>
+          <a:noFill/>
+          <a:extLst>
+            <a:ext uri="{909E8E84-426E-40DD-AFC4-6F175D3DCCD1}">
+              <a14:hiddenFill xmlns:a14="http://schemas.microsoft.com/office/drawing/2010/main">
+                <a:solidFill>
+                  <a:srgbClr val="FFFFFF"/>
+                </a:solidFill>
+              </a14:hiddenFill>
+            </a:ext>
+          </a:extLst>
+        </p:spPr>
+      </p:pic>
+    </p:spTree>
+    <p:extLst>
+      <p:ext uri="{BB962C8B-B14F-4D97-AF65-F5344CB8AC3E}">
+        <p14:creationId xmlns:p14="http://schemas.microsoft.com/office/powerpoint/2010/main" val="994099777"/>
+      </p:ext>
+    </p:extLst>
+  </p:cSld>
+  <p:clrMapOvr>
+    <a:masterClrMapping/>
+  </p:clrMapOvr>
+  <p:timing>
+    <p:tnLst>
+      <p:par>
+        <p:cTn id="1" dur="indefinite" restart="never" nodeType="tmRoot"/>
+      </p:par>
+    </p:tnLst>
+  </p:timing>
+</p:sld>
+</file>
+
+<file path=ppt/slides/slide61.xml><?xml version="1.0" encoding="utf-8"?>
+<p:sld xmlns:a="http://schemas.openxmlformats.org/drawingml/2006/main" xmlns:r="http://schemas.openxmlformats.org/officeDocument/2006/relationships" xmlns:p="http://schemas.openxmlformats.org/presentationml/2006/main">
+  <p:cSld>
+    <p:spTree>
+      <p:nvGrpSpPr>
+        <p:cNvPr id="1" name=""/>
+        <p:cNvGrpSpPr/>
+        <p:nvPr/>
+      </p:nvGrpSpPr>
+      <p:grpSpPr>
+        <a:xfrm>
+          <a:off x="0" y="0"/>
+          <a:ext cx="0" cy="0"/>
+          <a:chOff x="0" y="0"/>
+          <a:chExt cx="0" cy="0"/>
+        </a:xfrm>
+      </p:grpSpPr>
       <p:sp>
         <p:nvSpPr>
           <p:cNvPr id="2" name="Content Placeholder 1"/>
@@ -24080,7 +24330,7 @@
 </p:sld>
 </file>
 
-<file path=ppt/slides/slide61.xml><?xml version="1.0" encoding="utf-8"?>
+<file path=ppt/slides/slide62.xml><?xml version="1.0" encoding="utf-8"?>
 <p:sld xmlns:a="http://schemas.openxmlformats.org/drawingml/2006/main" xmlns:r="http://schemas.openxmlformats.org/officeDocument/2006/relationships" xmlns:p="http://schemas.openxmlformats.org/presentationml/2006/main">
   <p:cSld>
     <p:spTree>
@@ -24547,39 +24797,48 @@
           <a:lstStyle/>
           <a:p>
             <a:r>
-              <a:rPr lang="en-US" dirty="0" smtClean="0"/>
-              <a:t>“Why won’t you delete?”</a:t>
-            </a:r>
-          </a:p>
-          <a:p>
-            <a:r>
-              <a:rPr lang="en-US" dirty="0" smtClean="0"/>
-              <a:t>“Why won’t you save?”</a:t>
-            </a:r>
-          </a:p>
-          <a:p>
-            <a:r>
-              <a:rPr lang="en-US" dirty="0" smtClean="0"/>
-              <a:t>“Why DID you save?”</a:t>
-            </a:r>
-          </a:p>
-          <a:p>
-            <a:r>
-              <a:rPr lang="en-US" dirty="0" smtClean="0"/>
-              <a:t>“Why did you delete 800 records…</a:t>
-            </a:r>
-            <a:br>
-              <a:rPr lang="en-US" dirty="0" smtClean="0"/>
-            </a:br>
-            <a:r>
-              <a:rPr lang="en-US" dirty="0" smtClean="0"/>
-              <a:t>              … and then insert 801?”</a:t>
-            </a:r>
-          </a:p>
-          <a:p>
-            <a:r>
-              <a:rPr lang="en-US" dirty="0" smtClean="0"/>
-              <a:t>“Why did you insert </a:t>
+              <a:rPr lang="en-US" dirty="0"/>
+              <a:t>“Why won’t you save relationships?”</a:t>
+            </a:r>
+          </a:p>
+          <a:p>
+            <a:r>
+              <a:rPr lang="en-US" dirty="0" smtClean="0"/>
+              <a:t>“</a:t>
+            </a:r>
+            <a:r>
+              <a:rPr lang="en-US" dirty="0" smtClean="0"/>
+              <a:t>Why won’t you </a:t>
+            </a:r>
+            <a:r>
+              <a:rPr lang="en-US" dirty="0" smtClean="0"/>
+              <a:t>delete relationships?”</a:t>
+            </a:r>
+            <a:endParaRPr lang="en-US" dirty="0" smtClean="0"/>
+          </a:p>
+          <a:p>
+            <a:r>
+              <a:rPr lang="en-US" dirty="0" smtClean="0"/>
+              <a:t>“</a:t>
+            </a:r>
+            <a:r>
+              <a:rPr lang="en-US" dirty="0" smtClean="0"/>
+              <a:t>Why DID you </a:t>
+            </a:r>
+            <a:r>
+              <a:rPr lang="en-US" dirty="0" smtClean="0"/>
+              <a:t>save anything at all?”</a:t>
+            </a:r>
+            <a:endParaRPr lang="en-US" dirty="0" smtClean="0"/>
+          </a:p>
+          <a:p>
+            <a:r>
+              <a:rPr lang="en-US" dirty="0" smtClean="0"/>
+              <a:t>“</a:t>
+            </a:r>
+            <a:r>
+              <a:rPr lang="en-US" dirty="0" smtClean="0"/>
+              <a:t>Why did you insert </a:t>
             </a:r>
             <a:r>
               <a:rPr lang="en-US" dirty="0"/>
@@ -24847,55 +25106,6 @@
                                           <p:spTgt spid="2">
                                             <p:txEl>
                                               <p:pRg st="3" end="3"/>
-                                            </p:txEl>
-                                          </p:spTgt>
-                                        </p:tgtEl>
-                                        <p:attrNameLst>
-                                          <p:attrName>style.visibility</p:attrName>
-                                        </p:attrNameLst>
-                                      </p:cBhvr>
-                                      <p:to>
-                                        <p:strVal val="visible"/>
-                                      </p:to>
-                                    </p:set>
-                                  </p:childTnLst>
-                                </p:cTn>
-                              </p:par>
-                            </p:childTnLst>
-                          </p:cTn>
-                        </p:par>
-                      </p:childTnLst>
-                    </p:cTn>
-                  </p:par>
-                  <p:par>
-                    <p:cTn id="19" fill="hold">
-                      <p:stCondLst>
-                        <p:cond delay="indefinite"/>
-                      </p:stCondLst>
-                      <p:childTnLst>
-                        <p:par>
-                          <p:cTn id="20" fill="hold">
-                            <p:stCondLst>
-                              <p:cond delay="0"/>
-                            </p:stCondLst>
-                            <p:childTnLst>
-                              <p:par>
-                                <p:cTn id="21" presetID="1" presetClass="entr" presetSubtype="0" fill="hold" nodeType="clickEffect">
-                                  <p:stCondLst>
-                                    <p:cond delay="0"/>
-                                  </p:stCondLst>
-                                  <p:childTnLst>
-                                    <p:set>
-                                      <p:cBhvr>
-                                        <p:cTn id="22" dur="1" fill="hold">
-                                          <p:stCondLst>
-                                            <p:cond delay="0"/>
-                                          </p:stCondLst>
-                                        </p:cTn>
-                                        <p:tgtEl>
-                                          <p:spTgt spid="2">
-                                            <p:txEl>
-                                              <p:pRg st="4" end="4"/>
                                             </p:txEl>
                                           </p:spTgt>
                                         </p:tgtEl>

--- a/CFObjective_ORMZen/preso/orm_zen.ppt.pptx
+++ b/CFObjective_ORMZen/preso/orm_zen.ppt.pptx
@@ -7,11 +7,11 @@
   <p:sldIdLst>
     <p:sldId id="256" r:id="rId2"/>
     <p:sldId id="313" r:id="rId3"/>
-    <p:sldId id="257" r:id="rId4"/>
-    <p:sldId id="258" r:id="rId5"/>
-    <p:sldId id="260" r:id="rId6"/>
-    <p:sldId id="259" r:id="rId7"/>
-    <p:sldId id="261" r:id="rId8"/>
+    <p:sldId id="261" r:id="rId4"/>
+    <p:sldId id="257" r:id="rId5"/>
+    <p:sldId id="258" r:id="rId6"/>
+    <p:sldId id="260" r:id="rId7"/>
+    <p:sldId id="259" r:id="rId8"/>
     <p:sldId id="265" r:id="rId9"/>
     <p:sldId id="264" r:id="rId10"/>
     <p:sldId id="262" r:id="rId11"/>
@@ -15627,11 +15627,7 @@
             </a:pPr>
             <a:r>
               <a:rPr lang="en-US" dirty="0" smtClean="0"/>
-              <a:t>One-to-Many</a:t>
-            </a:r>
-            <a:r>
-              <a:rPr lang="en-US" dirty="0" smtClean="0"/>
-              <a:t>: Adding to Collections</a:t>
+              <a:t>One-to-Many: Adding to Collections</a:t>
             </a:r>
           </a:p>
           <a:p>
@@ -15641,11 +15637,7 @@
             </a:pPr>
             <a:r>
               <a:rPr lang="en-US" dirty="0" smtClean="0"/>
-              <a:t>One-to-Many</a:t>
-            </a:r>
-            <a:r>
-              <a:rPr lang="en-US" dirty="0" smtClean="0"/>
-              <a:t>: Deleting from Collections</a:t>
+              <a:t>One-to-Many: Deleting from Collections</a:t>
             </a:r>
           </a:p>
           <a:p>
@@ -16030,11 +16022,7 @@
             </a:pPr>
             <a:r>
               <a:rPr lang="en-US" dirty="0" smtClean="0"/>
-              <a:t>One-to-Many</a:t>
-            </a:r>
-            <a:r>
-              <a:rPr lang="en-US" dirty="0" smtClean="0"/>
-              <a:t>: Adding to Collections</a:t>
+              <a:t>One-to-Many: Adding to Collections</a:t>
             </a:r>
           </a:p>
           <a:p>
@@ -16044,11 +16032,7 @@
             </a:pPr>
             <a:r>
               <a:rPr lang="en-US" dirty="0" smtClean="0"/>
-              <a:t>One-to-Many</a:t>
-            </a:r>
-            <a:r>
-              <a:rPr lang="en-US" dirty="0" smtClean="0"/>
-              <a:t>: Deleting from Collections</a:t>
+              <a:t>One-to-Many: Deleting from Collections</a:t>
             </a:r>
           </a:p>
           <a:p>
@@ -16848,11 +16832,7 @@
             </a:pPr>
             <a:r>
               <a:rPr lang="en-US" dirty="0" smtClean="0"/>
-              <a:t>One-to-Many</a:t>
-            </a:r>
-            <a:r>
-              <a:rPr lang="en-US" dirty="0" smtClean="0"/>
-              <a:t>: Adding to Collections</a:t>
+              <a:t>One-to-Many: Adding to Collections</a:t>
             </a:r>
           </a:p>
           <a:p>
@@ -16862,11 +16842,7 @@
             </a:pPr>
             <a:r>
               <a:rPr lang="en-US" dirty="0" smtClean="0"/>
-              <a:t>One-to-Many</a:t>
-            </a:r>
-            <a:r>
-              <a:rPr lang="en-US" dirty="0" smtClean="0"/>
-              <a:t>: Deleting from Collections</a:t>
+              <a:t>One-to-Many: Deleting from Collections</a:t>
             </a:r>
           </a:p>
           <a:p>
@@ -16954,13 +16930,13 @@
         </p:nvSpPr>
         <p:spPr>
           <a:xfrm>
-            <a:off x="872067" y="2133600"/>
+            <a:off x="872067" y="2560637"/>
             <a:ext cx="7408333" cy="3992563"/>
           </a:xfrm>
         </p:spPr>
         <p:txBody>
           <a:bodyPr>
-            <a:normAutofit fontScale="92500" lnSpcReduction="10000"/>
+            <a:normAutofit/>
           </a:bodyPr>
           <a:lstStyle/>
           <a:p>
@@ -17025,20 +17001,6 @@
           <a:p>
             <a:pPr lvl="1"/>
             <a:endParaRPr lang="en-US" dirty="0"/>
-          </a:p>
-          <a:p>
-            <a:r>
-              <a:rPr lang="en-US" dirty="0" smtClean="0"/>
-              <a:t>How do I </a:t>
-            </a:r>
-            <a:r>
-              <a:rPr lang="en-US" dirty="0" err="1" smtClean="0"/>
-              <a:t>entityLoad</a:t>
-            </a:r>
-            <a:r>
-              <a:rPr lang="en-US" dirty="0" smtClean="0"/>
-              <a:t>() and filter on a property when that property is now an object?</a:t>
-            </a:r>
           </a:p>
         </p:txBody>
       </p:sp>
@@ -17863,7 +17825,7 @@
         </p:nvSpPr>
         <p:spPr>
           <a:xfrm>
-            <a:off x="304800" y="2133600"/>
+            <a:off x="304800" y="2590800"/>
             <a:ext cx="8610599" cy="4343400"/>
           </a:xfrm>
         </p:spPr>
@@ -17957,48 +17919,6 @@
               <a:rPr lang="en-US" dirty="0" smtClean="0"/>
               <a:t>=object, top=“3”);</a:t>
             </a:r>
-          </a:p>
-          <a:p>
-            <a:pPr lvl="2"/>
-            <a:endParaRPr lang="en-US" dirty="0" smtClean="0"/>
-          </a:p>
-          <a:p>
-            <a:r>
-              <a:rPr lang="en-US" dirty="0" smtClean="0"/>
-              <a:t>How </a:t>
-            </a:r>
-            <a:r>
-              <a:rPr lang="en-US" dirty="0"/>
-              <a:t>do I </a:t>
-            </a:r>
-            <a:r>
-              <a:rPr lang="en-US" dirty="0" err="1"/>
-              <a:t>entityLoad</a:t>
-            </a:r>
-            <a:r>
-              <a:rPr lang="en-US" dirty="0"/>
-              <a:t>() and filter on a property when that property is now an object</a:t>
-            </a:r>
-            <a:r>
-              <a:rPr lang="en-US" dirty="0" smtClean="0"/>
-              <a:t>?</a:t>
-            </a:r>
-          </a:p>
-          <a:p>
-            <a:pPr lvl="2"/>
-            <a:r>
-              <a:rPr lang="en-US" dirty="0" smtClean="0"/>
-              <a:t>You must pass that </a:t>
-            </a:r>
-            <a:r>
-              <a:rPr lang="en-US" b="1" dirty="0" smtClean="0"/>
-              <a:t>object </a:t>
-            </a:r>
-            <a:r>
-              <a:rPr lang="en-US" dirty="0" smtClean="0"/>
-              <a:t> as the filter criteria</a:t>
-            </a:r>
-            <a:endParaRPr lang="en-US" dirty="0"/>
           </a:p>
           <a:p>
             <a:pPr marL="627063" lvl="2" indent="0">
@@ -18332,7 +18252,7 @@
 </file>
 
 <file path=ppt/slides/slide3.xml><?xml version="1.0" encoding="utf-8"?>
-<p:sld xmlns:a="http://schemas.openxmlformats.org/drawingml/2006/main" xmlns:r="http://schemas.openxmlformats.org/officeDocument/2006/relationships" xmlns:p="http://schemas.openxmlformats.org/presentationml/2006/main">
+<p:sld xmlns:a="http://schemas.openxmlformats.org/drawingml/2006/main" xmlns:r="http://schemas.openxmlformats.org/officeDocument/2006/relationships" xmlns:p="http://schemas.openxmlformats.org/presentationml/2006/main" showMasterSp="0">
   <p:cSld>
     <p:spTree>
       <p:nvGrpSpPr>
@@ -18350,7 +18270,7 @@
       </p:grpSpPr>
       <p:pic>
         <p:nvPicPr>
-          <p:cNvPr id="1026" name="Picture 2" descr="http://farm4.static.flickr.com/3573/3386446442_c90f0feb67_o.jpg"/>
+          <p:cNvPr id="4100" name="Picture 4" descr="http://images.wikia.com/simpsons/images/4/41/Itchy_and_Scratchy_History.gif"/>
           <p:cNvPicPr>
             <a:picLocks noChangeAspect="1" noChangeArrowheads="1"/>
           </p:cNvPicPr>
@@ -18371,8 +18291,8 @@
         </p:blipFill>
         <p:spPr bwMode="auto">
           <a:xfrm>
-            <a:off x="-626533" y="0"/>
-            <a:ext cx="9753600" cy="6858000"/>
+            <a:off x="1333500" y="706789"/>
+            <a:ext cx="5848350" cy="5105401"/>
           </a:xfrm>
           <a:prstGeom prst="rect">
             <a:avLst/>
@@ -18391,21 +18311,198 @@
       </p:pic>
       <p:sp>
         <p:nvSpPr>
-          <p:cNvPr id="4" name="Rectangle 3"/>
+          <p:cNvPr id="4" name="TextBox 3"/>
+          <p:cNvSpPr txBox="1"/>
+          <p:nvPr/>
+        </p:nvSpPr>
+        <p:spPr>
+          <a:xfrm>
+            <a:off x="304088" y="1371600"/>
+            <a:ext cx="2057400" cy="707886"/>
+          </a:xfrm>
+          <a:prstGeom prst="rect">
+            <a:avLst/>
+          </a:prstGeom>
+          <a:noFill/>
+        </p:spPr>
+        <p:txBody>
+          <a:bodyPr wrap="square" rtlCol="0">
+            <a:spAutoFit/>
+          </a:bodyPr>
+          <a:lstStyle/>
+          <a:p>
+            <a:r>
+              <a:rPr lang="en-US" sz="4000" dirty="0">
+                <a:solidFill>
+                  <a:srgbClr val="FF0000"/>
+                </a:solidFill>
+                <a:effectLst>
+                  <a:outerShdw blurRad="50800" dist="50800" dir="3000000" algn="ctr" rotWithShape="0">
+                    <a:schemeClr val="bg1">
+                      <a:lumMod val="50000"/>
+                    </a:schemeClr>
+                  </a:outerShdw>
+                </a:effectLst>
+              </a:rPr>
+              <a:t>ORM</a:t>
+            </a:r>
+          </a:p>
+        </p:txBody>
+      </p:sp>
+      <p:sp>
+        <p:nvSpPr>
+          <p:cNvPr id="13" name="Arc 12"/>
+          <p:cNvSpPr/>
+          <p:nvPr/>
+        </p:nvSpPr>
+        <p:spPr>
+          <a:xfrm rot="4245087">
+            <a:off x="6578165" y="118392"/>
+            <a:ext cx="1502719" cy="3137861"/>
+          </a:xfrm>
+          <a:prstGeom prst="arc">
+            <a:avLst>
+              <a:gd name="adj1" fmla="val 15370964"/>
+              <a:gd name="adj2" fmla="val 0"/>
+            </a:avLst>
+          </a:prstGeom>
+          <a:ln>
+            <a:tailEnd type="triangle" w="lg" len="lg"/>
+          </a:ln>
+        </p:spPr>
+        <p:style>
+          <a:lnRef idx="1">
+            <a:schemeClr val="accent1"/>
+          </a:lnRef>
+          <a:fillRef idx="0">
+            <a:schemeClr val="accent1"/>
+          </a:fillRef>
+          <a:effectRef idx="0">
+            <a:schemeClr val="accent1"/>
+          </a:effectRef>
+          <a:fontRef idx="minor">
+            <a:schemeClr val="tx1"/>
+          </a:fontRef>
+        </p:style>
+        <p:txBody>
+          <a:bodyPr rtlCol="0" anchor="ctr"/>
+          <a:lstStyle/>
+          <a:p>
+            <a:pPr algn="ctr"/>
+            <a:endParaRPr lang="en-US"/>
+          </a:p>
+        </p:txBody>
+      </p:sp>
+      <p:sp>
+        <p:nvSpPr>
+          <p:cNvPr id="5" name="TextBox 4"/>
+          <p:cNvSpPr txBox="1"/>
+          <p:nvPr/>
+        </p:nvSpPr>
+        <p:spPr>
+          <a:xfrm>
+            <a:off x="7620000" y="511314"/>
+            <a:ext cx="914400" cy="707886"/>
+          </a:xfrm>
+          <a:prstGeom prst="rect">
+            <a:avLst/>
+          </a:prstGeom>
+          <a:noFill/>
+        </p:spPr>
+        <p:txBody>
+          <a:bodyPr wrap="square" rtlCol="0">
+            <a:spAutoFit/>
+          </a:bodyPr>
+          <a:lstStyle/>
+          <a:p>
+            <a:r>
+              <a:rPr lang="en-US" sz="4000" dirty="0" smtClean="0">
+                <a:solidFill>
+                  <a:srgbClr val="FF0000"/>
+                </a:solidFill>
+                <a:effectLst>
+                  <a:outerShdw blurRad="50800" dist="50800" dir="3000000" algn="ctr" rotWithShape="0">
+                    <a:schemeClr val="bg1">
+                      <a:lumMod val="50000"/>
+                    </a:schemeClr>
+                  </a:outerShdw>
+                </a:effectLst>
+              </a:rPr>
+              <a:t>ME</a:t>
+            </a:r>
+            <a:endParaRPr lang="en-US" sz="4000" dirty="0">
+              <a:solidFill>
+                <a:srgbClr val="FF0000"/>
+              </a:solidFill>
+              <a:effectLst>
+                <a:outerShdw blurRad="50800" dist="50800" dir="3000000" algn="ctr" rotWithShape="0">
+                  <a:schemeClr val="bg1">
+                    <a:lumMod val="50000"/>
+                  </a:schemeClr>
+                </a:outerShdw>
+              </a:effectLst>
+            </a:endParaRPr>
+          </a:p>
+        </p:txBody>
+      </p:sp>
+      <p:sp>
+        <p:nvSpPr>
+          <p:cNvPr id="11" name="Arc 10"/>
+          <p:cNvSpPr/>
+          <p:nvPr/>
+        </p:nvSpPr>
+        <p:spPr>
+          <a:xfrm rot="21033080" flipH="1">
+            <a:off x="558265" y="1298548"/>
+            <a:ext cx="1888534" cy="1733752"/>
+          </a:xfrm>
+          <a:prstGeom prst="arc">
+            <a:avLst>
+              <a:gd name="adj1" fmla="val 20511254"/>
+              <a:gd name="adj2" fmla="val 6055391"/>
+            </a:avLst>
+          </a:prstGeom>
+          <a:ln>
+            <a:tailEnd type="stealth" w="lg" len="lg"/>
+          </a:ln>
+        </p:spPr>
+        <p:style>
+          <a:lnRef idx="1">
+            <a:schemeClr val="accent1"/>
+          </a:lnRef>
+          <a:fillRef idx="0">
+            <a:schemeClr val="accent1"/>
+          </a:fillRef>
+          <a:effectRef idx="0">
+            <a:schemeClr val="accent1"/>
+          </a:effectRef>
+          <a:fontRef idx="minor">
+            <a:schemeClr val="tx1"/>
+          </a:fontRef>
+        </p:style>
+        <p:txBody>
+          <a:bodyPr rtlCol="0" anchor="ctr"/>
+          <a:lstStyle/>
+          <a:p>
+            <a:pPr algn="ctr"/>
+            <a:endParaRPr lang="en-US"/>
+          </a:p>
+        </p:txBody>
+      </p:sp>
+      <p:sp>
+        <p:nvSpPr>
+          <p:cNvPr id="12" name="Rectangle 11"/>
           <p:cNvSpPr/>
           <p:nvPr/>
         </p:nvSpPr>
         <p:spPr>
           <a:xfrm>
-            <a:off x="2743200" y="6260068"/>
-            <a:ext cx="6629400" cy="369332"/>
+            <a:off x="4078612" y="6474023"/>
+            <a:ext cx="4912988" cy="307777"/>
           </a:xfrm>
           <a:prstGeom prst="rect">
             <a:avLst/>
           </a:prstGeom>
-          <a:solidFill>
-            <a:schemeClr val="bg1"/>
-          </a:solidFill>
         </p:spPr>
         <p:txBody>
           <a:bodyPr wrap="square">
@@ -18414,23 +18511,17 @@
           <a:lstStyle/>
           <a:p>
             <a:r>
-              <a:rPr lang="en-US" dirty="0" smtClean="0"/>
-              <a:t>http://www.flickr.com/photos/50235987@N00/338644644</a:t>
-            </a:r>
-            <a:r>
-              <a:rPr lang="en-US" dirty="0" smtClean="0">
-                <a:hlinkClick r:id="rId3"/>
-              </a:rPr>
-              <a:t>2</a:t>
-            </a:r>
-            <a:endParaRPr lang="en-US" dirty="0"/>
+              <a:rPr lang="en-US" sz="1400" dirty="0" smtClean="0"/>
+              <a:t>http://simpsons.wikia.com/wiki/The_Itchy_%26_Scratchy_Show</a:t>
+            </a:r>
+            <a:endParaRPr lang="en-US" sz="1400" dirty="0"/>
           </a:p>
         </p:txBody>
       </p:sp>
     </p:spTree>
     <p:extLst>
       <p:ext uri="{BB962C8B-B14F-4D97-AF65-F5344CB8AC3E}">
-        <p14:creationId xmlns:p14="http://schemas.microsoft.com/office/powerpoint/2010/main" val="1061030820"/>
+        <p14:creationId xmlns:p14="http://schemas.microsoft.com/office/powerpoint/2010/main" val="498393812"/>
       </p:ext>
     </p:extLst>
   </p:cSld>
@@ -19607,11 +19698,7 @@
             </a:pPr>
             <a:r>
               <a:rPr lang="en-US" dirty="0" smtClean="0"/>
-              <a:t>One-to-Many</a:t>
-            </a:r>
-            <a:r>
-              <a:rPr lang="en-US" dirty="0" smtClean="0"/>
-              <a:t>: Adding to Collections</a:t>
+              <a:t>One-to-Many: Adding to Collections</a:t>
             </a:r>
           </a:p>
           <a:p>
@@ -19621,11 +19708,7 @@
             </a:pPr>
             <a:r>
               <a:rPr lang="en-US" dirty="0" smtClean="0"/>
-              <a:t>One-to-Many</a:t>
-            </a:r>
-            <a:r>
-              <a:rPr lang="en-US" dirty="0" smtClean="0"/>
-              <a:t>: Deleting from Collections</a:t>
+              <a:t>One-to-Many: Deleting from Collections</a:t>
             </a:r>
           </a:p>
           <a:p>
@@ -19748,11 +19831,7 @@
           <a:p>
             <a:r>
               <a:rPr lang="en-US" dirty="0" smtClean="0"/>
-              <a:t>When </a:t>
-            </a:r>
-            <a:r>
-              <a:rPr lang="en-US" dirty="0" smtClean="0"/>
-              <a:t>I call object1.addObject2( object2 ), I see a SELECT, then an INSERT, then an UPDATE</a:t>
+              <a:t>When I call object1.addObject2( object2 ), I see a SELECT, then an INSERT, then an UPDATE</a:t>
             </a:r>
           </a:p>
           <a:p>
@@ -20434,11 +20513,7 @@
             </a:pPr>
             <a:r>
               <a:rPr lang="en-US" b="1" dirty="0" smtClean="0"/>
-              <a:t>One-to-Many</a:t>
-            </a:r>
-            <a:r>
-              <a:rPr lang="en-US" b="1" dirty="0" smtClean="0"/>
-              <a:t>: Adding to Collections</a:t>
+              <a:t>One-to-Many: Adding to Collections</a:t>
             </a:r>
           </a:p>
           <a:p>
@@ -20448,11 +20523,7 @@
             </a:pPr>
             <a:r>
               <a:rPr lang="en-US" dirty="0" smtClean="0"/>
-              <a:t>One-to-Many</a:t>
-            </a:r>
-            <a:r>
-              <a:rPr lang="en-US" dirty="0" smtClean="0"/>
-              <a:t>: Deleting from Collections</a:t>
+              <a:t>One-to-Many: Deleting from Collections</a:t>
             </a:r>
           </a:p>
           <a:p>
@@ -20512,6 +20583,1328 @@
 </file>
 
 <file path=ppt/slides/slide4.xml><?xml version="1.0" encoding="utf-8"?>
+<p:sld xmlns:a="http://schemas.openxmlformats.org/drawingml/2006/main" xmlns:r="http://schemas.openxmlformats.org/officeDocument/2006/relationships" xmlns:p="http://schemas.openxmlformats.org/presentationml/2006/main">
+  <p:cSld>
+    <p:spTree>
+      <p:nvGrpSpPr>
+        <p:cNvPr id="1" name=""/>
+        <p:cNvGrpSpPr/>
+        <p:nvPr/>
+      </p:nvGrpSpPr>
+      <p:grpSpPr>
+        <a:xfrm>
+          <a:off x="0" y="0"/>
+          <a:ext cx="0" cy="0"/>
+          <a:chOff x="0" y="0"/>
+          <a:chExt cx="0" cy="0"/>
+        </a:xfrm>
+      </p:grpSpPr>
+      <p:pic>
+        <p:nvPicPr>
+          <p:cNvPr id="1026" name="Picture 2" descr="http://farm4.static.flickr.com/3573/3386446442_c90f0feb67_o.jpg"/>
+          <p:cNvPicPr>
+            <a:picLocks noChangeAspect="1" noChangeArrowheads="1"/>
+          </p:cNvPicPr>
+          <p:nvPr/>
+        </p:nvPicPr>
+        <p:blipFill>
+          <a:blip r:embed="rId2">
+            <a:extLst>
+              <a:ext uri="{28A0092B-C50C-407E-A947-70E740481C1C}">
+                <a14:useLocalDpi xmlns:a14="http://schemas.microsoft.com/office/drawing/2010/main" val="0"/>
+              </a:ext>
+            </a:extLst>
+          </a:blip>
+          <a:srcRect/>
+          <a:stretch>
+            <a:fillRect/>
+          </a:stretch>
+        </p:blipFill>
+        <p:spPr bwMode="auto">
+          <a:xfrm>
+            <a:off x="-626533" y="0"/>
+            <a:ext cx="9753600" cy="6858000"/>
+          </a:xfrm>
+          <a:prstGeom prst="rect">
+            <a:avLst/>
+          </a:prstGeom>
+          <a:noFill/>
+          <a:extLst>
+            <a:ext uri="{909E8E84-426E-40DD-AFC4-6F175D3DCCD1}">
+              <a14:hiddenFill xmlns:a14="http://schemas.microsoft.com/office/drawing/2010/main">
+                <a:solidFill>
+                  <a:srgbClr val="FFFFFF"/>
+                </a:solidFill>
+              </a14:hiddenFill>
+            </a:ext>
+          </a:extLst>
+        </p:spPr>
+      </p:pic>
+      <p:sp>
+        <p:nvSpPr>
+          <p:cNvPr id="4" name="Rectangle 3"/>
+          <p:cNvSpPr/>
+          <p:nvPr/>
+        </p:nvSpPr>
+        <p:spPr>
+          <a:xfrm>
+            <a:off x="2743200" y="6260068"/>
+            <a:ext cx="6629400" cy="369332"/>
+          </a:xfrm>
+          <a:prstGeom prst="rect">
+            <a:avLst/>
+          </a:prstGeom>
+          <a:solidFill>
+            <a:schemeClr val="bg1"/>
+          </a:solidFill>
+        </p:spPr>
+        <p:txBody>
+          <a:bodyPr wrap="square">
+            <a:spAutoFit/>
+          </a:bodyPr>
+          <a:lstStyle/>
+          <a:p>
+            <a:r>
+              <a:rPr lang="en-US" dirty="0" smtClean="0"/>
+              <a:t>http://www.flickr.com/photos/50235987@N00/338644644</a:t>
+            </a:r>
+            <a:r>
+              <a:rPr lang="en-US" dirty="0" smtClean="0">
+                <a:hlinkClick r:id="rId3"/>
+              </a:rPr>
+              <a:t>2</a:t>
+            </a:r>
+            <a:endParaRPr lang="en-US" dirty="0"/>
+          </a:p>
+        </p:txBody>
+      </p:sp>
+    </p:spTree>
+    <p:extLst>
+      <p:ext uri="{BB962C8B-B14F-4D97-AF65-F5344CB8AC3E}">
+        <p14:creationId xmlns:p14="http://schemas.microsoft.com/office/powerpoint/2010/main" val="1061030820"/>
+      </p:ext>
+    </p:extLst>
+  </p:cSld>
+  <p:clrMapOvr>
+    <a:masterClrMapping/>
+  </p:clrMapOvr>
+  <p:timing>
+    <p:tnLst>
+      <p:par>
+        <p:cTn id="1" dur="indefinite" restart="never" nodeType="tmRoot"/>
+      </p:par>
+    </p:tnLst>
+  </p:timing>
+</p:sld>
+</file>
+
+<file path=ppt/slides/slide40.xml><?xml version="1.0" encoding="utf-8"?>
+<p:sld xmlns:a="http://schemas.openxmlformats.org/drawingml/2006/main" xmlns:r="http://schemas.openxmlformats.org/officeDocument/2006/relationships" xmlns:p="http://schemas.openxmlformats.org/presentationml/2006/main">
+  <p:cSld>
+    <p:spTree>
+      <p:nvGrpSpPr>
+        <p:cNvPr id="1" name=""/>
+        <p:cNvGrpSpPr/>
+        <p:nvPr/>
+      </p:nvGrpSpPr>
+      <p:grpSpPr>
+        <a:xfrm>
+          <a:off x="0" y="0"/>
+          <a:ext cx="0" cy="0"/>
+          <a:chOff x="0" y="0"/>
+          <a:chExt cx="0" cy="0"/>
+        </a:xfrm>
+      </p:grpSpPr>
+      <p:sp>
+        <p:nvSpPr>
+          <p:cNvPr id="2" name="Content Placeholder 1"/>
+          <p:cNvSpPr>
+            <a:spLocks noGrp="1"/>
+          </p:cNvSpPr>
+          <p:nvPr>
+            <p:ph idx="1"/>
+          </p:nvPr>
+        </p:nvSpPr>
+        <p:spPr>
+          <a:xfrm>
+            <a:off x="380999" y="2789237"/>
+            <a:ext cx="8534401" cy="3763963"/>
+          </a:xfrm>
+        </p:spPr>
+        <p:txBody>
+          <a:bodyPr/>
+          <a:lstStyle/>
+          <a:p>
+            <a:endParaRPr lang="en-US" dirty="0" smtClean="0"/>
+          </a:p>
+          <a:p>
+            <a:r>
+              <a:rPr lang="en-US" dirty="0" smtClean="0"/>
+              <a:t>When I add a </a:t>
+            </a:r>
+            <a:r>
+              <a:rPr lang="en-US" b="1" dirty="0" smtClean="0"/>
+              <a:t>new</a:t>
+            </a:r>
+            <a:r>
+              <a:rPr lang="en-US" dirty="0" smtClean="0"/>
+              <a:t> object to a one-to-many collection, </a:t>
+            </a:r>
+          </a:p>
+          <a:p>
+            <a:pPr marL="301943" lvl="1" indent="0">
+              <a:buNone/>
+            </a:pPr>
+            <a:r>
+              <a:rPr lang="en-US" dirty="0"/>
+              <a:t>	</a:t>
+            </a:r>
+            <a:r>
+              <a:rPr lang="en-US" dirty="0" smtClean="0"/>
+              <a:t>		</a:t>
+            </a:r>
+          </a:p>
+          <a:p>
+            <a:pPr marL="301943" lvl="1" indent="0">
+              <a:buNone/>
+            </a:pPr>
+            <a:r>
+              <a:rPr lang="en-US" dirty="0"/>
+              <a:t>	</a:t>
+            </a:r>
+            <a:r>
+              <a:rPr lang="en-US" dirty="0" smtClean="0"/>
+              <a:t>			it </a:t>
+            </a:r>
+            <a:r>
+              <a:rPr lang="en-US" dirty="0" smtClean="0">
+                <a:solidFill>
+                  <a:srgbClr val="FF0000"/>
+                </a:solidFill>
+              </a:rPr>
+              <a:t>won’t save</a:t>
+            </a:r>
+            <a:endParaRPr lang="en-US" dirty="0" smtClean="0"/>
+          </a:p>
+        </p:txBody>
+      </p:sp>
+      <p:sp>
+        <p:nvSpPr>
+          <p:cNvPr id="3" name="Title 2"/>
+          <p:cNvSpPr>
+            <a:spLocks noGrp="1"/>
+          </p:cNvSpPr>
+          <p:nvPr>
+            <p:ph type="title"/>
+          </p:nvPr>
+        </p:nvSpPr>
+        <p:spPr/>
+        <p:txBody>
+          <a:bodyPr/>
+          <a:lstStyle/>
+          <a:p>
+            <a:r>
+              <a:rPr lang="en-US" dirty="0" smtClean="0"/>
+              <a:t>Suffering</a:t>
+            </a:r>
+            <a:endParaRPr lang="en-US" dirty="0"/>
+          </a:p>
+        </p:txBody>
+      </p:sp>
+    </p:spTree>
+    <p:extLst>
+      <p:ext uri="{BB962C8B-B14F-4D97-AF65-F5344CB8AC3E}">
+        <p14:creationId xmlns:p14="http://schemas.microsoft.com/office/powerpoint/2010/main" val="2232397815"/>
+      </p:ext>
+    </p:extLst>
+  </p:cSld>
+  <p:clrMapOvr>
+    <a:masterClrMapping/>
+  </p:clrMapOvr>
+  <p:timing>
+    <p:tnLst>
+      <p:par>
+        <p:cTn id="1" dur="indefinite" restart="never" nodeType="tmRoot"/>
+      </p:par>
+    </p:tnLst>
+  </p:timing>
+</p:sld>
+</file>
+
+<file path=ppt/slides/slide41.xml><?xml version="1.0" encoding="utf-8"?>
+<p:sld xmlns:a="http://schemas.openxmlformats.org/drawingml/2006/main" xmlns:r="http://schemas.openxmlformats.org/officeDocument/2006/relationships" xmlns:p="http://schemas.openxmlformats.org/presentationml/2006/main">
+  <p:cSld>
+    <p:spTree>
+      <p:nvGrpSpPr>
+        <p:cNvPr id="1" name=""/>
+        <p:cNvGrpSpPr/>
+        <p:nvPr/>
+      </p:nvGrpSpPr>
+      <p:grpSpPr>
+        <a:xfrm>
+          <a:off x="0" y="0"/>
+          <a:ext cx="0" cy="0"/>
+          <a:chOff x="0" y="0"/>
+          <a:chExt cx="0" cy="0"/>
+        </a:xfrm>
+      </p:grpSpPr>
+      <p:sp>
+        <p:nvSpPr>
+          <p:cNvPr id="2" name="Content Placeholder 1"/>
+          <p:cNvSpPr>
+            <a:spLocks noGrp="1"/>
+          </p:cNvSpPr>
+          <p:nvPr>
+            <p:ph idx="1"/>
+          </p:nvPr>
+        </p:nvSpPr>
+        <p:spPr/>
+        <p:txBody>
+          <a:bodyPr/>
+          <a:lstStyle/>
+          <a:p>
+            <a:r>
+              <a:rPr lang="en-US" dirty="0" smtClean="0"/>
+              <a:t>Demo one-to-many saves with and without cascade</a:t>
+            </a:r>
+            <a:endParaRPr lang="en-US" dirty="0"/>
+          </a:p>
+        </p:txBody>
+      </p:sp>
+      <p:sp>
+        <p:nvSpPr>
+          <p:cNvPr id="3" name="Title 2"/>
+          <p:cNvSpPr>
+            <a:spLocks noGrp="1"/>
+          </p:cNvSpPr>
+          <p:nvPr>
+            <p:ph type="title"/>
+          </p:nvPr>
+        </p:nvSpPr>
+        <p:spPr/>
+        <p:txBody>
+          <a:bodyPr/>
+          <a:lstStyle/>
+          <a:p>
+            <a:r>
+              <a:rPr lang="en-US" dirty="0" smtClean="0"/>
+              <a:t>Demo: Whither cascade?</a:t>
+            </a:r>
+            <a:endParaRPr lang="en-US" dirty="0"/>
+          </a:p>
+        </p:txBody>
+      </p:sp>
+    </p:spTree>
+    <p:extLst>
+      <p:ext uri="{BB962C8B-B14F-4D97-AF65-F5344CB8AC3E}">
+        <p14:creationId xmlns:p14="http://schemas.microsoft.com/office/powerpoint/2010/main" val="3054947874"/>
+      </p:ext>
+    </p:extLst>
+  </p:cSld>
+  <p:clrMapOvr>
+    <a:masterClrMapping/>
+  </p:clrMapOvr>
+  <p:timing>
+    <p:tnLst>
+      <p:par>
+        <p:cTn id="1" dur="indefinite" restart="never" nodeType="tmRoot"/>
+      </p:par>
+    </p:tnLst>
+  </p:timing>
+</p:sld>
+</file>
+
+<file path=ppt/slides/slide42.xml><?xml version="1.0" encoding="utf-8"?>
+<p:sld xmlns:a="http://schemas.openxmlformats.org/drawingml/2006/main" xmlns:r="http://schemas.openxmlformats.org/officeDocument/2006/relationships" xmlns:p="http://schemas.openxmlformats.org/presentationml/2006/main">
+  <p:cSld>
+    <p:spTree>
+      <p:nvGrpSpPr>
+        <p:cNvPr id="1" name=""/>
+        <p:cNvGrpSpPr/>
+        <p:nvPr/>
+      </p:nvGrpSpPr>
+      <p:grpSpPr>
+        <a:xfrm>
+          <a:off x="0" y="0"/>
+          <a:ext cx="0" cy="0"/>
+          <a:chOff x="0" y="0"/>
+          <a:chExt cx="0" cy="0"/>
+        </a:xfrm>
+      </p:grpSpPr>
+      <p:sp>
+        <p:nvSpPr>
+          <p:cNvPr id="2" name="Content Placeholder 1"/>
+          <p:cNvSpPr>
+            <a:spLocks noGrp="1"/>
+          </p:cNvSpPr>
+          <p:nvPr>
+            <p:ph idx="1"/>
+          </p:nvPr>
+        </p:nvSpPr>
+        <p:spPr>
+          <a:xfrm>
+            <a:off x="380999" y="2560637"/>
+            <a:ext cx="8534401" cy="3763963"/>
+          </a:xfrm>
+        </p:spPr>
+        <p:txBody>
+          <a:bodyPr>
+            <a:normAutofit/>
+          </a:bodyPr>
+          <a:lstStyle/>
+          <a:p>
+            <a:endParaRPr lang="en-US" dirty="0" smtClean="0"/>
+          </a:p>
+          <a:p>
+            <a:r>
+              <a:rPr lang="en-US" dirty="0" smtClean="0"/>
+              <a:t>When I add an object to a one-to-many collection, it won’t save the relationship</a:t>
+            </a:r>
+          </a:p>
+          <a:p>
+            <a:endParaRPr lang="en-US" dirty="0" smtClean="0"/>
+          </a:p>
+          <a:p>
+            <a:pPr lvl="1"/>
+            <a:r>
+              <a:rPr lang="en-US" b="1" dirty="0" smtClean="0"/>
+              <a:t>Need cascade=“all” on the one-to-many property</a:t>
+            </a:r>
+          </a:p>
+          <a:p>
+            <a:pPr lvl="1"/>
+            <a:endParaRPr lang="en-US" dirty="0" smtClean="0"/>
+          </a:p>
+        </p:txBody>
+      </p:sp>
+      <p:sp>
+        <p:nvSpPr>
+          <p:cNvPr id="3" name="Title 2"/>
+          <p:cNvSpPr>
+            <a:spLocks noGrp="1"/>
+          </p:cNvSpPr>
+          <p:nvPr>
+            <p:ph type="title"/>
+          </p:nvPr>
+        </p:nvSpPr>
+        <p:spPr/>
+        <p:txBody>
+          <a:bodyPr>
+            <a:normAutofit/>
+          </a:bodyPr>
+          <a:lstStyle/>
+          <a:p>
+            <a:r>
+              <a:rPr lang="en-US" dirty="0" smtClean="0"/>
+              <a:t>Enlightenment: Cascade</a:t>
+            </a:r>
+            <a:endParaRPr lang="en-US" dirty="0"/>
+          </a:p>
+        </p:txBody>
+      </p:sp>
+    </p:spTree>
+    <p:extLst>
+      <p:ext uri="{BB962C8B-B14F-4D97-AF65-F5344CB8AC3E}">
+        <p14:creationId xmlns:p14="http://schemas.microsoft.com/office/powerpoint/2010/main" val="2428288870"/>
+      </p:ext>
+    </p:extLst>
+  </p:cSld>
+  <p:clrMapOvr>
+    <a:masterClrMapping/>
+  </p:clrMapOvr>
+  <p:timing>
+    <p:tnLst>
+      <p:par>
+        <p:cTn id="1" dur="indefinite" restart="never" nodeType="tmRoot"/>
+      </p:par>
+    </p:tnLst>
+  </p:timing>
+</p:sld>
+</file>
+
+<file path=ppt/slides/slide43.xml><?xml version="1.0" encoding="utf-8"?>
+<p:sld xmlns:a="http://schemas.openxmlformats.org/drawingml/2006/main" xmlns:r="http://schemas.openxmlformats.org/officeDocument/2006/relationships" xmlns:p="http://schemas.openxmlformats.org/presentationml/2006/main">
+  <p:cSld>
+    <p:spTree>
+      <p:nvGrpSpPr>
+        <p:cNvPr id="1" name=""/>
+        <p:cNvGrpSpPr/>
+        <p:nvPr/>
+      </p:nvGrpSpPr>
+      <p:grpSpPr>
+        <a:xfrm>
+          <a:off x="0" y="0"/>
+          <a:ext cx="0" cy="0"/>
+          <a:chOff x="0" y="0"/>
+          <a:chExt cx="0" cy="0"/>
+        </a:xfrm>
+      </p:grpSpPr>
+      <p:sp>
+        <p:nvSpPr>
+          <p:cNvPr id="2" name="Content Placeholder 1"/>
+          <p:cNvSpPr>
+            <a:spLocks noGrp="1"/>
+          </p:cNvSpPr>
+          <p:nvPr>
+            <p:ph idx="1"/>
+          </p:nvPr>
+        </p:nvSpPr>
+        <p:spPr/>
+        <p:txBody>
+          <a:bodyPr/>
+          <a:lstStyle/>
+          <a:p>
+            <a:pPr marL="457200" indent="-457200">
+              <a:buFont typeface="+mj-lt"/>
+              <a:buAutoNum type="arabicPeriod"/>
+            </a:pPr>
+            <a:r>
+              <a:rPr lang="en-US" dirty="0" smtClean="0"/>
+              <a:t> ORM Settings -- Control the Session Flush</a:t>
+            </a:r>
+          </a:p>
+          <a:p>
+            <a:pPr marL="457200" indent="-457200">
+              <a:buFont typeface="+mj-lt"/>
+              <a:buAutoNum type="arabicPeriod"/>
+            </a:pPr>
+            <a:r>
+              <a:rPr lang="en-US" dirty="0" smtClean="0"/>
+              <a:t>Many-to-One Relationships</a:t>
+            </a:r>
+          </a:p>
+          <a:p>
+            <a:pPr marL="457200" indent="-457200">
+              <a:buFont typeface="+mj-lt"/>
+              <a:buAutoNum type="arabicPeriod"/>
+            </a:pPr>
+            <a:r>
+              <a:rPr lang="en-US" dirty="0" smtClean="0"/>
+              <a:t>One-to-Many Relationships</a:t>
+            </a:r>
+          </a:p>
+          <a:p>
+            <a:pPr marL="457200" indent="-457200">
+              <a:buFont typeface="+mj-lt"/>
+              <a:buAutoNum type="arabicPeriod"/>
+            </a:pPr>
+            <a:r>
+              <a:rPr lang="en-US" dirty="0"/>
+              <a:t>One-to-Many: inverse and “relationship owner”</a:t>
+            </a:r>
+          </a:p>
+          <a:p>
+            <a:pPr marL="457200" indent="-457200">
+              <a:buFont typeface="+mj-lt"/>
+              <a:buAutoNum type="arabicPeriod"/>
+            </a:pPr>
+            <a:r>
+              <a:rPr lang="en-US" dirty="0" smtClean="0"/>
+              <a:t>One-to-Many: Adding to Collections</a:t>
+            </a:r>
+          </a:p>
+          <a:p>
+            <a:pPr marL="457200" indent="-457200">
+              <a:buFont typeface="+mj-lt"/>
+              <a:buAutoNum type="arabicPeriod"/>
+            </a:pPr>
+            <a:r>
+              <a:rPr lang="en-US" b="1" dirty="0" smtClean="0"/>
+              <a:t>One-to-Many: Deleting from Collections</a:t>
+            </a:r>
+          </a:p>
+          <a:p>
+            <a:pPr marL="457200" indent="-457200">
+              <a:buFont typeface="+mj-lt"/>
+              <a:buAutoNum type="arabicPeriod"/>
+            </a:pPr>
+            <a:r>
+              <a:rPr lang="en-US" dirty="0" smtClean="0"/>
+              <a:t>Hibernate Session and the ColdFusion Session scope</a:t>
+            </a:r>
+            <a:endParaRPr lang="en-US" dirty="0"/>
+          </a:p>
+        </p:txBody>
+      </p:sp>
+      <p:sp>
+        <p:nvSpPr>
+          <p:cNvPr id="3" name="Title 2"/>
+          <p:cNvSpPr>
+            <a:spLocks noGrp="1"/>
+          </p:cNvSpPr>
+          <p:nvPr>
+            <p:ph type="title"/>
+          </p:nvPr>
+        </p:nvSpPr>
+        <p:spPr/>
+        <p:txBody>
+          <a:bodyPr/>
+          <a:lstStyle/>
+          <a:p>
+            <a:r>
+              <a:rPr lang="en-US" dirty="0" smtClean="0"/>
+              <a:t>Agenda</a:t>
+            </a:r>
+            <a:endParaRPr lang="en-US" dirty="0"/>
+          </a:p>
+        </p:txBody>
+      </p:sp>
+    </p:spTree>
+    <p:extLst>
+      <p:ext uri="{BB962C8B-B14F-4D97-AF65-F5344CB8AC3E}">
+        <p14:creationId xmlns:p14="http://schemas.microsoft.com/office/powerpoint/2010/main" val="2678648052"/>
+      </p:ext>
+    </p:extLst>
+  </p:cSld>
+  <p:clrMapOvr>
+    <a:masterClrMapping/>
+  </p:clrMapOvr>
+  <p:timing>
+    <p:tnLst>
+      <p:par>
+        <p:cTn id="1" dur="indefinite" restart="never" nodeType="tmRoot"/>
+      </p:par>
+    </p:tnLst>
+  </p:timing>
+</p:sld>
+</file>
+
+<file path=ppt/slides/slide44.xml><?xml version="1.0" encoding="utf-8"?>
+<p:sld xmlns:a="http://schemas.openxmlformats.org/drawingml/2006/main" xmlns:r="http://schemas.openxmlformats.org/officeDocument/2006/relationships" xmlns:p="http://schemas.openxmlformats.org/presentationml/2006/main">
+  <p:cSld>
+    <p:spTree>
+      <p:nvGrpSpPr>
+        <p:cNvPr id="1" name=""/>
+        <p:cNvGrpSpPr/>
+        <p:nvPr/>
+      </p:nvGrpSpPr>
+      <p:grpSpPr>
+        <a:xfrm>
+          <a:off x="0" y="0"/>
+          <a:ext cx="0" cy="0"/>
+          <a:chOff x="0" y="0"/>
+          <a:chExt cx="0" cy="0"/>
+        </a:xfrm>
+      </p:grpSpPr>
+      <p:sp>
+        <p:nvSpPr>
+          <p:cNvPr id="2" name="Content Placeholder 1"/>
+          <p:cNvSpPr>
+            <a:spLocks noGrp="1"/>
+          </p:cNvSpPr>
+          <p:nvPr>
+            <p:ph idx="1"/>
+          </p:nvPr>
+        </p:nvSpPr>
+        <p:spPr>
+          <a:xfrm>
+            <a:off x="380999" y="2362200"/>
+            <a:ext cx="8534401" cy="3763963"/>
+          </a:xfrm>
+        </p:spPr>
+        <p:txBody>
+          <a:bodyPr/>
+          <a:lstStyle/>
+          <a:p>
+            <a:endParaRPr lang="en-US" dirty="0" smtClean="0"/>
+          </a:p>
+          <a:p>
+            <a:r>
+              <a:rPr lang="en-US" dirty="0"/>
+              <a:t>When I delete an object from a one-to-many collection, I get “null” errors</a:t>
+            </a:r>
+          </a:p>
+          <a:p>
+            <a:endParaRPr lang="en-US" dirty="0" smtClean="0"/>
+          </a:p>
+          <a:p>
+            <a:r>
+              <a:rPr lang="en-US" dirty="0" smtClean="0"/>
+              <a:t>If I loop over a collection and try to remove elements from that collection, I get “</a:t>
+            </a:r>
+            <a:r>
+              <a:rPr lang="en-US" dirty="0" err="1" smtClean="0"/>
+              <a:t>ConcurrentModificationException</a:t>
+            </a:r>
+            <a:r>
+              <a:rPr lang="en-US" dirty="0" smtClean="0"/>
+              <a:t>”</a:t>
+            </a:r>
+            <a:endParaRPr lang="en-US" dirty="0"/>
+          </a:p>
+        </p:txBody>
+      </p:sp>
+      <p:sp>
+        <p:nvSpPr>
+          <p:cNvPr id="3" name="Title 2"/>
+          <p:cNvSpPr>
+            <a:spLocks noGrp="1"/>
+          </p:cNvSpPr>
+          <p:nvPr>
+            <p:ph type="title"/>
+          </p:nvPr>
+        </p:nvSpPr>
+        <p:spPr/>
+        <p:txBody>
+          <a:bodyPr/>
+          <a:lstStyle/>
+          <a:p>
+            <a:r>
+              <a:rPr lang="en-US" dirty="0" smtClean="0"/>
+              <a:t>Suffering</a:t>
+            </a:r>
+            <a:endParaRPr lang="en-US" dirty="0"/>
+          </a:p>
+        </p:txBody>
+      </p:sp>
+    </p:spTree>
+    <p:extLst>
+      <p:ext uri="{BB962C8B-B14F-4D97-AF65-F5344CB8AC3E}">
+        <p14:creationId xmlns:p14="http://schemas.microsoft.com/office/powerpoint/2010/main" val="510698777"/>
+      </p:ext>
+    </p:extLst>
+  </p:cSld>
+  <p:clrMapOvr>
+    <a:masterClrMapping/>
+  </p:clrMapOvr>
+  <p:timing>
+    <p:tnLst>
+      <p:par>
+        <p:cTn id="1" dur="indefinite" restart="never" nodeType="tmRoot"/>
+      </p:par>
+    </p:tnLst>
+  </p:timing>
+</p:sld>
+</file>
+
+<file path=ppt/slides/slide45.xml><?xml version="1.0" encoding="utf-8"?>
+<p:sld xmlns:a="http://schemas.openxmlformats.org/drawingml/2006/main" xmlns:r="http://schemas.openxmlformats.org/officeDocument/2006/relationships" xmlns:p="http://schemas.openxmlformats.org/presentationml/2006/main">
+  <p:cSld>
+    <p:spTree>
+      <p:nvGrpSpPr>
+        <p:cNvPr id="1" name=""/>
+        <p:cNvGrpSpPr/>
+        <p:nvPr/>
+      </p:nvGrpSpPr>
+      <p:grpSpPr>
+        <a:xfrm>
+          <a:off x="0" y="0"/>
+          <a:ext cx="0" cy="0"/>
+          <a:chOff x="0" y="0"/>
+          <a:chExt cx="0" cy="0"/>
+        </a:xfrm>
+      </p:grpSpPr>
+      <p:sp>
+        <p:nvSpPr>
+          <p:cNvPr id="2" name="Content Placeholder 1"/>
+          <p:cNvSpPr>
+            <a:spLocks noGrp="1"/>
+          </p:cNvSpPr>
+          <p:nvPr>
+            <p:ph idx="1"/>
+          </p:nvPr>
+        </p:nvSpPr>
+        <p:spPr/>
+        <p:txBody>
+          <a:bodyPr/>
+          <a:lstStyle/>
+          <a:p>
+            <a:pPr marL="0" indent="0" algn="ctr">
+              <a:buNone/>
+            </a:pPr>
+            <a:r>
+              <a:rPr lang="en-US" b="1" dirty="0" smtClean="0"/>
+              <a:t>1 is an ORM error</a:t>
+            </a:r>
+          </a:p>
+          <a:p>
+            <a:pPr marL="0" indent="0" algn="ctr">
+              <a:buNone/>
+            </a:pPr>
+            <a:endParaRPr lang="en-US" b="1" dirty="0"/>
+          </a:p>
+          <a:p>
+            <a:pPr marL="0" indent="0" algn="ctr">
+              <a:buNone/>
+            </a:pPr>
+            <a:r>
+              <a:rPr lang="en-US" b="1" dirty="0" smtClean="0"/>
+              <a:t>1 is not</a:t>
+            </a:r>
+            <a:endParaRPr lang="en-US" b="1" dirty="0"/>
+          </a:p>
+        </p:txBody>
+      </p:sp>
+      <p:sp>
+        <p:nvSpPr>
+          <p:cNvPr id="3" name="Title 2"/>
+          <p:cNvSpPr>
+            <a:spLocks noGrp="1"/>
+          </p:cNvSpPr>
+          <p:nvPr>
+            <p:ph type="title"/>
+          </p:nvPr>
+        </p:nvSpPr>
+        <p:spPr/>
+        <p:txBody>
+          <a:bodyPr/>
+          <a:lstStyle/>
+          <a:p>
+            <a:r>
+              <a:rPr lang="en-US" dirty="0" smtClean="0"/>
+              <a:t>Demo: Deleting from a Collection</a:t>
+            </a:r>
+            <a:endParaRPr lang="en-US" dirty="0"/>
+          </a:p>
+        </p:txBody>
+      </p:sp>
+    </p:spTree>
+    <p:extLst>
+      <p:ext uri="{BB962C8B-B14F-4D97-AF65-F5344CB8AC3E}">
+        <p14:creationId xmlns:p14="http://schemas.microsoft.com/office/powerpoint/2010/main" val="4229353401"/>
+      </p:ext>
+    </p:extLst>
+  </p:cSld>
+  <p:clrMapOvr>
+    <a:masterClrMapping/>
+  </p:clrMapOvr>
+  <p:timing>
+    <p:tnLst>
+      <p:par>
+        <p:cTn id="1" dur="indefinite" restart="never" nodeType="tmRoot"/>
+      </p:par>
+    </p:tnLst>
+  </p:timing>
+</p:sld>
+</file>
+
+<file path=ppt/slides/slide46.xml><?xml version="1.0" encoding="utf-8"?>
+<p:sld xmlns:a="http://schemas.openxmlformats.org/drawingml/2006/main" xmlns:r="http://schemas.openxmlformats.org/officeDocument/2006/relationships" xmlns:p="http://schemas.openxmlformats.org/presentationml/2006/main">
+  <p:cSld>
+    <p:spTree>
+      <p:nvGrpSpPr>
+        <p:cNvPr id="1" name=""/>
+        <p:cNvGrpSpPr/>
+        <p:nvPr/>
+      </p:nvGrpSpPr>
+      <p:grpSpPr>
+        <a:xfrm>
+          <a:off x="0" y="0"/>
+          <a:ext cx="0" cy="0"/>
+          <a:chOff x="0" y="0"/>
+          <a:chExt cx="0" cy="0"/>
+        </a:xfrm>
+      </p:grpSpPr>
+      <p:sp>
+        <p:nvSpPr>
+          <p:cNvPr id="2" name="Content Placeholder 1"/>
+          <p:cNvSpPr>
+            <a:spLocks noGrp="1"/>
+          </p:cNvSpPr>
+          <p:nvPr>
+            <p:ph idx="1"/>
+          </p:nvPr>
+        </p:nvSpPr>
+        <p:spPr/>
+        <p:txBody>
+          <a:bodyPr>
+            <a:normAutofit/>
+          </a:bodyPr>
+          <a:lstStyle/>
+          <a:p>
+            <a:r>
+              <a:rPr lang="en-US" dirty="0"/>
+              <a:t>When I delete an object from a one-to-many collection, I get “null” errors</a:t>
+            </a:r>
+          </a:p>
+          <a:p>
+            <a:pPr lvl="1"/>
+            <a:r>
+              <a:rPr lang="en-US" b="1" dirty="0"/>
+              <a:t>Need cascade=“all-delete-orphan” on the one-to-many property</a:t>
+            </a:r>
+          </a:p>
+          <a:p>
+            <a:pPr marL="0" indent="0">
+              <a:buNone/>
+            </a:pPr>
+            <a:endParaRPr lang="en-US" dirty="0"/>
+          </a:p>
+          <a:p>
+            <a:r>
+              <a:rPr lang="en-US" dirty="0" smtClean="0"/>
+              <a:t>If you get “entity would be resaved” Errors</a:t>
+            </a:r>
+          </a:p>
+          <a:p>
+            <a:pPr lvl="1"/>
+            <a:r>
+              <a:rPr lang="en-US" b="1" dirty="0" smtClean="0"/>
+              <a:t>You need to un-set BOTH sides of the relationship</a:t>
+            </a:r>
+            <a:endParaRPr lang="en-US" b="1" dirty="0"/>
+          </a:p>
+        </p:txBody>
+      </p:sp>
+      <p:sp>
+        <p:nvSpPr>
+          <p:cNvPr id="3" name="Title 2"/>
+          <p:cNvSpPr>
+            <a:spLocks noGrp="1"/>
+          </p:cNvSpPr>
+          <p:nvPr>
+            <p:ph type="title"/>
+          </p:nvPr>
+        </p:nvSpPr>
+        <p:spPr/>
+        <p:txBody>
+          <a:bodyPr>
+            <a:normAutofit fontScale="90000"/>
+          </a:bodyPr>
+          <a:lstStyle/>
+          <a:p>
+            <a:r>
+              <a:rPr lang="en-US" dirty="0" smtClean="0"/>
+              <a:t>Enlightenment: </a:t>
+            </a:r>
+            <a:br>
+              <a:rPr lang="en-US" dirty="0" smtClean="0"/>
+            </a:br>
+            <a:r>
+              <a:rPr lang="en-US" dirty="0" smtClean="0"/>
+              <a:t>Deleting from a Collection</a:t>
+            </a:r>
+            <a:endParaRPr lang="en-US" dirty="0"/>
+          </a:p>
+        </p:txBody>
+      </p:sp>
+    </p:spTree>
+    <p:extLst>
+      <p:ext uri="{BB962C8B-B14F-4D97-AF65-F5344CB8AC3E}">
+        <p14:creationId xmlns:p14="http://schemas.microsoft.com/office/powerpoint/2010/main" val="4182265279"/>
+      </p:ext>
+    </p:extLst>
+  </p:cSld>
+  <p:clrMapOvr>
+    <a:masterClrMapping/>
+  </p:clrMapOvr>
+  <p:timing>
+    <p:tnLst>
+      <p:par>
+        <p:cTn id="1" dur="indefinite" restart="never" nodeType="tmRoot"/>
+      </p:par>
+    </p:tnLst>
+  </p:timing>
+</p:sld>
+</file>
+
+<file path=ppt/slides/slide47.xml><?xml version="1.0" encoding="utf-8"?>
+<p:sld xmlns:a="http://schemas.openxmlformats.org/drawingml/2006/main" xmlns:r="http://schemas.openxmlformats.org/officeDocument/2006/relationships" xmlns:p="http://schemas.openxmlformats.org/presentationml/2006/main">
+  <p:cSld>
+    <p:spTree>
+      <p:nvGrpSpPr>
+        <p:cNvPr id="1" name=""/>
+        <p:cNvGrpSpPr/>
+        <p:nvPr/>
+      </p:nvGrpSpPr>
+      <p:grpSpPr>
+        <a:xfrm>
+          <a:off x="0" y="0"/>
+          <a:ext cx="0" cy="0"/>
+          <a:chOff x="0" y="0"/>
+          <a:chExt cx="0" cy="0"/>
+        </a:xfrm>
+      </p:grpSpPr>
+      <p:sp>
+        <p:nvSpPr>
+          <p:cNvPr id="2" name="Content Placeholder 1"/>
+          <p:cNvSpPr>
+            <a:spLocks noGrp="1"/>
+          </p:cNvSpPr>
+          <p:nvPr>
+            <p:ph idx="1"/>
+          </p:nvPr>
+        </p:nvSpPr>
+        <p:spPr/>
+        <p:txBody>
+          <a:bodyPr>
+            <a:normAutofit/>
+          </a:bodyPr>
+          <a:lstStyle/>
+          <a:p>
+            <a:endParaRPr lang="en-US" dirty="0" smtClean="0"/>
+          </a:p>
+          <a:p>
+            <a:r>
+              <a:rPr lang="en-US" dirty="0" smtClean="0"/>
+              <a:t>Don’t use for( item in Array ) syntax when deleting</a:t>
+            </a:r>
+          </a:p>
+          <a:p>
+            <a:endParaRPr lang="en-US" dirty="0"/>
+          </a:p>
+          <a:p>
+            <a:r>
+              <a:rPr lang="en-US" dirty="0" smtClean="0"/>
+              <a:t>Use plain old index loops</a:t>
+            </a:r>
+          </a:p>
+          <a:p>
+            <a:endParaRPr lang="en-US" dirty="0"/>
+          </a:p>
+          <a:p>
+            <a:r>
+              <a:rPr lang="en-US" dirty="0" smtClean="0"/>
+              <a:t>I loop backwards!</a:t>
+            </a:r>
+          </a:p>
+          <a:p>
+            <a:endParaRPr lang="en-US" dirty="0"/>
+          </a:p>
+        </p:txBody>
+      </p:sp>
+      <p:sp>
+        <p:nvSpPr>
+          <p:cNvPr id="3" name="Title 2"/>
+          <p:cNvSpPr>
+            <a:spLocks noGrp="1"/>
+          </p:cNvSpPr>
+          <p:nvPr>
+            <p:ph type="title"/>
+          </p:nvPr>
+        </p:nvSpPr>
+        <p:spPr/>
+        <p:txBody>
+          <a:bodyPr>
+            <a:normAutofit fontScale="90000"/>
+          </a:bodyPr>
+          <a:lstStyle/>
+          <a:p>
+            <a:r>
+              <a:rPr lang="en-US" dirty="0" smtClean="0"/>
+              <a:t>Enlightenment: </a:t>
+            </a:r>
+            <a:br>
+              <a:rPr lang="en-US" dirty="0" smtClean="0"/>
+            </a:br>
+            <a:r>
+              <a:rPr lang="en-US" dirty="0" smtClean="0"/>
+              <a:t>Deleting from a Collection</a:t>
+            </a:r>
+            <a:endParaRPr lang="en-US" dirty="0"/>
+          </a:p>
+        </p:txBody>
+      </p:sp>
+    </p:spTree>
+    <p:extLst>
+      <p:ext uri="{BB962C8B-B14F-4D97-AF65-F5344CB8AC3E}">
+        <p14:creationId xmlns:p14="http://schemas.microsoft.com/office/powerpoint/2010/main" val="554230324"/>
+      </p:ext>
+    </p:extLst>
+  </p:cSld>
+  <p:clrMapOvr>
+    <a:masterClrMapping/>
+  </p:clrMapOvr>
+  <p:timing>
+    <p:tnLst>
+      <p:par>
+        <p:cTn id="1" dur="indefinite" restart="never" nodeType="tmRoot"/>
+      </p:par>
+    </p:tnLst>
+  </p:timing>
+</p:sld>
+</file>
+
+<file path=ppt/slides/slide48.xml><?xml version="1.0" encoding="utf-8"?>
+<p:sld xmlns:a="http://schemas.openxmlformats.org/drawingml/2006/main" xmlns:r="http://schemas.openxmlformats.org/officeDocument/2006/relationships" xmlns:p="http://schemas.openxmlformats.org/presentationml/2006/main">
+  <p:cSld>
+    <p:spTree>
+      <p:nvGrpSpPr>
+        <p:cNvPr id="1" name=""/>
+        <p:cNvGrpSpPr/>
+        <p:nvPr/>
+      </p:nvGrpSpPr>
+      <p:grpSpPr>
+        <a:xfrm>
+          <a:off x="0" y="0"/>
+          <a:ext cx="0" cy="0"/>
+          <a:chOff x="0" y="0"/>
+          <a:chExt cx="0" cy="0"/>
+        </a:xfrm>
+      </p:grpSpPr>
+      <p:sp>
+        <p:nvSpPr>
+          <p:cNvPr id="2" name="Content Placeholder 1"/>
+          <p:cNvSpPr>
+            <a:spLocks noGrp="1"/>
+          </p:cNvSpPr>
+          <p:nvPr>
+            <p:ph idx="1"/>
+          </p:nvPr>
+        </p:nvSpPr>
+        <p:spPr>
+          <a:xfrm>
+            <a:off x="872067" y="2675467"/>
+            <a:ext cx="7738533" cy="3450696"/>
+          </a:xfrm>
+        </p:spPr>
+        <p:txBody>
+          <a:bodyPr>
+            <a:normAutofit/>
+          </a:bodyPr>
+          <a:lstStyle/>
+          <a:p>
+            <a:pPr marL="457200" indent="-457200">
+              <a:buFont typeface="+mj-lt"/>
+              <a:buAutoNum type="arabicPeriod"/>
+            </a:pPr>
+            <a:r>
+              <a:rPr lang="en-US" dirty="0" smtClean="0"/>
+              <a:t> ORM Settings -- Control the Session Flush</a:t>
+            </a:r>
+          </a:p>
+          <a:p>
+            <a:pPr marL="457200" indent="-457200">
+              <a:buFont typeface="+mj-lt"/>
+              <a:buAutoNum type="arabicPeriod"/>
+            </a:pPr>
+            <a:r>
+              <a:rPr lang="en-US" dirty="0" smtClean="0"/>
+              <a:t>Many-to-One Relationships</a:t>
+            </a:r>
+          </a:p>
+          <a:p>
+            <a:pPr marL="457200" indent="-457200">
+              <a:buFont typeface="+mj-lt"/>
+              <a:buAutoNum type="arabicPeriod"/>
+            </a:pPr>
+            <a:r>
+              <a:rPr lang="en-US" dirty="0" smtClean="0"/>
+              <a:t>One-to-Many Relationships</a:t>
+            </a:r>
+          </a:p>
+          <a:p>
+            <a:pPr marL="457200" indent="-457200">
+              <a:buFont typeface="+mj-lt"/>
+              <a:buAutoNum type="arabicPeriod"/>
+            </a:pPr>
+            <a:r>
+              <a:rPr lang="en-US" dirty="0"/>
+              <a:t>One-to-Many: inverse and “relationship owner”</a:t>
+            </a:r>
+          </a:p>
+          <a:p>
+            <a:pPr marL="457200" indent="-457200">
+              <a:buFont typeface="+mj-lt"/>
+              <a:buAutoNum type="arabicPeriod"/>
+            </a:pPr>
+            <a:r>
+              <a:rPr lang="en-US" dirty="0" smtClean="0"/>
+              <a:t>One-to-Many: Adding to Collections</a:t>
+            </a:r>
+          </a:p>
+          <a:p>
+            <a:pPr marL="457200" indent="-457200">
+              <a:buFont typeface="+mj-lt"/>
+              <a:buAutoNum type="arabicPeriod"/>
+            </a:pPr>
+            <a:r>
+              <a:rPr lang="en-US" dirty="0" smtClean="0"/>
+              <a:t>One-to-Many: Deleting from Collections</a:t>
+            </a:r>
+          </a:p>
+          <a:p>
+            <a:pPr marL="457200" indent="-457200">
+              <a:buFont typeface="+mj-lt"/>
+              <a:buAutoNum type="arabicPeriod"/>
+            </a:pPr>
+            <a:r>
+              <a:rPr lang="en-US" b="1" dirty="0" smtClean="0"/>
+              <a:t>Hibernate Session and the ColdFusion Session scope</a:t>
+            </a:r>
+            <a:endParaRPr lang="en-US" b="1" dirty="0"/>
+          </a:p>
+        </p:txBody>
+      </p:sp>
+      <p:sp>
+        <p:nvSpPr>
+          <p:cNvPr id="3" name="Title 2"/>
+          <p:cNvSpPr>
+            <a:spLocks noGrp="1"/>
+          </p:cNvSpPr>
+          <p:nvPr>
+            <p:ph type="title"/>
+          </p:nvPr>
+        </p:nvSpPr>
+        <p:spPr/>
+        <p:txBody>
+          <a:bodyPr/>
+          <a:lstStyle/>
+          <a:p>
+            <a:r>
+              <a:rPr lang="en-US" dirty="0" smtClean="0"/>
+              <a:t>Agenda</a:t>
+            </a:r>
+            <a:endParaRPr lang="en-US" dirty="0"/>
+          </a:p>
+        </p:txBody>
+      </p:sp>
+    </p:spTree>
+    <p:extLst>
+      <p:ext uri="{BB962C8B-B14F-4D97-AF65-F5344CB8AC3E}">
+        <p14:creationId xmlns:p14="http://schemas.microsoft.com/office/powerpoint/2010/main" val="1113937495"/>
+      </p:ext>
+    </p:extLst>
+  </p:cSld>
+  <p:clrMapOvr>
+    <a:masterClrMapping/>
+  </p:clrMapOvr>
+  <p:timing>
+    <p:tnLst>
+      <p:par>
+        <p:cTn id="1" dur="indefinite" restart="never" nodeType="tmRoot"/>
+      </p:par>
+    </p:tnLst>
+  </p:timing>
+</p:sld>
+</file>
+
+<file path=ppt/slides/slide49.xml><?xml version="1.0" encoding="utf-8"?>
+<p:sld xmlns:a="http://schemas.openxmlformats.org/drawingml/2006/main" xmlns:r="http://schemas.openxmlformats.org/officeDocument/2006/relationships" xmlns:p="http://schemas.openxmlformats.org/presentationml/2006/main">
+  <p:cSld>
+    <p:spTree>
+      <p:nvGrpSpPr>
+        <p:cNvPr id="1" name=""/>
+        <p:cNvGrpSpPr/>
+        <p:nvPr/>
+      </p:nvGrpSpPr>
+      <p:grpSpPr>
+        <a:xfrm>
+          <a:off x="0" y="0"/>
+          <a:ext cx="0" cy="0"/>
+          <a:chOff x="0" y="0"/>
+          <a:chExt cx="0" cy="0"/>
+        </a:xfrm>
+      </p:grpSpPr>
+      <p:sp>
+        <p:nvSpPr>
+          <p:cNvPr id="2" name="Content Placeholder 1"/>
+          <p:cNvSpPr>
+            <a:spLocks noGrp="1"/>
+          </p:cNvSpPr>
+          <p:nvPr>
+            <p:ph idx="1"/>
+          </p:nvPr>
+        </p:nvSpPr>
+        <p:spPr>
+          <a:xfrm>
+            <a:off x="380999" y="2362200"/>
+            <a:ext cx="8534401" cy="3763963"/>
+          </a:xfrm>
+        </p:spPr>
+        <p:txBody>
+          <a:bodyPr/>
+          <a:lstStyle/>
+          <a:p>
+            <a:pPr marL="0" indent="0" algn="ctr">
+              <a:buNone/>
+            </a:pPr>
+            <a:endParaRPr lang="en-US" dirty="0" smtClean="0"/>
+          </a:p>
+          <a:p>
+            <a:pPr marL="0" indent="0" algn="ctr">
+              <a:buNone/>
+            </a:pPr>
+            <a:r>
+              <a:rPr lang="en-US" dirty="0" smtClean="0"/>
+              <a:t>When I store my user object in the </a:t>
+            </a:r>
+            <a:r>
+              <a:rPr lang="en-US" b="1" dirty="0" smtClean="0"/>
+              <a:t>ColdFusion session scope</a:t>
+            </a:r>
+            <a:r>
+              <a:rPr lang="en-US" dirty="0" smtClean="0"/>
+              <a:t>,</a:t>
+            </a:r>
+          </a:p>
+          <a:p>
+            <a:pPr marL="0" indent="0" algn="ctr">
+              <a:buNone/>
+            </a:pPr>
+            <a:endParaRPr lang="en-US" dirty="0" smtClean="0"/>
+          </a:p>
+          <a:p>
+            <a:pPr marL="0" indent="0" algn="ctr">
+              <a:buNone/>
+            </a:pPr>
+            <a:r>
+              <a:rPr lang="en-US" dirty="0" smtClean="0"/>
+              <a:t> and then change it and save,</a:t>
+            </a:r>
+          </a:p>
+          <a:p>
+            <a:pPr marL="0" indent="0" algn="ctr">
+              <a:buNone/>
+            </a:pPr>
+            <a:endParaRPr lang="en-US" dirty="0" smtClean="0"/>
+          </a:p>
+          <a:p>
+            <a:pPr marL="0" indent="0" algn="ctr">
+              <a:buNone/>
+            </a:pPr>
+            <a:r>
+              <a:rPr lang="en-US" dirty="0" smtClean="0"/>
+              <a:t> I get weirdo Hibernate errors</a:t>
+            </a:r>
+            <a:endParaRPr lang="en-US" dirty="0"/>
+          </a:p>
+        </p:txBody>
+      </p:sp>
+      <p:sp>
+        <p:nvSpPr>
+          <p:cNvPr id="3" name="Title 2"/>
+          <p:cNvSpPr>
+            <a:spLocks noGrp="1"/>
+          </p:cNvSpPr>
+          <p:nvPr>
+            <p:ph type="title"/>
+          </p:nvPr>
+        </p:nvSpPr>
+        <p:spPr/>
+        <p:txBody>
+          <a:bodyPr/>
+          <a:lstStyle/>
+          <a:p>
+            <a:r>
+              <a:rPr lang="en-US" dirty="0" smtClean="0"/>
+              <a:t>Suffering</a:t>
+            </a:r>
+            <a:endParaRPr lang="en-US" dirty="0"/>
+          </a:p>
+        </p:txBody>
+      </p:sp>
+    </p:spTree>
+    <p:extLst>
+      <p:ext uri="{BB962C8B-B14F-4D97-AF65-F5344CB8AC3E}">
+        <p14:creationId xmlns:p14="http://schemas.microsoft.com/office/powerpoint/2010/main" val="2932508157"/>
+      </p:ext>
+    </p:extLst>
+  </p:cSld>
+  <p:clrMapOvr>
+    <a:masterClrMapping/>
+  </p:clrMapOvr>
+  <p:timing>
+    <p:tnLst>
+      <p:par>
+        <p:cTn id="1" dur="indefinite" restart="never" nodeType="tmRoot"/>
+      </p:par>
+    </p:tnLst>
+  </p:timing>
+</p:sld>
+</file>
+
+<file path=ppt/slides/slide5.xml><?xml version="1.0" encoding="utf-8"?>
 <p:sld xmlns:a="http://schemas.openxmlformats.org/drawingml/2006/main" xmlns:r="http://schemas.openxmlformats.org/officeDocument/2006/relationships" xmlns:p="http://schemas.openxmlformats.org/presentationml/2006/main">
   <p:cSld>
     <p:spTree>
@@ -20610,1410 +22003,6 @@
     <p:extLst>
       <p:ext uri="{BB962C8B-B14F-4D97-AF65-F5344CB8AC3E}">
         <p14:creationId xmlns:p14="http://schemas.microsoft.com/office/powerpoint/2010/main" val="2040674804"/>
-      </p:ext>
-    </p:extLst>
-  </p:cSld>
-  <p:clrMapOvr>
-    <a:masterClrMapping/>
-  </p:clrMapOvr>
-  <p:timing>
-    <p:tnLst>
-      <p:par>
-        <p:cTn id="1" dur="indefinite" restart="never" nodeType="tmRoot"/>
-      </p:par>
-    </p:tnLst>
-  </p:timing>
-</p:sld>
-</file>
-
-<file path=ppt/slides/slide40.xml><?xml version="1.0" encoding="utf-8"?>
-<p:sld xmlns:a="http://schemas.openxmlformats.org/drawingml/2006/main" xmlns:r="http://schemas.openxmlformats.org/officeDocument/2006/relationships" xmlns:p="http://schemas.openxmlformats.org/presentationml/2006/main">
-  <p:cSld>
-    <p:spTree>
-      <p:nvGrpSpPr>
-        <p:cNvPr id="1" name=""/>
-        <p:cNvGrpSpPr/>
-        <p:nvPr/>
-      </p:nvGrpSpPr>
-      <p:grpSpPr>
-        <a:xfrm>
-          <a:off x="0" y="0"/>
-          <a:ext cx="0" cy="0"/>
-          <a:chOff x="0" y="0"/>
-          <a:chExt cx="0" cy="0"/>
-        </a:xfrm>
-      </p:grpSpPr>
-      <p:sp>
-        <p:nvSpPr>
-          <p:cNvPr id="2" name="Content Placeholder 1"/>
-          <p:cNvSpPr>
-            <a:spLocks noGrp="1"/>
-          </p:cNvSpPr>
-          <p:nvPr>
-            <p:ph idx="1"/>
-          </p:nvPr>
-        </p:nvSpPr>
-        <p:spPr>
-          <a:xfrm>
-            <a:off x="380999" y="2789237"/>
-            <a:ext cx="8534401" cy="3763963"/>
-          </a:xfrm>
-        </p:spPr>
-        <p:txBody>
-          <a:bodyPr/>
-          <a:lstStyle/>
-          <a:p>
-            <a:endParaRPr lang="en-US" dirty="0" smtClean="0"/>
-          </a:p>
-          <a:p>
-            <a:r>
-              <a:rPr lang="en-US" dirty="0" smtClean="0"/>
-              <a:t>When </a:t>
-            </a:r>
-            <a:r>
-              <a:rPr lang="en-US" dirty="0" smtClean="0"/>
-              <a:t>I add </a:t>
-            </a:r>
-            <a:r>
-              <a:rPr lang="en-US" dirty="0" smtClean="0"/>
-              <a:t>a </a:t>
-            </a:r>
-            <a:r>
-              <a:rPr lang="en-US" b="1" dirty="0" smtClean="0"/>
-              <a:t>new</a:t>
-            </a:r>
-            <a:r>
-              <a:rPr lang="en-US" dirty="0" smtClean="0"/>
-              <a:t> </a:t>
-            </a:r>
-            <a:r>
-              <a:rPr lang="en-US" dirty="0" smtClean="0"/>
-              <a:t>object to a one-to-many collection, </a:t>
-            </a:r>
-            <a:endParaRPr lang="en-US" dirty="0" smtClean="0"/>
-          </a:p>
-          <a:p>
-            <a:pPr marL="301943" lvl="1" indent="0">
-              <a:buNone/>
-            </a:pPr>
-            <a:r>
-              <a:rPr lang="en-US" dirty="0"/>
-              <a:t>	</a:t>
-            </a:r>
-            <a:r>
-              <a:rPr lang="en-US" dirty="0" smtClean="0"/>
-              <a:t>		</a:t>
-            </a:r>
-          </a:p>
-          <a:p>
-            <a:pPr marL="301943" lvl="1" indent="0">
-              <a:buNone/>
-            </a:pPr>
-            <a:r>
-              <a:rPr lang="en-US" dirty="0"/>
-              <a:t>	</a:t>
-            </a:r>
-            <a:r>
-              <a:rPr lang="en-US" dirty="0" smtClean="0"/>
-              <a:t>			it </a:t>
-            </a:r>
-            <a:r>
-              <a:rPr lang="en-US" dirty="0" smtClean="0">
-                <a:solidFill>
-                  <a:srgbClr val="FF0000"/>
-                </a:solidFill>
-              </a:rPr>
-              <a:t>won’t save</a:t>
-            </a:r>
-            <a:endParaRPr lang="en-US" dirty="0" smtClean="0"/>
-          </a:p>
-        </p:txBody>
-      </p:sp>
-      <p:sp>
-        <p:nvSpPr>
-          <p:cNvPr id="3" name="Title 2"/>
-          <p:cNvSpPr>
-            <a:spLocks noGrp="1"/>
-          </p:cNvSpPr>
-          <p:nvPr>
-            <p:ph type="title"/>
-          </p:nvPr>
-        </p:nvSpPr>
-        <p:spPr/>
-        <p:txBody>
-          <a:bodyPr/>
-          <a:lstStyle/>
-          <a:p>
-            <a:r>
-              <a:rPr lang="en-US" dirty="0" smtClean="0"/>
-              <a:t>Suffering</a:t>
-            </a:r>
-            <a:endParaRPr lang="en-US" dirty="0"/>
-          </a:p>
-        </p:txBody>
-      </p:sp>
-    </p:spTree>
-    <p:extLst>
-      <p:ext uri="{BB962C8B-B14F-4D97-AF65-F5344CB8AC3E}">
-        <p14:creationId xmlns:p14="http://schemas.microsoft.com/office/powerpoint/2010/main" val="2232397815"/>
-      </p:ext>
-    </p:extLst>
-  </p:cSld>
-  <p:clrMapOvr>
-    <a:masterClrMapping/>
-  </p:clrMapOvr>
-  <p:timing>
-    <p:tnLst>
-      <p:par>
-        <p:cTn id="1" dur="indefinite" restart="never" nodeType="tmRoot"/>
-      </p:par>
-    </p:tnLst>
-  </p:timing>
-</p:sld>
-</file>
-
-<file path=ppt/slides/slide41.xml><?xml version="1.0" encoding="utf-8"?>
-<p:sld xmlns:a="http://schemas.openxmlformats.org/drawingml/2006/main" xmlns:r="http://schemas.openxmlformats.org/officeDocument/2006/relationships" xmlns:p="http://schemas.openxmlformats.org/presentationml/2006/main">
-  <p:cSld>
-    <p:spTree>
-      <p:nvGrpSpPr>
-        <p:cNvPr id="1" name=""/>
-        <p:cNvGrpSpPr/>
-        <p:nvPr/>
-      </p:nvGrpSpPr>
-      <p:grpSpPr>
-        <a:xfrm>
-          <a:off x="0" y="0"/>
-          <a:ext cx="0" cy="0"/>
-          <a:chOff x="0" y="0"/>
-          <a:chExt cx="0" cy="0"/>
-        </a:xfrm>
-      </p:grpSpPr>
-      <p:sp>
-        <p:nvSpPr>
-          <p:cNvPr id="2" name="Content Placeholder 1"/>
-          <p:cNvSpPr>
-            <a:spLocks noGrp="1"/>
-          </p:cNvSpPr>
-          <p:nvPr>
-            <p:ph idx="1"/>
-          </p:nvPr>
-        </p:nvSpPr>
-        <p:spPr/>
-        <p:txBody>
-          <a:bodyPr/>
-          <a:lstStyle/>
-          <a:p>
-            <a:r>
-              <a:rPr lang="en-US" dirty="0" smtClean="0"/>
-              <a:t>Demo one-to-many saves with and without cascade</a:t>
-            </a:r>
-            <a:endParaRPr lang="en-US" dirty="0"/>
-          </a:p>
-        </p:txBody>
-      </p:sp>
-      <p:sp>
-        <p:nvSpPr>
-          <p:cNvPr id="3" name="Title 2"/>
-          <p:cNvSpPr>
-            <a:spLocks noGrp="1"/>
-          </p:cNvSpPr>
-          <p:nvPr>
-            <p:ph type="title"/>
-          </p:nvPr>
-        </p:nvSpPr>
-        <p:spPr/>
-        <p:txBody>
-          <a:bodyPr/>
-          <a:lstStyle/>
-          <a:p>
-            <a:r>
-              <a:rPr lang="en-US" dirty="0" smtClean="0"/>
-              <a:t>Demo: Whither cascade?</a:t>
-            </a:r>
-            <a:endParaRPr lang="en-US" dirty="0"/>
-          </a:p>
-        </p:txBody>
-      </p:sp>
-    </p:spTree>
-    <p:extLst>
-      <p:ext uri="{BB962C8B-B14F-4D97-AF65-F5344CB8AC3E}">
-        <p14:creationId xmlns:p14="http://schemas.microsoft.com/office/powerpoint/2010/main" val="3054947874"/>
-      </p:ext>
-    </p:extLst>
-  </p:cSld>
-  <p:clrMapOvr>
-    <a:masterClrMapping/>
-  </p:clrMapOvr>
-  <p:timing>
-    <p:tnLst>
-      <p:par>
-        <p:cTn id="1" dur="indefinite" restart="never" nodeType="tmRoot"/>
-      </p:par>
-    </p:tnLst>
-  </p:timing>
-</p:sld>
-</file>
-
-<file path=ppt/slides/slide42.xml><?xml version="1.0" encoding="utf-8"?>
-<p:sld xmlns:a="http://schemas.openxmlformats.org/drawingml/2006/main" xmlns:r="http://schemas.openxmlformats.org/officeDocument/2006/relationships" xmlns:p="http://schemas.openxmlformats.org/presentationml/2006/main">
-  <p:cSld>
-    <p:spTree>
-      <p:nvGrpSpPr>
-        <p:cNvPr id="1" name=""/>
-        <p:cNvGrpSpPr/>
-        <p:nvPr/>
-      </p:nvGrpSpPr>
-      <p:grpSpPr>
-        <a:xfrm>
-          <a:off x="0" y="0"/>
-          <a:ext cx="0" cy="0"/>
-          <a:chOff x="0" y="0"/>
-          <a:chExt cx="0" cy="0"/>
-        </a:xfrm>
-      </p:grpSpPr>
-      <p:sp>
-        <p:nvSpPr>
-          <p:cNvPr id="2" name="Content Placeholder 1"/>
-          <p:cNvSpPr>
-            <a:spLocks noGrp="1"/>
-          </p:cNvSpPr>
-          <p:nvPr>
-            <p:ph idx="1"/>
-          </p:nvPr>
-        </p:nvSpPr>
-        <p:spPr>
-          <a:xfrm>
-            <a:off x="380999" y="2560637"/>
-            <a:ext cx="8534401" cy="3763963"/>
-          </a:xfrm>
-        </p:spPr>
-        <p:txBody>
-          <a:bodyPr>
-            <a:normAutofit/>
-          </a:bodyPr>
-          <a:lstStyle/>
-          <a:p>
-            <a:endParaRPr lang="en-US" dirty="0" smtClean="0"/>
-          </a:p>
-          <a:p>
-            <a:r>
-              <a:rPr lang="en-US" dirty="0" smtClean="0"/>
-              <a:t>When </a:t>
-            </a:r>
-            <a:r>
-              <a:rPr lang="en-US" dirty="0" smtClean="0"/>
-              <a:t>I add an object to a one-to-many collection, it won’t </a:t>
-            </a:r>
-            <a:r>
-              <a:rPr lang="en-US" dirty="0" smtClean="0"/>
-              <a:t>save the relationship</a:t>
-            </a:r>
-          </a:p>
-          <a:p>
-            <a:endParaRPr lang="en-US" dirty="0" smtClean="0"/>
-          </a:p>
-          <a:p>
-            <a:pPr lvl="1"/>
-            <a:r>
-              <a:rPr lang="en-US" b="1" dirty="0" smtClean="0"/>
-              <a:t>Need cascade=“all” on the one-to-many property</a:t>
-            </a:r>
-          </a:p>
-          <a:p>
-            <a:pPr lvl="1"/>
-            <a:endParaRPr lang="en-US" dirty="0" smtClean="0"/>
-          </a:p>
-        </p:txBody>
-      </p:sp>
-      <p:sp>
-        <p:nvSpPr>
-          <p:cNvPr id="3" name="Title 2"/>
-          <p:cNvSpPr>
-            <a:spLocks noGrp="1"/>
-          </p:cNvSpPr>
-          <p:nvPr>
-            <p:ph type="title"/>
-          </p:nvPr>
-        </p:nvSpPr>
-        <p:spPr/>
-        <p:txBody>
-          <a:bodyPr>
-            <a:normAutofit/>
-          </a:bodyPr>
-          <a:lstStyle/>
-          <a:p>
-            <a:r>
-              <a:rPr lang="en-US" dirty="0" smtClean="0"/>
-              <a:t>Enlightenment: Cascade</a:t>
-            </a:r>
-            <a:endParaRPr lang="en-US" dirty="0"/>
-          </a:p>
-        </p:txBody>
-      </p:sp>
-    </p:spTree>
-    <p:extLst>
-      <p:ext uri="{BB962C8B-B14F-4D97-AF65-F5344CB8AC3E}">
-        <p14:creationId xmlns:p14="http://schemas.microsoft.com/office/powerpoint/2010/main" val="2428288870"/>
-      </p:ext>
-    </p:extLst>
-  </p:cSld>
-  <p:clrMapOvr>
-    <a:masterClrMapping/>
-  </p:clrMapOvr>
-  <p:timing>
-    <p:tnLst>
-      <p:par>
-        <p:cTn id="1" dur="indefinite" restart="never" nodeType="tmRoot"/>
-      </p:par>
-    </p:tnLst>
-  </p:timing>
-</p:sld>
-</file>
-
-<file path=ppt/slides/slide43.xml><?xml version="1.0" encoding="utf-8"?>
-<p:sld xmlns:a="http://schemas.openxmlformats.org/drawingml/2006/main" xmlns:r="http://schemas.openxmlformats.org/officeDocument/2006/relationships" xmlns:p="http://schemas.openxmlformats.org/presentationml/2006/main">
-  <p:cSld>
-    <p:spTree>
-      <p:nvGrpSpPr>
-        <p:cNvPr id="1" name=""/>
-        <p:cNvGrpSpPr/>
-        <p:nvPr/>
-      </p:nvGrpSpPr>
-      <p:grpSpPr>
-        <a:xfrm>
-          <a:off x="0" y="0"/>
-          <a:ext cx="0" cy="0"/>
-          <a:chOff x="0" y="0"/>
-          <a:chExt cx="0" cy="0"/>
-        </a:xfrm>
-      </p:grpSpPr>
-      <p:sp>
-        <p:nvSpPr>
-          <p:cNvPr id="2" name="Content Placeholder 1"/>
-          <p:cNvSpPr>
-            <a:spLocks noGrp="1"/>
-          </p:cNvSpPr>
-          <p:nvPr>
-            <p:ph idx="1"/>
-          </p:nvPr>
-        </p:nvSpPr>
-        <p:spPr/>
-        <p:txBody>
-          <a:bodyPr/>
-          <a:lstStyle/>
-          <a:p>
-            <a:pPr marL="457200" indent="-457200">
-              <a:buFont typeface="+mj-lt"/>
-              <a:buAutoNum type="arabicPeriod"/>
-            </a:pPr>
-            <a:r>
-              <a:rPr lang="en-US" dirty="0" smtClean="0"/>
-              <a:t> ORM Settings -- Control the Session Flush</a:t>
-            </a:r>
-          </a:p>
-          <a:p>
-            <a:pPr marL="457200" indent="-457200">
-              <a:buFont typeface="+mj-lt"/>
-              <a:buAutoNum type="arabicPeriod"/>
-            </a:pPr>
-            <a:r>
-              <a:rPr lang="en-US" dirty="0" smtClean="0"/>
-              <a:t>Many-to-One Relationships</a:t>
-            </a:r>
-          </a:p>
-          <a:p>
-            <a:pPr marL="457200" indent="-457200">
-              <a:buFont typeface="+mj-lt"/>
-              <a:buAutoNum type="arabicPeriod"/>
-            </a:pPr>
-            <a:r>
-              <a:rPr lang="en-US" dirty="0" smtClean="0"/>
-              <a:t>One-to-Many Relationships</a:t>
-            </a:r>
-          </a:p>
-          <a:p>
-            <a:pPr marL="457200" indent="-457200">
-              <a:buFont typeface="+mj-lt"/>
-              <a:buAutoNum type="arabicPeriod"/>
-            </a:pPr>
-            <a:r>
-              <a:rPr lang="en-US" dirty="0"/>
-              <a:t>One-to-Many: inverse and “relationship owner”</a:t>
-            </a:r>
-          </a:p>
-          <a:p>
-            <a:pPr marL="457200" indent="-457200">
-              <a:buFont typeface="+mj-lt"/>
-              <a:buAutoNum type="arabicPeriod"/>
-            </a:pPr>
-            <a:r>
-              <a:rPr lang="en-US" dirty="0" smtClean="0"/>
-              <a:t>One-to-Many</a:t>
-            </a:r>
-            <a:r>
-              <a:rPr lang="en-US" dirty="0" smtClean="0"/>
-              <a:t>: Adding to Collections</a:t>
-            </a:r>
-          </a:p>
-          <a:p>
-            <a:pPr marL="457200" indent="-457200">
-              <a:buFont typeface="+mj-lt"/>
-              <a:buAutoNum type="arabicPeriod"/>
-            </a:pPr>
-            <a:r>
-              <a:rPr lang="en-US" b="1" dirty="0" smtClean="0"/>
-              <a:t>One-to-Many</a:t>
-            </a:r>
-            <a:r>
-              <a:rPr lang="en-US" b="1" dirty="0" smtClean="0"/>
-              <a:t>: Deleting from Collections</a:t>
-            </a:r>
-          </a:p>
-          <a:p>
-            <a:pPr marL="457200" indent="-457200">
-              <a:buFont typeface="+mj-lt"/>
-              <a:buAutoNum type="arabicPeriod"/>
-            </a:pPr>
-            <a:r>
-              <a:rPr lang="en-US" dirty="0" smtClean="0"/>
-              <a:t>Hibernate Session and the ColdFusion Session scope</a:t>
-            </a:r>
-            <a:endParaRPr lang="en-US" dirty="0"/>
-          </a:p>
-        </p:txBody>
-      </p:sp>
-      <p:sp>
-        <p:nvSpPr>
-          <p:cNvPr id="3" name="Title 2"/>
-          <p:cNvSpPr>
-            <a:spLocks noGrp="1"/>
-          </p:cNvSpPr>
-          <p:nvPr>
-            <p:ph type="title"/>
-          </p:nvPr>
-        </p:nvSpPr>
-        <p:spPr/>
-        <p:txBody>
-          <a:bodyPr/>
-          <a:lstStyle/>
-          <a:p>
-            <a:r>
-              <a:rPr lang="en-US" dirty="0" smtClean="0"/>
-              <a:t>Agenda</a:t>
-            </a:r>
-            <a:endParaRPr lang="en-US" dirty="0"/>
-          </a:p>
-        </p:txBody>
-      </p:sp>
-    </p:spTree>
-    <p:extLst>
-      <p:ext uri="{BB962C8B-B14F-4D97-AF65-F5344CB8AC3E}">
-        <p14:creationId xmlns:p14="http://schemas.microsoft.com/office/powerpoint/2010/main" val="2678648052"/>
-      </p:ext>
-    </p:extLst>
-  </p:cSld>
-  <p:clrMapOvr>
-    <a:masterClrMapping/>
-  </p:clrMapOvr>
-  <p:timing>
-    <p:tnLst>
-      <p:par>
-        <p:cTn id="1" dur="indefinite" restart="never" nodeType="tmRoot"/>
-      </p:par>
-    </p:tnLst>
-  </p:timing>
-</p:sld>
-</file>
-
-<file path=ppt/slides/slide44.xml><?xml version="1.0" encoding="utf-8"?>
-<p:sld xmlns:a="http://schemas.openxmlformats.org/drawingml/2006/main" xmlns:r="http://schemas.openxmlformats.org/officeDocument/2006/relationships" xmlns:p="http://schemas.openxmlformats.org/presentationml/2006/main">
-  <p:cSld>
-    <p:spTree>
-      <p:nvGrpSpPr>
-        <p:cNvPr id="1" name=""/>
-        <p:cNvGrpSpPr/>
-        <p:nvPr/>
-      </p:nvGrpSpPr>
-      <p:grpSpPr>
-        <a:xfrm>
-          <a:off x="0" y="0"/>
-          <a:ext cx="0" cy="0"/>
-          <a:chOff x="0" y="0"/>
-          <a:chExt cx="0" cy="0"/>
-        </a:xfrm>
-      </p:grpSpPr>
-      <p:sp>
-        <p:nvSpPr>
-          <p:cNvPr id="2" name="Content Placeholder 1"/>
-          <p:cNvSpPr>
-            <a:spLocks noGrp="1"/>
-          </p:cNvSpPr>
-          <p:nvPr>
-            <p:ph idx="1"/>
-          </p:nvPr>
-        </p:nvSpPr>
-        <p:spPr>
-          <a:xfrm>
-            <a:off x="380999" y="2362200"/>
-            <a:ext cx="8534401" cy="3763963"/>
-          </a:xfrm>
-        </p:spPr>
-        <p:txBody>
-          <a:bodyPr/>
-          <a:lstStyle/>
-          <a:p>
-            <a:endParaRPr lang="en-US" dirty="0" smtClean="0"/>
-          </a:p>
-          <a:p>
-            <a:r>
-              <a:rPr lang="en-US" dirty="0"/>
-              <a:t>When I delete an object from a one-to-many collection, I get “null” errors</a:t>
-            </a:r>
-          </a:p>
-          <a:p>
-            <a:endParaRPr lang="en-US" dirty="0" smtClean="0"/>
-          </a:p>
-          <a:p>
-            <a:r>
-              <a:rPr lang="en-US" dirty="0" smtClean="0"/>
-              <a:t>If </a:t>
-            </a:r>
-            <a:r>
-              <a:rPr lang="en-US" dirty="0" smtClean="0"/>
-              <a:t>I loop over a collection and try to remove elements from that collection, I get “</a:t>
-            </a:r>
-            <a:r>
-              <a:rPr lang="en-US" dirty="0" err="1" smtClean="0"/>
-              <a:t>ConcurrentModificationException</a:t>
-            </a:r>
-            <a:r>
-              <a:rPr lang="en-US" dirty="0" smtClean="0"/>
-              <a:t>”</a:t>
-            </a:r>
-            <a:endParaRPr lang="en-US" dirty="0"/>
-          </a:p>
-        </p:txBody>
-      </p:sp>
-      <p:sp>
-        <p:nvSpPr>
-          <p:cNvPr id="3" name="Title 2"/>
-          <p:cNvSpPr>
-            <a:spLocks noGrp="1"/>
-          </p:cNvSpPr>
-          <p:nvPr>
-            <p:ph type="title"/>
-          </p:nvPr>
-        </p:nvSpPr>
-        <p:spPr/>
-        <p:txBody>
-          <a:bodyPr/>
-          <a:lstStyle/>
-          <a:p>
-            <a:r>
-              <a:rPr lang="en-US" dirty="0" smtClean="0"/>
-              <a:t>Suffering</a:t>
-            </a:r>
-            <a:endParaRPr lang="en-US" dirty="0"/>
-          </a:p>
-        </p:txBody>
-      </p:sp>
-    </p:spTree>
-    <p:extLst>
-      <p:ext uri="{BB962C8B-B14F-4D97-AF65-F5344CB8AC3E}">
-        <p14:creationId xmlns:p14="http://schemas.microsoft.com/office/powerpoint/2010/main" val="510698777"/>
-      </p:ext>
-    </p:extLst>
-  </p:cSld>
-  <p:clrMapOvr>
-    <a:masterClrMapping/>
-  </p:clrMapOvr>
-  <p:timing>
-    <p:tnLst>
-      <p:par>
-        <p:cTn id="1" dur="indefinite" restart="never" nodeType="tmRoot"/>
-      </p:par>
-    </p:tnLst>
-  </p:timing>
-</p:sld>
-</file>
-
-<file path=ppt/slides/slide45.xml><?xml version="1.0" encoding="utf-8"?>
-<p:sld xmlns:a="http://schemas.openxmlformats.org/drawingml/2006/main" xmlns:r="http://schemas.openxmlformats.org/officeDocument/2006/relationships" xmlns:p="http://schemas.openxmlformats.org/presentationml/2006/main">
-  <p:cSld>
-    <p:spTree>
-      <p:nvGrpSpPr>
-        <p:cNvPr id="1" name=""/>
-        <p:cNvGrpSpPr/>
-        <p:nvPr/>
-      </p:nvGrpSpPr>
-      <p:grpSpPr>
-        <a:xfrm>
-          <a:off x="0" y="0"/>
-          <a:ext cx="0" cy="0"/>
-          <a:chOff x="0" y="0"/>
-          <a:chExt cx="0" cy="0"/>
-        </a:xfrm>
-      </p:grpSpPr>
-      <p:sp>
-        <p:nvSpPr>
-          <p:cNvPr id="2" name="Content Placeholder 1"/>
-          <p:cNvSpPr>
-            <a:spLocks noGrp="1"/>
-          </p:cNvSpPr>
-          <p:nvPr>
-            <p:ph idx="1"/>
-          </p:nvPr>
-        </p:nvSpPr>
-        <p:spPr/>
-        <p:txBody>
-          <a:bodyPr/>
-          <a:lstStyle/>
-          <a:p>
-            <a:pPr marL="0" indent="0" algn="ctr">
-              <a:buNone/>
-            </a:pPr>
-            <a:r>
-              <a:rPr lang="en-US" b="1" dirty="0" smtClean="0"/>
-              <a:t>1 is an ORM error</a:t>
-            </a:r>
-          </a:p>
-          <a:p>
-            <a:pPr marL="0" indent="0" algn="ctr">
-              <a:buNone/>
-            </a:pPr>
-            <a:endParaRPr lang="en-US" b="1" dirty="0"/>
-          </a:p>
-          <a:p>
-            <a:pPr marL="0" indent="0" algn="ctr">
-              <a:buNone/>
-            </a:pPr>
-            <a:r>
-              <a:rPr lang="en-US" b="1" dirty="0" smtClean="0"/>
-              <a:t>1 is not</a:t>
-            </a:r>
-            <a:endParaRPr lang="en-US" b="1" dirty="0"/>
-          </a:p>
-        </p:txBody>
-      </p:sp>
-      <p:sp>
-        <p:nvSpPr>
-          <p:cNvPr id="3" name="Title 2"/>
-          <p:cNvSpPr>
-            <a:spLocks noGrp="1"/>
-          </p:cNvSpPr>
-          <p:nvPr>
-            <p:ph type="title"/>
-          </p:nvPr>
-        </p:nvSpPr>
-        <p:spPr/>
-        <p:txBody>
-          <a:bodyPr/>
-          <a:lstStyle/>
-          <a:p>
-            <a:r>
-              <a:rPr lang="en-US" dirty="0" smtClean="0"/>
-              <a:t>Demo: Deleting from a Collection</a:t>
-            </a:r>
-            <a:endParaRPr lang="en-US" dirty="0"/>
-          </a:p>
-        </p:txBody>
-      </p:sp>
-    </p:spTree>
-    <p:extLst>
-      <p:ext uri="{BB962C8B-B14F-4D97-AF65-F5344CB8AC3E}">
-        <p14:creationId xmlns:p14="http://schemas.microsoft.com/office/powerpoint/2010/main" val="4229353401"/>
-      </p:ext>
-    </p:extLst>
-  </p:cSld>
-  <p:clrMapOvr>
-    <a:masterClrMapping/>
-  </p:clrMapOvr>
-  <p:timing>
-    <p:tnLst>
-      <p:par>
-        <p:cTn id="1" dur="indefinite" restart="never" nodeType="tmRoot"/>
-      </p:par>
-    </p:tnLst>
-  </p:timing>
-</p:sld>
-</file>
-
-<file path=ppt/slides/slide46.xml><?xml version="1.0" encoding="utf-8"?>
-<p:sld xmlns:a="http://schemas.openxmlformats.org/drawingml/2006/main" xmlns:r="http://schemas.openxmlformats.org/officeDocument/2006/relationships" xmlns:p="http://schemas.openxmlformats.org/presentationml/2006/main">
-  <p:cSld>
-    <p:spTree>
-      <p:nvGrpSpPr>
-        <p:cNvPr id="1" name=""/>
-        <p:cNvGrpSpPr/>
-        <p:nvPr/>
-      </p:nvGrpSpPr>
-      <p:grpSpPr>
-        <a:xfrm>
-          <a:off x="0" y="0"/>
-          <a:ext cx="0" cy="0"/>
-          <a:chOff x="0" y="0"/>
-          <a:chExt cx="0" cy="0"/>
-        </a:xfrm>
-      </p:grpSpPr>
-      <p:sp>
-        <p:nvSpPr>
-          <p:cNvPr id="2" name="Content Placeholder 1"/>
-          <p:cNvSpPr>
-            <a:spLocks noGrp="1"/>
-          </p:cNvSpPr>
-          <p:nvPr>
-            <p:ph idx="1"/>
-          </p:nvPr>
-        </p:nvSpPr>
-        <p:spPr/>
-        <p:txBody>
-          <a:bodyPr>
-            <a:normAutofit/>
-          </a:bodyPr>
-          <a:lstStyle/>
-          <a:p>
-            <a:r>
-              <a:rPr lang="en-US" dirty="0"/>
-              <a:t>When I delete an object from a one-to-many collection, I get “null” errors</a:t>
-            </a:r>
-          </a:p>
-          <a:p>
-            <a:pPr lvl="1"/>
-            <a:r>
-              <a:rPr lang="en-US" b="1" dirty="0"/>
-              <a:t>Need cascade=“all-delete-orphan” on the one-to-many property</a:t>
-            </a:r>
-          </a:p>
-          <a:p>
-            <a:pPr marL="0" indent="0">
-              <a:buNone/>
-            </a:pPr>
-            <a:endParaRPr lang="en-US" dirty="0"/>
-          </a:p>
-          <a:p>
-            <a:r>
-              <a:rPr lang="en-US" dirty="0" smtClean="0"/>
-              <a:t>If you get “entity would be resaved” Errors</a:t>
-            </a:r>
-          </a:p>
-          <a:p>
-            <a:pPr lvl="1"/>
-            <a:r>
-              <a:rPr lang="en-US" b="1" dirty="0" smtClean="0"/>
-              <a:t>You need to un-set BOTH sides of the relationship</a:t>
-            </a:r>
-            <a:endParaRPr lang="en-US" b="1" dirty="0"/>
-          </a:p>
-        </p:txBody>
-      </p:sp>
-      <p:sp>
-        <p:nvSpPr>
-          <p:cNvPr id="3" name="Title 2"/>
-          <p:cNvSpPr>
-            <a:spLocks noGrp="1"/>
-          </p:cNvSpPr>
-          <p:nvPr>
-            <p:ph type="title"/>
-          </p:nvPr>
-        </p:nvSpPr>
-        <p:spPr/>
-        <p:txBody>
-          <a:bodyPr>
-            <a:normAutofit fontScale="90000"/>
-          </a:bodyPr>
-          <a:lstStyle/>
-          <a:p>
-            <a:r>
-              <a:rPr lang="en-US" dirty="0" smtClean="0"/>
-              <a:t>Enlightenment: </a:t>
-            </a:r>
-            <a:br>
-              <a:rPr lang="en-US" dirty="0" smtClean="0"/>
-            </a:br>
-            <a:r>
-              <a:rPr lang="en-US" dirty="0" smtClean="0"/>
-              <a:t>Deleting from a Collection</a:t>
-            </a:r>
-            <a:endParaRPr lang="en-US" dirty="0"/>
-          </a:p>
-        </p:txBody>
-      </p:sp>
-    </p:spTree>
-    <p:extLst>
-      <p:ext uri="{BB962C8B-B14F-4D97-AF65-F5344CB8AC3E}">
-        <p14:creationId xmlns:p14="http://schemas.microsoft.com/office/powerpoint/2010/main" val="4182265279"/>
-      </p:ext>
-    </p:extLst>
-  </p:cSld>
-  <p:clrMapOvr>
-    <a:masterClrMapping/>
-  </p:clrMapOvr>
-  <p:timing>
-    <p:tnLst>
-      <p:par>
-        <p:cTn id="1" dur="indefinite" restart="never" nodeType="tmRoot"/>
-      </p:par>
-    </p:tnLst>
-  </p:timing>
-</p:sld>
-</file>
-
-<file path=ppt/slides/slide47.xml><?xml version="1.0" encoding="utf-8"?>
-<p:sld xmlns:a="http://schemas.openxmlformats.org/drawingml/2006/main" xmlns:r="http://schemas.openxmlformats.org/officeDocument/2006/relationships" xmlns:p="http://schemas.openxmlformats.org/presentationml/2006/main">
-  <p:cSld>
-    <p:spTree>
-      <p:nvGrpSpPr>
-        <p:cNvPr id="1" name=""/>
-        <p:cNvGrpSpPr/>
-        <p:nvPr/>
-      </p:nvGrpSpPr>
-      <p:grpSpPr>
-        <a:xfrm>
-          <a:off x="0" y="0"/>
-          <a:ext cx="0" cy="0"/>
-          <a:chOff x="0" y="0"/>
-          <a:chExt cx="0" cy="0"/>
-        </a:xfrm>
-      </p:grpSpPr>
-      <p:sp>
-        <p:nvSpPr>
-          <p:cNvPr id="2" name="Content Placeholder 1"/>
-          <p:cNvSpPr>
-            <a:spLocks noGrp="1"/>
-          </p:cNvSpPr>
-          <p:nvPr>
-            <p:ph idx="1"/>
-          </p:nvPr>
-        </p:nvSpPr>
-        <p:spPr/>
-        <p:txBody>
-          <a:bodyPr>
-            <a:normAutofit/>
-          </a:bodyPr>
-          <a:lstStyle/>
-          <a:p>
-            <a:endParaRPr lang="en-US" dirty="0" smtClean="0"/>
-          </a:p>
-          <a:p>
-            <a:r>
-              <a:rPr lang="en-US" dirty="0" smtClean="0"/>
-              <a:t>Don’t </a:t>
-            </a:r>
-            <a:r>
-              <a:rPr lang="en-US" dirty="0" smtClean="0"/>
-              <a:t>use for( item in Array ) syntax when </a:t>
-            </a:r>
-            <a:r>
-              <a:rPr lang="en-US" dirty="0" smtClean="0"/>
-              <a:t>deleting</a:t>
-            </a:r>
-          </a:p>
-          <a:p>
-            <a:endParaRPr lang="en-US" dirty="0"/>
-          </a:p>
-          <a:p>
-            <a:r>
-              <a:rPr lang="en-US" dirty="0" smtClean="0"/>
-              <a:t>Use </a:t>
-            </a:r>
-            <a:r>
-              <a:rPr lang="en-US" dirty="0" smtClean="0"/>
-              <a:t>plain old index </a:t>
-            </a:r>
-            <a:r>
-              <a:rPr lang="en-US" dirty="0" smtClean="0"/>
-              <a:t>loops</a:t>
-            </a:r>
-          </a:p>
-          <a:p>
-            <a:endParaRPr lang="en-US" dirty="0"/>
-          </a:p>
-          <a:p>
-            <a:r>
-              <a:rPr lang="en-US" dirty="0" smtClean="0"/>
-              <a:t>I loop backwards!</a:t>
-            </a:r>
-            <a:endParaRPr lang="en-US" dirty="0" smtClean="0"/>
-          </a:p>
-          <a:p>
-            <a:endParaRPr lang="en-US" dirty="0"/>
-          </a:p>
-        </p:txBody>
-      </p:sp>
-      <p:sp>
-        <p:nvSpPr>
-          <p:cNvPr id="3" name="Title 2"/>
-          <p:cNvSpPr>
-            <a:spLocks noGrp="1"/>
-          </p:cNvSpPr>
-          <p:nvPr>
-            <p:ph type="title"/>
-          </p:nvPr>
-        </p:nvSpPr>
-        <p:spPr/>
-        <p:txBody>
-          <a:bodyPr>
-            <a:normAutofit fontScale="90000"/>
-          </a:bodyPr>
-          <a:lstStyle/>
-          <a:p>
-            <a:r>
-              <a:rPr lang="en-US" dirty="0" smtClean="0"/>
-              <a:t>Enlightenment: </a:t>
-            </a:r>
-            <a:br>
-              <a:rPr lang="en-US" dirty="0" smtClean="0"/>
-            </a:br>
-            <a:r>
-              <a:rPr lang="en-US" dirty="0" smtClean="0"/>
-              <a:t>Deleting from a Collection</a:t>
-            </a:r>
-            <a:endParaRPr lang="en-US" dirty="0"/>
-          </a:p>
-        </p:txBody>
-      </p:sp>
-    </p:spTree>
-    <p:extLst>
-      <p:ext uri="{BB962C8B-B14F-4D97-AF65-F5344CB8AC3E}">
-        <p14:creationId xmlns:p14="http://schemas.microsoft.com/office/powerpoint/2010/main" val="554230324"/>
-      </p:ext>
-    </p:extLst>
-  </p:cSld>
-  <p:clrMapOvr>
-    <a:masterClrMapping/>
-  </p:clrMapOvr>
-  <p:timing>
-    <p:tnLst>
-      <p:par>
-        <p:cTn id="1" dur="indefinite" restart="never" nodeType="tmRoot"/>
-      </p:par>
-    </p:tnLst>
-  </p:timing>
-</p:sld>
-</file>
-
-<file path=ppt/slides/slide48.xml><?xml version="1.0" encoding="utf-8"?>
-<p:sld xmlns:a="http://schemas.openxmlformats.org/drawingml/2006/main" xmlns:r="http://schemas.openxmlformats.org/officeDocument/2006/relationships" xmlns:p="http://schemas.openxmlformats.org/presentationml/2006/main">
-  <p:cSld>
-    <p:spTree>
-      <p:nvGrpSpPr>
-        <p:cNvPr id="1" name=""/>
-        <p:cNvGrpSpPr/>
-        <p:nvPr/>
-      </p:nvGrpSpPr>
-      <p:grpSpPr>
-        <a:xfrm>
-          <a:off x="0" y="0"/>
-          <a:ext cx="0" cy="0"/>
-          <a:chOff x="0" y="0"/>
-          <a:chExt cx="0" cy="0"/>
-        </a:xfrm>
-      </p:grpSpPr>
-      <p:sp>
-        <p:nvSpPr>
-          <p:cNvPr id="2" name="Content Placeholder 1"/>
-          <p:cNvSpPr>
-            <a:spLocks noGrp="1"/>
-          </p:cNvSpPr>
-          <p:nvPr>
-            <p:ph idx="1"/>
-          </p:nvPr>
-        </p:nvSpPr>
-        <p:spPr>
-          <a:xfrm>
-            <a:off x="872067" y="2675467"/>
-            <a:ext cx="7738533" cy="3450696"/>
-          </a:xfrm>
-        </p:spPr>
-        <p:txBody>
-          <a:bodyPr>
-            <a:normAutofit/>
-          </a:bodyPr>
-          <a:lstStyle/>
-          <a:p>
-            <a:pPr marL="457200" indent="-457200">
-              <a:buFont typeface="+mj-lt"/>
-              <a:buAutoNum type="arabicPeriod"/>
-            </a:pPr>
-            <a:r>
-              <a:rPr lang="en-US" dirty="0" smtClean="0"/>
-              <a:t> ORM Settings -- Control the Session Flush</a:t>
-            </a:r>
-          </a:p>
-          <a:p>
-            <a:pPr marL="457200" indent="-457200">
-              <a:buFont typeface="+mj-lt"/>
-              <a:buAutoNum type="arabicPeriod"/>
-            </a:pPr>
-            <a:r>
-              <a:rPr lang="en-US" dirty="0" smtClean="0"/>
-              <a:t>Many-to-One Relationships</a:t>
-            </a:r>
-          </a:p>
-          <a:p>
-            <a:pPr marL="457200" indent="-457200">
-              <a:buFont typeface="+mj-lt"/>
-              <a:buAutoNum type="arabicPeriod"/>
-            </a:pPr>
-            <a:r>
-              <a:rPr lang="en-US" dirty="0" smtClean="0"/>
-              <a:t>One-to-Many Relationships</a:t>
-            </a:r>
-          </a:p>
-          <a:p>
-            <a:pPr marL="457200" indent="-457200">
-              <a:buFont typeface="+mj-lt"/>
-              <a:buAutoNum type="arabicPeriod"/>
-            </a:pPr>
-            <a:r>
-              <a:rPr lang="en-US" dirty="0"/>
-              <a:t>One-to-Many: inverse and “relationship owner”</a:t>
-            </a:r>
-          </a:p>
-          <a:p>
-            <a:pPr marL="457200" indent="-457200">
-              <a:buFont typeface="+mj-lt"/>
-              <a:buAutoNum type="arabicPeriod"/>
-            </a:pPr>
-            <a:r>
-              <a:rPr lang="en-US" dirty="0" smtClean="0"/>
-              <a:t>One-to-Many</a:t>
-            </a:r>
-            <a:r>
-              <a:rPr lang="en-US" dirty="0" smtClean="0"/>
-              <a:t>: Adding to Collections</a:t>
-            </a:r>
-          </a:p>
-          <a:p>
-            <a:pPr marL="457200" indent="-457200">
-              <a:buFont typeface="+mj-lt"/>
-              <a:buAutoNum type="arabicPeriod"/>
-            </a:pPr>
-            <a:r>
-              <a:rPr lang="en-US" dirty="0" smtClean="0"/>
-              <a:t>One-to-Many</a:t>
-            </a:r>
-            <a:r>
-              <a:rPr lang="en-US" dirty="0" smtClean="0"/>
-              <a:t>: Deleting from Collections</a:t>
-            </a:r>
-          </a:p>
-          <a:p>
-            <a:pPr marL="457200" indent="-457200">
-              <a:buFont typeface="+mj-lt"/>
-              <a:buAutoNum type="arabicPeriod"/>
-            </a:pPr>
-            <a:r>
-              <a:rPr lang="en-US" b="1" dirty="0" smtClean="0"/>
-              <a:t>Hibernate Session and the ColdFusion Session scope</a:t>
-            </a:r>
-            <a:endParaRPr lang="en-US" b="1" dirty="0"/>
-          </a:p>
-        </p:txBody>
-      </p:sp>
-      <p:sp>
-        <p:nvSpPr>
-          <p:cNvPr id="3" name="Title 2"/>
-          <p:cNvSpPr>
-            <a:spLocks noGrp="1"/>
-          </p:cNvSpPr>
-          <p:nvPr>
-            <p:ph type="title"/>
-          </p:nvPr>
-        </p:nvSpPr>
-        <p:spPr/>
-        <p:txBody>
-          <a:bodyPr/>
-          <a:lstStyle/>
-          <a:p>
-            <a:r>
-              <a:rPr lang="en-US" dirty="0" smtClean="0"/>
-              <a:t>Agenda</a:t>
-            </a:r>
-            <a:endParaRPr lang="en-US" dirty="0"/>
-          </a:p>
-        </p:txBody>
-      </p:sp>
-    </p:spTree>
-    <p:extLst>
-      <p:ext uri="{BB962C8B-B14F-4D97-AF65-F5344CB8AC3E}">
-        <p14:creationId xmlns:p14="http://schemas.microsoft.com/office/powerpoint/2010/main" val="1113937495"/>
-      </p:ext>
-    </p:extLst>
-  </p:cSld>
-  <p:clrMapOvr>
-    <a:masterClrMapping/>
-  </p:clrMapOvr>
-  <p:timing>
-    <p:tnLst>
-      <p:par>
-        <p:cTn id="1" dur="indefinite" restart="never" nodeType="tmRoot"/>
-      </p:par>
-    </p:tnLst>
-  </p:timing>
-</p:sld>
-</file>
-
-<file path=ppt/slides/slide49.xml><?xml version="1.0" encoding="utf-8"?>
-<p:sld xmlns:a="http://schemas.openxmlformats.org/drawingml/2006/main" xmlns:r="http://schemas.openxmlformats.org/officeDocument/2006/relationships" xmlns:p="http://schemas.openxmlformats.org/presentationml/2006/main">
-  <p:cSld>
-    <p:spTree>
-      <p:nvGrpSpPr>
-        <p:cNvPr id="1" name=""/>
-        <p:cNvGrpSpPr/>
-        <p:nvPr/>
-      </p:nvGrpSpPr>
-      <p:grpSpPr>
-        <a:xfrm>
-          <a:off x="0" y="0"/>
-          <a:ext cx="0" cy="0"/>
-          <a:chOff x="0" y="0"/>
-          <a:chExt cx="0" cy="0"/>
-        </a:xfrm>
-      </p:grpSpPr>
-      <p:sp>
-        <p:nvSpPr>
-          <p:cNvPr id="2" name="Content Placeholder 1"/>
-          <p:cNvSpPr>
-            <a:spLocks noGrp="1"/>
-          </p:cNvSpPr>
-          <p:nvPr>
-            <p:ph idx="1"/>
-          </p:nvPr>
-        </p:nvSpPr>
-        <p:spPr>
-          <a:xfrm>
-            <a:off x="380999" y="2362200"/>
-            <a:ext cx="8534401" cy="3763963"/>
-          </a:xfrm>
-        </p:spPr>
-        <p:txBody>
-          <a:bodyPr/>
-          <a:lstStyle/>
-          <a:p>
-            <a:pPr marL="0" indent="0" algn="ctr">
-              <a:buNone/>
-            </a:pPr>
-            <a:endParaRPr lang="en-US" dirty="0" smtClean="0"/>
-          </a:p>
-          <a:p>
-            <a:pPr marL="0" indent="0" algn="ctr">
-              <a:buNone/>
-            </a:pPr>
-            <a:r>
-              <a:rPr lang="en-US" dirty="0" smtClean="0"/>
-              <a:t>When I store my user object in the </a:t>
-            </a:r>
-            <a:r>
-              <a:rPr lang="en-US" b="1" dirty="0" smtClean="0"/>
-              <a:t>ColdFusion session scope</a:t>
-            </a:r>
-            <a:r>
-              <a:rPr lang="en-US" dirty="0" smtClean="0"/>
-              <a:t>,</a:t>
-            </a:r>
-          </a:p>
-          <a:p>
-            <a:pPr marL="0" indent="0" algn="ctr">
-              <a:buNone/>
-            </a:pPr>
-            <a:endParaRPr lang="en-US" dirty="0" smtClean="0"/>
-          </a:p>
-          <a:p>
-            <a:pPr marL="0" indent="0" algn="ctr">
-              <a:buNone/>
-            </a:pPr>
-            <a:r>
-              <a:rPr lang="en-US" dirty="0" smtClean="0"/>
-              <a:t> and then change it and save,</a:t>
-            </a:r>
-          </a:p>
-          <a:p>
-            <a:pPr marL="0" indent="0" algn="ctr">
-              <a:buNone/>
-            </a:pPr>
-            <a:endParaRPr lang="en-US" dirty="0" smtClean="0"/>
-          </a:p>
-          <a:p>
-            <a:pPr marL="0" indent="0" algn="ctr">
-              <a:buNone/>
-            </a:pPr>
-            <a:r>
-              <a:rPr lang="en-US" dirty="0" smtClean="0"/>
-              <a:t> I get weirdo Hibernate errors</a:t>
-            </a:r>
-            <a:endParaRPr lang="en-US" dirty="0"/>
-          </a:p>
-        </p:txBody>
-      </p:sp>
-      <p:sp>
-        <p:nvSpPr>
-          <p:cNvPr id="3" name="Title 2"/>
-          <p:cNvSpPr>
-            <a:spLocks noGrp="1"/>
-          </p:cNvSpPr>
-          <p:nvPr>
-            <p:ph type="title"/>
-          </p:nvPr>
-        </p:nvSpPr>
-        <p:spPr/>
-        <p:txBody>
-          <a:bodyPr/>
-          <a:lstStyle/>
-          <a:p>
-            <a:r>
-              <a:rPr lang="en-US" dirty="0" smtClean="0"/>
-              <a:t>Suffering</a:t>
-            </a:r>
-            <a:endParaRPr lang="en-US" dirty="0"/>
-          </a:p>
-        </p:txBody>
-      </p:sp>
-    </p:spTree>
-    <p:extLst>
-      <p:ext uri="{BB962C8B-B14F-4D97-AF65-F5344CB8AC3E}">
-        <p14:creationId xmlns:p14="http://schemas.microsoft.com/office/powerpoint/2010/main" val="2932508157"/>
-      </p:ext>
-    </p:extLst>
-  </p:cSld>
-  <p:clrMapOvr>
-    <a:masterClrMapping/>
-  </p:clrMapOvr>
-  <p:timing>
-    <p:tnLst>
-      <p:par>
-        <p:cTn id="1" dur="indefinite" restart="never" nodeType="tmRoot"/>
-      </p:par>
-    </p:tnLst>
-  </p:timing>
-</p:sld>
-</file>
-
-<file path=ppt/slides/slide5.xml><?xml version="1.0" encoding="utf-8"?>
-<p:sld xmlns:a="http://schemas.openxmlformats.org/drawingml/2006/main" xmlns:r="http://schemas.openxmlformats.org/officeDocument/2006/relationships" xmlns:p="http://schemas.openxmlformats.org/presentationml/2006/main" showMasterSp="0">
-  <p:cSld>
-    <p:spTree>
-      <p:nvGrpSpPr>
-        <p:cNvPr id="1" name=""/>
-        <p:cNvGrpSpPr/>
-        <p:nvPr/>
-      </p:nvGrpSpPr>
-      <p:grpSpPr>
-        <a:xfrm>
-          <a:off x="0" y="0"/>
-          <a:ext cx="0" cy="0"/>
-          <a:chOff x="0" y="0"/>
-          <a:chExt cx="0" cy="0"/>
-        </a:xfrm>
-      </p:grpSpPr>
-      <p:pic>
-        <p:nvPicPr>
-          <p:cNvPr id="4" name="Picture 4"/>
-          <p:cNvPicPr>
-            <a:picLocks noChangeAspect="1" noChangeArrowheads="1"/>
-          </p:cNvPicPr>
-          <p:nvPr/>
-        </p:nvPicPr>
-        <p:blipFill>
-          <a:blip r:embed="rId2">
-            <a:extLst>
-              <a:ext uri="{28A0092B-C50C-407E-A947-70E740481C1C}">
-                <a14:useLocalDpi xmlns:a14="http://schemas.microsoft.com/office/drawing/2010/main" val="0"/>
-              </a:ext>
-            </a:extLst>
-          </a:blip>
-          <a:srcRect/>
-          <a:stretch>
-            <a:fillRect/>
-          </a:stretch>
-        </p:blipFill>
-        <p:spPr bwMode="auto">
-          <a:xfrm>
-            <a:off x="609600" y="239827"/>
-            <a:ext cx="7772400" cy="5360366"/>
-          </a:xfrm>
-          <a:prstGeom prst="rect">
-            <a:avLst/>
-          </a:prstGeom>
-          <a:noFill/>
-          <a:ln>
-            <a:noFill/>
-          </a:ln>
-          <a:effectLst/>
-          <a:extLst>
-            <a:ext uri="{909E8E84-426E-40DD-AFC4-6F175D3DCCD1}">
-              <a14:hiddenFill xmlns:a14="http://schemas.microsoft.com/office/drawing/2010/main">
-                <a:solidFill>
-                  <a:schemeClr val="accent1"/>
-                </a:solidFill>
-              </a14:hiddenFill>
-            </a:ext>
-            <a:ext uri="{91240B29-F687-4F45-9708-019B960494DF}">
-              <a14:hiddenLine xmlns:a14="http://schemas.microsoft.com/office/drawing/2010/main" w="9525">
-                <a:solidFill>
-                  <a:schemeClr val="tx1"/>
-                </a:solidFill>
-                <a:miter lim="800000"/>
-                <a:headEnd/>
-                <a:tailEnd/>
-              </a14:hiddenLine>
-            </a:ext>
-            <a:ext uri="{AF507438-7753-43E0-B8FC-AC1667EBCBE1}">
-              <a14:hiddenEffects xmlns:a14="http://schemas.microsoft.com/office/drawing/2010/main">
-                <a:effectLst>
-                  <a:outerShdw dist="35921" dir="2700000" algn="ctr" rotWithShape="0">
-                    <a:schemeClr val="bg2"/>
-                  </a:outerShdw>
-                </a:effectLst>
-              </a14:hiddenEffects>
-            </a:ext>
-          </a:extLst>
-        </p:spPr>
-      </p:pic>
-      <p:sp>
-        <p:nvSpPr>
-          <p:cNvPr id="5" name="TextBox 4"/>
-          <p:cNvSpPr txBox="1"/>
-          <p:nvPr/>
-        </p:nvSpPr>
-        <p:spPr>
-          <a:xfrm>
-            <a:off x="609600" y="5867400"/>
-            <a:ext cx="7772400" cy="646331"/>
-          </a:xfrm>
-          <a:prstGeom prst="rect">
-            <a:avLst/>
-          </a:prstGeom>
-          <a:noFill/>
-        </p:spPr>
-        <p:txBody>
-          <a:bodyPr wrap="square" rtlCol="0">
-            <a:spAutoFit/>
-          </a:bodyPr>
-          <a:lstStyle/>
-          <a:p>
-            <a:pPr algn="ctr"/>
-            <a:r>
-              <a:rPr lang="en-US" sz="3600" b="1" dirty="0" smtClean="0"/>
-              <a:t>I’m an ORM King! </a:t>
-            </a:r>
-            <a:r>
-              <a:rPr lang="en-US" sz="3600" b="1" dirty="0" err="1" smtClean="0"/>
-              <a:t>Eaassssyyy</a:t>
-            </a:r>
-            <a:r>
-              <a:rPr lang="en-US" sz="3600" b="1" dirty="0" smtClean="0"/>
-              <a:t>!</a:t>
-            </a:r>
-            <a:endParaRPr lang="en-US" sz="3600" b="1" dirty="0"/>
-          </a:p>
-        </p:txBody>
-      </p:sp>
-    </p:spTree>
-    <p:extLst>
-      <p:ext uri="{BB962C8B-B14F-4D97-AF65-F5344CB8AC3E}">
-        <p14:creationId xmlns:p14="http://schemas.microsoft.com/office/powerpoint/2010/main" val="3147704402"/>
       </p:ext>
     </p:extLst>
   </p:cSld>
@@ -23939,7 +23928,7 @@
 </file>
 
 <file path=ppt/slides/slide6.xml><?xml version="1.0" encoding="utf-8"?>
-<p:sld xmlns:a="http://schemas.openxmlformats.org/drawingml/2006/main" xmlns:r="http://schemas.openxmlformats.org/officeDocument/2006/relationships" xmlns:p="http://schemas.openxmlformats.org/presentationml/2006/main">
+<p:sld xmlns:a="http://schemas.openxmlformats.org/drawingml/2006/main" xmlns:r="http://schemas.openxmlformats.org/officeDocument/2006/relationships" xmlns:p="http://schemas.openxmlformats.org/presentationml/2006/main" showMasterSp="0">
   <p:cSld>
     <p:spTree>
       <p:nvGrpSpPr>
@@ -23957,7 +23946,7 @@
       </p:grpSpPr>
       <p:pic>
         <p:nvPicPr>
-          <p:cNvPr id="3074" name="Picture 2" descr="Strength, Natural Law, Zen"/>
+          <p:cNvPr id="4" name="Picture 4"/>
           <p:cNvPicPr>
             <a:picLocks noChangeAspect="1" noChangeArrowheads="1"/>
           </p:cNvPicPr>
@@ -23978,61 +23967,47 @@
         </p:blipFill>
         <p:spPr bwMode="auto">
           <a:xfrm>
-            <a:off x="-1" y="-43393"/>
-            <a:ext cx="9177417" cy="5377393"/>
+            <a:off x="609600" y="239827"/>
+            <a:ext cx="7772400" cy="5360366"/>
           </a:xfrm>
           <a:prstGeom prst="rect">
             <a:avLst/>
           </a:prstGeom>
           <a:noFill/>
+          <a:ln>
+            <a:noFill/>
+          </a:ln>
+          <a:effectLst/>
           <a:extLst>
             <a:ext uri="{909E8E84-426E-40DD-AFC4-6F175D3DCCD1}">
               <a14:hiddenFill xmlns:a14="http://schemas.microsoft.com/office/drawing/2010/main">
                 <a:solidFill>
-                  <a:srgbClr val="FFFFFF"/>
+                  <a:schemeClr val="accent1"/>
                 </a:solidFill>
               </a14:hiddenFill>
+            </a:ext>
+            <a:ext uri="{91240B29-F687-4F45-9708-019B960494DF}">
+              <a14:hiddenLine xmlns:a14="http://schemas.microsoft.com/office/drawing/2010/main" w="9525">
+                <a:solidFill>
+                  <a:schemeClr val="tx1"/>
+                </a:solidFill>
+                <a:miter lim="800000"/>
+                <a:headEnd/>
+                <a:tailEnd/>
+              </a14:hiddenLine>
+            </a:ext>
+            <a:ext uri="{AF507438-7753-43E0-B8FC-AC1667EBCBE1}">
+              <a14:hiddenEffects xmlns:a14="http://schemas.microsoft.com/office/drawing/2010/main">
+                <a:effectLst>
+                  <a:outerShdw dist="35921" dir="2700000" algn="ctr" rotWithShape="0">
+                    <a:schemeClr val="bg2"/>
+                  </a:outerShdw>
+                </a:effectLst>
+              </a14:hiddenEffects>
             </a:ext>
           </a:extLst>
         </p:spPr>
       </p:pic>
-      <p:sp>
-        <p:nvSpPr>
-          <p:cNvPr id="4" name="Rectangle 3"/>
-          <p:cNvSpPr/>
-          <p:nvPr/>
-        </p:nvSpPr>
-        <p:spPr>
-          <a:xfrm>
-            <a:off x="2057400" y="5102423"/>
-            <a:ext cx="8382000" cy="307777"/>
-          </a:xfrm>
-          <a:prstGeom prst="rect">
-            <a:avLst/>
-          </a:prstGeom>
-        </p:spPr>
-        <p:txBody>
-          <a:bodyPr wrap="square">
-            <a:spAutoFit/>
-          </a:bodyPr>
-          <a:lstStyle/>
-          <a:p>
-            <a:r>
-              <a:rPr lang="en-US" sz="1400" dirty="0" smtClean="0">
-                <a:solidFill>
-                  <a:schemeClr val="bg1"/>
-                </a:solidFill>
-              </a:rPr>
-              <a:t>http://severity1.wordpress.com/2009/11/01/my-first-zen-wallpaper/strength_zen_naturallaw-2/</a:t>
-            </a:r>
-            <a:endParaRPr lang="en-US" sz="1400" dirty="0">
-              <a:solidFill>
-                <a:schemeClr val="bg1"/>
-              </a:solidFill>
-            </a:endParaRPr>
-          </a:p>
-        </p:txBody>
-      </p:sp>
       <p:sp>
         <p:nvSpPr>
           <p:cNvPr id="5" name="TextBox 4"/>
@@ -24041,8 +24016,8 @@
         </p:nvSpPr>
         <p:spPr>
           <a:xfrm>
-            <a:off x="533400" y="5867400"/>
-            <a:ext cx="8153400" cy="646331"/>
+            <a:off x="609600" y="5867400"/>
+            <a:ext cx="7772400" cy="646331"/>
           </a:xfrm>
           <a:prstGeom prst="rect">
             <a:avLst/>
@@ -24058,7 +24033,15 @@
             <a:pPr algn="ctr"/>
             <a:r>
               <a:rPr lang="en-US" sz="3600" b="1" dirty="0" smtClean="0"/>
-              <a:t>OKOKOK… W. T. F.? </a:t>
+              <a:t>I’m an ORM King! </a:t>
+            </a:r>
+            <a:r>
+              <a:rPr lang="en-US" sz="3600" b="1" dirty="0" err="1" smtClean="0"/>
+              <a:t>Eaassssyyy</a:t>
+            </a:r>
+            <a:r>
+              <a:rPr lang="en-US" sz="3600" b="1" dirty="0" smtClean="0"/>
+              <a:t>!</a:t>
             </a:r>
             <a:endParaRPr lang="en-US" sz="3600" b="1" dirty="0"/>
           </a:p>
@@ -24067,7 +24050,7 @@
     </p:spTree>
     <p:extLst>
       <p:ext uri="{BB962C8B-B14F-4D97-AF65-F5344CB8AC3E}">
-        <p14:creationId xmlns:p14="http://schemas.microsoft.com/office/powerpoint/2010/main" val="3445455866"/>
+        <p14:creationId xmlns:p14="http://schemas.microsoft.com/office/powerpoint/2010/main" val="3147704402"/>
       </p:ext>
     </p:extLst>
   </p:cSld>
@@ -24478,7 +24461,7 @@
 </file>
 
 <file path=ppt/slides/slide7.xml><?xml version="1.0" encoding="utf-8"?>
-<p:sld xmlns:a="http://schemas.openxmlformats.org/drawingml/2006/main" xmlns:r="http://schemas.openxmlformats.org/officeDocument/2006/relationships" xmlns:p="http://schemas.openxmlformats.org/presentationml/2006/main" showMasterSp="0">
+<p:sld xmlns:a="http://schemas.openxmlformats.org/drawingml/2006/main" xmlns:r="http://schemas.openxmlformats.org/officeDocument/2006/relationships" xmlns:p="http://schemas.openxmlformats.org/presentationml/2006/main">
   <p:cSld>
     <p:spTree>
       <p:nvGrpSpPr>
@@ -24496,7 +24479,7 @@
       </p:grpSpPr>
       <p:pic>
         <p:nvPicPr>
-          <p:cNvPr id="4100" name="Picture 4" descr="http://images.wikia.com/simpsons/images/4/41/Itchy_and_Scratchy_History.gif"/>
+          <p:cNvPr id="3074" name="Picture 2" descr="Strength, Natural Law, Zen"/>
           <p:cNvPicPr>
             <a:picLocks noChangeAspect="1" noChangeArrowheads="1"/>
           </p:cNvPicPr>
@@ -24517,8 +24500,8 @@
         </p:blipFill>
         <p:spPr bwMode="auto">
           <a:xfrm>
-            <a:off x="1333500" y="706789"/>
-            <a:ext cx="5848350" cy="5105401"/>
+            <a:off x="-1" y="-43393"/>
+            <a:ext cx="9177417" cy="5377393"/>
           </a:xfrm>
           <a:prstGeom prst="rect">
             <a:avLst/>
@@ -24537,14 +24520,51 @@
       </p:pic>
       <p:sp>
         <p:nvSpPr>
-          <p:cNvPr id="4" name="TextBox 3"/>
+          <p:cNvPr id="4" name="Rectangle 3"/>
+          <p:cNvSpPr/>
+          <p:nvPr/>
+        </p:nvSpPr>
+        <p:spPr>
+          <a:xfrm>
+            <a:off x="2057400" y="5102423"/>
+            <a:ext cx="8382000" cy="307777"/>
+          </a:xfrm>
+          <a:prstGeom prst="rect">
+            <a:avLst/>
+          </a:prstGeom>
+        </p:spPr>
+        <p:txBody>
+          <a:bodyPr wrap="square">
+            <a:spAutoFit/>
+          </a:bodyPr>
+          <a:lstStyle/>
+          <a:p>
+            <a:r>
+              <a:rPr lang="en-US" sz="1400" dirty="0" smtClean="0">
+                <a:solidFill>
+                  <a:schemeClr val="bg1"/>
+                </a:solidFill>
+              </a:rPr>
+              <a:t>http://severity1.wordpress.com/2009/11/01/my-first-zen-wallpaper/strength_zen_naturallaw-2/</a:t>
+            </a:r>
+            <a:endParaRPr lang="en-US" sz="1400" dirty="0">
+              <a:solidFill>
+                <a:schemeClr val="bg1"/>
+              </a:solidFill>
+            </a:endParaRPr>
+          </a:p>
+        </p:txBody>
+      </p:sp>
+      <p:sp>
+        <p:nvSpPr>
+          <p:cNvPr id="5" name="TextBox 4"/>
           <p:cNvSpPr txBox="1"/>
           <p:nvPr/>
         </p:nvSpPr>
         <p:spPr>
           <a:xfrm>
-            <a:off x="304088" y="1371600"/>
-            <a:ext cx="2057400" cy="707886"/>
+            <a:off x="533400" y="5867400"/>
+            <a:ext cx="8153400" cy="646331"/>
           </a:xfrm>
           <a:prstGeom prst="rect">
             <a:avLst/>
@@ -24557,197 +24577,19 @@
           </a:bodyPr>
           <a:lstStyle/>
           <a:p>
-            <a:r>
-              <a:rPr lang="en-US" sz="4000" dirty="0">
-                <a:solidFill>
-                  <a:srgbClr val="FF0000"/>
-                </a:solidFill>
-                <a:effectLst>
-                  <a:outerShdw blurRad="50800" dist="50800" dir="3000000" algn="ctr" rotWithShape="0">
-                    <a:schemeClr val="bg1">
-                      <a:lumMod val="50000"/>
-                    </a:schemeClr>
-                  </a:outerShdw>
-                </a:effectLst>
-              </a:rPr>
-              <a:t>ORM</a:t>
-            </a:r>
-          </a:p>
-        </p:txBody>
-      </p:sp>
-      <p:sp>
-        <p:nvSpPr>
-          <p:cNvPr id="13" name="Arc 12"/>
-          <p:cNvSpPr/>
-          <p:nvPr/>
-        </p:nvSpPr>
-        <p:spPr>
-          <a:xfrm rot="4245087">
-            <a:off x="6578165" y="118392"/>
-            <a:ext cx="1502719" cy="3137861"/>
-          </a:xfrm>
-          <a:prstGeom prst="arc">
-            <a:avLst>
-              <a:gd name="adj1" fmla="val 15370964"/>
-              <a:gd name="adj2" fmla="val 0"/>
-            </a:avLst>
-          </a:prstGeom>
-          <a:ln>
-            <a:tailEnd type="triangle" w="lg" len="lg"/>
-          </a:ln>
-        </p:spPr>
-        <p:style>
-          <a:lnRef idx="1">
-            <a:schemeClr val="accent1"/>
-          </a:lnRef>
-          <a:fillRef idx="0">
-            <a:schemeClr val="accent1"/>
-          </a:fillRef>
-          <a:effectRef idx="0">
-            <a:schemeClr val="accent1"/>
-          </a:effectRef>
-          <a:fontRef idx="minor">
-            <a:schemeClr val="tx1"/>
-          </a:fontRef>
-        </p:style>
-        <p:txBody>
-          <a:bodyPr rtlCol="0" anchor="ctr"/>
-          <a:lstStyle/>
-          <a:p>
             <a:pPr algn="ctr"/>
-            <a:endParaRPr lang="en-US"/>
-          </a:p>
-        </p:txBody>
-      </p:sp>
-      <p:sp>
-        <p:nvSpPr>
-          <p:cNvPr id="5" name="TextBox 4"/>
-          <p:cNvSpPr txBox="1"/>
-          <p:nvPr/>
-        </p:nvSpPr>
-        <p:spPr>
-          <a:xfrm>
-            <a:off x="7620000" y="511314"/>
-            <a:ext cx="914400" cy="707886"/>
-          </a:xfrm>
-          <a:prstGeom prst="rect">
-            <a:avLst/>
-          </a:prstGeom>
-          <a:noFill/>
-        </p:spPr>
-        <p:txBody>
-          <a:bodyPr wrap="square" rtlCol="0">
-            <a:spAutoFit/>
-          </a:bodyPr>
-          <a:lstStyle/>
-          <a:p>
-            <a:r>
-              <a:rPr lang="en-US" sz="4000" dirty="0" smtClean="0">
-                <a:solidFill>
-                  <a:srgbClr val="FF0000"/>
-                </a:solidFill>
-                <a:effectLst>
-                  <a:outerShdw blurRad="50800" dist="50800" dir="3000000" algn="ctr" rotWithShape="0">
-                    <a:schemeClr val="bg1">
-                      <a:lumMod val="50000"/>
-                    </a:schemeClr>
-                  </a:outerShdw>
-                </a:effectLst>
-              </a:rPr>
-              <a:t>ME</a:t>
-            </a:r>
-            <a:endParaRPr lang="en-US" sz="4000" dirty="0">
-              <a:solidFill>
-                <a:srgbClr val="FF0000"/>
-              </a:solidFill>
-              <a:effectLst>
-                <a:outerShdw blurRad="50800" dist="50800" dir="3000000" algn="ctr" rotWithShape="0">
-                  <a:schemeClr val="bg1">
-                    <a:lumMod val="50000"/>
-                  </a:schemeClr>
-                </a:outerShdw>
-              </a:effectLst>
-            </a:endParaRPr>
-          </a:p>
-        </p:txBody>
-      </p:sp>
-      <p:sp>
-        <p:nvSpPr>
-          <p:cNvPr id="11" name="Arc 10"/>
-          <p:cNvSpPr/>
-          <p:nvPr/>
-        </p:nvSpPr>
-        <p:spPr>
-          <a:xfrm rot="21033080" flipH="1">
-            <a:off x="558265" y="1298548"/>
-            <a:ext cx="1888534" cy="1733752"/>
-          </a:xfrm>
-          <a:prstGeom prst="arc">
-            <a:avLst>
-              <a:gd name="adj1" fmla="val 20511254"/>
-              <a:gd name="adj2" fmla="val 6055391"/>
-            </a:avLst>
-          </a:prstGeom>
-          <a:ln>
-            <a:tailEnd type="stealth" w="lg" len="lg"/>
-          </a:ln>
-        </p:spPr>
-        <p:style>
-          <a:lnRef idx="1">
-            <a:schemeClr val="accent1"/>
-          </a:lnRef>
-          <a:fillRef idx="0">
-            <a:schemeClr val="accent1"/>
-          </a:fillRef>
-          <a:effectRef idx="0">
-            <a:schemeClr val="accent1"/>
-          </a:effectRef>
-          <a:fontRef idx="minor">
-            <a:schemeClr val="tx1"/>
-          </a:fontRef>
-        </p:style>
-        <p:txBody>
-          <a:bodyPr rtlCol="0" anchor="ctr"/>
-          <a:lstStyle/>
-          <a:p>
-            <a:pPr algn="ctr"/>
-            <a:endParaRPr lang="en-US"/>
-          </a:p>
-        </p:txBody>
-      </p:sp>
-      <p:sp>
-        <p:nvSpPr>
-          <p:cNvPr id="12" name="Rectangle 11"/>
-          <p:cNvSpPr/>
-          <p:nvPr/>
-        </p:nvSpPr>
-        <p:spPr>
-          <a:xfrm>
-            <a:off x="4078612" y="6474023"/>
-            <a:ext cx="4912988" cy="307777"/>
-          </a:xfrm>
-          <a:prstGeom prst="rect">
-            <a:avLst/>
-          </a:prstGeom>
-        </p:spPr>
-        <p:txBody>
-          <a:bodyPr wrap="square">
-            <a:spAutoFit/>
-          </a:bodyPr>
-          <a:lstStyle/>
-          <a:p>
-            <a:r>
-              <a:rPr lang="en-US" sz="1400" dirty="0" smtClean="0"/>
-              <a:t>http://simpsons.wikia.com/wiki/The_Itchy_%26_Scratchy_Show</a:t>
-            </a:r>
-            <a:endParaRPr lang="en-US" sz="1400" dirty="0"/>
+            <a:r>
+              <a:rPr lang="en-US" sz="3600" b="1" dirty="0" smtClean="0"/>
+              <a:t>OKOKOK… W. T. F.? </a:t>
+            </a:r>
+            <a:endParaRPr lang="en-US" sz="3600" b="1" dirty="0"/>
           </a:p>
         </p:txBody>
       </p:sp>
     </p:spTree>
     <p:extLst>
       <p:ext uri="{BB962C8B-B14F-4D97-AF65-F5344CB8AC3E}">
-        <p14:creationId xmlns:p14="http://schemas.microsoft.com/office/powerpoint/2010/main" val="498393812"/>
+        <p14:creationId xmlns:p14="http://schemas.microsoft.com/office/powerpoint/2010/main" val="3445455866"/>
       </p:ext>
     </p:extLst>
   </p:cSld>
@@ -24804,41 +24646,19 @@
           <a:p>
             <a:r>
               <a:rPr lang="en-US" dirty="0" smtClean="0"/>
-              <a:t>“</a:t>
-            </a:r>
-            <a:r>
-              <a:rPr lang="en-US" dirty="0" smtClean="0"/>
-              <a:t>Why won’t you </a:t>
-            </a:r>
-            <a:r>
-              <a:rPr lang="en-US" dirty="0" smtClean="0"/>
-              <a:t>delete relationships?”</a:t>
-            </a:r>
-            <a:endParaRPr lang="en-US" dirty="0" smtClean="0"/>
-          </a:p>
-          <a:p>
-            <a:r>
-              <a:rPr lang="en-US" dirty="0" smtClean="0"/>
-              <a:t>“</a:t>
-            </a:r>
-            <a:r>
-              <a:rPr lang="en-US" dirty="0" smtClean="0"/>
-              <a:t>Why DID you </a:t>
-            </a:r>
-            <a:r>
-              <a:rPr lang="en-US" dirty="0" smtClean="0"/>
-              <a:t>save anything at all?”</a:t>
-            </a:r>
-            <a:endParaRPr lang="en-US" dirty="0" smtClean="0"/>
-          </a:p>
-          <a:p>
-            <a:r>
-              <a:rPr lang="en-US" dirty="0" smtClean="0"/>
-              <a:t>“</a:t>
-            </a:r>
-            <a:r>
-              <a:rPr lang="en-US" dirty="0" smtClean="0"/>
-              <a:t>Why did you insert </a:t>
+              <a:t>“Why won’t you delete relationships?”</a:t>
+            </a:r>
+          </a:p>
+          <a:p>
+            <a:r>
+              <a:rPr lang="en-US" dirty="0" smtClean="0"/>
+              <a:t>“Why DID you save anything at all?”</a:t>
+            </a:r>
+          </a:p>
+          <a:p>
+            <a:r>
+              <a:rPr lang="en-US" dirty="0" smtClean="0"/>
+              <a:t>“Why did you insert </a:t>
             </a:r>
             <a:r>
               <a:rPr lang="en-US" dirty="0"/>
